--- a/memoria/images/Presentación1.pptx
+++ b/memoria/images/Presentación1.pptx
@@ -8,6 +8,7 @@
     <p:sldId id="256" r:id="rId2"/>
     <p:sldId id="257" r:id="rId3"/>
     <p:sldId id="258" r:id="rId4"/>
+    <p:sldId id="259" r:id="rId5"/>
   </p:sldIdLst>
   <p:sldSz cx="12192000" cy="6858000"/>
   <p:notesSz cx="6858000" cy="9144000"/>
@@ -106,6 +107,11 @@
       </a:defRPr>
     </a:lvl9pPr>
   </p:defaultTextStyle>
+  <p:extLst>
+    <p:ext uri="{EFAFB233-063F-42B5-8137-9DF3F51BA10A}">
+      <p15:sldGuideLst xmlns:p15="http://schemas.microsoft.com/office/powerpoint/2012/main"/>
+    </p:ext>
+  </p:extLst>
 </p:presentation>
 </file>
 
@@ -240,7 +246,7 @@
           <a:p>
             <a:fld id="{9C28449B-7E7F-4B22-B31C-7455ACE0523B}" type="datetimeFigureOut">
               <a:rPr lang="es-ES" smtClean="0"/>
-              <a:t>16/10/2017</a:t>
+              <a:t>24/10/2017</a:t>
             </a:fld>
             <a:endParaRPr lang="es-ES"/>
           </a:p>
@@ -410,7 +416,7 @@
           <a:p>
             <a:fld id="{9C28449B-7E7F-4B22-B31C-7455ACE0523B}" type="datetimeFigureOut">
               <a:rPr lang="es-ES" smtClean="0"/>
-              <a:t>16/10/2017</a:t>
+              <a:t>24/10/2017</a:t>
             </a:fld>
             <a:endParaRPr lang="es-ES"/>
           </a:p>
@@ -590,7 +596,7 @@
           <a:p>
             <a:fld id="{9C28449B-7E7F-4B22-B31C-7455ACE0523B}" type="datetimeFigureOut">
               <a:rPr lang="es-ES" smtClean="0"/>
-              <a:t>16/10/2017</a:t>
+              <a:t>24/10/2017</a:t>
             </a:fld>
             <a:endParaRPr lang="es-ES"/>
           </a:p>
@@ -760,7 +766,7 @@
           <a:p>
             <a:fld id="{9C28449B-7E7F-4B22-B31C-7455ACE0523B}" type="datetimeFigureOut">
               <a:rPr lang="es-ES" smtClean="0"/>
-              <a:t>16/10/2017</a:t>
+              <a:t>24/10/2017</a:t>
             </a:fld>
             <a:endParaRPr lang="es-ES"/>
           </a:p>
@@ -1006,7 +1012,7 @@
           <a:p>
             <a:fld id="{9C28449B-7E7F-4B22-B31C-7455ACE0523B}" type="datetimeFigureOut">
               <a:rPr lang="es-ES" smtClean="0"/>
-              <a:t>16/10/2017</a:t>
+              <a:t>24/10/2017</a:t>
             </a:fld>
             <a:endParaRPr lang="es-ES"/>
           </a:p>
@@ -1238,7 +1244,7 @@
           <a:p>
             <a:fld id="{9C28449B-7E7F-4B22-B31C-7455ACE0523B}" type="datetimeFigureOut">
               <a:rPr lang="es-ES" smtClean="0"/>
-              <a:t>16/10/2017</a:t>
+              <a:t>24/10/2017</a:t>
             </a:fld>
             <a:endParaRPr lang="es-ES"/>
           </a:p>
@@ -1605,7 +1611,7 @@
           <a:p>
             <a:fld id="{9C28449B-7E7F-4B22-B31C-7455ACE0523B}" type="datetimeFigureOut">
               <a:rPr lang="es-ES" smtClean="0"/>
-              <a:t>16/10/2017</a:t>
+              <a:t>24/10/2017</a:t>
             </a:fld>
             <a:endParaRPr lang="es-ES"/>
           </a:p>
@@ -1723,7 +1729,7 @@
           <a:p>
             <a:fld id="{9C28449B-7E7F-4B22-B31C-7455ACE0523B}" type="datetimeFigureOut">
               <a:rPr lang="es-ES" smtClean="0"/>
-              <a:t>16/10/2017</a:t>
+              <a:t>24/10/2017</a:t>
             </a:fld>
             <a:endParaRPr lang="es-ES"/>
           </a:p>
@@ -1818,7 +1824,7 @@
           <a:p>
             <a:fld id="{9C28449B-7E7F-4B22-B31C-7455ACE0523B}" type="datetimeFigureOut">
               <a:rPr lang="es-ES" smtClean="0"/>
-              <a:t>16/10/2017</a:t>
+              <a:t>24/10/2017</a:t>
             </a:fld>
             <a:endParaRPr lang="es-ES"/>
           </a:p>
@@ -2095,7 +2101,7 @@
           <a:p>
             <a:fld id="{9C28449B-7E7F-4B22-B31C-7455ACE0523B}" type="datetimeFigureOut">
               <a:rPr lang="es-ES" smtClean="0"/>
-              <a:t>16/10/2017</a:t>
+              <a:t>24/10/2017</a:t>
             </a:fld>
             <a:endParaRPr lang="es-ES"/>
           </a:p>
@@ -2348,7 +2354,7 @@
           <a:p>
             <a:fld id="{9C28449B-7E7F-4B22-B31C-7455ACE0523B}" type="datetimeFigureOut">
               <a:rPr lang="es-ES" smtClean="0"/>
-              <a:t>16/10/2017</a:t>
+              <a:t>24/10/2017</a:t>
             </a:fld>
             <a:endParaRPr lang="es-ES"/>
           </a:p>
@@ -2561,7 +2567,7 @@
           <a:p>
             <a:fld id="{9C28449B-7E7F-4B22-B31C-7455ACE0523B}" type="datetimeFigureOut">
               <a:rPr lang="es-ES" smtClean="0"/>
-              <a:t>16/10/2017</a:t>
+              <a:t>24/10/2017</a:t>
             </a:fld>
             <a:endParaRPr lang="es-ES"/>
           </a:p>
@@ -3267,18 +3273,6 @@
                       </a:rPr>
                       <a:t>ORCHESTRATION</a:t>
                     </a:r>
-                    <a:endParaRPr kumimoji="0" lang="es-ES" sz="1400" b="1" i="0" u="none" strike="noStrike" cap="none" normalizeH="0" baseline="0" dirty="0" smtClean="0">
-                      <a:ln>
-                        <a:noFill/>
-                      </a:ln>
-                      <a:solidFill>
-                        <a:schemeClr val="tx1">
-                          <a:lumMod val="75000"/>
-                          <a:lumOff val="25000"/>
-                        </a:schemeClr>
-                      </a:solidFill>
-                      <a:effectLst/>
-                    </a:endParaRPr>
                   </a:p>
                   <a:p>
                     <a:pPr marL="0" marR="0" indent="0" algn="ctr" defTabSz="914400" rtl="0" eaLnBrk="1" fontAlgn="base" latinLnBrk="0" hangingPunct="1">
@@ -4600,15 +4594,6 @@
                       </a:rPr>
                       <a:t>ORCHESTRATION</a:t>
                     </a:r>
-                    <a:endParaRPr kumimoji="0" lang="es-ES" sz="1600" b="1" i="0" u="none" strike="noStrike" cap="none" normalizeH="0" baseline="0" dirty="0" smtClean="0">
-                      <a:ln>
-                        <a:noFill/>
-                      </a:ln>
-                      <a:solidFill>
-                        <a:srgbClr val="00B050"/>
-                      </a:solidFill>
-                      <a:effectLst/>
-                    </a:endParaRPr>
                   </a:p>
                   <a:p>
                     <a:pPr marL="0" marR="0" indent="0" algn="ctr" defTabSz="914400" rtl="0" eaLnBrk="1" fontAlgn="base" latinLnBrk="0" hangingPunct="1">
@@ -5711,7 +5696,7 @@
             <p:nvPr/>
           </p:nvPicPr>
           <p:blipFill>
-            <a:blip r:embed="rId11">
+            <a:blip r:embed="rId11" cstate="print">
               <a:extLst>
                 <a:ext uri="{28A0092B-C50C-407E-A947-70E740481C1C}">
                   <a14:useLocalDpi xmlns:a14="http://schemas.microsoft.com/office/drawing/2010/main" val="0"/>
@@ -5737,6 +5722,328 @@
     <p:extLst>
       <p:ext uri="{BB962C8B-B14F-4D97-AF65-F5344CB8AC3E}">
         <p14:creationId xmlns:p14="http://schemas.microsoft.com/office/powerpoint/2010/main" val="1101081178"/>
+      </p:ext>
+    </p:extLst>
+  </p:cSld>
+  <p:clrMapOvr>
+    <a:masterClrMapping/>
+  </p:clrMapOvr>
+</p:sld>
+</file>
+
+<file path=ppt/slides/slide4.xml><?xml version="1.0" encoding="utf-8"?>
+<p:sld xmlns:a="http://schemas.openxmlformats.org/drawingml/2006/main" xmlns:r="http://schemas.openxmlformats.org/officeDocument/2006/relationships" xmlns:p="http://schemas.openxmlformats.org/presentationml/2006/main">
+  <p:cSld>
+    <p:spTree>
+      <p:nvGrpSpPr>
+        <p:cNvPr id="1" name=""/>
+        <p:cNvGrpSpPr/>
+        <p:nvPr/>
+      </p:nvGrpSpPr>
+      <p:grpSpPr>
+        <a:xfrm>
+          <a:off x="0" y="0"/>
+          <a:ext cx="0" cy="0"/>
+          <a:chOff x="0" y="0"/>
+          <a:chExt cx="0" cy="0"/>
+        </a:xfrm>
+      </p:grpSpPr>
+      <p:grpSp>
+        <p:nvGrpSpPr>
+          <p:cNvPr id="12" name="Grupo 11"/>
+          <p:cNvGrpSpPr/>
+          <p:nvPr/>
+        </p:nvGrpSpPr>
+        <p:grpSpPr>
+          <a:xfrm>
+            <a:off x="2183028" y="584062"/>
+            <a:ext cx="5623980" cy="3946980"/>
+            <a:chOff x="2183028" y="584062"/>
+            <a:chExt cx="5623980" cy="3946980"/>
+          </a:xfrm>
+        </p:grpSpPr>
+        <p:pic>
+          <p:nvPicPr>
+            <p:cNvPr id="2" name="Imagen 1"/>
+            <p:cNvPicPr/>
+            <p:nvPr/>
+          </p:nvPicPr>
+          <p:blipFill rotWithShape="1">
+            <a:blip r:embed="rId2">
+              <a:extLst>
+                <a:ext uri="{28A0092B-C50C-407E-A947-70E740481C1C}">
+                  <a14:useLocalDpi xmlns:a14="http://schemas.microsoft.com/office/drawing/2010/main" val="0"/>
+                </a:ext>
+              </a:extLst>
+            </a:blip>
+            <a:srcRect l="1050" t="12619" r="53813" b="44710"/>
+            <a:stretch/>
+          </p:blipFill>
+          <p:spPr bwMode="auto">
+            <a:xfrm>
+              <a:off x="2183028" y="1610686"/>
+              <a:ext cx="5623980" cy="2920356"/>
+            </a:xfrm>
+            <a:prstGeom prst="rect">
+              <a:avLst/>
+            </a:prstGeom>
+            <a:ln>
+              <a:noFill/>
+            </a:ln>
+            <a:extLst>
+              <a:ext uri="{53640926-AAD7-44D8-BBD7-CCE9431645EC}">
+                <a14:shadowObscured xmlns:a14="http://schemas.microsoft.com/office/drawing/2010/main"/>
+              </a:ext>
+            </a:extLst>
+          </p:spPr>
+        </p:pic>
+        <p:sp>
+          <p:nvSpPr>
+            <p:cNvPr id="3" name="Rectángulo 2"/>
+            <p:cNvSpPr/>
+            <p:nvPr/>
+          </p:nvSpPr>
+          <p:spPr>
+            <a:xfrm>
+              <a:off x="6771503" y="3196281"/>
+              <a:ext cx="815545" cy="378941"/>
+            </a:xfrm>
+            <a:prstGeom prst="rect">
+              <a:avLst/>
+            </a:prstGeom>
+            <a:solidFill>
+              <a:schemeClr val="bg1"/>
+            </a:solidFill>
+            <a:ln>
+              <a:noFill/>
+            </a:ln>
+          </p:spPr>
+          <p:style>
+            <a:lnRef idx="2">
+              <a:schemeClr val="accent1">
+                <a:shade val="50000"/>
+              </a:schemeClr>
+            </a:lnRef>
+            <a:fillRef idx="1">
+              <a:schemeClr val="accent1"/>
+            </a:fillRef>
+            <a:effectRef idx="0">
+              <a:schemeClr val="accent1"/>
+            </a:effectRef>
+            <a:fontRef idx="minor">
+              <a:schemeClr val="lt1"/>
+            </a:fontRef>
+          </p:style>
+          <p:txBody>
+            <a:bodyPr rtlCol="0" anchor="ctr"/>
+            <a:lstStyle/>
+            <a:p>
+              <a:pPr algn="ctr"/>
+              <a:endParaRPr lang="es-ES"/>
+            </a:p>
+          </p:txBody>
+        </p:sp>
+        <p:pic>
+          <p:nvPicPr>
+            <p:cNvPr id="4" name="Imagen 3"/>
+            <p:cNvPicPr>
+              <a:picLocks noChangeAspect="1"/>
+            </p:cNvPicPr>
+            <p:nvPr/>
+          </p:nvPicPr>
+          <p:blipFill rotWithShape="1">
+            <a:blip r:embed="rId3" cstate="print">
+              <a:extLst>
+                <a:ext uri="{28A0092B-C50C-407E-A947-70E740481C1C}">
+                  <a14:useLocalDpi xmlns:a14="http://schemas.microsoft.com/office/drawing/2010/main" val="0"/>
+                </a:ext>
+              </a:extLst>
+            </a:blip>
+            <a:srcRect l="24791" t="15481" r="26968" b="13890"/>
+            <a:stretch/>
+          </p:blipFill>
+          <p:spPr>
+            <a:xfrm>
+              <a:off x="2891482" y="3018974"/>
+              <a:ext cx="425050" cy="430953"/>
+            </a:xfrm>
+            <a:prstGeom prst="rect">
+              <a:avLst/>
+            </a:prstGeom>
+          </p:spPr>
+        </p:pic>
+        <p:pic>
+          <p:nvPicPr>
+            <p:cNvPr id="5" name="Imagen 4"/>
+            <p:cNvPicPr>
+              <a:picLocks noChangeAspect="1"/>
+            </p:cNvPicPr>
+            <p:nvPr/>
+          </p:nvPicPr>
+          <p:blipFill rotWithShape="1">
+            <a:blip r:embed="rId4" cstate="print">
+              <a:extLst>
+                <a:ext uri="{28A0092B-C50C-407E-A947-70E740481C1C}">
+                  <a14:useLocalDpi xmlns:a14="http://schemas.microsoft.com/office/drawing/2010/main" val="0"/>
+                </a:ext>
+              </a:extLst>
+            </a:blip>
+            <a:srcRect l="24791" t="15481" r="26968" b="13890"/>
+            <a:stretch/>
+          </p:blipFill>
+          <p:spPr>
+            <a:xfrm>
+              <a:off x="6109386" y="1204514"/>
+              <a:ext cx="362465" cy="367499"/>
+            </a:xfrm>
+            <a:prstGeom prst="rect">
+              <a:avLst/>
+            </a:prstGeom>
+          </p:spPr>
+        </p:pic>
+        <p:pic>
+          <p:nvPicPr>
+            <p:cNvPr id="6" name="Imagen 5"/>
+            <p:cNvPicPr>
+              <a:picLocks noChangeAspect="1"/>
+            </p:cNvPicPr>
+            <p:nvPr/>
+          </p:nvPicPr>
+          <p:blipFill rotWithShape="1">
+            <a:blip r:embed="rId5" cstate="print">
+              <a:extLst>
+                <a:ext uri="{28A0092B-C50C-407E-A947-70E740481C1C}">
+                  <a14:useLocalDpi xmlns:a14="http://schemas.microsoft.com/office/drawing/2010/main" val="0"/>
+                </a:ext>
+              </a:extLst>
+            </a:blip>
+            <a:srcRect l="36580" t="10190" r="43358" b="76801"/>
+            <a:stretch/>
+          </p:blipFill>
+          <p:spPr>
+            <a:xfrm>
+              <a:off x="6520248" y="1347286"/>
+              <a:ext cx="436606" cy="159302"/>
+            </a:xfrm>
+            <a:prstGeom prst="rect">
+              <a:avLst/>
+            </a:prstGeom>
+          </p:spPr>
+        </p:pic>
+        <p:sp>
+          <p:nvSpPr>
+            <p:cNvPr id="7" name="Rectángulo 6"/>
+            <p:cNvSpPr/>
+            <p:nvPr/>
+          </p:nvSpPr>
+          <p:spPr>
+            <a:xfrm>
+              <a:off x="6060988" y="1165842"/>
+              <a:ext cx="918520" cy="444844"/>
+            </a:xfrm>
+            <a:prstGeom prst="rect">
+              <a:avLst/>
+            </a:prstGeom>
+            <a:noFill/>
+            <a:ln>
+              <a:solidFill>
+                <a:schemeClr val="accent1">
+                  <a:lumMod val="40000"/>
+                  <a:lumOff val="60000"/>
+                </a:schemeClr>
+              </a:solidFill>
+              <a:prstDash val="sysDot"/>
+            </a:ln>
+          </p:spPr>
+          <p:style>
+            <a:lnRef idx="2">
+              <a:schemeClr val="accent1">
+                <a:shade val="50000"/>
+              </a:schemeClr>
+            </a:lnRef>
+            <a:fillRef idx="1">
+              <a:schemeClr val="accent1"/>
+            </a:fillRef>
+            <a:effectRef idx="0">
+              <a:schemeClr val="accent1"/>
+            </a:effectRef>
+            <a:fontRef idx="minor">
+              <a:schemeClr val="lt1"/>
+            </a:fontRef>
+          </p:style>
+          <p:txBody>
+            <a:bodyPr rtlCol="0" anchor="ctr"/>
+            <a:lstStyle/>
+            <a:p>
+              <a:pPr algn="ctr"/>
+              <a:endParaRPr lang="es-ES"/>
+            </a:p>
+          </p:txBody>
+        </p:sp>
+        <p:pic>
+          <p:nvPicPr>
+            <p:cNvPr id="10" name="Imagen 9"/>
+            <p:cNvPicPr>
+              <a:picLocks noChangeAspect="1"/>
+            </p:cNvPicPr>
+            <p:nvPr/>
+          </p:nvPicPr>
+          <p:blipFill rotWithShape="1">
+            <a:blip r:embed="rId6">
+              <a:extLst>
+                <a:ext uri="{28A0092B-C50C-407E-A947-70E740481C1C}">
+                  <a14:useLocalDpi xmlns:a14="http://schemas.microsoft.com/office/drawing/2010/main" val="0"/>
+                </a:ext>
+              </a:extLst>
+            </a:blip>
+            <a:srcRect l="36580" t="10189" r="52443" b="75233"/>
+            <a:stretch/>
+          </p:blipFill>
+          <p:spPr>
+            <a:xfrm>
+              <a:off x="3355259" y="3174721"/>
+              <a:ext cx="327055" cy="244377"/>
+            </a:xfrm>
+            <a:prstGeom prst="rect">
+              <a:avLst/>
+            </a:prstGeom>
+          </p:spPr>
+        </p:pic>
+        <p:pic>
+          <p:nvPicPr>
+            <p:cNvPr id="11" name="Imagen 10"/>
+            <p:cNvPicPr>
+              <a:picLocks noChangeAspect="1"/>
+            </p:cNvPicPr>
+            <p:nvPr/>
+          </p:nvPicPr>
+          <p:blipFill>
+            <a:blip r:embed="rId7" cstate="print">
+              <a:extLst>
+                <a:ext uri="{28A0092B-C50C-407E-A947-70E740481C1C}">
+                  <a14:useLocalDpi xmlns:a14="http://schemas.microsoft.com/office/drawing/2010/main" val="0"/>
+                </a:ext>
+              </a:extLst>
+            </a:blip>
+            <a:stretch>
+              <a:fillRect/>
+            </a:stretch>
+          </p:blipFill>
+          <p:spPr>
+            <a:xfrm>
+              <a:off x="6060988" y="584062"/>
+              <a:ext cx="918520" cy="518373"/>
+            </a:xfrm>
+            <a:prstGeom prst="rect">
+              <a:avLst/>
+            </a:prstGeom>
+          </p:spPr>
+        </p:pic>
+      </p:grpSp>
+    </p:spTree>
+    <p:extLst>
+      <p:ext uri="{BB962C8B-B14F-4D97-AF65-F5344CB8AC3E}">
+        <p14:creationId xmlns:p14="http://schemas.microsoft.com/office/powerpoint/2010/main" val="3437486167"/>
       </p:ext>
     </p:extLst>
   </p:cSld>

--- a/memoria/images/Presentación1.pptx
+++ b/memoria/images/Presentación1.pptx
@@ -5750,275 +5750,320 @@
       </p:grpSpPr>
       <p:grpSp>
         <p:nvGrpSpPr>
-          <p:cNvPr id="12" name="Grupo 11"/>
+          <p:cNvPr id="14" name="Grupo 13"/>
           <p:cNvGrpSpPr/>
           <p:nvPr/>
         </p:nvGrpSpPr>
         <p:grpSpPr>
           <a:xfrm>
-            <a:off x="2183028" y="584062"/>
-            <a:ext cx="5623980" cy="3946980"/>
-            <a:chOff x="2183028" y="584062"/>
-            <a:chExt cx="5623980" cy="3946980"/>
+            <a:off x="2042984" y="584062"/>
+            <a:ext cx="5764024" cy="3946980"/>
+            <a:chOff x="2042984" y="584062"/>
+            <a:chExt cx="5764024" cy="3946980"/>
           </a:xfrm>
         </p:grpSpPr>
+        <p:grpSp>
+          <p:nvGrpSpPr>
+            <p:cNvPr id="12" name="Grupo 11"/>
+            <p:cNvGrpSpPr/>
+            <p:nvPr/>
+          </p:nvGrpSpPr>
+          <p:grpSpPr>
+            <a:xfrm>
+              <a:off x="2183028" y="584062"/>
+              <a:ext cx="5623980" cy="3946980"/>
+              <a:chOff x="2183028" y="584062"/>
+              <a:chExt cx="5623980" cy="3946980"/>
+            </a:xfrm>
+          </p:grpSpPr>
+          <p:pic>
+            <p:nvPicPr>
+              <p:cNvPr id="2" name="Imagen 1"/>
+              <p:cNvPicPr/>
+              <p:nvPr/>
+            </p:nvPicPr>
+            <p:blipFill rotWithShape="1">
+              <a:blip r:embed="rId2">
+                <a:extLst>
+                  <a:ext uri="{28A0092B-C50C-407E-A947-70E740481C1C}">
+                    <a14:useLocalDpi xmlns:a14="http://schemas.microsoft.com/office/drawing/2010/main" val="0"/>
+                  </a:ext>
+                </a:extLst>
+              </a:blip>
+              <a:srcRect l="1050" t="12619" r="53813" b="44710"/>
+              <a:stretch/>
+            </p:blipFill>
+            <p:spPr bwMode="auto">
+              <a:xfrm>
+                <a:off x="2183028" y="1610686"/>
+                <a:ext cx="5623980" cy="2920356"/>
+              </a:xfrm>
+              <a:prstGeom prst="rect">
+                <a:avLst/>
+              </a:prstGeom>
+              <a:ln>
+                <a:noFill/>
+              </a:ln>
+              <a:extLst>
+                <a:ext uri="{53640926-AAD7-44D8-BBD7-CCE9431645EC}">
+                  <a14:shadowObscured xmlns:a14="http://schemas.microsoft.com/office/drawing/2010/main"/>
+                </a:ext>
+              </a:extLst>
+            </p:spPr>
+          </p:pic>
+          <p:sp>
+            <p:nvSpPr>
+              <p:cNvPr id="3" name="Rectángulo 2"/>
+              <p:cNvSpPr/>
+              <p:nvPr/>
+            </p:nvSpPr>
+            <p:spPr>
+              <a:xfrm>
+                <a:off x="6771503" y="3196281"/>
+                <a:ext cx="815545" cy="378941"/>
+              </a:xfrm>
+              <a:prstGeom prst="rect">
+                <a:avLst/>
+              </a:prstGeom>
+              <a:solidFill>
+                <a:schemeClr val="bg1"/>
+              </a:solidFill>
+              <a:ln>
+                <a:noFill/>
+              </a:ln>
+            </p:spPr>
+            <p:style>
+              <a:lnRef idx="2">
+                <a:schemeClr val="accent1">
+                  <a:shade val="50000"/>
+                </a:schemeClr>
+              </a:lnRef>
+              <a:fillRef idx="1">
+                <a:schemeClr val="accent1"/>
+              </a:fillRef>
+              <a:effectRef idx="0">
+                <a:schemeClr val="accent1"/>
+              </a:effectRef>
+              <a:fontRef idx="minor">
+                <a:schemeClr val="lt1"/>
+              </a:fontRef>
+            </p:style>
+            <p:txBody>
+              <a:bodyPr rtlCol="0" anchor="ctr"/>
+              <a:lstStyle/>
+              <a:p>
+                <a:pPr algn="ctr"/>
+                <a:endParaRPr lang="es-ES"/>
+              </a:p>
+            </p:txBody>
+          </p:sp>
+          <p:pic>
+            <p:nvPicPr>
+              <p:cNvPr id="4" name="Imagen 3"/>
+              <p:cNvPicPr>
+                <a:picLocks noChangeAspect="1"/>
+              </p:cNvPicPr>
+              <p:nvPr/>
+            </p:nvPicPr>
+            <p:blipFill rotWithShape="1">
+              <a:blip r:embed="rId3" cstate="print">
+                <a:extLst>
+                  <a:ext uri="{28A0092B-C50C-407E-A947-70E740481C1C}">
+                    <a14:useLocalDpi xmlns:a14="http://schemas.microsoft.com/office/drawing/2010/main" val="0"/>
+                  </a:ext>
+                </a:extLst>
+              </a:blip>
+              <a:srcRect l="24791" t="15481" r="26968" b="13890"/>
+              <a:stretch/>
+            </p:blipFill>
+            <p:spPr>
+              <a:xfrm>
+                <a:off x="3143877" y="3515873"/>
+                <a:ext cx="339546" cy="344262"/>
+              </a:xfrm>
+              <a:prstGeom prst="rect">
+                <a:avLst/>
+              </a:prstGeom>
+            </p:spPr>
+          </p:pic>
+          <p:pic>
+            <p:nvPicPr>
+              <p:cNvPr id="5" name="Imagen 4"/>
+              <p:cNvPicPr>
+                <a:picLocks noChangeAspect="1"/>
+              </p:cNvPicPr>
+              <p:nvPr/>
+            </p:nvPicPr>
+            <p:blipFill rotWithShape="1">
+              <a:blip r:embed="rId4" cstate="print">
+                <a:extLst>
+                  <a:ext uri="{28A0092B-C50C-407E-A947-70E740481C1C}">
+                    <a14:useLocalDpi xmlns:a14="http://schemas.microsoft.com/office/drawing/2010/main" val="0"/>
+                  </a:ext>
+                </a:extLst>
+              </a:blip>
+              <a:srcRect l="24791" t="15481" r="26968" b="13890"/>
+              <a:stretch/>
+            </p:blipFill>
+            <p:spPr>
+              <a:xfrm>
+                <a:off x="6109386" y="1204514"/>
+                <a:ext cx="362465" cy="367499"/>
+              </a:xfrm>
+              <a:prstGeom prst="rect">
+                <a:avLst/>
+              </a:prstGeom>
+            </p:spPr>
+          </p:pic>
+          <p:pic>
+            <p:nvPicPr>
+              <p:cNvPr id="6" name="Imagen 5"/>
+              <p:cNvPicPr>
+                <a:picLocks noChangeAspect="1"/>
+              </p:cNvPicPr>
+              <p:nvPr/>
+            </p:nvPicPr>
+            <p:blipFill rotWithShape="1">
+              <a:blip r:embed="rId5" cstate="print">
+                <a:extLst>
+                  <a:ext uri="{28A0092B-C50C-407E-A947-70E740481C1C}">
+                    <a14:useLocalDpi xmlns:a14="http://schemas.microsoft.com/office/drawing/2010/main" val="0"/>
+                  </a:ext>
+                </a:extLst>
+              </a:blip>
+              <a:srcRect l="36580" t="10190" r="43358" b="76801"/>
+              <a:stretch/>
+            </p:blipFill>
+            <p:spPr>
+              <a:xfrm>
+                <a:off x="6520248" y="1347286"/>
+                <a:ext cx="436606" cy="159302"/>
+              </a:xfrm>
+              <a:prstGeom prst="rect">
+                <a:avLst/>
+              </a:prstGeom>
+            </p:spPr>
+          </p:pic>
+          <p:sp>
+            <p:nvSpPr>
+              <p:cNvPr id="7" name="Rectángulo 6"/>
+              <p:cNvSpPr/>
+              <p:nvPr/>
+            </p:nvSpPr>
+            <p:spPr>
+              <a:xfrm>
+                <a:off x="6060988" y="1165842"/>
+                <a:ext cx="918520" cy="444844"/>
+              </a:xfrm>
+              <a:prstGeom prst="rect">
+                <a:avLst/>
+              </a:prstGeom>
+              <a:noFill/>
+              <a:ln>
+                <a:solidFill>
+                  <a:schemeClr val="accent1">
+                    <a:lumMod val="40000"/>
+                    <a:lumOff val="60000"/>
+                  </a:schemeClr>
+                </a:solidFill>
+                <a:prstDash val="sysDot"/>
+              </a:ln>
+            </p:spPr>
+            <p:style>
+              <a:lnRef idx="2">
+                <a:schemeClr val="accent1">
+                  <a:shade val="50000"/>
+                </a:schemeClr>
+              </a:lnRef>
+              <a:fillRef idx="1">
+                <a:schemeClr val="accent1"/>
+              </a:fillRef>
+              <a:effectRef idx="0">
+                <a:schemeClr val="accent1"/>
+              </a:effectRef>
+              <a:fontRef idx="minor">
+                <a:schemeClr val="lt1"/>
+              </a:fontRef>
+            </p:style>
+            <p:txBody>
+              <a:bodyPr rtlCol="0" anchor="ctr"/>
+              <a:lstStyle/>
+              <a:p>
+                <a:pPr algn="ctr"/>
+                <a:endParaRPr lang="es-ES"/>
+              </a:p>
+            </p:txBody>
+          </p:sp>
+          <p:pic>
+            <p:nvPicPr>
+              <p:cNvPr id="10" name="Imagen 9"/>
+              <p:cNvPicPr>
+                <a:picLocks noChangeAspect="1"/>
+              </p:cNvPicPr>
+              <p:nvPr/>
+            </p:nvPicPr>
+            <p:blipFill rotWithShape="1">
+              <a:blip r:embed="rId6">
+                <a:extLst>
+                  <a:ext uri="{28A0092B-C50C-407E-A947-70E740481C1C}">
+                    <a14:useLocalDpi xmlns:a14="http://schemas.microsoft.com/office/drawing/2010/main" val="0"/>
+                  </a:ext>
+                </a:extLst>
+              </a:blip>
+              <a:srcRect l="36580" t="10189" r="52443" b="75233"/>
+              <a:stretch/>
+            </p:blipFill>
+            <p:spPr>
+              <a:xfrm>
+                <a:off x="3483423" y="3565815"/>
+                <a:ext cx="327055" cy="244377"/>
+              </a:xfrm>
+              <a:prstGeom prst="rect">
+                <a:avLst/>
+              </a:prstGeom>
+            </p:spPr>
+          </p:pic>
+          <p:pic>
+            <p:nvPicPr>
+              <p:cNvPr id="11" name="Imagen 10"/>
+              <p:cNvPicPr>
+                <a:picLocks noChangeAspect="1"/>
+              </p:cNvPicPr>
+              <p:nvPr/>
+            </p:nvPicPr>
+            <p:blipFill>
+              <a:blip r:embed="rId7" cstate="print">
+                <a:extLst>
+                  <a:ext uri="{28A0092B-C50C-407E-A947-70E740481C1C}">
+                    <a14:useLocalDpi xmlns:a14="http://schemas.microsoft.com/office/drawing/2010/main" val="0"/>
+                  </a:ext>
+                </a:extLst>
+              </a:blip>
+              <a:stretch>
+                <a:fillRect/>
+              </a:stretch>
+            </p:blipFill>
+            <p:spPr>
+              <a:xfrm>
+                <a:off x="6060988" y="584062"/>
+                <a:ext cx="918520" cy="518373"/>
+              </a:xfrm>
+              <a:prstGeom prst="rect">
+                <a:avLst/>
+              </a:prstGeom>
+            </p:spPr>
+          </p:pic>
+        </p:grpSp>
         <p:pic>
           <p:nvPicPr>
-            <p:cNvPr id="2" name="Imagen 1"/>
-            <p:cNvPicPr/>
-            <p:nvPr/>
-          </p:nvPicPr>
-          <p:blipFill rotWithShape="1">
-            <a:blip r:embed="rId2">
-              <a:extLst>
-                <a:ext uri="{28A0092B-C50C-407E-A947-70E740481C1C}">
-                  <a14:useLocalDpi xmlns:a14="http://schemas.microsoft.com/office/drawing/2010/main" val="0"/>
-                </a:ext>
-              </a:extLst>
-            </a:blip>
-            <a:srcRect l="1050" t="12619" r="53813" b="44710"/>
-            <a:stretch/>
-          </p:blipFill>
-          <p:spPr bwMode="auto">
-            <a:xfrm>
-              <a:off x="2183028" y="1610686"/>
-              <a:ext cx="5623980" cy="2920356"/>
-            </a:xfrm>
-            <a:prstGeom prst="rect">
-              <a:avLst/>
-            </a:prstGeom>
-            <a:ln>
-              <a:noFill/>
-            </a:ln>
-            <a:extLst>
-              <a:ext uri="{53640926-AAD7-44D8-BBD7-CCE9431645EC}">
-                <a14:shadowObscured xmlns:a14="http://schemas.microsoft.com/office/drawing/2010/main"/>
-              </a:ext>
-            </a:extLst>
-          </p:spPr>
-        </p:pic>
-        <p:sp>
-          <p:nvSpPr>
-            <p:cNvPr id="3" name="Rectángulo 2"/>
-            <p:cNvSpPr/>
-            <p:nvPr/>
-          </p:nvSpPr>
-          <p:spPr>
-            <a:xfrm>
-              <a:off x="6771503" y="3196281"/>
-              <a:ext cx="815545" cy="378941"/>
-            </a:xfrm>
-            <a:prstGeom prst="rect">
-              <a:avLst/>
-            </a:prstGeom>
-            <a:solidFill>
-              <a:schemeClr val="bg1"/>
-            </a:solidFill>
-            <a:ln>
-              <a:noFill/>
-            </a:ln>
-          </p:spPr>
-          <p:style>
-            <a:lnRef idx="2">
-              <a:schemeClr val="accent1">
-                <a:shade val="50000"/>
-              </a:schemeClr>
-            </a:lnRef>
-            <a:fillRef idx="1">
-              <a:schemeClr val="accent1"/>
-            </a:fillRef>
-            <a:effectRef idx="0">
-              <a:schemeClr val="accent1"/>
-            </a:effectRef>
-            <a:fontRef idx="minor">
-              <a:schemeClr val="lt1"/>
-            </a:fontRef>
-          </p:style>
-          <p:txBody>
-            <a:bodyPr rtlCol="0" anchor="ctr"/>
-            <a:lstStyle/>
-            <a:p>
-              <a:pPr algn="ctr"/>
-              <a:endParaRPr lang="es-ES"/>
-            </a:p>
-          </p:txBody>
-        </p:sp>
-        <p:pic>
-          <p:nvPicPr>
-            <p:cNvPr id="4" name="Imagen 3"/>
-            <p:cNvPicPr>
-              <a:picLocks noChangeAspect="1"/>
-            </p:cNvPicPr>
-            <p:nvPr/>
-          </p:nvPicPr>
-          <p:blipFill rotWithShape="1">
-            <a:blip r:embed="rId3" cstate="print">
-              <a:extLst>
-                <a:ext uri="{28A0092B-C50C-407E-A947-70E740481C1C}">
-                  <a14:useLocalDpi xmlns:a14="http://schemas.microsoft.com/office/drawing/2010/main" val="0"/>
-                </a:ext>
-              </a:extLst>
-            </a:blip>
-            <a:srcRect l="24791" t="15481" r="26968" b="13890"/>
-            <a:stretch/>
-          </p:blipFill>
-          <p:spPr>
-            <a:xfrm>
-              <a:off x="2891482" y="3018974"/>
-              <a:ext cx="425050" cy="430953"/>
-            </a:xfrm>
-            <a:prstGeom prst="rect">
-              <a:avLst/>
-            </a:prstGeom>
-          </p:spPr>
-        </p:pic>
-        <p:pic>
-          <p:nvPicPr>
-            <p:cNvPr id="5" name="Imagen 4"/>
-            <p:cNvPicPr>
-              <a:picLocks noChangeAspect="1"/>
-            </p:cNvPicPr>
-            <p:nvPr/>
-          </p:nvPicPr>
-          <p:blipFill rotWithShape="1">
-            <a:blip r:embed="rId4" cstate="print">
-              <a:extLst>
-                <a:ext uri="{28A0092B-C50C-407E-A947-70E740481C1C}">
-                  <a14:useLocalDpi xmlns:a14="http://schemas.microsoft.com/office/drawing/2010/main" val="0"/>
-                </a:ext>
-              </a:extLst>
-            </a:blip>
-            <a:srcRect l="24791" t="15481" r="26968" b="13890"/>
-            <a:stretch/>
-          </p:blipFill>
-          <p:spPr>
-            <a:xfrm>
-              <a:off x="6109386" y="1204514"/>
-              <a:ext cx="362465" cy="367499"/>
-            </a:xfrm>
-            <a:prstGeom prst="rect">
-              <a:avLst/>
-            </a:prstGeom>
-          </p:spPr>
-        </p:pic>
-        <p:pic>
-          <p:nvPicPr>
-            <p:cNvPr id="6" name="Imagen 5"/>
-            <p:cNvPicPr>
-              <a:picLocks noChangeAspect="1"/>
-            </p:cNvPicPr>
-            <p:nvPr/>
-          </p:nvPicPr>
-          <p:blipFill rotWithShape="1">
-            <a:blip r:embed="rId5" cstate="print">
-              <a:extLst>
-                <a:ext uri="{28A0092B-C50C-407E-A947-70E740481C1C}">
-                  <a14:useLocalDpi xmlns:a14="http://schemas.microsoft.com/office/drawing/2010/main" val="0"/>
-                </a:ext>
-              </a:extLst>
-            </a:blip>
-            <a:srcRect l="36580" t="10190" r="43358" b="76801"/>
-            <a:stretch/>
-          </p:blipFill>
-          <p:spPr>
-            <a:xfrm>
-              <a:off x="6520248" y="1347286"/>
-              <a:ext cx="436606" cy="159302"/>
-            </a:xfrm>
-            <a:prstGeom prst="rect">
-              <a:avLst/>
-            </a:prstGeom>
-          </p:spPr>
-        </p:pic>
-        <p:sp>
-          <p:nvSpPr>
-            <p:cNvPr id="7" name="Rectángulo 6"/>
-            <p:cNvSpPr/>
-            <p:nvPr/>
-          </p:nvSpPr>
-          <p:spPr>
-            <a:xfrm>
-              <a:off x="6060988" y="1165842"/>
-              <a:ext cx="918520" cy="444844"/>
-            </a:xfrm>
-            <a:prstGeom prst="rect">
-              <a:avLst/>
-            </a:prstGeom>
-            <a:noFill/>
-            <a:ln>
-              <a:solidFill>
-                <a:schemeClr val="accent1">
-                  <a:lumMod val="40000"/>
-                  <a:lumOff val="60000"/>
-                </a:schemeClr>
-              </a:solidFill>
-              <a:prstDash val="sysDot"/>
-            </a:ln>
-          </p:spPr>
-          <p:style>
-            <a:lnRef idx="2">
-              <a:schemeClr val="accent1">
-                <a:shade val="50000"/>
-              </a:schemeClr>
-            </a:lnRef>
-            <a:fillRef idx="1">
-              <a:schemeClr val="accent1"/>
-            </a:fillRef>
-            <a:effectRef idx="0">
-              <a:schemeClr val="accent1"/>
-            </a:effectRef>
-            <a:fontRef idx="minor">
-              <a:schemeClr val="lt1"/>
-            </a:fontRef>
-          </p:style>
-          <p:txBody>
-            <a:bodyPr rtlCol="0" anchor="ctr"/>
-            <a:lstStyle/>
-            <a:p>
-              <a:pPr algn="ctr"/>
-              <a:endParaRPr lang="es-ES"/>
-            </a:p>
-          </p:txBody>
-        </p:sp>
-        <p:pic>
-          <p:nvPicPr>
-            <p:cNvPr id="10" name="Imagen 9"/>
-            <p:cNvPicPr>
-              <a:picLocks noChangeAspect="1"/>
-            </p:cNvPicPr>
-            <p:nvPr/>
-          </p:nvPicPr>
-          <p:blipFill rotWithShape="1">
-            <a:blip r:embed="rId6">
-              <a:extLst>
-                <a:ext uri="{28A0092B-C50C-407E-A947-70E740481C1C}">
-                  <a14:useLocalDpi xmlns:a14="http://schemas.microsoft.com/office/drawing/2010/main" val="0"/>
-                </a:ext>
-              </a:extLst>
-            </a:blip>
-            <a:srcRect l="36580" t="10189" r="52443" b="75233"/>
-            <a:stretch/>
-          </p:blipFill>
-          <p:spPr>
-            <a:xfrm>
-              <a:off x="3355259" y="3174721"/>
-              <a:ext cx="327055" cy="244377"/>
-            </a:xfrm>
-            <a:prstGeom prst="rect">
-              <a:avLst/>
-            </a:prstGeom>
-          </p:spPr>
-        </p:pic>
-        <p:pic>
-          <p:nvPicPr>
-            <p:cNvPr id="11" name="Imagen 10"/>
+            <p:cNvPr id="9" name="Imagen 8"/>
             <p:cNvPicPr>
               <a:picLocks noChangeAspect="1"/>
             </p:cNvPicPr>
             <p:nvPr/>
           </p:nvPicPr>
           <p:blipFill>
-            <a:blip r:embed="rId7" cstate="print">
+            <a:blip r:embed="rId8" cstate="print">
               <a:extLst>
                 <a:ext uri="{28A0092B-C50C-407E-A947-70E740481C1C}">
                   <a14:useLocalDpi xmlns:a14="http://schemas.microsoft.com/office/drawing/2010/main" val="0"/>
@@ -6031,8 +6076,38 @@
           </p:blipFill>
           <p:spPr>
             <a:xfrm>
-              <a:off x="6060988" y="584062"/>
-              <a:ext cx="918520" cy="518373"/>
+              <a:off x="2042984" y="2981206"/>
+              <a:ext cx="574271" cy="430149"/>
+            </a:xfrm>
+            <a:prstGeom prst="rect">
+              <a:avLst/>
+            </a:prstGeom>
+          </p:spPr>
+        </p:pic>
+        <p:pic>
+          <p:nvPicPr>
+            <p:cNvPr id="13" name="Imagen 12"/>
+            <p:cNvPicPr>
+              <a:picLocks noChangeAspect="1"/>
+            </p:cNvPicPr>
+            <p:nvPr/>
+          </p:nvPicPr>
+          <p:blipFill>
+            <a:blip r:embed="rId9" cstate="print">
+              <a:extLst>
+                <a:ext uri="{28A0092B-C50C-407E-A947-70E740481C1C}">
+                  <a14:useLocalDpi xmlns:a14="http://schemas.microsoft.com/office/drawing/2010/main" val="0"/>
+                </a:ext>
+              </a:extLst>
+            </a:blip>
+            <a:stretch>
+              <a:fillRect/>
+            </a:stretch>
+          </p:blipFill>
+          <p:spPr>
+            <a:xfrm>
+              <a:off x="2508870" y="3157831"/>
+              <a:ext cx="561316" cy="159663"/>
             </a:xfrm>
             <a:prstGeom prst="rect">
               <a:avLst/>

--- a/memoria/images/Presentación1.pptx
+++ b/memoria/images/Presentación1.pptx
@@ -9,6 +9,14 @@
     <p:sldId id="257" r:id="rId3"/>
     <p:sldId id="258" r:id="rId4"/>
     <p:sldId id="259" r:id="rId5"/>
+    <p:sldId id="260" r:id="rId6"/>
+    <p:sldId id="261" r:id="rId7"/>
+    <p:sldId id="262" r:id="rId8"/>
+    <p:sldId id="263" r:id="rId9"/>
+    <p:sldId id="264" r:id="rId10"/>
+    <p:sldId id="265" r:id="rId11"/>
+    <p:sldId id="266" r:id="rId12"/>
+    <p:sldId id="267" r:id="rId13"/>
   </p:sldIdLst>
   <p:sldSz cx="12192000" cy="6858000"/>
   <p:notesSz cx="6858000" cy="9144000"/>
@@ -115,6 +123,18 @@
 </p:presentation>
 </file>
 
+<file path=ppt/commentAuthors.xml><?xml version="1.0" encoding="utf-8"?>
+<p:cmAuthorLst xmlns:a="http://schemas.openxmlformats.org/drawingml/2006/main" xmlns:r="http://schemas.openxmlformats.org/officeDocument/2006/relationships" xmlns:p="http://schemas.openxmlformats.org/presentationml/2006/main">
+  <p:cmAuthor id="1" name="Inmaculada Perea Fernández" initials="IPF" lastIdx="1" clrIdx="0">
+    <p:extLst>
+      <p:ext uri="{19B8F6BF-5375-455C-9EA6-DF929625EA0E}">
+        <p15:presenceInfo xmlns:p15="http://schemas.microsoft.com/office/powerpoint/2012/main" userId="S-1-5-21-1485405084-1546518020-4108744313-51290" providerId="AD"/>
+      </p:ext>
+    </p:extLst>
+  </p:cmAuthor>
+</p:cmAuthorLst>
+</file>
+
 <file path=ppt/slideLayouts/slideLayout1.xml><?xml version="1.0" encoding="utf-8"?>
 <p:sldLayout xmlns:a="http://schemas.openxmlformats.org/drawingml/2006/main" xmlns:r="http://schemas.openxmlformats.org/officeDocument/2006/relationships" xmlns:p="http://schemas.openxmlformats.org/presentationml/2006/main" type="title" preserve="1">
   <p:cSld name="Diapositiva de título">
@@ -246,7 +266,7 @@
           <a:p>
             <a:fld id="{9C28449B-7E7F-4B22-B31C-7455ACE0523B}" type="datetimeFigureOut">
               <a:rPr lang="es-ES" smtClean="0"/>
-              <a:t>24/10/2017</a:t>
+              <a:t>25/10/2017</a:t>
             </a:fld>
             <a:endParaRPr lang="es-ES"/>
           </a:p>
@@ -416,7 +436,7 @@
           <a:p>
             <a:fld id="{9C28449B-7E7F-4B22-B31C-7455ACE0523B}" type="datetimeFigureOut">
               <a:rPr lang="es-ES" smtClean="0"/>
-              <a:t>24/10/2017</a:t>
+              <a:t>25/10/2017</a:t>
             </a:fld>
             <a:endParaRPr lang="es-ES"/>
           </a:p>
@@ -596,7 +616,7 @@
           <a:p>
             <a:fld id="{9C28449B-7E7F-4B22-B31C-7455ACE0523B}" type="datetimeFigureOut">
               <a:rPr lang="es-ES" smtClean="0"/>
-              <a:t>24/10/2017</a:t>
+              <a:t>25/10/2017</a:t>
             </a:fld>
             <a:endParaRPr lang="es-ES"/>
           </a:p>
@@ -766,7 +786,7 @@
           <a:p>
             <a:fld id="{9C28449B-7E7F-4B22-B31C-7455ACE0523B}" type="datetimeFigureOut">
               <a:rPr lang="es-ES" smtClean="0"/>
-              <a:t>24/10/2017</a:t>
+              <a:t>25/10/2017</a:t>
             </a:fld>
             <a:endParaRPr lang="es-ES"/>
           </a:p>
@@ -1012,7 +1032,7 @@
           <a:p>
             <a:fld id="{9C28449B-7E7F-4B22-B31C-7455ACE0523B}" type="datetimeFigureOut">
               <a:rPr lang="es-ES" smtClean="0"/>
-              <a:t>24/10/2017</a:t>
+              <a:t>25/10/2017</a:t>
             </a:fld>
             <a:endParaRPr lang="es-ES"/>
           </a:p>
@@ -1244,7 +1264,7 @@
           <a:p>
             <a:fld id="{9C28449B-7E7F-4B22-B31C-7455ACE0523B}" type="datetimeFigureOut">
               <a:rPr lang="es-ES" smtClean="0"/>
-              <a:t>24/10/2017</a:t>
+              <a:t>25/10/2017</a:t>
             </a:fld>
             <a:endParaRPr lang="es-ES"/>
           </a:p>
@@ -1611,7 +1631,7 @@
           <a:p>
             <a:fld id="{9C28449B-7E7F-4B22-B31C-7455ACE0523B}" type="datetimeFigureOut">
               <a:rPr lang="es-ES" smtClean="0"/>
-              <a:t>24/10/2017</a:t>
+              <a:t>25/10/2017</a:t>
             </a:fld>
             <a:endParaRPr lang="es-ES"/>
           </a:p>
@@ -1729,7 +1749,7 @@
           <a:p>
             <a:fld id="{9C28449B-7E7F-4B22-B31C-7455ACE0523B}" type="datetimeFigureOut">
               <a:rPr lang="es-ES" smtClean="0"/>
-              <a:t>24/10/2017</a:t>
+              <a:t>25/10/2017</a:t>
             </a:fld>
             <a:endParaRPr lang="es-ES"/>
           </a:p>
@@ -1824,7 +1844,7 @@
           <a:p>
             <a:fld id="{9C28449B-7E7F-4B22-B31C-7455ACE0523B}" type="datetimeFigureOut">
               <a:rPr lang="es-ES" smtClean="0"/>
-              <a:t>24/10/2017</a:t>
+              <a:t>25/10/2017</a:t>
             </a:fld>
             <a:endParaRPr lang="es-ES"/>
           </a:p>
@@ -2101,7 +2121,7 @@
           <a:p>
             <a:fld id="{9C28449B-7E7F-4B22-B31C-7455ACE0523B}" type="datetimeFigureOut">
               <a:rPr lang="es-ES" smtClean="0"/>
-              <a:t>24/10/2017</a:t>
+              <a:t>25/10/2017</a:t>
             </a:fld>
             <a:endParaRPr lang="es-ES"/>
           </a:p>
@@ -2354,7 +2374,7 @@
           <a:p>
             <a:fld id="{9C28449B-7E7F-4B22-B31C-7455ACE0523B}" type="datetimeFigureOut">
               <a:rPr lang="es-ES" smtClean="0"/>
-              <a:t>24/10/2017</a:t>
+              <a:t>25/10/2017</a:t>
             </a:fld>
             <a:endParaRPr lang="es-ES"/>
           </a:p>
@@ -2567,7 +2587,7 @@
           <a:p>
             <a:fld id="{9C28449B-7E7F-4B22-B31C-7455ACE0523B}" type="datetimeFigureOut">
               <a:rPr lang="es-ES" smtClean="0"/>
-              <a:t>24/10/2017</a:t>
+              <a:t>25/10/2017</a:t>
             </a:fld>
             <a:endParaRPr lang="es-ES"/>
           </a:p>
@@ -3000,6 +3020,891 @@
     <p:extLst>
       <p:ext uri="{BB962C8B-B14F-4D97-AF65-F5344CB8AC3E}">
         <p14:creationId xmlns:p14="http://schemas.microsoft.com/office/powerpoint/2010/main" val="766463725"/>
+      </p:ext>
+    </p:extLst>
+  </p:cSld>
+  <p:clrMapOvr>
+    <a:masterClrMapping/>
+  </p:clrMapOvr>
+</p:sld>
+</file>
+
+<file path=ppt/slides/slide10.xml><?xml version="1.0" encoding="utf-8"?>
+<p:sld xmlns:a="http://schemas.openxmlformats.org/drawingml/2006/main" xmlns:r="http://schemas.openxmlformats.org/officeDocument/2006/relationships" xmlns:p="http://schemas.openxmlformats.org/presentationml/2006/main">
+  <p:cSld>
+    <p:spTree>
+      <p:nvGrpSpPr>
+        <p:cNvPr id="1" name=""/>
+        <p:cNvGrpSpPr/>
+        <p:nvPr/>
+      </p:nvGrpSpPr>
+      <p:grpSpPr>
+        <a:xfrm>
+          <a:off x="0" y="0"/>
+          <a:ext cx="0" cy="0"/>
+          <a:chOff x="0" y="0"/>
+          <a:chExt cx="0" cy="0"/>
+        </a:xfrm>
+      </p:grpSpPr>
+      <p:grpSp>
+        <p:nvGrpSpPr>
+          <p:cNvPr id="11" name="Grupo 10"/>
+          <p:cNvGrpSpPr/>
+          <p:nvPr/>
+        </p:nvGrpSpPr>
+        <p:grpSpPr>
+          <a:xfrm>
+            <a:off x="546200" y="0"/>
+            <a:ext cx="7516770" cy="6579646"/>
+            <a:chOff x="546200" y="0"/>
+            <a:chExt cx="7516770" cy="6579646"/>
+          </a:xfrm>
+        </p:grpSpPr>
+        <p:pic>
+          <p:nvPicPr>
+            <p:cNvPr id="2" name="Imagen 1"/>
+            <p:cNvPicPr/>
+            <p:nvPr/>
+          </p:nvPicPr>
+          <p:blipFill rotWithShape="1">
+            <a:blip r:embed="rId2"/>
+            <a:srcRect l="18366" t="18612" r="78263" b="6412"/>
+            <a:stretch/>
+          </p:blipFill>
+          <p:spPr bwMode="auto">
+            <a:xfrm>
+              <a:off x="962025" y="0"/>
+              <a:ext cx="523875" cy="6467476"/>
+            </a:xfrm>
+            <a:prstGeom prst="rect">
+              <a:avLst/>
+            </a:prstGeom>
+            <a:ln>
+              <a:noFill/>
+            </a:ln>
+            <a:extLst>
+              <a:ext uri="{53640926-AAD7-44D8-BBD7-CCE9431645EC}">
+                <a14:shadowObscured xmlns:a14="http://schemas.microsoft.com/office/drawing/2010/main"/>
+              </a:ext>
+            </a:extLst>
+          </p:spPr>
+        </p:pic>
+        <p:pic>
+          <p:nvPicPr>
+            <p:cNvPr id="3" name="Imagen 2"/>
+            <p:cNvPicPr/>
+            <p:nvPr/>
+          </p:nvPicPr>
+          <p:blipFill rotWithShape="1">
+            <a:blip r:embed="rId2"/>
+            <a:srcRect l="29641" t="18612" r="53876" b="6412"/>
+            <a:stretch/>
+          </p:blipFill>
+          <p:spPr bwMode="auto">
+            <a:xfrm>
+              <a:off x="1485900" y="0"/>
+              <a:ext cx="2562225" cy="6467476"/>
+            </a:xfrm>
+            <a:prstGeom prst="rect">
+              <a:avLst/>
+            </a:prstGeom>
+            <a:ln>
+              <a:noFill/>
+            </a:ln>
+            <a:extLst>
+              <a:ext uri="{53640926-AAD7-44D8-BBD7-CCE9431645EC}">
+                <a14:shadowObscured xmlns:a14="http://schemas.microsoft.com/office/drawing/2010/main"/>
+              </a:ext>
+            </a:extLst>
+          </p:spPr>
+        </p:pic>
+        <p:pic>
+          <p:nvPicPr>
+            <p:cNvPr id="4" name="Imagen 3"/>
+            <p:cNvPicPr/>
+            <p:nvPr/>
+          </p:nvPicPr>
+          <p:blipFill rotWithShape="1">
+            <a:blip r:embed="rId2"/>
+            <a:srcRect l="54480" t="18612" r="19769" b="6412"/>
+            <a:stretch/>
+          </p:blipFill>
+          <p:spPr bwMode="auto">
+            <a:xfrm>
+              <a:off x="4059991" y="0"/>
+              <a:ext cx="4002979" cy="6467476"/>
+            </a:xfrm>
+            <a:prstGeom prst="rect">
+              <a:avLst/>
+            </a:prstGeom>
+            <a:ln>
+              <a:noFill/>
+            </a:ln>
+            <a:extLst>
+              <a:ext uri="{53640926-AAD7-44D8-BBD7-CCE9431645EC}">
+                <a14:shadowObscured xmlns:a14="http://schemas.microsoft.com/office/drawing/2010/main"/>
+              </a:ext>
+            </a:extLst>
+          </p:spPr>
+        </p:pic>
+        <p:sp>
+          <p:nvSpPr>
+            <p:cNvPr id="5" name="CuadroTexto 4"/>
+            <p:cNvSpPr txBox="1"/>
+            <p:nvPr/>
+          </p:nvSpPr>
+          <p:spPr>
+            <a:xfrm>
+              <a:off x="6778282" y="6318037"/>
+              <a:ext cx="979166" cy="261609"/>
+            </a:xfrm>
+            <a:prstGeom prst="rect">
+              <a:avLst/>
+            </a:prstGeom>
+            <a:solidFill>
+              <a:schemeClr val="bg1"/>
+            </a:solidFill>
+          </p:spPr>
+          <p:txBody>
+            <a:bodyPr wrap="square" rtlCol="0">
+              <a:spAutoFit/>
+            </a:bodyPr>
+            <a:lstStyle/>
+            <a:p>
+              <a:pPr algn="ctr"/>
+              <a:r>
+                <a:rPr lang="es-ES" sz="1100" dirty="0" smtClean="0"/>
+                <a:t>WATSON</a:t>
+              </a:r>
+              <a:endParaRPr lang="es-ES" sz="1100" dirty="0"/>
+            </a:p>
+          </p:txBody>
+        </p:sp>
+        <p:sp>
+          <p:nvSpPr>
+            <p:cNvPr id="6" name="CuadroTexto 5"/>
+            <p:cNvSpPr txBox="1"/>
+            <p:nvPr/>
+          </p:nvSpPr>
+          <p:spPr>
+            <a:xfrm>
+              <a:off x="1618189" y="6289757"/>
+              <a:ext cx="979166" cy="276998"/>
+            </a:xfrm>
+            <a:prstGeom prst="rect">
+              <a:avLst/>
+            </a:prstGeom>
+            <a:solidFill>
+              <a:schemeClr val="bg1"/>
+            </a:solidFill>
+          </p:spPr>
+          <p:txBody>
+            <a:bodyPr wrap="square" rtlCol="0">
+              <a:spAutoFit/>
+            </a:bodyPr>
+            <a:lstStyle/>
+            <a:p>
+              <a:pPr algn="ctr"/>
+              <a:r>
+                <a:rPr lang="es-ES" sz="1200" dirty="0" smtClean="0"/>
+                <a:t>API.ai</a:t>
+              </a:r>
+              <a:endParaRPr lang="es-ES" sz="1200" dirty="0"/>
+            </a:p>
+          </p:txBody>
+        </p:sp>
+        <p:sp>
+          <p:nvSpPr>
+            <p:cNvPr id="7" name="CuadroTexto 6"/>
+            <p:cNvSpPr txBox="1"/>
+            <p:nvPr/>
+          </p:nvSpPr>
+          <p:spPr>
+            <a:xfrm>
+              <a:off x="5571897" y="6318037"/>
+              <a:ext cx="979166" cy="261609"/>
+            </a:xfrm>
+            <a:prstGeom prst="rect">
+              <a:avLst/>
+            </a:prstGeom>
+            <a:solidFill>
+              <a:schemeClr val="bg1"/>
+            </a:solidFill>
+          </p:spPr>
+          <p:txBody>
+            <a:bodyPr wrap="square" rtlCol="0">
+              <a:spAutoFit/>
+            </a:bodyPr>
+            <a:lstStyle/>
+            <a:p>
+              <a:pPr algn="ctr"/>
+              <a:r>
+                <a:rPr lang="es-ES" sz="1100" dirty="0" smtClean="0"/>
+                <a:t>LUIS</a:t>
+              </a:r>
+              <a:endParaRPr lang="es-ES" sz="1100" dirty="0"/>
+            </a:p>
+          </p:txBody>
+        </p:sp>
+        <p:sp>
+          <p:nvSpPr>
+            <p:cNvPr id="8" name="CuadroTexto 7"/>
+            <p:cNvSpPr txBox="1"/>
+            <p:nvPr/>
+          </p:nvSpPr>
+          <p:spPr>
+            <a:xfrm>
+              <a:off x="4216057" y="6318037"/>
+              <a:ext cx="979166" cy="261609"/>
+            </a:xfrm>
+            <a:prstGeom prst="rect">
+              <a:avLst/>
+            </a:prstGeom>
+            <a:solidFill>
+              <a:schemeClr val="bg1"/>
+            </a:solidFill>
+          </p:spPr>
+          <p:txBody>
+            <a:bodyPr wrap="square" rtlCol="0">
+              <a:spAutoFit/>
+            </a:bodyPr>
+            <a:lstStyle/>
+            <a:p>
+              <a:pPr algn="ctr"/>
+              <a:r>
+                <a:rPr lang="es-ES" sz="1100" dirty="0" smtClean="0"/>
+                <a:t>LEX</a:t>
+              </a:r>
+              <a:endParaRPr lang="es-ES" sz="1100" dirty="0"/>
+            </a:p>
+          </p:txBody>
+        </p:sp>
+        <p:sp>
+          <p:nvSpPr>
+            <p:cNvPr id="9" name="CuadroTexto 8"/>
+            <p:cNvSpPr txBox="1"/>
+            <p:nvPr/>
+          </p:nvSpPr>
+          <p:spPr>
+            <a:xfrm>
+              <a:off x="2891976" y="6289757"/>
+              <a:ext cx="979166" cy="261609"/>
+            </a:xfrm>
+            <a:prstGeom prst="rect">
+              <a:avLst/>
+            </a:prstGeom>
+            <a:solidFill>
+              <a:schemeClr val="bg1"/>
+            </a:solidFill>
+          </p:spPr>
+          <p:txBody>
+            <a:bodyPr wrap="square" rtlCol="0">
+              <a:spAutoFit/>
+            </a:bodyPr>
+            <a:lstStyle/>
+            <a:p>
+              <a:pPr algn="ctr"/>
+              <a:r>
+                <a:rPr lang="es-ES" sz="1100" dirty="0" smtClean="0"/>
+                <a:t>WIT</a:t>
+              </a:r>
+              <a:endParaRPr lang="es-ES" sz="1100" dirty="0"/>
+            </a:p>
+          </p:txBody>
+        </p:sp>
+        <p:sp>
+          <p:nvSpPr>
+            <p:cNvPr id="10" name="CuadroTexto 9"/>
+            <p:cNvSpPr txBox="1"/>
+            <p:nvPr/>
+          </p:nvSpPr>
+          <p:spPr>
+            <a:xfrm rot="16200000">
+              <a:off x="-898194" y="2826138"/>
+              <a:ext cx="3196564" cy="307776"/>
+            </a:xfrm>
+            <a:prstGeom prst="rect">
+              <a:avLst/>
+            </a:prstGeom>
+            <a:solidFill>
+              <a:schemeClr val="bg1"/>
+            </a:solidFill>
+          </p:spPr>
+          <p:txBody>
+            <a:bodyPr wrap="square" rtlCol="0">
+              <a:spAutoFit/>
+            </a:bodyPr>
+            <a:lstStyle/>
+            <a:p>
+              <a:pPr algn="ctr"/>
+              <a:r>
+                <a:rPr lang="es-ES" sz="1400" dirty="0" smtClean="0">
+                  <a:solidFill>
+                    <a:schemeClr val="tx1">
+                      <a:lumMod val="75000"/>
+                      <a:lumOff val="25000"/>
+                    </a:schemeClr>
+                  </a:solidFill>
+                </a:rPr>
+                <a:t>Falsos positivos</a:t>
+              </a:r>
+              <a:endParaRPr lang="es-ES" sz="1400" dirty="0">
+                <a:solidFill>
+                  <a:schemeClr val="tx1">
+                    <a:lumMod val="75000"/>
+                    <a:lumOff val="25000"/>
+                  </a:schemeClr>
+                </a:solidFill>
+              </a:endParaRPr>
+            </a:p>
+          </p:txBody>
+        </p:sp>
+      </p:grpSp>
+    </p:spTree>
+    <p:extLst>
+      <p:ext uri="{BB962C8B-B14F-4D97-AF65-F5344CB8AC3E}">
+        <p14:creationId xmlns:p14="http://schemas.microsoft.com/office/powerpoint/2010/main" val="639718874"/>
+      </p:ext>
+    </p:extLst>
+  </p:cSld>
+  <p:clrMapOvr>
+    <a:masterClrMapping/>
+  </p:clrMapOvr>
+</p:sld>
+</file>
+
+<file path=ppt/slides/slide11.xml><?xml version="1.0" encoding="utf-8"?>
+<p:sld xmlns:a="http://schemas.openxmlformats.org/drawingml/2006/main" xmlns:r="http://schemas.openxmlformats.org/officeDocument/2006/relationships" xmlns:p="http://schemas.openxmlformats.org/presentationml/2006/main">
+  <p:cSld>
+    <p:spTree>
+      <p:nvGrpSpPr>
+        <p:cNvPr id="1" name=""/>
+        <p:cNvGrpSpPr/>
+        <p:nvPr/>
+      </p:nvGrpSpPr>
+      <p:grpSpPr>
+        <a:xfrm>
+          <a:off x="0" y="0"/>
+          <a:ext cx="0" cy="0"/>
+          <a:chOff x="0" y="0"/>
+          <a:chExt cx="0" cy="0"/>
+        </a:xfrm>
+      </p:grpSpPr>
+      <p:grpSp>
+        <p:nvGrpSpPr>
+          <p:cNvPr id="6" name="Grupo 5"/>
+          <p:cNvGrpSpPr/>
+          <p:nvPr/>
+        </p:nvGrpSpPr>
+        <p:grpSpPr>
+          <a:xfrm>
+            <a:off x="464500" y="-104810"/>
+            <a:ext cx="9647064" cy="7116698"/>
+            <a:chOff x="464500" y="-104810"/>
+            <a:chExt cx="9647064" cy="7116698"/>
+          </a:xfrm>
+        </p:grpSpPr>
+        <p:pic>
+          <p:nvPicPr>
+            <p:cNvPr id="2" name="Imagen 1"/>
+            <p:cNvPicPr/>
+            <p:nvPr/>
+          </p:nvPicPr>
+          <p:blipFill rotWithShape="1">
+            <a:blip r:embed="rId2"/>
+            <a:srcRect l="16520" t="19132" r="31408" b="5632"/>
+            <a:stretch/>
+          </p:blipFill>
+          <p:spPr bwMode="auto">
+            <a:xfrm>
+              <a:off x="871870" y="-104810"/>
+              <a:ext cx="7814930" cy="6631683"/>
+            </a:xfrm>
+            <a:prstGeom prst="rect">
+              <a:avLst/>
+            </a:prstGeom>
+            <a:ln>
+              <a:noFill/>
+            </a:ln>
+            <a:extLst>
+              <a:ext uri="{53640926-AAD7-44D8-BBD7-CCE9431645EC}">
+                <a14:shadowObscured xmlns:a14="http://schemas.microsoft.com/office/drawing/2010/main"/>
+              </a:ext>
+            </a:extLst>
+          </p:spPr>
+        </p:pic>
+        <p:pic>
+          <p:nvPicPr>
+            <p:cNvPr id="3" name="Imagen 2"/>
+            <p:cNvPicPr/>
+            <p:nvPr/>
+          </p:nvPicPr>
+          <p:blipFill rotWithShape="1">
+            <a:blip r:embed="rId2"/>
+            <a:srcRect l="68639" t="51386" r="21867" b="30762"/>
+            <a:stretch/>
+          </p:blipFill>
+          <p:spPr bwMode="auto">
+            <a:xfrm>
+              <a:off x="8686800" y="2424221"/>
+              <a:ext cx="1424764" cy="1573619"/>
+            </a:xfrm>
+            <a:prstGeom prst="rect">
+              <a:avLst/>
+            </a:prstGeom>
+            <a:ln>
+              <a:noFill/>
+            </a:ln>
+            <a:extLst>
+              <a:ext uri="{53640926-AAD7-44D8-BBD7-CCE9431645EC}">
+                <a14:shadowObscured xmlns:a14="http://schemas.microsoft.com/office/drawing/2010/main"/>
+              </a:ext>
+            </a:extLst>
+          </p:spPr>
+        </p:pic>
+        <p:sp>
+          <p:nvSpPr>
+            <p:cNvPr id="4" name="CuadroTexto 3"/>
+            <p:cNvSpPr txBox="1"/>
+            <p:nvPr/>
+          </p:nvSpPr>
+          <p:spPr>
+            <a:xfrm rot="16200000">
+              <a:off x="-979894" y="3134667"/>
+              <a:ext cx="3196564" cy="307776"/>
+            </a:xfrm>
+            <a:prstGeom prst="rect">
+              <a:avLst/>
+            </a:prstGeom>
+            <a:solidFill>
+              <a:schemeClr val="bg1"/>
+            </a:solidFill>
+          </p:spPr>
+          <p:txBody>
+            <a:bodyPr wrap="square" rtlCol="0">
+              <a:spAutoFit/>
+            </a:bodyPr>
+            <a:lstStyle/>
+            <a:p>
+              <a:pPr algn="ctr"/>
+              <a:r>
+                <a:rPr lang="es-ES" sz="1400" dirty="0" smtClean="0">
+                  <a:solidFill>
+                    <a:schemeClr val="tx1">
+                      <a:lumMod val="75000"/>
+                      <a:lumOff val="25000"/>
+                    </a:schemeClr>
+                  </a:solidFill>
+                </a:rPr>
+                <a:t>F1 score estandarizado</a:t>
+              </a:r>
+              <a:endParaRPr lang="es-ES" sz="1400" dirty="0">
+                <a:solidFill>
+                  <a:schemeClr val="tx1">
+                    <a:lumMod val="75000"/>
+                    <a:lumOff val="25000"/>
+                  </a:schemeClr>
+                </a:solidFill>
+              </a:endParaRPr>
+            </a:p>
+          </p:txBody>
+        </p:sp>
+        <p:sp>
+          <p:nvSpPr>
+            <p:cNvPr id="5" name="CuadroTexto 4"/>
+            <p:cNvSpPr txBox="1"/>
+            <p:nvPr/>
+          </p:nvSpPr>
+          <p:spPr>
+            <a:xfrm>
+              <a:off x="2957697" y="6704112"/>
+              <a:ext cx="3196564" cy="307776"/>
+            </a:xfrm>
+            <a:prstGeom prst="rect">
+              <a:avLst/>
+            </a:prstGeom>
+            <a:solidFill>
+              <a:schemeClr val="bg1"/>
+            </a:solidFill>
+          </p:spPr>
+          <p:txBody>
+            <a:bodyPr wrap="square" rtlCol="0">
+              <a:spAutoFit/>
+            </a:bodyPr>
+            <a:lstStyle/>
+            <a:p>
+              <a:pPr algn="ctr"/>
+              <a:r>
+                <a:rPr lang="es-ES" sz="1400" dirty="0" smtClean="0">
+                  <a:solidFill>
+                    <a:schemeClr val="tx1">
+                      <a:lumMod val="75000"/>
+                      <a:lumOff val="25000"/>
+                    </a:schemeClr>
+                  </a:solidFill>
+                </a:rPr>
+                <a:t>Número de muestras de aprendizaje</a:t>
+              </a:r>
+              <a:endParaRPr lang="es-ES" sz="1400" dirty="0">
+                <a:solidFill>
+                  <a:schemeClr val="tx1">
+                    <a:lumMod val="75000"/>
+                    <a:lumOff val="25000"/>
+                  </a:schemeClr>
+                </a:solidFill>
+              </a:endParaRPr>
+            </a:p>
+          </p:txBody>
+        </p:sp>
+      </p:grpSp>
+    </p:spTree>
+    <p:extLst>
+      <p:ext uri="{BB962C8B-B14F-4D97-AF65-F5344CB8AC3E}">
+        <p14:creationId xmlns:p14="http://schemas.microsoft.com/office/powerpoint/2010/main" val="3912757184"/>
+      </p:ext>
+    </p:extLst>
+  </p:cSld>
+  <p:clrMapOvr>
+    <a:masterClrMapping/>
+  </p:clrMapOvr>
+</p:sld>
+</file>
+
+<file path=ppt/slides/slide12.xml><?xml version="1.0" encoding="utf-8"?>
+<p:sld xmlns:a="http://schemas.openxmlformats.org/drawingml/2006/main" xmlns:r="http://schemas.openxmlformats.org/officeDocument/2006/relationships" xmlns:p="http://schemas.openxmlformats.org/presentationml/2006/main">
+  <p:cSld>
+    <p:spTree>
+      <p:nvGrpSpPr>
+        <p:cNvPr id="1" name=""/>
+        <p:cNvGrpSpPr/>
+        <p:nvPr/>
+      </p:nvGrpSpPr>
+      <p:grpSpPr>
+        <a:xfrm>
+          <a:off x="0" y="0"/>
+          <a:ext cx="0" cy="0"/>
+          <a:chOff x="0" y="0"/>
+          <a:chExt cx="0" cy="0"/>
+        </a:xfrm>
+      </p:grpSpPr>
+      <p:grpSp>
+        <p:nvGrpSpPr>
+          <p:cNvPr id="12" name="Grupo 11"/>
+          <p:cNvGrpSpPr/>
+          <p:nvPr/>
+        </p:nvGrpSpPr>
+        <p:grpSpPr>
+          <a:xfrm>
+            <a:off x="1301956" y="-985429"/>
+            <a:ext cx="6110363" cy="8181983"/>
+            <a:chOff x="1301956" y="-985429"/>
+            <a:chExt cx="6110363" cy="8181983"/>
+          </a:xfrm>
+        </p:grpSpPr>
+        <p:pic>
+          <p:nvPicPr>
+            <p:cNvPr id="2" name="Imagen 1"/>
+            <p:cNvPicPr/>
+            <p:nvPr/>
+          </p:nvPicPr>
+          <p:blipFill rotWithShape="1">
+            <a:blip r:embed="rId2"/>
+            <a:srcRect l="18822" t="18645" r="63830" b="9476"/>
+            <a:stretch/>
+          </p:blipFill>
+          <p:spPr bwMode="auto">
+            <a:xfrm>
+              <a:off x="1925052" y="-981737"/>
+              <a:ext cx="3321462" cy="7717481"/>
+            </a:xfrm>
+            <a:prstGeom prst="rect">
+              <a:avLst/>
+            </a:prstGeom>
+            <a:ln>
+              <a:noFill/>
+            </a:ln>
+            <a:extLst>
+              <a:ext uri="{53640926-AAD7-44D8-BBD7-CCE9431645EC}">
+                <a14:shadowObscured xmlns:a14="http://schemas.microsoft.com/office/drawing/2010/main"/>
+              </a:ext>
+            </a:extLst>
+          </p:spPr>
+        </p:pic>
+        <p:pic>
+          <p:nvPicPr>
+            <p:cNvPr id="3" name="Imagen 2"/>
+            <p:cNvPicPr/>
+            <p:nvPr/>
+          </p:nvPicPr>
+          <p:blipFill rotWithShape="1">
+            <a:blip r:embed="rId2"/>
+            <a:srcRect l="41891" t="18645" r="52495" b="9407"/>
+            <a:stretch/>
+          </p:blipFill>
+          <p:spPr bwMode="auto">
+            <a:xfrm>
+              <a:off x="5198574" y="-985429"/>
+              <a:ext cx="1074820" cy="7724857"/>
+            </a:xfrm>
+            <a:prstGeom prst="rect">
+              <a:avLst/>
+            </a:prstGeom>
+            <a:ln>
+              <a:noFill/>
+            </a:ln>
+            <a:extLst>
+              <a:ext uri="{53640926-AAD7-44D8-BBD7-CCE9431645EC}">
+                <a14:shadowObscured xmlns:a14="http://schemas.microsoft.com/office/drawing/2010/main"/>
+              </a:ext>
+            </a:extLst>
+          </p:spPr>
+        </p:pic>
+        <p:pic>
+          <p:nvPicPr>
+            <p:cNvPr id="4" name="Imagen 3"/>
+            <p:cNvPicPr/>
+            <p:nvPr/>
+          </p:nvPicPr>
+          <p:blipFill rotWithShape="1">
+            <a:blip r:embed="rId2"/>
+            <a:srcRect l="53529" t="18645" r="40522" b="9607"/>
+            <a:stretch/>
+          </p:blipFill>
+          <p:spPr bwMode="auto">
+            <a:xfrm>
+              <a:off x="6273394" y="-974692"/>
+              <a:ext cx="1138925" cy="7703381"/>
+            </a:xfrm>
+            <a:prstGeom prst="rect">
+              <a:avLst/>
+            </a:prstGeom>
+            <a:ln>
+              <a:noFill/>
+            </a:ln>
+            <a:extLst>
+              <a:ext uri="{53640926-AAD7-44D8-BBD7-CCE9431645EC}">
+                <a14:shadowObscured xmlns:a14="http://schemas.microsoft.com/office/drawing/2010/main"/>
+              </a:ext>
+            </a:extLst>
+          </p:spPr>
+        </p:pic>
+        <p:sp>
+          <p:nvSpPr>
+            <p:cNvPr id="5" name="CuadroTexto 4"/>
+            <p:cNvSpPr txBox="1"/>
+            <p:nvPr/>
+          </p:nvSpPr>
+          <p:spPr>
+            <a:xfrm rot="16200000">
+              <a:off x="-926673" y="2646170"/>
+              <a:ext cx="4918923" cy="461665"/>
+            </a:xfrm>
+            <a:prstGeom prst="rect">
+              <a:avLst/>
+            </a:prstGeom>
+            <a:solidFill>
+              <a:schemeClr val="bg1"/>
+            </a:solidFill>
+          </p:spPr>
+          <p:txBody>
+            <a:bodyPr wrap="square" rtlCol="0">
+              <a:spAutoFit/>
+            </a:bodyPr>
+            <a:lstStyle/>
+            <a:p>
+              <a:pPr algn="ctr"/>
+              <a:r>
+                <a:rPr lang="es-ES" sz="2400" dirty="0" smtClean="0">
+                  <a:solidFill>
+                    <a:schemeClr val="tx1">
+                      <a:lumMod val="75000"/>
+                      <a:lumOff val="25000"/>
+                    </a:schemeClr>
+                  </a:solidFill>
+                </a:rPr>
+                <a:t>Media F1 score estandarizado</a:t>
+              </a:r>
+              <a:endParaRPr lang="es-ES" sz="2400" dirty="0">
+                <a:solidFill>
+                  <a:schemeClr val="tx1">
+                    <a:lumMod val="75000"/>
+                    <a:lumOff val="25000"/>
+                  </a:schemeClr>
+                </a:solidFill>
+              </a:endParaRPr>
+            </a:p>
+          </p:txBody>
+        </p:sp>
+        <p:sp>
+          <p:nvSpPr>
+            <p:cNvPr id="7" name="CuadroTexto 6"/>
+            <p:cNvSpPr txBox="1"/>
+            <p:nvPr/>
+          </p:nvSpPr>
+          <p:spPr>
+            <a:xfrm>
+              <a:off x="2052865" y="6831350"/>
+              <a:ext cx="979166" cy="338554"/>
+            </a:xfrm>
+            <a:prstGeom prst="rect">
+              <a:avLst/>
+            </a:prstGeom>
+            <a:solidFill>
+              <a:schemeClr val="bg1"/>
+            </a:solidFill>
+          </p:spPr>
+          <p:txBody>
+            <a:bodyPr wrap="square" rtlCol="0">
+              <a:spAutoFit/>
+            </a:bodyPr>
+            <a:lstStyle/>
+            <a:p>
+              <a:pPr algn="ctr"/>
+              <a:r>
+                <a:rPr lang="es-ES" sz="1600" dirty="0" smtClean="0"/>
+                <a:t>WATSON</a:t>
+              </a:r>
+              <a:endParaRPr lang="es-ES" sz="1600" dirty="0"/>
+            </a:p>
+          </p:txBody>
+        </p:sp>
+        <p:sp>
+          <p:nvSpPr>
+            <p:cNvPr id="8" name="CuadroTexto 7"/>
+            <p:cNvSpPr txBox="1"/>
+            <p:nvPr/>
+          </p:nvSpPr>
+          <p:spPr>
+            <a:xfrm>
+              <a:off x="3112167" y="6831350"/>
+              <a:ext cx="979166" cy="338554"/>
+            </a:xfrm>
+            <a:prstGeom prst="rect">
+              <a:avLst/>
+            </a:prstGeom>
+            <a:solidFill>
+              <a:schemeClr val="bg1"/>
+            </a:solidFill>
+          </p:spPr>
+          <p:txBody>
+            <a:bodyPr wrap="square" rtlCol="0">
+              <a:spAutoFit/>
+            </a:bodyPr>
+            <a:lstStyle/>
+            <a:p>
+              <a:pPr algn="ctr"/>
+              <a:r>
+                <a:rPr lang="es-ES" sz="1600" dirty="0" smtClean="0"/>
+                <a:t>API.ai</a:t>
+              </a:r>
+              <a:endParaRPr lang="es-ES" sz="1600" dirty="0"/>
+            </a:p>
+          </p:txBody>
+        </p:sp>
+        <p:sp>
+          <p:nvSpPr>
+            <p:cNvPr id="9" name="CuadroTexto 8"/>
+            <p:cNvSpPr txBox="1"/>
+            <p:nvPr/>
+          </p:nvSpPr>
+          <p:spPr>
+            <a:xfrm>
+              <a:off x="4235264" y="6831350"/>
+              <a:ext cx="979166" cy="338554"/>
+            </a:xfrm>
+            <a:prstGeom prst="rect">
+              <a:avLst/>
+            </a:prstGeom>
+            <a:solidFill>
+              <a:schemeClr val="bg1"/>
+            </a:solidFill>
+          </p:spPr>
+          <p:txBody>
+            <a:bodyPr wrap="square" rtlCol="0">
+              <a:spAutoFit/>
+            </a:bodyPr>
+            <a:lstStyle/>
+            <a:p>
+              <a:pPr algn="ctr"/>
+              <a:r>
+                <a:rPr lang="es-ES" sz="1600" dirty="0" smtClean="0"/>
+                <a:t>LUIS</a:t>
+              </a:r>
+              <a:endParaRPr lang="es-ES" sz="1600" dirty="0"/>
+            </a:p>
+          </p:txBody>
+        </p:sp>
+        <p:sp>
+          <p:nvSpPr>
+            <p:cNvPr id="10" name="CuadroTexto 9"/>
+            <p:cNvSpPr txBox="1"/>
+            <p:nvPr/>
+          </p:nvSpPr>
+          <p:spPr>
+            <a:xfrm>
+              <a:off x="5150634" y="6858000"/>
+              <a:ext cx="979166" cy="338554"/>
+            </a:xfrm>
+            <a:prstGeom prst="rect">
+              <a:avLst/>
+            </a:prstGeom>
+            <a:solidFill>
+              <a:schemeClr val="bg1"/>
+            </a:solidFill>
+          </p:spPr>
+          <p:txBody>
+            <a:bodyPr wrap="square" rtlCol="0">
+              <a:spAutoFit/>
+            </a:bodyPr>
+            <a:lstStyle/>
+            <a:p>
+              <a:pPr algn="ctr"/>
+              <a:r>
+                <a:rPr lang="es-ES" sz="1600" dirty="0" smtClean="0"/>
+                <a:t>WIT</a:t>
+              </a:r>
+              <a:endParaRPr lang="es-ES" sz="1600" dirty="0"/>
+            </a:p>
+          </p:txBody>
+        </p:sp>
+        <p:sp>
+          <p:nvSpPr>
+            <p:cNvPr id="11" name="CuadroTexto 10"/>
+            <p:cNvSpPr txBox="1"/>
+            <p:nvPr/>
+          </p:nvSpPr>
+          <p:spPr>
+            <a:xfrm>
+              <a:off x="6225902" y="6831350"/>
+              <a:ext cx="979166" cy="338554"/>
+            </a:xfrm>
+            <a:prstGeom prst="rect">
+              <a:avLst/>
+            </a:prstGeom>
+            <a:solidFill>
+              <a:schemeClr val="bg1"/>
+            </a:solidFill>
+          </p:spPr>
+          <p:txBody>
+            <a:bodyPr wrap="square" rtlCol="0">
+              <a:spAutoFit/>
+            </a:bodyPr>
+            <a:lstStyle/>
+            <a:p>
+              <a:pPr algn="ctr"/>
+              <a:r>
+                <a:rPr lang="es-ES" sz="1600" dirty="0" smtClean="0"/>
+                <a:t>LEX</a:t>
+              </a:r>
+              <a:endParaRPr lang="es-ES" sz="1600" dirty="0"/>
+            </a:p>
+          </p:txBody>
+        </p:sp>
+      </p:grpSp>
+    </p:spTree>
+    <p:extLst>
+      <p:ext uri="{BB962C8B-B14F-4D97-AF65-F5344CB8AC3E}">
+        <p14:creationId xmlns:p14="http://schemas.microsoft.com/office/powerpoint/2010/main" val="2149188482"/>
       </p:ext>
     </p:extLst>
   </p:cSld>
@@ -6128,6 +7033,1824 @@
 </p:sld>
 </file>
 
+<file path=ppt/slides/slide5.xml><?xml version="1.0" encoding="utf-8"?>
+<p:sld xmlns:a="http://schemas.openxmlformats.org/drawingml/2006/main" xmlns:r="http://schemas.openxmlformats.org/officeDocument/2006/relationships" xmlns:p="http://schemas.openxmlformats.org/presentationml/2006/main">
+  <p:cSld>
+    <p:spTree>
+      <p:nvGrpSpPr>
+        <p:cNvPr id="1" name=""/>
+        <p:cNvGrpSpPr/>
+        <p:nvPr/>
+      </p:nvGrpSpPr>
+      <p:grpSpPr>
+        <a:xfrm>
+          <a:off x="0" y="0"/>
+          <a:ext cx="0" cy="0"/>
+          <a:chOff x="0" y="0"/>
+          <a:chExt cx="0" cy="0"/>
+        </a:xfrm>
+      </p:grpSpPr>
+      <p:pic>
+        <p:nvPicPr>
+          <p:cNvPr id="2" name="Imagen 1"/>
+          <p:cNvPicPr/>
+          <p:nvPr/>
+        </p:nvPicPr>
+        <p:blipFill rotWithShape="1">
+          <a:blip r:embed="rId2"/>
+          <a:srcRect l="13586" t="19596" r="42661" b="4681"/>
+          <a:stretch/>
+        </p:blipFill>
+        <p:spPr bwMode="auto">
+          <a:xfrm>
+            <a:off x="1820563" y="157856"/>
+            <a:ext cx="6746788" cy="5864003"/>
+          </a:xfrm>
+          <a:prstGeom prst="rect">
+            <a:avLst/>
+          </a:prstGeom>
+          <a:ln>
+            <a:noFill/>
+          </a:ln>
+          <a:extLst>
+            <a:ext uri="{53640926-AAD7-44D8-BBD7-CCE9431645EC}">
+              <a14:shadowObscured xmlns:a14="http://schemas.microsoft.com/office/drawing/2010/main"/>
+            </a:ext>
+          </a:extLst>
+        </p:spPr>
+      </p:pic>
+      <p:sp>
+        <p:nvSpPr>
+          <p:cNvPr id="3" name="Rectángulo 2"/>
+          <p:cNvSpPr/>
+          <p:nvPr/>
+        </p:nvSpPr>
+        <p:spPr>
+          <a:xfrm>
+            <a:off x="7611762" y="5898292"/>
+            <a:ext cx="617838" cy="140043"/>
+          </a:xfrm>
+          <a:prstGeom prst="rect">
+            <a:avLst/>
+          </a:prstGeom>
+          <a:solidFill>
+            <a:schemeClr val="bg1"/>
+          </a:solidFill>
+          <a:ln>
+            <a:noFill/>
+          </a:ln>
+        </p:spPr>
+        <p:style>
+          <a:lnRef idx="2">
+            <a:schemeClr val="accent1">
+              <a:shade val="50000"/>
+            </a:schemeClr>
+          </a:lnRef>
+          <a:fillRef idx="1">
+            <a:schemeClr val="accent1"/>
+          </a:fillRef>
+          <a:effectRef idx="0">
+            <a:schemeClr val="accent1"/>
+          </a:effectRef>
+          <a:fontRef idx="minor">
+            <a:schemeClr val="lt1"/>
+          </a:fontRef>
+        </p:style>
+        <p:txBody>
+          <a:bodyPr rtlCol="0" anchor="ctr"/>
+          <a:lstStyle/>
+          <a:p>
+            <a:pPr algn="ctr"/>
+            <a:endParaRPr lang="es-ES"/>
+          </a:p>
+        </p:txBody>
+      </p:sp>
+      <p:sp>
+        <p:nvSpPr>
+          <p:cNvPr id="4" name="CuadroTexto 3"/>
+          <p:cNvSpPr txBox="1"/>
+          <p:nvPr/>
+        </p:nvSpPr>
+        <p:spPr>
+          <a:xfrm>
+            <a:off x="2422230" y="5890596"/>
+            <a:ext cx="683742" cy="215444"/>
+          </a:xfrm>
+          <a:prstGeom prst="rect">
+            <a:avLst/>
+          </a:prstGeom>
+          <a:solidFill>
+            <a:schemeClr val="bg1"/>
+          </a:solidFill>
+        </p:spPr>
+        <p:txBody>
+          <a:bodyPr wrap="square" rtlCol="0">
+            <a:spAutoFit/>
+          </a:bodyPr>
+          <a:lstStyle/>
+          <a:p>
+            <a:pPr algn="ctr"/>
+            <a:r>
+              <a:rPr lang="es-ES" sz="800" b="1" dirty="0" smtClean="0"/>
+              <a:t>WATSON</a:t>
+            </a:r>
+            <a:endParaRPr lang="es-ES" sz="800" b="1" dirty="0"/>
+          </a:p>
+        </p:txBody>
+      </p:sp>
+      <p:sp>
+        <p:nvSpPr>
+          <p:cNvPr id="5" name="CuadroTexto 4"/>
+          <p:cNvSpPr txBox="1"/>
+          <p:nvPr/>
+        </p:nvSpPr>
+        <p:spPr>
+          <a:xfrm>
+            <a:off x="3272634" y="5898833"/>
+            <a:ext cx="556054" cy="215444"/>
+          </a:xfrm>
+          <a:prstGeom prst="rect">
+            <a:avLst/>
+          </a:prstGeom>
+          <a:solidFill>
+            <a:schemeClr val="bg1"/>
+          </a:solidFill>
+        </p:spPr>
+        <p:txBody>
+          <a:bodyPr wrap="square" rtlCol="0">
+            <a:spAutoFit/>
+          </a:bodyPr>
+          <a:lstStyle/>
+          <a:p>
+            <a:pPr algn="ctr"/>
+            <a:r>
+              <a:rPr lang="es-ES" sz="800" b="1" dirty="0" smtClean="0"/>
+              <a:t>API.ai</a:t>
+            </a:r>
+            <a:endParaRPr lang="es-ES" sz="800" b="1" dirty="0"/>
+          </a:p>
+        </p:txBody>
+      </p:sp>
+      <p:sp>
+        <p:nvSpPr>
+          <p:cNvPr id="6" name="CuadroTexto 5"/>
+          <p:cNvSpPr txBox="1"/>
+          <p:nvPr/>
+        </p:nvSpPr>
+        <p:spPr>
+          <a:xfrm>
+            <a:off x="3828688" y="5889965"/>
+            <a:ext cx="817453" cy="215444"/>
+          </a:xfrm>
+          <a:prstGeom prst="rect">
+            <a:avLst/>
+          </a:prstGeom>
+          <a:solidFill>
+            <a:schemeClr val="bg1"/>
+          </a:solidFill>
+        </p:spPr>
+        <p:txBody>
+          <a:bodyPr wrap="square" rtlCol="0">
+            <a:spAutoFit/>
+          </a:bodyPr>
+          <a:lstStyle/>
+          <a:p>
+            <a:pPr algn="ctr"/>
+            <a:r>
+              <a:rPr lang="es-ES" sz="800" b="1" dirty="0" smtClean="0"/>
+              <a:t>LUIS</a:t>
+            </a:r>
+            <a:endParaRPr lang="es-ES" sz="800" b="1" dirty="0"/>
+          </a:p>
+        </p:txBody>
+      </p:sp>
+      <p:sp>
+        <p:nvSpPr>
+          <p:cNvPr id="7" name="CuadroTexto 6"/>
+          <p:cNvSpPr txBox="1"/>
+          <p:nvPr/>
+        </p:nvSpPr>
+        <p:spPr>
+          <a:xfrm>
+            <a:off x="5254140" y="5914137"/>
+            <a:ext cx="817453" cy="215444"/>
+          </a:xfrm>
+          <a:prstGeom prst="rect">
+            <a:avLst/>
+          </a:prstGeom>
+          <a:solidFill>
+            <a:schemeClr val="bg1"/>
+          </a:solidFill>
+        </p:spPr>
+        <p:txBody>
+          <a:bodyPr wrap="square" rtlCol="0">
+            <a:spAutoFit/>
+          </a:bodyPr>
+          <a:lstStyle/>
+          <a:p>
+            <a:pPr algn="ctr"/>
+            <a:r>
+              <a:rPr lang="es-ES" sz="800" b="1" dirty="0" smtClean="0"/>
+              <a:t>WIT.ai</a:t>
+            </a:r>
+            <a:endParaRPr lang="es-ES" sz="800" b="1" dirty="0"/>
+          </a:p>
+        </p:txBody>
+      </p:sp>
+      <p:sp>
+        <p:nvSpPr>
+          <p:cNvPr id="8" name="CuadroTexto 7"/>
+          <p:cNvSpPr txBox="1"/>
+          <p:nvPr/>
+        </p:nvSpPr>
+        <p:spPr>
+          <a:xfrm>
+            <a:off x="6794309" y="5898292"/>
+            <a:ext cx="817453" cy="215444"/>
+          </a:xfrm>
+          <a:prstGeom prst="rect">
+            <a:avLst/>
+          </a:prstGeom>
+          <a:solidFill>
+            <a:schemeClr val="bg1"/>
+          </a:solidFill>
+        </p:spPr>
+        <p:txBody>
+          <a:bodyPr wrap="square" rtlCol="0">
+            <a:spAutoFit/>
+          </a:bodyPr>
+          <a:lstStyle/>
+          <a:p>
+            <a:pPr algn="ctr"/>
+            <a:r>
+              <a:rPr lang="es-ES" sz="800" b="1" dirty="0" smtClean="0"/>
+              <a:t>LEX</a:t>
+            </a:r>
+            <a:endParaRPr lang="es-ES" sz="800" b="1" dirty="0"/>
+          </a:p>
+        </p:txBody>
+      </p:sp>
+      <p:sp>
+        <p:nvSpPr>
+          <p:cNvPr id="9" name="CuadroTexto 8"/>
+          <p:cNvSpPr txBox="1"/>
+          <p:nvPr/>
+        </p:nvSpPr>
+        <p:spPr>
+          <a:xfrm>
+            <a:off x="6025331" y="5889965"/>
+            <a:ext cx="817453" cy="215444"/>
+          </a:xfrm>
+          <a:prstGeom prst="rect">
+            <a:avLst/>
+          </a:prstGeom>
+          <a:solidFill>
+            <a:schemeClr val="bg1"/>
+          </a:solidFill>
+        </p:spPr>
+        <p:txBody>
+          <a:bodyPr wrap="square" rtlCol="0">
+            <a:spAutoFit/>
+          </a:bodyPr>
+          <a:lstStyle/>
+          <a:p>
+            <a:pPr algn="ctr"/>
+            <a:endParaRPr lang="es-ES" sz="800" b="1" dirty="0"/>
+          </a:p>
+        </p:txBody>
+      </p:sp>
+      <p:sp>
+        <p:nvSpPr>
+          <p:cNvPr id="10" name="CuadroTexto 9"/>
+          <p:cNvSpPr txBox="1"/>
+          <p:nvPr/>
+        </p:nvSpPr>
+        <p:spPr>
+          <a:xfrm>
+            <a:off x="4655161" y="5898922"/>
+            <a:ext cx="817453" cy="215444"/>
+          </a:xfrm>
+          <a:prstGeom prst="rect">
+            <a:avLst/>
+          </a:prstGeom>
+          <a:solidFill>
+            <a:schemeClr val="bg1"/>
+          </a:solidFill>
+        </p:spPr>
+        <p:txBody>
+          <a:bodyPr wrap="square" rtlCol="0">
+            <a:spAutoFit/>
+          </a:bodyPr>
+          <a:lstStyle/>
+          <a:p>
+            <a:pPr algn="ctr"/>
+            <a:endParaRPr lang="es-ES" sz="800" b="1" dirty="0"/>
+          </a:p>
+        </p:txBody>
+      </p:sp>
+    </p:spTree>
+    <p:extLst>
+      <p:ext uri="{BB962C8B-B14F-4D97-AF65-F5344CB8AC3E}">
+        <p14:creationId xmlns:p14="http://schemas.microsoft.com/office/powerpoint/2010/main" val="137265665"/>
+      </p:ext>
+    </p:extLst>
+  </p:cSld>
+  <p:clrMapOvr>
+    <a:masterClrMapping/>
+  </p:clrMapOvr>
+</p:sld>
+</file>
+
+<file path=ppt/slides/slide6.xml><?xml version="1.0" encoding="utf-8"?>
+<p:sld xmlns:a="http://schemas.openxmlformats.org/drawingml/2006/main" xmlns:r="http://schemas.openxmlformats.org/officeDocument/2006/relationships" xmlns:p="http://schemas.openxmlformats.org/presentationml/2006/main">
+  <p:cSld>
+    <p:spTree>
+      <p:nvGrpSpPr>
+        <p:cNvPr id="1" name=""/>
+        <p:cNvGrpSpPr/>
+        <p:nvPr/>
+      </p:nvGrpSpPr>
+      <p:grpSpPr>
+        <a:xfrm>
+          <a:off x="0" y="0"/>
+          <a:ext cx="0" cy="0"/>
+          <a:chOff x="0" y="0"/>
+          <a:chExt cx="0" cy="0"/>
+        </a:xfrm>
+      </p:grpSpPr>
+      <p:grpSp>
+        <p:nvGrpSpPr>
+          <p:cNvPr id="14" name="Grupo 13"/>
+          <p:cNvGrpSpPr/>
+          <p:nvPr/>
+        </p:nvGrpSpPr>
+        <p:grpSpPr>
+          <a:xfrm>
+            <a:off x="2471352" y="1387602"/>
+            <a:ext cx="5236862" cy="3853884"/>
+            <a:chOff x="2471352" y="1387602"/>
+            <a:chExt cx="5236862" cy="3853884"/>
+          </a:xfrm>
+        </p:grpSpPr>
+        <p:grpSp>
+          <p:nvGrpSpPr>
+            <p:cNvPr id="4" name="Grupo 3"/>
+            <p:cNvGrpSpPr/>
+            <p:nvPr/>
+          </p:nvGrpSpPr>
+          <p:grpSpPr>
+            <a:xfrm>
+              <a:off x="2471352" y="1518407"/>
+              <a:ext cx="5236862" cy="3464654"/>
+              <a:chOff x="2471352" y="1518407"/>
+              <a:chExt cx="5236862" cy="3464654"/>
+            </a:xfrm>
+          </p:grpSpPr>
+          <p:pic>
+            <p:nvPicPr>
+              <p:cNvPr id="2" name="Imagen 1"/>
+              <p:cNvPicPr/>
+              <p:nvPr/>
+            </p:nvPicPr>
+            <p:blipFill rotWithShape="1">
+              <a:blip r:embed="rId2"/>
+              <a:srcRect l="33697" t="25493" r="23085" b="11437"/>
+              <a:stretch/>
+            </p:blipFill>
+            <p:spPr bwMode="auto">
+              <a:xfrm>
+                <a:off x="2471352" y="1518407"/>
+                <a:ext cx="5236862" cy="3464654"/>
+              </a:xfrm>
+              <a:prstGeom prst="rect">
+                <a:avLst/>
+              </a:prstGeom>
+              <a:ln>
+                <a:noFill/>
+              </a:ln>
+              <a:extLst>
+                <a:ext uri="{53640926-AAD7-44D8-BBD7-CCE9431645EC}">
+                  <a14:shadowObscured xmlns:a14="http://schemas.microsoft.com/office/drawing/2010/main"/>
+                </a:ext>
+              </a:extLst>
+            </p:spPr>
+          </p:pic>
+          <p:pic>
+            <p:nvPicPr>
+              <p:cNvPr id="3" name="Imagen 2"/>
+              <p:cNvPicPr/>
+              <p:nvPr/>
+            </p:nvPicPr>
+            <p:blipFill rotWithShape="1">
+              <a:blip r:embed="rId2"/>
+              <a:srcRect l="51091" t="67311" r="41363" b="27344"/>
+              <a:stretch/>
+            </p:blipFill>
+            <p:spPr bwMode="auto">
+              <a:xfrm>
+                <a:off x="4579820" y="3696144"/>
+                <a:ext cx="914401" cy="293614"/>
+              </a:xfrm>
+              <a:prstGeom prst="rect">
+                <a:avLst/>
+              </a:prstGeom>
+              <a:ln>
+                <a:noFill/>
+              </a:ln>
+              <a:extLst>
+                <a:ext uri="{53640926-AAD7-44D8-BBD7-CCE9431645EC}">
+                  <a14:shadowObscured xmlns:a14="http://schemas.microsoft.com/office/drawing/2010/main"/>
+                </a:ext>
+              </a:extLst>
+            </p:spPr>
+          </p:pic>
+        </p:grpSp>
+        <p:sp>
+          <p:nvSpPr>
+            <p:cNvPr id="6" name="CuadroTexto 5"/>
+            <p:cNvSpPr txBox="1"/>
+            <p:nvPr/>
+          </p:nvSpPr>
+          <p:spPr>
+            <a:xfrm>
+              <a:off x="2628175" y="4995265"/>
+              <a:ext cx="683742" cy="246221"/>
+            </a:xfrm>
+            <a:prstGeom prst="rect">
+              <a:avLst/>
+            </a:prstGeom>
+            <a:solidFill>
+              <a:schemeClr val="bg1"/>
+            </a:solidFill>
+          </p:spPr>
+          <p:txBody>
+            <a:bodyPr wrap="square" rtlCol="0">
+              <a:spAutoFit/>
+            </a:bodyPr>
+            <a:lstStyle/>
+            <a:p>
+              <a:pPr algn="ctr"/>
+              <a:r>
+                <a:rPr lang="es-ES" sz="1000" b="1" dirty="0" smtClean="0"/>
+                <a:t>WATSON</a:t>
+              </a:r>
+              <a:endParaRPr lang="es-ES" sz="1000" b="1" dirty="0"/>
+            </a:p>
+          </p:txBody>
+        </p:sp>
+        <p:sp>
+          <p:nvSpPr>
+            <p:cNvPr id="7" name="CuadroTexto 6"/>
+            <p:cNvSpPr txBox="1"/>
+            <p:nvPr/>
+          </p:nvSpPr>
+          <p:spPr>
+            <a:xfrm>
+              <a:off x="3682619" y="4995265"/>
+              <a:ext cx="683742" cy="246221"/>
+            </a:xfrm>
+            <a:prstGeom prst="rect">
+              <a:avLst/>
+            </a:prstGeom>
+            <a:solidFill>
+              <a:schemeClr val="bg1"/>
+            </a:solidFill>
+          </p:spPr>
+          <p:txBody>
+            <a:bodyPr wrap="square" rtlCol="0">
+              <a:spAutoFit/>
+            </a:bodyPr>
+            <a:lstStyle/>
+            <a:p>
+              <a:pPr algn="ctr"/>
+              <a:r>
+                <a:rPr lang="es-ES" sz="1000" b="1" dirty="0" smtClean="0"/>
+                <a:t>LUIS</a:t>
+              </a:r>
+              <a:endParaRPr lang="es-ES" sz="1000" b="1" dirty="0"/>
+            </a:p>
+          </p:txBody>
+        </p:sp>
+        <p:sp>
+          <p:nvSpPr>
+            <p:cNvPr id="8" name="CuadroTexto 7"/>
+            <p:cNvSpPr txBox="1"/>
+            <p:nvPr/>
+          </p:nvSpPr>
+          <p:spPr>
+            <a:xfrm>
+              <a:off x="4698438" y="4977958"/>
+              <a:ext cx="683742" cy="246221"/>
+            </a:xfrm>
+            <a:prstGeom prst="rect">
+              <a:avLst/>
+            </a:prstGeom>
+            <a:solidFill>
+              <a:schemeClr val="bg1"/>
+            </a:solidFill>
+          </p:spPr>
+          <p:txBody>
+            <a:bodyPr wrap="square" rtlCol="0">
+              <a:spAutoFit/>
+            </a:bodyPr>
+            <a:lstStyle/>
+            <a:p>
+              <a:pPr algn="ctr"/>
+              <a:r>
+                <a:rPr lang="es-ES" sz="1000" b="1" dirty="0" smtClean="0"/>
+                <a:t>LEX</a:t>
+              </a:r>
+              <a:endParaRPr lang="es-ES" sz="1000" b="1" dirty="0"/>
+            </a:p>
+          </p:txBody>
+        </p:sp>
+        <p:sp>
+          <p:nvSpPr>
+            <p:cNvPr id="9" name="CuadroTexto 8"/>
+            <p:cNvSpPr txBox="1"/>
+            <p:nvPr/>
+          </p:nvSpPr>
+          <p:spPr>
+            <a:xfrm>
+              <a:off x="5714257" y="4977958"/>
+              <a:ext cx="683742" cy="246221"/>
+            </a:xfrm>
+            <a:prstGeom prst="rect">
+              <a:avLst/>
+            </a:prstGeom>
+            <a:solidFill>
+              <a:schemeClr val="bg1"/>
+            </a:solidFill>
+          </p:spPr>
+          <p:txBody>
+            <a:bodyPr wrap="square" rtlCol="0">
+              <a:spAutoFit/>
+            </a:bodyPr>
+            <a:lstStyle/>
+            <a:p>
+              <a:pPr algn="ctr"/>
+              <a:r>
+                <a:rPr lang="es-ES" sz="1000" b="1" dirty="0" smtClean="0"/>
+                <a:t>API</a:t>
+              </a:r>
+              <a:endParaRPr lang="es-ES" sz="1000" b="1" dirty="0"/>
+            </a:p>
+          </p:txBody>
+        </p:sp>
+        <p:sp>
+          <p:nvSpPr>
+            <p:cNvPr id="10" name="CuadroTexto 9"/>
+            <p:cNvSpPr txBox="1"/>
+            <p:nvPr/>
+          </p:nvSpPr>
+          <p:spPr>
+            <a:xfrm>
+              <a:off x="6768701" y="4983061"/>
+              <a:ext cx="683742" cy="246221"/>
+            </a:xfrm>
+            <a:prstGeom prst="rect">
+              <a:avLst/>
+            </a:prstGeom>
+            <a:solidFill>
+              <a:schemeClr val="bg1"/>
+            </a:solidFill>
+          </p:spPr>
+          <p:txBody>
+            <a:bodyPr wrap="square" rtlCol="0">
+              <a:spAutoFit/>
+            </a:bodyPr>
+            <a:lstStyle/>
+            <a:p>
+              <a:pPr algn="ctr"/>
+              <a:r>
+                <a:rPr lang="es-ES" sz="1000" b="1" dirty="0" smtClean="0"/>
+                <a:t>WIT</a:t>
+              </a:r>
+              <a:endParaRPr lang="es-ES" sz="1000" b="1" dirty="0"/>
+            </a:p>
+          </p:txBody>
+        </p:sp>
+        <p:sp>
+          <p:nvSpPr>
+            <p:cNvPr id="11" name="CuadroTexto 10"/>
+            <p:cNvSpPr txBox="1"/>
+            <p:nvPr/>
+          </p:nvSpPr>
+          <p:spPr>
+            <a:xfrm>
+              <a:off x="3624649" y="3683940"/>
+              <a:ext cx="741712" cy="261610"/>
+            </a:xfrm>
+            <a:prstGeom prst="rect">
+              <a:avLst/>
+            </a:prstGeom>
+            <a:solidFill>
+              <a:schemeClr val="bg1"/>
+            </a:solidFill>
+            <a:ln>
+              <a:solidFill>
+                <a:schemeClr val="bg2">
+                  <a:lumMod val="90000"/>
+                </a:schemeClr>
+              </a:solidFill>
+            </a:ln>
+          </p:spPr>
+          <p:txBody>
+            <a:bodyPr wrap="square" rtlCol="0">
+              <a:spAutoFit/>
+            </a:bodyPr>
+            <a:lstStyle/>
+            <a:p>
+              <a:pPr algn="ctr"/>
+              <a:r>
+                <a:rPr lang="es-ES" sz="1100" b="1" dirty="0" smtClean="0"/>
+                <a:t>0,63 USD</a:t>
+              </a:r>
+              <a:endParaRPr lang="es-ES" sz="1100" b="1" dirty="0"/>
+            </a:p>
+          </p:txBody>
+        </p:sp>
+        <p:sp>
+          <p:nvSpPr>
+            <p:cNvPr id="12" name="CuadroTexto 11"/>
+            <p:cNvSpPr txBox="1"/>
+            <p:nvPr/>
+          </p:nvSpPr>
+          <p:spPr>
+            <a:xfrm>
+              <a:off x="4657251" y="3553135"/>
+              <a:ext cx="741712" cy="261610"/>
+            </a:xfrm>
+            <a:prstGeom prst="rect">
+              <a:avLst/>
+            </a:prstGeom>
+            <a:solidFill>
+              <a:schemeClr val="bg1"/>
+            </a:solidFill>
+            <a:ln>
+              <a:solidFill>
+                <a:schemeClr val="bg2">
+                  <a:lumMod val="90000"/>
+                </a:schemeClr>
+              </a:solidFill>
+            </a:ln>
+          </p:spPr>
+          <p:txBody>
+            <a:bodyPr wrap="square" rtlCol="0">
+              <a:spAutoFit/>
+            </a:bodyPr>
+            <a:lstStyle/>
+            <a:p>
+              <a:pPr algn="ctr"/>
+              <a:r>
+                <a:rPr lang="es-ES" sz="1100" b="1" dirty="0" smtClean="0"/>
+                <a:t>0,75 USD</a:t>
+              </a:r>
+              <a:endParaRPr lang="es-ES" sz="1100" b="1" dirty="0"/>
+            </a:p>
+          </p:txBody>
+        </p:sp>
+        <p:sp>
+          <p:nvSpPr>
+            <p:cNvPr id="13" name="CuadroTexto 12"/>
+            <p:cNvSpPr txBox="1"/>
+            <p:nvPr/>
+          </p:nvSpPr>
+          <p:spPr>
+            <a:xfrm>
+              <a:off x="2570205" y="1387602"/>
+              <a:ext cx="741712" cy="261610"/>
+            </a:xfrm>
+            <a:prstGeom prst="rect">
+              <a:avLst/>
+            </a:prstGeom>
+            <a:solidFill>
+              <a:schemeClr val="bg1"/>
+            </a:solidFill>
+            <a:ln>
+              <a:solidFill>
+                <a:schemeClr val="bg2">
+                  <a:lumMod val="90000"/>
+                </a:schemeClr>
+              </a:solidFill>
+            </a:ln>
+          </p:spPr>
+          <p:txBody>
+            <a:bodyPr wrap="square" rtlCol="0">
+              <a:spAutoFit/>
+            </a:bodyPr>
+            <a:lstStyle/>
+            <a:p>
+              <a:pPr algn="ctr"/>
+              <a:r>
+                <a:rPr lang="es-ES" sz="1100" b="1" dirty="0" smtClean="0"/>
+                <a:t>2,5 USD</a:t>
+              </a:r>
+              <a:endParaRPr lang="es-ES" sz="1100" b="1" dirty="0"/>
+            </a:p>
+          </p:txBody>
+        </p:sp>
+      </p:grpSp>
+    </p:spTree>
+    <p:extLst>
+      <p:ext uri="{BB962C8B-B14F-4D97-AF65-F5344CB8AC3E}">
+        <p14:creationId xmlns:p14="http://schemas.microsoft.com/office/powerpoint/2010/main" val="734762020"/>
+      </p:ext>
+    </p:extLst>
+  </p:cSld>
+  <p:clrMapOvr>
+    <a:masterClrMapping/>
+  </p:clrMapOvr>
+</p:sld>
+</file>
+
+<file path=ppt/slides/slide7.xml><?xml version="1.0" encoding="utf-8"?>
+<p:sld xmlns:a="http://schemas.openxmlformats.org/drawingml/2006/main" xmlns:r="http://schemas.openxmlformats.org/officeDocument/2006/relationships" xmlns:p="http://schemas.openxmlformats.org/presentationml/2006/main">
+  <p:cSld>
+    <p:spTree>
+      <p:nvGrpSpPr>
+        <p:cNvPr id="1" name=""/>
+        <p:cNvGrpSpPr/>
+        <p:nvPr/>
+      </p:nvGrpSpPr>
+      <p:grpSpPr>
+        <a:xfrm>
+          <a:off x="0" y="0"/>
+          <a:ext cx="0" cy="0"/>
+          <a:chOff x="0" y="0"/>
+          <a:chExt cx="0" cy="0"/>
+        </a:xfrm>
+      </p:grpSpPr>
+      <p:grpSp>
+        <p:nvGrpSpPr>
+          <p:cNvPr id="11" name="Grupo 10"/>
+          <p:cNvGrpSpPr/>
+          <p:nvPr/>
+        </p:nvGrpSpPr>
+        <p:grpSpPr>
+          <a:xfrm>
+            <a:off x="4298813" y="2022475"/>
+            <a:ext cx="3576139" cy="2869488"/>
+            <a:chOff x="4298813" y="2022475"/>
+            <a:chExt cx="3576139" cy="2869488"/>
+          </a:xfrm>
+        </p:grpSpPr>
+        <p:pic>
+          <p:nvPicPr>
+            <p:cNvPr id="5" name="Imagen 4"/>
+            <p:cNvPicPr/>
+            <p:nvPr/>
+          </p:nvPicPr>
+          <p:blipFill rotWithShape="1">
+            <a:blip r:embed="rId2"/>
+            <a:srcRect l="27747" t="20860" r="24671" b="11322"/>
+            <a:stretch/>
+          </p:blipFill>
+          <p:spPr bwMode="auto">
+            <a:xfrm>
+              <a:off x="4601497" y="2022475"/>
+              <a:ext cx="3273455" cy="2623267"/>
+            </a:xfrm>
+            <a:prstGeom prst="rect">
+              <a:avLst/>
+            </a:prstGeom>
+            <a:ln>
+              <a:noFill/>
+            </a:ln>
+            <a:extLst>
+              <a:ext uri="{53640926-AAD7-44D8-BBD7-CCE9431645EC}">
+                <a14:shadowObscured xmlns:a14="http://schemas.microsoft.com/office/drawing/2010/main"/>
+              </a:ext>
+            </a:extLst>
+          </p:spPr>
+        </p:pic>
+        <p:sp>
+          <p:nvSpPr>
+            <p:cNvPr id="6" name="Rectángulo 5"/>
+            <p:cNvSpPr/>
+            <p:nvPr/>
+          </p:nvSpPr>
+          <p:spPr>
+            <a:xfrm>
+              <a:off x="4889090" y="3001297"/>
+              <a:ext cx="169607" cy="117987"/>
+            </a:xfrm>
+            <a:prstGeom prst="rect">
+              <a:avLst/>
+            </a:prstGeom>
+            <a:solidFill>
+              <a:schemeClr val="bg1"/>
+            </a:solidFill>
+            <a:ln>
+              <a:noFill/>
+            </a:ln>
+          </p:spPr>
+          <p:style>
+            <a:lnRef idx="2">
+              <a:schemeClr val="accent1">
+                <a:shade val="50000"/>
+              </a:schemeClr>
+            </a:lnRef>
+            <a:fillRef idx="1">
+              <a:schemeClr val="accent1"/>
+            </a:fillRef>
+            <a:effectRef idx="0">
+              <a:schemeClr val="accent1"/>
+            </a:effectRef>
+            <a:fontRef idx="minor">
+              <a:schemeClr val="lt1"/>
+            </a:fontRef>
+          </p:style>
+          <p:txBody>
+            <a:bodyPr rtlCol="0" anchor="ctr"/>
+            <a:lstStyle/>
+            <a:p>
+              <a:pPr algn="ctr"/>
+              <a:endParaRPr lang="es-ES"/>
+            </a:p>
+          </p:txBody>
+        </p:sp>
+        <p:sp>
+          <p:nvSpPr>
+            <p:cNvPr id="7" name="Rectángulo 6"/>
+            <p:cNvSpPr/>
+            <p:nvPr/>
+          </p:nvSpPr>
+          <p:spPr>
+            <a:xfrm>
+              <a:off x="4756355" y="3126658"/>
+              <a:ext cx="416643" cy="140110"/>
+            </a:xfrm>
+            <a:prstGeom prst="rect">
+              <a:avLst/>
+            </a:prstGeom>
+            <a:solidFill>
+              <a:schemeClr val="bg1"/>
+            </a:solidFill>
+            <a:ln>
+              <a:noFill/>
+            </a:ln>
+          </p:spPr>
+          <p:style>
+            <a:lnRef idx="2">
+              <a:schemeClr val="accent1">
+                <a:shade val="50000"/>
+              </a:schemeClr>
+            </a:lnRef>
+            <a:fillRef idx="1">
+              <a:schemeClr val="accent1"/>
+            </a:fillRef>
+            <a:effectRef idx="0">
+              <a:schemeClr val="accent1"/>
+            </a:effectRef>
+            <a:fontRef idx="minor">
+              <a:schemeClr val="lt1"/>
+            </a:fontRef>
+          </p:style>
+          <p:txBody>
+            <a:bodyPr rtlCol="0" anchor="ctr"/>
+            <a:lstStyle/>
+            <a:p>
+              <a:pPr algn="ctr"/>
+              <a:endParaRPr lang="es-ES"/>
+            </a:p>
+          </p:txBody>
+        </p:sp>
+        <p:sp>
+          <p:nvSpPr>
+            <p:cNvPr id="8" name="Rectángulo 7"/>
+            <p:cNvSpPr/>
+            <p:nvPr/>
+          </p:nvSpPr>
+          <p:spPr>
+            <a:xfrm>
+              <a:off x="5841859" y="2875935"/>
+              <a:ext cx="595811" cy="250723"/>
+            </a:xfrm>
+            <a:prstGeom prst="rect">
+              <a:avLst/>
+            </a:prstGeom>
+            <a:solidFill>
+              <a:schemeClr val="bg1"/>
+            </a:solidFill>
+            <a:ln>
+              <a:noFill/>
+            </a:ln>
+          </p:spPr>
+          <p:style>
+            <a:lnRef idx="2">
+              <a:schemeClr val="accent1">
+                <a:shade val="50000"/>
+              </a:schemeClr>
+            </a:lnRef>
+            <a:fillRef idx="1">
+              <a:schemeClr val="accent1"/>
+            </a:fillRef>
+            <a:effectRef idx="0">
+              <a:schemeClr val="accent1"/>
+            </a:effectRef>
+            <a:fontRef idx="minor">
+              <a:schemeClr val="lt1"/>
+            </a:fontRef>
+          </p:style>
+          <p:txBody>
+            <a:bodyPr rtlCol="0" anchor="ctr"/>
+            <a:lstStyle/>
+            <a:p>
+              <a:pPr algn="ctr"/>
+              <a:endParaRPr lang="es-ES"/>
+            </a:p>
+          </p:txBody>
+        </p:sp>
+        <p:sp>
+          <p:nvSpPr>
+            <p:cNvPr id="9" name="CuadroTexto 8"/>
+            <p:cNvSpPr txBox="1"/>
+            <p:nvPr/>
+          </p:nvSpPr>
+          <p:spPr>
+            <a:xfrm rot="16200000">
+              <a:off x="3969892" y="3241726"/>
+              <a:ext cx="904064" cy="246221"/>
+            </a:xfrm>
+            <a:prstGeom prst="rect">
+              <a:avLst/>
+            </a:prstGeom>
+            <a:solidFill>
+              <a:schemeClr val="bg1"/>
+            </a:solidFill>
+          </p:spPr>
+          <p:txBody>
+            <a:bodyPr wrap="square" rtlCol="0">
+              <a:spAutoFit/>
+            </a:bodyPr>
+            <a:lstStyle/>
+            <a:p>
+              <a:pPr algn="ctr"/>
+              <a:r>
+                <a:rPr lang="es-ES" sz="1000" dirty="0" smtClean="0">
+                  <a:solidFill>
+                    <a:schemeClr val="tx1">
+                      <a:lumMod val="75000"/>
+                      <a:lumOff val="25000"/>
+                    </a:schemeClr>
+                  </a:solidFill>
+                </a:rPr>
+                <a:t>Rendimiento</a:t>
+              </a:r>
+              <a:endParaRPr lang="es-ES" sz="1000" dirty="0">
+                <a:solidFill>
+                  <a:schemeClr val="tx1">
+                    <a:lumMod val="75000"/>
+                    <a:lumOff val="25000"/>
+                  </a:schemeClr>
+                </a:solidFill>
+              </a:endParaRPr>
+            </a:p>
+          </p:txBody>
+        </p:sp>
+        <p:sp>
+          <p:nvSpPr>
+            <p:cNvPr id="10" name="CuadroTexto 9"/>
+            <p:cNvSpPr txBox="1"/>
+            <p:nvPr/>
+          </p:nvSpPr>
+          <p:spPr>
+            <a:xfrm>
+              <a:off x="4992330" y="4645742"/>
+              <a:ext cx="1629696" cy="246221"/>
+            </a:xfrm>
+            <a:prstGeom prst="rect">
+              <a:avLst/>
+            </a:prstGeom>
+            <a:solidFill>
+              <a:schemeClr val="bg1"/>
+            </a:solidFill>
+          </p:spPr>
+          <p:txBody>
+            <a:bodyPr wrap="square" rtlCol="0">
+              <a:spAutoFit/>
+            </a:bodyPr>
+            <a:lstStyle/>
+            <a:p>
+              <a:pPr algn="ctr"/>
+              <a:r>
+                <a:rPr lang="es-ES" sz="1000" dirty="0" smtClean="0">
+                  <a:solidFill>
+                    <a:schemeClr val="tx1">
+                      <a:lumMod val="75000"/>
+                      <a:lumOff val="25000"/>
+                    </a:schemeClr>
+                  </a:solidFill>
+                </a:rPr>
+                <a:t>Velocidad = 1/Latencia</a:t>
+              </a:r>
+              <a:endParaRPr lang="es-ES" sz="1000" dirty="0">
+                <a:solidFill>
+                  <a:schemeClr val="tx1">
+                    <a:lumMod val="75000"/>
+                    <a:lumOff val="25000"/>
+                  </a:schemeClr>
+                </a:solidFill>
+              </a:endParaRPr>
+            </a:p>
+          </p:txBody>
+        </p:sp>
+      </p:grpSp>
+    </p:spTree>
+    <p:extLst>
+      <p:ext uri="{BB962C8B-B14F-4D97-AF65-F5344CB8AC3E}">
+        <p14:creationId xmlns:p14="http://schemas.microsoft.com/office/powerpoint/2010/main" val="679758274"/>
+      </p:ext>
+    </p:extLst>
+  </p:cSld>
+  <p:clrMapOvr>
+    <a:masterClrMapping/>
+  </p:clrMapOvr>
+</p:sld>
+</file>
+
+<file path=ppt/slides/slide8.xml><?xml version="1.0" encoding="utf-8"?>
+<p:sld xmlns:a="http://schemas.openxmlformats.org/drawingml/2006/main" xmlns:r="http://schemas.openxmlformats.org/officeDocument/2006/relationships" xmlns:p="http://schemas.openxmlformats.org/presentationml/2006/main">
+  <p:cSld>
+    <p:spTree>
+      <p:nvGrpSpPr>
+        <p:cNvPr id="1" name=""/>
+        <p:cNvGrpSpPr/>
+        <p:nvPr/>
+      </p:nvGrpSpPr>
+      <p:grpSpPr>
+        <a:xfrm>
+          <a:off x="0" y="0"/>
+          <a:ext cx="0" cy="0"/>
+          <a:chOff x="0" y="0"/>
+          <a:chExt cx="0" cy="0"/>
+        </a:xfrm>
+      </p:grpSpPr>
+      <p:grpSp>
+        <p:nvGrpSpPr>
+          <p:cNvPr id="17" name="Grupo 16"/>
+          <p:cNvGrpSpPr/>
+          <p:nvPr/>
+        </p:nvGrpSpPr>
+        <p:grpSpPr>
+          <a:xfrm>
+            <a:off x="4036854" y="1711325"/>
+            <a:ext cx="3872071" cy="3681571"/>
+            <a:chOff x="4036854" y="1711325"/>
+            <a:chExt cx="3872071" cy="3681571"/>
+          </a:xfrm>
+        </p:grpSpPr>
+        <p:pic>
+          <p:nvPicPr>
+            <p:cNvPr id="2" name="Imagen 1"/>
+            <p:cNvPicPr/>
+            <p:nvPr/>
+          </p:nvPicPr>
+          <p:blipFill rotWithShape="1">
+            <a:blip r:embed="rId2"/>
+            <a:srcRect l="27599" t="19217" r="27685" b="5440"/>
+            <a:stretch/>
+          </p:blipFill>
+          <p:spPr bwMode="auto">
+            <a:xfrm>
+              <a:off x="4283075" y="1711325"/>
+              <a:ext cx="3625850" cy="3435350"/>
+            </a:xfrm>
+            <a:prstGeom prst="rect">
+              <a:avLst/>
+            </a:prstGeom>
+            <a:ln>
+              <a:noFill/>
+            </a:ln>
+            <a:extLst>
+              <a:ext uri="{53640926-AAD7-44D8-BBD7-CCE9431645EC}">
+                <a14:shadowObscured xmlns:a14="http://schemas.microsoft.com/office/drawing/2010/main"/>
+              </a:ext>
+            </a:extLst>
+          </p:spPr>
+        </p:pic>
+        <p:pic>
+          <p:nvPicPr>
+            <p:cNvPr id="3" name="Imagen 2"/>
+            <p:cNvPicPr/>
+            <p:nvPr/>
+          </p:nvPicPr>
+          <p:blipFill rotWithShape="1">
+            <a:blip r:embed="rId2"/>
+            <a:srcRect l="52230" t="56712" r="43968" b="41191"/>
+            <a:stretch/>
+          </p:blipFill>
+          <p:spPr bwMode="auto">
+            <a:xfrm>
+              <a:off x="5930634" y="4987761"/>
+              <a:ext cx="308344" cy="95692"/>
+            </a:xfrm>
+            <a:prstGeom prst="rect">
+              <a:avLst/>
+            </a:prstGeom>
+            <a:ln>
+              <a:noFill/>
+            </a:ln>
+            <a:extLst>
+              <a:ext uri="{53640926-AAD7-44D8-BBD7-CCE9431645EC}">
+                <a14:shadowObscured xmlns:a14="http://schemas.microsoft.com/office/drawing/2010/main"/>
+              </a:ext>
+            </a:extLst>
+          </p:spPr>
+        </p:pic>
+        <p:pic>
+          <p:nvPicPr>
+            <p:cNvPr id="7" name="Imagen 6"/>
+            <p:cNvPicPr/>
+            <p:nvPr/>
+          </p:nvPicPr>
+          <p:blipFill rotWithShape="1">
+            <a:blip r:embed="rId2"/>
+            <a:srcRect l="43532" t="37138" r="49240" b="47912"/>
+            <a:stretch/>
+          </p:blipFill>
+          <p:spPr bwMode="auto">
+            <a:xfrm>
+              <a:off x="5578503" y="3101334"/>
+              <a:ext cx="586047" cy="681645"/>
+            </a:xfrm>
+            <a:prstGeom prst="rect">
+              <a:avLst/>
+            </a:prstGeom>
+            <a:ln>
+              <a:noFill/>
+            </a:ln>
+            <a:extLst>
+              <a:ext uri="{53640926-AAD7-44D8-BBD7-CCE9431645EC}">
+                <a14:shadowObscured xmlns:a14="http://schemas.microsoft.com/office/drawing/2010/main"/>
+              </a:ext>
+            </a:extLst>
+          </p:spPr>
+        </p:pic>
+        <p:pic>
+          <p:nvPicPr>
+            <p:cNvPr id="8" name="Imagen 7"/>
+            <p:cNvPicPr/>
+            <p:nvPr/>
+          </p:nvPicPr>
+          <p:blipFill rotWithShape="1">
+            <a:blip r:embed="rId2"/>
+            <a:srcRect l="43532" t="37138" r="49240" b="47912"/>
+            <a:stretch/>
+          </p:blipFill>
+          <p:spPr bwMode="auto">
+            <a:xfrm>
+              <a:off x="6059821" y="3101332"/>
+              <a:ext cx="586047" cy="681645"/>
+            </a:xfrm>
+            <a:prstGeom prst="rect">
+              <a:avLst/>
+            </a:prstGeom>
+            <a:ln>
+              <a:noFill/>
+            </a:ln>
+            <a:extLst>
+              <a:ext uri="{53640926-AAD7-44D8-BBD7-CCE9431645EC}">
+                <a14:shadowObscured xmlns:a14="http://schemas.microsoft.com/office/drawing/2010/main"/>
+              </a:ext>
+            </a:extLst>
+          </p:spPr>
+        </p:pic>
+        <p:pic>
+          <p:nvPicPr>
+            <p:cNvPr id="9" name="Imagen 8"/>
+            <p:cNvPicPr/>
+            <p:nvPr/>
+          </p:nvPicPr>
+          <p:blipFill rotWithShape="1">
+            <a:blip r:embed="rId2"/>
+            <a:srcRect l="43532" t="37138" r="49240" b="47912"/>
+            <a:stretch/>
+          </p:blipFill>
+          <p:spPr bwMode="auto">
+            <a:xfrm>
+              <a:off x="6059821" y="3667761"/>
+              <a:ext cx="586047" cy="681645"/>
+            </a:xfrm>
+            <a:prstGeom prst="rect">
+              <a:avLst/>
+            </a:prstGeom>
+            <a:ln>
+              <a:noFill/>
+            </a:ln>
+            <a:extLst>
+              <a:ext uri="{53640926-AAD7-44D8-BBD7-CCE9431645EC}">
+                <a14:shadowObscured xmlns:a14="http://schemas.microsoft.com/office/drawing/2010/main"/>
+              </a:ext>
+            </a:extLst>
+          </p:spPr>
+        </p:pic>
+        <p:pic>
+          <p:nvPicPr>
+            <p:cNvPr id="10" name="Imagen 9"/>
+            <p:cNvPicPr/>
+            <p:nvPr/>
+          </p:nvPicPr>
+          <p:blipFill rotWithShape="1">
+            <a:blip r:embed="rId2"/>
+            <a:srcRect l="43532" t="37138" r="49240" b="47912"/>
+            <a:stretch/>
+          </p:blipFill>
+          <p:spPr bwMode="auto">
+            <a:xfrm>
+              <a:off x="6549302" y="3667760"/>
+              <a:ext cx="586047" cy="681645"/>
+            </a:xfrm>
+            <a:prstGeom prst="rect">
+              <a:avLst/>
+            </a:prstGeom>
+            <a:ln>
+              <a:noFill/>
+            </a:ln>
+            <a:extLst>
+              <a:ext uri="{53640926-AAD7-44D8-BBD7-CCE9431645EC}">
+                <a14:shadowObscured xmlns:a14="http://schemas.microsoft.com/office/drawing/2010/main"/>
+              </a:ext>
+            </a:extLst>
+          </p:spPr>
+        </p:pic>
+        <p:sp>
+          <p:nvSpPr>
+            <p:cNvPr id="11" name="Elipse 10"/>
+            <p:cNvSpPr/>
+            <p:nvPr/>
+          </p:nvSpPr>
+          <p:spPr>
+            <a:xfrm>
+              <a:off x="6164550" y="3559780"/>
+              <a:ext cx="74428" cy="69112"/>
+            </a:xfrm>
+            <a:prstGeom prst="ellipse">
+              <a:avLst/>
+            </a:prstGeom>
+            <a:solidFill>
+              <a:srgbClr val="E848E8"/>
+            </a:solidFill>
+            <a:ln>
+              <a:noFill/>
+            </a:ln>
+          </p:spPr>
+          <p:style>
+            <a:lnRef idx="2">
+              <a:schemeClr val="accent1">
+                <a:shade val="50000"/>
+              </a:schemeClr>
+            </a:lnRef>
+            <a:fillRef idx="1">
+              <a:schemeClr val="accent1"/>
+            </a:fillRef>
+            <a:effectRef idx="0">
+              <a:schemeClr val="accent1"/>
+            </a:effectRef>
+            <a:fontRef idx="minor">
+              <a:schemeClr val="lt1"/>
+            </a:fontRef>
+          </p:style>
+          <p:txBody>
+            <a:bodyPr rtlCol="0" anchor="ctr"/>
+            <a:lstStyle/>
+            <a:p>
+              <a:pPr algn="ctr"/>
+              <a:endParaRPr lang="es-ES"/>
+            </a:p>
+          </p:txBody>
+        </p:sp>
+        <p:sp>
+          <p:nvSpPr>
+            <p:cNvPr id="12" name="CuadroTexto 11"/>
+            <p:cNvSpPr txBox="1"/>
+            <p:nvPr/>
+          </p:nvSpPr>
+          <p:spPr>
+            <a:xfrm>
+              <a:off x="6149828" y="3477549"/>
+              <a:ext cx="472302" cy="215444"/>
+            </a:xfrm>
+            <a:prstGeom prst="rect">
+              <a:avLst/>
+            </a:prstGeom>
+            <a:noFill/>
+          </p:spPr>
+          <p:txBody>
+            <a:bodyPr wrap="square" rtlCol="0">
+              <a:spAutoFit/>
+            </a:bodyPr>
+            <a:lstStyle/>
+            <a:p>
+              <a:pPr algn="ctr"/>
+              <a:r>
+                <a:rPr lang="es-ES" sz="800" dirty="0">
+                  <a:solidFill>
+                    <a:schemeClr val="tx1">
+                      <a:lumMod val="75000"/>
+                      <a:lumOff val="25000"/>
+                    </a:schemeClr>
+                  </a:solidFill>
+                </a:rPr>
+                <a:t>w</a:t>
+              </a:r>
+              <a:r>
+                <a:rPr lang="es-ES" sz="800" dirty="0" smtClean="0">
+                  <a:solidFill>
+                    <a:schemeClr val="tx1">
+                      <a:lumMod val="75000"/>
+                      <a:lumOff val="25000"/>
+                    </a:schemeClr>
+                  </a:solidFill>
+                </a:rPr>
+                <a:t>it.ai</a:t>
+              </a:r>
+              <a:endParaRPr lang="es-ES" sz="800" dirty="0">
+                <a:solidFill>
+                  <a:schemeClr val="tx1">
+                    <a:lumMod val="75000"/>
+                    <a:lumOff val="25000"/>
+                  </a:schemeClr>
+                </a:solidFill>
+              </a:endParaRPr>
+            </a:p>
+          </p:txBody>
+        </p:sp>
+        <p:pic>
+          <p:nvPicPr>
+            <p:cNvPr id="14" name="Imagen 13"/>
+            <p:cNvPicPr/>
+            <p:nvPr/>
+          </p:nvPicPr>
+          <p:blipFill rotWithShape="1">
+            <a:blip r:embed="rId2"/>
+            <a:srcRect l="52230" t="56712" r="43968" b="41191"/>
+            <a:stretch/>
+          </p:blipFill>
+          <p:spPr bwMode="auto">
+            <a:xfrm rot="16200000">
+              <a:off x="4329061" y="3333308"/>
+              <a:ext cx="308344" cy="95692"/>
+            </a:xfrm>
+            <a:prstGeom prst="rect">
+              <a:avLst/>
+            </a:prstGeom>
+            <a:ln>
+              <a:noFill/>
+            </a:ln>
+            <a:extLst>
+              <a:ext uri="{53640926-AAD7-44D8-BBD7-CCE9431645EC}">
+                <a14:shadowObscured xmlns:a14="http://schemas.microsoft.com/office/drawing/2010/main"/>
+              </a:ext>
+            </a:extLst>
+          </p:spPr>
+        </p:pic>
+        <p:sp>
+          <p:nvSpPr>
+            <p:cNvPr id="15" name="CuadroTexto 14"/>
+            <p:cNvSpPr txBox="1"/>
+            <p:nvPr/>
+          </p:nvSpPr>
+          <p:spPr>
+            <a:xfrm rot="16200000">
+              <a:off x="3707933" y="3354438"/>
+              <a:ext cx="904064" cy="246221"/>
+            </a:xfrm>
+            <a:prstGeom prst="rect">
+              <a:avLst/>
+            </a:prstGeom>
+            <a:solidFill>
+              <a:schemeClr val="bg1"/>
+            </a:solidFill>
+          </p:spPr>
+          <p:txBody>
+            <a:bodyPr wrap="square" rtlCol="0">
+              <a:spAutoFit/>
+            </a:bodyPr>
+            <a:lstStyle/>
+            <a:p>
+              <a:pPr algn="ctr"/>
+              <a:r>
+                <a:rPr lang="es-ES" sz="1000" dirty="0" smtClean="0">
+                  <a:solidFill>
+                    <a:schemeClr val="tx1">
+                      <a:lumMod val="75000"/>
+                      <a:lumOff val="25000"/>
+                    </a:schemeClr>
+                  </a:solidFill>
+                </a:rPr>
+                <a:t>Sensibilidad</a:t>
+              </a:r>
+              <a:endParaRPr lang="es-ES" sz="1000" dirty="0">
+                <a:solidFill>
+                  <a:schemeClr val="tx1">
+                    <a:lumMod val="75000"/>
+                    <a:lumOff val="25000"/>
+                  </a:schemeClr>
+                </a:solidFill>
+              </a:endParaRPr>
+            </a:p>
+          </p:txBody>
+        </p:sp>
+        <p:sp>
+          <p:nvSpPr>
+            <p:cNvPr id="16" name="CuadroTexto 15"/>
+            <p:cNvSpPr txBox="1"/>
+            <p:nvPr/>
+          </p:nvSpPr>
+          <p:spPr>
+            <a:xfrm>
+              <a:off x="5115786" y="5146675"/>
+              <a:ext cx="1629696" cy="246221"/>
+            </a:xfrm>
+            <a:prstGeom prst="rect">
+              <a:avLst/>
+            </a:prstGeom>
+            <a:solidFill>
+              <a:schemeClr val="bg1"/>
+            </a:solidFill>
+          </p:spPr>
+          <p:txBody>
+            <a:bodyPr wrap="square" rtlCol="0">
+              <a:spAutoFit/>
+            </a:bodyPr>
+            <a:lstStyle/>
+            <a:p>
+              <a:pPr algn="ctr"/>
+              <a:r>
+                <a:rPr lang="es-ES" sz="1000" dirty="0" smtClean="0">
+                  <a:solidFill>
+                    <a:schemeClr val="tx1">
+                      <a:lumMod val="75000"/>
+                      <a:lumOff val="25000"/>
+                    </a:schemeClr>
+                  </a:solidFill>
+                </a:rPr>
+                <a:t>Precisión</a:t>
+              </a:r>
+              <a:endParaRPr lang="es-ES" sz="1000" dirty="0">
+                <a:solidFill>
+                  <a:schemeClr val="tx1">
+                    <a:lumMod val="75000"/>
+                    <a:lumOff val="25000"/>
+                  </a:schemeClr>
+                </a:solidFill>
+              </a:endParaRPr>
+            </a:p>
+          </p:txBody>
+        </p:sp>
+      </p:grpSp>
+    </p:spTree>
+    <p:extLst>
+      <p:ext uri="{BB962C8B-B14F-4D97-AF65-F5344CB8AC3E}">
+        <p14:creationId xmlns:p14="http://schemas.microsoft.com/office/powerpoint/2010/main" val="35700794"/>
+      </p:ext>
+    </p:extLst>
+  </p:cSld>
+  <p:clrMapOvr>
+    <a:masterClrMapping/>
+  </p:clrMapOvr>
+</p:sld>
+</file>
+
+<file path=ppt/slides/slide9.xml><?xml version="1.0" encoding="utf-8"?>
+<p:sld xmlns:a="http://schemas.openxmlformats.org/drawingml/2006/main" xmlns:r="http://schemas.openxmlformats.org/officeDocument/2006/relationships" xmlns:p="http://schemas.openxmlformats.org/presentationml/2006/main">
+  <p:cSld>
+    <p:spTree>
+      <p:nvGrpSpPr>
+        <p:cNvPr id="1" name=""/>
+        <p:cNvGrpSpPr/>
+        <p:nvPr/>
+      </p:nvGrpSpPr>
+      <p:grpSpPr>
+        <a:xfrm>
+          <a:off x="0" y="0"/>
+          <a:ext cx="0" cy="0"/>
+          <a:chOff x="0" y="0"/>
+          <a:chExt cx="0" cy="0"/>
+        </a:xfrm>
+      </p:grpSpPr>
+      <p:grpSp>
+        <p:nvGrpSpPr>
+          <p:cNvPr id="14" name="Grupo 13"/>
+          <p:cNvGrpSpPr/>
+          <p:nvPr/>
+        </p:nvGrpSpPr>
+        <p:grpSpPr>
+          <a:xfrm>
+            <a:off x="1591552" y="1142998"/>
+            <a:ext cx="6161797" cy="3679308"/>
+            <a:chOff x="1545719" y="3363816"/>
+            <a:chExt cx="2792364" cy="1543074"/>
+          </a:xfrm>
+        </p:grpSpPr>
+        <p:pic>
+          <p:nvPicPr>
+            <p:cNvPr id="2" name="Imagen 1"/>
+            <p:cNvPicPr/>
+            <p:nvPr/>
+          </p:nvPicPr>
+          <p:blipFill rotWithShape="1">
+            <a:blip r:embed="rId2"/>
+            <a:srcRect l="54487" t="47753" r="28619" b="5140"/>
+            <a:stretch/>
+          </p:blipFill>
+          <p:spPr bwMode="auto">
+            <a:xfrm>
+              <a:off x="3354572" y="3363816"/>
+              <a:ext cx="983511" cy="1541853"/>
+            </a:xfrm>
+            <a:prstGeom prst="rect">
+              <a:avLst/>
+            </a:prstGeom>
+            <a:ln>
+              <a:noFill/>
+            </a:ln>
+            <a:extLst>
+              <a:ext uri="{53640926-AAD7-44D8-BBD7-CCE9431645EC}">
+                <a14:shadowObscured xmlns:a14="http://schemas.microsoft.com/office/drawing/2010/main"/>
+              </a:ext>
+            </a:extLst>
+          </p:spPr>
+        </p:pic>
+        <p:pic>
+          <p:nvPicPr>
+            <p:cNvPr id="3" name="Imagen 2"/>
+            <p:cNvPicPr/>
+            <p:nvPr/>
+          </p:nvPicPr>
+          <p:blipFill rotWithShape="1">
+            <a:blip r:embed="rId2"/>
+            <a:srcRect l="18997" t="47753" r="53975" b="5141"/>
+            <a:stretch/>
+          </p:blipFill>
+          <p:spPr bwMode="auto">
+            <a:xfrm>
+              <a:off x="1781060" y="3363817"/>
+              <a:ext cx="1573512" cy="1541852"/>
+            </a:xfrm>
+            <a:prstGeom prst="rect">
+              <a:avLst/>
+            </a:prstGeom>
+            <a:ln>
+              <a:noFill/>
+            </a:ln>
+            <a:extLst>
+              <a:ext uri="{53640926-AAD7-44D8-BBD7-CCE9431645EC}">
+                <a14:shadowObscured xmlns:a14="http://schemas.microsoft.com/office/drawing/2010/main"/>
+              </a:ext>
+            </a:extLst>
+          </p:spPr>
+        </p:pic>
+        <p:sp>
+          <p:nvSpPr>
+            <p:cNvPr id="4" name="CuadroTexto 3"/>
+            <p:cNvSpPr txBox="1"/>
+            <p:nvPr/>
+          </p:nvSpPr>
+          <p:spPr>
+            <a:xfrm rot="16200000">
+              <a:off x="945149" y="4037836"/>
+              <a:ext cx="1340615" cy="139476"/>
+            </a:xfrm>
+            <a:prstGeom prst="rect">
+              <a:avLst/>
+            </a:prstGeom>
+            <a:solidFill>
+              <a:schemeClr val="bg1"/>
+            </a:solidFill>
+          </p:spPr>
+          <p:txBody>
+            <a:bodyPr wrap="square" rtlCol="0">
+              <a:spAutoFit/>
+            </a:bodyPr>
+            <a:lstStyle/>
+            <a:p>
+              <a:pPr algn="ctr"/>
+              <a:r>
+                <a:rPr lang="es-ES" sz="1400" dirty="0" smtClean="0">
+                  <a:solidFill>
+                    <a:schemeClr val="tx1">
+                      <a:lumMod val="75000"/>
+                      <a:lumOff val="25000"/>
+                    </a:schemeClr>
+                  </a:solidFill>
+                </a:rPr>
+                <a:t>Tiempo de respuesta (</a:t>
+              </a:r>
+              <a:r>
+                <a:rPr lang="es-ES" sz="1400" dirty="0" err="1" smtClean="0">
+                  <a:solidFill>
+                    <a:schemeClr val="tx1">
+                      <a:lumMod val="75000"/>
+                      <a:lumOff val="25000"/>
+                    </a:schemeClr>
+                  </a:solidFill>
+                </a:rPr>
+                <a:t>sec</a:t>
+              </a:r>
+              <a:r>
+                <a:rPr lang="es-ES" sz="1400" dirty="0" smtClean="0">
+                  <a:solidFill>
+                    <a:schemeClr val="tx1">
+                      <a:lumMod val="75000"/>
+                      <a:lumOff val="25000"/>
+                    </a:schemeClr>
+                  </a:solidFill>
+                </a:rPr>
+                <a:t>)</a:t>
+              </a:r>
+              <a:endParaRPr lang="es-ES" sz="1400" dirty="0">
+                <a:solidFill>
+                  <a:schemeClr val="tx1">
+                    <a:lumMod val="75000"/>
+                    <a:lumOff val="25000"/>
+                  </a:schemeClr>
+                </a:solidFill>
+              </a:endParaRPr>
+            </a:p>
+          </p:txBody>
+        </p:sp>
+        <p:sp>
+          <p:nvSpPr>
+            <p:cNvPr id="5" name="CuadroTexto 4"/>
+            <p:cNvSpPr txBox="1"/>
+            <p:nvPr/>
+          </p:nvSpPr>
+          <p:spPr>
+            <a:xfrm>
+              <a:off x="2881900" y="4789311"/>
+              <a:ext cx="443732" cy="109717"/>
+            </a:xfrm>
+            <a:prstGeom prst="rect">
+              <a:avLst/>
+            </a:prstGeom>
+            <a:solidFill>
+              <a:schemeClr val="bg1"/>
+            </a:solidFill>
+          </p:spPr>
+          <p:txBody>
+            <a:bodyPr wrap="square" rtlCol="0">
+              <a:spAutoFit/>
+            </a:bodyPr>
+            <a:lstStyle/>
+            <a:p>
+              <a:pPr algn="ctr"/>
+              <a:r>
+                <a:rPr lang="es-ES" sz="1100" dirty="0" smtClean="0"/>
+                <a:t>WATSON</a:t>
+              </a:r>
+              <a:endParaRPr lang="es-ES" sz="1100" dirty="0"/>
+            </a:p>
+          </p:txBody>
+        </p:sp>
+        <p:sp>
+          <p:nvSpPr>
+            <p:cNvPr id="10" name="CuadroTexto 9"/>
+            <p:cNvSpPr txBox="1"/>
+            <p:nvPr/>
+          </p:nvSpPr>
+          <p:spPr>
+            <a:xfrm>
+              <a:off x="2409228" y="4790719"/>
+              <a:ext cx="443732" cy="116171"/>
+            </a:xfrm>
+            <a:prstGeom prst="rect">
+              <a:avLst/>
+            </a:prstGeom>
+            <a:solidFill>
+              <a:schemeClr val="bg1"/>
+            </a:solidFill>
+          </p:spPr>
+          <p:txBody>
+            <a:bodyPr wrap="square" rtlCol="0">
+              <a:spAutoFit/>
+            </a:bodyPr>
+            <a:lstStyle/>
+            <a:p>
+              <a:pPr algn="ctr"/>
+              <a:r>
+                <a:rPr lang="es-ES" sz="1200" dirty="0" smtClean="0"/>
+                <a:t>API.ai</a:t>
+              </a:r>
+              <a:endParaRPr lang="es-ES" sz="1200" dirty="0"/>
+            </a:p>
+          </p:txBody>
+        </p:sp>
+        <p:sp>
+          <p:nvSpPr>
+            <p:cNvPr id="11" name="CuadroTexto 10"/>
+            <p:cNvSpPr txBox="1"/>
+            <p:nvPr/>
+          </p:nvSpPr>
+          <p:spPr>
+            <a:xfrm>
+              <a:off x="1887748" y="4791230"/>
+              <a:ext cx="443732" cy="109717"/>
+            </a:xfrm>
+            <a:prstGeom prst="rect">
+              <a:avLst/>
+            </a:prstGeom>
+            <a:solidFill>
+              <a:schemeClr val="bg1"/>
+            </a:solidFill>
+          </p:spPr>
+          <p:txBody>
+            <a:bodyPr wrap="square" rtlCol="0">
+              <a:spAutoFit/>
+            </a:bodyPr>
+            <a:lstStyle/>
+            <a:p>
+              <a:pPr algn="ctr"/>
+              <a:r>
+                <a:rPr lang="es-ES" sz="1100" dirty="0" smtClean="0"/>
+                <a:t>LUIS</a:t>
+              </a:r>
+              <a:endParaRPr lang="es-ES" sz="1100" dirty="0"/>
+            </a:p>
+          </p:txBody>
+        </p:sp>
+        <p:sp>
+          <p:nvSpPr>
+            <p:cNvPr id="12" name="CuadroTexto 11"/>
+            <p:cNvSpPr txBox="1"/>
+            <p:nvPr/>
+          </p:nvSpPr>
+          <p:spPr>
+            <a:xfrm>
+              <a:off x="3383512" y="4789198"/>
+              <a:ext cx="443732" cy="109717"/>
+            </a:xfrm>
+            <a:prstGeom prst="rect">
+              <a:avLst/>
+            </a:prstGeom>
+            <a:solidFill>
+              <a:schemeClr val="bg1"/>
+            </a:solidFill>
+          </p:spPr>
+          <p:txBody>
+            <a:bodyPr wrap="square" rtlCol="0">
+              <a:spAutoFit/>
+            </a:bodyPr>
+            <a:lstStyle/>
+            <a:p>
+              <a:pPr algn="ctr"/>
+              <a:r>
+                <a:rPr lang="es-ES" sz="1100" dirty="0" smtClean="0"/>
+                <a:t>LEX</a:t>
+              </a:r>
+              <a:endParaRPr lang="es-ES" sz="1100" dirty="0"/>
+            </a:p>
+          </p:txBody>
+        </p:sp>
+        <p:sp>
+          <p:nvSpPr>
+            <p:cNvPr id="13" name="CuadroTexto 12"/>
+            <p:cNvSpPr txBox="1"/>
+            <p:nvPr/>
+          </p:nvSpPr>
+          <p:spPr>
+            <a:xfrm>
+              <a:off x="3894351" y="4789198"/>
+              <a:ext cx="443732" cy="109717"/>
+            </a:xfrm>
+            <a:prstGeom prst="rect">
+              <a:avLst/>
+            </a:prstGeom>
+            <a:solidFill>
+              <a:schemeClr val="bg1"/>
+            </a:solidFill>
+          </p:spPr>
+          <p:txBody>
+            <a:bodyPr wrap="square" rtlCol="0">
+              <a:spAutoFit/>
+            </a:bodyPr>
+            <a:lstStyle/>
+            <a:p>
+              <a:pPr algn="ctr"/>
+              <a:r>
+                <a:rPr lang="es-ES" sz="1100" dirty="0" smtClean="0"/>
+                <a:t>WIT</a:t>
+              </a:r>
+              <a:endParaRPr lang="es-ES" sz="1100" dirty="0"/>
+            </a:p>
+          </p:txBody>
+        </p:sp>
+      </p:grpSp>
+    </p:spTree>
+    <p:extLst>
+      <p:ext uri="{BB962C8B-B14F-4D97-AF65-F5344CB8AC3E}">
+        <p14:creationId xmlns:p14="http://schemas.microsoft.com/office/powerpoint/2010/main" val="2817814522"/>
+      </p:ext>
+    </p:extLst>
+  </p:cSld>
+  <p:clrMapOvr>
+    <a:masterClrMapping/>
+  </p:clrMapOvr>
+</p:sld>
+</file>
+
 <file path=ppt/theme/theme1.xml><?xml version="1.0" encoding="utf-8"?>
 <a:theme xmlns:a="http://schemas.openxmlformats.org/drawingml/2006/main" name="Tema de Office">
   <a:themeElements>

--- a/memoria/images/Presentación1.pptx
+++ b/memoria/images/Presentación1.pptx
@@ -6661,7 +6661,7 @@
         </p:nvGrpSpPr>
         <p:grpSpPr>
           <a:xfrm>
-            <a:off x="2042984" y="584062"/>
+            <a:off x="354596" y="-919425"/>
             <a:ext cx="5764024" cy="3946980"/>
             <a:chOff x="2042984" y="584062"/>
             <a:chExt cx="5764024" cy="3946980"/>
@@ -7013,6 +7013,1247 @@
             <a:xfrm>
               <a:off x="2508870" y="3157831"/>
               <a:ext cx="561316" cy="159663"/>
+            </a:xfrm>
+            <a:prstGeom prst="rect">
+              <a:avLst/>
+            </a:prstGeom>
+          </p:spPr>
+        </p:pic>
+      </p:grpSp>
+      <p:grpSp>
+        <p:nvGrpSpPr>
+          <p:cNvPr id="64" name="Grupo 63"/>
+          <p:cNvGrpSpPr/>
+          <p:nvPr/>
+        </p:nvGrpSpPr>
+        <p:grpSpPr>
+          <a:xfrm>
+            <a:off x="673658" y="3713847"/>
+            <a:ext cx="9123783" cy="2910709"/>
+            <a:chOff x="673658" y="3713847"/>
+            <a:chExt cx="9123783" cy="2910709"/>
+          </a:xfrm>
+        </p:grpSpPr>
+        <p:pic>
+          <p:nvPicPr>
+            <p:cNvPr id="62" name="Imagen 61"/>
+            <p:cNvPicPr>
+              <a:picLocks noChangeAspect="1"/>
+            </p:cNvPicPr>
+            <p:nvPr/>
+          </p:nvPicPr>
+          <p:blipFill rotWithShape="1">
+            <a:blip r:embed="rId8" cstate="print">
+              <a:extLst>
+                <a:ext uri="{28A0092B-C50C-407E-A947-70E740481C1C}">
+                  <a14:useLocalDpi xmlns:a14="http://schemas.microsoft.com/office/drawing/2010/main" val="0"/>
+                </a:ext>
+              </a:extLst>
+            </a:blip>
+            <a:srcRect l="25289" t="3420" r="27331" b="30744"/>
+            <a:stretch/>
+          </p:blipFill>
+          <p:spPr>
+            <a:xfrm>
+              <a:off x="673658" y="4967554"/>
+              <a:ext cx="334899" cy="348568"/>
+            </a:xfrm>
+            <a:prstGeom prst="rect">
+              <a:avLst/>
+            </a:prstGeom>
+          </p:spPr>
+        </p:pic>
+        <p:grpSp>
+          <p:nvGrpSpPr>
+            <p:cNvPr id="61" name="Grupo 60"/>
+            <p:cNvGrpSpPr/>
+            <p:nvPr/>
+          </p:nvGrpSpPr>
+          <p:grpSpPr>
+            <a:xfrm>
+              <a:off x="739490" y="3713847"/>
+              <a:ext cx="9057951" cy="2910709"/>
+              <a:chOff x="778027" y="3690502"/>
+              <a:chExt cx="9057951" cy="2910709"/>
+            </a:xfrm>
+          </p:grpSpPr>
+          <p:cxnSp>
+            <p:nvCxnSpPr>
+              <p:cNvPr id="15" name="Conector recto de flecha 14"/>
+              <p:cNvCxnSpPr/>
+              <p:nvPr/>
+            </p:nvCxnSpPr>
+            <p:spPr>
+              <a:xfrm>
+                <a:off x="799070" y="6120714"/>
+                <a:ext cx="9036908" cy="0"/>
+              </a:xfrm>
+              <a:prstGeom prst="straightConnector1">
+                <a:avLst/>
+              </a:prstGeom>
+              <a:ln w="38100">
+                <a:tailEnd type="triangle"/>
+              </a:ln>
+            </p:spPr>
+            <p:style>
+              <a:lnRef idx="1">
+                <a:schemeClr val="accent1"/>
+              </a:lnRef>
+              <a:fillRef idx="0">
+                <a:schemeClr val="accent1"/>
+              </a:fillRef>
+              <a:effectRef idx="0">
+                <a:schemeClr val="accent1"/>
+              </a:effectRef>
+              <a:fontRef idx="minor">
+                <a:schemeClr val="tx1"/>
+              </a:fontRef>
+            </p:style>
+          </p:cxnSp>
+          <p:sp>
+            <p:nvSpPr>
+              <p:cNvPr id="16" name="CuadroTexto 15"/>
+              <p:cNvSpPr txBox="1"/>
+              <p:nvPr/>
+            </p:nvSpPr>
+            <p:spPr>
+              <a:xfrm>
+                <a:off x="778027" y="6213500"/>
+                <a:ext cx="683742" cy="369332"/>
+              </a:xfrm>
+              <a:prstGeom prst="rect">
+                <a:avLst/>
+              </a:prstGeom>
+              <a:noFill/>
+            </p:spPr>
+            <p:txBody>
+              <a:bodyPr wrap="square" rtlCol="0">
+                <a:spAutoFit/>
+              </a:bodyPr>
+              <a:lstStyle/>
+              <a:p>
+                <a:pPr algn="ctr"/>
+                <a:r>
+                  <a:rPr lang="es-ES" b="1" dirty="0" smtClean="0">
+                    <a:solidFill>
+                      <a:schemeClr val="accent1"/>
+                    </a:solidFill>
+                  </a:rPr>
+                  <a:t>2010</a:t>
+                </a:r>
+                <a:endParaRPr lang="es-ES" b="1" dirty="0">
+                  <a:solidFill>
+                    <a:schemeClr val="accent1"/>
+                  </a:solidFill>
+                </a:endParaRPr>
+              </a:p>
+            </p:txBody>
+          </p:sp>
+          <p:sp>
+            <p:nvSpPr>
+              <p:cNvPr id="18" name="CuadroTexto 17"/>
+              <p:cNvSpPr txBox="1"/>
+              <p:nvPr/>
+            </p:nvSpPr>
+            <p:spPr>
+              <a:xfrm>
+                <a:off x="1885209" y="6228348"/>
+                <a:ext cx="683742" cy="369332"/>
+              </a:xfrm>
+              <a:prstGeom prst="rect">
+                <a:avLst/>
+              </a:prstGeom>
+              <a:noFill/>
+            </p:spPr>
+            <p:txBody>
+              <a:bodyPr wrap="square" rtlCol="0">
+                <a:spAutoFit/>
+              </a:bodyPr>
+              <a:lstStyle/>
+              <a:p>
+                <a:pPr algn="ctr"/>
+                <a:r>
+                  <a:rPr lang="es-ES" b="1" dirty="0" smtClean="0">
+                    <a:solidFill>
+                      <a:schemeClr val="accent1"/>
+                    </a:solidFill>
+                  </a:rPr>
+                  <a:t>2011</a:t>
+                </a:r>
+                <a:endParaRPr lang="es-ES" b="1" dirty="0">
+                  <a:solidFill>
+                    <a:schemeClr val="accent1"/>
+                  </a:solidFill>
+                </a:endParaRPr>
+              </a:p>
+            </p:txBody>
+          </p:sp>
+          <p:sp>
+            <p:nvSpPr>
+              <p:cNvPr id="19" name="CuadroTexto 18"/>
+              <p:cNvSpPr txBox="1"/>
+              <p:nvPr/>
+            </p:nvSpPr>
+            <p:spPr>
+              <a:xfrm>
+                <a:off x="2899965" y="6231879"/>
+                <a:ext cx="683742" cy="369332"/>
+              </a:xfrm>
+              <a:prstGeom prst="rect">
+                <a:avLst/>
+              </a:prstGeom>
+              <a:noFill/>
+            </p:spPr>
+            <p:txBody>
+              <a:bodyPr wrap="square" rtlCol="0">
+                <a:spAutoFit/>
+              </a:bodyPr>
+              <a:lstStyle/>
+              <a:p>
+                <a:pPr algn="ctr"/>
+                <a:r>
+                  <a:rPr lang="es-ES" b="1" dirty="0" smtClean="0">
+                    <a:solidFill>
+                      <a:schemeClr val="accent1"/>
+                    </a:solidFill>
+                  </a:rPr>
+                  <a:t>2012</a:t>
+                </a:r>
+                <a:endParaRPr lang="es-ES" b="1" dirty="0">
+                  <a:solidFill>
+                    <a:schemeClr val="accent1"/>
+                  </a:solidFill>
+                </a:endParaRPr>
+              </a:p>
+            </p:txBody>
+          </p:sp>
+          <p:sp>
+            <p:nvSpPr>
+              <p:cNvPr id="20" name="CuadroTexto 19"/>
+              <p:cNvSpPr txBox="1"/>
+              <p:nvPr/>
+            </p:nvSpPr>
+            <p:spPr>
+              <a:xfrm>
+                <a:off x="3994741" y="6228348"/>
+                <a:ext cx="683742" cy="369332"/>
+              </a:xfrm>
+              <a:prstGeom prst="rect">
+                <a:avLst/>
+              </a:prstGeom>
+              <a:noFill/>
+            </p:spPr>
+            <p:txBody>
+              <a:bodyPr wrap="square" rtlCol="0">
+                <a:spAutoFit/>
+              </a:bodyPr>
+              <a:lstStyle/>
+              <a:p>
+                <a:pPr algn="ctr"/>
+                <a:r>
+                  <a:rPr lang="es-ES" b="1" dirty="0" smtClean="0">
+                    <a:solidFill>
+                      <a:schemeClr val="accent1"/>
+                    </a:solidFill>
+                  </a:rPr>
+                  <a:t>2013</a:t>
+                </a:r>
+                <a:endParaRPr lang="es-ES" b="1" dirty="0">
+                  <a:solidFill>
+                    <a:schemeClr val="accent1"/>
+                  </a:solidFill>
+                </a:endParaRPr>
+              </a:p>
+            </p:txBody>
+          </p:sp>
+          <p:sp>
+            <p:nvSpPr>
+              <p:cNvPr id="21" name="CuadroTexto 20"/>
+              <p:cNvSpPr txBox="1"/>
+              <p:nvPr/>
+            </p:nvSpPr>
+            <p:spPr>
+              <a:xfrm>
+                <a:off x="5173361" y="6228348"/>
+                <a:ext cx="683742" cy="369332"/>
+              </a:xfrm>
+              <a:prstGeom prst="rect">
+                <a:avLst/>
+              </a:prstGeom>
+              <a:noFill/>
+            </p:spPr>
+            <p:txBody>
+              <a:bodyPr wrap="square" rtlCol="0">
+                <a:spAutoFit/>
+              </a:bodyPr>
+              <a:lstStyle/>
+              <a:p>
+                <a:pPr algn="ctr"/>
+                <a:r>
+                  <a:rPr lang="es-ES" b="1" dirty="0" smtClean="0">
+                    <a:solidFill>
+                      <a:schemeClr val="accent1"/>
+                    </a:solidFill>
+                  </a:rPr>
+                  <a:t>2014</a:t>
+                </a:r>
+                <a:endParaRPr lang="es-ES" b="1" dirty="0">
+                  <a:solidFill>
+                    <a:schemeClr val="accent1"/>
+                  </a:solidFill>
+                </a:endParaRPr>
+              </a:p>
+            </p:txBody>
+          </p:sp>
+          <p:sp>
+            <p:nvSpPr>
+              <p:cNvPr id="22" name="CuadroTexto 21"/>
+              <p:cNvSpPr txBox="1"/>
+              <p:nvPr/>
+            </p:nvSpPr>
+            <p:spPr>
+              <a:xfrm>
+                <a:off x="6280543" y="6228348"/>
+                <a:ext cx="683742" cy="369332"/>
+              </a:xfrm>
+              <a:prstGeom prst="rect">
+                <a:avLst/>
+              </a:prstGeom>
+              <a:noFill/>
+            </p:spPr>
+            <p:txBody>
+              <a:bodyPr wrap="square" rtlCol="0">
+                <a:spAutoFit/>
+              </a:bodyPr>
+              <a:lstStyle/>
+              <a:p>
+                <a:pPr algn="ctr"/>
+                <a:r>
+                  <a:rPr lang="es-ES" b="1" dirty="0" smtClean="0">
+                    <a:solidFill>
+                      <a:schemeClr val="accent1"/>
+                    </a:solidFill>
+                  </a:rPr>
+                  <a:t>2015</a:t>
+                </a:r>
+                <a:endParaRPr lang="es-ES" b="1" dirty="0">
+                  <a:solidFill>
+                    <a:schemeClr val="accent1"/>
+                  </a:solidFill>
+                </a:endParaRPr>
+              </a:p>
+            </p:txBody>
+          </p:sp>
+          <p:sp>
+            <p:nvSpPr>
+              <p:cNvPr id="23" name="CuadroTexto 22"/>
+              <p:cNvSpPr txBox="1"/>
+              <p:nvPr/>
+            </p:nvSpPr>
+            <p:spPr>
+              <a:xfrm>
+                <a:off x="7415709" y="6228348"/>
+                <a:ext cx="683742" cy="369332"/>
+              </a:xfrm>
+              <a:prstGeom prst="rect">
+                <a:avLst/>
+              </a:prstGeom>
+              <a:noFill/>
+            </p:spPr>
+            <p:txBody>
+              <a:bodyPr wrap="square" rtlCol="0">
+                <a:spAutoFit/>
+              </a:bodyPr>
+              <a:lstStyle/>
+              <a:p>
+                <a:pPr algn="ctr"/>
+                <a:r>
+                  <a:rPr lang="es-ES" b="1" dirty="0" smtClean="0">
+                    <a:solidFill>
+                      <a:schemeClr val="accent1"/>
+                    </a:solidFill>
+                  </a:rPr>
+                  <a:t>2016</a:t>
+                </a:r>
+                <a:endParaRPr lang="es-ES" b="1" dirty="0">
+                  <a:solidFill>
+                    <a:schemeClr val="accent1"/>
+                  </a:solidFill>
+                </a:endParaRPr>
+              </a:p>
+            </p:txBody>
+          </p:sp>
+          <p:sp>
+            <p:nvSpPr>
+              <p:cNvPr id="24" name="CuadroTexto 23"/>
+              <p:cNvSpPr txBox="1"/>
+              <p:nvPr/>
+            </p:nvSpPr>
+            <p:spPr>
+              <a:xfrm>
+                <a:off x="8468498" y="6213500"/>
+                <a:ext cx="683742" cy="369332"/>
+              </a:xfrm>
+              <a:prstGeom prst="rect">
+                <a:avLst/>
+              </a:prstGeom>
+              <a:noFill/>
+            </p:spPr>
+            <p:txBody>
+              <a:bodyPr wrap="square" rtlCol="0">
+                <a:spAutoFit/>
+              </a:bodyPr>
+              <a:lstStyle/>
+              <a:p>
+                <a:pPr algn="ctr"/>
+                <a:r>
+                  <a:rPr lang="es-ES" b="1" dirty="0" smtClean="0">
+                    <a:solidFill>
+                      <a:schemeClr val="accent1"/>
+                    </a:solidFill>
+                  </a:rPr>
+                  <a:t>2017</a:t>
+                </a:r>
+                <a:endParaRPr lang="es-ES" b="1" dirty="0">
+                  <a:solidFill>
+                    <a:schemeClr val="accent1"/>
+                  </a:solidFill>
+                </a:endParaRPr>
+              </a:p>
+            </p:txBody>
+          </p:sp>
+          <p:pic>
+            <p:nvPicPr>
+              <p:cNvPr id="26" name="Imagen 25"/>
+              <p:cNvPicPr>
+                <a:picLocks noChangeAspect="1"/>
+              </p:cNvPicPr>
+              <p:nvPr/>
+            </p:nvPicPr>
+            <p:blipFill rotWithShape="1">
+              <a:blip r:embed="rId4" cstate="print">
+                <a:extLst>
+                  <a:ext uri="{28A0092B-C50C-407E-A947-70E740481C1C}">
+                    <a14:useLocalDpi xmlns:a14="http://schemas.microsoft.com/office/drawing/2010/main" val="0"/>
+                  </a:ext>
+                </a:extLst>
+              </a:blip>
+              <a:srcRect l="24791" t="15481" r="26968" b="13890"/>
+              <a:stretch/>
+            </p:blipFill>
+            <p:spPr>
+              <a:xfrm>
+                <a:off x="7288480" y="4879584"/>
+                <a:ext cx="362465" cy="367499"/>
+              </a:xfrm>
+              <a:prstGeom prst="rect">
+                <a:avLst/>
+              </a:prstGeom>
+            </p:spPr>
+          </p:pic>
+          <p:pic>
+            <p:nvPicPr>
+              <p:cNvPr id="27" name="Imagen 26"/>
+              <p:cNvPicPr>
+                <a:picLocks noChangeAspect="1"/>
+              </p:cNvPicPr>
+              <p:nvPr/>
+            </p:nvPicPr>
+            <p:blipFill rotWithShape="1">
+              <a:blip r:embed="rId5" cstate="print">
+                <a:extLst>
+                  <a:ext uri="{28A0092B-C50C-407E-A947-70E740481C1C}">
+                    <a14:useLocalDpi xmlns:a14="http://schemas.microsoft.com/office/drawing/2010/main" val="0"/>
+                  </a:ext>
+                </a:extLst>
+              </a:blip>
+              <a:srcRect l="36580" t="10190" r="43358" b="76801"/>
+              <a:stretch/>
+            </p:blipFill>
+            <p:spPr>
+              <a:xfrm>
+                <a:off x="7690205" y="4985785"/>
+                <a:ext cx="436606" cy="159302"/>
+              </a:xfrm>
+              <a:prstGeom prst="rect">
+                <a:avLst/>
+              </a:prstGeom>
+            </p:spPr>
+          </p:pic>
+          <p:pic>
+            <p:nvPicPr>
+              <p:cNvPr id="31" name="Imagen 30"/>
+              <p:cNvPicPr>
+                <a:picLocks noChangeAspect="1"/>
+              </p:cNvPicPr>
+              <p:nvPr/>
+            </p:nvPicPr>
+            <p:blipFill rotWithShape="1">
+              <a:blip r:embed="rId3" cstate="print">
+                <a:extLst>
+                  <a:ext uri="{28A0092B-C50C-407E-A947-70E740481C1C}">
+                    <a14:useLocalDpi xmlns:a14="http://schemas.microsoft.com/office/drawing/2010/main" val="0"/>
+                  </a:ext>
+                </a:extLst>
+              </a:blip>
+              <a:srcRect l="24791" t="15481" r="26968" b="13890"/>
+              <a:stretch/>
+            </p:blipFill>
+            <p:spPr>
+              <a:xfrm>
+                <a:off x="1940065" y="5653024"/>
+                <a:ext cx="339546" cy="344262"/>
+              </a:xfrm>
+              <a:prstGeom prst="rect">
+                <a:avLst/>
+              </a:prstGeom>
+            </p:spPr>
+          </p:pic>
+          <p:pic>
+            <p:nvPicPr>
+              <p:cNvPr id="32" name="Imagen 31"/>
+              <p:cNvPicPr>
+                <a:picLocks noChangeAspect="1"/>
+              </p:cNvPicPr>
+              <p:nvPr/>
+            </p:nvPicPr>
+            <p:blipFill rotWithShape="1">
+              <a:blip r:embed="rId6">
+                <a:extLst>
+                  <a:ext uri="{28A0092B-C50C-407E-A947-70E740481C1C}">
+                    <a14:useLocalDpi xmlns:a14="http://schemas.microsoft.com/office/drawing/2010/main" val="0"/>
+                  </a:ext>
+                </a:extLst>
+              </a:blip>
+              <a:srcRect l="36580" t="10189" r="52443" b="75233"/>
+              <a:stretch/>
+            </p:blipFill>
+            <p:spPr>
+              <a:xfrm>
+                <a:off x="2280912" y="5745333"/>
+                <a:ext cx="327055" cy="244377"/>
+              </a:xfrm>
+              <a:prstGeom prst="rect">
+                <a:avLst/>
+              </a:prstGeom>
+            </p:spPr>
+          </p:pic>
+          <p:pic>
+            <p:nvPicPr>
+              <p:cNvPr id="34" name="Imagen 33"/>
+              <p:cNvPicPr>
+                <a:picLocks noChangeAspect="1"/>
+              </p:cNvPicPr>
+              <p:nvPr/>
+            </p:nvPicPr>
+            <p:blipFill rotWithShape="1">
+              <a:blip r:embed="rId10" cstate="print">
+                <a:extLst>
+                  <a:ext uri="{28A0092B-C50C-407E-A947-70E740481C1C}">
+                    <a14:useLocalDpi xmlns:a14="http://schemas.microsoft.com/office/drawing/2010/main" val="0"/>
+                  </a:ext>
+                </a:extLst>
+              </a:blip>
+              <a:srcRect l="929" t="23090" r="66564" b="23265"/>
+              <a:stretch/>
+            </p:blipFill>
+            <p:spPr>
+              <a:xfrm>
+                <a:off x="4121355" y="5318711"/>
+                <a:ext cx="370552" cy="402313"/>
+              </a:xfrm>
+              <a:prstGeom prst="rect">
+                <a:avLst/>
+              </a:prstGeom>
+            </p:spPr>
+          </p:pic>
+          <p:pic>
+            <p:nvPicPr>
+              <p:cNvPr id="36" name="Imagen 35"/>
+              <p:cNvPicPr>
+                <a:picLocks noChangeAspect="1"/>
+              </p:cNvPicPr>
+              <p:nvPr/>
+            </p:nvPicPr>
+            <p:blipFill rotWithShape="1">
+              <a:blip r:embed="rId11" cstate="print">
+                <a:extLst>
+                  <a:ext uri="{28A0092B-C50C-407E-A947-70E740481C1C}">
+                    <a14:useLocalDpi xmlns:a14="http://schemas.microsoft.com/office/drawing/2010/main" val="0"/>
+                  </a:ext>
+                </a:extLst>
+              </a:blip>
+              <a:srcRect l="33160" t="27178" b="20588"/>
+              <a:stretch/>
+            </p:blipFill>
+            <p:spPr>
+              <a:xfrm>
+                <a:off x="4010210" y="5657461"/>
+                <a:ext cx="592842" cy="304800"/>
+              </a:xfrm>
+              <a:prstGeom prst="rect">
+                <a:avLst/>
+              </a:prstGeom>
+            </p:spPr>
+          </p:pic>
+          <p:pic>
+            <p:nvPicPr>
+              <p:cNvPr id="38" name="Imagen 37"/>
+              <p:cNvPicPr>
+                <a:picLocks noChangeAspect="1"/>
+              </p:cNvPicPr>
+              <p:nvPr/>
+            </p:nvPicPr>
+            <p:blipFill rotWithShape="1">
+              <a:blip r:embed="rId12" cstate="print">
+                <a:extLst>
+                  <a:ext uri="{28A0092B-C50C-407E-A947-70E740481C1C}">
+                    <a14:useLocalDpi xmlns:a14="http://schemas.microsoft.com/office/drawing/2010/main" val="0"/>
+                  </a:ext>
+                </a:extLst>
+              </a:blip>
+              <a:srcRect l="929" t="23090" r="66564" b="23265"/>
+              <a:stretch/>
+            </p:blipFill>
+            <p:spPr>
+              <a:xfrm>
+                <a:off x="6112762" y="5589617"/>
+                <a:ext cx="323323" cy="351036"/>
+              </a:xfrm>
+              <a:prstGeom prst="rect">
+                <a:avLst/>
+              </a:prstGeom>
+            </p:spPr>
+          </p:pic>
+          <p:pic>
+            <p:nvPicPr>
+              <p:cNvPr id="39" name="Imagen 38"/>
+              <p:cNvPicPr>
+                <a:picLocks noChangeAspect="1"/>
+              </p:cNvPicPr>
+              <p:nvPr/>
+            </p:nvPicPr>
+            <p:blipFill rotWithShape="1">
+              <a:blip r:embed="rId13" cstate="print">
+                <a:extLst>
+                  <a:ext uri="{28A0092B-C50C-407E-A947-70E740481C1C}">
+                    <a14:useLocalDpi xmlns:a14="http://schemas.microsoft.com/office/drawing/2010/main" val="0"/>
+                  </a:ext>
+                </a:extLst>
+              </a:blip>
+              <a:srcRect l="33160" t="27178" b="20588"/>
+              <a:stretch/>
+            </p:blipFill>
+            <p:spPr>
+              <a:xfrm>
+                <a:off x="6436086" y="5653024"/>
+                <a:ext cx="531471" cy="273247"/>
+              </a:xfrm>
+              <a:prstGeom prst="rect">
+                <a:avLst/>
+              </a:prstGeom>
+            </p:spPr>
+          </p:pic>
+          <p:sp>
+            <p:nvSpPr>
+              <p:cNvPr id="40" name="Rectángulo 39"/>
+              <p:cNvSpPr/>
+              <p:nvPr/>
+            </p:nvSpPr>
+            <p:spPr>
+              <a:xfrm>
+                <a:off x="6092546" y="5437860"/>
+                <a:ext cx="977818" cy="488173"/>
+              </a:xfrm>
+              <a:prstGeom prst="rect">
+                <a:avLst/>
+              </a:prstGeom>
+              <a:noFill/>
+              <a:ln>
+                <a:solidFill>
+                  <a:schemeClr val="accent1">
+                    <a:lumMod val="40000"/>
+                    <a:lumOff val="60000"/>
+                  </a:schemeClr>
+                </a:solidFill>
+                <a:prstDash val="sysDot"/>
+              </a:ln>
+            </p:spPr>
+            <p:style>
+              <a:lnRef idx="2">
+                <a:schemeClr val="accent1">
+                  <a:shade val="50000"/>
+                </a:schemeClr>
+              </a:lnRef>
+              <a:fillRef idx="1">
+                <a:schemeClr val="accent1"/>
+              </a:fillRef>
+              <a:effectRef idx="0">
+                <a:schemeClr val="accent1"/>
+              </a:effectRef>
+              <a:fontRef idx="minor">
+                <a:schemeClr val="lt1"/>
+              </a:fontRef>
+            </p:style>
+            <p:txBody>
+              <a:bodyPr rtlCol="0" anchor="ctr"/>
+              <a:lstStyle/>
+              <a:p>
+                <a:pPr algn="ctr"/>
+                <a:endParaRPr lang="es-ES"/>
+              </a:p>
+            </p:txBody>
+          </p:sp>
+          <p:sp>
+            <p:nvSpPr>
+              <p:cNvPr id="41" name="CuadroTexto 40"/>
+              <p:cNvSpPr txBox="1"/>
+              <p:nvPr/>
+            </p:nvSpPr>
+            <p:spPr>
+              <a:xfrm>
+                <a:off x="6110160" y="5404947"/>
+                <a:ext cx="903843" cy="276999"/>
+              </a:xfrm>
+              <a:prstGeom prst="rect">
+                <a:avLst/>
+              </a:prstGeom>
+              <a:noFill/>
+            </p:spPr>
+            <p:txBody>
+              <a:bodyPr wrap="square" rtlCol="0">
+                <a:spAutoFit/>
+              </a:bodyPr>
+              <a:lstStyle/>
+              <a:p>
+                <a:pPr algn="ctr"/>
+                <a:r>
+                  <a:rPr lang="es-ES" sz="1200" b="1" dirty="0" smtClean="0">
+                    <a:solidFill>
+                      <a:schemeClr val="accent1"/>
+                    </a:solidFill>
+                  </a:rPr>
+                  <a:t>Facebook</a:t>
+                </a:r>
+                <a:endParaRPr lang="es-ES" sz="1200" b="1" dirty="0">
+                  <a:solidFill>
+                    <a:schemeClr val="accent1"/>
+                  </a:solidFill>
+                </a:endParaRPr>
+              </a:p>
+            </p:txBody>
+          </p:sp>
+          <p:pic>
+            <p:nvPicPr>
+              <p:cNvPr id="42" name="Imagen 41"/>
+              <p:cNvPicPr>
+                <a:picLocks noChangeAspect="1"/>
+              </p:cNvPicPr>
+              <p:nvPr/>
+            </p:nvPicPr>
+            <p:blipFill rotWithShape="1">
+              <a:blip r:embed="rId14" cstate="print">
+                <a:extLst>
+                  <a:ext uri="{28A0092B-C50C-407E-A947-70E740481C1C}">
+                    <a14:useLocalDpi xmlns:a14="http://schemas.microsoft.com/office/drawing/2010/main" val="0"/>
+                  </a:ext>
+                </a:extLst>
+              </a:blip>
+              <a:srcRect t="1" b="33162"/>
+              <a:stretch/>
+            </p:blipFill>
+            <p:spPr>
+              <a:xfrm>
+                <a:off x="7308696" y="5534205"/>
+                <a:ext cx="402479" cy="353070"/>
+              </a:xfrm>
+              <a:prstGeom prst="rect">
+                <a:avLst/>
+              </a:prstGeom>
+            </p:spPr>
+          </p:pic>
+          <p:pic>
+            <p:nvPicPr>
+              <p:cNvPr id="43" name="Imagen 42"/>
+              <p:cNvPicPr>
+                <a:picLocks noChangeAspect="1"/>
+              </p:cNvPicPr>
+              <p:nvPr/>
+            </p:nvPicPr>
+            <p:blipFill rotWithShape="1">
+              <a:blip r:embed="rId15" cstate="print">
+                <a:extLst>
+                  <a:ext uri="{28A0092B-C50C-407E-A947-70E740481C1C}">
+                    <a14:useLocalDpi xmlns:a14="http://schemas.microsoft.com/office/drawing/2010/main" val="0"/>
+                  </a:ext>
+                </a:extLst>
+              </a:blip>
+              <a:srcRect l="12488" t="68319"/>
+              <a:stretch/>
+            </p:blipFill>
+            <p:spPr>
+              <a:xfrm>
+                <a:off x="7711175" y="5681147"/>
+                <a:ext cx="457474" cy="217368"/>
+              </a:xfrm>
+              <a:prstGeom prst="rect">
+                <a:avLst/>
+              </a:prstGeom>
+            </p:spPr>
+          </p:pic>
+          <p:sp>
+            <p:nvSpPr>
+              <p:cNvPr id="46" name="Rectángulo 45"/>
+              <p:cNvSpPr/>
+              <p:nvPr/>
+            </p:nvSpPr>
+            <p:spPr>
+              <a:xfrm>
+                <a:off x="7308696" y="5431786"/>
+                <a:ext cx="977818" cy="488173"/>
+              </a:xfrm>
+              <a:prstGeom prst="rect">
+                <a:avLst/>
+              </a:prstGeom>
+              <a:noFill/>
+              <a:ln>
+                <a:solidFill>
+                  <a:schemeClr val="accent1">
+                    <a:lumMod val="40000"/>
+                    <a:lumOff val="60000"/>
+                  </a:schemeClr>
+                </a:solidFill>
+                <a:prstDash val="sysDot"/>
+              </a:ln>
+            </p:spPr>
+            <p:style>
+              <a:lnRef idx="2">
+                <a:schemeClr val="accent1">
+                  <a:shade val="50000"/>
+                </a:schemeClr>
+              </a:lnRef>
+              <a:fillRef idx="1">
+                <a:schemeClr val="accent1"/>
+              </a:fillRef>
+              <a:effectRef idx="0">
+                <a:schemeClr val="accent1"/>
+              </a:effectRef>
+              <a:fontRef idx="minor">
+                <a:schemeClr val="lt1"/>
+              </a:fontRef>
+            </p:style>
+            <p:txBody>
+              <a:bodyPr rtlCol="0" anchor="ctr"/>
+              <a:lstStyle/>
+              <a:p>
+                <a:pPr algn="ctr"/>
+                <a:endParaRPr lang="es-ES"/>
+              </a:p>
+            </p:txBody>
+          </p:sp>
+          <p:sp>
+            <p:nvSpPr>
+              <p:cNvPr id="47" name="CuadroTexto 46"/>
+              <p:cNvSpPr txBox="1"/>
+              <p:nvPr/>
+            </p:nvSpPr>
+            <p:spPr>
+              <a:xfrm>
+                <a:off x="7416130" y="5379924"/>
+                <a:ext cx="903843" cy="276999"/>
+              </a:xfrm>
+              <a:prstGeom prst="rect">
+                <a:avLst/>
+              </a:prstGeom>
+              <a:noFill/>
+            </p:spPr>
+            <p:txBody>
+              <a:bodyPr wrap="square" rtlCol="0">
+                <a:spAutoFit/>
+              </a:bodyPr>
+              <a:lstStyle/>
+              <a:p>
+                <a:pPr algn="ctr"/>
+                <a:r>
+                  <a:rPr lang="es-ES" sz="1200" b="1" dirty="0" smtClean="0">
+                    <a:solidFill>
+                      <a:schemeClr val="accent1"/>
+                    </a:solidFill>
+                  </a:rPr>
+                  <a:t>Google</a:t>
+                </a:r>
+                <a:endParaRPr lang="es-ES" sz="1200" b="1" dirty="0">
+                  <a:solidFill>
+                    <a:schemeClr val="accent1"/>
+                  </a:solidFill>
+                </a:endParaRPr>
+              </a:p>
+            </p:txBody>
+          </p:sp>
+          <p:pic>
+            <p:nvPicPr>
+              <p:cNvPr id="48" name="Imagen 47"/>
+              <p:cNvPicPr>
+                <a:picLocks noChangeAspect="1"/>
+              </p:cNvPicPr>
+              <p:nvPr/>
+            </p:nvPicPr>
+            <p:blipFill rotWithShape="1">
+              <a:blip r:embed="rId16">
+                <a:extLst>
+                  <a:ext uri="{28A0092B-C50C-407E-A947-70E740481C1C}">
+                    <a14:useLocalDpi xmlns:a14="http://schemas.microsoft.com/office/drawing/2010/main" val="0"/>
+                  </a:ext>
+                </a:extLst>
+              </a:blip>
+              <a:srcRect l="5524" t="74117" r="73042" b="6514"/>
+              <a:stretch/>
+            </p:blipFill>
+            <p:spPr>
+              <a:xfrm>
+                <a:off x="7682616" y="4330594"/>
+                <a:ext cx="603898" cy="387989"/>
+              </a:xfrm>
+              <a:prstGeom prst="rect">
+                <a:avLst/>
+              </a:prstGeom>
+            </p:spPr>
+          </p:pic>
+          <p:pic>
+            <p:nvPicPr>
+              <p:cNvPr id="49" name="Imagen 48"/>
+              <p:cNvPicPr>
+                <a:picLocks noChangeAspect="1"/>
+              </p:cNvPicPr>
+              <p:nvPr/>
+            </p:nvPicPr>
+            <p:blipFill rotWithShape="1">
+              <a:blip r:embed="rId17" cstate="print">
+                <a:extLst>
+                  <a:ext uri="{28A0092B-C50C-407E-A947-70E740481C1C}">
+                    <a14:useLocalDpi xmlns:a14="http://schemas.microsoft.com/office/drawing/2010/main" val="0"/>
+                  </a:ext>
+                </a:extLst>
+              </a:blip>
+              <a:srcRect l="3372" t="27140" r="68110" b="28454"/>
+              <a:stretch/>
+            </p:blipFill>
+            <p:spPr>
+              <a:xfrm>
+                <a:off x="7273544" y="4289125"/>
+                <a:ext cx="409072" cy="452869"/>
+              </a:xfrm>
+              <a:prstGeom prst="rect">
+                <a:avLst/>
+              </a:prstGeom>
+            </p:spPr>
+          </p:pic>
+          <p:pic>
+            <p:nvPicPr>
+              <p:cNvPr id="51" name="Imagen 50"/>
+              <p:cNvPicPr>
+                <a:picLocks noChangeAspect="1"/>
+              </p:cNvPicPr>
+              <p:nvPr/>
+            </p:nvPicPr>
+            <p:blipFill rotWithShape="1">
+              <a:blip r:embed="rId18" cstate="print">
+                <a:extLst>
+                  <a:ext uri="{28A0092B-C50C-407E-A947-70E740481C1C}">
+                    <a14:useLocalDpi xmlns:a14="http://schemas.microsoft.com/office/drawing/2010/main" val="0"/>
+                  </a:ext>
+                </a:extLst>
+              </a:blip>
+              <a:srcRect t="2718" r="76139" b="1"/>
+              <a:stretch/>
+            </p:blipFill>
+            <p:spPr>
+              <a:xfrm>
+                <a:off x="6118620" y="4935537"/>
+                <a:ext cx="301300" cy="262869"/>
+              </a:xfrm>
+              <a:prstGeom prst="rect">
+                <a:avLst/>
+              </a:prstGeom>
+            </p:spPr>
+          </p:pic>
+          <p:pic>
+            <p:nvPicPr>
+              <p:cNvPr id="50" name="Imagen 49"/>
+              <p:cNvPicPr>
+                <a:picLocks noChangeAspect="1"/>
+              </p:cNvPicPr>
+              <p:nvPr/>
+            </p:nvPicPr>
+            <p:blipFill rotWithShape="1">
+              <a:blip r:embed="rId18" cstate="print">
+                <a:extLst>
+                  <a:ext uri="{28A0092B-C50C-407E-A947-70E740481C1C}">
+                    <a14:useLocalDpi xmlns:a14="http://schemas.microsoft.com/office/drawing/2010/main" val="0"/>
+                  </a:ext>
+                </a:extLst>
+              </a:blip>
+              <a:srcRect l="24582" t="-708" b="-1"/>
+              <a:stretch/>
+            </p:blipFill>
+            <p:spPr>
+              <a:xfrm>
+                <a:off x="6415620" y="4909728"/>
+                <a:ext cx="612464" cy="175014"/>
+              </a:xfrm>
+              <a:prstGeom prst="rect">
+                <a:avLst/>
+              </a:prstGeom>
+            </p:spPr>
+          </p:pic>
+          <p:pic>
+            <p:nvPicPr>
+              <p:cNvPr id="52" name="Imagen 51"/>
+              <p:cNvPicPr>
+                <a:picLocks noChangeAspect="1"/>
+              </p:cNvPicPr>
+              <p:nvPr/>
+            </p:nvPicPr>
+            <p:blipFill rotWithShape="1">
+              <a:blip r:embed="rId14" cstate="print">
+                <a:extLst>
+                  <a:ext uri="{28A0092B-C50C-407E-A947-70E740481C1C}">
+                    <a14:useLocalDpi xmlns:a14="http://schemas.microsoft.com/office/drawing/2010/main" val="0"/>
+                  </a:ext>
+                </a:extLst>
+              </a:blip>
+              <a:srcRect t="1" r="11368" b="33162"/>
+              <a:stretch/>
+            </p:blipFill>
+            <p:spPr>
+              <a:xfrm>
+                <a:off x="799070" y="5607707"/>
+                <a:ext cx="356722" cy="353070"/>
+              </a:xfrm>
+              <a:prstGeom prst="rect">
+                <a:avLst/>
+              </a:prstGeom>
+            </p:spPr>
+          </p:pic>
+          <p:pic>
+            <p:nvPicPr>
+              <p:cNvPr id="53" name="Imagen 52"/>
+              <p:cNvPicPr>
+                <a:picLocks noChangeAspect="1"/>
+              </p:cNvPicPr>
+              <p:nvPr/>
+            </p:nvPicPr>
+            <p:blipFill rotWithShape="1">
+              <a:blip r:embed="rId15" cstate="print">
+                <a:extLst>
+                  <a:ext uri="{28A0092B-C50C-407E-A947-70E740481C1C}">
+                    <a14:useLocalDpi xmlns:a14="http://schemas.microsoft.com/office/drawing/2010/main" val="0"/>
+                  </a:ext>
+                </a:extLst>
+              </a:blip>
+              <a:srcRect l="12488" t="68774"/>
+              <a:stretch/>
+            </p:blipFill>
+            <p:spPr>
+              <a:xfrm>
+                <a:off x="1160554" y="5759959"/>
+                <a:ext cx="457474" cy="214248"/>
+              </a:xfrm>
+              <a:prstGeom prst="rect">
+                <a:avLst/>
+              </a:prstGeom>
+            </p:spPr>
+          </p:pic>
+          <p:sp>
+            <p:nvSpPr>
+              <p:cNvPr id="56" name="CuadroTexto 55"/>
+              <p:cNvSpPr txBox="1"/>
+              <p:nvPr/>
+            </p:nvSpPr>
+            <p:spPr>
+              <a:xfrm>
+                <a:off x="6307464" y="5028623"/>
+                <a:ext cx="509234" cy="276999"/>
+              </a:xfrm>
+              <a:prstGeom prst="rect">
+                <a:avLst/>
+              </a:prstGeom>
+              <a:noFill/>
+            </p:spPr>
+            <p:txBody>
+              <a:bodyPr wrap="square" rtlCol="0">
+                <a:spAutoFit/>
+              </a:bodyPr>
+              <a:lstStyle/>
+              <a:p>
+                <a:pPr algn="ctr"/>
+                <a:r>
+                  <a:rPr lang="es-ES" sz="1200" b="1" dirty="0" smtClean="0">
+                    <a:solidFill>
+                      <a:schemeClr val="accent1"/>
+                    </a:solidFill>
+                  </a:rPr>
+                  <a:t>LUIS</a:t>
+                </a:r>
+                <a:endParaRPr lang="es-ES" sz="1200" b="1" dirty="0">
+                  <a:solidFill>
+                    <a:schemeClr val="accent1"/>
+                  </a:solidFill>
+                </a:endParaRPr>
+              </a:p>
+            </p:txBody>
+          </p:sp>
+          <p:pic>
+            <p:nvPicPr>
+              <p:cNvPr id="57" name="Imagen 56"/>
+              <p:cNvPicPr>
+                <a:picLocks noChangeAspect="1"/>
+              </p:cNvPicPr>
+              <p:nvPr/>
+            </p:nvPicPr>
+            <p:blipFill rotWithShape="1">
+              <a:blip r:embed="rId8" cstate="print">
+                <a:extLst>
+                  <a:ext uri="{28A0092B-C50C-407E-A947-70E740481C1C}">
+                    <a14:useLocalDpi xmlns:a14="http://schemas.microsoft.com/office/drawing/2010/main" val="0"/>
+                  </a:ext>
+                </a:extLst>
+              </a:blip>
+              <a:srcRect l="25289" t="3420" r="27331" b="30744"/>
+              <a:stretch/>
+            </p:blipFill>
+            <p:spPr>
+              <a:xfrm>
+                <a:off x="7142997" y="3690502"/>
+                <a:ext cx="358666" cy="373305"/>
+              </a:xfrm>
+              <a:prstGeom prst="rect">
+                <a:avLst/>
+              </a:prstGeom>
+            </p:spPr>
+          </p:pic>
+          <p:pic>
+            <p:nvPicPr>
+              <p:cNvPr id="58" name="Imagen 57"/>
+              <p:cNvPicPr>
+                <a:picLocks noChangeAspect="1"/>
+              </p:cNvPicPr>
+              <p:nvPr/>
+            </p:nvPicPr>
+            <p:blipFill rotWithShape="1">
+              <a:blip r:embed="rId8">
+                <a:extLst>
+                  <a:ext uri="{28A0092B-C50C-407E-A947-70E740481C1C}">
+                    <a14:useLocalDpi xmlns:a14="http://schemas.microsoft.com/office/drawing/2010/main" val="0"/>
+                  </a:ext>
+                </a:extLst>
+              </a:blip>
+              <a:srcRect l="7780" t="70635" r="7130" b="9141"/>
+              <a:stretch/>
+            </p:blipFill>
+            <p:spPr>
+              <a:xfrm>
+                <a:off x="7501663" y="3810626"/>
+                <a:ext cx="876497" cy="170013"/>
+              </a:xfrm>
+              <a:prstGeom prst="rect">
+                <a:avLst/>
+              </a:prstGeom>
+            </p:spPr>
+          </p:pic>
+          <p:sp>
+            <p:nvSpPr>
+              <p:cNvPr id="60" name="CuadroTexto 59"/>
+              <p:cNvSpPr txBox="1"/>
+              <p:nvPr/>
+            </p:nvSpPr>
+            <p:spPr>
+              <a:xfrm>
+                <a:off x="7379374" y="3939805"/>
+                <a:ext cx="1012007" cy="261610"/>
+              </a:xfrm>
+              <a:prstGeom prst="rect">
+                <a:avLst/>
+              </a:prstGeom>
+              <a:noFill/>
+            </p:spPr>
+            <p:txBody>
+              <a:bodyPr wrap="square" rtlCol="0">
+                <a:spAutoFit/>
+              </a:bodyPr>
+              <a:lstStyle/>
+              <a:p>
+                <a:pPr algn="ctr"/>
+                <a:r>
+                  <a:rPr lang="es-ES" sz="1100" b="1" dirty="0" err="1" smtClean="0">
+                    <a:solidFill>
+                      <a:schemeClr val="accent1"/>
+                    </a:solidFill>
+                  </a:rPr>
+                  <a:t>Conversation</a:t>
+                </a:r>
+                <a:endParaRPr lang="es-ES" sz="1100" b="1" dirty="0">
+                  <a:solidFill>
+                    <a:schemeClr val="accent1"/>
+                  </a:solidFill>
+                </a:endParaRPr>
+              </a:p>
+            </p:txBody>
+          </p:sp>
+          <p:pic>
+            <p:nvPicPr>
+              <p:cNvPr id="30" name="Imagen 29"/>
+              <p:cNvPicPr>
+                <a:picLocks noChangeAspect="1"/>
+              </p:cNvPicPr>
+              <p:nvPr/>
+            </p:nvPicPr>
+            <p:blipFill>
+              <a:blip r:embed="rId9" cstate="print">
+                <a:extLst>
+                  <a:ext uri="{28A0092B-C50C-407E-A947-70E740481C1C}">
+                    <a14:useLocalDpi xmlns:a14="http://schemas.microsoft.com/office/drawing/2010/main" val="0"/>
+                  </a:ext>
+                </a:extLst>
+              </a:blip>
+              <a:stretch>
+                <a:fillRect/>
+              </a:stretch>
+            </p:blipFill>
+            <p:spPr>
+              <a:xfrm>
+                <a:off x="925119" y="5244770"/>
+                <a:ext cx="561316" cy="173165"/>
+              </a:xfrm>
+              <a:prstGeom prst="rect">
+                <a:avLst/>
+              </a:prstGeom>
+            </p:spPr>
+          </p:pic>
+        </p:grpSp>
+        <p:pic>
+          <p:nvPicPr>
+            <p:cNvPr id="63" name="Imagen 62"/>
+            <p:cNvPicPr>
+              <a:picLocks noChangeAspect="1"/>
+            </p:cNvPicPr>
+            <p:nvPr/>
+          </p:nvPicPr>
+          <p:blipFill rotWithShape="1">
+            <a:blip r:embed="rId8" cstate="print">
+              <a:extLst>
+                <a:ext uri="{28A0092B-C50C-407E-A947-70E740481C1C}">
+                  <a14:useLocalDpi xmlns:a14="http://schemas.microsoft.com/office/drawing/2010/main" val="0"/>
+                </a:ext>
+              </a:extLst>
+            </a:blip>
+            <a:srcRect l="7780" t="70635" r="7130" b="9141"/>
+            <a:stretch/>
+          </p:blipFill>
+          <p:spPr>
+            <a:xfrm>
+              <a:off x="974621" y="5089829"/>
+              <a:ext cx="818415" cy="158747"/>
             </a:xfrm>
             <a:prstGeom prst="rect">
               <a:avLst/>

--- a/memoria/images/Presentación1.pptx
+++ b/memoria/images/Presentación1.pptx
@@ -7028,7 +7028,7 @@
         </p:nvGrpSpPr>
         <p:grpSpPr>
           <a:xfrm>
-            <a:off x="673658" y="3713847"/>
+            <a:off x="656198" y="3702353"/>
             <a:ext cx="9123783" cy="2910709"/>
             <a:chOff x="673658" y="3713847"/>
             <a:chExt cx="9123783" cy="2910709"/>
@@ -7071,10 +7071,10 @@
           </p:nvGrpSpPr>
           <p:grpSpPr>
             <a:xfrm>
-              <a:off x="739490" y="3713847"/>
-              <a:ext cx="9057951" cy="2910709"/>
-              <a:chOff x="778027" y="3690502"/>
-              <a:chExt cx="9057951" cy="2910709"/>
+              <a:off x="703632" y="3713847"/>
+              <a:ext cx="9093809" cy="2910709"/>
+              <a:chOff x="742169" y="3690502"/>
+              <a:chExt cx="9093809" cy="2910709"/>
             </a:xfrm>
           </p:grpSpPr>
           <p:cxnSp>
@@ -7472,8 +7472,8 @@
             </p:blipFill>
             <p:spPr>
               <a:xfrm>
-                <a:off x="7690205" y="4985785"/>
-                <a:ext cx="436606" cy="159302"/>
+                <a:off x="7690205" y="4967944"/>
+                <a:ext cx="485504" cy="177143"/>
               </a:xfrm>
               <a:prstGeom prst="rect">
                 <a:avLst/>
@@ -7559,7 +7559,7 @@
             </p:blipFill>
             <p:spPr>
               <a:xfrm>
-                <a:off x="4121355" y="5318711"/>
+                <a:off x="3921274" y="5590561"/>
                 <a:ext cx="370552" cy="402313"/>
               </a:xfrm>
               <a:prstGeom prst="rect">
@@ -7588,8 +7588,8 @@
             </p:blipFill>
             <p:spPr>
               <a:xfrm>
-                <a:off x="4010210" y="5657461"/>
-                <a:ext cx="592842" cy="304800"/>
+                <a:off x="4277253" y="5681147"/>
+                <a:ext cx="570007" cy="293060"/>
               </a:xfrm>
               <a:prstGeom prst="rect">
                 <a:avLst/>
@@ -7712,8 +7712,8 @@
             </p:nvSpPr>
             <p:spPr>
               <a:xfrm>
-                <a:off x="6110160" y="5404947"/>
-                <a:ext cx="903843" cy="276999"/>
+                <a:off x="6139415" y="5391554"/>
+                <a:ext cx="903843" cy="307777"/>
               </a:xfrm>
               <a:prstGeom prst="rect">
                 <a:avLst/>
@@ -7728,14 +7728,14 @@
               <a:p>
                 <a:pPr algn="ctr"/>
                 <a:r>
-                  <a:rPr lang="es-ES" sz="1200" b="1" dirty="0" smtClean="0">
+                  <a:rPr lang="es-ES" sz="1400" b="1" dirty="0" smtClean="0">
                     <a:solidFill>
                       <a:schemeClr val="accent1"/>
                     </a:solidFill>
                   </a:rPr>
                   <a:t>Facebook</a:t>
                 </a:r>
-                <a:endParaRPr lang="es-ES" sz="1200" b="1" dirty="0">
+                <a:endParaRPr lang="es-ES" sz="1400" b="1" dirty="0">
                   <a:solidFill>
                     <a:schemeClr val="accent1"/>
                   </a:solidFill>
@@ -7859,8 +7859,8 @@
             </p:nvSpPr>
             <p:spPr>
               <a:xfrm>
-                <a:off x="7416130" y="5379924"/>
-                <a:ext cx="903843" cy="276999"/>
+                <a:off x="7432023" y="5378087"/>
+                <a:ext cx="903843" cy="307777"/>
               </a:xfrm>
               <a:prstGeom prst="rect">
                 <a:avLst/>
@@ -7875,14 +7875,14 @@
               <a:p>
                 <a:pPr algn="ctr"/>
                 <a:r>
-                  <a:rPr lang="es-ES" sz="1200" b="1" dirty="0" smtClean="0">
+                  <a:rPr lang="es-ES" sz="1400" b="1" dirty="0" smtClean="0">
                     <a:solidFill>
                       <a:schemeClr val="accent1"/>
                     </a:solidFill>
                   </a:rPr>
                   <a:t>Google</a:t>
                 </a:r>
-                <a:endParaRPr lang="es-ES" sz="1200" b="1" dirty="0">
+                <a:endParaRPr lang="es-ES" sz="1400" b="1" dirty="0">
                   <a:solidFill>
                     <a:schemeClr val="accent1"/>
                   </a:solidFill>
@@ -8027,7 +8027,7 @@
             </p:blipFill>
             <p:spPr>
               <a:xfrm>
-                <a:off x="799070" y="5607707"/>
+                <a:off x="742169" y="5630462"/>
                 <a:ext cx="356722" cy="353070"/>
               </a:xfrm>
               <a:prstGeom prst="rect">
@@ -8056,7 +8056,7 @@
             </p:blipFill>
             <p:spPr>
               <a:xfrm>
-                <a:off x="1160554" y="5759959"/>
+                <a:off x="1121165" y="5752950"/>
                 <a:ext cx="457474" cy="214248"/>
               </a:xfrm>
               <a:prstGeom prst="rect">

--- a/memoria/images/Presentación1.pptx
+++ b/memoria/images/Presentación1.pptx
@@ -17,6 +17,9 @@
     <p:sldId id="265" r:id="rId11"/>
     <p:sldId id="266" r:id="rId12"/>
     <p:sldId id="267" r:id="rId13"/>
+    <p:sldId id="268" r:id="rId14"/>
+    <p:sldId id="269" r:id="rId15"/>
+    <p:sldId id="270" r:id="rId16"/>
   </p:sldIdLst>
   <p:sldSz cx="12192000" cy="6858000"/>
   <p:notesSz cx="6858000" cy="9144000"/>
@@ -266,7 +269,7 @@
           <a:p>
             <a:fld id="{9C28449B-7E7F-4B22-B31C-7455ACE0523B}" type="datetimeFigureOut">
               <a:rPr lang="es-ES" smtClean="0"/>
-              <a:t>25/10/2017</a:t>
+              <a:t>16/12/2017</a:t>
             </a:fld>
             <a:endParaRPr lang="es-ES"/>
           </a:p>
@@ -436,7 +439,7 @@
           <a:p>
             <a:fld id="{9C28449B-7E7F-4B22-B31C-7455ACE0523B}" type="datetimeFigureOut">
               <a:rPr lang="es-ES" smtClean="0"/>
-              <a:t>25/10/2017</a:t>
+              <a:t>16/12/2017</a:t>
             </a:fld>
             <a:endParaRPr lang="es-ES"/>
           </a:p>
@@ -616,7 +619,7 @@
           <a:p>
             <a:fld id="{9C28449B-7E7F-4B22-B31C-7455ACE0523B}" type="datetimeFigureOut">
               <a:rPr lang="es-ES" smtClean="0"/>
-              <a:t>25/10/2017</a:t>
+              <a:t>16/12/2017</a:t>
             </a:fld>
             <a:endParaRPr lang="es-ES"/>
           </a:p>
@@ -786,7 +789,7 @@
           <a:p>
             <a:fld id="{9C28449B-7E7F-4B22-B31C-7455ACE0523B}" type="datetimeFigureOut">
               <a:rPr lang="es-ES" smtClean="0"/>
-              <a:t>25/10/2017</a:t>
+              <a:t>16/12/2017</a:t>
             </a:fld>
             <a:endParaRPr lang="es-ES"/>
           </a:p>
@@ -1032,7 +1035,7 @@
           <a:p>
             <a:fld id="{9C28449B-7E7F-4B22-B31C-7455ACE0523B}" type="datetimeFigureOut">
               <a:rPr lang="es-ES" smtClean="0"/>
-              <a:t>25/10/2017</a:t>
+              <a:t>16/12/2017</a:t>
             </a:fld>
             <a:endParaRPr lang="es-ES"/>
           </a:p>
@@ -1264,7 +1267,7 @@
           <a:p>
             <a:fld id="{9C28449B-7E7F-4B22-B31C-7455ACE0523B}" type="datetimeFigureOut">
               <a:rPr lang="es-ES" smtClean="0"/>
-              <a:t>25/10/2017</a:t>
+              <a:t>16/12/2017</a:t>
             </a:fld>
             <a:endParaRPr lang="es-ES"/>
           </a:p>
@@ -1631,7 +1634,7 @@
           <a:p>
             <a:fld id="{9C28449B-7E7F-4B22-B31C-7455ACE0523B}" type="datetimeFigureOut">
               <a:rPr lang="es-ES" smtClean="0"/>
-              <a:t>25/10/2017</a:t>
+              <a:t>16/12/2017</a:t>
             </a:fld>
             <a:endParaRPr lang="es-ES"/>
           </a:p>
@@ -1749,7 +1752,7 @@
           <a:p>
             <a:fld id="{9C28449B-7E7F-4B22-B31C-7455ACE0523B}" type="datetimeFigureOut">
               <a:rPr lang="es-ES" smtClean="0"/>
-              <a:t>25/10/2017</a:t>
+              <a:t>16/12/2017</a:t>
             </a:fld>
             <a:endParaRPr lang="es-ES"/>
           </a:p>
@@ -1844,7 +1847,7 @@
           <a:p>
             <a:fld id="{9C28449B-7E7F-4B22-B31C-7455ACE0523B}" type="datetimeFigureOut">
               <a:rPr lang="es-ES" smtClean="0"/>
-              <a:t>25/10/2017</a:t>
+              <a:t>16/12/2017</a:t>
             </a:fld>
             <a:endParaRPr lang="es-ES"/>
           </a:p>
@@ -2121,7 +2124,7 @@
           <a:p>
             <a:fld id="{9C28449B-7E7F-4B22-B31C-7455ACE0523B}" type="datetimeFigureOut">
               <a:rPr lang="es-ES" smtClean="0"/>
-              <a:t>25/10/2017</a:t>
+              <a:t>16/12/2017</a:t>
             </a:fld>
             <a:endParaRPr lang="es-ES"/>
           </a:p>
@@ -2374,7 +2377,7 @@
           <a:p>
             <a:fld id="{9C28449B-7E7F-4B22-B31C-7455ACE0523B}" type="datetimeFigureOut">
               <a:rPr lang="es-ES" smtClean="0"/>
-              <a:t>25/10/2017</a:t>
+              <a:t>16/12/2017</a:t>
             </a:fld>
             <a:endParaRPr lang="es-ES"/>
           </a:p>
@@ -2587,7 +2590,7 @@
           <a:p>
             <a:fld id="{9C28449B-7E7F-4B22-B31C-7455ACE0523B}" type="datetimeFigureOut">
               <a:rPr lang="es-ES" smtClean="0"/>
-              <a:t>25/10/2017</a:t>
+              <a:t>16/12/2017</a:t>
             </a:fld>
             <a:endParaRPr lang="es-ES"/>
           </a:p>
@@ -3905,6 +3908,7054 @@
     <p:extLst>
       <p:ext uri="{BB962C8B-B14F-4D97-AF65-F5344CB8AC3E}">
         <p14:creationId xmlns:p14="http://schemas.microsoft.com/office/powerpoint/2010/main" val="2149188482"/>
+      </p:ext>
+    </p:extLst>
+  </p:cSld>
+  <p:clrMapOvr>
+    <a:masterClrMapping/>
+  </p:clrMapOvr>
+</p:sld>
+</file>
+
+<file path=ppt/slides/slide13.xml><?xml version="1.0" encoding="utf-8"?>
+<p:sld xmlns:a="http://schemas.openxmlformats.org/drawingml/2006/main" xmlns:r="http://schemas.openxmlformats.org/officeDocument/2006/relationships" xmlns:p="http://schemas.openxmlformats.org/presentationml/2006/main">
+  <p:cSld>
+    <p:spTree>
+      <p:nvGrpSpPr>
+        <p:cNvPr id="1" name=""/>
+        <p:cNvGrpSpPr/>
+        <p:nvPr/>
+      </p:nvGrpSpPr>
+      <p:grpSpPr>
+        <a:xfrm>
+          <a:off x="0" y="0"/>
+          <a:ext cx="0" cy="0"/>
+          <a:chOff x="0" y="0"/>
+          <a:chExt cx="0" cy="0"/>
+        </a:xfrm>
+      </p:grpSpPr>
+      <p:grpSp>
+        <p:nvGrpSpPr>
+          <p:cNvPr id="136" name="Grupo 135"/>
+          <p:cNvGrpSpPr/>
+          <p:nvPr/>
+        </p:nvGrpSpPr>
+        <p:grpSpPr>
+          <a:xfrm>
+            <a:off x="-665257" y="67611"/>
+            <a:ext cx="15304169" cy="7539789"/>
+            <a:chOff x="-665257" y="67611"/>
+            <a:chExt cx="15304169" cy="7539789"/>
+          </a:xfrm>
+        </p:grpSpPr>
+        <p:sp>
+          <p:nvSpPr>
+            <p:cNvPr id="135" name="Rectángulo 134"/>
+            <p:cNvSpPr/>
+            <p:nvPr/>
+          </p:nvSpPr>
+          <p:spPr>
+            <a:xfrm>
+              <a:off x="-665257" y="67611"/>
+              <a:ext cx="15304169" cy="7539789"/>
+            </a:xfrm>
+            <a:prstGeom prst="rect">
+              <a:avLst/>
+            </a:prstGeom>
+            <a:solidFill>
+              <a:schemeClr val="bg1"/>
+            </a:solidFill>
+            <a:ln>
+              <a:noFill/>
+            </a:ln>
+          </p:spPr>
+          <p:style>
+            <a:lnRef idx="2">
+              <a:schemeClr val="accent1">
+                <a:shade val="50000"/>
+              </a:schemeClr>
+            </a:lnRef>
+            <a:fillRef idx="1">
+              <a:schemeClr val="accent1"/>
+            </a:fillRef>
+            <a:effectRef idx="0">
+              <a:schemeClr val="accent1"/>
+            </a:effectRef>
+            <a:fontRef idx="minor">
+              <a:schemeClr val="lt1"/>
+            </a:fontRef>
+          </p:style>
+          <p:txBody>
+            <a:bodyPr rtlCol="0" anchor="ctr"/>
+            <a:lstStyle/>
+            <a:p>
+              <a:pPr algn="ctr"/>
+              <a:endParaRPr lang="es-ES"/>
+            </a:p>
+          </p:txBody>
+        </p:sp>
+        <p:grpSp>
+          <p:nvGrpSpPr>
+            <p:cNvPr id="133" name="Grupo 132"/>
+            <p:cNvGrpSpPr/>
+            <p:nvPr/>
+          </p:nvGrpSpPr>
+          <p:grpSpPr>
+            <a:xfrm>
+              <a:off x="-560641" y="230086"/>
+              <a:ext cx="15199553" cy="7198596"/>
+              <a:chOff x="-560641" y="230086"/>
+              <a:chExt cx="15199553" cy="7198596"/>
+            </a:xfrm>
+          </p:grpSpPr>
+          <p:grpSp>
+            <p:nvGrpSpPr>
+              <p:cNvPr id="125" name="Grupo 124"/>
+              <p:cNvGrpSpPr/>
+              <p:nvPr/>
+            </p:nvGrpSpPr>
+            <p:grpSpPr>
+              <a:xfrm>
+                <a:off x="-560641" y="230086"/>
+                <a:ext cx="15199553" cy="7198596"/>
+                <a:chOff x="-551933" y="195252"/>
+                <a:chExt cx="15199553" cy="7198596"/>
+              </a:xfrm>
+            </p:grpSpPr>
+            <p:sp>
+              <p:nvSpPr>
+                <p:cNvPr id="51" name="Nube 50"/>
+                <p:cNvSpPr/>
+                <p:nvPr/>
+              </p:nvSpPr>
+              <p:spPr>
+                <a:xfrm>
+                  <a:off x="10838893" y="3211690"/>
+                  <a:ext cx="1906939" cy="1468927"/>
+                </a:xfrm>
+                <a:prstGeom prst="cloud">
+                  <a:avLst/>
+                </a:prstGeom>
+                <a:solidFill>
+                  <a:schemeClr val="bg1"/>
+                </a:solidFill>
+                <a:ln w="28575">
+                  <a:solidFill>
+                    <a:schemeClr val="bg2">
+                      <a:lumMod val="75000"/>
+                    </a:schemeClr>
+                  </a:solidFill>
+                </a:ln>
+              </p:spPr>
+              <p:style>
+                <a:lnRef idx="2">
+                  <a:schemeClr val="accent1">
+                    <a:shade val="50000"/>
+                  </a:schemeClr>
+                </a:lnRef>
+                <a:fillRef idx="1">
+                  <a:schemeClr val="accent1"/>
+                </a:fillRef>
+                <a:effectRef idx="0">
+                  <a:schemeClr val="accent1"/>
+                </a:effectRef>
+                <a:fontRef idx="minor">
+                  <a:schemeClr val="lt1"/>
+                </a:fontRef>
+              </p:style>
+              <p:txBody>
+                <a:bodyPr rtlCol="0" anchor="ctr"/>
+                <a:lstStyle/>
+                <a:p>
+                  <a:pPr algn="ctr"/>
+                  <a:endParaRPr lang="es-ES"/>
+                </a:p>
+              </p:txBody>
+            </p:sp>
+            <p:sp>
+              <p:nvSpPr>
+                <p:cNvPr id="67" name="Nube 66"/>
+                <p:cNvSpPr/>
+                <p:nvPr/>
+              </p:nvSpPr>
+              <p:spPr>
+                <a:xfrm>
+                  <a:off x="7898585" y="5642756"/>
+                  <a:ext cx="2727553" cy="1751092"/>
+                </a:xfrm>
+                <a:prstGeom prst="cloud">
+                  <a:avLst/>
+                </a:prstGeom>
+                <a:solidFill>
+                  <a:schemeClr val="bg1"/>
+                </a:solidFill>
+                <a:ln w="28575">
+                  <a:solidFill>
+                    <a:schemeClr val="bg2">
+                      <a:lumMod val="75000"/>
+                    </a:schemeClr>
+                  </a:solidFill>
+                </a:ln>
+              </p:spPr>
+              <p:style>
+                <a:lnRef idx="2">
+                  <a:schemeClr val="accent1">
+                    <a:shade val="50000"/>
+                  </a:schemeClr>
+                </a:lnRef>
+                <a:fillRef idx="1">
+                  <a:schemeClr val="accent1"/>
+                </a:fillRef>
+                <a:effectRef idx="0">
+                  <a:schemeClr val="accent1"/>
+                </a:effectRef>
+                <a:fontRef idx="minor">
+                  <a:schemeClr val="lt1"/>
+                </a:fontRef>
+              </p:style>
+              <p:txBody>
+                <a:bodyPr rtlCol="0" anchor="ctr"/>
+                <a:lstStyle/>
+                <a:p>
+                  <a:pPr algn="ctr"/>
+                  <a:endParaRPr lang="es-ES"/>
+                </a:p>
+              </p:txBody>
+            </p:sp>
+            <p:sp>
+              <p:nvSpPr>
+                <p:cNvPr id="4" name="Rectángulo redondeado 3"/>
+                <p:cNvSpPr/>
+                <p:nvPr/>
+              </p:nvSpPr>
+              <p:spPr>
+                <a:xfrm>
+                  <a:off x="8287756" y="3811106"/>
+                  <a:ext cx="1275009" cy="824248"/>
+                </a:xfrm>
+                <a:prstGeom prst="roundRect">
+                  <a:avLst/>
+                </a:prstGeom>
+                <a:noFill/>
+                <a:ln w="38100">
+                  <a:solidFill>
+                    <a:srgbClr val="FFC000"/>
+                  </a:solidFill>
+                </a:ln>
+              </p:spPr>
+              <p:style>
+                <a:lnRef idx="2">
+                  <a:schemeClr val="accent1">
+                    <a:shade val="50000"/>
+                  </a:schemeClr>
+                </a:lnRef>
+                <a:fillRef idx="1">
+                  <a:schemeClr val="accent1"/>
+                </a:fillRef>
+                <a:effectRef idx="0">
+                  <a:schemeClr val="accent1"/>
+                </a:effectRef>
+                <a:fontRef idx="minor">
+                  <a:schemeClr val="lt1"/>
+                </a:fontRef>
+              </p:style>
+              <p:txBody>
+                <a:bodyPr lIns="0" tIns="0" rIns="0" bIns="0" rtlCol="0" anchor="ctr"/>
+                <a:lstStyle/>
+                <a:p>
+                  <a:pPr algn="ctr"/>
+                  <a:r>
+                    <a:rPr lang="es-ES" sz="1200" dirty="0" smtClean="0">
+                      <a:solidFill>
+                        <a:schemeClr val="tx1">
+                          <a:lumMod val="75000"/>
+                          <a:lumOff val="25000"/>
+                        </a:schemeClr>
+                      </a:solidFill>
+                      <a:latin typeface="Arial Rounded MT Bold" panose="020F0704030504030204" pitchFamily="34" charset="0"/>
+                    </a:rPr>
+                    <a:t>IMAGE</a:t>
+                  </a:r>
+                </a:p>
+                <a:p>
+                  <a:pPr algn="ctr"/>
+                  <a:r>
+                    <a:rPr lang="es-ES" sz="1200" dirty="0" smtClean="0">
+                      <a:solidFill>
+                        <a:schemeClr val="tx1">
+                          <a:lumMod val="75000"/>
+                          <a:lumOff val="25000"/>
+                        </a:schemeClr>
+                      </a:solidFill>
+                      <a:latin typeface="Arial Rounded MT Bold" panose="020F0704030504030204" pitchFamily="34" charset="0"/>
+                    </a:rPr>
+                    <a:t>RECOGNITION</a:t>
+                  </a:r>
+                  <a:endParaRPr lang="es-ES" sz="1200" dirty="0">
+                    <a:solidFill>
+                      <a:schemeClr val="tx1">
+                        <a:lumMod val="75000"/>
+                        <a:lumOff val="25000"/>
+                      </a:schemeClr>
+                    </a:solidFill>
+                    <a:latin typeface="Arial Rounded MT Bold" panose="020F0704030504030204" pitchFamily="34" charset="0"/>
+                  </a:endParaRPr>
+                </a:p>
+              </p:txBody>
+            </p:sp>
+            <p:sp>
+              <p:nvSpPr>
+                <p:cNvPr id="5" name="Decisión 4"/>
+                <p:cNvSpPr/>
+                <p:nvPr/>
+              </p:nvSpPr>
+              <p:spPr>
+                <a:xfrm>
+                  <a:off x="1025730" y="2043180"/>
+                  <a:ext cx="2205200" cy="1581874"/>
+                </a:xfrm>
+                <a:prstGeom prst="flowChartDecision">
+                  <a:avLst/>
+                </a:prstGeom>
+                <a:noFill/>
+                <a:ln w="38100">
+                  <a:solidFill>
+                    <a:srgbClr val="46DACC"/>
+                  </a:solidFill>
+                </a:ln>
+              </p:spPr>
+              <p:style>
+                <a:lnRef idx="2">
+                  <a:schemeClr val="accent1">
+                    <a:shade val="50000"/>
+                  </a:schemeClr>
+                </a:lnRef>
+                <a:fillRef idx="1">
+                  <a:schemeClr val="accent1"/>
+                </a:fillRef>
+                <a:effectRef idx="0">
+                  <a:schemeClr val="accent1"/>
+                </a:effectRef>
+                <a:fontRef idx="minor">
+                  <a:schemeClr val="lt1"/>
+                </a:fontRef>
+              </p:style>
+              <p:txBody>
+                <a:bodyPr lIns="0" tIns="0" rIns="0" bIns="0" rtlCol="0" anchor="ctr"/>
+                <a:lstStyle/>
+                <a:p>
+                  <a:pPr algn="ctr"/>
+                  <a:r>
+                    <a:rPr lang="es-ES" sz="1200" dirty="0" smtClean="0">
+                      <a:solidFill>
+                        <a:schemeClr val="tx1">
+                          <a:lumMod val="65000"/>
+                          <a:lumOff val="35000"/>
+                        </a:schemeClr>
+                      </a:solidFill>
+                      <a:latin typeface="Arial Rounded MT Bold" panose="020F0704030504030204" pitchFamily="34" charset="0"/>
+                    </a:rPr>
+                    <a:t>CHECK</a:t>
+                  </a:r>
+                </a:p>
+                <a:p>
+                  <a:pPr algn="ctr"/>
+                  <a:r>
+                    <a:rPr lang="es-ES" sz="1200" dirty="0" smtClean="0">
+                      <a:solidFill>
+                        <a:schemeClr val="tx1">
+                          <a:lumMod val="65000"/>
+                          <a:lumOff val="35000"/>
+                        </a:schemeClr>
+                      </a:solidFill>
+                      <a:latin typeface="Arial Rounded MT Bold" panose="020F0704030504030204" pitchFamily="34" charset="0"/>
+                    </a:rPr>
+                    <a:t>#GET_RECIPE</a:t>
+                  </a:r>
+                  <a:endParaRPr lang="es-ES" sz="1200" dirty="0">
+                    <a:solidFill>
+                      <a:schemeClr val="tx1">
+                        <a:lumMod val="65000"/>
+                        <a:lumOff val="35000"/>
+                      </a:schemeClr>
+                    </a:solidFill>
+                    <a:latin typeface="Arial Rounded MT Bold" panose="020F0704030504030204" pitchFamily="34" charset="0"/>
+                  </a:endParaRPr>
+                </a:p>
+              </p:txBody>
+            </p:sp>
+            <p:sp>
+              <p:nvSpPr>
+                <p:cNvPr id="6" name="Decisión 5"/>
+                <p:cNvSpPr/>
+                <p:nvPr/>
+              </p:nvSpPr>
+              <p:spPr>
+                <a:xfrm>
+                  <a:off x="5249409" y="773881"/>
+                  <a:ext cx="1339404" cy="1378041"/>
+                </a:xfrm>
+                <a:prstGeom prst="flowChartDecision">
+                  <a:avLst/>
+                </a:prstGeom>
+                <a:noFill/>
+                <a:ln w="38100">
+                  <a:solidFill>
+                    <a:srgbClr val="46DACC"/>
+                  </a:solidFill>
+                </a:ln>
+              </p:spPr>
+              <p:style>
+                <a:lnRef idx="2">
+                  <a:schemeClr val="accent1">
+                    <a:shade val="50000"/>
+                  </a:schemeClr>
+                </a:lnRef>
+                <a:fillRef idx="1">
+                  <a:schemeClr val="accent1"/>
+                </a:fillRef>
+                <a:effectRef idx="0">
+                  <a:schemeClr val="accent1"/>
+                </a:effectRef>
+                <a:fontRef idx="minor">
+                  <a:schemeClr val="lt1"/>
+                </a:fontRef>
+              </p:style>
+              <p:txBody>
+                <a:bodyPr lIns="0" tIns="0" rIns="0" bIns="0" rtlCol="0" anchor="ctr"/>
+                <a:lstStyle/>
+                <a:p>
+                  <a:pPr algn="ctr"/>
+                  <a:r>
+                    <a:rPr lang="es-ES" sz="1200" dirty="0" smtClean="0">
+                      <a:solidFill>
+                        <a:schemeClr val="tx1">
+                          <a:lumMod val="75000"/>
+                          <a:lumOff val="25000"/>
+                        </a:schemeClr>
+                      </a:solidFill>
+                      <a:latin typeface="Arial Rounded MT Bold" panose="020F0704030504030204" pitchFamily="34" charset="0"/>
+                    </a:rPr>
+                    <a:t>CHECK</a:t>
+                  </a:r>
+                </a:p>
+                <a:p>
+                  <a:pPr algn="ctr"/>
+                  <a:r>
+                    <a:rPr lang="es-ES" sz="1200" dirty="0" smtClean="0">
+                      <a:solidFill>
+                        <a:schemeClr val="tx1">
+                          <a:lumMod val="75000"/>
+                          <a:lumOff val="25000"/>
+                        </a:schemeClr>
+                      </a:solidFill>
+                      <a:latin typeface="Arial Rounded MT Bold" panose="020F0704030504030204" pitchFamily="34" charset="0"/>
+                    </a:rPr>
+                    <a:t>@DISH</a:t>
+                  </a:r>
+                </a:p>
+              </p:txBody>
+            </p:sp>
+            <p:sp>
+              <p:nvSpPr>
+                <p:cNvPr id="7" name="Rectángulo redondeado 6"/>
+                <p:cNvSpPr/>
+                <p:nvPr/>
+              </p:nvSpPr>
+              <p:spPr>
+                <a:xfrm>
+                  <a:off x="10893916" y="1158861"/>
+                  <a:ext cx="1456523" cy="1034526"/>
+                </a:xfrm>
+                <a:prstGeom prst="roundRect">
+                  <a:avLst/>
+                </a:prstGeom>
+                <a:noFill/>
+                <a:ln w="38100">
+                  <a:solidFill>
+                    <a:srgbClr val="FFC000"/>
+                  </a:solidFill>
+                </a:ln>
+              </p:spPr>
+              <p:style>
+                <a:lnRef idx="2">
+                  <a:schemeClr val="accent1">
+                    <a:shade val="50000"/>
+                  </a:schemeClr>
+                </a:lnRef>
+                <a:fillRef idx="1">
+                  <a:schemeClr val="accent1"/>
+                </a:fillRef>
+                <a:effectRef idx="0">
+                  <a:schemeClr val="accent1"/>
+                </a:effectRef>
+                <a:fontRef idx="minor">
+                  <a:schemeClr val="lt1"/>
+                </a:fontRef>
+              </p:style>
+              <p:txBody>
+                <a:bodyPr lIns="0" tIns="0" rIns="0" bIns="0" rtlCol="0" anchor="ctr"/>
+                <a:lstStyle/>
+                <a:p>
+                  <a:pPr algn="ctr"/>
+                  <a:r>
+                    <a:rPr lang="es-ES" sz="1200" dirty="0" smtClean="0">
+                      <a:solidFill>
+                        <a:schemeClr val="tx1">
+                          <a:lumMod val="75000"/>
+                          <a:lumOff val="25000"/>
+                        </a:schemeClr>
+                      </a:solidFill>
+                      <a:latin typeface="Arial Rounded MT Bold" panose="020F0704030504030204" pitchFamily="34" charset="0"/>
+                    </a:rPr>
+                    <a:t>SEARCH</a:t>
+                  </a:r>
+                </a:p>
+                <a:p>
+                  <a:pPr algn="ctr"/>
+                  <a:r>
+                    <a:rPr lang="es-ES" sz="1200" dirty="0" smtClean="0">
+                      <a:solidFill>
+                        <a:schemeClr val="tx1">
+                          <a:lumMod val="75000"/>
+                          <a:lumOff val="25000"/>
+                        </a:schemeClr>
+                      </a:solidFill>
+                      <a:latin typeface="Arial Rounded MT Bold" panose="020F0704030504030204" pitchFamily="34" charset="0"/>
+                    </a:rPr>
+                    <a:t>RECIPE</a:t>
+                  </a:r>
+                  <a:endParaRPr lang="es-ES" sz="1200" dirty="0">
+                    <a:solidFill>
+                      <a:schemeClr val="tx1">
+                        <a:lumMod val="75000"/>
+                        <a:lumOff val="25000"/>
+                      </a:schemeClr>
+                    </a:solidFill>
+                    <a:latin typeface="Arial Rounded MT Bold" panose="020F0704030504030204" pitchFamily="34" charset="0"/>
+                  </a:endParaRPr>
+                </a:p>
+              </p:txBody>
+            </p:sp>
+            <p:sp>
+              <p:nvSpPr>
+                <p:cNvPr id="8" name="Elipse 7"/>
+                <p:cNvSpPr/>
+                <p:nvPr/>
+              </p:nvSpPr>
+              <p:spPr>
+                <a:xfrm>
+                  <a:off x="13372611" y="1155810"/>
+                  <a:ext cx="1275009" cy="1016285"/>
+                </a:xfrm>
+                <a:prstGeom prst="ellipse">
+                  <a:avLst/>
+                </a:prstGeom>
+                <a:noFill/>
+                <a:ln w="38100">
+                  <a:solidFill>
+                    <a:srgbClr val="46DACC"/>
+                  </a:solidFill>
+                </a:ln>
+              </p:spPr>
+              <p:style>
+                <a:lnRef idx="2">
+                  <a:schemeClr val="accent1">
+                    <a:shade val="50000"/>
+                  </a:schemeClr>
+                </a:lnRef>
+                <a:fillRef idx="1">
+                  <a:schemeClr val="accent1"/>
+                </a:fillRef>
+                <a:effectRef idx="0">
+                  <a:schemeClr val="accent1"/>
+                </a:effectRef>
+                <a:fontRef idx="minor">
+                  <a:schemeClr val="lt1"/>
+                </a:fontRef>
+              </p:style>
+              <p:txBody>
+                <a:bodyPr lIns="0" tIns="0" rIns="0" bIns="0" rtlCol="0" anchor="ctr"/>
+                <a:lstStyle/>
+                <a:p>
+                  <a:pPr algn="ctr"/>
+                  <a:r>
+                    <a:rPr lang="es-ES" sz="1200" dirty="0" smtClean="0">
+                      <a:solidFill>
+                        <a:schemeClr val="tx1">
+                          <a:lumMod val="75000"/>
+                          <a:lumOff val="25000"/>
+                        </a:schemeClr>
+                      </a:solidFill>
+                      <a:latin typeface="Arial Rounded MT Bold" panose="020F0704030504030204" pitchFamily="34" charset="0"/>
+                    </a:rPr>
+                    <a:t>RESPONSE</a:t>
+                  </a:r>
+                  <a:endParaRPr lang="es-ES" sz="1200" dirty="0">
+                    <a:solidFill>
+                      <a:schemeClr val="tx1">
+                        <a:lumMod val="75000"/>
+                        <a:lumOff val="25000"/>
+                      </a:schemeClr>
+                    </a:solidFill>
+                    <a:latin typeface="Arial Rounded MT Bold" panose="020F0704030504030204" pitchFamily="34" charset="0"/>
+                  </a:endParaRPr>
+                </a:p>
+              </p:txBody>
+            </p:sp>
+            <p:sp>
+              <p:nvSpPr>
+                <p:cNvPr id="9" name="Decisión 8"/>
+                <p:cNvSpPr/>
+                <p:nvPr/>
+              </p:nvSpPr>
+              <p:spPr>
+                <a:xfrm>
+                  <a:off x="5249409" y="3536458"/>
+                  <a:ext cx="1339404" cy="1378041"/>
+                </a:xfrm>
+                <a:prstGeom prst="flowChartDecision">
+                  <a:avLst/>
+                </a:prstGeom>
+                <a:noFill/>
+                <a:ln w="38100">
+                  <a:solidFill>
+                    <a:srgbClr val="46DACC"/>
+                  </a:solidFill>
+                </a:ln>
+              </p:spPr>
+              <p:style>
+                <a:lnRef idx="2">
+                  <a:schemeClr val="accent1">
+                    <a:shade val="50000"/>
+                  </a:schemeClr>
+                </a:lnRef>
+                <a:fillRef idx="1">
+                  <a:schemeClr val="accent1"/>
+                </a:fillRef>
+                <a:effectRef idx="0">
+                  <a:schemeClr val="accent1"/>
+                </a:effectRef>
+                <a:fontRef idx="minor">
+                  <a:schemeClr val="lt1"/>
+                </a:fontRef>
+              </p:style>
+              <p:txBody>
+                <a:bodyPr lIns="0" tIns="0" rIns="0" bIns="0" rtlCol="0" anchor="ctr"/>
+                <a:lstStyle/>
+                <a:p>
+                  <a:pPr algn="ctr"/>
+                  <a:r>
+                    <a:rPr lang="es-ES" sz="1200" dirty="0" smtClean="0">
+                      <a:solidFill>
+                        <a:schemeClr val="tx1">
+                          <a:lumMod val="75000"/>
+                          <a:lumOff val="25000"/>
+                        </a:schemeClr>
+                      </a:solidFill>
+                      <a:latin typeface="Arial Rounded MT Bold" panose="020F0704030504030204" pitchFamily="34" charset="0"/>
+                    </a:rPr>
+                    <a:t>CHECK</a:t>
+                  </a:r>
+                </a:p>
+                <a:p>
+                  <a:pPr algn="ctr"/>
+                  <a:r>
+                    <a:rPr lang="es-ES" sz="1200" dirty="0" smtClean="0">
+                      <a:solidFill>
+                        <a:schemeClr val="tx1">
+                          <a:lumMod val="75000"/>
+                          <a:lumOff val="25000"/>
+                        </a:schemeClr>
+                      </a:solidFill>
+                      <a:latin typeface="Arial Rounded MT Bold" panose="020F0704030504030204" pitchFamily="34" charset="0"/>
+                    </a:rPr>
+                    <a:t>$IMAGE</a:t>
+                  </a:r>
+                </a:p>
+                <a:p>
+                  <a:pPr algn="ctr"/>
+                  <a:r>
+                    <a:rPr lang="es-ES" sz="1200" dirty="0" smtClean="0">
+                      <a:solidFill>
+                        <a:schemeClr val="tx1">
+                          <a:lumMod val="75000"/>
+                          <a:lumOff val="25000"/>
+                        </a:schemeClr>
+                      </a:solidFill>
+                      <a:latin typeface="Arial Rounded MT Bold" panose="020F0704030504030204" pitchFamily="34" charset="0"/>
+                    </a:rPr>
+                    <a:t>FILE</a:t>
+                  </a:r>
+                  <a:endParaRPr lang="es-ES" sz="1200" dirty="0">
+                    <a:solidFill>
+                      <a:schemeClr val="tx1">
+                        <a:lumMod val="75000"/>
+                        <a:lumOff val="25000"/>
+                      </a:schemeClr>
+                    </a:solidFill>
+                    <a:latin typeface="Arial Rounded MT Bold" panose="020F0704030504030204" pitchFamily="34" charset="0"/>
+                  </a:endParaRPr>
+                </a:p>
+              </p:txBody>
+            </p:sp>
+            <p:sp>
+              <p:nvSpPr>
+                <p:cNvPr id="10" name="Rectángulo redondeado 9"/>
+                <p:cNvSpPr/>
+                <p:nvPr/>
+              </p:nvSpPr>
+              <p:spPr>
+                <a:xfrm>
+                  <a:off x="5214031" y="5862875"/>
+                  <a:ext cx="1386626" cy="929508"/>
+                </a:xfrm>
+                <a:prstGeom prst="roundRect">
+                  <a:avLst/>
+                </a:prstGeom>
+                <a:noFill/>
+                <a:ln w="38100">
+                  <a:solidFill>
+                    <a:srgbClr val="46DACC"/>
+                  </a:solidFill>
+                </a:ln>
+              </p:spPr>
+              <p:style>
+                <a:lnRef idx="2">
+                  <a:schemeClr val="accent1">
+                    <a:shade val="50000"/>
+                  </a:schemeClr>
+                </a:lnRef>
+                <a:fillRef idx="1">
+                  <a:schemeClr val="accent1"/>
+                </a:fillRef>
+                <a:effectRef idx="0">
+                  <a:schemeClr val="accent1"/>
+                </a:effectRef>
+                <a:fontRef idx="minor">
+                  <a:schemeClr val="lt1"/>
+                </a:fontRef>
+              </p:style>
+              <p:txBody>
+                <a:bodyPr lIns="0" tIns="0" rIns="0" bIns="0" rtlCol="0" anchor="ctr"/>
+                <a:lstStyle/>
+                <a:p>
+                  <a:pPr algn="ctr"/>
+                  <a:r>
+                    <a:rPr lang="es-ES" sz="1200" dirty="0" smtClean="0">
+                      <a:solidFill>
+                        <a:schemeClr val="tx1">
+                          <a:lumMod val="75000"/>
+                          <a:lumOff val="25000"/>
+                        </a:schemeClr>
+                      </a:solidFill>
+                      <a:latin typeface="Arial Rounded MT Bold" panose="020F0704030504030204" pitchFamily="34" charset="0"/>
+                    </a:rPr>
+                    <a:t>ASK FOR </a:t>
+                  </a:r>
+                </a:p>
+                <a:p>
+                  <a:pPr algn="ctr"/>
+                  <a:r>
+                    <a:rPr lang="es-ES" sz="1200" dirty="0" smtClean="0">
+                      <a:solidFill>
+                        <a:schemeClr val="tx1">
+                          <a:lumMod val="75000"/>
+                          <a:lumOff val="25000"/>
+                        </a:schemeClr>
+                      </a:solidFill>
+                      <a:latin typeface="Arial Rounded MT Bold" panose="020F0704030504030204" pitchFamily="34" charset="0"/>
+                    </a:rPr>
+                    <a:t>@DISH </a:t>
+                  </a:r>
+                </a:p>
+                <a:p>
+                  <a:pPr algn="ctr"/>
+                  <a:r>
+                    <a:rPr lang="es-ES" sz="1200" dirty="0" smtClean="0">
+                      <a:solidFill>
+                        <a:schemeClr val="tx1">
+                          <a:lumMod val="75000"/>
+                          <a:lumOff val="25000"/>
+                        </a:schemeClr>
+                      </a:solidFill>
+                      <a:latin typeface="Arial Rounded MT Bold" panose="020F0704030504030204" pitchFamily="34" charset="0"/>
+                    </a:rPr>
+                    <a:t>OR</a:t>
+                  </a:r>
+                </a:p>
+                <a:p>
+                  <a:pPr algn="ctr"/>
+                  <a:r>
+                    <a:rPr lang="es-ES" sz="1200" dirty="0" smtClean="0">
+                      <a:solidFill>
+                        <a:schemeClr val="tx1">
+                          <a:lumMod val="75000"/>
+                          <a:lumOff val="25000"/>
+                        </a:schemeClr>
+                      </a:solidFill>
+                      <a:latin typeface="Arial Rounded MT Bold" panose="020F0704030504030204" pitchFamily="34" charset="0"/>
+                    </a:rPr>
+                    <a:t> IMAGE FILE</a:t>
+                  </a:r>
+                  <a:endParaRPr lang="es-ES" sz="1200" dirty="0">
+                    <a:solidFill>
+                      <a:schemeClr val="tx1">
+                        <a:lumMod val="75000"/>
+                        <a:lumOff val="25000"/>
+                      </a:schemeClr>
+                    </a:solidFill>
+                    <a:latin typeface="Arial Rounded MT Bold" panose="020F0704030504030204" pitchFamily="34" charset="0"/>
+                  </a:endParaRPr>
+                </a:p>
+              </p:txBody>
+            </p:sp>
+            <p:sp>
+              <p:nvSpPr>
+                <p:cNvPr id="11" name="Elipse 10"/>
+                <p:cNvSpPr/>
+                <p:nvPr/>
+              </p:nvSpPr>
+              <p:spPr>
+                <a:xfrm>
+                  <a:off x="-551933" y="2464630"/>
+                  <a:ext cx="940158" cy="758739"/>
+                </a:xfrm>
+                <a:prstGeom prst="ellipse">
+                  <a:avLst/>
+                </a:prstGeom>
+                <a:noFill/>
+                <a:ln w="38100">
+                  <a:solidFill>
+                    <a:srgbClr val="46DACC"/>
+                  </a:solidFill>
+                </a:ln>
+              </p:spPr>
+              <p:style>
+                <a:lnRef idx="2">
+                  <a:schemeClr val="accent1">
+                    <a:shade val="50000"/>
+                  </a:schemeClr>
+                </a:lnRef>
+                <a:fillRef idx="1">
+                  <a:schemeClr val="accent1"/>
+                </a:fillRef>
+                <a:effectRef idx="0">
+                  <a:schemeClr val="accent1"/>
+                </a:effectRef>
+                <a:fontRef idx="minor">
+                  <a:schemeClr val="lt1"/>
+                </a:fontRef>
+              </p:style>
+              <p:txBody>
+                <a:bodyPr lIns="0" tIns="0" rIns="0" bIns="0" rtlCol="0" anchor="ctr"/>
+                <a:lstStyle/>
+                <a:p>
+                  <a:pPr algn="ctr"/>
+                  <a:r>
+                    <a:rPr lang="es-ES" sz="1200" dirty="0" smtClean="0">
+                      <a:solidFill>
+                        <a:schemeClr val="tx1">
+                          <a:lumMod val="75000"/>
+                          <a:lumOff val="25000"/>
+                        </a:schemeClr>
+                      </a:solidFill>
+                      <a:latin typeface="Arial Rounded MT Bold" panose="020F0704030504030204" pitchFamily="34" charset="0"/>
+                    </a:rPr>
+                    <a:t>START</a:t>
+                  </a:r>
+                  <a:endParaRPr lang="es-ES" sz="1200" dirty="0">
+                    <a:solidFill>
+                      <a:schemeClr val="tx1">
+                        <a:lumMod val="75000"/>
+                        <a:lumOff val="25000"/>
+                      </a:schemeClr>
+                    </a:solidFill>
+                    <a:latin typeface="Arial Rounded MT Bold" panose="020F0704030504030204" pitchFamily="34" charset="0"/>
+                  </a:endParaRPr>
+                </a:p>
+              </p:txBody>
+            </p:sp>
+            <p:cxnSp>
+              <p:nvCxnSpPr>
+                <p:cNvPr id="13" name="Conector recto de flecha 12"/>
+                <p:cNvCxnSpPr>
+                  <a:stCxn id="11" idx="6"/>
+                  <a:endCxn id="5" idx="1"/>
+                </p:cNvCxnSpPr>
+                <p:nvPr/>
+              </p:nvCxnSpPr>
+              <p:spPr>
+                <a:xfrm flipV="1">
+                  <a:off x="388225" y="2834117"/>
+                  <a:ext cx="637505" cy="9883"/>
+                </a:xfrm>
+                <a:prstGeom prst="straightConnector1">
+                  <a:avLst/>
+                </a:prstGeom>
+                <a:ln w="28575">
+                  <a:solidFill>
+                    <a:srgbClr val="7240F0"/>
+                  </a:solidFill>
+                  <a:tailEnd type="triangle" w="lg" len="lg"/>
+                </a:ln>
+              </p:spPr>
+              <p:style>
+                <a:lnRef idx="1">
+                  <a:schemeClr val="accent1"/>
+                </a:lnRef>
+                <a:fillRef idx="0">
+                  <a:schemeClr val="accent1"/>
+                </a:fillRef>
+                <a:effectRef idx="0">
+                  <a:schemeClr val="accent1"/>
+                </a:effectRef>
+                <a:fontRef idx="minor">
+                  <a:schemeClr val="tx1"/>
+                </a:fontRef>
+              </p:style>
+            </p:cxnSp>
+            <p:cxnSp>
+              <p:nvCxnSpPr>
+                <p:cNvPr id="15" name="Conector recto de flecha 14"/>
+                <p:cNvCxnSpPr>
+                  <a:stCxn id="5" idx="3"/>
+                </p:cNvCxnSpPr>
+                <p:nvPr/>
+              </p:nvCxnSpPr>
+              <p:spPr>
+                <a:xfrm>
+                  <a:off x="3230930" y="2834117"/>
+                  <a:ext cx="1270227" cy="9883"/>
+                </a:xfrm>
+                <a:prstGeom prst="straightConnector1">
+                  <a:avLst/>
+                </a:prstGeom>
+                <a:ln w="28575">
+                  <a:solidFill>
+                    <a:srgbClr val="7240F0"/>
+                  </a:solidFill>
+                  <a:tailEnd type="triangle" w="lg" len="lg"/>
+                </a:ln>
+              </p:spPr>
+              <p:style>
+                <a:lnRef idx="1">
+                  <a:schemeClr val="accent1"/>
+                </a:lnRef>
+                <a:fillRef idx="0">
+                  <a:schemeClr val="accent1"/>
+                </a:fillRef>
+                <a:effectRef idx="0">
+                  <a:schemeClr val="accent1"/>
+                </a:effectRef>
+                <a:fontRef idx="minor">
+                  <a:schemeClr val="tx1"/>
+                </a:fontRef>
+              </p:style>
+            </p:cxnSp>
+            <p:cxnSp>
+              <p:nvCxnSpPr>
+                <p:cNvPr id="16" name="Conector recto de flecha 15"/>
+                <p:cNvCxnSpPr/>
+                <p:nvPr/>
+              </p:nvCxnSpPr>
+              <p:spPr>
+                <a:xfrm flipV="1">
+                  <a:off x="4500754" y="1453333"/>
+                  <a:ext cx="806" cy="1404000"/>
+                </a:xfrm>
+                <a:prstGeom prst="straightConnector1">
+                  <a:avLst/>
+                </a:prstGeom>
+                <a:ln w="28575">
+                  <a:solidFill>
+                    <a:srgbClr val="7240F0"/>
+                  </a:solidFill>
+                  <a:tailEnd type="none" w="lg" len="lg"/>
+                </a:ln>
+              </p:spPr>
+              <p:style>
+                <a:lnRef idx="1">
+                  <a:schemeClr val="accent1"/>
+                </a:lnRef>
+                <a:fillRef idx="0">
+                  <a:schemeClr val="accent1"/>
+                </a:fillRef>
+                <a:effectRef idx="0">
+                  <a:schemeClr val="accent1"/>
+                </a:effectRef>
+                <a:fontRef idx="minor">
+                  <a:schemeClr val="tx1"/>
+                </a:fontRef>
+              </p:style>
+            </p:cxnSp>
+            <p:cxnSp>
+              <p:nvCxnSpPr>
+                <p:cNvPr id="19" name="Conector recto de flecha 18"/>
+                <p:cNvCxnSpPr/>
+                <p:nvPr/>
+              </p:nvCxnSpPr>
+              <p:spPr>
+                <a:xfrm>
+                  <a:off x="4501157" y="1462902"/>
+                  <a:ext cx="720000" cy="0"/>
+                </a:xfrm>
+                <a:prstGeom prst="straightConnector1">
+                  <a:avLst/>
+                </a:prstGeom>
+                <a:ln w="28575">
+                  <a:solidFill>
+                    <a:srgbClr val="7240F0"/>
+                  </a:solidFill>
+                  <a:tailEnd type="triangle" w="lg" len="lg"/>
+                </a:ln>
+              </p:spPr>
+              <p:style>
+                <a:lnRef idx="1">
+                  <a:schemeClr val="accent1"/>
+                </a:lnRef>
+                <a:fillRef idx="0">
+                  <a:schemeClr val="accent1"/>
+                </a:fillRef>
+                <a:effectRef idx="0">
+                  <a:schemeClr val="accent1"/>
+                </a:effectRef>
+                <a:fontRef idx="minor">
+                  <a:schemeClr val="tx1"/>
+                </a:fontRef>
+              </p:style>
+            </p:cxnSp>
+            <p:pic>
+              <p:nvPicPr>
+                <p:cNvPr id="20" name="Imagen 19"/>
+                <p:cNvPicPr>
+                  <a:picLocks noChangeAspect="1"/>
+                </p:cNvPicPr>
+                <p:nvPr/>
+              </p:nvPicPr>
+              <p:blipFill rotWithShape="1">
+                <a:blip r:embed="rId2">
+                  <a:extLst>
+                    <a:ext uri="{28A0092B-C50C-407E-A947-70E740481C1C}">
+                      <a14:useLocalDpi xmlns:a14="http://schemas.microsoft.com/office/drawing/2010/main" val="0"/>
+                    </a:ext>
+                  </a:extLst>
+                </a:blip>
+                <a:srcRect t="20610" b="22166"/>
+                <a:stretch/>
+              </p:blipFill>
+              <p:spPr>
+                <a:xfrm>
+                  <a:off x="11043035" y="3864016"/>
+                  <a:ext cx="1369656" cy="391886"/>
+                </a:xfrm>
+                <a:prstGeom prst="rect">
+                  <a:avLst/>
+                </a:prstGeom>
+              </p:spPr>
+            </p:pic>
+            <p:sp>
+              <p:nvSpPr>
+                <p:cNvPr id="24" name="Flecha izquierda y derecha 23"/>
+                <p:cNvSpPr/>
+                <p:nvPr/>
+              </p:nvSpPr>
+              <p:spPr>
+                <a:xfrm rot="16200000">
+                  <a:off x="8548775" y="5072978"/>
+                  <a:ext cx="971477" cy="207126"/>
+                </a:xfrm>
+                <a:prstGeom prst="leftRightArrow">
+                  <a:avLst/>
+                </a:prstGeom>
+                <a:solidFill>
+                  <a:schemeClr val="accent3">
+                    <a:lumMod val="60000"/>
+                    <a:lumOff val="40000"/>
+                  </a:schemeClr>
+                </a:solidFill>
+                <a:ln>
+                  <a:noFill/>
+                </a:ln>
+              </p:spPr>
+              <p:style>
+                <a:lnRef idx="2">
+                  <a:schemeClr val="accent1">
+                    <a:shade val="50000"/>
+                  </a:schemeClr>
+                </a:lnRef>
+                <a:fillRef idx="1">
+                  <a:schemeClr val="accent1"/>
+                </a:fillRef>
+                <a:effectRef idx="0">
+                  <a:schemeClr val="accent1"/>
+                </a:effectRef>
+                <a:fontRef idx="minor">
+                  <a:schemeClr val="lt1"/>
+                </a:fontRef>
+              </p:style>
+              <p:txBody>
+                <a:bodyPr rtlCol="0" anchor="ctr"/>
+                <a:lstStyle/>
+                <a:p>
+                  <a:pPr algn="ctr"/>
+                  <a:endParaRPr lang="es-ES"/>
+                </a:p>
+              </p:txBody>
+            </p:sp>
+            <p:cxnSp>
+              <p:nvCxnSpPr>
+                <p:cNvPr id="28" name="Conector recto de flecha 27"/>
+                <p:cNvCxnSpPr/>
+                <p:nvPr/>
+              </p:nvCxnSpPr>
+              <p:spPr>
+                <a:xfrm>
+                  <a:off x="4510359" y="4225828"/>
+                  <a:ext cx="720000" cy="0"/>
+                </a:xfrm>
+                <a:prstGeom prst="straightConnector1">
+                  <a:avLst/>
+                </a:prstGeom>
+                <a:ln w="28575">
+                  <a:solidFill>
+                    <a:srgbClr val="7240F0"/>
+                  </a:solidFill>
+                  <a:tailEnd type="triangle" w="lg" len="lg"/>
+                </a:ln>
+              </p:spPr>
+              <p:style>
+                <a:lnRef idx="1">
+                  <a:schemeClr val="accent1"/>
+                </a:lnRef>
+                <a:fillRef idx="0">
+                  <a:schemeClr val="accent1"/>
+                </a:fillRef>
+                <a:effectRef idx="0">
+                  <a:schemeClr val="accent1"/>
+                </a:effectRef>
+                <a:fontRef idx="minor">
+                  <a:schemeClr val="tx1"/>
+                </a:fontRef>
+              </p:style>
+            </p:cxnSp>
+            <p:cxnSp>
+              <p:nvCxnSpPr>
+                <p:cNvPr id="29" name="Conector recto de flecha 28"/>
+                <p:cNvCxnSpPr/>
+                <p:nvPr/>
+              </p:nvCxnSpPr>
+              <p:spPr>
+                <a:xfrm flipV="1">
+                  <a:off x="4500754" y="2834458"/>
+                  <a:ext cx="806" cy="1404000"/>
+                </a:xfrm>
+                <a:prstGeom prst="straightConnector1">
+                  <a:avLst/>
+                </a:prstGeom>
+                <a:ln w="28575">
+                  <a:solidFill>
+                    <a:srgbClr val="7240F0"/>
+                  </a:solidFill>
+                  <a:tailEnd type="none" w="lg" len="lg"/>
+                </a:ln>
+              </p:spPr>
+              <p:style>
+                <a:lnRef idx="1">
+                  <a:schemeClr val="accent1"/>
+                </a:lnRef>
+                <a:fillRef idx="0">
+                  <a:schemeClr val="accent1"/>
+                </a:fillRef>
+                <a:effectRef idx="0">
+                  <a:schemeClr val="accent1"/>
+                </a:effectRef>
+                <a:fontRef idx="minor">
+                  <a:schemeClr val="tx1"/>
+                </a:fontRef>
+              </p:style>
+            </p:cxnSp>
+            <p:pic>
+              <p:nvPicPr>
+                <p:cNvPr id="31" name="Imagen 30"/>
+                <p:cNvPicPr>
+                  <a:picLocks noChangeAspect="1"/>
+                </p:cNvPicPr>
+                <p:nvPr/>
+              </p:nvPicPr>
+              <p:blipFill>
+                <a:blip r:embed="rId3" cstate="print">
+                  <a:duotone>
+                    <a:schemeClr val="accent3">
+                      <a:shade val="45000"/>
+                      <a:satMod val="135000"/>
+                    </a:schemeClr>
+                    <a:prstClr val="white"/>
+                  </a:duotone>
+                  <a:extLst>
+                    <a:ext uri="{28A0092B-C50C-407E-A947-70E740481C1C}">
+                      <a14:useLocalDpi xmlns:a14="http://schemas.microsoft.com/office/drawing/2010/main" val="0"/>
+                    </a:ext>
+                  </a:extLst>
+                </a:blip>
+                <a:stretch>
+                  <a:fillRect/>
+                </a:stretch>
+              </p:blipFill>
+              <p:spPr>
+                <a:xfrm>
+                  <a:off x="9144641" y="4850803"/>
+                  <a:ext cx="614369" cy="650686"/>
+                </a:xfrm>
+                <a:prstGeom prst="rect">
+                  <a:avLst/>
+                </a:prstGeom>
+              </p:spPr>
+            </p:pic>
+            <p:sp>
+              <p:nvSpPr>
+                <p:cNvPr id="2" name="CuadroTexto 1"/>
+                <p:cNvSpPr txBox="1"/>
+                <p:nvPr/>
+              </p:nvSpPr>
+              <p:spPr>
+                <a:xfrm>
+                  <a:off x="4564494" y="1060021"/>
+                  <a:ext cx="475643" cy="369332"/>
+                </a:xfrm>
+                <a:prstGeom prst="rect">
+                  <a:avLst/>
+                </a:prstGeom>
+                <a:noFill/>
+              </p:spPr>
+              <p:txBody>
+                <a:bodyPr wrap="none" rtlCol="0">
+                  <a:spAutoFit/>
+                </a:bodyPr>
+                <a:lstStyle/>
+                <a:p>
+                  <a:r>
+                    <a:rPr lang="es-ES" b="1" dirty="0" smtClean="0">
+                      <a:solidFill>
+                        <a:srgbClr val="FF3300"/>
+                      </a:solidFill>
+                      <a:latin typeface="+mj-lt"/>
+                      <a:cs typeface="Aharoni" panose="02010803020104030203" pitchFamily="2" charset="-79"/>
+                    </a:rPr>
+                    <a:t>Yes</a:t>
+                  </a:r>
+                  <a:endParaRPr lang="es-ES" b="1" dirty="0">
+                    <a:solidFill>
+                      <a:srgbClr val="FF3300"/>
+                    </a:solidFill>
+                    <a:latin typeface="+mj-lt"/>
+                    <a:cs typeface="Aharoni" panose="02010803020104030203" pitchFamily="2" charset="-79"/>
+                  </a:endParaRPr>
+                </a:p>
+              </p:txBody>
+            </p:sp>
+            <p:cxnSp>
+              <p:nvCxnSpPr>
+                <p:cNvPr id="23" name="Conector recto de flecha 22"/>
+                <p:cNvCxnSpPr>
+                  <a:stCxn id="6" idx="2"/>
+                  <a:endCxn id="9" idx="0"/>
+                </p:cNvCxnSpPr>
+                <p:nvPr/>
+              </p:nvCxnSpPr>
+              <p:spPr>
+                <a:xfrm>
+                  <a:off x="5919111" y="2151922"/>
+                  <a:ext cx="0" cy="1384536"/>
+                </a:xfrm>
+                <a:prstGeom prst="straightConnector1">
+                  <a:avLst/>
+                </a:prstGeom>
+                <a:ln w="28575">
+                  <a:solidFill>
+                    <a:srgbClr val="7240F0"/>
+                  </a:solidFill>
+                  <a:tailEnd type="triangle" w="lg" len="lg"/>
+                </a:ln>
+              </p:spPr>
+              <p:style>
+                <a:lnRef idx="1">
+                  <a:schemeClr val="accent1"/>
+                </a:lnRef>
+                <a:fillRef idx="0">
+                  <a:schemeClr val="accent1"/>
+                </a:fillRef>
+                <a:effectRef idx="0">
+                  <a:schemeClr val="accent1"/>
+                </a:effectRef>
+                <a:fontRef idx="minor">
+                  <a:schemeClr val="tx1"/>
+                </a:fontRef>
+              </p:style>
+            </p:cxnSp>
+            <p:sp>
+              <p:nvSpPr>
+                <p:cNvPr id="26" name="CuadroTexto 25"/>
+                <p:cNvSpPr txBox="1"/>
+                <p:nvPr/>
+              </p:nvSpPr>
+              <p:spPr>
+                <a:xfrm>
+                  <a:off x="5924167" y="2591305"/>
+                  <a:ext cx="1502784" cy="369332"/>
+                </a:xfrm>
+                <a:prstGeom prst="rect">
+                  <a:avLst/>
+                </a:prstGeom>
+                <a:noFill/>
+              </p:spPr>
+              <p:txBody>
+                <a:bodyPr wrap="none" rtlCol="0">
+                  <a:spAutoFit/>
+                </a:bodyPr>
+                <a:lstStyle/>
+                <a:p>
+                  <a:pPr algn="ctr"/>
+                  <a:r>
+                    <a:rPr lang="es-ES" b="1" dirty="0" smtClean="0">
+                      <a:solidFill>
+                        <a:srgbClr val="FF3300"/>
+                      </a:solidFill>
+                      <a:latin typeface="+mj-lt"/>
+                      <a:cs typeface="Aharoni" panose="02010803020104030203" pitchFamily="2" charset="-79"/>
+                    </a:rPr>
+                    <a:t>No / </a:t>
+                  </a:r>
+                  <a:r>
+                    <a:rPr lang="es-ES" b="1" dirty="0" err="1" smtClean="0">
+                      <a:solidFill>
+                        <a:srgbClr val="FF3300"/>
+                      </a:solidFill>
+                      <a:latin typeface="+mj-lt"/>
+                      <a:cs typeface="Aharoni" panose="02010803020104030203" pitchFamily="2" charset="-79"/>
+                    </a:rPr>
+                    <a:t>Unknown</a:t>
+                  </a:r>
+                  <a:endParaRPr lang="es-ES" b="1" dirty="0" smtClean="0">
+                    <a:solidFill>
+                      <a:srgbClr val="FF3300"/>
+                    </a:solidFill>
+                    <a:latin typeface="+mj-lt"/>
+                    <a:cs typeface="Aharoni" panose="02010803020104030203" pitchFamily="2" charset="-79"/>
+                  </a:endParaRPr>
+                </a:p>
+              </p:txBody>
+            </p:sp>
+            <p:cxnSp>
+              <p:nvCxnSpPr>
+                <p:cNvPr id="32" name="Conector recto de flecha 31"/>
+                <p:cNvCxnSpPr>
+                  <a:stCxn id="6" idx="3"/>
+                </p:cNvCxnSpPr>
+                <p:nvPr/>
+              </p:nvCxnSpPr>
+              <p:spPr>
+                <a:xfrm flipV="1">
+                  <a:off x="6588813" y="1452610"/>
+                  <a:ext cx="4297260" cy="10292"/>
+                </a:xfrm>
+                <a:prstGeom prst="straightConnector1">
+                  <a:avLst/>
+                </a:prstGeom>
+                <a:ln w="28575">
+                  <a:solidFill>
+                    <a:srgbClr val="7240F0"/>
+                  </a:solidFill>
+                  <a:tailEnd type="triangle" w="lg" len="lg"/>
+                </a:ln>
+              </p:spPr>
+              <p:style>
+                <a:lnRef idx="1">
+                  <a:schemeClr val="accent1"/>
+                </a:lnRef>
+                <a:fillRef idx="0">
+                  <a:schemeClr val="accent1"/>
+                </a:fillRef>
+                <a:effectRef idx="0">
+                  <a:schemeClr val="accent1"/>
+                </a:effectRef>
+                <a:fontRef idx="minor">
+                  <a:schemeClr val="tx1"/>
+                </a:fontRef>
+              </p:style>
+            </p:cxnSp>
+            <p:cxnSp>
+              <p:nvCxnSpPr>
+                <p:cNvPr id="35" name="Conector recto de flecha 34"/>
+                <p:cNvCxnSpPr/>
+                <p:nvPr/>
+              </p:nvCxnSpPr>
+              <p:spPr>
+                <a:xfrm>
+                  <a:off x="12350439" y="1677588"/>
+                  <a:ext cx="1022172" cy="0"/>
+                </a:xfrm>
+                <a:prstGeom prst="straightConnector1">
+                  <a:avLst/>
+                </a:prstGeom>
+                <a:ln w="28575">
+                  <a:solidFill>
+                    <a:srgbClr val="7240F0"/>
+                  </a:solidFill>
+                  <a:tailEnd type="triangle" w="lg" len="lg"/>
+                </a:ln>
+              </p:spPr>
+              <p:style>
+                <a:lnRef idx="1">
+                  <a:schemeClr val="accent1"/>
+                </a:lnRef>
+                <a:fillRef idx="0">
+                  <a:schemeClr val="accent1"/>
+                </a:fillRef>
+                <a:effectRef idx="0">
+                  <a:schemeClr val="accent1"/>
+                </a:effectRef>
+                <a:fontRef idx="minor">
+                  <a:schemeClr val="tx1"/>
+                </a:fontRef>
+              </p:style>
+            </p:cxnSp>
+            <p:cxnSp>
+              <p:nvCxnSpPr>
+                <p:cNvPr id="37" name="Conector recto de flecha 36"/>
+                <p:cNvCxnSpPr/>
+                <p:nvPr/>
+              </p:nvCxnSpPr>
+              <p:spPr>
+                <a:xfrm flipH="1">
+                  <a:off x="5914674" y="4916095"/>
+                  <a:ext cx="9493" cy="900000"/>
+                </a:xfrm>
+                <a:prstGeom prst="straightConnector1">
+                  <a:avLst/>
+                </a:prstGeom>
+                <a:ln w="28575">
+                  <a:solidFill>
+                    <a:srgbClr val="7240F0"/>
+                  </a:solidFill>
+                  <a:tailEnd type="triangle" w="lg" len="lg"/>
+                </a:ln>
+              </p:spPr>
+              <p:style>
+                <a:lnRef idx="1">
+                  <a:schemeClr val="accent1"/>
+                </a:lnRef>
+                <a:fillRef idx="0">
+                  <a:schemeClr val="accent1"/>
+                </a:fillRef>
+                <a:effectRef idx="0">
+                  <a:schemeClr val="accent1"/>
+                </a:effectRef>
+                <a:fontRef idx="minor">
+                  <a:schemeClr val="tx1"/>
+                </a:fontRef>
+              </p:style>
+            </p:cxnSp>
+            <p:cxnSp>
+              <p:nvCxnSpPr>
+                <p:cNvPr id="39" name="Conector recto de flecha 38"/>
+                <p:cNvCxnSpPr>
+                  <a:stCxn id="9" idx="3"/>
+                  <a:endCxn id="4" idx="1"/>
+                </p:cNvCxnSpPr>
+                <p:nvPr/>
+              </p:nvCxnSpPr>
+              <p:spPr>
+                <a:xfrm flipV="1">
+                  <a:off x="6588813" y="4223230"/>
+                  <a:ext cx="1698943" cy="2249"/>
+                </a:xfrm>
+                <a:prstGeom prst="straightConnector1">
+                  <a:avLst/>
+                </a:prstGeom>
+                <a:ln w="28575">
+                  <a:solidFill>
+                    <a:srgbClr val="7240F0"/>
+                  </a:solidFill>
+                  <a:tailEnd type="triangle" w="lg" len="lg"/>
+                </a:ln>
+              </p:spPr>
+              <p:style>
+                <a:lnRef idx="1">
+                  <a:schemeClr val="accent1"/>
+                </a:lnRef>
+                <a:fillRef idx="0">
+                  <a:schemeClr val="accent1"/>
+                </a:fillRef>
+                <a:effectRef idx="0">
+                  <a:schemeClr val="accent1"/>
+                </a:effectRef>
+                <a:fontRef idx="minor">
+                  <a:schemeClr val="tx1"/>
+                </a:fontRef>
+              </p:style>
+            </p:cxnSp>
+            <p:sp>
+              <p:nvSpPr>
+                <p:cNvPr id="45" name="CuadroTexto 44"/>
+                <p:cNvSpPr txBox="1"/>
+                <p:nvPr/>
+              </p:nvSpPr>
+              <p:spPr>
+                <a:xfrm>
+                  <a:off x="4582490" y="3811106"/>
+                  <a:ext cx="475643" cy="369332"/>
+                </a:xfrm>
+                <a:prstGeom prst="rect">
+                  <a:avLst/>
+                </a:prstGeom>
+                <a:noFill/>
+              </p:spPr>
+              <p:txBody>
+                <a:bodyPr wrap="none" rtlCol="0">
+                  <a:spAutoFit/>
+                </a:bodyPr>
+                <a:lstStyle/>
+                <a:p>
+                  <a:r>
+                    <a:rPr lang="es-ES" b="1" dirty="0" smtClean="0">
+                      <a:solidFill>
+                        <a:srgbClr val="FF3300"/>
+                      </a:solidFill>
+                      <a:latin typeface="+mj-lt"/>
+                      <a:cs typeface="Aharoni" panose="02010803020104030203" pitchFamily="2" charset="-79"/>
+                    </a:rPr>
+                    <a:t>Yes</a:t>
+                  </a:r>
+                  <a:endParaRPr lang="es-ES" b="1" dirty="0">
+                    <a:solidFill>
+                      <a:srgbClr val="FF3300"/>
+                    </a:solidFill>
+                    <a:latin typeface="+mj-lt"/>
+                    <a:cs typeface="Aharoni" panose="02010803020104030203" pitchFamily="2" charset="-79"/>
+                  </a:endParaRPr>
+                </a:p>
+              </p:txBody>
+            </p:sp>
+            <p:sp>
+              <p:nvSpPr>
+                <p:cNvPr id="46" name="CuadroTexto 45"/>
+                <p:cNvSpPr txBox="1"/>
+                <p:nvPr/>
+              </p:nvSpPr>
+              <p:spPr>
+                <a:xfrm>
+                  <a:off x="7787143" y="1083278"/>
+                  <a:ext cx="475643" cy="369332"/>
+                </a:xfrm>
+                <a:prstGeom prst="rect">
+                  <a:avLst/>
+                </a:prstGeom>
+                <a:noFill/>
+              </p:spPr>
+              <p:txBody>
+                <a:bodyPr wrap="none" rtlCol="0">
+                  <a:spAutoFit/>
+                </a:bodyPr>
+                <a:lstStyle/>
+                <a:p>
+                  <a:r>
+                    <a:rPr lang="es-ES" b="1" dirty="0" smtClean="0">
+                      <a:solidFill>
+                        <a:srgbClr val="FF3300"/>
+                      </a:solidFill>
+                      <a:latin typeface="+mj-lt"/>
+                      <a:cs typeface="Aharoni" panose="02010803020104030203" pitchFamily="2" charset="-79"/>
+                    </a:rPr>
+                    <a:t>Yes</a:t>
+                  </a:r>
+                  <a:endParaRPr lang="es-ES" b="1" dirty="0">
+                    <a:solidFill>
+                      <a:srgbClr val="FF3300"/>
+                    </a:solidFill>
+                    <a:latin typeface="+mj-lt"/>
+                    <a:cs typeface="Aharoni" panose="02010803020104030203" pitchFamily="2" charset="-79"/>
+                  </a:endParaRPr>
+                </a:p>
+              </p:txBody>
+            </p:sp>
+            <p:sp>
+              <p:nvSpPr>
+                <p:cNvPr id="52" name="Flecha izquierda y derecha 51"/>
+                <p:cNvSpPr/>
+                <p:nvPr/>
+              </p:nvSpPr>
+              <p:spPr>
+                <a:xfrm rot="16200000">
+                  <a:off x="11278471" y="2625305"/>
+                  <a:ext cx="922357" cy="207126"/>
+                </a:xfrm>
+                <a:prstGeom prst="leftRightArrow">
+                  <a:avLst/>
+                </a:prstGeom>
+                <a:solidFill>
+                  <a:schemeClr val="accent3">
+                    <a:lumMod val="60000"/>
+                    <a:lumOff val="40000"/>
+                  </a:schemeClr>
+                </a:solidFill>
+                <a:ln>
+                  <a:noFill/>
+                </a:ln>
+              </p:spPr>
+              <p:style>
+                <a:lnRef idx="2">
+                  <a:schemeClr val="accent1">
+                    <a:shade val="50000"/>
+                  </a:schemeClr>
+                </a:lnRef>
+                <a:fillRef idx="1">
+                  <a:schemeClr val="accent1"/>
+                </a:fillRef>
+                <a:effectRef idx="0">
+                  <a:schemeClr val="accent1"/>
+                </a:effectRef>
+                <a:fontRef idx="minor">
+                  <a:schemeClr val="lt1"/>
+                </a:fontRef>
+              </p:style>
+              <p:txBody>
+                <a:bodyPr rtlCol="0" anchor="ctr"/>
+                <a:lstStyle/>
+                <a:p>
+                  <a:pPr algn="ctr"/>
+                  <a:endParaRPr lang="es-ES"/>
+                </a:p>
+              </p:txBody>
+            </p:sp>
+            <p:pic>
+              <p:nvPicPr>
+                <p:cNvPr id="53" name="Imagen 52"/>
+                <p:cNvPicPr>
+                  <a:picLocks noChangeAspect="1"/>
+                </p:cNvPicPr>
+                <p:nvPr/>
+              </p:nvPicPr>
+              <p:blipFill>
+                <a:blip r:embed="rId3" cstate="print">
+                  <a:duotone>
+                    <a:schemeClr val="accent3">
+                      <a:shade val="45000"/>
+                      <a:satMod val="135000"/>
+                    </a:schemeClr>
+                    <a:prstClr val="white"/>
+                  </a:duotone>
+                  <a:extLst>
+                    <a:ext uri="{28A0092B-C50C-407E-A947-70E740481C1C}">
+                      <a14:useLocalDpi xmlns:a14="http://schemas.microsoft.com/office/drawing/2010/main" val="0"/>
+                    </a:ext>
+                  </a:extLst>
+                </a:blip>
+                <a:stretch>
+                  <a:fillRect/>
+                </a:stretch>
+              </p:blipFill>
+              <p:spPr>
+                <a:xfrm>
+                  <a:off x="11877516" y="2383825"/>
+                  <a:ext cx="614369" cy="650686"/>
+                </a:xfrm>
+                <a:prstGeom prst="rect">
+                  <a:avLst/>
+                </a:prstGeom>
+              </p:spPr>
+            </p:pic>
+            <p:pic>
+              <p:nvPicPr>
+                <p:cNvPr id="62" name="Imagen 61"/>
+                <p:cNvPicPr>
+                  <a:picLocks noChangeAspect="1"/>
+                </p:cNvPicPr>
+                <p:nvPr/>
+              </p:nvPicPr>
+              <p:blipFill>
+                <a:blip r:embed="rId4" cstate="print">
+                  <a:extLst>
+                    <a:ext uri="{28A0092B-C50C-407E-A947-70E740481C1C}">
+                      <a14:useLocalDpi xmlns:a14="http://schemas.microsoft.com/office/drawing/2010/main" val="0"/>
+                    </a:ext>
+                  </a:extLst>
+                </a:blip>
+                <a:stretch>
+                  <a:fillRect/>
+                </a:stretch>
+              </p:blipFill>
+              <p:spPr>
+                <a:xfrm>
+                  <a:off x="8328213" y="5990429"/>
+                  <a:ext cx="427505" cy="320217"/>
+                </a:xfrm>
+                <a:prstGeom prst="rect">
+                  <a:avLst/>
+                </a:prstGeom>
+              </p:spPr>
+            </p:pic>
+            <p:pic>
+              <p:nvPicPr>
+                <p:cNvPr id="64" name="Imagen 63"/>
+                <p:cNvPicPr>
+                  <a:picLocks noChangeAspect="1"/>
+                </p:cNvPicPr>
+                <p:nvPr/>
+              </p:nvPicPr>
+              <p:blipFill>
+                <a:blip r:embed="rId5" cstate="print">
+                  <a:extLst>
+                    <a:ext uri="{28A0092B-C50C-407E-A947-70E740481C1C}">
+                      <a14:useLocalDpi xmlns:a14="http://schemas.microsoft.com/office/drawing/2010/main" val="0"/>
+                    </a:ext>
+                  </a:extLst>
+                </a:blip>
+                <a:stretch>
+                  <a:fillRect/>
+                </a:stretch>
+              </p:blipFill>
+              <p:spPr>
+                <a:xfrm>
+                  <a:off x="8578341" y="6443071"/>
+                  <a:ext cx="559735" cy="559735"/>
+                </a:xfrm>
+                <a:prstGeom prst="rect">
+                  <a:avLst/>
+                </a:prstGeom>
+              </p:spPr>
+            </p:pic>
+            <p:sp>
+              <p:nvSpPr>
+                <p:cNvPr id="65" name="CuadroTexto 64"/>
+                <p:cNvSpPr txBox="1"/>
+                <p:nvPr/>
+              </p:nvSpPr>
+              <p:spPr>
+                <a:xfrm>
+                  <a:off x="9144641" y="6382881"/>
+                  <a:ext cx="1082474" cy="461665"/>
+                </a:xfrm>
+                <a:prstGeom prst="rect">
+                  <a:avLst/>
+                </a:prstGeom>
+                <a:noFill/>
+              </p:spPr>
+              <p:txBody>
+                <a:bodyPr wrap="square" rtlCol="0">
+                  <a:spAutoFit/>
+                </a:bodyPr>
+                <a:lstStyle/>
+                <a:p>
+                  <a:r>
+                    <a:rPr lang="es-ES" sz="1200" dirty="0" smtClean="0">
+                      <a:solidFill>
+                        <a:schemeClr val="accent3">
+                          <a:lumMod val="75000"/>
+                        </a:schemeClr>
+                      </a:solidFill>
+                      <a:latin typeface="Berlin Sans FB" panose="020E0602020502020306" pitchFamily="34" charset="0"/>
+                    </a:rPr>
+                    <a:t>Visual </a:t>
+                  </a:r>
+                  <a:r>
+                    <a:rPr lang="es-ES" sz="1200" dirty="0" err="1" smtClean="0">
+                      <a:solidFill>
+                        <a:schemeClr val="accent3">
+                          <a:lumMod val="75000"/>
+                        </a:schemeClr>
+                      </a:solidFill>
+                      <a:latin typeface="Berlin Sans FB" panose="020E0602020502020306" pitchFamily="34" charset="0"/>
+                    </a:rPr>
+                    <a:t>recognition</a:t>
+                  </a:r>
+                  <a:endParaRPr lang="es-ES" sz="1200" dirty="0">
+                    <a:solidFill>
+                      <a:schemeClr val="accent3">
+                        <a:lumMod val="75000"/>
+                      </a:schemeClr>
+                    </a:solidFill>
+                    <a:latin typeface="Berlin Sans FB" panose="020E0602020502020306" pitchFamily="34" charset="0"/>
+                  </a:endParaRPr>
+                </a:p>
+              </p:txBody>
+            </p:sp>
+            <p:sp>
+              <p:nvSpPr>
+                <p:cNvPr id="66" name="CuadroTexto 65"/>
+                <p:cNvSpPr txBox="1"/>
+                <p:nvPr/>
+              </p:nvSpPr>
+              <p:spPr>
+                <a:xfrm>
+                  <a:off x="8755718" y="5925291"/>
+                  <a:ext cx="1667786" cy="276999"/>
+                </a:xfrm>
+                <a:prstGeom prst="rect">
+                  <a:avLst/>
+                </a:prstGeom>
+                <a:noFill/>
+              </p:spPr>
+              <p:txBody>
+                <a:bodyPr wrap="square" rtlCol="0">
+                  <a:spAutoFit/>
+                </a:bodyPr>
+                <a:lstStyle/>
+                <a:p>
+                  <a:r>
+                    <a:rPr lang="es-ES" sz="1200" b="1" dirty="0" smtClean="0">
+                      <a:solidFill>
+                        <a:srgbClr val="00B050"/>
+                      </a:solidFill>
+                    </a:rPr>
+                    <a:t>IBM WATSON SERVICES</a:t>
+                  </a:r>
+                  <a:endParaRPr lang="es-ES" sz="1200" b="1" dirty="0">
+                    <a:solidFill>
+                      <a:srgbClr val="00B050"/>
+                    </a:solidFill>
+                  </a:endParaRPr>
+                </a:p>
+              </p:txBody>
+            </p:sp>
+            <p:cxnSp>
+              <p:nvCxnSpPr>
+                <p:cNvPr id="70" name="Conector recto de flecha 69"/>
+                <p:cNvCxnSpPr>
+                  <a:endCxn id="4" idx="3"/>
+                </p:cNvCxnSpPr>
+                <p:nvPr/>
+              </p:nvCxnSpPr>
+              <p:spPr>
+                <a:xfrm flipH="1">
+                  <a:off x="9562765" y="4209897"/>
+                  <a:ext cx="623595" cy="13333"/>
+                </a:xfrm>
+                <a:prstGeom prst="straightConnector1">
+                  <a:avLst/>
+                </a:prstGeom>
+                <a:ln w="28575">
+                  <a:solidFill>
+                    <a:srgbClr val="7240F0"/>
+                  </a:solidFill>
+                  <a:tailEnd type="none" w="lg" len="lg"/>
+                </a:ln>
+              </p:spPr>
+              <p:style>
+                <a:lnRef idx="1">
+                  <a:schemeClr val="accent1"/>
+                </a:lnRef>
+                <a:fillRef idx="0">
+                  <a:schemeClr val="accent1"/>
+                </a:fillRef>
+                <a:effectRef idx="0">
+                  <a:schemeClr val="accent1"/>
+                </a:effectRef>
+                <a:fontRef idx="minor">
+                  <a:schemeClr val="tx1"/>
+                </a:fontRef>
+              </p:style>
+            </p:cxnSp>
+            <p:cxnSp>
+              <p:nvCxnSpPr>
+                <p:cNvPr id="73" name="Conector recto de flecha 72"/>
+                <p:cNvCxnSpPr/>
+                <p:nvPr/>
+              </p:nvCxnSpPr>
+              <p:spPr>
+                <a:xfrm flipH="1" flipV="1">
+                  <a:off x="10186360" y="1941897"/>
+                  <a:ext cx="1" cy="2268000"/>
+                </a:xfrm>
+                <a:prstGeom prst="straightConnector1">
+                  <a:avLst/>
+                </a:prstGeom>
+                <a:ln w="28575">
+                  <a:solidFill>
+                    <a:srgbClr val="7240F0"/>
+                  </a:solidFill>
+                  <a:tailEnd type="none" w="lg" len="lg"/>
+                </a:ln>
+              </p:spPr>
+              <p:style>
+                <a:lnRef idx="1">
+                  <a:schemeClr val="accent1"/>
+                </a:lnRef>
+                <a:fillRef idx="0">
+                  <a:schemeClr val="accent1"/>
+                </a:fillRef>
+                <a:effectRef idx="0">
+                  <a:schemeClr val="accent1"/>
+                </a:effectRef>
+                <a:fontRef idx="minor">
+                  <a:schemeClr val="tx1"/>
+                </a:fontRef>
+              </p:style>
+            </p:cxnSp>
+            <p:sp>
+              <p:nvSpPr>
+                <p:cNvPr id="78" name="CuadroTexto 77"/>
+                <p:cNvSpPr txBox="1"/>
+                <p:nvPr/>
+              </p:nvSpPr>
+              <p:spPr>
+                <a:xfrm>
+                  <a:off x="6582047" y="3777297"/>
+                  <a:ext cx="475643" cy="369332"/>
+                </a:xfrm>
+                <a:prstGeom prst="rect">
+                  <a:avLst/>
+                </a:prstGeom>
+                <a:noFill/>
+              </p:spPr>
+              <p:txBody>
+                <a:bodyPr wrap="none" rtlCol="0">
+                  <a:spAutoFit/>
+                </a:bodyPr>
+                <a:lstStyle/>
+                <a:p>
+                  <a:r>
+                    <a:rPr lang="es-ES" b="1" dirty="0" smtClean="0">
+                      <a:solidFill>
+                        <a:srgbClr val="FF3300"/>
+                      </a:solidFill>
+                      <a:latin typeface="+mj-lt"/>
+                      <a:cs typeface="Aharoni" panose="02010803020104030203" pitchFamily="2" charset="-79"/>
+                    </a:rPr>
+                    <a:t>Yes</a:t>
+                  </a:r>
+                  <a:endParaRPr lang="es-ES" b="1" dirty="0">
+                    <a:solidFill>
+                      <a:srgbClr val="FF3300"/>
+                    </a:solidFill>
+                    <a:latin typeface="+mj-lt"/>
+                    <a:cs typeface="Aharoni" panose="02010803020104030203" pitchFamily="2" charset="-79"/>
+                  </a:endParaRPr>
+                </a:p>
+              </p:txBody>
+            </p:sp>
+            <p:cxnSp>
+              <p:nvCxnSpPr>
+                <p:cNvPr id="79" name="Conector recto de flecha 78"/>
+                <p:cNvCxnSpPr/>
+                <p:nvPr/>
+              </p:nvCxnSpPr>
+              <p:spPr>
+                <a:xfrm>
+                  <a:off x="5907344" y="195252"/>
+                  <a:ext cx="7330" cy="589451"/>
+                </a:xfrm>
+                <a:prstGeom prst="straightConnector1">
+                  <a:avLst/>
+                </a:prstGeom>
+                <a:ln w="28575">
+                  <a:solidFill>
+                    <a:srgbClr val="7240F0"/>
+                  </a:solidFill>
+                  <a:tailEnd type="triangle" w="lg" len="lg"/>
+                </a:ln>
+              </p:spPr>
+              <p:style>
+                <a:lnRef idx="1">
+                  <a:schemeClr val="accent1"/>
+                </a:lnRef>
+                <a:fillRef idx="0">
+                  <a:schemeClr val="accent1"/>
+                </a:fillRef>
+                <a:effectRef idx="0">
+                  <a:schemeClr val="accent1"/>
+                </a:effectRef>
+                <a:fontRef idx="minor">
+                  <a:schemeClr val="tx1"/>
+                </a:fontRef>
+              </p:style>
+            </p:cxnSp>
+            <p:cxnSp>
+              <p:nvCxnSpPr>
+                <p:cNvPr id="95" name="Conector recto de flecha 94"/>
+                <p:cNvCxnSpPr/>
+                <p:nvPr/>
+              </p:nvCxnSpPr>
+              <p:spPr>
+                <a:xfrm flipV="1">
+                  <a:off x="3604792" y="207649"/>
+                  <a:ext cx="0" cy="6151652"/>
+                </a:xfrm>
+                <a:prstGeom prst="straightConnector1">
+                  <a:avLst/>
+                </a:prstGeom>
+                <a:ln w="28575">
+                  <a:solidFill>
+                    <a:srgbClr val="7240F0"/>
+                  </a:solidFill>
+                  <a:tailEnd type="triangle" w="lg" len="lg"/>
+                </a:ln>
+              </p:spPr>
+              <p:style>
+                <a:lnRef idx="1">
+                  <a:schemeClr val="accent1"/>
+                </a:lnRef>
+                <a:fillRef idx="0">
+                  <a:schemeClr val="accent1"/>
+                </a:fillRef>
+                <a:effectRef idx="0">
+                  <a:schemeClr val="accent1"/>
+                </a:effectRef>
+                <a:fontRef idx="minor">
+                  <a:schemeClr val="tx1"/>
+                </a:fontRef>
+              </p:style>
+            </p:cxnSp>
+            <p:cxnSp>
+              <p:nvCxnSpPr>
+                <p:cNvPr id="103" name="Conector recto de flecha 102"/>
+                <p:cNvCxnSpPr/>
+                <p:nvPr/>
+              </p:nvCxnSpPr>
+              <p:spPr>
+                <a:xfrm>
+                  <a:off x="3604792" y="206748"/>
+                  <a:ext cx="2289000" cy="0"/>
+                </a:xfrm>
+                <a:prstGeom prst="straightConnector1">
+                  <a:avLst/>
+                </a:prstGeom>
+                <a:ln w="28575">
+                  <a:solidFill>
+                    <a:srgbClr val="7240F0"/>
+                  </a:solidFill>
+                  <a:tailEnd type="none" w="lg" len="lg"/>
+                </a:ln>
+              </p:spPr>
+              <p:style>
+                <a:lnRef idx="1">
+                  <a:schemeClr val="accent1"/>
+                </a:lnRef>
+                <a:fillRef idx="0">
+                  <a:schemeClr val="accent1"/>
+                </a:fillRef>
+                <a:effectRef idx="0">
+                  <a:schemeClr val="accent1"/>
+                </a:effectRef>
+                <a:fontRef idx="minor">
+                  <a:schemeClr val="tx1"/>
+                </a:fontRef>
+              </p:style>
+            </p:cxnSp>
+            <p:cxnSp>
+              <p:nvCxnSpPr>
+                <p:cNvPr id="105" name="Conector recto de flecha 104"/>
+                <p:cNvCxnSpPr/>
+                <p:nvPr/>
+              </p:nvCxnSpPr>
+              <p:spPr>
+                <a:xfrm flipH="1">
+                  <a:off x="3604792" y="6359301"/>
+                  <a:ext cx="1609240" cy="0"/>
+                </a:xfrm>
+                <a:prstGeom prst="straightConnector1">
+                  <a:avLst/>
+                </a:prstGeom>
+                <a:ln w="28575">
+                  <a:solidFill>
+                    <a:srgbClr val="7240F0"/>
+                  </a:solidFill>
+                  <a:tailEnd type="triangle" w="lg" len="lg"/>
+                </a:ln>
+              </p:spPr>
+              <p:style>
+                <a:lnRef idx="1">
+                  <a:schemeClr val="accent1"/>
+                </a:lnRef>
+                <a:fillRef idx="0">
+                  <a:schemeClr val="accent1"/>
+                </a:fillRef>
+                <a:effectRef idx="0">
+                  <a:schemeClr val="accent1"/>
+                </a:effectRef>
+                <a:fontRef idx="minor">
+                  <a:schemeClr val="tx1"/>
+                </a:fontRef>
+              </p:style>
+            </p:cxnSp>
+            <p:cxnSp>
+              <p:nvCxnSpPr>
+                <p:cNvPr id="115" name="Conector recto de flecha 114"/>
+                <p:cNvCxnSpPr/>
+                <p:nvPr/>
+              </p:nvCxnSpPr>
+              <p:spPr>
+                <a:xfrm flipV="1">
+                  <a:off x="10178517" y="1941897"/>
+                  <a:ext cx="707556" cy="19322"/>
+                </a:xfrm>
+                <a:prstGeom prst="straightConnector1">
+                  <a:avLst/>
+                </a:prstGeom>
+                <a:ln w="28575">
+                  <a:solidFill>
+                    <a:srgbClr val="7240F0"/>
+                  </a:solidFill>
+                  <a:tailEnd type="triangle" w="lg" len="lg"/>
+                </a:ln>
+              </p:spPr>
+              <p:style>
+                <a:lnRef idx="1">
+                  <a:schemeClr val="accent1"/>
+                </a:lnRef>
+                <a:fillRef idx="0">
+                  <a:schemeClr val="accent1"/>
+                </a:fillRef>
+                <a:effectRef idx="0">
+                  <a:schemeClr val="accent1"/>
+                </a:effectRef>
+                <a:fontRef idx="minor">
+                  <a:schemeClr val="tx1"/>
+                </a:fontRef>
+              </p:style>
+            </p:cxnSp>
+            <p:sp>
+              <p:nvSpPr>
+                <p:cNvPr id="121" name="CuadroTexto 120"/>
+                <p:cNvSpPr txBox="1"/>
+                <p:nvPr/>
+              </p:nvSpPr>
+              <p:spPr>
+                <a:xfrm>
+                  <a:off x="11239628" y="3507431"/>
+                  <a:ext cx="1275775" cy="276999"/>
+                </a:xfrm>
+                <a:prstGeom prst="rect">
+                  <a:avLst/>
+                </a:prstGeom>
+                <a:noFill/>
+              </p:spPr>
+              <p:txBody>
+                <a:bodyPr wrap="square" rtlCol="0">
+                  <a:spAutoFit/>
+                </a:bodyPr>
+                <a:lstStyle/>
+                <a:p>
+                  <a:r>
+                    <a:rPr lang="es-ES" sz="1200" b="1" dirty="0" smtClean="0">
+                      <a:solidFill>
+                        <a:srgbClr val="00B050"/>
+                      </a:solidFill>
+                    </a:rPr>
+                    <a:t>RECIPE SERVICES</a:t>
+                  </a:r>
+                  <a:endParaRPr lang="es-ES" sz="1200" b="1" dirty="0">
+                    <a:solidFill>
+                      <a:srgbClr val="00B050"/>
+                    </a:solidFill>
+                  </a:endParaRPr>
+                </a:p>
+              </p:txBody>
+            </p:sp>
+            <p:sp>
+              <p:nvSpPr>
+                <p:cNvPr id="122" name="CuadroTexto 121"/>
+                <p:cNvSpPr txBox="1"/>
+                <p:nvPr/>
+              </p:nvSpPr>
+              <p:spPr>
+                <a:xfrm>
+                  <a:off x="3740896" y="2474667"/>
+                  <a:ext cx="475643" cy="369332"/>
+                </a:xfrm>
+                <a:prstGeom prst="rect">
+                  <a:avLst/>
+                </a:prstGeom>
+                <a:noFill/>
+              </p:spPr>
+              <p:txBody>
+                <a:bodyPr wrap="none" rtlCol="0">
+                  <a:spAutoFit/>
+                </a:bodyPr>
+                <a:lstStyle/>
+                <a:p>
+                  <a:r>
+                    <a:rPr lang="es-ES" b="1" dirty="0" smtClean="0">
+                      <a:solidFill>
+                        <a:srgbClr val="FF3300"/>
+                      </a:solidFill>
+                      <a:latin typeface="+mj-lt"/>
+                      <a:cs typeface="Aharoni" panose="02010803020104030203" pitchFamily="2" charset="-79"/>
+                    </a:rPr>
+                    <a:t>Yes</a:t>
+                  </a:r>
+                  <a:endParaRPr lang="es-ES" b="1" dirty="0">
+                    <a:solidFill>
+                      <a:srgbClr val="FF3300"/>
+                    </a:solidFill>
+                    <a:latin typeface="+mj-lt"/>
+                    <a:cs typeface="Aharoni" panose="02010803020104030203" pitchFamily="2" charset="-79"/>
+                  </a:endParaRPr>
+                </a:p>
+              </p:txBody>
+            </p:sp>
+          </p:grpSp>
+          <p:sp>
+            <p:nvSpPr>
+              <p:cNvPr id="131" name="CuadroTexto 130"/>
+              <p:cNvSpPr txBox="1"/>
+              <p:nvPr/>
+            </p:nvSpPr>
+            <p:spPr>
+              <a:xfrm>
+                <a:off x="6960644" y="3863394"/>
+                <a:ext cx="1194814" cy="307777"/>
+              </a:xfrm>
+              <a:prstGeom prst="rect">
+                <a:avLst/>
+              </a:prstGeom>
+              <a:noFill/>
+            </p:spPr>
+            <p:txBody>
+              <a:bodyPr wrap="none" rtlCol="0">
+                <a:spAutoFit/>
+              </a:bodyPr>
+              <a:lstStyle/>
+              <a:p>
+                <a:r>
+                  <a:rPr lang="es-ES" sz="1400" b="1" dirty="0" smtClean="0">
+                    <a:solidFill>
+                      <a:schemeClr val="tx1">
+                        <a:lumMod val="50000"/>
+                        <a:lumOff val="50000"/>
+                      </a:schemeClr>
+                    </a:solidFill>
+                    <a:latin typeface="+mj-lt"/>
+                    <a:cs typeface="Aharoni" panose="02010803020104030203" pitchFamily="2" charset="-79"/>
+                  </a:rPr>
+                  <a:t>( $</a:t>
+                </a:r>
+                <a:r>
+                  <a:rPr lang="es-ES" sz="1400" b="1" dirty="0" err="1" smtClean="0">
+                    <a:solidFill>
+                      <a:schemeClr val="tx1">
+                        <a:lumMod val="50000"/>
+                        <a:lumOff val="50000"/>
+                      </a:schemeClr>
+                    </a:solidFill>
+                    <a:latin typeface="+mj-lt"/>
+                    <a:cs typeface="Aharoni" panose="02010803020104030203" pitchFamily="2" charset="-79"/>
+                  </a:rPr>
+                  <a:t>image_file</a:t>
+                </a:r>
+                <a:r>
+                  <a:rPr lang="es-ES" sz="1400" b="1" dirty="0" smtClean="0">
+                    <a:solidFill>
+                      <a:schemeClr val="tx1">
+                        <a:lumMod val="50000"/>
+                        <a:lumOff val="50000"/>
+                      </a:schemeClr>
+                    </a:solidFill>
+                    <a:latin typeface="+mj-lt"/>
+                    <a:cs typeface="Aharoni" panose="02010803020104030203" pitchFamily="2" charset="-79"/>
+                  </a:rPr>
+                  <a:t> )</a:t>
+                </a:r>
+                <a:endParaRPr lang="es-ES" sz="1400" b="1" dirty="0">
+                  <a:solidFill>
+                    <a:schemeClr val="tx1">
+                      <a:lumMod val="50000"/>
+                      <a:lumOff val="50000"/>
+                    </a:schemeClr>
+                  </a:solidFill>
+                  <a:latin typeface="+mj-lt"/>
+                  <a:cs typeface="Aharoni" panose="02010803020104030203" pitchFamily="2" charset="-79"/>
+                </a:endParaRPr>
+              </a:p>
+            </p:txBody>
+          </p:sp>
+          <p:sp>
+            <p:nvSpPr>
+              <p:cNvPr id="132" name="CuadroTexto 131"/>
+              <p:cNvSpPr txBox="1"/>
+              <p:nvPr/>
+            </p:nvSpPr>
+            <p:spPr>
+              <a:xfrm>
+                <a:off x="8139531" y="1175878"/>
+                <a:ext cx="710451" cy="307777"/>
+              </a:xfrm>
+              <a:prstGeom prst="rect">
+                <a:avLst/>
+              </a:prstGeom>
+              <a:noFill/>
+            </p:spPr>
+            <p:txBody>
+              <a:bodyPr wrap="none" rtlCol="0">
+                <a:spAutoFit/>
+              </a:bodyPr>
+              <a:lstStyle/>
+              <a:p>
+                <a:r>
+                  <a:rPr lang="es-ES" sz="1400" b="1" dirty="0" smtClean="0">
+                    <a:solidFill>
+                      <a:schemeClr val="tx1">
+                        <a:lumMod val="50000"/>
+                        <a:lumOff val="50000"/>
+                      </a:schemeClr>
+                    </a:solidFill>
+                    <a:latin typeface="+mj-lt"/>
+                    <a:cs typeface="Aharoni" panose="02010803020104030203" pitchFamily="2" charset="-79"/>
+                  </a:rPr>
+                  <a:t>( $</a:t>
+                </a:r>
+                <a:r>
+                  <a:rPr lang="es-ES" sz="1400" b="1" dirty="0" err="1" smtClean="0">
+                    <a:solidFill>
+                      <a:schemeClr val="tx1">
+                        <a:lumMod val="50000"/>
+                        <a:lumOff val="50000"/>
+                      </a:schemeClr>
+                    </a:solidFill>
+                    <a:latin typeface="+mj-lt"/>
+                    <a:cs typeface="Aharoni" panose="02010803020104030203" pitchFamily="2" charset="-79"/>
+                  </a:rPr>
+                  <a:t>dish</a:t>
+                </a:r>
+                <a:r>
+                  <a:rPr lang="es-ES" sz="1400" b="1" dirty="0" smtClean="0">
+                    <a:solidFill>
+                      <a:schemeClr val="tx1">
+                        <a:lumMod val="50000"/>
+                        <a:lumOff val="50000"/>
+                      </a:schemeClr>
+                    </a:solidFill>
+                    <a:latin typeface="+mj-lt"/>
+                    <a:cs typeface="Aharoni" panose="02010803020104030203" pitchFamily="2" charset="-79"/>
+                  </a:rPr>
+                  <a:t>)</a:t>
+                </a:r>
+                <a:endParaRPr lang="es-ES" sz="1400" b="1" dirty="0">
+                  <a:solidFill>
+                    <a:schemeClr val="tx1">
+                      <a:lumMod val="50000"/>
+                      <a:lumOff val="50000"/>
+                    </a:schemeClr>
+                  </a:solidFill>
+                  <a:latin typeface="+mj-lt"/>
+                  <a:cs typeface="Aharoni" panose="02010803020104030203" pitchFamily="2" charset="-79"/>
+                </a:endParaRPr>
+              </a:p>
+            </p:txBody>
+          </p:sp>
+        </p:grpSp>
+        <p:sp>
+          <p:nvSpPr>
+            <p:cNvPr id="134" name="CuadroTexto 133"/>
+            <p:cNvSpPr txBox="1"/>
+            <p:nvPr/>
+          </p:nvSpPr>
+          <p:spPr>
+            <a:xfrm>
+              <a:off x="5958303" y="5221660"/>
+              <a:ext cx="1502784" cy="369332"/>
+            </a:xfrm>
+            <a:prstGeom prst="rect">
+              <a:avLst/>
+            </a:prstGeom>
+            <a:noFill/>
+          </p:spPr>
+          <p:txBody>
+            <a:bodyPr wrap="none" rtlCol="0">
+              <a:spAutoFit/>
+            </a:bodyPr>
+            <a:lstStyle/>
+            <a:p>
+              <a:pPr algn="ctr"/>
+              <a:r>
+                <a:rPr lang="es-ES" b="1" dirty="0" smtClean="0">
+                  <a:solidFill>
+                    <a:srgbClr val="FF3300"/>
+                  </a:solidFill>
+                  <a:latin typeface="+mj-lt"/>
+                  <a:cs typeface="Aharoni" panose="02010803020104030203" pitchFamily="2" charset="-79"/>
+                </a:rPr>
+                <a:t>No / </a:t>
+              </a:r>
+              <a:r>
+                <a:rPr lang="es-ES" b="1" dirty="0" err="1" smtClean="0">
+                  <a:solidFill>
+                    <a:srgbClr val="FF3300"/>
+                  </a:solidFill>
+                  <a:latin typeface="+mj-lt"/>
+                  <a:cs typeface="Aharoni" panose="02010803020104030203" pitchFamily="2" charset="-79"/>
+                </a:rPr>
+                <a:t>Unknown</a:t>
+              </a:r>
+              <a:endParaRPr lang="es-ES" b="1" dirty="0" smtClean="0">
+                <a:solidFill>
+                  <a:srgbClr val="FF3300"/>
+                </a:solidFill>
+                <a:latin typeface="+mj-lt"/>
+                <a:cs typeface="Aharoni" panose="02010803020104030203" pitchFamily="2" charset="-79"/>
+              </a:endParaRPr>
+            </a:p>
+          </p:txBody>
+        </p:sp>
+      </p:grpSp>
+    </p:spTree>
+    <p:extLst>
+      <p:ext uri="{BB962C8B-B14F-4D97-AF65-F5344CB8AC3E}">
+        <p14:creationId xmlns:p14="http://schemas.microsoft.com/office/powerpoint/2010/main" val="4161483650"/>
+      </p:ext>
+    </p:extLst>
+  </p:cSld>
+  <p:clrMapOvr>
+    <a:masterClrMapping/>
+  </p:clrMapOvr>
+</p:sld>
+</file>
+
+<file path=ppt/slides/slide14.xml><?xml version="1.0" encoding="utf-8"?>
+<p:sld xmlns:a="http://schemas.openxmlformats.org/drawingml/2006/main" xmlns:r="http://schemas.openxmlformats.org/officeDocument/2006/relationships" xmlns:p="http://schemas.openxmlformats.org/presentationml/2006/main">
+  <p:cSld>
+    <p:spTree>
+      <p:nvGrpSpPr>
+        <p:cNvPr id="1" name=""/>
+        <p:cNvGrpSpPr/>
+        <p:nvPr/>
+      </p:nvGrpSpPr>
+      <p:grpSpPr>
+        <a:xfrm>
+          <a:off x="0" y="0"/>
+          <a:ext cx="0" cy="0"/>
+          <a:chOff x="0" y="0"/>
+          <a:chExt cx="0" cy="0"/>
+        </a:xfrm>
+      </p:grpSpPr>
+      <p:grpSp>
+        <p:nvGrpSpPr>
+          <p:cNvPr id="302" name="Grupo 301"/>
+          <p:cNvGrpSpPr/>
+          <p:nvPr/>
+        </p:nvGrpSpPr>
+        <p:grpSpPr>
+          <a:xfrm>
+            <a:off x="-3224463" y="-292996"/>
+            <a:ext cx="21610560" cy="9841831"/>
+            <a:chOff x="-3224463" y="-292996"/>
+            <a:chExt cx="21610560" cy="9841831"/>
+          </a:xfrm>
+        </p:grpSpPr>
+        <p:grpSp>
+          <p:nvGrpSpPr>
+            <p:cNvPr id="282" name="Grupo 281"/>
+            <p:cNvGrpSpPr/>
+            <p:nvPr/>
+          </p:nvGrpSpPr>
+          <p:grpSpPr>
+            <a:xfrm>
+              <a:off x="-3224463" y="-292996"/>
+              <a:ext cx="21610560" cy="9841831"/>
+              <a:chOff x="-3368842" y="-320988"/>
+              <a:chExt cx="21610560" cy="9841831"/>
+            </a:xfrm>
+          </p:grpSpPr>
+          <p:sp>
+            <p:nvSpPr>
+              <p:cNvPr id="269" name="Rectángulo 268"/>
+              <p:cNvSpPr/>
+              <p:nvPr/>
+            </p:nvSpPr>
+            <p:spPr>
+              <a:xfrm>
+                <a:off x="-3368842" y="-320988"/>
+                <a:ext cx="21610560" cy="9841831"/>
+              </a:xfrm>
+              <a:prstGeom prst="rect">
+                <a:avLst/>
+              </a:prstGeom>
+              <a:solidFill>
+                <a:schemeClr val="bg1"/>
+              </a:solidFill>
+              <a:ln>
+                <a:noFill/>
+              </a:ln>
+            </p:spPr>
+            <p:style>
+              <a:lnRef idx="2">
+                <a:schemeClr val="accent1">
+                  <a:shade val="50000"/>
+                </a:schemeClr>
+              </a:lnRef>
+              <a:fillRef idx="1">
+                <a:schemeClr val="accent1"/>
+              </a:fillRef>
+              <a:effectRef idx="0">
+                <a:schemeClr val="accent1"/>
+              </a:effectRef>
+              <a:fontRef idx="minor">
+                <a:schemeClr val="lt1"/>
+              </a:fontRef>
+            </p:style>
+            <p:txBody>
+              <a:bodyPr rtlCol="0" anchor="ctr"/>
+              <a:lstStyle/>
+              <a:p>
+                <a:pPr algn="ctr"/>
+                <a:endParaRPr lang="es-ES"/>
+              </a:p>
+            </p:txBody>
+          </p:sp>
+          <p:sp>
+            <p:nvSpPr>
+              <p:cNvPr id="266" name="Rectángulo redondeado 265"/>
+              <p:cNvSpPr/>
+              <p:nvPr/>
+            </p:nvSpPr>
+            <p:spPr bwMode="auto">
+              <a:xfrm>
+                <a:off x="5702666" y="8125180"/>
+                <a:ext cx="1257743" cy="1228370"/>
+              </a:xfrm>
+              <a:prstGeom prst="roundRect">
+                <a:avLst/>
+              </a:prstGeom>
+              <a:solidFill>
+                <a:schemeClr val="bg1"/>
+              </a:solidFill>
+              <a:ln w="9525" cap="rnd" cmpd="sng" algn="ctr">
+                <a:solidFill>
+                  <a:srgbClr val="00B050"/>
+                </a:solidFill>
+                <a:prstDash val="sysDot"/>
+                <a:round/>
+                <a:headEnd type="none" w="med" len="med"/>
+                <a:tailEnd type="none" w="med" len="med"/>
+              </a:ln>
+              <a:effectLst/>
+              <a:extLst/>
+            </p:spPr>
+            <p:txBody>
+              <a:bodyPr vert="horz" wrap="none" lIns="45720" tIns="45720" rIns="45720" bIns="45720" numCol="1" rtlCol="0" anchor="ctr" anchorCtr="0" compatLnSpc="1">
+                <a:prstTxWarp prst="textNoShape">
+                  <a:avLst/>
+                </a:prstTxWarp>
+              </a:bodyPr>
+              <a:lstStyle/>
+              <a:p>
+                <a:pPr marL="0" marR="0" indent="0" algn="ctr" defTabSz="914400" rtl="0" eaLnBrk="1" fontAlgn="base" latinLnBrk="0" hangingPunct="1">
+                  <a:lnSpc>
+                    <a:spcPct val="100000"/>
+                  </a:lnSpc>
+                  <a:spcBef>
+                    <a:spcPct val="50000"/>
+                  </a:spcBef>
+                  <a:spcAft>
+                    <a:spcPct val="0"/>
+                  </a:spcAft>
+                  <a:buClrTx/>
+                  <a:buSzTx/>
+                  <a:buFontTx/>
+                  <a:buNone/>
+                  <a:tabLst/>
+                </a:pPr>
+                <a:endParaRPr kumimoji="0" lang="es-ES" sz="2000" b="0" i="0" u="none" strike="noStrike" cap="none" normalizeH="0" baseline="0" dirty="0" smtClean="0">
+                  <a:ln>
+                    <a:noFill/>
+                  </a:ln>
+                  <a:solidFill>
+                    <a:srgbClr val="00B050"/>
+                  </a:solidFill>
+                  <a:effectLst/>
+                  <a:latin typeface="Verdana" pitchFamily="34" charset="0"/>
+                </a:endParaRPr>
+              </a:p>
+            </p:txBody>
+          </p:sp>
+          <p:sp>
+            <p:nvSpPr>
+              <p:cNvPr id="51" name="Nube 50"/>
+              <p:cNvSpPr/>
+              <p:nvPr/>
+            </p:nvSpPr>
+            <p:spPr>
+              <a:xfrm>
+                <a:off x="14576988" y="4840116"/>
+                <a:ext cx="1906939" cy="1468927"/>
+              </a:xfrm>
+              <a:prstGeom prst="cloud">
+                <a:avLst/>
+              </a:prstGeom>
+              <a:solidFill>
+                <a:schemeClr val="bg1"/>
+              </a:solidFill>
+              <a:ln w="28575">
+                <a:solidFill>
+                  <a:schemeClr val="bg2">
+                    <a:lumMod val="75000"/>
+                  </a:schemeClr>
+                </a:solidFill>
+              </a:ln>
+            </p:spPr>
+            <p:style>
+              <a:lnRef idx="2">
+                <a:schemeClr val="accent1">
+                  <a:shade val="50000"/>
+                </a:schemeClr>
+              </a:lnRef>
+              <a:fillRef idx="1">
+                <a:schemeClr val="accent1"/>
+              </a:fillRef>
+              <a:effectRef idx="0">
+                <a:schemeClr val="accent1"/>
+              </a:effectRef>
+              <a:fontRef idx="minor">
+                <a:schemeClr val="lt1"/>
+              </a:fontRef>
+            </p:style>
+            <p:txBody>
+              <a:bodyPr rtlCol="0" anchor="ctr"/>
+              <a:lstStyle/>
+              <a:p>
+                <a:pPr algn="ctr"/>
+                <a:endParaRPr lang="es-ES"/>
+              </a:p>
+            </p:txBody>
+          </p:sp>
+          <p:sp>
+            <p:nvSpPr>
+              <p:cNvPr id="5" name="Decisión 4"/>
+              <p:cNvSpPr/>
+              <p:nvPr/>
+            </p:nvSpPr>
+            <p:spPr>
+              <a:xfrm>
+                <a:off x="-1555639" y="1827348"/>
+                <a:ext cx="2354631" cy="1655693"/>
+              </a:xfrm>
+              <a:prstGeom prst="flowChartDecision">
+                <a:avLst/>
+              </a:prstGeom>
+              <a:noFill/>
+              <a:ln w="38100">
+                <a:solidFill>
+                  <a:srgbClr val="46DACC"/>
+                </a:solidFill>
+              </a:ln>
+            </p:spPr>
+            <p:style>
+              <a:lnRef idx="2">
+                <a:schemeClr val="accent1">
+                  <a:shade val="50000"/>
+                </a:schemeClr>
+              </a:lnRef>
+              <a:fillRef idx="1">
+                <a:schemeClr val="accent1"/>
+              </a:fillRef>
+              <a:effectRef idx="0">
+                <a:schemeClr val="accent1"/>
+              </a:effectRef>
+              <a:fontRef idx="minor">
+                <a:schemeClr val="lt1"/>
+              </a:fontRef>
+            </p:style>
+            <p:txBody>
+              <a:bodyPr lIns="0" tIns="0" rIns="0" bIns="0" rtlCol="0" anchor="ctr"/>
+              <a:lstStyle/>
+              <a:p>
+                <a:pPr algn="ctr"/>
+                <a:r>
+                  <a:rPr lang="es-ES" sz="1200" dirty="0" smtClean="0">
+                    <a:solidFill>
+                      <a:schemeClr val="tx1">
+                        <a:lumMod val="65000"/>
+                        <a:lumOff val="35000"/>
+                      </a:schemeClr>
+                    </a:solidFill>
+                    <a:latin typeface="Arial Rounded MT Bold" panose="020F0704030504030204" pitchFamily="34" charset="0"/>
+                  </a:rPr>
+                  <a:t>CHECK</a:t>
+                </a:r>
+              </a:p>
+              <a:p>
+                <a:pPr algn="ctr"/>
+                <a:r>
+                  <a:rPr lang="es-ES" sz="1200" dirty="0" smtClean="0">
+                    <a:solidFill>
+                      <a:schemeClr val="tx1">
+                        <a:lumMod val="65000"/>
+                        <a:lumOff val="35000"/>
+                      </a:schemeClr>
+                    </a:solidFill>
+                    <a:latin typeface="Arial Rounded MT Bold" panose="020F0704030504030204" pitchFamily="34" charset="0"/>
+                  </a:rPr>
+                  <a:t>#SUGEST_DISH</a:t>
+                </a:r>
+                <a:endParaRPr lang="es-ES" sz="1200" dirty="0">
+                  <a:solidFill>
+                    <a:schemeClr val="tx1">
+                      <a:lumMod val="65000"/>
+                      <a:lumOff val="35000"/>
+                    </a:schemeClr>
+                  </a:solidFill>
+                  <a:latin typeface="Arial Rounded MT Bold" panose="020F0704030504030204" pitchFamily="34" charset="0"/>
+                </a:endParaRPr>
+              </a:p>
+            </p:txBody>
+          </p:sp>
+          <p:sp>
+            <p:nvSpPr>
+              <p:cNvPr id="6" name="Decisión 5"/>
+              <p:cNvSpPr/>
+              <p:nvPr/>
+            </p:nvSpPr>
+            <p:spPr>
+              <a:xfrm>
+                <a:off x="2848274" y="626440"/>
+                <a:ext cx="2706712" cy="1223240"/>
+              </a:xfrm>
+              <a:prstGeom prst="flowChartDecision">
+                <a:avLst/>
+              </a:prstGeom>
+              <a:noFill/>
+              <a:ln w="38100">
+                <a:solidFill>
+                  <a:srgbClr val="46DACC"/>
+                </a:solidFill>
+              </a:ln>
+            </p:spPr>
+            <p:style>
+              <a:lnRef idx="2">
+                <a:schemeClr val="accent1">
+                  <a:shade val="50000"/>
+                </a:schemeClr>
+              </a:lnRef>
+              <a:fillRef idx="1">
+                <a:schemeClr val="accent1"/>
+              </a:fillRef>
+              <a:effectRef idx="0">
+                <a:schemeClr val="accent1"/>
+              </a:effectRef>
+              <a:fontRef idx="minor">
+                <a:schemeClr val="lt1"/>
+              </a:fontRef>
+            </p:style>
+            <p:txBody>
+              <a:bodyPr lIns="0" tIns="0" rIns="0" bIns="0" rtlCol="0" anchor="ctr"/>
+              <a:lstStyle/>
+              <a:p>
+                <a:pPr algn="ctr"/>
+                <a:r>
+                  <a:rPr lang="es-ES" sz="1200" dirty="0" smtClean="0">
+                    <a:solidFill>
+                      <a:schemeClr val="tx1">
+                        <a:lumMod val="75000"/>
+                        <a:lumOff val="25000"/>
+                      </a:schemeClr>
+                    </a:solidFill>
+                    <a:latin typeface="Arial Rounded MT Bold" panose="020F0704030504030204" pitchFamily="34" charset="0"/>
+                  </a:rPr>
+                  <a:t>CHECK</a:t>
+                </a:r>
+              </a:p>
+              <a:p>
+                <a:pPr algn="ctr"/>
+                <a:r>
+                  <a:rPr lang="es-ES" sz="1200" dirty="0" smtClean="0">
+                    <a:solidFill>
+                      <a:schemeClr val="tx1">
+                        <a:lumMod val="75000"/>
+                        <a:lumOff val="25000"/>
+                      </a:schemeClr>
+                    </a:solidFill>
+                    <a:latin typeface="Arial Rounded MT Bold" panose="020F0704030504030204" pitchFamily="34" charset="0"/>
+                  </a:rPr>
+                  <a:t>@CUISINE_TYPE</a:t>
+                </a:r>
+              </a:p>
+            </p:txBody>
+          </p:sp>
+          <p:sp>
+            <p:nvSpPr>
+              <p:cNvPr id="8" name="Elipse 7"/>
+              <p:cNvSpPr/>
+              <p:nvPr/>
+            </p:nvSpPr>
+            <p:spPr>
+              <a:xfrm>
+                <a:off x="16929685" y="7602165"/>
+                <a:ext cx="1275009" cy="1016285"/>
+              </a:xfrm>
+              <a:prstGeom prst="ellipse">
+                <a:avLst/>
+              </a:prstGeom>
+              <a:noFill/>
+              <a:ln w="38100">
+                <a:solidFill>
+                  <a:srgbClr val="46DACC"/>
+                </a:solidFill>
+              </a:ln>
+            </p:spPr>
+            <p:style>
+              <a:lnRef idx="2">
+                <a:schemeClr val="accent1">
+                  <a:shade val="50000"/>
+                </a:schemeClr>
+              </a:lnRef>
+              <a:fillRef idx="1">
+                <a:schemeClr val="accent1"/>
+              </a:fillRef>
+              <a:effectRef idx="0">
+                <a:schemeClr val="accent1"/>
+              </a:effectRef>
+              <a:fontRef idx="minor">
+                <a:schemeClr val="lt1"/>
+              </a:fontRef>
+            </p:style>
+            <p:txBody>
+              <a:bodyPr lIns="0" tIns="0" rIns="0" bIns="0" rtlCol="0" anchor="ctr"/>
+              <a:lstStyle/>
+              <a:p>
+                <a:pPr algn="ctr"/>
+                <a:r>
+                  <a:rPr lang="es-ES" sz="1200" dirty="0" smtClean="0">
+                    <a:solidFill>
+                      <a:schemeClr val="tx1">
+                        <a:lumMod val="75000"/>
+                        <a:lumOff val="25000"/>
+                      </a:schemeClr>
+                    </a:solidFill>
+                    <a:latin typeface="Arial Rounded MT Bold" panose="020F0704030504030204" pitchFamily="34" charset="0"/>
+                  </a:rPr>
+                  <a:t>RESPONSE</a:t>
+                </a:r>
+                <a:endParaRPr lang="es-ES" sz="1200" dirty="0">
+                  <a:solidFill>
+                    <a:schemeClr val="tx1">
+                      <a:lumMod val="75000"/>
+                      <a:lumOff val="25000"/>
+                    </a:schemeClr>
+                  </a:solidFill>
+                  <a:latin typeface="Arial Rounded MT Bold" panose="020F0704030504030204" pitchFamily="34" charset="0"/>
+                </a:endParaRPr>
+              </a:p>
+            </p:txBody>
+          </p:sp>
+          <p:sp>
+            <p:nvSpPr>
+              <p:cNvPr id="9" name="Decisión 8"/>
+              <p:cNvSpPr/>
+              <p:nvPr/>
+            </p:nvSpPr>
+            <p:spPr>
+              <a:xfrm>
+                <a:off x="2936870" y="3382510"/>
+                <a:ext cx="2485020" cy="1379637"/>
+              </a:xfrm>
+              <a:prstGeom prst="flowChartDecision">
+                <a:avLst/>
+              </a:prstGeom>
+              <a:noFill/>
+              <a:ln w="38100">
+                <a:solidFill>
+                  <a:srgbClr val="46DACC"/>
+                </a:solidFill>
+              </a:ln>
+            </p:spPr>
+            <p:style>
+              <a:lnRef idx="2">
+                <a:schemeClr val="accent1">
+                  <a:shade val="50000"/>
+                </a:schemeClr>
+              </a:lnRef>
+              <a:fillRef idx="1">
+                <a:schemeClr val="accent1"/>
+              </a:fillRef>
+              <a:effectRef idx="0">
+                <a:schemeClr val="accent1"/>
+              </a:effectRef>
+              <a:fontRef idx="minor">
+                <a:schemeClr val="lt1"/>
+              </a:fontRef>
+            </p:style>
+            <p:txBody>
+              <a:bodyPr lIns="0" tIns="0" rIns="0" bIns="0" rtlCol="0" anchor="ctr"/>
+              <a:lstStyle/>
+              <a:p>
+                <a:pPr algn="ctr"/>
+                <a:r>
+                  <a:rPr lang="es-ES" sz="1200" dirty="0" smtClean="0">
+                    <a:solidFill>
+                      <a:schemeClr val="tx1">
+                        <a:lumMod val="75000"/>
+                        <a:lumOff val="25000"/>
+                      </a:schemeClr>
+                    </a:solidFill>
+                    <a:latin typeface="Arial Rounded MT Bold" panose="020F0704030504030204" pitchFamily="34" charset="0"/>
+                  </a:rPr>
+                  <a:t>CHECK</a:t>
+                </a:r>
+              </a:p>
+              <a:p>
+                <a:pPr algn="ctr"/>
+                <a:r>
+                  <a:rPr lang="es-ES" sz="1200" dirty="0" smtClean="0">
+                    <a:solidFill>
+                      <a:schemeClr val="tx1">
+                        <a:lumMod val="75000"/>
+                        <a:lumOff val="25000"/>
+                      </a:schemeClr>
+                    </a:solidFill>
+                    <a:latin typeface="Arial Rounded MT Bold" panose="020F0704030504030204" pitchFamily="34" charset="0"/>
+                  </a:rPr>
+                  <a:t>@INGREDIENTS</a:t>
+                </a:r>
+                <a:endParaRPr lang="es-ES" sz="1200" dirty="0">
+                  <a:solidFill>
+                    <a:schemeClr val="tx1">
+                      <a:lumMod val="75000"/>
+                      <a:lumOff val="25000"/>
+                    </a:schemeClr>
+                  </a:solidFill>
+                  <a:latin typeface="Arial Rounded MT Bold" panose="020F0704030504030204" pitchFamily="34" charset="0"/>
+                </a:endParaRPr>
+              </a:p>
+            </p:txBody>
+          </p:sp>
+          <p:sp>
+            <p:nvSpPr>
+              <p:cNvPr id="10" name="Rectángulo redondeado 9"/>
+              <p:cNvSpPr/>
+              <p:nvPr/>
+            </p:nvSpPr>
+            <p:spPr>
+              <a:xfrm>
+                <a:off x="3329472" y="8129767"/>
+                <a:ext cx="1737060" cy="1055201"/>
+              </a:xfrm>
+              <a:prstGeom prst="roundRect">
+                <a:avLst/>
+              </a:prstGeom>
+              <a:noFill/>
+              <a:ln w="38100">
+                <a:solidFill>
+                  <a:srgbClr val="46DACC"/>
+                </a:solidFill>
+              </a:ln>
+            </p:spPr>
+            <p:style>
+              <a:lnRef idx="2">
+                <a:schemeClr val="accent1">
+                  <a:shade val="50000"/>
+                </a:schemeClr>
+              </a:lnRef>
+              <a:fillRef idx="1">
+                <a:schemeClr val="accent1"/>
+              </a:fillRef>
+              <a:effectRef idx="0">
+                <a:schemeClr val="accent1"/>
+              </a:effectRef>
+              <a:fontRef idx="minor">
+                <a:schemeClr val="lt1"/>
+              </a:fontRef>
+            </p:style>
+            <p:txBody>
+              <a:bodyPr lIns="0" tIns="0" rIns="0" bIns="0" rtlCol="0" anchor="ctr"/>
+              <a:lstStyle/>
+              <a:p>
+                <a:pPr algn="ctr"/>
+                <a:r>
+                  <a:rPr lang="es-ES" sz="1200" dirty="0" smtClean="0">
+                    <a:solidFill>
+                      <a:schemeClr val="tx1">
+                        <a:lumMod val="75000"/>
+                        <a:lumOff val="25000"/>
+                      </a:schemeClr>
+                    </a:solidFill>
+                    <a:latin typeface="Arial Rounded MT Bold" panose="020F0704030504030204" pitchFamily="34" charset="0"/>
+                  </a:rPr>
+                  <a:t>ASK FOR </a:t>
+                </a:r>
+              </a:p>
+              <a:p>
+                <a:pPr algn="ctr"/>
+                <a:r>
+                  <a:rPr lang="es-ES" sz="1200" dirty="0" smtClean="0">
+                    <a:solidFill>
+                      <a:schemeClr val="tx1">
+                        <a:lumMod val="75000"/>
+                        <a:lumOff val="25000"/>
+                      </a:schemeClr>
+                    </a:solidFill>
+                    <a:latin typeface="Arial Rounded MT Bold" panose="020F0704030504030204" pitchFamily="34" charset="0"/>
+                  </a:rPr>
+                  <a:t>@CUISINE_TYPE </a:t>
+                </a:r>
+              </a:p>
+              <a:p>
+                <a:pPr algn="ctr"/>
+                <a:r>
+                  <a:rPr lang="es-ES" sz="1200" dirty="0" smtClean="0">
+                    <a:solidFill>
+                      <a:schemeClr val="tx1">
+                        <a:lumMod val="75000"/>
+                        <a:lumOff val="25000"/>
+                      </a:schemeClr>
+                    </a:solidFill>
+                    <a:latin typeface="Arial Rounded MT Bold" panose="020F0704030504030204" pitchFamily="34" charset="0"/>
+                  </a:rPr>
+                  <a:t>OR</a:t>
+                </a:r>
+              </a:p>
+              <a:p>
+                <a:pPr algn="ctr"/>
+                <a:r>
+                  <a:rPr lang="es-ES" sz="1200" dirty="0" smtClean="0">
+                    <a:solidFill>
+                      <a:schemeClr val="tx1">
+                        <a:lumMod val="75000"/>
+                        <a:lumOff val="25000"/>
+                      </a:schemeClr>
+                    </a:solidFill>
+                    <a:latin typeface="Arial Rounded MT Bold" panose="020F0704030504030204" pitchFamily="34" charset="0"/>
+                  </a:rPr>
+                  <a:t> INGREDIENTS</a:t>
+                </a:r>
+                <a:endParaRPr lang="es-ES" sz="1200" dirty="0">
+                  <a:solidFill>
+                    <a:schemeClr val="tx1">
+                      <a:lumMod val="75000"/>
+                      <a:lumOff val="25000"/>
+                    </a:schemeClr>
+                  </a:solidFill>
+                  <a:latin typeface="Arial Rounded MT Bold" panose="020F0704030504030204" pitchFamily="34" charset="0"/>
+                </a:endParaRPr>
+              </a:p>
+            </p:txBody>
+          </p:sp>
+          <p:sp>
+            <p:nvSpPr>
+              <p:cNvPr id="11" name="Elipse 10"/>
+              <p:cNvSpPr/>
+              <p:nvPr/>
+            </p:nvSpPr>
+            <p:spPr>
+              <a:xfrm>
+                <a:off x="-3117466" y="2282662"/>
+                <a:ext cx="940158" cy="758739"/>
+              </a:xfrm>
+              <a:prstGeom prst="ellipse">
+                <a:avLst/>
+              </a:prstGeom>
+              <a:noFill/>
+              <a:ln w="38100">
+                <a:solidFill>
+                  <a:srgbClr val="46DACC"/>
+                </a:solidFill>
+              </a:ln>
+            </p:spPr>
+            <p:style>
+              <a:lnRef idx="2">
+                <a:schemeClr val="accent1">
+                  <a:shade val="50000"/>
+                </a:schemeClr>
+              </a:lnRef>
+              <a:fillRef idx="1">
+                <a:schemeClr val="accent1"/>
+              </a:fillRef>
+              <a:effectRef idx="0">
+                <a:schemeClr val="accent1"/>
+              </a:effectRef>
+              <a:fontRef idx="minor">
+                <a:schemeClr val="lt1"/>
+              </a:fontRef>
+            </p:style>
+            <p:txBody>
+              <a:bodyPr lIns="0" tIns="0" rIns="0" bIns="0" rtlCol="0" anchor="ctr"/>
+              <a:lstStyle/>
+              <a:p>
+                <a:pPr algn="ctr"/>
+                <a:r>
+                  <a:rPr lang="es-ES" sz="1200" dirty="0" smtClean="0">
+                    <a:solidFill>
+                      <a:schemeClr val="tx1">
+                        <a:lumMod val="75000"/>
+                        <a:lumOff val="25000"/>
+                      </a:schemeClr>
+                    </a:solidFill>
+                    <a:latin typeface="Arial Rounded MT Bold" panose="020F0704030504030204" pitchFamily="34" charset="0"/>
+                  </a:rPr>
+                  <a:t>START</a:t>
+                </a:r>
+                <a:endParaRPr lang="es-ES" sz="1200" dirty="0">
+                  <a:solidFill>
+                    <a:schemeClr val="tx1">
+                      <a:lumMod val="75000"/>
+                      <a:lumOff val="25000"/>
+                    </a:schemeClr>
+                  </a:solidFill>
+                  <a:latin typeface="Arial Rounded MT Bold" panose="020F0704030504030204" pitchFamily="34" charset="0"/>
+                </a:endParaRPr>
+              </a:p>
+            </p:txBody>
+          </p:sp>
+          <p:cxnSp>
+            <p:nvCxnSpPr>
+              <p:cNvPr id="13" name="Conector recto de flecha 12"/>
+              <p:cNvCxnSpPr>
+                <a:stCxn id="11" idx="6"/>
+                <a:endCxn id="5" idx="1"/>
+              </p:cNvCxnSpPr>
+              <p:nvPr/>
+            </p:nvCxnSpPr>
+            <p:spPr>
+              <a:xfrm flipV="1">
+                <a:off x="-2177308" y="2655195"/>
+                <a:ext cx="621669" cy="6837"/>
+              </a:xfrm>
+              <a:prstGeom prst="straightConnector1">
+                <a:avLst/>
+              </a:prstGeom>
+              <a:ln w="28575">
+                <a:solidFill>
+                  <a:srgbClr val="7240F0"/>
+                </a:solidFill>
+                <a:tailEnd type="triangle" w="lg" len="lg"/>
+              </a:ln>
+            </p:spPr>
+            <p:style>
+              <a:lnRef idx="1">
+                <a:schemeClr val="accent1"/>
+              </a:lnRef>
+              <a:fillRef idx="0">
+                <a:schemeClr val="accent1"/>
+              </a:fillRef>
+              <a:effectRef idx="0">
+                <a:schemeClr val="accent1"/>
+              </a:effectRef>
+              <a:fontRef idx="minor">
+                <a:schemeClr val="tx1"/>
+              </a:fontRef>
+            </p:style>
+          </p:cxnSp>
+          <p:cxnSp>
+            <p:nvCxnSpPr>
+              <p:cNvPr id="15" name="Conector recto de flecha 14"/>
+              <p:cNvCxnSpPr>
+                <a:stCxn id="5" idx="3"/>
+              </p:cNvCxnSpPr>
+              <p:nvPr/>
+            </p:nvCxnSpPr>
+            <p:spPr>
+              <a:xfrm flipV="1">
+                <a:off x="798992" y="2643037"/>
+                <a:ext cx="1342959" cy="12158"/>
+              </a:xfrm>
+              <a:prstGeom prst="straightConnector1">
+                <a:avLst/>
+              </a:prstGeom>
+              <a:ln w="28575">
+                <a:solidFill>
+                  <a:srgbClr val="7240F0"/>
+                </a:solidFill>
+                <a:tailEnd type="triangle" w="lg" len="lg"/>
+              </a:ln>
+            </p:spPr>
+            <p:style>
+              <a:lnRef idx="1">
+                <a:schemeClr val="accent1"/>
+              </a:lnRef>
+              <a:fillRef idx="0">
+                <a:schemeClr val="accent1"/>
+              </a:fillRef>
+              <a:effectRef idx="0">
+                <a:schemeClr val="accent1"/>
+              </a:effectRef>
+              <a:fontRef idx="minor">
+                <a:schemeClr val="tx1"/>
+              </a:fontRef>
+            </p:style>
+          </p:cxnSp>
+          <p:cxnSp>
+            <p:nvCxnSpPr>
+              <p:cNvPr id="16" name="Conector recto de flecha 15"/>
+              <p:cNvCxnSpPr/>
+              <p:nvPr/>
+            </p:nvCxnSpPr>
+            <p:spPr>
+              <a:xfrm flipH="1" flipV="1">
+                <a:off x="2142757" y="1238060"/>
+                <a:ext cx="10757" cy="2851178"/>
+              </a:xfrm>
+              <a:prstGeom prst="straightConnector1">
+                <a:avLst/>
+              </a:prstGeom>
+              <a:ln w="28575">
+                <a:solidFill>
+                  <a:srgbClr val="7240F0"/>
+                </a:solidFill>
+                <a:tailEnd type="none" w="lg" len="lg"/>
+              </a:ln>
+            </p:spPr>
+            <p:style>
+              <a:lnRef idx="1">
+                <a:schemeClr val="accent1"/>
+              </a:lnRef>
+              <a:fillRef idx="0">
+                <a:schemeClr val="accent1"/>
+              </a:fillRef>
+              <a:effectRef idx="0">
+                <a:schemeClr val="accent1"/>
+              </a:effectRef>
+              <a:fontRef idx="minor">
+                <a:schemeClr val="tx1"/>
+              </a:fontRef>
+            </p:style>
+          </p:cxnSp>
+          <p:cxnSp>
+            <p:nvCxnSpPr>
+              <p:cNvPr id="19" name="Conector recto de flecha 18"/>
+              <p:cNvCxnSpPr/>
+              <p:nvPr/>
+            </p:nvCxnSpPr>
+            <p:spPr>
+              <a:xfrm>
+                <a:off x="2142354" y="1247629"/>
+                <a:ext cx="720000" cy="0"/>
+              </a:xfrm>
+              <a:prstGeom prst="straightConnector1">
+                <a:avLst/>
+              </a:prstGeom>
+              <a:ln w="28575">
+                <a:solidFill>
+                  <a:srgbClr val="7240F0"/>
+                </a:solidFill>
+                <a:tailEnd type="triangle" w="lg" len="lg"/>
+              </a:ln>
+            </p:spPr>
+            <p:style>
+              <a:lnRef idx="1">
+                <a:schemeClr val="accent1"/>
+              </a:lnRef>
+              <a:fillRef idx="0">
+                <a:schemeClr val="accent1"/>
+              </a:fillRef>
+              <a:effectRef idx="0">
+                <a:schemeClr val="accent1"/>
+              </a:effectRef>
+              <a:fontRef idx="minor">
+                <a:schemeClr val="tx1"/>
+              </a:fontRef>
+            </p:style>
+          </p:cxnSp>
+          <p:pic>
+            <p:nvPicPr>
+              <p:cNvPr id="20" name="Imagen 19"/>
+              <p:cNvPicPr>
+                <a:picLocks noChangeAspect="1"/>
+              </p:cNvPicPr>
+              <p:nvPr/>
+            </p:nvPicPr>
+            <p:blipFill rotWithShape="1">
+              <a:blip r:embed="rId2">
+                <a:extLst>
+                  <a:ext uri="{28A0092B-C50C-407E-A947-70E740481C1C}">
+                    <a14:useLocalDpi xmlns:a14="http://schemas.microsoft.com/office/drawing/2010/main" val="0"/>
+                  </a:ext>
+                </a:extLst>
+              </a:blip>
+              <a:srcRect t="20610" b="22166"/>
+              <a:stretch/>
+            </p:blipFill>
+            <p:spPr>
+              <a:xfrm>
+                <a:off x="14764679" y="5509292"/>
+                <a:ext cx="1369656" cy="391886"/>
+              </a:xfrm>
+              <a:prstGeom prst="rect">
+                <a:avLst/>
+              </a:prstGeom>
+            </p:spPr>
+          </p:pic>
+          <p:cxnSp>
+            <p:nvCxnSpPr>
+              <p:cNvPr id="28" name="Conector recto de flecha 27"/>
+              <p:cNvCxnSpPr/>
+              <p:nvPr/>
+            </p:nvCxnSpPr>
+            <p:spPr>
+              <a:xfrm>
+                <a:off x="2141951" y="4072328"/>
+                <a:ext cx="794919" cy="16910"/>
+              </a:xfrm>
+              <a:prstGeom prst="straightConnector1">
+                <a:avLst/>
+              </a:prstGeom>
+              <a:ln w="28575">
+                <a:solidFill>
+                  <a:srgbClr val="7240F0"/>
+                </a:solidFill>
+                <a:tailEnd type="triangle" w="lg" len="lg"/>
+              </a:ln>
+            </p:spPr>
+            <p:style>
+              <a:lnRef idx="1">
+                <a:schemeClr val="accent1"/>
+              </a:lnRef>
+              <a:fillRef idx="0">
+                <a:schemeClr val="accent1"/>
+              </a:fillRef>
+              <a:effectRef idx="0">
+                <a:schemeClr val="accent1"/>
+              </a:effectRef>
+              <a:fontRef idx="minor">
+                <a:schemeClr val="tx1"/>
+              </a:fontRef>
+            </p:style>
+          </p:cxnSp>
+          <p:sp>
+            <p:nvSpPr>
+              <p:cNvPr id="2" name="CuadroTexto 1"/>
+              <p:cNvSpPr txBox="1"/>
+              <p:nvPr/>
+            </p:nvSpPr>
+            <p:spPr>
+              <a:xfrm>
+                <a:off x="2205363" y="877151"/>
+                <a:ext cx="475643" cy="369332"/>
+              </a:xfrm>
+              <a:prstGeom prst="rect">
+                <a:avLst/>
+              </a:prstGeom>
+              <a:noFill/>
+            </p:spPr>
+            <p:txBody>
+              <a:bodyPr wrap="none" rtlCol="0">
+                <a:spAutoFit/>
+              </a:bodyPr>
+              <a:lstStyle/>
+              <a:p>
+                <a:r>
+                  <a:rPr lang="es-ES" b="1" dirty="0" smtClean="0">
+                    <a:solidFill>
+                      <a:srgbClr val="FF3300"/>
+                    </a:solidFill>
+                    <a:latin typeface="+mj-lt"/>
+                    <a:cs typeface="Aharoni" panose="02010803020104030203" pitchFamily="2" charset="-79"/>
+                  </a:rPr>
+                  <a:t>Yes</a:t>
+                </a:r>
+                <a:endParaRPr lang="es-ES" b="1" dirty="0">
+                  <a:solidFill>
+                    <a:srgbClr val="FF3300"/>
+                  </a:solidFill>
+                  <a:latin typeface="+mj-lt"/>
+                  <a:cs typeface="Aharoni" panose="02010803020104030203" pitchFamily="2" charset="-79"/>
+                </a:endParaRPr>
+              </a:p>
+            </p:txBody>
+          </p:sp>
+          <p:cxnSp>
+            <p:nvCxnSpPr>
+              <p:cNvPr id="23" name="Conector recto de flecha 22"/>
+              <p:cNvCxnSpPr>
+                <a:stCxn id="6" idx="2"/>
+                <a:endCxn id="9" idx="0"/>
+              </p:cNvCxnSpPr>
+              <p:nvPr/>
+            </p:nvCxnSpPr>
+            <p:spPr>
+              <a:xfrm flipH="1">
+                <a:off x="4179380" y="1849680"/>
+                <a:ext cx="22250" cy="1532830"/>
+              </a:xfrm>
+              <a:prstGeom prst="straightConnector1">
+                <a:avLst/>
+              </a:prstGeom>
+              <a:ln w="28575">
+                <a:solidFill>
+                  <a:srgbClr val="7240F0"/>
+                </a:solidFill>
+                <a:tailEnd type="triangle" w="lg" len="lg"/>
+              </a:ln>
+            </p:spPr>
+            <p:style>
+              <a:lnRef idx="1">
+                <a:schemeClr val="accent1"/>
+              </a:lnRef>
+              <a:fillRef idx="0">
+                <a:schemeClr val="accent1"/>
+              </a:fillRef>
+              <a:effectRef idx="0">
+                <a:schemeClr val="accent1"/>
+              </a:effectRef>
+              <a:fontRef idx="minor">
+                <a:schemeClr val="tx1"/>
+              </a:fontRef>
+            </p:style>
+          </p:cxnSp>
+          <p:cxnSp>
+            <p:nvCxnSpPr>
+              <p:cNvPr id="32" name="Conector recto de flecha 31"/>
+              <p:cNvCxnSpPr>
+                <a:stCxn id="6" idx="3"/>
+              </p:cNvCxnSpPr>
+              <p:nvPr/>
+            </p:nvCxnSpPr>
+            <p:spPr>
+              <a:xfrm>
+                <a:off x="5554986" y="1238060"/>
+                <a:ext cx="2434690" cy="16846"/>
+              </a:xfrm>
+              <a:prstGeom prst="straightConnector1">
+                <a:avLst/>
+              </a:prstGeom>
+              <a:ln w="28575">
+                <a:solidFill>
+                  <a:srgbClr val="7240F0"/>
+                </a:solidFill>
+                <a:tailEnd type="triangle" w="lg" len="lg"/>
+              </a:ln>
+            </p:spPr>
+            <p:style>
+              <a:lnRef idx="1">
+                <a:schemeClr val="accent1"/>
+              </a:lnRef>
+              <a:fillRef idx="0">
+                <a:schemeClr val="accent1"/>
+              </a:fillRef>
+              <a:effectRef idx="0">
+                <a:schemeClr val="accent1"/>
+              </a:effectRef>
+              <a:fontRef idx="minor">
+                <a:schemeClr val="tx1"/>
+              </a:fontRef>
+            </p:style>
+          </p:cxnSp>
+          <p:cxnSp>
+            <p:nvCxnSpPr>
+              <p:cNvPr id="35" name="Conector recto de flecha 34"/>
+              <p:cNvCxnSpPr>
+                <a:stCxn id="170" idx="3"/>
+                <a:endCxn id="8" idx="2"/>
+              </p:cNvCxnSpPr>
+              <p:nvPr/>
+            </p:nvCxnSpPr>
+            <p:spPr>
+              <a:xfrm>
+                <a:off x="16408854" y="8110307"/>
+                <a:ext cx="520831" cy="1"/>
+              </a:xfrm>
+              <a:prstGeom prst="straightConnector1">
+                <a:avLst/>
+              </a:prstGeom>
+              <a:ln w="28575">
+                <a:solidFill>
+                  <a:srgbClr val="7240F0"/>
+                </a:solidFill>
+                <a:tailEnd type="triangle" w="lg" len="lg"/>
+              </a:ln>
+            </p:spPr>
+            <p:style>
+              <a:lnRef idx="1">
+                <a:schemeClr val="accent1"/>
+              </a:lnRef>
+              <a:fillRef idx="0">
+                <a:schemeClr val="accent1"/>
+              </a:fillRef>
+              <a:effectRef idx="0">
+                <a:schemeClr val="accent1"/>
+              </a:effectRef>
+              <a:fontRef idx="minor">
+                <a:schemeClr val="tx1"/>
+              </a:fontRef>
+            </p:style>
+          </p:cxnSp>
+          <p:cxnSp>
+            <p:nvCxnSpPr>
+              <p:cNvPr id="37" name="Conector recto de flecha 36"/>
+              <p:cNvCxnSpPr>
+                <a:stCxn id="9" idx="2"/>
+                <a:endCxn id="72" idx="0"/>
+              </p:cNvCxnSpPr>
+              <p:nvPr/>
+            </p:nvCxnSpPr>
+            <p:spPr>
+              <a:xfrm>
+                <a:off x="4179380" y="4762147"/>
+                <a:ext cx="0" cy="1241973"/>
+              </a:xfrm>
+              <a:prstGeom prst="straightConnector1">
+                <a:avLst/>
+              </a:prstGeom>
+              <a:ln w="28575">
+                <a:solidFill>
+                  <a:srgbClr val="7240F0"/>
+                </a:solidFill>
+                <a:tailEnd type="triangle" w="lg" len="lg"/>
+              </a:ln>
+            </p:spPr>
+            <p:style>
+              <a:lnRef idx="1">
+                <a:schemeClr val="accent1"/>
+              </a:lnRef>
+              <a:fillRef idx="0">
+                <a:schemeClr val="accent1"/>
+              </a:fillRef>
+              <a:effectRef idx="0">
+                <a:schemeClr val="accent1"/>
+              </a:effectRef>
+              <a:fontRef idx="minor">
+                <a:schemeClr val="tx1"/>
+              </a:fontRef>
+            </p:style>
+          </p:cxnSp>
+          <p:cxnSp>
+            <p:nvCxnSpPr>
+              <p:cNvPr id="39" name="Conector recto de flecha 38"/>
+              <p:cNvCxnSpPr>
+                <a:stCxn id="9" idx="3"/>
+                <a:endCxn id="93" idx="1"/>
+              </p:cNvCxnSpPr>
+              <p:nvPr/>
+            </p:nvCxnSpPr>
+            <p:spPr>
+              <a:xfrm flipV="1">
+                <a:off x="5421890" y="4061044"/>
+                <a:ext cx="3349407" cy="11285"/>
+              </a:xfrm>
+              <a:prstGeom prst="straightConnector1">
+                <a:avLst/>
+              </a:prstGeom>
+              <a:ln w="28575">
+                <a:solidFill>
+                  <a:srgbClr val="7240F0"/>
+                </a:solidFill>
+                <a:tailEnd type="triangle" w="lg" len="lg"/>
+              </a:ln>
+            </p:spPr>
+            <p:style>
+              <a:lnRef idx="1">
+                <a:schemeClr val="accent1"/>
+              </a:lnRef>
+              <a:fillRef idx="0">
+                <a:schemeClr val="accent1"/>
+              </a:fillRef>
+              <a:effectRef idx="0">
+                <a:schemeClr val="accent1"/>
+              </a:effectRef>
+              <a:fontRef idx="minor">
+                <a:schemeClr val="tx1"/>
+              </a:fontRef>
+            </p:style>
+          </p:cxnSp>
+          <p:pic>
+            <p:nvPicPr>
+              <p:cNvPr id="53" name="Imagen 52"/>
+              <p:cNvPicPr>
+                <a:picLocks noChangeAspect="1"/>
+              </p:cNvPicPr>
+              <p:nvPr/>
+            </p:nvPicPr>
+            <p:blipFill>
+              <a:blip r:embed="rId3" cstate="print">
+                <a:duotone>
+                  <a:schemeClr val="accent3">
+                    <a:shade val="45000"/>
+                    <a:satMod val="135000"/>
+                  </a:schemeClr>
+                  <a:prstClr val="white"/>
+                </a:duotone>
+                <a:extLst>
+                  <a:ext uri="{28A0092B-C50C-407E-A947-70E740481C1C}">
+                    <a14:useLocalDpi xmlns:a14="http://schemas.microsoft.com/office/drawing/2010/main" val="0"/>
+                  </a:ext>
+                </a:extLst>
+              </a:blip>
+              <a:stretch>
+                <a:fillRect/>
+              </a:stretch>
+            </p:blipFill>
+            <p:spPr>
+              <a:xfrm>
+                <a:off x="15794485" y="6555965"/>
+                <a:ext cx="614369" cy="650686"/>
+              </a:xfrm>
+              <a:prstGeom prst="rect">
+                <a:avLst/>
+              </a:prstGeom>
+            </p:spPr>
+          </p:pic>
+          <p:sp>
+            <p:nvSpPr>
+              <p:cNvPr id="77" name="CuadroTexto 76"/>
+              <p:cNvSpPr txBox="1"/>
+              <p:nvPr/>
+            </p:nvSpPr>
+            <p:spPr>
+              <a:xfrm>
+                <a:off x="4212587" y="5192153"/>
+                <a:ext cx="1554080" cy="369332"/>
+              </a:xfrm>
+              <a:prstGeom prst="rect">
+                <a:avLst/>
+              </a:prstGeom>
+              <a:noFill/>
+            </p:spPr>
+            <p:txBody>
+              <a:bodyPr wrap="none" rtlCol="0">
+                <a:spAutoFit/>
+              </a:bodyPr>
+              <a:lstStyle/>
+              <a:p>
+                <a:pPr algn="ctr"/>
+                <a:r>
+                  <a:rPr lang="es-ES" b="1" dirty="0" smtClean="0">
+                    <a:solidFill>
+                      <a:srgbClr val="FF3300"/>
+                    </a:solidFill>
+                    <a:latin typeface="+mj-lt"/>
+                    <a:cs typeface="Aharoni" panose="02010803020104030203" pitchFamily="2" charset="-79"/>
+                  </a:rPr>
+                  <a:t>No /  </a:t>
+                </a:r>
+                <a:r>
+                  <a:rPr lang="es-ES" b="1" dirty="0" err="1" smtClean="0">
+                    <a:solidFill>
+                      <a:srgbClr val="FF3300"/>
+                    </a:solidFill>
+                    <a:latin typeface="+mj-lt"/>
+                    <a:cs typeface="Aharoni" panose="02010803020104030203" pitchFamily="2" charset="-79"/>
+                  </a:rPr>
+                  <a:t>Unknown</a:t>
+                </a:r>
+                <a:endParaRPr lang="es-ES" b="1" dirty="0" smtClean="0">
+                  <a:solidFill>
+                    <a:srgbClr val="FF3300"/>
+                  </a:solidFill>
+                  <a:latin typeface="+mj-lt"/>
+                  <a:cs typeface="Aharoni" panose="02010803020104030203" pitchFamily="2" charset="-79"/>
+                </a:endParaRPr>
+              </a:p>
+            </p:txBody>
+          </p:sp>
+          <p:sp>
+            <p:nvSpPr>
+              <p:cNvPr id="78" name="CuadroTexto 77"/>
+              <p:cNvSpPr txBox="1"/>
+              <p:nvPr/>
+            </p:nvSpPr>
+            <p:spPr>
+              <a:xfrm>
+                <a:off x="6282666" y="3670836"/>
+                <a:ext cx="585008" cy="369332"/>
+              </a:xfrm>
+              <a:prstGeom prst="rect">
+                <a:avLst/>
+              </a:prstGeom>
+              <a:noFill/>
+            </p:spPr>
+            <p:txBody>
+              <a:bodyPr wrap="square" rtlCol="0">
+                <a:spAutoFit/>
+              </a:bodyPr>
+              <a:lstStyle/>
+              <a:p>
+                <a:r>
+                  <a:rPr lang="es-ES" b="1" dirty="0" smtClean="0">
+                    <a:solidFill>
+                      <a:srgbClr val="FF3300"/>
+                    </a:solidFill>
+                    <a:latin typeface="+mj-lt"/>
+                    <a:cs typeface="Aharoni" panose="02010803020104030203" pitchFamily="2" charset="-79"/>
+                  </a:rPr>
+                  <a:t>Yes</a:t>
+                </a:r>
+                <a:endParaRPr lang="es-ES" b="1" dirty="0">
+                  <a:solidFill>
+                    <a:srgbClr val="FF3300"/>
+                  </a:solidFill>
+                  <a:latin typeface="+mj-lt"/>
+                  <a:cs typeface="Aharoni" panose="02010803020104030203" pitchFamily="2" charset="-79"/>
+                </a:endParaRPr>
+              </a:p>
+            </p:txBody>
+          </p:sp>
+          <p:cxnSp>
+            <p:nvCxnSpPr>
+              <p:cNvPr id="79" name="Conector recto de flecha 78"/>
+              <p:cNvCxnSpPr/>
+              <p:nvPr/>
+            </p:nvCxnSpPr>
+            <p:spPr>
+              <a:xfrm>
+                <a:off x="4205257" y="0"/>
+                <a:ext cx="7330" cy="589451"/>
+              </a:xfrm>
+              <a:prstGeom prst="straightConnector1">
+                <a:avLst/>
+              </a:prstGeom>
+              <a:ln w="28575">
+                <a:solidFill>
+                  <a:srgbClr val="7240F0"/>
+                </a:solidFill>
+                <a:tailEnd type="triangle" w="lg" len="lg"/>
+              </a:ln>
+            </p:spPr>
+            <p:style>
+              <a:lnRef idx="1">
+                <a:schemeClr val="accent1"/>
+              </a:lnRef>
+              <a:fillRef idx="0">
+                <a:schemeClr val="accent1"/>
+              </a:fillRef>
+              <a:effectRef idx="0">
+                <a:schemeClr val="accent1"/>
+              </a:effectRef>
+              <a:fontRef idx="minor">
+                <a:schemeClr val="tx1"/>
+              </a:fontRef>
+            </p:style>
+          </p:cxnSp>
+          <p:cxnSp>
+            <p:nvCxnSpPr>
+              <p:cNvPr id="95" name="Conector recto de flecha 94"/>
+              <p:cNvCxnSpPr/>
+              <p:nvPr/>
+            </p:nvCxnSpPr>
+            <p:spPr>
+              <a:xfrm flipH="1" flipV="1">
+                <a:off x="1212754" y="-27992"/>
+                <a:ext cx="16203" cy="8657367"/>
+              </a:xfrm>
+              <a:prstGeom prst="straightConnector1">
+                <a:avLst/>
+              </a:prstGeom>
+              <a:ln w="28575">
+                <a:solidFill>
+                  <a:srgbClr val="7240F0"/>
+                </a:solidFill>
+                <a:tailEnd type="triangle" w="lg" len="lg"/>
+              </a:ln>
+            </p:spPr>
+            <p:style>
+              <a:lnRef idx="1">
+                <a:schemeClr val="accent1"/>
+              </a:lnRef>
+              <a:fillRef idx="0">
+                <a:schemeClr val="accent1"/>
+              </a:fillRef>
+              <a:effectRef idx="0">
+                <a:schemeClr val="accent1"/>
+              </a:effectRef>
+              <a:fontRef idx="minor">
+                <a:schemeClr val="tx1"/>
+              </a:fontRef>
+            </p:style>
+          </p:cxnSp>
+          <p:cxnSp>
+            <p:nvCxnSpPr>
+              <p:cNvPr id="103" name="Conector recto de flecha 102"/>
+              <p:cNvCxnSpPr/>
+              <p:nvPr/>
+            </p:nvCxnSpPr>
+            <p:spPr>
+              <a:xfrm>
+                <a:off x="1228957" y="0"/>
+                <a:ext cx="2971842" cy="16042"/>
+              </a:xfrm>
+              <a:prstGeom prst="straightConnector1">
+                <a:avLst/>
+              </a:prstGeom>
+              <a:ln w="28575">
+                <a:solidFill>
+                  <a:srgbClr val="7240F0"/>
+                </a:solidFill>
+                <a:tailEnd type="none" w="lg" len="lg"/>
+              </a:ln>
+            </p:spPr>
+            <p:style>
+              <a:lnRef idx="1">
+                <a:schemeClr val="accent1"/>
+              </a:lnRef>
+              <a:fillRef idx="0">
+                <a:schemeClr val="accent1"/>
+              </a:fillRef>
+              <a:effectRef idx="0">
+                <a:schemeClr val="accent1"/>
+              </a:effectRef>
+              <a:fontRef idx="minor">
+                <a:schemeClr val="tx1"/>
+              </a:fontRef>
+            </p:style>
+          </p:cxnSp>
+          <p:cxnSp>
+            <p:nvCxnSpPr>
+              <p:cNvPr id="105" name="Conector recto de flecha 104"/>
+              <p:cNvCxnSpPr/>
+              <p:nvPr/>
+            </p:nvCxnSpPr>
+            <p:spPr>
+              <a:xfrm flipH="1" flipV="1">
+                <a:off x="1220856" y="8642449"/>
+                <a:ext cx="2093588" cy="14917"/>
+              </a:xfrm>
+              <a:prstGeom prst="straightConnector1">
+                <a:avLst/>
+              </a:prstGeom>
+              <a:ln w="28575">
+                <a:solidFill>
+                  <a:srgbClr val="7240F0"/>
+                </a:solidFill>
+                <a:tailEnd type="triangle" w="lg" len="lg"/>
+              </a:ln>
+            </p:spPr>
+            <p:style>
+              <a:lnRef idx="1">
+                <a:schemeClr val="accent1"/>
+              </a:lnRef>
+              <a:fillRef idx="0">
+                <a:schemeClr val="accent1"/>
+              </a:fillRef>
+              <a:effectRef idx="0">
+                <a:schemeClr val="accent1"/>
+              </a:effectRef>
+              <a:fontRef idx="minor">
+                <a:schemeClr val="tx1"/>
+              </a:fontRef>
+            </p:style>
+          </p:cxnSp>
+          <p:sp>
+            <p:nvSpPr>
+              <p:cNvPr id="121" name="CuadroTexto 120"/>
+              <p:cNvSpPr txBox="1"/>
+              <p:nvPr/>
+            </p:nvSpPr>
+            <p:spPr>
+              <a:xfrm>
+                <a:off x="14961272" y="5152707"/>
+                <a:ext cx="1275775" cy="276999"/>
+              </a:xfrm>
+              <a:prstGeom prst="rect">
+                <a:avLst/>
+              </a:prstGeom>
+              <a:noFill/>
+            </p:spPr>
+            <p:txBody>
+              <a:bodyPr wrap="square" rtlCol="0">
+                <a:spAutoFit/>
+              </a:bodyPr>
+              <a:lstStyle/>
+              <a:p>
+                <a:r>
+                  <a:rPr lang="es-ES" sz="1200" b="1" dirty="0" smtClean="0">
+                    <a:solidFill>
+                      <a:srgbClr val="00B050"/>
+                    </a:solidFill>
+                  </a:rPr>
+                  <a:t>RECIPE SERVICES</a:t>
+                </a:r>
+                <a:endParaRPr lang="es-ES" sz="1200" b="1" dirty="0">
+                  <a:solidFill>
+                    <a:srgbClr val="00B050"/>
+                  </a:solidFill>
+                </a:endParaRPr>
+              </a:p>
+            </p:txBody>
+          </p:sp>
+          <p:sp>
+            <p:nvSpPr>
+              <p:cNvPr id="131" name="CuadroTexto 130"/>
+              <p:cNvSpPr txBox="1"/>
+              <p:nvPr/>
+            </p:nvSpPr>
+            <p:spPr>
+              <a:xfrm>
+                <a:off x="6646302" y="3709005"/>
+                <a:ext cx="1211037" cy="307777"/>
+              </a:xfrm>
+              <a:prstGeom prst="rect">
+                <a:avLst/>
+              </a:prstGeom>
+              <a:noFill/>
+            </p:spPr>
+            <p:txBody>
+              <a:bodyPr wrap="none" rtlCol="0">
+                <a:spAutoFit/>
+              </a:bodyPr>
+              <a:lstStyle/>
+              <a:p>
+                <a:r>
+                  <a:rPr lang="es-ES" sz="1400" b="1" dirty="0" smtClean="0">
+                    <a:solidFill>
+                      <a:schemeClr val="tx1">
+                        <a:lumMod val="50000"/>
+                        <a:lumOff val="50000"/>
+                      </a:schemeClr>
+                    </a:solidFill>
+                    <a:latin typeface="+mj-lt"/>
+                    <a:cs typeface="Aharoni" panose="02010803020104030203" pitchFamily="2" charset="-79"/>
+                  </a:rPr>
+                  <a:t>( $</a:t>
+                </a:r>
+                <a:r>
+                  <a:rPr lang="es-ES" sz="1400" b="1" dirty="0" err="1" smtClean="0">
+                    <a:solidFill>
+                      <a:schemeClr val="tx1">
+                        <a:lumMod val="50000"/>
+                        <a:lumOff val="50000"/>
+                      </a:schemeClr>
+                    </a:solidFill>
+                    <a:latin typeface="+mj-lt"/>
+                    <a:cs typeface="Aharoni" panose="02010803020104030203" pitchFamily="2" charset="-79"/>
+                  </a:rPr>
+                  <a:t>ingredients</a:t>
+                </a:r>
+                <a:r>
+                  <a:rPr lang="es-ES" sz="1400" b="1" dirty="0" smtClean="0">
+                    <a:solidFill>
+                      <a:schemeClr val="tx1">
+                        <a:lumMod val="50000"/>
+                        <a:lumOff val="50000"/>
+                      </a:schemeClr>
+                    </a:solidFill>
+                    <a:latin typeface="+mj-lt"/>
+                    <a:cs typeface="Aharoni" panose="02010803020104030203" pitchFamily="2" charset="-79"/>
+                  </a:rPr>
+                  <a:t>)</a:t>
+                </a:r>
+                <a:endParaRPr lang="es-ES" sz="1400" b="1" dirty="0">
+                  <a:solidFill>
+                    <a:schemeClr val="tx1">
+                      <a:lumMod val="50000"/>
+                      <a:lumOff val="50000"/>
+                    </a:schemeClr>
+                  </a:solidFill>
+                  <a:latin typeface="+mj-lt"/>
+                  <a:cs typeface="Aharoni" panose="02010803020104030203" pitchFamily="2" charset="-79"/>
+                </a:endParaRPr>
+              </a:p>
+            </p:txBody>
+          </p:sp>
+          <p:sp>
+            <p:nvSpPr>
+              <p:cNvPr id="132" name="CuadroTexto 131"/>
+              <p:cNvSpPr txBox="1"/>
+              <p:nvPr/>
+            </p:nvSpPr>
+            <p:spPr>
+              <a:xfrm>
+                <a:off x="6518514" y="938706"/>
+                <a:ext cx="1311578" cy="307777"/>
+              </a:xfrm>
+              <a:prstGeom prst="rect">
+                <a:avLst/>
+              </a:prstGeom>
+              <a:noFill/>
+            </p:spPr>
+            <p:txBody>
+              <a:bodyPr wrap="none" rtlCol="0">
+                <a:spAutoFit/>
+              </a:bodyPr>
+              <a:lstStyle/>
+              <a:p>
+                <a:r>
+                  <a:rPr lang="es-ES" sz="1400" b="1" dirty="0" smtClean="0">
+                    <a:solidFill>
+                      <a:schemeClr val="tx1">
+                        <a:lumMod val="50000"/>
+                        <a:lumOff val="50000"/>
+                      </a:schemeClr>
+                    </a:solidFill>
+                    <a:latin typeface="+mj-lt"/>
+                    <a:cs typeface="Aharoni" panose="02010803020104030203" pitchFamily="2" charset="-79"/>
+                  </a:rPr>
+                  <a:t>( $</a:t>
+                </a:r>
+                <a:r>
+                  <a:rPr lang="es-ES" sz="1400" b="1" dirty="0" err="1" smtClean="0">
+                    <a:solidFill>
+                      <a:schemeClr val="tx1">
+                        <a:lumMod val="50000"/>
+                        <a:lumOff val="50000"/>
+                      </a:schemeClr>
+                    </a:solidFill>
+                    <a:latin typeface="+mj-lt"/>
+                    <a:cs typeface="Aharoni" panose="02010803020104030203" pitchFamily="2" charset="-79"/>
+                  </a:rPr>
+                  <a:t>cuisine_type</a:t>
+                </a:r>
+                <a:r>
+                  <a:rPr lang="es-ES" sz="1400" b="1" dirty="0" smtClean="0">
+                    <a:solidFill>
+                      <a:schemeClr val="tx1">
+                        <a:lumMod val="50000"/>
+                        <a:lumOff val="50000"/>
+                      </a:schemeClr>
+                    </a:solidFill>
+                    <a:latin typeface="+mj-lt"/>
+                    <a:cs typeface="Aharoni" panose="02010803020104030203" pitchFamily="2" charset="-79"/>
+                  </a:rPr>
+                  <a:t>)</a:t>
+                </a:r>
+                <a:endParaRPr lang="es-ES" sz="1400" b="1" dirty="0">
+                  <a:solidFill>
+                    <a:schemeClr val="tx1">
+                      <a:lumMod val="50000"/>
+                      <a:lumOff val="50000"/>
+                    </a:schemeClr>
+                  </a:solidFill>
+                  <a:latin typeface="+mj-lt"/>
+                  <a:cs typeface="Aharoni" panose="02010803020104030203" pitchFamily="2" charset="-79"/>
+                </a:endParaRPr>
+              </a:p>
+            </p:txBody>
+          </p:sp>
+          <p:sp>
+            <p:nvSpPr>
+              <p:cNvPr id="72" name="Decisión 71"/>
+              <p:cNvSpPr/>
+              <p:nvPr/>
+            </p:nvSpPr>
+            <p:spPr>
+              <a:xfrm>
+                <a:off x="3597235" y="6004120"/>
+                <a:ext cx="1164289" cy="1151814"/>
+              </a:xfrm>
+              <a:prstGeom prst="flowChartDecision">
+                <a:avLst/>
+              </a:prstGeom>
+              <a:noFill/>
+              <a:ln w="38100">
+                <a:solidFill>
+                  <a:srgbClr val="46DACC"/>
+                </a:solidFill>
+              </a:ln>
+            </p:spPr>
+            <p:style>
+              <a:lnRef idx="2">
+                <a:schemeClr val="accent1">
+                  <a:shade val="50000"/>
+                </a:schemeClr>
+              </a:lnRef>
+              <a:fillRef idx="1">
+                <a:schemeClr val="accent1"/>
+              </a:fillRef>
+              <a:effectRef idx="0">
+                <a:schemeClr val="accent1"/>
+              </a:effectRef>
+              <a:fontRef idx="minor">
+                <a:schemeClr val="lt1"/>
+              </a:fontRef>
+            </p:style>
+            <p:txBody>
+              <a:bodyPr lIns="0" tIns="0" rIns="0" bIns="0" rtlCol="0" anchor="ctr"/>
+              <a:lstStyle/>
+              <a:p>
+                <a:pPr algn="ctr"/>
+                <a:r>
+                  <a:rPr lang="es-ES" sz="1200" dirty="0" smtClean="0">
+                    <a:solidFill>
+                      <a:schemeClr val="tx1">
+                        <a:lumMod val="65000"/>
+                        <a:lumOff val="35000"/>
+                      </a:schemeClr>
+                    </a:solidFill>
+                    <a:latin typeface="Arial Rounded MT Bold" panose="020F0704030504030204" pitchFamily="34" charset="0"/>
+                  </a:rPr>
+                  <a:t>FIRST</a:t>
+                </a:r>
+              </a:p>
+              <a:p>
+                <a:pPr algn="ctr"/>
+                <a:r>
+                  <a:rPr lang="es-ES" sz="1200" dirty="0" smtClean="0">
+                    <a:solidFill>
+                      <a:schemeClr val="tx1">
+                        <a:lumMod val="65000"/>
+                        <a:lumOff val="35000"/>
+                      </a:schemeClr>
+                    </a:solidFill>
+                    <a:latin typeface="Arial Rounded MT Bold" panose="020F0704030504030204" pitchFamily="34" charset="0"/>
+                  </a:rPr>
+                  <a:t>TIME</a:t>
+                </a:r>
+                <a:endParaRPr lang="es-ES" sz="1200" dirty="0">
+                  <a:solidFill>
+                    <a:schemeClr val="tx1">
+                      <a:lumMod val="65000"/>
+                      <a:lumOff val="35000"/>
+                    </a:schemeClr>
+                  </a:solidFill>
+                  <a:latin typeface="Arial Rounded MT Bold" panose="020F0704030504030204" pitchFamily="34" charset="0"/>
+                </a:endParaRPr>
+              </a:p>
+            </p:txBody>
+          </p:sp>
+          <p:sp>
+            <p:nvSpPr>
+              <p:cNvPr id="86" name="Rectángulo redondeado 85"/>
+              <p:cNvSpPr/>
+              <p:nvPr/>
+            </p:nvSpPr>
+            <p:spPr>
+              <a:xfrm>
+                <a:off x="5571114" y="6118816"/>
+                <a:ext cx="1382271" cy="922421"/>
+              </a:xfrm>
+              <a:prstGeom prst="roundRect">
+                <a:avLst/>
+              </a:prstGeom>
+              <a:noFill/>
+              <a:ln w="38100">
+                <a:solidFill>
+                  <a:srgbClr val="46DACC"/>
+                </a:solidFill>
+              </a:ln>
+            </p:spPr>
+            <p:style>
+              <a:lnRef idx="2">
+                <a:schemeClr val="accent1">
+                  <a:shade val="50000"/>
+                </a:schemeClr>
+              </a:lnRef>
+              <a:fillRef idx="1">
+                <a:schemeClr val="accent1"/>
+              </a:fillRef>
+              <a:effectRef idx="0">
+                <a:schemeClr val="accent1"/>
+              </a:effectRef>
+              <a:fontRef idx="minor">
+                <a:schemeClr val="lt1"/>
+              </a:fontRef>
+            </p:style>
+            <p:txBody>
+              <a:bodyPr lIns="0" tIns="0" rIns="0" bIns="0" rtlCol="0" anchor="ctr"/>
+              <a:lstStyle/>
+              <a:p>
+                <a:pPr algn="ctr"/>
+                <a:r>
+                  <a:rPr lang="es-ES" sz="1200" dirty="0" smtClean="0">
+                    <a:solidFill>
+                      <a:schemeClr val="tx1">
+                        <a:lumMod val="75000"/>
+                        <a:lumOff val="25000"/>
+                      </a:schemeClr>
+                    </a:solidFill>
+                    <a:latin typeface="Arial Rounded MT Bold" panose="020F0704030504030204" pitchFamily="34" charset="0"/>
+                  </a:rPr>
+                  <a:t>YUM </a:t>
+                </a:r>
+                <a:r>
+                  <a:rPr lang="es-ES" sz="1200" dirty="0" err="1" smtClean="0">
+                    <a:solidFill>
+                      <a:schemeClr val="tx1">
+                        <a:lumMod val="75000"/>
+                        <a:lumOff val="25000"/>
+                      </a:schemeClr>
+                    </a:solidFill>
+                    <a:latin typeface="Arial Rounded MT Bold" panose="020F0704030504030204" pitchFamily="34" charset="0"/>
+                  </a:rPr>
+                  <a:t>YUM</a:t>
+                </a:r>
+                <a:r>
+                  <a:rPr lang="es-ES" sz="1200" dirty="0" smtClean="0">
+                    <a:solidFill>
+                      <a:schemeClr val="tx1">
+                        <a:lumMod val="75000"/>
+                        <a:lumOff val="25000"/>
+                      </a:schemeClr>
+                    </a:solidFill>
+                    <a:latin typeface="Arial Rounded MT Bold" panose="020F0704030504030204" pitchFamily="34" charset="0"/>
+                  </a:rPr>
+                  <a:t> </a:t>
+                </a:r>
+              </a:p>
+              <a:p>
+                <a:pPr algn="ctr"/>
+                <a:r>
+                  <a:rPr lang="es-ES" sz="1200" dirty="0" smtClean="0">
+                    <a:solidFill>
+                      <a:schemeClr val="tx1">
+                        <a:lumMod val="75000"/>
+                        <a:lumOff val="25000"/>
+                      </a:schemeClr>
+                    </a:solidFill>
+                    <a:latin typeface="Arial Rounded MT Bold" panose="020F0704030504030204" pitchFamily="34" charset="0"/>
+                  </a:rPr>
+                  <a:t>SUGEST</a:t>
+                </a:r>
+                <a:endParaRPr lang="es-ES" sz="1200" dirty="0">
+                  <a:solidFill>
+                    <a:schemeClr val="tx1">
+                      <a:lumMod val="75000"/>
+                      <a:lumOff val="25000"/>
+                    </a:schemeClr>
+                  </a:solidFill>
+                  <a:latin typeface="Arial Rounded MT Bold" panose="020F0704030504030204" pitchFamily="34" charset="0"/>
+                </a:endParaRPr>
+              </a:p>
+            </p:txBody>
+          </p:sp>
+          <p:cxnSp>
+            <p:nvCxnSpPr>
+              <p:cNvPr id="87" name="Conector recto de flecha 86"/>
+              <p:cNvCxnSpPr>
+                <a:stCxn id="72" idx="2"/>
+                <a:endCxn id="10" idx="0"/>
+              </p:cNvCxnSpPr>
+              <p:nvPr/>
+            </p:nvCxnSpPr>
+            <p:spPr>
+              <a:xfrm>
+                <a:off x="4179380" y="7155934"/>
+                <a:ext cx="18622" cy="973833"/>
+              </a:xfrm>
+              <a:prstGeom prst="straightConnector1">
+                <a:avLst/>
+              </a:prstGeom>
+              <a:ln w="28575">
+                <a:solidFill>
+                  <a:srgbClr val="7240F0"/>
+                </a:solidFill>
+                <a:tailEnd type="triangle" w="lg" len="lg"/>
+              </a:ln>
+            </p:spPr>
+            <p:style>
+              <a:lnRef idx="1">
+                <a:schemeClr val="accent1"/>
+              </a:lnRef>
+              <a:fillRef idx="0">
+                <a:schemeClr val="accent1"/>
+              </a:fillRef>
+              <a:effectRef idx="0">
+                <a:schemeClr val="accent1"/>
+              </a:effectRef>
+              <a:fontRef idx="minor">
+                <a:schemeClr val="tx1"/>
+              </a:fontRef>
+            </p:style>
+          </p:cxnSp>
+          <p:cxnSp>
+            <p:nvCxnSpPr>
+              <p:cNvPr id="90" name="Conector recto de flecha 89"/>
+              <p:cNvCxnSpPr>
+                <a:stCxn id="72" idx="3"/>
+                <a:endCxn id="86" idx="1"/>
+              </p:cNvCxnSpPr>
+              <p:nvPr/>
+            </p:nvCxnSpPr>
+            <p:spPr>
+              <a:xfrm>
+                <a:off x="4761524" y="6580027"/>
+                <a:ext cx="809590" cy="0"/>
+              </a:xfrm>
+              <a:prstGeom prst="straightConnector1">
+                <a:avLst/>
+              </a:prstGeom>
+              <a:ln w="28575">
+                <a:solidFill>
+                  <a:srgbClr val="7240F0"/>
+                </a:solidFill>
+                <a:tailEnd type="triangle" w="lg" len="lg"/>
+              </a:ln>
+            </p:spPr>
+            <p:style>
+              <a:lnRef idx="1">
+                <a:schemeClr val="accent1"/>
+              </a:lnRef>
+              <a:fillRef idx="0">
+                <a:schemeClr val="accent1"/>
+              </a:fillRef>
+              <a:effectRef idx="0">
+                <a:schemeClr val="accent1"/>
+              </a:effectRef>
+              <a:fontRef idx="minor">
+                <a:schemeClr val="tx1"/>
+              </a:fontRef>
+            </p:style>
+          </p:cxnSp>
+          <p:sp>
+            <p:nvSpPr>
+              <p:cNvPr id="91" name="CuadroTexto 90"/>
+              <p:cNvSpPr txBox="1"/>
+              <p:nvPr/>
+            </p:nvSpPr>
+            <p:spPr>
+              <a:xfrm>
+                <a:off x="4863457" y="6205743"/>
+                <a:ext cx="447558" cy="369332"/>
+              </a:xfrm>
+              <a:prstGeom prst="rect">
+                <a:avLst/>
+              </a:prstGeom>
+              <a:noFill/>
+            </p:spPr>
+            <p:txBody>
+              <a:bodyPr wrap="none" rtlCol="0">
+                <a:spAutoFit/>
+              </a:bodyPr>
+              <a:lstStyle/>
+              <a:p>
+                <a:r>
+                  <a:rPr lang="es-ES" b="1" dirty="0" smtClean="0">
+                    <a:solidFill>
+                      <a:srgbClr val="FF3300"/>
+                    </a:solidFill>
+                    <a:latin typeface="+mj-lt"/>
+                    <a:cs typeface="Aharoni" panose="02010803020104030203" pitchFamily="2" charset="-79"/>
+                  </a:rPr>
+                  <a:t>No</a:t>
+                </a:r>
+                <a:endParaRPr lang="es-ES" b="1" dirty="0">
+                  <a:solidFill>
+                    <a:srgbClr val="FF3300"/>
+                  </a:solidFill>
+                  <a:latin typeface="+mj-lt"/>
+                  <a:cs typeface="Aharoni" panose="02010803020104030203" pitchFamily="2" charset="-79"/>
+                </a:endParaRPr>
+              </a:p>
+            </p:txBody>
+          </p:sp>
+          <p:sp>
+            <p:nvSpPr>
+              <p:cNvPr id="92" name="CuadroTexto 91"/>
+              <p:cNvSpPr txBox="1"/>
+              <p:nvPr/>
+            </p:nvSpPr>
+            <p:spPr>
+              <a:xfrm>
+                <a:off x="4257027" y="7378338"/>
+                <a:ext cx="475643" cy="369332"/>
+              </a:xfrm>
+              <a:prstGeom prst="rect">
+                <a:avLst/>
+              </a:prstGeom>
+              <a:noFill/>
+            </p:spPr>
+            <p:txBody>
+              <a:bodyPr wrap="none" rtlCol="0">
+                <a:spAutoFit/>
+              </a:bodyPr>
+              <a:lstStyle/>
+              <a:p>
+                <a:r>
+                  <a:rPr lang="es-ES" b="1" dirty="0" smtClean="0">
+                    <a:solidFill>
+                      <a:srgbClr val="FF3300"/>
+                    </a:solidFill>
+                    <a:latin typeface="+mj-lt"/>
+                    <a:cs typeface="Aharoni" panose="02010803020104030203" pitchFamily="2" charset="-79"/>
+                  </a:rPr>
+                  <a:t>Yes</a:t>
+                </a:r>
+                <a:endParaRPr lang="es-ES" b="1" dirty="0">
+                  <a:solidFill>
+                    <a:srgbClr val="FF3300"/>
+                  </a:solidFill>
+                  <a:latin typeface="+mj-lt"/>
+                  <a:cs typeface="Aharoni" panose="02010803020104030203" pitchFamily="2" charset="-79"/>
+                </a:endParaRPr>
+              </a:p>
+            </p:txBody>
+          </p:sp>
+          <p:sp>
+            <p:nvSpPr>
+              <p:cNvPr id="93" name="Decisión 92"/>
+              <p:cNvSpPr/>
+              <p:nvPr/>
+            </p:nvSpPr>
+            <p:spPr>
+              <a:xfrm>
+                <a:off x="8771297" y="3227466"/>
+                <a:ext cx="2747942" cy="1667156"/>
+              </a:xfrm>
+              <a:prstGeom prst="flowChartDecision">
+                <a:avLst/>
+              </a:prstGeom>
+              <a:noFill/>
+              <a:ln w="38100">
+                <a:solidFill>
+                  <a:srgbClr val="46DACC"/>
+                </a:solidFill>
+              </a:ln>
+            </p:spPr>
+            <p:style>
+              <a:lnRef idx="2">
+                <a:schemeClr val="accent1">
+                  <a:shade val="50000"/>
+                </a:schemeClr>
+              </a:lnRef>
+              <a:fillRef idx="1">
+                <a:schemeClr val="accent1"/>
+              </a:fillRef>
+              <a:effectRef idx="0">
+                <a:schemeClr val="accent1"/>
+              </a:effectRef>
+              <a:fontRef idx="minor">
+                <a:schemeClr val="lt1"/>
+              </a:fontRef>
+            </p:style>
+            <p:txBody>
+              <a:bodyPr lIns="0" tIns="0" rIns="0" bIns="0" rtlCol="0" anchor="ctr"/>
+              <a:lstStyle/>
+              <a:p>
+                <a:pPr algn="ctr"/>
+                <a:r>
+                  <a:rPr lang="es-ES" sz="1200" dirty="0" smtClean="0">
+                    <a:solidFill>
+                      <a:schemeClr val="tx1">
+                        <a:lumMod val="75000"/>
+                        <a:lumOff val="25000"/>
+                      </a:schemeClr>
+                    </a:solidFill>
+                    <a:latin typeface="Arial Rounded MT Bold" panose="020F0704030504030204" pitchFamily="34" charset="0"/>
+                  </a:rPr>
+                  <a:t>CHECK</a:t>
+                </a:r>
+              </a:p>
+              <a:p>
+                <a:pPr algn="ctr"/>
+                <a:r>
+                  <a:rPr lang="es-ES" sz="1200" dirty="0" smtClean="0">
+                    <a:solidFill>
+                      <a:schemeClr val="tx1">
+                        <a:lumMod val="75000"/>
+                        <a:lumOff val="25000"/>
+                      </a:schemeClr>
+                    </a:solidFill>
+                    <a:latin typeface="Arial Rounded MT Bold" panose="020F0704030504030204" pitchFamily="34" charset="0"/>
+                  </a:rPr>
+                  <a:t>@INTOLERANCES</a:t>
+                </a:r>
+                <a:endParaRPr lang="es-ES" sz="1200" dirty="0">
+                  <a:solidFill>
+                    <a:schemeClr val="tx1">
+                      <a:lumMod val="75000"/>
+                      <a:lumOff val="25000"/>
+                    </a:schemeClr>
+                  </a:solidFill>
+                  <a:latin typeface="Arial Rounded MT Bold" panose="020F0704030504030204" pitchFamily="34" charset="0"/>
+                </a:endParaRPr>
+              </a:p>
+            </p:txBody>
+          </p:sp>
+          <p:cxnSp>
+            <p:nvCxnSpPr>
+              <p:cNvPr id="96" name="Conector recto de flecha 95"/>
+              <p:cNvCxnSpPr/>
+              <p:nvPr/>
+            </p:nvCxnSpPr>
+            <p:spPr>
+              <a:xfrm>
+                <a:off x="6953385" y="6575796"/>
+                <a:ext cx="1056187" cy="0"/>
+              </a:xfrm>
+              <a:prstGeom prst="straightConnector1">
+                <a:avLst/>
+              </a:prstGeom>
+              <a:ln w="28575">
+                <a:solidFill>
+                  <a:srgbClr val="7240F0"/>
+                </a:solidFill>
+                <a:tailEnd type="triangle" w="lg" len="lg"/>
+              </a:ln>
+            </p:spPr>
+            <p:style>
+              <a:lnRef idx="1">
+                <a:schemeClr val="accent1"/>
+              </a:lnRef>
+              <a:fillRef idx="0">
+                <a:schemeClr val="accent1"/>
+              </a:fillRef>
+              <a:effectRef idx="0">
+                <a:schemeClr val="accent1"/>
+              </a:effectRef>
+              <a:fontRef idx="minor">
+                <a:schemeClr val="tx1"/>
+              </a:fontRef>
+            </p:style>
+          </p:cxnSp>
+          <p:cxnSp>
+            <p:nvCxnSpPr>
+              <p:cNvPr id="99" name="Conector recto de flecha 98"/>
+              <p:cNvCxnSpPr/>
+              <p:nvPr/>
+            </p:nvCxnSpPr>
+            <p:spPr>
+              <a:xfrm>
+                <a:off x="7983442" y="1263021"/>
+                <a:ext cx="10064" cy="2798023"/>
+              </a:xfrm>
+              <a:prstGeom prst="straightConnector1">
+                <a:avLst/>
+              </a:prstGeom>
+              <a:ln w="28575">
+                <a:solidFill>
+                  <a:srgbClr val="7240F0"/>
+                </a:solidFill>
+                <a:tailEnd type="triangle" w="lg" len="lg"/>
+              </a:ln>
+            </p:spPr>
+            <p:style>
+              <a:lnRef idx="1">
+                <a:schemeClr val="accent1"/>
+              </a:lnRef>
+              <a:fillRef idx="0">
+                <a:schemeClr val="accent1"/>
+              </a:fillRef>
+              <a:effectRef idx="0">
+                <a:schemeClr val="accent1"/>
+              </a:effectRef>
+              <a:fontRef idx="minor">
+                <a:schemeClr val="tx1"/>
+              </a:fontRef>
+            </p:style>
+          </p:cxnSp>
+          <p:cxnSp>
+            <p:nvCxnSpPr>
+              <p:cNvPr id="101" name="Conector recto de flecha 100"/>
+              <p:cNvCxnSpPr/>
+              <p:nvPr/>
+            </p:nvCxnSpPr>
+            <p:spPr>
+              <a:xfrm flipH="1" flipV="1">
+                <a:off x="7995662" y="4076557"/>
+                <a:ext cx="3650" cy="2498520"/>
+              </a:xfrm>
+              <a:prstGeom prst="straightConnector1">
+                <a:avLst/>
+              </a:prstGeom>
+              <a:ln w="28575">
+                <a:solidFill>
+                  <a:srgbClr val="7240F0"/>
+                </a:solidFill>
+                <a:tailEnd type="triangle" w="lg" len="lg"/>
+              </a:ln>
+            </p:spPr>
+            <p:style>
+              <a:lnRef idx="1">
+                <a:schemeClr val="accent1"/>
+              </a:lnRef>
+              <a:fillRef idx="0">
+                <a:schemeClr val="accent1"/>
+              </a:fillRef>
+              <a:effectRef idx="0">
+                <a:schemeClr val="accent1"/>
+              </a:effectRef>
+              <a:fontRef idx="minor">
+                <a:schemeClr val="tx1"/>
+              </a:fontRef>
+            </p:style>
+          </p:cxnSp>
+          <p:sp>
+            <p:nvSpPr>
+              <p:cNvPr id="134" name="Rectángulo redondeado 133"/>
+              <p:cNvSpPr/>
+              <p:nvPr/>
+            </p:nvSpPr>
+            <p:spPr>
+              <a:xfrm>
+                <a:off x="9295211" y="6047475"/>
+                <a:ext cx="1737060" cy="1055201"/>
+              </a:xfrm>
+              <a:prstGeom prst="roundRect">
+                <a:avLst/>
+              </a:prstGeom>
+              <a:noFill/>
+              <a:ln w="38100">
+                <a:solidFill>
+                  <a:srgbClr val="46DACC"/>
+                </a:solidFill>
+              </a:ln>
+            </p:spPr>
+            <p:style>
+              <a:lnRef idx="2">
+                <a:schemeClr val="accent1">
+                  <a:shade val="50000"/>
+                </a:schemeClr>
+              </a:lnRef>
+              <a:fillRef idx="1">
+                <a:schemeClr val="accent1"/>
+              </a:fillRef>
+              <a:effectRef idx="0">
+                <a:schemeClr val="accent1"/>
+              </a:effectRef>
+              <a:fontRef idx="minor">
+                <a:schemeClr val="lt1"/>
+              </a:fontRef>
+            </p:style>
+            <p:txBody>
+              <a:bodyPr lIns="0" tIns="0" rIns="0" bIns="0" rtlCol="0" anchor="ctr"/>
+              <a:lstStyle/>
+              <a:p>
+                <a:pPr algn="ctr"/>
+                <a:r>
+                  <a:rPr lang="es-ES" sz="1200" dirty="0" smtClean="0">
+                    <a:solidFill>
+                      <a:schemeClr val="tx1">
+                        <a:lumMod val="75000"/>
+                        <a:lumOff val="25000"/>
+                      </a:schemeClr>
+                    </a:solidFill>
+                    <a:latin typeface="Arial Rounded MT Bold" panose="020F0704030504030204" pitchFamily="34" charset="0"/>
+                  </a:rPr>
+                  <a:t>ASK FOR </a:t>
+                </a:r>
+              </a:p>
+              <a:p>
+                <a:pPr algn="ctr"/>
+                <a:r>
+                  <a:rPr lang="es-ES" sz="1200" dirty="0" smtClean="0">
+                    <a:solidFill>
+                      <a:schemeClr val="tx1">
+                        <a:lumMod val="75000"/>
+                        <a:lumOff val="25000"/>
+                      </a:schemeClr>
+                    </a:solidFill>
+                    <a:latin typeface="Arial Rounded MT Bold" panose="020F0704030504030204" pitchFamily="34" charset="0"/>
+                  </a:rPr>
+                  <a:t>@INTOLERANCES</a:t>
+                </a:r>
+                <a:endParaRPr lang="es-ES" sz="1200" dirty="0">
+                  <a:solidFill>
+                    <a:schemeClr val="tx1">
+                      <a:lumMod val="75000"/>
+                      <a:lumOff val="25000"/>
+                    </a:schemeClr>
+                  </a:solidFill>
+                  <a:latin typeface="Arial Rounded MT Bold" panose="020F0704030504030204" pitchFamily="34" charset="0"/>
+                </a:endParaRPr>
+              </a:p>
+            </p:txBody>
+          </p:sp>
+          <p:cxnSp>
+            <p:nvCxnSpPr>
+              <p:cNvPr id="135" name="Conector recto de flecha 134"/>
+              <p:cNvCxnSpPr>
+                <a:stCxn id="93" idx="2"/>
+                <a:endCxn id="134" idx="0"/>
+              </p:cNvCxnSpPr>
+              <p:nvPr/>
+            </p:nvCxnSpPr>
+            <p:spPr>
+              <a:xfrm>
+                <a:off x="10145268" y="4894622"/>
+                <a:ext cx="18473" cy="1152853"/>
+              </a:xfrm>
+              <a:prstGeom prst="straightConnector1">
+                <a:avLst/>
+              </a:prstGeom>
+              <a:ln w="28575">
+                <a:solidFill>
+                  <a:srgbClr val="7240F0"/>
+                </a:solidFill>
+                <a:tailEnd type="triangle" w="lg" len="lg"/>
+              </a:ln>
+            </p:spPr>
+            <p:style>
+              <a:lnRef idx="1">
+                <a:schemeClr val="accent1"/>
+              </a:lnRef>
+              <a:fillRef idx="0">
+                <a:schemeClr val="accent1"/>
+              </a:fillRef>
+              <a:effectRef idx="0">
+                <a:schemeClr val="accent1"/>
+              </a:effectRef>
+              <a:fontRef idx="minor">
+                <a:schemeClr val="tx1"/>
+              </a:fontRef>
+            </p:style>
+          </p:cxnSp>
+          <p:sp>
+            <p:nvSpPr>
+              <p:cNvPr id="138" name="CuadroTexto 137"/>
+              <p:cNvSpPr txBox="1"/>
+              <p:nvPr/>
+            </p:nvSpPr>
+            <p:spPr>
+              <a:xfrm>
+                <a:off x="10171263" y="5245040"/>
+                <a:ext cx="1055545" cy="369332"/>
+              </a:xfrm>
+              <a:prstGeom prst="rect">
+                <a:avLst/>
+              </a:prstGeom>
+              <a:noFill/>
+            </p:spPr>
+            <p:txBody>
+              <a:bodyPr wrap="none" rtlCol="0">
+                <a:spAutoFit/>
+              </a:bodyPr>
+              <a:lstStyle/>
+              <a:p>
+                <a:pPr algn="ctr"/>
+                <a:r>
+                  <a:rPr lang="es-ES" b="1" dirty="0" err="1" smtClean="0">
+                    <a:solidFill>
+                      <a:srgbClr val="FF3300"/>
+                    </a:solidFill>
+                    <a:latin typeface="+mj-lt"/>
+                    <a:cs typeface="Aharoni" panose="02010803020104030203" pitchFamily="2" charset="-79"/>
+                  </a:rPr>
+                  <a:t>Unknown</a:t>
+                </a:r>
+                <a:endParaRPr lang="es-ES" b="1" dirty="0" smtClean="0">
+                  <a:solidFill>
+                    <a:srgbClr val="FF3300"/>
+                  </a:solidFill>
+                  <a:latin typeface="+mj-lt"/>
+                  <a:cs typeface="Aharoni" panose="02010803020104030203" pitchFamily="2" charset="-79"/>
+                </a:endParaRPr>
+              </a:p>
+            </p:txBody>
+          </p:sp>
+          <p:cxnSp>
+            <p:nvCxnSpPr>
+              <p:cNvPr id="145" name="Conector recto de flecha 144"/>
+              <p:cNvCxnSpPr/>
+              <p:nvPr/>
+            </p:nvCxnSpPr>
+            <p:spPr>
+              <a:xfrm flipH="1" flipV="1">
+                <a:off x="8737083" y="4061044"/>
+                <a:ext cx="12195" cy="2518982"/>
+              </a:xfrm>
+              <a:prstGeom prst="straightConnector1">
+                <a:avLst/>
+              </a:prstGeom>
+              <a:ln w="28575">
+                <a:solidFill>
+                  <a:srgbClr val="7240F0"/>
+                </a:solidFill>
+                <a:tailEnd type="triangle" w="lg" len="lg"/>
+              </a:ln>
+            </p:spPr>
+            <p:style>
+              <a:lnRef idx="1">
+                <a:schemeClr val="accent1"/>
+              </a:lnRef>
+              <a:fillRef idx="0">
+                <a:schemeClr val="accent1"/>
+              </a:fillRef>
+              <a:effectRef idx="0">
+                <a:schemeClr val="accent1"/>
+              </a:effectRef>
+              <a:fontRef idx="minor">
+                <a:schemeClr val="tx1"/>
+              </a:fontRef>
+            </p:style>
+          </p:cxnSp>
+          <p:cxnSp>
+            <p:nvCxnSpPr>
+              <p:cNvPr id="147" name="Conector recto de flecha 146"/>
+              <p:cNvCxnSpPr>
+                <a:stCxn id="134" idx="1"/>
+              </p:cNvCxnSpPr>
+              <p:nvPr/>
+            </p:nvCxnSpPr>
+            <p:spPr>
+              <a:xfrm flipH="1">
+                <a:off x="8746045" y="6575076"/>
+                <a:ext cx="549166" cy="720"/>
+              </a:xfrm>
+              <a:prstGeom prst="straightConnector1">
+                <a:avLst/>
+              </a:prstGeom>
+              <a:ln w="28575">
+                <a:solidFill>
+                  <a:srgbClr val="7240F0"/>
+                </a:solidFill>
+                <a:tailEnd type="triangle" w="lg" len="lg"/>
+              </a:ln>
+            </p:spPr>
+            <p:style>
+              <a:lnRef idx="1">
+                <a:schemeClr val="accent1"/>
+              </a:lnRef>
+              <a:fillRef idx="0">
+                <a:schemeClr val="accent1"/>
+              </a:fillRef>
+              <a:effectRef idx="0">
+                <a:schemeClr val="accent1"/>
+              </a:effectRef>
+              <a:fontRef idx="minor">
+                <a:schemeClr val="tx1"/>
+              </a:fontRef>
+            </p:style>
+          </p:cxnSp>
+          <p:cxnSp>
+            <p:nvCxnSpPr>
+              <p:cNvPr id="152" name="Conector recto de flecha 151"/>
+              <p:cNvCxnSpPr>
+                <a:stCxn id="93" idx="3"/>
+                <a:endCxn id="156" idx="1"/>
+              </p:cNvCxnSpPr>
+              <p:nvPr/>
+            </p:nvCxnSpPr>
+            <p:spPr>
+              <a:xfrm>
+                <a:off x="11519239" y="4061044"/>
+                <a:ext cx="1223384" cy="11284"/>
+              </a:xfrm>
+              <a:prstGeom prst="straightConnector1">
+                <a:avLst/>
+              </a:prstGeom>
+              <a:ln w="28575">
+                <a:solidFill>
+                  <a:srgbClr val="7240F0"/>
+                </a:solidFill>
+                <a:tailEnd type="triangle" w="lg" len="lg"/>
+              </a:ln>
+            </p:spPr>
+            <p:style>
+              <a:lnRef idx="1">
+                <a:schemeClr val="accent1"/>
+              </a:lnRef>
+              <a:fillRef idx="0">
+                <a:schemeClr val="accent1"/>
+              </a:fillRef>
+              <a:effectRef idx="0">
+                <a:schemeClr val="accent1"/>
+              </a:effectRef>
+              <a:fontRef idx="minor">
+                <a:schemeClr val="tx1"/>
+              </a:fontRef>
+            </p:style>
+          </p:cxnSp>
+          <p:sp>
+            <p:nvSpPr>
+              <p:cNvPr id="155" name="CuadroTexto 154"/>
+              <p:cNvSpPr txBox="1"/>
+              <p:nvPr/>
+            </p:nvSpPr>
+            <p:spPr>
+              <a:xfrm>
+                <a:off x="11631036" y="3719336"/>
+                <a:ext cx="922881" cy="369332"/>
+              </a:xfrm>
+              <a:prstGeom prst="rect">
+                <a:avLst/>
+              </a:prstGeom>
+              <a:noFill/>
+            </p:spPr>
+            <p:txBody>
+              <a:bodyPr wrap="none" rtlCol="0">
+                <a:spAutoFit/>
+              </a:bodyPr>
+              <a:lstStyle/>
+              <a:p>
+                <a:r>
+                  <a:rPr lang="es-ES" b="1" dirty="0" smtClean="0">
+                    <a:solidFill>
+                      <a:srgbClr val="FF3300"/>
+                    </a:solidFill>
+                    <a:latin typeface="+mj-lt"/>
+                    <a:cs typeface="Aharoni" panose="02010803020104030203" pitchFamily="2" charset="-79"/>
+                  </a:rPr>
+                  <a:t>Yes / No</a:t>
+                </a:r>
+                <a:endParaRPr lang="es-ES" b="1" dirty="0">
+                  <a:solidFill>
+                    <a:srgbClr val="FF3300"/>
+                  </a:solidFill>
+                  <a:latin typeface="+mj-lt"/>
+                  <a:cs typeface="Aharoni" panose="02010803020104030203" pitchFamily="2" charset="-79"/>
+                </a:endParaRPr>
+              </a:p>
+            </p:txBody>
+          </p:sp>
+          <p:sp>
+            <p:nvSpPr>
+              <p:cNvPr id="156" name="Rectángulo redondeado 155"/>
+              <p:cNvSpPr/>
+              <p:nvPr/>
+            </p:nvSpPr>
+            <p:spPr>
+              <a:xfrm>
+                <a:off x="12742623" y="3544727"/>
+                <a:ext cx="1373092" cy="1055201"/>
+              </a:xfrm>
+              <a:prstGeom prst="roundRect">
+                <a:avLst/>
+              </a:prstGeom>
+              <a:noFill/>
+              <a:ln w="38100">
+                <a:solidFill>
+                  <a:srgbClr val="FFC000"/>
+                </a:solidFill>
+              </a:ln>
+            </p:spPr>
+            <p:style>
+              <a:lnRef idx="2">
+                <a:schemeClr val="accent1">
+                  <a:shade val="50000"/>
+                </a:schemeClr>
+              </a:lnRef>
+              <a:fillRef idx="1">
+                <a:schemeClr val="accent1"/>
+              </a:fillRef>
+              <a:effectRef idx="0">
+                <a:schemeClr val="accent1"/>
+              </a:effectRef>
+              <a:fontRef idx="minor">
+                <a:schemeClr val="lt1"/>
+              </a:fontRef>
+            </p:style>
+            <p:txBody>
+              <a:bodyPr lIns="0" tIns="0" rIns="0" bIns="0" rtlCol="0" anchor="ctr"/>
+              <a:lstStyle/>
+              <a:p>
+                <a:pPr algn="ctr"/>
+                <a:r>
+                  <a:rPr lang="es-ES" sz="1200" dirty="0" smtClean="0">
+                    <a:solidFill>
+                      <a:schemeClr val="tx1">
+                        <a:lumMod val="75000"/>
+                        <a:lumOff val="25000"/>
+                      </a:schemeClr>
+                    </a:solidFill>
+                    <a:latin typeface="Arial Rounded MT Bold" panose="020F0704030504030204" pitchFamily="34" charset="0"/>
+                  </a:rPr>
+                  <a:t>SEARCH</a:t>
+                </a:r>
+              </a:p>
+              <a:p>
+                <a:pPr algn="ctr"/>
+                <a:r>
+                  <a:rPr lang="es-ES" sz="1200" dirty="0" smtClean="0">
+                    <a:solidFill>
+                      <a:schemeClr val="tx1">
+                        <a:lumMod val="75000"/>
+                        <a:lumOff val="25000"/>
+                      </a:schemeClr>
+                    </a:solidFill>
+                    <a:latin typeface="Arial Rounded MT Bold" panose="020F0704030504030204" pitchFamily="34" charset="0"/>
+                  </a:rPr>
+                  <a:t>DISHES</a:t>
+                </a:r>
+                <a:endParaRPr lang="es-ES" sz="1200" dirty="0">
+                  <a:solidFill>
+                    <a:schemeClr val="tx1">
+                      <a:lumMod val="75000"/>
+                      <a:lumOff val="25000"/>
+                    </a:schemeClr>
+                  </a:solidFill>
+                  <a:latin typeface="Arial Rounded MT Bold" panose="020F0704030504030204" pitchFamily="34" charset="0"/>
+                </a:endParaRPr>
+              </a:p>
+            </p:txBody>
+          </p:sp>
+          <p:sp>
+            <p:nvSpPr>
+              <p:cNvPr id="157" name="CuadroTexto 156"/>
+              <p:cNvSpPr txBox="1"/>
+              <p:nvPr/>
+            </p:nvSpPr>
+            <p:spPr>
+              <a:xfrm>
+                <a:off x="11265720" y="2744704"/>
+                <a:ext cx="1683153" cy="954107"/>
+              </a:xfrm>
+              <a:prstGeom prst="rect">
+                <a:avLst/>
+              </a:prstGeom>
+              <a:noFill/>
+            </p:spPr>
+            <p:txBody>
+              <a:bodyPr wrap="none" rtlCol="0">
+                <a:spAutoFit/>
+              </a:bodyPr>
+              <a:lstStyle/>
+              <a:p>
+                <a:r>
+                  <a:rPr lang="es-ES" sz="1400" b="1" dirty="0" smtClean="0">
+                    <a:solidFill>
+                      <a:schemeClr val="tx1">
+                        <a:lumMod val="50000"/>
+                        <a:lumOff val="50000"/>
+                      </a:schemeClr>
+                    </a:solidFill>
+                    <a:latin typeface="+mj-lt"/>
+                    <a:cs typeface="Aharoni" panose="02010803020104030203" pitchFamily="2" charset="-79"/>
+                  </a:rPr>
+                  <a:t>( $</a:t>
+                </a:r>
+                <a:r>
+                  <a:rPr lang="es-ES" sz="1400" b="1" dirty="0" err="1" smtClean="0">
+                    <a:solidFill>
+                      <a:schemeClr val="tx1">
+                        <a:lumMod val="50000"/>
+                        <a:lumOff val="50000"/>
+                      </a:schemeClr>
+                    </a:solidFill>
+                    <a:latin typeface="+mj-lt"/>
+                    <a:cs typeface="Aharoni" panose="02010803020104030203" pitchFamily="2" charset="-79"/>
+                  </a:rPr>
+                  <a:t>yum_sugest</a:t>
+                </a:r>
+                <a:r>
+                  <a:rPr lang="es-ES" sz="1400" b="1" dirty="0" smtClean="0">
+                    <a:solidFill>
+                      <a:schemeClr val="tx1">
+                        <a:lumMod val="50000"/>
+                        <a:lumOff val="50000"/>
+                      </a:schemeClr>
+                    </a:solidFill>
+                    <a:latin typeface="+mj-lt"/>
+                    <a:cs typeface="Aharoni" panose="02010803020104030203" pitchFamily="2" charset="-79"/>
+                  </a:rPr>
+                  <a:t>=TRUE</a:t>
+                </a:r>
+              </a:p>
+              <a:p>
+                <a:r>
+                  <a:rPr lang="es-ES" sz="1400" b="1" dirty="0" smtClean="0">
+                    <a:solidFill>
+                      <a:schemeClr val="tx1">
+                        <a:lumMod val="50000"/>
+                        <a:lumOff val="50000"/>
+                      </a:schemeClr>
+                    </a:solidFill>
+                    <a:latin typeface="+mj-lt"/>
+                    <a:cs typeface="Aharoni" panose="02010803020104030203" pitchFamily="2" charset="-79"/>
+                  </a:rPr>
+                  <a:t>   $</a:t>
+                </a:r>
+                <a:r>
+                  <a:rPr lang="es-ES" sz="1400" b="1" dirty="0" err="1" smtClean="0">
+                    <a:solidFill>
+                      <a:schemeClr val="tx1">
+                        <a:lumMod val="50000"/>
+                        <a:lumOff val="50000"/>
+                      </a:schemeClr>
+                    </a:solidFill>
+                    <a:latin typeface="+mj-lt"/>
+                    <a:cs typeface="Aharoni" panose="02010803020104030203" pitchFamily="2" charset="-79"/>
+                  </a:rPr>
+                  <a:t>cuisine_type</a:t>
+                </a:r>
+                <a:endParaRPr lang="es-ES" sz="1400" b="1" dirty="0" smtClean="0">
+                  <a:solidFill>
+                    <a:schemeClr val="tx1">
+                      <a:lumMod val="50000"/>
+                      <a:lumOff val="50000"/>
+                    </a:schemeClr>
+                  </a:solidFill>
+                  <a:latin typeface="+mj-lt"/>
+                  <a:cs typeface="Aharoni" panose="02010803020104030203" pitchFamily="2" charset="-79"/>
+                </a:endParaRPr>
+              </a:p>
+              <a:p>
+                <a:r>
+                  <a:rPr lang="es-ES" sz="1400" b="1" dirty="0" smtClean="0">
+                    <a:solidFill>
+                      <a:schemeClr val="tx1">
+                        <a:lumMod val="50000"/>
+                        <a:lumOff val="50000"/>
+                      </a:schemeClr>
+                    </a:solidFill>
+                    <a:latin typeface="+mj-lt"/>
+                    <a:cs typeface="Aharoni" panose="02010803020104030203" pitchFamily="2" charset="-79"/>
+                  </a:rPr>
+                  <a:t>   $</a:t>
+                </a:r>
+                <a:r>
+                  <a:rPr lang="es-ES" sz="1400" b="1" dirty="0" err="1" smtClean="0">
+                    <a:solidFill>
+                      <a:schemeClr val="tx1">
+                        <a:lumMod val="50000"/>
+                        <a:lumOff val="50000"/>
+                      </a:schemeClr>
+                    </a:solidFill>
+                    <a:latin typeface="+mj-lt"/>
+                    <a:cs typeface="Aharoni" panose="02010803020104030203" pitchFamily="2" charset="-79"/>
+                  </a:rPr>
+                  <a:t>ingredients</a:t>
+                </a:r>
+                <a:endParaRPr lang="es-ES" sz="1400" b="1" dirty="0" smtClean="0">
+                  <a:solidFill>
+                    <a:schemeClr val="tx1">
+                      <a:lumMod val="50000"/>
+                      <a:lumOff val="50000"/>
+                    </a:schemeClr>
+                  </a:solidFill>
+                  <a:latin typeface="+mj-lt"/>
+                  <a:cs typeface="Aharoni" panose="02010803020104030203" pitchFamily="2" charset="-79"/>
+                </a:endParaRPr>
+              </a:p>
+              <a:p>
+                <a:r>
+                  <a:rPr lang="es-ES" sz="1400" b="1" dirty="0" smtClean="0">
+                    <a:solidFill>
+                      <a:schemeClr val="tx1">
+                        <a:lumMod val="50000"/>
+                        <a:lumOff val="50000"/>
+                      </a:schemeClr>
+                    </a:solidFill>
+                    <a:latin typeface="+mj-lt"/>
+                    <a:cs typeface="Aharoni" panose="02010803020104030203" pitchFamily="2" charset="-79"/>
+                  </a:rPr>
+                  <a:t>   $</a:t>
+                </a:r>
+                <a:r>
+                  <a:rPr lang="es-ES" sz="1400" b="1" dirty="0" err="1" smtClean="0">
+                    <a:solidFill>
+                      <a:schemeClr val="tx1">
+                        <a:lumMod val="50000"/>
+                        <a:lumOff val="50000"/>
+                      </a:schemeClr>
+                    </a:solidFill>
+                    <a:latin typeface="+mj-lt"/>
+                    <a:cs typeface="Aharoni" panose="02010803020104030203" pitchFamily="2" charset="-79"/>
+                  </a:rPr>
+                  <a:t>intolerances</a:t>
+                </a:r>
+                <a:r>
+                  <a:rPr lang="es-ES" sz="1400" b="1" dirty="0" smtClean="0">
+                    <a:solidFill>
+                      <a:schemeClr val="tx1">
+                        <a:lumMod val="50000"/>
+                        <a:lumOff val="50000"/>
+                      </a:schemeClr>
+                    </a:solidFill>
+                    <a:latin typeface="+mj-lt"/>
+                    <a:cs typeface="Aharoni" panose="02010803020104030203" pitchFamily="2" charset="-79"/>
+                  </a:rPr>
+                  <a:t> )</a:t>
+                </a:r>
+                <a:endParaRPr lang="es-ES" sz="1400" b="1" dirty="0">
+                  <a:solidFill>
+                    <a:schemeClr val="tx1">
+                      <a:lumMod val="50000"/>
+                      <a:lumOff val="50000"/>
+                    </a:schemeClr>
+                  </a:solidFill>
+                  <a:latin typeface="+mj-lt"/>
+                  <a:cs typeface="Aharoni" panose="02010803020104030203" pitchFamily="2" charset="-79"/>
+                </a:endParaRPr>
+              </a:p>
+            </p:txBody>
+          </p:sp>
+          <p:sp>
+            <p:nvSpPr>
+              <p:cNvPr id="158" name="Rectángulo redondeado 157"/>
+              <p:cNvSpPr/>
+              <p:nvPr/>
+            </p:nvSpPr>
+            <p:spPr>
+              <a:xfrm>
+                <a:off x="12827008" y="5476519"/>
+                <a:ext cx="1185215" cy="1083315"/>
+              </a:xfrm>
+              <a:prstGeom prst="roundRect">
+                <a:avLst/>
+              </a:prstGeom>
+              <a:noFill/>
+              <a:ln w="38100">
+                <a:solidFill>
+                  <a:srgbClr val="FFC000"/>
+                </a:solidFill>
+              </a:ln>
+            </p:spPr>
+            <p:style>
+              <a:lnRef idx="2">
+                <a:schemeClr val="accent1">
+                  <a:shade val="50000"/>
+                </a:schemeClr>
+              </a:lnRef>
+              <a:fillRef idx="1">
+                <a:schemeClr val="accent1"/>
+              </a:fillRef>
+              <a:effectRef idx="0">
+                <a:schemeClr val="accent1"/>
+              </a:effectRef>
+              <a:fontRef idx="minor">
+                <a:schemeClr val="lt1"/>
+              </a:fontRef>
+            </p:style>
+            <p:txBody>
+              <a:bodyPr lIns="0" tIns="0" rIns="0" bIns="0" rtlCol="0" anchor="ctr"/>
+              <a:lstStyle/>
+              <a:p>
+                <a:pPr algn="ctr"/>
+                <a:r>
+                  <a:rPr lang="es-ES" sz="1200" dirty="0" smtClean="0">
+                    <a:solidFill>
+                      <a:schemeClr val="tx1">
+                        <a:lumMod val="75000"/>
+                        <a:lumOff val="25000"/>
+                      </a:schemeClr>
+                    </a:solidFill>
+                    <a:latin typeface="Arial Rounded MT Bold" panose="020F0704030504030204" pitchFamily="34" charset="0"/>
+                  </a:rPr>
+                  <a:t>SHOW </a:t>
+                </a:r>
+              </a:p>
+              <a:p>
+                <a:pPr algn="ctr"/>
+                <a:r>
+                  <a:rPr lang="es-ES" sz="1200" dirty="0" smtClean="0">
+                    <a:solidFill>
+                      <a:schemeClr val="tx1">
+                        <a:lumMod val="75000"/>
+                        <a:lumOff val="25000"/>
+                      </a:schemeClr>
+                    </a:solidFill>
+                    <a:latin typeface="Arial Rounded MT Bold" panose="020F0704030504030204" pitchFamily="34" charset="0"/>
+                  </a:rPr>
+                  <a:t>OPTIONS</a:t>
+                </a:r>
+                <a:endParaRPr lang="es-ES" sz="1200" dirty="0">
+                  <a:solidFill>
+                    <a:schemeClr val="tx1">
+                      <a:lumMod val="75000"/>
+                      <a:lumOff val="25000"/>
+                    </a:schemeClr>
+                  </a:solidFill>
+                  <a:latin typeface="Arial Rounded MT Bold" panose="020F0704030504030204" pitchFamily="34" charset="0"/>
+                </a:endParaRPr>
+              </a:p>
+            </p:txBody>
+          </p:sp>
+          <p:sp>
+            <p:nvSpPr>
+              <p:cNvPr id="159" name="Decisión 158"/>
+              <p:cNvSpPr/>
+              <p:nvPr/>
+            </p:nvSpPr>
+            <p:spPr>
+              <a:xfrm>
+                <a:off x="12706448" y="7487686"/>
+                <a:ext cx="1445441" cy="1284161"/>
+              </a:xfrm>
+              <a:prstGeom prst="flowChartDecision">
+                <a:avLst/>
+              </a:prstGeom>
+              <a:noFill/>
+              <a:ln w="38100">
+                <a:solidFill>
+                  <a:srgbClr val="46DACC"/>
+                </a:solidFill>
+              </a:ln>
+            </p:spPr>
+            <p:style>
+              <a:lnRef idx="2">
+                <a:schemeClr val="accent1">
+                  <a:shade val="50000"/>
+                </a:schemeClr>
+              </a:lnRef>
+              <a:fillRef idx="1">
+                <a:schemeClr val="accent1"/>
+              </a:fillRef>
+              <a:effectRef idx="0">
+                <a:schemeClr val="accent1"/>
+              </a:effectRef>
+              <a:fontRef idx="minor">
+                <a:schemeClr val="lt1"/>
+              </a:fontRef>
+            </p:style>
+            <p:txBody>
+              <a:bodyPr lIns="0" tIns="0" rIns="0" bIns="0" rtlCol="0" anchor="ctr"/>
+              <a:lstStyle/>
+              <a:p>
+                <a:pPr algn="ctr"/>
+                <a:r>
+                  <a:rPr lang="es-ES" sz="1200" dirty="0" smtClean="0">
+                    <a:solidFill>
+                      <a:schemeClr val="tx1">
+                        <a:lumMod val="65000"/>
+                        <a:lumOff val="35000"/>
+                      </a:schemeClr>
+                    </a:solidFill>
+                    <a:latin typeface="Arial Rounded MT Bold" panose="020F0704030504030204" pitchFamily="34" charset="0"/>
+                  </a:rPr>
+                  <a:t>CHECK</a:t>
+                </a:r>
+              </a:p>
+              <a:p>
+                <a:pPr algn="ctr"/>
+                <a:r>
+                  <a:rPr lang="es-ES" sz="1200" dirty="0" smtClean="0">
+                    <a:solidFill>
+                      <a:schemeClr val="tx1">
+                        <a:lumMod val="65000"/>
+                        <a:lumOff val="35000"/>
+                      </a:schemeClr>
+                    </a:solidFill>
+                    <a:latin typeface="Arial Rounded MT Bold" panose="020F0704030504030204" pitchFamily="34" charset="0"/>
+                  </a:rPr>
+                  <a:t>OPTIONS</a:t>
+                </a:r>
+                <a:endParaRPr lang="es-ES" sz="1200" dirty="0">
+                  <a:solidFill>
+                    <a:schemeClr val="tx1">
+                      <a:lumMod val="65000"/>
+                      <a:lumOff val="35000"/>
+                    </a:schemeClr>
+                  </a:solidFill>
+                  <a:latin typeface="Arial Rounded MT Bold" panose="020F0704030504030204" pitchFamily="34" charset="0"/>
+                </a:endParaRPr>
+              </a:p>
+            </p:txBody>
+          </p:sp>
+          <p:cxnSp>
+            <p:nvCxnSpPr>
+              <p:cNvPr id="160" name="Conector recto de flecha 159"/>
+              <p:cNvCxnSpPr>
+                <a:stCxn id="156" idx="2"/>
+                <a:endCxn id="158" idx="0"/>
+              </p:cNvCxnSpPr>
+              <p:nvPr/>
+            </p:nvCxnSpPr>
+            <p:spPr>
+              <a:xfrm flipH="1">
+                <a:off x="13419616" y="4599928"/>
+                <a:ext cx="9553" cy="876591"/>
+              </a:xfrm>
+              <a:prstGeom prst="straightConnector1">
+                <a:avLst/>
+              </a:prstGeom>
+              <a:ln w="28575">
+                <a:solidFill>
+                  <a:srgbClr val="7240F0"/>
+                </a:solidFill>
+                <a:tailEnd type="triangle" w="lg" len="lg"/>
+              </a:ln>
+            </p:spPr>
+            <p:style>
+              <a:lnRef idx="1">
+                <a:schemeClr val="accent1"/>
+              </a:lnRef>
+              <a:fillRef idx="0">
+                <a:schemeClr val="accent1"/>
+              </a:fillRef>
+              <a:effectRef idx="0">
+                <a:schemeClr val="accent1"/>
+              </a:effectRef>
+              <a:fontRef idx="minor">
+                <a:schemeClr val="tx1"/>
+              </a:fontRef>
+            </p:style>
+          </p:cxnSp>
+          <p:cxnSp>
+            <p:nvCxnSpPr>
+              <p:cNvPr id="163" name="Conector recto de flecha 162"/>
+              <p:cNvCxnSpPr>
+                <a:stCxn id="158" idx="2"/>
+                <a:endCxn id="159" idx="0"/>
+              </p:cNvCxnSpPr>
+              <p:nvPr/>
+            </p:nvCxnSpPr>
+            <p:spPr>
+              <a:xfrm>
+                <a:off x="13419616" y="6559834"/>
+                <a:ext cx="9553" cy="927852"/>
+              </a:xfrm>
+              <a:prstGeom prst="straightConnector1">
+                <a:avLst/>
+              </a:prstGeom>
+              <a:ln w="28575">
+                <a:solidFill>
+                  <a:srgbClr val="7240F0"/>
+                </a:solidFill>
+                <a:tailEnd type="triangle" w="lg" len="lg"/>
+              </a:ln>
+            </p:spPr>
+            <p:style>
+              <a:lnRef idx="1">
+                <a:schemeClr val="accent1"/>
+              </a:lnRef>
+              <a:fillRef idx="0">
+                <a:schemeClr val="accent1"/>
+              </a:fillRef>
+              <a:effectRef idx="0">
+                <a:schemeClr val="accent1"/>
+              </a:effectRef>
+              <a:fontRef idx="minor">
+                <a:schemeClr val="tx1"/>
+              </a:fontRef>
+            </p:style>
+          </p:cxnSp>
+          <p:sp>
+            <p:nvSpPr>
+              <p:cNvPr id="170" name="Rectángulo redondeado 169"/>
+              <p:cNvSpPr/>
+              <p:nvPr/>
+            </p:nvSpPr>
+            <p:spPr>
+              <a:xfrm>
+                <a:off x="15035762" y="7582706"/>
+                <a:ext cx="1373092" cy="1055201"/>
+              </a:xfrm>
+              <a:prstGeom prst="roundRect">
+                <a:avLst/>
+              </a:prstGeom>
+              <a:noFill/>
+              <a:ln w="38100">
+                <a:solidFill>
+                  <a:srgbClr val="FFC000"/>
+                </a:solidFill>
+              </a:ln>
+            </p:spPr>
+            <p:style>
+              <a:lnRef idx="2">
+                <a:schemeClr val="accent1">
+                  <a:shade val="50000"/>
+                </a:schemeClr>
+              </a:lnRef>
+              <a:fillRef idx="1">
+                <a:schemeClr val="accent1"/>
+              </a:fillRef>
+              <a:effectRef idx="0">
+                <a:schemeClr val="accent1"/>
+              </a:effectRef>
+              <a:fontRef idx="minor">
+                <a:schemeClr val="lt1"/>
+              </a:fontRef>
+            </p:style>
+            <p:txBody>
+              <a:bodyPr lIns="0" tIns="0" rIns="0" bIns="0" rtlCol="0" anchor="ctr"/>
+              <a:lstStyle/>
+              <a:p>
+                <a:pPr algn="ctr"/>
+                <a:r>
+                  <a:rPr lang="es-ES" sz="1200" dirty="0" smtClean="0">
+                    <a:solidFill>
+                      <a:schemeClr val="tx1">
+                        <a:lumMod val="75000"/>
+                        <a:lumOff val="25000"/>
+                      </a:schemeClr>
+                    </a:solidFill>
+                    <a:latin typeface="Arial Rounded MT Bold" panose="020F0704030504030204" pitchFamily="34" charset="0"/>
+                  </a:rPr>
+                  <a:t>SEARCH</a:t>
+                </a:r>
+              </a:p>
+              <a:p>
+                <a:pPr algn="ctr"/>
+                <a:r>
+                  <a:rPr lang="es-ES" sz="1200" dirty="0" smtClean="0">
+                    <a:solidFill>
+                      <a:schemeClr val="tx1">
+                        <a:lumMod val="75000"/>
+                        <a:lumOff val="25000"/>
+                      </a:schemeClr>
+                    </a:solidFill>
+                    <a:latin typeface="Arial Rounded MT Bold" panose="020F0704030504030204" pitchFamily="34" charset="0"/>
+                  </a:rPr>
+                  <a:t>RECIPE</a:t>
+                </a:r>
+                <a:endParaRPr lang="es-ES" sz="1200" dirty="0">
+                  <a:solidFill>
+                    <a:schemeClr val="tx1">
+                      <a:lumMod val="75000"/>
+                      <a:lumOff val="25000"/>
+                    </a:schemeClr>
+                  </a:solidFill>
+                  <a:latin typeface="Arial Rounded MT Bold" panose="020F0704030504030204" pitchFamily="34" charset="0"/>
+                </a:endParaRPr>
+              </a:p>
+            </p:txBody>
+          </p:sp>
+          <p:cxnSp>
+            <p:nvCxnSpPr>
+              <p:cNvPr id="234" name="Conector recto de flecha 233"/>
+              <p:cNvCxnSpPr>
+                <a:stCxn id="159" idx="3"/>
+                <a:endCxn id="170" idx="1"/>
+              </p:cNvCxnSpPr>
+              <p:nvPr/>
+            </p:nvCxnSpPr>
+            <p:spPr>
+              <a:xfrm flipV="1">
+                <a:off x="14151889" y="8110307"/>
+                <a:ext cx="883873" cy="19460"/>
+              </a:xfrm>
+              <a:prstGeom prst="straightConnector1">
+                <a:avLst/>
+              </a:prstGeom>
+              <a:ln w="28575">
+                <a:solidFill>
+                  <a:srgbClr val="7240F0"/>
+                </a:solidFill>
+                <a:tailEnd type="triangle" w="lg" len="lg"/>
+              </a:ln>
+            </p:spPr>
+            <p:style>
+              <a:lnRef idx="1">
+                <a:schemeClr val="accent1"/>
+              </a:lnRef>
+              <a:fillRef idx="0">
+                <a:schemeClr val="accent1"/>
+              </a:fillRef>
+              <a:effectRef idx="0">
+                <a:schemeClr val="accent1"/>
+              </a:effectRef>
+              <a:fontRef idx="minor">
+                <a:schemeClr val="tx1"/>
+              </a:fontRef>
+            </p:style>
+          </p:cxnSp>
+          <p:cxnSp>
+            <p:nvCxnSpPr>
+              <p:cNvPr id="237" name="Conector recto de flecha 236"/>
+              <p:cNvCxnSpPr>
+                <a:stCxn id="159" idx="1"/>
+              </p:cNvCxnSpPr>
+              <p:nvPr/>
+            </p:nvCxnSpPr>
+            <p:spPr>
+              <a:xfrm flipH="1" flipV="1">
+                <a:off x="11631036" y="8129766"/>
+                <a:ext cx="1075412" cy="1"/>
+              </a:xfrm>
+              <a:prstGeom prst="straightConnector1">
+                <a:avLst/>
+              </a:prstGeom>
+              <a:ln w="28575">
+                <a:solidFill>
+                  <a:srgbClr val="7240F0"/>
+                </a:solidFill>
+                <a:tailEnd type="triangle" w="lg" len="lg"/>
+              </a:ln>
+            </p:spPr>
+            <p:style>
+              <a:lnRef idx="1">
+                <a:schemeClr val="accent1"/>
+              </a:lnRef>
+              <a:fillRef idx="0">
+                <a:schemeClr val="accent1"/>
+              </a:fillRef>
+              <a:effectRef idx="0">
+                <a:schemeClr val="accent1"/>
+              </a:effectRef>
+              <a:fontRef idx="minor">
+                <a:schemeClr val="tx1"/>
+              </a:fontRef>
+            </p:style>
+          </p:cxnSp>
+          <p:cxnSp>
+            <p:nvCxnSpPr>
+              <p:cNvPr id="240" name="Conector recto de flecha 239"/>
+              <p:cNvCxnSpPr/>
+              <p:nvPr/>
+            </p:nvCxnSpPr>
+            <p:spPr>
+              <a:xfrm flipV="1">
+                <a:off x="11657487" y="6036147"/>
+                <a:ext cx="0" cy="2131355"/>
+              </a:xfrm>
+              <a:prstGeom prst="straightConnector1">
+                <a:avLst/>
+              </a:prstGeom>
+              <a:ln w="28575">
+                <a:solidFill>
+                  <a:srgbClr val="7240F0"/>
+                </a:solidFill>
+                <a:tailEnd type="triangle" w="lg" len="lg"/>
+              </a:ln>
+            </p:spPr>
+            <p:style>
+              <a:lnRef idx="1">
+                <a:schemeClr val="accent1"/>
+              </a:lnRef>
+              <a:fillRef idx="0">
+                <a:schemeClr val="accent1"/>
+              </a:fillRef>
+              <a:effectRef idx="0">
+                <a:schemeClr val="accent1"/>
+              </a:effectRef>
+              <a:fontRef idx="minor">
+                <a:schemeClr val="tx1"/>
+              </a:fontRef>
+            </p:style>
+          </p:cxnSp>
+          <p:cxnSp>
+            <p:nvCxnSpPr>
+              <p:cNvPr id="242" name="Conector recto de flecha 241"/>
+              <p:cNvCxnSpPr>
+                <a:endCxn id="158" idx="1"/>
+              </p:cNvCxnSpPr>
+              <p:nvPr/>
+            </p:nvCxnSpPr>
+            <p:spPr>
+              <a:xfrm flipV="1">
+                <a:off x="11655371" y="6018177"/>
+                <a:ext cx="1171637" cy="29298"/>
+              </a:xfrm>
+              <a:prstGeom prst="straightConnector1">
+                <a:avLst/>
+              </a:prstGeom>
+              <a:ln w="28575">
+                <a:solidFill>
+                  <a:srgbClr val="7240F0"/>
+                </a:solidFill>
+                <a:tailEnd type="triangle" w="lg" len="lg"/>
+              </a:ln>
+            </p:spPr>
+            <p:style>
+              <a:lnRef idx="1">
+                <a:schemeClr val="accent1"/>
+              </a:lnRef>
+              <a:fillRef idx="0">
+                <a:schemeClr val="accent1"/>
+              </a:fillRef>
+              <a:effectRef idx="0">
+                <a:schemeClr val="accent1"/>
+              </a:effectRef>
+              <a:fontRef idx="minor">
+                <a:schemeClr val="tx1"/>
+              </a:fontRef>
+            </p:style>
+          </p:cxnSp>
+          <p:sp>
+            <p:nvSpPr>
+              <p:cNvPr id="245" name="Flecha izquierda y derecha 244"/>
+              <p:cNvSpPr/>
+              <p:nvPr/>
+            </p:nvSpPr>
+            <p:spPr>
+              <a:xfrm rot="12818899">
+                <a:off x="14276037" y="4318159"/>
+                <a:ext cx="922357" cy="212903"/>
+              </a:xfrm>
+              <a:prstGeom prst="leftRightArrow">
+                <a:avLst/>
+              </a:prstGeom>
+              <a:solidFill>
+                <a:schemeClr val="accent3">
+                  <a:lumMod val="60000"/>
+                  <a:lumOff val="40000"/>
+                </a:schemeClr>
+              </a:solidFill>
+              <a:ln>
+                <a:noFill/>
+              </a:ln>
+            </p:spPr>
+            <p:style>
+              <a:lnRef idx="2">
+                <a:schemeClr val="accent1">
+                  <a:shade val="50000"/>
+                </a:schemeClr>
+              </a:lnRef>
+              <a:fillRef idx="1">
+                <a:schemeClr val="accent1"/>
+              </a:fillRef>
+              <a:effectRef idx="0">
+                <a:schemeClr val="accent1"/>
+              </a:effectRef>
+              <a:fontRef idx="minor">
+                <a:schemeClr val="lt1"/>
+              </a:fontRef>
+            </p:style>
+            <p:txBody>
+              <a:bodyPr rtlCol="0" anchor="ctr"/>
+              <a:lstStyle/>
+              <a:p>
+                <a:pPr algn="ctr"/>
+                <a:endParaRPr lang="es-ES"/>
+              </a:p>
+            </p:txBody>
+          </p:sp>
+          <p:sp>
+            <p:nvSpPr>
+              <p:cNvPr id="246" name="Flecha izquierda y derecha 245"/>
+              <p:cNvSpPr/>
+              <p:nvPr/>
+            </p:nvSpPr>
+            <p:spPr>
+              <a:xfrm rot="16200000">
+                <a:off x="15134851" y="6825124"/>
+                <a:ext cx="922357" cy="212903"/>
+              </a:xfrm>
+              <a:prstGeom prst="leftRightArrow">
+                <a:avLst/>
+              </a:prstGeom>
+              <a:solidFill>
+                <a:schemeClr val="accent3">
+                  <a:lumMod val="60000"/>
+                  <a:lumOff val="40000"/>
+                </a:schemeClr>
+              </a:solidFill>
+              <a:ln>
+                <a:noFill/>
+              </a:ln>
+            </p:spPr>
+            <p:style>
+              <a:lnRef idx="2">
+                <a:schemeClr val="accent1">
+                  <a:shade val="50000"/>
+                </a:schemeClr>
+              </a:lnRef>
+              <a:fillRef idx="1">
+                <a:schemeClr val="accent1"/>
+              </a:fillRef>
+              <a:effectRef idx="0">
+                <a:schemeClr val="accent1"/>
+              </a:effectRef>
+              <a:fontRef idx="minor">
+                <a:schemeClr val="lt1"/>
+              </a:fontRef>
+            </p:style>
+            <p:txBody>
+              <a:bodyPr rtlCol="0" anchor="ctr"/>
+              <a:lstStyle/>
+              <a:p>
+                <a:pPr algn="ctr"/>
+                <a:endParaRPr lang="es-ES"/>
+              </a:p>
+            </p:txBody>
+          </p:sp>
+          <p:pic>
+            <p:nvPicPr>
+              <p:cNvPr id="247" name="Imagen 246"/>
+              <p:cNvPicPr>
+                <a:picLocks noChangeAspect="1"/>
+              </p:cNvPicPr>
+              <p:nvPr/>
+            </p:nvPicPr>
+            <p:blipFill>
+              <a:blip r:embed="rId3" cstate="print">
+                <a:duotone>
+                  <a:schemeClr val="accent3">
+                    <a:shade val="45000"/>
+                    <a:satMod val="135000"/>
+                  </a:schemeClr>
+                  <a:prstClr val="white"/>
+                </a:duotone>
+                <a:extLst>
+                  <a:ext uri="{28A0092B-C50C-407E-A947-70E740481C1C}">
+                    <a14:useLocalDpi xmlns:a14="http://schemas.microsoft.com/office/drawing/2010/main" val="0"/>
+                  </a:ext>
+                </a:extLst>
+              </a:blip>
+              <a:stretch>
+                <a:fillRect/>
+              </a:stretch>
+            </p:blipFill>
+            <p:spPr>
+              <a:xfrm>
+                <a:off x="14768080" y="3661831"/>
+                <a:ext cx="614369" cy="650686"/>
+              </a:xfrm>
+              <a:prstGeom prst="rect">
+                <a:avLst/>
+              </a:prstGeom>
+            </p:spPr>
+          </p:pic>
+          <p:sp>
+            <p:nvSpPr>
+              <p:cNvPr id="259" name="CuadroTexto 258"/>
+              <p:cNvSpPr txBox="1"/>
+              <p:nvPr/>
+            </p:nvSpPr>
+            <p:spPr>
+              <a:xfrm>
+                <a:off x="5854697" y="8234853"/>
+                <a:ext cx="1275775" cy="276999"/>
+              </a:xfrm>
+              <a:prstGeom prst="rect">
+                <a:avLst/>
+              </a:prstGeom>
+              <a:noFill/>
+            </p:spPr>
+            <p:txBody>
+              <a:bodyPr wrap="square" rtlCol="0">
+                <a:spAutoFit/>
+              </a:bodyPr>
+              <a:lstStyle/>
+              <a:p>
+                <a:r>
+                  <a:rPr lang="es-ES" sz="1200" b="1" dirty="0" smtClean="0">
+                    <a:solidFill>
+                      <a:srgbClr val="00B050"/>
+                    </a:solidFill>
+                  </a:rPr>
+                  <a:t>DATABASE</a:t>
+                </a:r>
+                <a:endParaRPr lang="es-ES" sz="1200" b="1" dirty="0">
+                  <a:solidFill>
+                    <a:srgbClr val="00B050"/>
+                  </a:solidFill>
+                </a:endParaRPr>
+              </a:p>
+            </p:txBody>
+          </p:sp>
+          <p:sp>
+            <p:nvSpPr>
+              <p:cNvPr id="260" name="Flecha izquierda y derecha 259"/>
+              <p:cNvSpPr/>
+              <p:nvPr/>
+            </p:nvSpPr>
+            <p:spPr>
+              <a:xfrm rot="16200000">
+                <a:off x="5821488" y="7456553"/>
+                <a:ext cx="922357" cy="212903"/>
+              </a:xfrm>
+              <a:prstGeom prst="leftRightArrow">
+                <a:avLst/>
+              </a:prstGeom>
+              <a:solidFill>
+                <a:schemeClr val="accent3">
+                  <a:lumMod val="60000"/>
+                  <a:lumOff val="40000"/>
+                </a:schemeClr>
+              </a:solidFill>
+              <a:ln>
+                <a:noFill/>
+              </a:ln>
+            </p:spPr>
+            <p:style>
+              <a:lnRef idx="2">
+                <a:schemeClr val="accent1">
+                  <a:shade val="50000"/>
+                </a:schemeClr>
+              </a:lnRef>
+              <a:fillRef idx="1">
+                <a:schemeClr val="accent1"/>
+              </a:fillRef>
+              <a:effectRef idx="0">
+                <a:schemeClr val="accent1"/>
+              </a:effectRef>
+              <a:fontRef idx="minor">
+                <a:schemeClr val="lt1"/>
+              </a:fontRef>
+            </p:style>
+            <p:txBody>
+              <a:bodyPr rtlCol="0" anchor="ctr"/>
+              <a:lstStyle/>
+              <a:p>
+                <a:pPr algn="ctr"/>
+                <a:endParaRPr lang="es-ES"/>
+              </a:p>
+            </p:txBody>
+          </p:sp>
+          <p:pic>
+            <p:nvPicPr>
+              <p:cNvPr id="262" name="Imagen 261"/>
+              <p:cNvPicPr>
+                <a:picLocks noChangeAspect="1"/>
+              </p:cNvPicPr>
+              <p:nvPr/>
+            </p:nvPicPr>
+            <p:blipFill>
+              <a:blip r:embed="rId4" cstate="print">
+                <a:duotone>
+                  <a:schemeClr val="accent5">
+                    <a:shade val="45000"/>
+                    <a:satMod val="135000"/>
+                  </a:schemeClr>
+                  <a:prstClr val="white"/>
+                </a:duotone>
+                <a:extLst>
+                  <a:ext uri="{28A0092B-C50C-407E-A947-70E740481C1C}">
+                    <a14:useLocalDpi xmlns:a14="http://schemas.microsoft.com/office/drawing/2010/main" val="0"/>
+                  </a:ext>
+                </a:extLst>
+              </a:blip>
+              <a:stretch>
+                <a:fillRect/>
+              </a:stretch>
+            </p:blipFill>
+            <p:spPr>
+              <a:xfrm>
+                <a:off x="6362063" y="8629375"/>
+                <a:ext cx="444124" cy="445566"/>
+              </a:xfrm>
+              <a:prstGeom prst="rect">
+                <a:avLst/>
+              </a:prstGeom>
+            </p:spPr>
+          </p:pic>
+          <p:pic>
+            <p:nvPicPr>
+              <p:cNvPr id="264" name="Imagen 263"/>
+              <p:cNvPicPr>
+                <a:picLocks noChangeAspect="1"/>
+              </p:cNvPicPr>
+              <p:nvPr/>
+            </p:nvPicPr>
+            <p:blipFill>
+              <a:blip r:embed="rId5" cstate="print">
+                <a:extLst>
+                  <a:ext uri="{28A0092B-C50C-407E-A947-70E740481C1C}">
+                    <a14:useLocalDpi xmlns:a14="http://schemas.microsoft.com/office/drawing/2010/main" val="0"/>
+                  </a:ext>
+                </a:extLst>
+              </a:blip>
+              <a:stretch>
+                <a:fillRect/>
+              </a:stretch>
+            </p:blipFill>
+            <p:spPr>
+              <a:xfrm>
+                <a:off x="5839723" y="8725391"/>
+                <a:ext cx="423959" cy="390042"/>
+              </a:xfrm>
+              <a:prstGeom prst="rect">
+                <a:avLst/>
+              </a:prstGeom>
+            </p:spPr>
+          </p:pic>
+          <p:sp>
+            <p:nvSpPr>
+              <p:cNvPr id="267" name="CuadroTexto 266"/>
+              <p:cNvSpPr txBox="1"/>
+              <p:nvPr/>
+            </p:nvSpPr>
+            <p:spPr>
+              <a:xfrm>
+                <a:off x="11793527" y="7642850"/>
+                <a:ext cx="1055545" cy="369332"/>
+              </a:xfrm>
+              <a:prstGeom prst="rect">
+                <a:avLst/>
+              </a:prstGeom>
+              <a:noFill/>
+            </p:spPr>
+            <p:txBody>
+              <a:bodyPr wrap="none" rtlCol="0">
+                <a:spAutoFit/>
+              </a:bodyPr>
+              <a:lstStyle/>
+              <a:p>
+                <a:pPr algn="ctr"/>
+                <a:r>
+                  <a:rPr lang="es-ES" b="1" dirty="0" err="1" smtClean="0">
+                    <a:solidFill>
+                      <a:srgbClr val="FF3300"/>
+                    </a:solidFill>
+                    <a:latin typeface="+mj-lt"/>
+                    <a:cs typeface="Aharoni" panose="02010803020104030203" pitchFamily="2" charset="-79"/>
+                  </a:rPr>
+                  <a:t>Unknown</a:t>
+                </a:r>
+                <a:endParaRPr lang="es-ES" b="1" dirty="0" smtClean="0">
+                  <a:solidFill>
+                    <a:srgbClr val="FF3300"/>
+                  </a:solidFill>
+                  <a:latin typeface="+mj-lt"/>
+                  <a:cs typeface="Aharoni" panose="02010803020104030203" pitchFamily="2" charset="-79"/>
+                </a:endParaRPr>
+              </a:p>
+            </p:txBody>
+          </p:sp>
+          <p:sp>
+            <p:nvSpPr>
+              <p:cNvPr id="268" name="CuadroTexto 267"/>
+              <p:cNvSpPr txBox="1"/>
+              <p:nvPr/>
+            </p:nvSpPr>
+            <p:spPr>
+              <a:xfrm>
+                <a:off x="14012223" y="7636483"/>
+                <a:ext cx="918753" cy="369332"/>
+              </a:xfrm>
+              <a:prstGeom prst="rect">
+                <a:avLst/>
+              </a:prstGeom>
+              <a:noFill/>
+            </p:spPr>
+            <p:txBody>
+              <a:bodyPr wrap="square" rtlCol="0">
+                <a:spAutoFit/>
+              </a:bodyPr>
+              <a:lstStyle/>
+              <a:p>
+                <a:pPr algn="ctr"/>
+                <a:r>
+                  <a:rPr lang="es-ES" b="1" dirty="0" smtClean="0">
+                    <a:solidFill>
+                      <a:srgbClr val="FF3300"/>
+                    </a:solidFill>
+                    <a:latin typeface="+mj-lt"/>
+                    <a:cs typeface="Aharoni" panose="02010803020104030203" pitchFamily="2" charset="-79"/>
+                  </a:rPr>
+                  <a:t>Yes / No</a:t>
+                </a:r>
+              </a:p>
+            </p:txBody>
+          </p:sp>
+          <p:sp>
+            <p:nvSpPr>
+              <p:cNvPr id="281" name="CuadroTexto 280"/>
+              <p:cNvSpPr txBox="1"/>
+              <p:nvPr/>
+            </p:nvSpPr>
+            <p:spPr>
+              <a:xfrm>
+                <a:off x="6919212" y="6669297"/>
+                <a:ext cx="1269578" cy="307777"/>
+              </a:xfrm>
+              <a:prstGeom prst="rect">
+                <a:avLst/>
+              </a:prstGeom>
+              <a:noFill/>
+            </p:spPr>
+            <p:txBody>
+              <a:bodyPr wrap="none" rtlCol="0">
+                <a:spAutoFit/>
+              </a:bodyPr>
+              <a:lstStyle/>
+              <a:p>
+                <a:r>
+                  <a:rPr lang="es-ES" sz="1400" b="1" dirty="0" smtClean="0">
+                    <a:solidFill>
+                      <a:schemeClr val="tx1">
+                        <a:lumMod val="50000"/>
+                        <a:lumOff val="50000"/>
+                      </a:schemeClr>
+                    </a:solidFill>
+                    <a:latin typeface="+mj-lt"/>
+                    <a:cs typeface="Aharoni" panose="02010803020104030203" pitchFamily="2" charset="-79"/>
+                  </a:rPr>
+                  <a:t>( $</a:t>
+                </a:r>
+                <a:r>
+                  <a:rPr lang="es-ES" sz="1400" b="1" dirty="0" err="1" smtClean="0">
+                    <a:solidFill>
+                      <a:schemeClr val="tx1">
+                        <a:lumMod val="50000"/>
+                        <a:lumOff val="50000"/>
+                      </a:schemeClr>
+                    </a:solidFill>
+                    <a:latin typeface="+mj-lt"/>
+                    <a:cs typeface="Aharoni" panose="02010803020104030203" pitchFamily="2" charset="-79"/>
+                  </a:rPr>
+                  <a:t>yum_sugest</a:t>
+                </a:r>
+                <a:r>
+                  <a:rPr lang="es-ES" sz="1400" b="1" dirty="0" smtClean="0">
+                    <a:solidFill>
+                      <a:schemeClr val="tx1">
+                        <a:lumMod val="50000"/>
+                        <a:lumOff val="50000"/>
+                      </a:schemeClr>
+                    </a:solidFill>
+                    <a:latin typeface="+mj-lt"/>
+                    <a:cs typeface="Aharoni" panose="02010803020104030203" pitchFamily="2" charset="-79"/>
+                  </a:rPr>
+                  <a:t>)</a:t>
+                </a:r>
+                <a:endParaRPr lang="es-ES" sz="1400" b="1" dirty="0">
+                  <a:solidFill>
+                    <a:schemeClr val="tx1">
+                      <a:lumMod val="50000"/>
+                      <a:lumOff val="50000"/>
+                    </a:schemeClr>
+                  </a:solidFill>
+                  <a:latin typeface="+mj-lt"/>
+                  <a:cs typeface="Aharoni" panose="02010803020104030203" pitchFamily="2" charset="-79"/>
+                </a:endParaRPr>
+              </a:p>
+            </p:txBody>
+          </p:sp>
+        </p:grpSp>
+        <p:sp>
+          <p:nvSpPr>
+            <p:cNvPr id="297" name="CuadroTexto 296"/>
+            <p:cNvSpPr txBox="1"/>
+            <p:nvPr/>
+          </p:nvSpPr>
+          <p:spPr>
+            <a:xfrm>
+              <a:off x="4362460" y="2398959"/>
+              <a:ext cx="1502784" cy="369332"/>
+            </a:xfrm>
+            <a:prstGeom prst="rect">
+              <a:avLst/>
+            </a:prstGeom>
+            <a:noFill/>
+          </p:spPr>
+          <p:txBody>
+            <a:bodyPr wrap="none" rtlCol="0">
+              <a:spAutoFit/>
+            </a:bodyPr>
+            <a:lstStyle/>
+            <a:p>
+              <a:pPr algn="ctr"/>
+              <a:r>
+                <a:rPr lang="es-ES" b="1" dirty="0" smtClean="0">
+                  <a:solidFill>
+                    <a:srgbClr val="FF3300"/>
+                  </a:solidFill>
+                  <a:latin typeface="+mj-lt"/>
+                  <a:cs typeface="Aharoni" panose="02010803020104030203" pitchFamily="2" charset="-79"/>
+                </a:rPr>
+                <a:t>No / </a:t>
+              </a:r>
+              <a:r>
+                <a:rPr lang="es-ES" b="1" dirty="0" err="1" smtClean="0">
+                  <a:solidFill>
+                    <a:srgbClr val="FF3300"/>
+                  </a:solidFill>
+                  <a:latin typeface="+mj-lt"/>
+                  <a:cs typeface="Aharoni" panose="02010803020104030203" pitchFamily="2" charset="-79"/>
+                </a:rPr>
+                <a:t>Unknown</a:t>
+              </a:r>
+              <a:endParaRPr lang="es-ES" b="1" dirty="0" smtClean="0">
+                <a:solidFill>
+                  <a:srgbClr val="FF3300"/>
+                </a:solidFill>
+                <a:latin typeface="+mj-lt"/>
+                <a:cs typeface="Aharoni" panose="02010803020104030203" pitchFamily="2" charset="-79"/>
+              </a:endParaRPr>
+            </a:p>
+          </p:txBody>
+        </p:sp>
+        <p:sp>
+          <p:nvSpPr>
+            <p:cNvPr id="298" name="CuadroTexto 297"/>
+            <p:cNvSpPr txBox="1"/>
+            <p:nvPr/>
+          </p:nvSpPr>
+          <p:spPr>
+            <a:xfrm>
+              <a:off x="2395440" y="3747898"/>
+              <a:ext cx="475643" cy="369332"/>
+            </a:xfrm>
+            <a:prstGeom prst="rect">
+              <a:avLst/>
+            </a:prstGeom>
+            <a:noFill/>
+          </p:spPr>
+          <p:txBody>
+            <a:bodyPr wrap="none" rtlCol="0">
+              <a:spAutoFit/>
+            </a:bodyPr>
+            <a:lstStyle/>
+            <a:p>
+              <a:r>
+                <a:rPr lang="es-ES" b="1" dirty="0" smtClean="0">
+                  <a:solidFill>
+                    <a:srgbClr val="FF3300"/>
+                  </a:solidFill>
+                  <a:latin typeface="+mj-lt"/>
+                  <a:cs typeface="Aharoni" panose="02010803020104030203" pitchFamily="2" charset="-79"/>
+                </a:rPr>
+                <a:t>Yes</a:t>
+              </a:r>
+              <a:endParaRPr lang="es-ES" b="1" dirty="0">
+                <a:solidFill>
+                  <a:srgbClr val="FF3300"/>
+                </a:solidFill>
+                <a:latin typeface="+mj-lt"/>
+                <a:cs typeface="Aharoni" panose="02010803020104030203" pitchFamily="2" charset="-79"/>
+              </a:endParaRPr>
+            </a:p>
+          </p:txBody>
+        </p:sp>
+        <p:sp>
+          <p:nvSpPr>
+            <p:cNvPr id="299" name="CuadroTexto 298"/>
+            <p:cNvSpPr txBox="1"/>
+            <p:nvPr/>
+          </p:nvSpPr>
+          <p:spPr>
+            <a:xfrm>
+              <a:off x="1551164" y="2313854"/>
+              <a:ext cx="475643" cy="369332"/>
+            </a:xfrm>
+            <a:prstGeom prst="rect">
+              <a:avLst/>
+            </a:prstGeom>
+            <a:noFill/>
+          </p:spPr>
+          <p:txBody>
+            <a:bodyPr wrap="none" rtlCol="0">
+              <a:spAutoFit/>
+            </a:bodyPr>
+            <a:lstStyle/>
+            <a:p>
+              <a:r>
+                <a:rPr lang="es-ES" b="1" dirty="0" smtClean="0">
+                  <a:solidFill>
+                    <a:srgbClr val="FF3300"/>
+                  </a:solidFill>
+                  <a:latin typeface="+mj-lt"/>
+                  <a:cs typeface="Aharoni" panose="02010803020104030203" pitchFamily="2" charset="-79"/>
+                </a:rPr>
+                <a:t>Yes</a:t>
+              </a:r>
+              <a:endParaRPr lang="es-ES" b="1" dirty="0">
+                <a:solidFill>
+                  <a:srgbClr val="FF3300"/>
+                </a:solidFill>
+                <a:latin typeface="+mj-lt"/>
+                <a:cs typeface="Aharoni" panose="02010803020104030203" pitchFamily="2" charset="-79"/>
+              </a:endParaRPr>
+            </a:p>
+          </p:txBody>
+        </p:sp>
+        <p:sp>
+          <p:nvSpPr>
+            <p:cNvPr id="300" name="CuadroTexto 299"/>
+            <p:cNvSpPr txBox="1"/>
+            <p:nvPr/>
+          </p:nvSpPr>
+          <p:spPr>
+            <a:xfrm>
+              <a:off x="6282666" y="928002"/>
+              <a:ext cx="475643" cy="369332"/>
+            </a:xfrm>
+            <a:prstGeom prst="rect">
+              <a:avLst/>
+            </a:prstGeom>
+            <a:noFill/>
+          </p:spPr>
+          <p:txBody>
+            <a:bodyPr wrap="none" rtlCol="0">
+              <a:spAutoFit/>
+            </a:bodyPr>
+            <a:lstStyle/>
+            <a:p>
+              <a:r>
+                <a:rPr lang="es-ES" b="1" dirty="0" smtClean="0">
+                  <a:solidFill>
+                    <a:srgbClr val="FF3300"/>
+                  </a:solidFill>
+                  <a:latin typeface="+mj-lt"/>
+                  <a:cs typeface="Aharoni" panose="02010803020104030203" pitchFamily="2" charset="-79"/>
+                </a:rPr>
+                <a:t>Yes</a:t>
+              </a:r>
+              <a:endParaRPr lang="es-ES" b="1" dirty="0">
+                <a:solidFill>
+                  <a:srgbClr val="FF3300"/>
+                </a:solidFill>
+                <a:latin typeface="+mj-lt"/>
+                <a:cs typeface="Aharoni" panose="02010803020104030203" pitchFamily="2" charset="-79"/>
+              </a:endParaRPr>
+            </a:p>
+          </p:txBody>
+        </p:sp>
+      </p:grpSp>
+    </p:spTree>
+    <p:extLst>
+      <p:ext uri="{BB962C8B-B14F-4D97-AF65-F5344CB8AC3E}">
+        <p14:creationId xmlns:p14="http://schemas.microsoft.com/office/powerpoint/2010/main" val="634591988"/>
+      </p:ext>
+    </p:extLst>
+  </p:cSld>
+  <p:clrMapOvr>
+    <a:masterClrMapping/>
+  </p:clrMapOvr>
+</p:sld>
+</file>
+
+<file path=ppt/slides/slide15.xml><?xml version="1.0" encoding="utf-8"?>
+<p:sld xmlns:a="http://schemas.openxmlformats.org/drawingml/2006/main" xmlns:r="http://schemas.openxmlformats.org/officeDocument/2006/relationships" xmlns:p="http://schemas.openxmlformats.org/presentationml/2006/main">
+  <p:cSld>
+    <p:spTree>
+      <p:nvGrpSpPr>
+        <p:cNvPr id="1" name=""/>
+        <p:cNvGrpSpPr/>
+        <p:nvPr/>
+      </p:nvGrpSpPr>
+      <p:grpSpPr>
+        <a:xfrm>
+          <a:off x="0" y="0"/>
+          <a:ext cx="0" cy="0"/>
+          <a:chOff x="0" y="0"/>
+          <a:chExt cx="0" cy="0"/>
+        </a:xfrm>
+      </p:grpSpPr>
+      <p:grpSp>
+        <p:nvGrpSpPr>
+          <p:cNvPr id="34" name="Grupo 33"/>
+          <p:cNvGrpSpPr/>
+          <p:nvPr/>
+        </p:nvGrpSpPr>
+        <p:grpSpPr>
+          <a:xfrm>
+            <a:off x="595393" y="1760180"/>
+            <a:ext cx="10877657" cy="3619100"/>
+            <a:chOff x="595393" y="1760180"/>
+            <a:chExt cx="10877657" cy="3619100"/>
+          </a:xfrm>
+        </p:grpSpPr>
+        <p:sp>
+          <p:nvSpPr>
+            <p:cNvPr id="5" name="Decisión 4"/>
+            <p:cNvSpPr/>
+            <p:nvPr/>
+          </p:nvSpPr>
+          <p:spPr>
+            <a:xfrm>
+              <a:off x="2173056" y="1760180"/>
+              <a:ext cx="2205200" cy="1581874"/>
+            </a:xfrm>
+            <a:prstGeom prst="flowChartDecision">
+              <a:avLst/>
+            </a:prstGeom>
+            <a:noFill/>
+            <a:ln w="38100">
+              <a:solidFill>
+                <a:srgbClr val="46DACC"/>
+              </a:solidFill>
+            </a:ln>
+          </p:spPr>
+          <p:style>
+            <a:lnRef idx="2">
+              <a:schemeClr val="accent1">
+                <a:shade val="50000"/>
+              </a:schemeClr>
+            </a:lnRef>
+            <a:fillRef idx="1">
+              <a:schemeClr val="accent1"/>
+            </a:fillRef>
+            <a:effectRef idx="0">
+              <a:schemeClr val="accent1"/>
+            </a:effectRef>
+            <a:fontRef idx="minor">
+              <a:schemeClr val="lt1"/>
+            </a:fontRef>
+          </p:style>
+          <p:txBody>
+            <a:bodyPr lIns="0" tIns="0" rIns="0" bIns="0" rtlCol="0" anchor="ctr"/>
+            <a:lstStyle/>
+            <a:p>
+              <a:pPr algn="ctr"/>
+              <a:r>
+                <a:rPr lang="es-ES" sz="1200" dirty="0" smtClean="0">
+                  <a:solidFill>
+                    <a:schemeClr val="tx1">
+                      <a:lumMod val="65000"/>
+                      <a:lumOff val="35000"/>
+                    </a:schemeClr>
+                  </a:solidFill>
+                  <a:latin typeface="Arial Rounded MT Bold" panose="020F0704030504030204" pitchFamily="34" charset="0"/>
+                </a:rPr>
+                <a:t>CHECK</a:t>
+              </a:r>
+            </a:p>
+            <a:p>
+              <a:pPr algn="ctr"/>
+              <a:r>
+                <a:rPr lang="es-ES" sz="1200" dirty="0" smtClean="0">
+                  <a:solidFill>
+                    <a:schemeClr val="tx1">
+                      <a:lumMod val="65000"/>
+                      <a:lumOff val="35000"/>
+                    </a:schemeClr>
+                  </a:solidFill>
+                  <a:latin typeface="Arial Rounded MT Bold" panose="020F0704030504030204" pitchFamily="34" charset="0"/>
+                </a:rPr>
+                <a:t>#AVAILABLE_</a:t>
+              </a:r>
+            </a:p>
+            <a:p>
+              <a:pPr algn="ctr"/>
+              <a:r>
+                <a:rPr lang="es-ES" sz="1200" dirty="0" smtClean="0">
+                  <a:solidFill>
+                    <a:schemeClr val="tx1">
+                      <a:lumMod val="65000"/>
+                      <a:lumOff val="35000"/>
+                    </a:schemeClr>
+                  </a:solidFill>
+                  <a:latin typeface="Arial Rounded MT Bold" panose="020F0704030504030204" pitchFamily="34" charset="0"/>
+                </a:rPr>
+                <a:t>INGREDIENTS</a:t>
+              </a:r>
+              <a:endParaRPr lang="es-ES" sz="1200" dirty="0">
+                <a:solidFill>
+                  <a:schemeClr val="tx1">
+                    <a:lumMod val="65000"/>
+                    <a:lumOff val="35000"/>
+                  </a:schemeClr>
+                </a:solidFill>
+                <a:latin typeface="Arial Rounded MT Bold" panose="020F0704030504030204" pitchFamily="34" charset="0"/>
+              </a:endParaRPr>
+            </a:p>
+          </p:txBody>
+        </p:sp>
+        <p:sp>
+          <p:nvSpPr>
+            <p:cNvPr id="7" name="Rectángulo redondeado 6"/>
+            <p:cNvSpPr/>
+            <p:nvPr/>
+          </p:nvSpPr>
+          <p:spPr>
+            <a:xfrm>
+              <a:off x="7852572" y="2063453"/>
+              <a:ext cx="1456523" cy="1034526"/>
+            </a:xfrm>
+            <a:prstGeom prst="roundRect">
+              <a:avLst/>
+            </a:prstGeom>
+            <a:noFill/>
+            <a:ln w="38100">
+              <a:solidFill>
+                <a:srgbClr val="FFC000"/>
+              </a:solidFill>
+            </a:ln>
+          </p:spPr>
+          <p:style>
+            <a:lnRef idx="2">
+              <a:schemeClr val="accent1">
+                <a:shade val="50000"/>
+              </a:schemeClr>
+            </a:lnRef>
+            <a:fillRef idx="1">
+              <a:schemeClr val="accent1"/>
+            </a:fillRef>
+            <a:effectRef idx="0">
+              <a:schemeClr val="accent1"/>
+            </a:effectRef>
+            <a:fontRef idx="minor">
+              <a:schemeClr val="lt1"/>
+            </a:fontRef>
+          </p:style>
+          <p:txBody>
+            <a:bodyPr lIns="0" tIns="0" rIns="0" bIns="0" rtlCol="0" anchor="ctr"/>
+            <a:lstStyle/>
+            <a:p>
+              <a:pPr algn="ctr"/>
+              <a:r>
+                <a:rPr lang="es-ES" sz="1200" dirty="0" smtClean="0">
+                  <a:solidFill>
+                    <a:schemeClr val="tx1">
+                      <a:lumMod val="75000"/>
+                      <a:lumOff val="25000"/>
+                    </a:schemeClr>
+                  </a:solidFill>
+                  <a:latin typeface="Arial Rounded MT Bold" panose="020F0704030504030204" pitchFamily="34" charset="0"/>
+                </a:rPr>
+                <a:t>ANALIZE CONTENT</a:t>
+              </a:r>
+              <a:endParaRPr lang="es-ES" sz="1200" dirty="0">
+                <a:solidFill>
+                  <a:schemeClr val="tx1">
+                    <a:lumMod val="75000"/>
+                    <a:lumOff val="25000"/>
+                  </a:schemeClr>
+                </a:solidFill>
+                <a:latin typeface="Arial Rounded MT Bold" panose="020F0704030504030204" pitchFamily="34" charset="0"/>
+              </a:endParaRPr>
+            </a:p>
+          </p:txBody>
+        </p:sp>
+        <p:sp>
+          <p:nvSpPr>
+            <p:cNvPr id="8" name="Elipse 7"/>
+            <p:cNvSpPr/>
+            <p:nvPr/>
+          </p:nvSpPr>
+          <p:spPr>
+            <a:xfrm>
+              <a:off x="10198041" y="2063453"/>
+              <a:ext cx="1275009" cy="1016285"/>
+            </a:xfrm>
+            <a:prstGeom prst="ellipse">
+              <a:avLst/>
+            </a:prstGeom>
+            <a:noFill/>
+            <a:ln w="38100">
+              <a:solidFill>
+                <a:srgbClr val="46DACC"/>
+              </a:solidFill>
+            </a:ln>
+          </p:spPr>
+          <p:style>
+            <a:lnRef idx="2">
+              <a:schemeClr val="accent1">
+                <a:shade val="50000"/>
+              </a:schemeClr>
+            </a:lnRef>
+            <a:fillRef idx="1">
+              <a:schemeClr val="accent1"/>
+            </a:fillRef>
+            <a:effectRef idx="0">
+              <a:schemeClr val="accent1"/>
+            </a:effectRef>
+            <a:fontRef idx="minor">
+              <a:schemeClr val="lt1"/>
+            </a:fontRef>
+          </p:style>
+          <p:txBody>
+            <a:bodyPr lIns="0" tIns="0" rIns="0" bIns="0" rtlCol="0" anchor="ctr"/>
+            <a:lstStyle/>
+            <a:p>
+              <a:pPr algn="ctr"/>
+              <a:r>
+                <a:rPr lang="es-ES" sz="1200" dirty="0" smtClean="0">
+                  <a:solidFill>
+                    <a:schemeClr val="tx1">
+                      <a:lumMod val="75000"/>
+                      <a:lumOff val="25000"/>
+                    </a:schemeClr>
+                  </a:solidFill>
+                  <a:latin typeface="Arial Rounded MT Bold" panose="020F0704030504030204" pitchFamily="34" charset="0"/>
+                </a:rPr>
+                <a:t>RESPONSE</a:t>
+              </a:r>
+              <a:endParaRPr lang="es-ES" sz="1200" dirty="0">
+                <a:solidFill>
+                  <a:schemeClr val="tx1">
+                    <a:lumMod val="75000"/>
+                    <a:lumOff val="25000"/>
+                  </a:schemeClr>
+                </a:solidFill>
+                <a:latin typeface="Arial Rounded MT Bold" panose="020F0704030504030204" pitchFamily="34" charset="0"/>
+              </a:endParaRPr>
+            </a:p>
+          </p:txBody>
+        </p:sp>
+        <p:sp>
+          <p:nvSpPr>
+            <p:cNvPr id="10" name="Rectángulo redondeado 9"/>
+            <p:cNvSpPr/>
+            <p:nvPr/>
+          </p:nvSpPr>
+          <p:spPr>
+            <a:xfrm>
+              <a:off x="5465321" y="2115962"/>
+              <a:ext cx="1386626" cy="929508"/>
+            </a:xfrm>
+            <a:prstGeom prst="roundRect">
+              <a:avLst/>
+            </a:prstGeom>
+            <a:noFill/>
+            <a:ln w="38100">
+              <a:solidFill>
+                <a:srgbClr val="FFC000"/>
+              </a:solidFill>
+            </a:ln>
+          </p:spPr>
+          <p:style>
+            <a:lnRef idx="2">
+              <a:schemeClr val="accent1">
+                <a:shade val="50000"/>
+              </a:schemeClr>
+            </a:lnRef>
+            <a:fillRef idx="1">
+              <a:schemeClr val="accent1"/>
+            </a:fillRef>
+            <a:effectRef idx="0">
+              <a:schemeClr val="accent1"/>
+            </a:effectRef>
+            <a:fontRef idx="minor">
+              <a:schemeClr val="lt1"/>
+            </a:fontRef>
+          </p:style>
+          <p:txBody>
+            <a:bodyPr lIns="0" tIns="0" rIns="0" bIns="0" rtlCol="0" anchor="ctr"/>
+            <a:lstStyle/>
+            <a:p>
+              <a:pPr algn="ctr"/>
+              <a:r>
+                <a:rPr lang="es-ES" sz="1200" dirty="0" smtClean="0">
+                  <a:solidFill>
+                    <a:schemeClr val="tx1">
+                      <a:lumMod val="75000"/>
+                      <a:lumOff val="25000"/>
+                    </a:schemeClr>
+                  </a:solidFill>
+                  <a:latin typeface="Arial Rounded MT Bold" panose="020F0704030504030204" pitchFamily="34" charset="0"/>
+                </a:rPr>
+                <a:t>FETCH CONTENT</a:t>
+              </a:r>
+              <a:endParaRPr lang="es-ES" sz="1200" dirty="0">
+                <a:solidFill>
+                  <a:schemeClr val="tx1">
+                    <a:lumMod val="75000"/>
+                    <a:lumOff val="25000"/>
+                  </a:schemeClr>
+                </a:solidFill>
+                <a:latin typeface="Arial Rounded MT Bold" panose="020F0704030504030204" pitchFamily="34" charset="0"/>
+              </a:endParaRPr>
+            </a:p>
+          </p:txBody>
+        </p:sp>
+        <p:sp>
+          <p:nvSpPr>
+            <p:cNvPr id="11" name="Elipse 10"/>
+            <p:cNvSpPr/>
+            <p:nvPr/>
+          </p:nvSpPr>
+          <p:spPr>
+            <a:xfrm>
+              <a:off x="595393" y="2181630"/>
+              <a:ext cx="940158" cy="758739"/>
+            </a:xfrm>
+            <a:prstGeom prst="ellipse">
+              <a:avLst/>
+            </a:prstGeom>
+            <a:noFill/>
+            <a:ln w="38100">
+              <a:solidFill>
+                <a:srgbClr val="46DACC"/>
+              </a:solidFill>
+            </a:ln>
+          </p:spPr>
+          <p:style>
+            <a:lnRef idx="2">
+              <a:schemeClr val="accent1">
+                <a:shade val="50000"/>
+              </a:schemeClr>
+            </a:lnRef>
+            <a:fillRef idx="1">
+              <a:schemeClr val="accent1"/>
+            </a:fillRef>
+            <a:effectRef idx="0">
+              <a:schemeClr val="accent1"/>
+            </a:effectRef>
+            <a:fontRef idx="minor">
+              <a:schemeClr val="lt1"/>
+            </a:fontRef>
+          </p:style>
+          <p:txBody>
+            <a:bodyPr lIns="0" tIns="0" rIns="0" bIns="0" rtlCol="0" anchor="ctr"/>
+            <a:lstStyle/>
+            <a:p>
+              <a:pPr algn="ctr"/>
+              <a:r>
+                <a:rPr lang="es-ES" sz="1200" dirty="0" smtClean="0">
+                  <a:solidFill>
+                    <a:schemeClr val="tx1">
+                      <a:lumMod val="75000"/>
+                      <a:lumOff val="25000"/>
+                    </a:schemeClr>
+                  </a:solidFill>
+                  <a:latin typeface="Arial Rounded MT Bold" panose="020F0704030504030204" pitchFamily="34" charset="0"/>
+                </a:rPr>
+                <a:t>START</a:t>
+              </a:r>
+              <a:endParaRPr lang="es-ES" sz="1200" dirty="0">
+                <a:solidFill>
+                  <a:schemeClr val="tx1">
+                    <a:lumMod val="75000"/>
+                    <a:lumOff val="25000"/>
+                  </a:schemeClr>
+                </a:solidFill>
+                <a:latin typeface="Arial Rounded MT Bold" panose="020F0704030504030204" pitchFamily="34" charset="0"/>
+              </a:endParaRPr>
+            </a:p>
+          </p:txBody>
+        </p:sp>
+        <p:cxnSp>
+          <p:nvCxnSpPr>
+            <p:cNvPr id="13" name="Conector recto de flecha 12"/>
+            <p:cNvCxnSpPr>
+              <a:stCxn id="11" idx="6"/>
+              <a:endCxn id="5" idx="1"/>
+            </p:cNvCxnSpPr>
+            <p:nvPr/>
+          </p:nvCxnSpPr>
+          <p:spPr>
+            <a:xfrm flipV="1">
+              <a:off x="1535551" y="2551117"/>
+              <a:ext cx="637505" cy="9883"/>
+            </a:xfrm>
+            <a:prstGeom prst="straightConnector1">
+              <a:avLst/>
+            </a:prstGeom>
+            <a:ln w="28575">
+              <a:solidFill>
+                <a:srgbClr val="7240F0"/>
+              </a:solidFill>
+              <a:tailEnd type="triangle" w="lg" len="lg"/>
+            </a:ln>
+          </p:spPr>
+          <p:style>
+            <a:lnRef idx="1">
+              <a:schemeClr val="accent1"/>
+            </a:lnRef>
+            <a:fillRef idx="0">
+              <a:schemeClr val="accent1"/>
+            </a:fillRef>
+            <a:effectRef idx="0">
+              <a:schemeClr val="accent1"/>
+            </a:effectRef>
+            <a:fontRef idx="minor">
+              <a:schemeClr val="tx1"/>
+            </a:fontRef>
+          </p:style>
+        </p:cxnSp>
+        <p:cxnSp>
+          <p:nvCxnSpPr>
+            <p:cNvPr id="15" name="Conector recto de flecha 14"/>
+            <p:cNvCxnSpPr>
+              <a:stCxn id="5" idx="3"/>
+              <a:endCxn id="10" idx="1"/>
+            </p:cNvCxnSpPr>
+            <p:nvPr/>
+          </p:nvCxnSpPr>
+          <p:spPr>
+            <a:xfrm>
+              <a:off x="4378256" y="2551117"/>
+              <a:ext cx="1087065" cy="29599"/>
+            </a:xfrm>
+            <a:prstGeom prst="straightConnector1">
+              <a:avLst/>
+            </a:prstGeom>
+            <a:ln w="28575">
+              <a:solidFill>
+                <a:srgbClr val="7240F0"/>
+              </a:solidFill>
+              <a:tailEnd type="triangle" w="lg" len="lg"/>
+            </a:ln>
+          </p:spPr>
+          <p:style>
+            <a:lnRef idx="1">
+              <a:schemeClr val="accent1"/>
+            </a:lnRef>
+            <a:fillRef idx="0">
+              <a:schemeClr val="accent1"/>
+            </a:fillRef>
+            <a:effectRef idx="0">
+              <a:schemeClr val="accent1"/>
+            </a:effectRef>
+            <a:fontRef idx="minor">
+              <a:schemeClr val="tx1"/>
+            </a:fontRef>
+          </p:style>
+        </p:cxnSp>
+        <p:cxnSp>
+          <p:nvCxnSpPr>
+            <p:cNvPr id="32" name="Conector recto de flecha 31"/>
+            <p:cNvCxnSpPr>
+              <a:stCxn id="10" idx="3"/>
+              <a:endCxn id="7" idx="1"/>
+            </p:cNvCxnSpPr>
+            <p:nvPr/>
+          </p:nvCxnSpPr>
+          <p:spPr>
+            <a:xfrm>
+              <a:off x="6851947" y="2580716"/>
+              <a:ext cx="1000625" cy="0"/>
+            </a:xfrm>
+            <a:prstGeom prst="straightConnector1">
+              <a:avLst/>
+            </a:prstGeom>
+            <a:ln w="28575">
+              <a:solidFill>
+                <a:srgbClr val="7240F0"/>
+              </a:solidFill>
+              <a:tailEnd type="triangle" w="lg" len="lg"/>
+            </a:ln>
+          </p:spPr>
+          <p:style>
+            <a:lnRef idx="1">
+              <a:schemeClr val="accent1"/>
+            </a:lnRef>
+            <a:fillRef idx="0">
+              <a:schemeClr val="accent1"/>
+            </a:fillRef>
+            <a:effectRef idx="0">
+              <a:schemeClr val="accent1"/>
+            </a:effectRef>
+            <a:fontRef idx="minor">
+              <a:schemeClr val="tx1"/>
+            </a:fontRef>
+          </p:style>
+        </p:cxnSp>
+        <p:cxnSp>
+          <p:nvCxnSpPr>
+            <p:cNvPr id="35" name="Conector recto de flecha 34"/>
+            <p:cNvCxnSpPr>
+              <a:stCxn id="7" idx="3"/>
+              <a:endCxn id="8" idx="2"/>
+            </p:cNvCxnSpPr>
+            <p:nvPr/>
+          </p:nvCxnSpPr>
+          <p:spPr>
+            <a:xfrm flipV="1">
+              <a:off x="9309095" y="2571596"/>
+              <a:ext cx="888946" cy="9120"/>
+            </a:xfrm>
+            <a:prstGeom prst="straightConnector1">
+              <a:avLst/>
+            </a:prstGeom>
+            <a:ln w="28575">
+              <a:solidFill>
+                <a:srgbClr val="7240F0"/>
+              </a:solidFill>
+              <a:tailEnd type="triangle" w="lg" len="lg"/>
+            </a:ln>
+          </p:spPr>
+          <p:style>
+            <a:lnRef idx="1">
+              <a:schemeClr val="accent1"/>
+            </a:lnRef>
+            <a:fillRef idx="0">
+              <a:schemeClr val="accent1"/>
+            </a:fillRef>
+            <a:effectRef idx="0">
+              <a:schemeClr val="accent1"/>
+            </a:effectRef>
+            <a:fontRef idx="minor">
+              <a:schemeClr val="tx1"/>
+            </a:fontRef>
+          </p:style>
+        </p:cxnSp>
+        <p:sp>
+          <p:nvSpPr>
+            <p:cNvPr id="122" name="CuadroTexto 121"/>
+            <p:cNvSpPr txBox="1"/>
+            <p:nvPr/>
+          </p:nvSpPr>
+          <p:spPr>
+            <a:xfrm>
+              <a:off x="4656971" y="2177854"/>
+              <a:ext cx="475643" cy="369332"/>
+            </a:xfrm>
+            <a:prstGeom prst="rect">
+              <a:avLst/>
+            </a:prstGeom>
+            <a:noFill/>
+          </p:spPr>
+          <p:txBody>
+            <a:bodyPr wrap="none" rtlCol="0">
+              <a:spAutoFit/>
+            </a:bodyPr>
+            <a:lstStyle/>
+            <a:p>
+              <a:r>
+                <a:rPr lang="es-ES" b="1" dirty="0" smtClean="0">
+                  <a:solidFill>
+                    <a:srgbClr val="FF3300"/>
+                  </a:solidFill>
+                  <a:latin typeface="+mj-lt"/>
+                  <a:cs typeface="Aharoni" panose="02010803020104030203" pitchFamily="2" charset="-79"/>
+                </a:rPr>
+                <a:t>Yes</a:t>
+              </a:r>
+              <a:endParaRPr lang="es-ES" b="1" dirty="0">
+                <a:solidFill>
+                  <a:srgbClr val="FF3300"/>
+                </a:solidFill>
+                <a:latin typeface="+mj-lt"/>
+                <a:cs typeface="Aharoni" panose="02010803020104030203" pitchFamily="2" charset="-79"/>
+              </a:endParaRPr>
+            </a:p>
+          </p:txBody>
+        </p:sp>
+        <p:sp>
+          <p:nvSpPr>
+            <p:cNvPr id="68" name="Rectángulo redondeado 67"/>
+            <p:cNvSpPr/>
+            <p:nvPr/>
+          </p:nvSpPr>
+          <p:spPr bwMode="auto">
+            <a:xfrm>
+              <a:off x="5565640" y="4150910"/>
+              <a:ext cx="1257743" cy="1228370"/>
+            </a:xfrm>
+            <a:prstGeom prst="roundRect">
+              <a:avLst/>
+            </a:prstGeom>
+            <a:solidFill>
+              <a:schemeClr val="bg1"/>
+            </a:solidFill>
+            <a:ln w="9525" cap="rnd" cmpd="sng" algn="ctr">
+              <a:solidFill>
+                <a:srgbClr val="00B050"/>
+              </a:solidFill>
+              <a:prstDash val="sysDot"/>
+              <a:round/>
+              <a:headEnd type="none" w="med" len="med"/>
+              <a:tailEnd type="none" w="med" len="med"/>
+            </a:ln>
+            <a:effectLst/>
+            <a:extLst/>
+          </p:spPr>
+          <p:txBody>
+            <a:bodyPr vert="horz" wrap="none" lIns="45720" tIns="45720" rIns="45720" bIns="45720" numCol="1" rtlCol="0" anchor="ctr" anchorCtr="0" compatLnSpc="1">
+              <a:prstTxWarp prst="textNoShape">
+                <a:avLst/>
+              </a:prstTxWarp>
+            </a:bodyPr>
+            <a:lstStyle/>
+            <a:p>
+              <a:pPr marL="0" marR="0" indent="0" algn="ctr" defTabSz="914400" rtl="0" eaLnBrk="1" fontAlgn="base" latinLnBrk="0" hangingPunct="1">
+                <a:lnSpc>
+                  <a:spcPct val="100000"/>
+                </a:lnSpc>
+                <a:spcBef>
+                  <a:spcPct val="50000"/>
+                </a:spcBef>
+                <a:spcAft>
+                  <a:spcPct val="0"/>
+                </a:spcAft>
+                <a:buClrTx/>
+                <a:buSzTx/>
+                <a:buFontTx/>
+                <a:buNone/>
+                <a:tabLst/>
+              </a:pPr>
+              <a:endParaRPr kumimoji="0" lang="es-ES" sz="2000" b="0" i="0" u="none" strike="noStrike" cap="none" normalizeH="0" baseline="0" dirty="0" smtClean="0">
+                <a:ln>
+                  <a:noFill/>
+                </a:ln>
+                <a:solidFill>
+                  <a:srgbClr val="00B050"/>
+                </a:solidFill>
+                <a:effectLst/>
+                <a:latin typeface="Verdana" pitchFamily="34" charset="0"/>
+              </a:endParaRPr>
+            </a:p>
+          </p:txBody>
+        </p:sp>
+        <p:sp>
+          <p:nvSpPr>
+            <p:cNvPr id="69" name="CuadroTexto 68"/>
+            <p:cNvSpPr txBox="1"/>
+            <p:nvPr/>
+          </p:nvSpPr>
+          <p:spPr>
+            <a:xfrm>
+              <a:off x="5717671" y="4260583"/>
+              <a:ext cx="1275775" cy="276999"/>
+            </a:xfrm>
+            <a:prstGeom prst="rect">
+              <a:avLst/>
+            </a:prstGeom>
+            <a:noFill/>
+          </p:spPr>
+          <p:txBody>
+            <a:bodyPr wrap="square" rtlCol="0">
+              <a:spAutoFit/>
+            </a:bodyPr>
+            <a:lstStyle/>
+            <a:p>
+              <a:r>
+                <a:rPr lang="es-ES" sz="1200" b="1" dirty="0" smtClean="0">
+                  <a:solidFill>
+                    <a:srgbClr val="00B050"/>
+                  </a:solidFill>
+                </a:rPr>
+                <a:t>DATABASE</a:t>
+              </a:r>
+              <a:endParaRPr lang="es-ES" sz="1200" b="1" dirty="0">
+                <a:solidFill>
+                  <a:srgbClr val="00B050"/>
+                </a:solidFill>
+              </a:endParaRPr>
+            </a:p>
+          </p:txBody>
+        </p:sp>
+        <p:sp>
+          <p:nvSpPr>
+            <p:cNvPr id="71" name="Flecha izquierda y derecha 70"/>
+            <p:cNvSpPr/>
+            <p:nvPr/>
+          </p:nvSpPr>
+          <p:spPr>
+            <a:xfrm rot="16200000">
+              <a:off x="5684462" y="3482283"/>
+              <a:ext cx="922357" cy="212903"/>
+            </a:xfrm>
+            <a:prstGeom prst="leftRightArrow">
+              <a:avLst/>
+            </a:prstGeom>
+            <a:solidFill>
+              <a:schemeClr val="accent3">
+                <a:lumMod val="60000"/>
+                <a:lumOff val="40000"/>
+              </a:schemeClr>
+            </a:solidFill>
+            <a:ln>
+              <a:noFill/>
+            </a:ln>
+          </p:spPr>
+          <p:style>
+            <a:lnRef idx="2">
+              <a:schemeClr val="accent1">
+                <a:shade val="50000"/>
+              </a:schemeClr>
+            </a:lnRef>
+            <a:fillRef idx="1">
+              <a:schemeClr val="accent1"/>
+            </a:fillRef>
+            <a:effectRef idx="0">
+              <a:schemeClr val="accent1"/>
+            </a:effectRef>
+            <a:fontRef idx="minor">
+              <a:schemeClr val="lt1"/>
+            </a:fontRef>
+          </p:style>
+          <p:txBody>
+            <a:bodyPr rtlCol="0" anchor="ctr"/>
+            <a:lstStyle/>
+            <a:p>
+              <a:pPr algn="ctr"/>
+              <a:endParaRPr lang="es-ES"/>
+            </a:p>
+          </p:txBody>
+        </p:sp>
+        <p:pic>
+          <p:nvPicPr>
+            <p:cNvPr id="72" name="Imagen 71"/>
+            <p:cNvPicPr>
+              <a:picLocks noChangeAspect="1"/>
+            </p:cNvPicPr>
+            <p:nvPr/>
+          </p:nvPicPr>
+          <p:blipFill>
+            <a:blip r:embed="rId2" cstate="print">
+              <a:duotone>
+                <a:schemeClr val="accent5">
+                  <a:shade val="45000"/>
+                  <a:satMod val="135000"/>
+                </a:schemeClr>
+                <a:prstClr val="white"/>
+              </a:duotone>
+              <a:extLst>
+                <a:ext uri="{28A0092B-C50C-407E-A947-70E740481C1C}">
+                  <a14:useLocalDpi xmlns:a14="http://schemas.microsoft.com/office/drawing/2010/main" val="0"/>
+                </a:ext>
+              </a:extLst>
+            </a:blip>
+            <a:stretch>
+              <a:fillRect/>
+            </a:stretch>
+          </p:blipFill>
+          <p:spPr>
+            <a:xfrm>
+              <a:off x="6225037" y="4655105"/>
+              <a:ext cx="444124" cy="445566"/>
+            </a:xfrm>
+            <a:prstGeom prst="rect">
+              <a:avLst/>
+            </a:prstGeom>
+          </p:spPr>
+        </p:pic>
+        <p:pic>
+          <p:nvPicPr>
+            <p:cNvPr id="74" name="Imagen 73"/>
+            <p:cNvPicPr>
+              <a:picLocks noChangeAspect="1"/>
+            </p:cNvPicPr>
+            <p:nvPr/>
+          </p:nvPicPr>
+          <p:blipFill>
+            <a:blip r:embed="rId3" cstate="print">
+              <a:extLst>
+                <a:ext uri="{28A0092B-C50C-407E-A947-70E740481C1C}">
+                  <a14:useLocalDpi xmlns:a14="http://schemas.microsoft.com/office/drawing/2010/main" val="0"/>
+                </a:ext>
+              </a:extLst>
+            </a:blip>
+            <a:stretch>
+              <a:fillRect/>
+            </a:stretch>
+          </p:blipFill>
+          <p:spPr>
+            <a:xfrm>
+              <a:off x="5702697" y="4751121"/>
+              <a:ext cx="423959" cy="390042"/>
+            </a:xfrm>
+            <a:prstGeom prst="rect">
+              <a:avLst/>
+            </a:prstGeom>
+          </p:spPr>
+        </p:pic>
+      </p:grpSp>
+    </p:spTree>
+    <p:extLst>
+      <p:ext uri="{BB962C8B-B14F-4D97-AF65-F5344CB8AC3E}">
+        <p14:creationId xmlns:p14="http://schemas.microsoft.com/office/powerpoint/2010/main" val="3723389760"/>
       </p:ext>
     </p:extLst>
   </p:cSld>

--- a/memoria/images/Presentación1.pptx
+++ b/memoria/images/Presentación1.pptx
@@ -20,6 +20,7 @@
     <p:sldId id="268" r:id="rId14"/>
     <p:sldId id="269" r:id="rId15"/>
     <p:sldId id="270" r:id="rId16"/>
+    <p:sldId id="271" r:id="rId17"/>
   </p:sldIdLst>
   <p:sldSz cx="12192000" cy="6858000"/>
   <p:notesSz cx="6858000" cy="9144000"/>
@@ -269,7 +270,7 @@
           <a:p>
             <a:fld id="{9C28449B-7E7F-4B22-B31C-7455ACE0523B}" type="datetimeFigureOut">
               <a:rPr lang="es-ES" smtClean="0"/>
-              <a:t>16/12/2017</a:t>
+              <a:t>17/12/2017</a:t>
             </a:fld>
             <a:endParaRPr lang="es-ES"/>
           </a:p>
@@ -439,7 +440,7 @@
           <a:p>
             <a:fld id="{9C28449B-7E7F-4B22-B31C-7455ACE0523B}" type="datetimeFigureOut">
               <a:rPr lang="es-ES" smtClean="0"/>
-              <a:t>16/12/2017</a:t>
+              <a:t>17/12/2017</a:t>
             </a:fld>
             <a:endParaRPr lang="es-ES"/>
           </a:p>
@@ -619,7 +620,7 @@
           <a:p>
             <a:fld id="{9C28449B-7E7F-4B22-B31C-7455ACE0523B}" type="datetimeFigureOut">
               <a:rPr lang="es-ES" smtClean="0"/>
-              <a:t>16/12/2017</a:t>
+              <a:t>17/12/2017</a:t>
             </a:fld>
             <a:endParaRPr lang="es-ES"/>
           </a:p>
@@ -789,7 +790,7 @@
           <a:p>
             <a:fld id="{9C28449B-7E7F-4B22-B31C-7455ACE0523B}" type="datetimeFigureOut">
               <a:rPr lang="es-ES" smtClean="0"/>
-              <a:t>16/12/2017</a:t>
+              <a:t>17/12/2017</a:t>
             </a:fld>
             <a:endParaRPr lang="es-ES"/>
           </a:p>
@@ -1035,7 +1036,7 @@
           <a:p>
             <a:fld id="{9C28449B-7E7F-4B22-B31C-7455ACE0523B}" type="datetimeFigureOut">
               <a:rPr lang="es-ES" smtClean="0"/>
-              <a:t>16/12/2017</a:t>
+              <a:t>17/12/2017</a:t>
             </a:fld>
             <a:endParaRPr lang="es-ES"/>
           </a:p>
@@ -1267,7 +1268,7 @@
           <a:p>
             <a:fld id="{9C28449B-7E7F-4B22-B31C-7455ACE0523B}" type="datetimeFigureOut">
               <a:rPr lang="es-ES" smtClean="0"/>
-              <a:t>16/12/2017</a:t>
+              <a:t>17/12/2017</a:t>
             </a:fld>
             <a:endParaRPr lang="es-ES"/>
           </a:p>
@@ -1634,7 +1635,7 @@
           <a:p>
             <a:fld id="{9C28449B-7E7F-4B22-B31C-7455ACE0523B}" type="datetimeFigureOut">
               <a:rPr lang="es-ES" smtClean="0"/>
-              <a:t>16/12/2017</a:t>
+              <a:t>17/12/2017</a:t>
             </a:fld>
             <a:endParaRPr lang="es-ES"/>
           </a:p>
@@ -1752,7 +1753,7 @@
           <a:p>
             <a:fld id="{9C28449B-7E7F-4B22-B31C-7455ACE0523B}" type="datetimeFigureOut">
               <a:rPr lang="es-ES" smtClean="0"/>
-              <a:t>16/12/2017</a:t>
+              <a:t>17/12/2017</a:t>
             </a:fld>
             <a:endParaRPr lang="es-ES"/>
           </a:p>
@@ -1847,7 +1848,7 @@
           <a:p>
             <a:fld id="{9C28449B-7E7F-4B22-B31C-7455ACE0523B}" type="datetimeFigureOut">
               <a:rPr lang="es-ES" smtClean="0"/>
-              <a:t>16/12/2017</a:t>
+              <a:t>17/12/2017</a:t>
             </a:fld>
             <a:endParaRPr lang="es-ES"/>
           </a:p>
@@ -2124,7 +2125,7 @@
           <a:p>
             <a:fld id="{9C28449B-7E7F-4B22-B31C-7455ACE0523B}" type="datetimeFigureOut">
               <a:rPr lang="es-ES" smtClean="0"/>
-              <a:t>16/12/2017</a:t>
+              <a:t>17/12/2017</a:t>
             </a:fld>
             <a:endParaRPr lang="es-ES"/>
           </a:p>
@@ -2377,7 +2378,7 @@
           <a:p>
             <a:fld id="{9C28449B-7E7F-4B22-B31C-7455ACE0523B}" type="datetimeFigureOut">
               <a:rPr lang="es-ES" smtClean="0"/>
-              <a:t>16/12/2017</a:t>
+              <a:t>17/12/2017</a:t>
             </a:fld>
             <a:endParaRPr lang="es-ES"/>
           </a:p>
@@ -2590,7 +2591,7 @@
           <a:p>
             <a:fld id="{9C28449B-7E7F-4B22-B31C-7455ACE0523B}" type="datetimeFigureOut">
               <a:rPr lang="es-ES" smtClean="0"/>
-              <a:t>16/12/2017</a:t>
+              <a:t>17/12/2017</a:t>
             </a:fld>
             <a:endParaRPr lang="es-ES"/>
           </a:p>
@@ -10965,6 +10966,1592 @@
 </p:sld>
 </file>
 
+<file path=ppt/slides/slide16.xml><?xml version="1.0" encoding="utf-8"?>
+<p:sld xmlns:a="http://schemas.openxmlformats.org/drawingml/2006/main" xmlns:r="http://schemas.openxmlformats.org/officeDocument/2006/relationships" xmlns:p="http://schemas.openxmlformats.org/presentationml/2006/main">
+  <p:cSld>
+    <p:spTree>
+      <p:nvGrpSpPr>
+        <p:cNvPr id="1" name=""/>
+        <p:cNvGrpSpPr/>
+        <p:nvPr/>
+      </p:nvGrpSpPr>
+      <p:grpSpPr>
+        <a:xfrm>
+          <a:off x="0" y="0"/>
+          <a:ext cx="0" cy="0"/>
+          <a:chOff x="0" y="0"/>
+          <a:chExt cx="0" cy="0"/>
+        </a:xfrm>
+      </p:grpSpPr>
+      <p:sp>
+        <p:nvSpPr>
+          <p:cNvPr id="10" name="Rectángulo redondeado 9"/>
+          <p:cNvSpPr/>
+          <p:nvPr/>
+        </p:nvSpPr>
+        <p:spPr>
+          <a:xfrm>
+            <a:off x="11496759" y="5778953"/>
+            <a:ext cx="1386626" cy="929508"/>
+          </a:xfrm>
+          <a:prstGeom prst="roundRect">
+            <a:avLst/>
+          </a:prstGeom>
+          <a:noFill/>
+          <a:ln w="38100">
+            <a:solidFill>
+              <a:srgbClr val="FFC000"/>
+            </a:solidFill>
+          </a:ln>
+        </p:spPr>
+        <p:style>
+          <a:lnRef idx="2">
+            <a:schemeClr val="accent1">
+              <a:shade val="50000"/>
+            </a:schemeClr>
+          </a:lnRef>
+          <a:fillRef idx="1">
+            <a:schemeClr val="accent1"/>
+          </a:fillRef>
+          <a:effectRef idx="0">
+            <a:schemeClr val="accent1"/>
+          </a:effectRef>
+          <a:fontRef idx="minor">
+            <a:schemeClr val="lt1"/>
+          </a:fontRef>
+        </p:style>
+        <p:txBody>
+          <a:bodyPr lIns="0" tIns="0" rIns="0" bIns="0" rtlCol="0" anchor="ctr"/>
+          <a:lstStyle/>
+          <a:p>
+            <a:pPr algn="ctr"/>
+            <a:r>
+              <a:rPr lang="es-ES" sz="1200" dirty="0" smtClean="0">
+                <a:solidFill>
+                  <a:schemeClr val="tx1">
+                    <a:lumMod val="75000"/>
+                    <a:lumOff val="25000"/>
+                  </a:schemeClr>
+                </a:solidFill>
+                <a:latin typeface="Arial Rounded MT Bold" panose="020F0704030504030204" pitchFamily="34" charset="0"/>
+              </a:rPr>
+              <a:t>FETCH CONTENT</a:t>
+            </a:r>
+            <a:endParaRPr lang="es-ES" sz="1200" dirty="0">
+              <a:solidFill>
+                <a:schemeClr val="tx1">
+                  <a:lumMod val="75000"/>
+                  <a:lumOff val="25000"/>
+                </a:schemeClr>
+              </a:solidFill>
+              <a:latin typeface="Arial Rounded MT Bold" panose="020F0704030504030204" pitchFamily="34" charset="0"/>
+            </a:endParaRPr>
+          </a:p>
+        </p:txBody>
+      </p:sp>
+      <p:sp>
+        <p:nvSpPr>
+          <p:cNvPr id="11" name="Elipse 10"/>
+          <p:cNvSpPr/>
+          <p:nvPr/>
+        </p:nvSpPr>
+        <p:spPr>
+          <a:xfrm>
+            <a:off x="-2568590" y="3079864"/>
+            <a:ext cx="940158" cy="758739"/>
+          </a:xfrm>
+          <a:prstGeom prst="ellipse">
+            <a:avLst/>
+          </a:prstGeom>
+          <a:noFill/>
+          <a:ln w="38100">
+            <a:solidFill>
+              <a:srgbClr val="46DACC"/>
+            </a:solidFill>
+          </a:ln>
+        </p:spPr>
+        <p:style>
+          <a:lnRef idx="2">
+            <a:schemeClr val="accent1">
+              <a:shade val="50000"/>
+            </a:schemeClr>
+          </a:lnRef>
+          <a:fillRef idx="1">
+            <a:schemeClr val="accent1"/>
+          </a:fillRef>
+          <a:effectRef idx="0">
+            <a:schemeClr val="accent1"/>
+          </a:effectRef>
+          <a:fontRef idx="minor">
+            <a:schemeClr val="lt1"/>
+          </a:fontRef>
+        </p:style>
+        <p:txBody>
+          <a:bodyPr lIns="0" tIns="0" rIns="0" bIns="0" rtlCol="0" anchor="ctr"/>
+          <a:lstStyle/>
+          <a:p>
+            <a:pPr algn="ctr"/>
+            <a:r>
+              <a:rPr lang="es-ES" sz="1200" dirty="0" smtClean="0">
+                <a:solidFill>
+                  <a:schemeClr val="tx1">
+                    <a:lumMod val="75000"/>
+                    <a:lumOff val="25000"/>
+                  </a:schemeClr>
+                </a:solidFill>
+                <a:latin typeface="Arial Rounded MT Bold" panose="020F0704030504030204" pitchFamily="34" charset="0"/>
+              </a:rPr>
+              <a:t>START</a:t>
+            </a:r>
+            <a:endParaRPr lang="es-ES" sz="1200" dirty="0">
+              <a:solidFill>
+                <a:schemeClr val="tx1">
+                  <a:lumMod val="75000"/>
+                  <a:lumOff val="25000"/>
+                </a:schemeClr>
+              </a:solidFill>
+              <a:latin typeface="Arial Rounded MT Bold" panose="020F0704030504030204" pitchFamily="34" charset="0"/>
+            </a:endParaRPr>
+          </a:p>
+        </p:txBody>
+      </p:sp>
+      <p:cxnSp>
+        <p:nvCxnSpPr>
+          <p:cNvPr id="13" name="Conector recto de flecha 12"/>
+          <p:cNvCxnSpPr>
+            <a:stCxn id="11" idx="6"/>
+          </p:cNvCxnSpPr>
+          <p:nvPr/>
+        </p:nvCxnSpPr>
+        <p:spPr>
+          <a:xfrm flipV="1">
+            <a:off x="-1628432" y="3449351"/>
+            <a:ext cx="637505" cy="9883"/>
+          </a:xfrm>
+          <a:prstGeom prst="straightConnector1">
+            <a:avLst/>
+          </a:prstGeom>
+          <a:ln w="28575">
+            <a:solidFill>
+              <a:srgbClr val="7240F0"/>
+            </a:solidFill>
+            <a:tailEnd type="triangle" w="lg" len="lg"/>
+          </a:ln>
+        </p:spPr>
+        <p:style>
+          <a:lnRef idx="1">
+            <a:schemeClr val="accent1"/>
+          </a:lnRef>
+          <a:fillRef idx="0">
+            <a:schemeClr val="accent1"/>
+          </a:fillRef>
+          <a:effectRef idx="0">
+            <a:schemeClr val="accent1"/>
+          </a:effectRef>
+          <a:fontRef idx="minor">
+            <a:schemeClr val="tx1"/>
+          </a:fontRef>
+        </p:style>
+      </p:cxnSp>
+      <p:cxnSp>
+        <p:nvCxnSpPr>
+          <p:cNvPr id="15" name="Conector recto de flecha 14"/>
+          <p:cNvCxnSpPr/>
+          <p:nvPr/>
+        </p:nvCxnSpPr>
+        <p:spPr>
+          <a:xfrm>
+            <a:off x="10409694" y="6195377"/>
+            <a:ext cx="1087065" cy="29599"/>
+          </a:xfrm>
+          <a:prstGeom prst="straightConnector1">
+            <a:avLst/>
+          </a:prstGeom>
+          <a:ln w="28575">
+            <a:solidFill>
+              <a:srgbClr val="7240F0"/>
+            </a:solidFill>
+            <a:tailEnd type="triangle" w="lg" len="lg"/>
+          </a:ln>
+        </p:spPr>
+        <p:style>
+          <a:lnRef idx="1">
+            <a:schemeClr val="accent1"/>
+          </a:lnRef>
+          <a:fillRef idx="0">
+            <a:schemeClr val="accent1"/>
+          </a:fillRef>
+          <a:effectRef idx="0">
+            <a:schemeClr val="accent1"/>
+          </a:effectRef>
+          <a:fontRef idx="minor">
+            <a:schemeClr val="tx1"/>
+          </a:fontRef>
+        </p:style>
+      </p:cxnSp>
+      <p:sp>
+        <p:nvSpPr>
+          <p:cNvPr id="122" name="CuadroTexto 121"/>
+          <p:cNvSpPr txBox="1"/>
+          <p:nvPr/>
+        </p:nvSpPr>
+        <p:spPr>
+          <a:xfrm>
+            <a:off x="10688409" y="5840845"/>
+            <a:ext cx="475643" cy="369332"/>
+          </a:xfrm>
+          <a:prstGeom prst="rect">
+            <a:avLst/>
+          </a:prstGeom>
+          <a:noFill/>
+        </p:spPr>
+        <p:txBody>
+          <a:bodyPr wrap="none" rtlCol="0">
+            <a:spAutoFit/>
+          </a:bodyPr>
+          <a:lstStyle/>
+          <a:p>
+            <a:r>
+              <a:rPr lang="es-ES" b="1" dirty="0" smtClean="0">
+                <a:solidFill>
+                  <a:srgbClr val="FF3300"/>
+                </a:solidFill>
+                <a:latin typeface="+mj-lt"/>
+                <a:cs typeface="Aharoni" panose="02010803020104030203" pitchFamily="2" charset="-79"/>
+              </a:rPr>
+              <a:t>Yes</a:t>
+            </a:r>
+            <a:endParaRPr lang="es-ES" b="1" dirty="0">
+              <a:solidFill>
+                <a:srgbClr val="FF3300"/>
+              </a:solidFill>
+              <a:latin typeface="+mj-lt"/>
+              <a:cs typeface="Aharoni" panose="02010803020104030203" pitchFamily="2" charset="-79"/>
+            </a:endParaRPr>
+          </a:p>
+        </p:txBody>
+      </p:sp>
+      <p:sp>
+        <p:nvSpPr>
+          <p:cNvPr id="22" name="Decisión 21"/>
+          <p:cNvSpPr/>
+          <p:nvPr/>
+        </p:nvSpPr>
+        <p:spPr>
+          <a:xfrm>
+            <a:off x="8788245" y="2693298"/>
+            <a:ext cx="1778285" cy="1531869"/>
+          </a:xfrm>
+          <a:prstGeom prst="flowChartDecision">
+            <a:avLst/>
+          </a:prstGeom>
+          <a:noFill/>
+          <a:ln w="38100">
+            <a:solidFill>
+              <a:srgbClr val="46DACC"/>
+            </a:solidFill>
+          </a:ln>
+        </p:spPr>
+        <p:style>
+          <a:lnRef idx="2">
+            <a:schemeClr val="accent1">
+              <a:shade val="50000"/>
+            </a:schemeClr>
+          </a:lnRef>
+          <a:fillRef idx="1">
+            <a:schemeClr val="accent1"/>
+          </a:fillRef>
+          <a:effectRef idx="0">
+            <a:schemeClr val="accent1"/>
+          </a:effectRef>
+          <a:fontRef idx="minor">
+            <a:schemeClr val="lt1"/>
+          </a:fontRef>
+        </p:style>
+        <p:txBody>
+          <a:bodyPr lIns="0" tIns="0" rIns="0" bIns="0" rtlCol="0" anchor="ctr"/>
+          <a:lstStyle/>
+          <a:p>
+            <a:pPr algn="ctr"/>
+            <a:r>
+              <a:rPr lang="es-ES" sz="1200" dirty="0" smtClean="0">
+                <a:solidFill>
+                  <a:schemeClr val="tx1">
+                    <a:lumMod val="75000"/>
+                    <a:lumOff val="25000"/>
+                  </a:schemeClr>
+                </a:solidFill>
+                <a:latin typeface="Arial Rounded MT Bold" panose="020F0704030504030204" pitchFamily="34" charset="0"/>
+              </a:rPr>
+              <a:t>#</a:t>
+            </a:r>
+            <a:r>
+              <a:rPr lang="es-ES" sz="1200" dirty="0" err="1" smtClean="0">
+                <a:solidFill>
+                  <a:schemeClr val="tx1">
+                    <a:lumMod val="75000"/>
+                    <a:lumOff val="25000"/>
+                  </a:schemeClr>
+                </a:solidFill>
+                <a:latin typeface="Arial Rounded MT Bold" panose="020F0704030504030204" pitchFamily="34" charset="0"/>
+              </a:rPr>
+              <a:t>goodbyes</a:t>
+            </a:r>
+            <a:endParaRPr lang="es-ES" sz="1200" dirty="0">
+              <a:solidFill>
+                <a:schemeClr val="tx1">
+                  <a:lumMod val="75000"/>
+                  <a:lumOff val="25000"/>
+                </a:schemeClr>
+              </a:solidFill>
+              <a:latin typeface="Arial Rounded MT Bold" panose="020F0704030504030204" pitchFamily="34" charset="0"/>
+            </a:endParaRPr>
+          </a:p>
+        </p:txBody>
+      </p:sp>
+      <p:sp>
+        <p:nvSpPr>
+          <p:cNvPr id="23" name="Decisión 22"/>
+          <p:cNvSpPr/>
+          <p:nvPr/>
+        </p:nvSpPr>
+        <p:spPr>
+          <a:xfrm>
+            <a:off x="-990927" y="2693298"/>
+            <a:ext cx="1778285" cy="1531869"/>
+          </a:xfrm>
+          <a:prstGeom prst="flowChartDecision">
+            <a:avLst/>
+          </a:prstGeom>
+          <a:noFill/>
+          <a:ln w="38100">
+            <a:solidFill>
+              <a:srgbClr val="46DACC"/>
+            </a:solidFill>
+          </a:ln>
+        </p:spPr>
+        <p:style>
+          <a:lnRef idx="2">
+            <a:schemeClr val="accent1">
+              <a:shade val="50000"/>
+            </a:schemeClr>
+          </a:lnRef>
+          <a:fillRef idx="1">
+            <a:schemeClr val="accent1"/>
+          </a:fillRef>
+          <a:effectRef idx="0">
+            <a:schemeClr val="accent1"/>
+          </a:effectRef>
+          <a:fontRef idx="minor">
+            <a:schemeClr val="lt1"/>
+          </a:fontRef>
+        </p:style>
+        <p:txBody>
+          <a:bodyPr lIns="0" tIns="0" rIns="0" bIns="0" rtlCol="0" anchor="ctr"/>
+          <a:lstStyle/>
+          <a:p>
+            <a:pPr algn="ctr"/>
+            <a:r>
+              <a:rPr lang="es-ES" sz="1200" dirty="0" smtClean="0">
+                <a:solidFill>
+                  <a:schemeClr val="tx1">
+                    <a:lumMod val="75000"/>
+                    <a:lumOff val="25000"/>
+                  </a:schemeClr>
+                </a:solidFill>
+                <a:latin typeface="Arial Rounded MT Bold" panose="020F0704030504030204" pitchFamily="34" charset="0"/>
+              </a:rPr>
+              <a:t>#</a:t>
+            </a:r>
+            <a:r>
+              <a:rPr lang="es-ES" sz="1200" dirty="0" err="1" smtClean="0">
+                <a:solidFill>
+                  <a:schemeClr val="tx1">
+                    <a:lumMod val="75000"/>
+                    <a:lumOff val="25000"/>
+                  </a:schemeClr>
+                </a:solidFill>
+                <a:latin typeface="Arial Rounded MT Bold" panose="020F0704030504030204" pitchFamily="34" charset="0"/>
+              </a:rPr>
+              <a:t>greetings</a:t>
+            </a:r>
+            <a:endParaRPr lang="es-ES" sz="1200" dirty="0">
+              <a:solidFill>
+                <a:schemeClr val="tx1">
+                  <a:lumMod val="75000"/>
+                  <a:lumOff val="25000"/>
+                </a:schemeClr>
+              </a:solidFill>
+              <a:latin typeface="Arial Rounded MT Bold" panose="020F0704030504030204" pitchFamily="34" charset="0"/>
+            </a:endParaRPr>
+          </a:p>
+        </p:txBody>
+      </p:sp>
+      <p:sp>
+        <p:nvSpPr>
+          <p:cNvPr id="24" name="Decisión 23"/>
+          <p:cNvSpPr/>
+          <p:nvPr/>
+        </p:nvSpPr>
+        <p:spPr>
+          <a:xfrm>
+            <a:off x="1809564" y="2680131"/>
+            <a:ext cx="1881370" cy="1573163"/>
+          </a:xfrm>
+          <a:prstGeom prst="flowChartDecision">
+            <a:avLst/>
+          </a:prstGeom>
+          <a:noFill/>
+          <a:ln w="38100">
+            <a:solidFill>
+              <a:srgbClr val="46DACC"/>
+            </a:solidFill>
+          </a:ln>
+        </p:spPr>
+        <p:style>
+          <a:lnRef idx="2">
+            <a:schemeClr val="accent1">
+              <a:shade val="50000"/>
+            </a:schemeClr>
+          </a:lnRef>
+          <a:fillRef idx="1">
+            <a:schemeClr val="accent1"/>
+          </a:fillRef>
+          <a:effectRef idx="0">
+            <a:schemeClr val="accent1"/>
+          </a:effectRef>
+          <a:fontRef idx="minor">
+            <a:schemeClr val="lt1"/>
+          </a:fontRef>
+        </p:style>
+        <p:txBody>
+          <a:bodyPr lIns="0" tIns="0" rIns="0" bIns="0" rtlCol="0" anchor="ctr"/>
+          <a:lstStyle/>
+          <a:p>
+            <a:pPr algn="ctr"/>
+            <a:r>
+              <a:rPr lang="es-ES" sz="1200" dirty="0" smtClean="0">
+                <a:solidFill>
+                  <a:schemeClr val="tx1">
+                    <a:lumMod val="75000"/>
+                    <a:lumOff val="25000"/>
+                  </a:schemeClr>
+                </a:solidFill>
+                <a:latin typeface="Arial Rounded MT Bold" panose="020F0704030504030204" pitchFamily="34" charset="0"/>
+              </a:rPr>
+              <a:t>#</a:t>
+            </a:r>
+            <a:r>
+              <a:rPr lang="es-ES" sz="1200" dirty="0" err="1" smtClean="0">
+                <a:solidFill>
+                  <a:schemeClr val="tx1">
+                    <a:lumMod val="75000"/>
+                    <a:lumOff val="25000"/>
+                  </a:schemeClr>
+                </a:solidFill>
+                <a:latin typeface="Arial Rounded MT Bold" panose="020F0704030504030204" pitchFamily="34" charset="0"/>
+              </a:rPr>
+              <a:t>capabilities</a:t>
+            </a:r>
+            <a:endParaRPr lang="es-ES" sz="1200" dirty="0">
+              <a:solidFill>
+                <a:schemeClr val="tx1">
+                  <a:lumMod val="75000"/>
+                  <a:lumOff val="25000"/>
+                </a:schemeClr>
+              </a:solidFill>
+              <a:latin typeface="Arial Rounded MT Bold" panose="020F0704030504030204" pitchFamily="34" charset="0"/>
+            </a:endParaRPr>
+          </a:p>
+        </p:txBody>
+      </p:sp>
+      <p:sp>
+        <p:nvSpPr>
+          <p:cNvPr id="25" name="Decisión 24"/>
+          <p:cNvSpPr/>
+          <p:nvPr/>
+        </p:nvSpPr>
+        <p:spPr>
+          <a:xfrm>
+            <a:off x="1798314" y="4637014"/>
+            <a:ext cx="1881370" cy="1573163"/>
+          </a:xfrm>
+          <a:prstGeom prst="flowChartDecision">
+            <a:avLst/>
+          </a:prstGeom>
+          <a:noFill/>
+          <a:ln w="38100">
+            <a:solidFill>
+              <a:srgbClr val="46DACC"/>
+            </a:solidFill>
+          </a:ln>
+        </p:spPr>
+        <p:style>
+          <a:lnRef idx="2">
+            <a:schemeClr val="accent1">
+              <a:shade val="50000"/>
+            </a:schemeClr>
+          </a:lnRef>
+          <a:fillRef idx="1">
+            <a:schemeClr val="accent1"/>
+          </a:fillRef>
+          <a:effectRef idx="0">
+            <a:schemeClr val="accent1"/>
+          </a:effectRef>
+          <a:fontRef idx="minor">
+            <a:schemeClr val="lt1"/>
+          </a:fontRef>
+        </p:style>
+        <p:txBody>
+          <a:bodyPr lIns="0" tIns="0" rIns="0" bIns="0" rtlCol="0" anchor="ctr"/>
+          <a:lstStyle/>
+          <a:p>
+            <a:pPr algn="ctr"/>
+            <a:r>
+              <a:rPr lang="es-ES" sz="1200" dirty="0" smtClean="0">
+                <a:solidFill>
+                  <a:schemeClr val="tx1">
+                    <a:lumMod val="75000"/>
+                    <a:lumOff val="25000"/>
+                  </a:schemeClr>
+                </a:solidFill>
+                <a:latin typeface="Arial Rounded MT Bold" panose="020F0704030504030204" pitchFamily="34" charset="0"/>
+              </a:rPr>
+              <a:t>#</a:t>
+            </a:r>
+            <a:r>
+              <a:rPr lang="es-ES" sz="1200" dirty="0" err="1" smtClean="0">
+                <a:solidFill>
+                  <a:schemeClr val="tx1">
+                    <a:lumMod val="75000"/>
+                    <a:lumOff val="25000"/>
+                  </a:schemeClr>
+                </a:solidFill>
+                <a:latin typeface="Arial Rounded MT Bold" panose="020F0704030504030204" pitchFamily="34" charset="0"/>
+              </a:rPr>
+              <a:t>about</a:t>
+            </a:r>
+            <a:r>
+              <a:rPr lang="es-ES" sz="1200" dirty="0" smtClean="0">
+                <a:solidFill>
+                  <a:schemeClr val="tx1">
+                    <a:lumMod val="75000"/>
+                    <a:lumOff val="25000"/>
+                  </a:schemeClr>
+                </a:solidFill>
+                <a:latin typeface="Arial Rounded MT Bold" panose="020F0704030504030204" pitchFamily="34" charset="0"/>
+              </a:rPr>
+              <a:t>_</a:t>
+            </a:r>
+          </a:p>
+          <a:p>
+            <a:pPr algn="ctr"/>
+            <a:r>
+              <a:rPr lang="es-ES" sz="1200" dirty="0" err="1" smtClean="0">
+                <a:solidFill>
+                  <a:schemeClr val="tx1">
+                    <a:lumMod val="75000"/>
+                    <a:lumOff val="25000"/>
+                  </a:schemeClr>
+                </a:solidFill>
+                <a:latin typeface="Arial Rounded MT Bold" panose="020F0704030504030204" pitchFamily="34" charset="0"/>
+              </a:rPr>
+              <a:t>yumyum</a:t>
+            </a:r>
+            <a:endParaRPr lang="es-ES" sz="1200" dirty="0">
+              <a:solidFill>
+                <a:schemeClr val="tx1">
+                  <a:lumMod val="75000"/>
+                  <a:lumOff val="25000"/>
+                </a:schemeClr>
+              </a:solidFill>
+              <a:latin typeface="Arial Rounded MT Bold" panose="020F0704030504030204" pitchFamily="34" charset="0"/>
+            </a:endParaRPr>
+          </a:p>
+        </p:txBody>
+      </p:sp>
+      <p:sp>
+        <p:nvSpPr>
+          <p:cNvPr id="26" name="Decisión 25"/>
+          <p:cNvSpPr/>
+          <p:nvPr/>
+        </p:nvSpPr>
+        <p:spPr>
+          <a:xfrm>
+            <a:off x="4367579" y="4931877"/>
+            <a:ext cx="1881370" cy="1573163"/>
+          </a:xfrm>
+          <a:prstGeom prst="flowChartDecision">
+            <a:avLst/>
+          </a:prstGeom>
+          <a:noFill/>
+          <a:ln w="38100">
+            <a:solidFill>
+              <a:srgbClr val="46DACC"/>
+            </a:solidFill>
+          </a:ln>
+        </p:spPr>
+        <p:style>
+          <a:lnRef idx="2">
+            <a:schemeClr val="accent1">
+              <a:shade val="50000"/>
+            </a:schemeClr>
+          </a:lnRef>
+          <a:fillRef idx="1">
+            <a:schemeClr val="accent1"/>
+          </a:fillRef>
+          <a:effectRef idx="0">
+            <a:schemeClr val="accent1"/>
+          </a:effectRef>
+          <a:fontRef idx="minor">
+            <a:schemeClr val="lt1"/>
+          </a:fontRef>
+        </p:style>
+        <p:txBody>
+          <a:bodyPr lIns="0" tIns="0" rIns="0" bIns="0" rtlCol="0" anchor="ctr"/>
+          <a:lstStyle/>
+          <a:p>
+            <a:pPr algn="ctr"/>
+            <a:r>
+              <a:rPr lang="es-ES" sz="1200" dirty="0" smtClean="0">
+                <a:solidFill>
+                  <a:schemeClr val="tx1">
+                    <a:lumMod val="75000"/>
+                    <a:lumOff val="25000"/>
+                  </a:schemeClr>
+                </a:solidFill>
+                <a:latin typeface="Arial Rounded MT Bold" panose="020F0704030504030204" pitchFamily="34" charset="0"/>
+              </a:rPr>
+              <a:t>#</a:t>
+            </a:r>
+            <a:r>
+              <a:rPr lang="es-ES" sz="1200" dirty="0" err="1" smtClean="0">
+                <a:solidFill>
+                  <a:schemeClr val="tx1">
+                    <a:lumMod val="75000"/>
+                    <a:lumOff val="25000"/>
+                  </a:schemeClr>
+                </a:solidFill>
+                <a:latin typeface="Arial Rounded MT Bold" panose="020F0704030504030204" pitchFamily="34" charset="0"/>
+              </a:rPr>
+              <a:t>available</a:t>
+            </a:r>
+            <a:r>
+              <a:rPr lang="es-ES" sz="1200" dirty="0" smtClean="0">
+                <a:solidFill>
+                  <a:schemeClr val="tx1">
+                    <a:lumMod val="75000"/>
+                    <a:lumOff val="25000"/>
+                  </a:schemeClr>
+                </a:solidFill>
+                <a:latin typeface="Arial Rounded MT Bold" panose="020F0704030504030204" pitchFamily="34" charset="0"/>
+              </a:rPr>
+              <a:t>_</a:t>
+            </a:r>
+          </a:p>
+          <a:p>
+            <a:pPr algn="ctr"/>
+            <a:r>
+              <a:rPr lang="es-ES" sz="1200" dirty="0" err="1" smtClean="0">
+                <a:solidFill>
+                  <a:schemeClr val="tx1">
+                    <a:lumMod val="75000"/>
+                    <a:lumOff val="25000"/>
+                  </a:schemeClr>
+                </a:solidFill>
+                <a:latin typeface="Arial Rounded MT Bold" panose="020F0704030504030204" pitchFamily="34" charset="0"/>
+              </a:rPr>
+              <a:t>ingredients</a:t>
+            </a:r>
+            <a:endParaRPr lang="es-ES" sz="1200" dirty="0">
+              <a:solidFill>
+                <a:schemeClr val="tx1">
+                  <a:lumMod val="75000"/>
+                  <a:lumOff val="25000"/>
+                </a:schemeClr>
+              </a:solidFill>
+              <a:latin typeface="Arial Rounded MT Bold" panose="020F0704030504030204" pitchFamily="34" charset="0"/>
+            </a:endParaRPr>
+          </a:p>
+        </p:txBody>
+      </p:sp>
+      <p:sp>
+        <p:nvSpPr>
+          <p:cNvPr id="27" name="Decisión 26"/>
+          <p:cNvSpPr/>
+          <p:nvPr/>
+        </p:nvSpPr>
+        <p:spPr>
+          <a:xfrm>
+            <a:off x="1823112" y="723248"/>
+            <a:ext cx="1881370" cy="1573163"/>
+          </a:xfrm>
+          <a:prstGeom prst="flowChartDecision">
+            <a:avLst/>
+          </a:prstGeom>
+          <a:noFill/>
+          <a:ln w="38100">
+            <a:solidFill>
+              <a:srgbClr val="46DACC"/>
+            </a:solidFill>
+          </a:ln>
+        </p:spPr>
+        <p:style>
+          <a:lnRef idx="2">
+            <a:schemeClr val="accent1">
+              <a:shade val="50000"/>
+            </a:schemeClr>
+          </a:lnRef>
+          <a:fillRef idx="1">
+            <a:schemeClr val="accent1"/>
+          </a:fillRef>
+          <a:effectRef idx="0">
+            <a:schemeClr val="accent1"/>
+          </a:effectRef>
+          <a:fontRef idx="minor">
+            <a:schemeClr val="lt1"/>
+          </a:fontRef>
+        </p:style>
+        <p:txBody>
+          <a:bodyPr lIns="0" tIns="0" rIns="0" bIns="0" rtlCol="0" anchor="ctr"/>
+          <a:lstStyle/>
+          <a:p>
+            <a:pPr algn="ctr"/>
+            <a:r>
+              <a:rPr lang="es-ES" sz="1200" dirty="0" smtClean="0">
+                <a:solidFill>
+                  <a:schemeClr val="tx1">
+                    <a:lumMod val="75000"/>
+                    <a:lumOff val="25000"/>
+                  </a:schemeClr>
+                </a:solidFill>
+                <a:latin typeface="Arial Rounded MT Bold" panose="020F0704030504030204" pitchFamily="34" charset="0"/>
+              </a:rPr>
+              <a:t>#interface</a:t>
+            </a:r>
+            <a:endParaRPr lang="es-ES" sz="1200" dirty="0">
+              <a:solidFill>
+                <a:schemeClr val="tx1">
+                  <a:lumMod val="75000"/>
+                  <a:lumOff val="25000"/>
+                </a:schemeClr>
+              </a:solidFill>
+              <a:latin typeface="Arial Rounded MT Bold" panose="020F0704030504030204" pitchFamily="34" charset="0"/>
+            </a:endParaRPr>
+          </a:p>
+        </p:txBody>
+      </p:sp>
+      <p:sp>
+        <p:nvSpPr>
+          <p:cNvPr id="28" name="Decisión 27"/>
+          <p:cNvSpPr/>
+          <p:nvPr/>
+        </p:nvSpPr>
+        <p:spPr>
+          <a:xfrm>
+            <a:off x="6677948" y="1086075"/>
+            <a:ext cx="1881370" cy="1573163"/>
+          </a:xfrm>
+          <a:prstGeom prst="flowChartDecision">
+            <a:avLst/>
+          </a:prstGeom>
+          <a:noFill/>
+          <a:ln w="38100">
+            <a:solidFill>
+              <a:srgbClr val="46DACC"/>
+            </a:solidFill>
+          </a:ln>
+        </p:spPr>
+        <p:style>
+          <a:lnRef idx="2">
+            <a:schemeClr val="accent1">
+              <a:shade val="50000"/>
+            </a:schemeClr>
+          </a:lnRef>
+          <a:fillRef idx="1">
+            <a:schemeClr val="accent1"/>
+          </a:fillRef>
+          <a:effectRef idx="0">
+            <a:schemeClr val="accent1"/>
+          </a:effectRef>
+          <a:fontRef idx="minor">
+            <a:schemeClr val="lt1"/>
+          </a:fontRef>
+        </p:style>
+        <p:txBody>
+          <a:bodyPr lIns="0" tIns="0" rIns="0" bIns="0" rtlCol="0" anchor="ctr"/>
+          <a:lstStyle/>
+          <a:p>
+            <a:pPr algn="ctr"/>
+            <a:r>
+              <a:rPr lang="es-ES" sz="1200" dirty="0" smtClean="0">
+                <a:solidFill>
+                  <a:schemeClr val="tx1">
+                    <a:lumMod val="75000"/>
+                    <a:lumOff val="25000"/>
+                  </a:schemeClr>
+                </a:solidFill>
+                <a:latin typeface="Arial Rounded MT Bold" panose="020F0704030504030204" pitchFamily="34" charset="0"/>
+              </a:rPr>
+              <a:t>#</a:t>
+            </a:r>
+            <a:r>
+              <a:rPr lang="es-ES" sz="1200" dirty="0" err="1" smtClean="0">
+                <a:solidFill>
+                  <a:schemeClr val="tx1">
+                    <a:lumMod val="75000"/>
+                    <a:lumOff val="25000"/>
+                  </a:schemeClr>
+                </a:solidFill>
+                <a:latin typeface="Arial Rounded MT Bold" panose="020F0704030504030204" pitchFamily="34" charset="0"/>
+              </a:rPr>
+              <a:t>negative</a:t>
+            </a:r>
+            <a:r>
+              <a:rPr lang="es-ES" sz="1200" dirty="0" smtClean="0">
+                <a:solidFill>
+                  <a:schemeClr val="tx1">
+                    <a:lumMod val="75000"/>
+                    <a:lumOff val="25000"/>
+                  </a:schemeClr>
+                </a:solidFill>
+                <a:latin typeface="Arial Rounded MT Bold" panose="020F0704030504030204" pitchFamily="34" charset="0"/>
+              </a:rPr>
+              <a:t>_</a:t>
+            </a:r>
+          </a:p>
+          <a:p>
+            <a:pPr algn="ctr"/>
+            <a:r>
+              <a:rPr lang="es-ES" sz="1200" dirty="0" err="1" smtClean="0">
+                <a:solidFill>
+                  <a:schemeClr val="tx1">
+                    <a:lumMod val="75000"/>
+                    <a:lumOff val="25000"/>
+                  </a:schemeClr>
+                </a:solidFill>
+                <a:latin typeface="Arial Rounded MT Bold" panose="020F0704030504030204" pitchFamily="34" charset="0"/>
+              </a:rPr>
+              <a:t>reactions</a:t>
+            </a:r>
+            <a:endParaRPr lang="es-ES" sz="1200" dirty="0">
+              <a:solidFill>
+                <a:schemeClr val="tx1">
+                  <a:lumMod val="75000"/>
+                  <a:lumOff val="25000"/>
+                </a:schemeClr>
+              </a:solidFill>
+              <a:latin typeface="Arial Rounded MT Bold" panose="020F0704030504030204" pitchFamily="34" charset="0"/>
+            </a:endParaRPr>
+          </a:p>
+        </p:txBody>
+      </p:sp>
+      <p:sp>
+        <p:nvSpPr>
+          <p:cNvPr id="29" name="Decisión 28"/>
+          <p:cNvSpPr/>
+          <p:nvPr/>
+        </p:nvSpPr>
+        <p:spPr>
+          <a:xfrm>
+            <a:off x="6680078" y="3083650"/>
+            <a:ext cx="1881370" cy="1573163"/>
+          </a:xfrm>
+          <a:prstGeom prst="flowChartDecision">
+            <a:avLst/>
+          </a:prstGeom>
+          <a:noFill/>
+          <a:ln w="38100">
+            <a:solidFill>
+              <a:srgbClr val="46DACC"/>
+            </a:solidFill>
+          </a:ln>
+        </p:spPr>
+        <p:style>
+          <a:lnRef idx="2">
+            <a:schemeClr val="accent1">
+              <a:shade val="50000"/>
+            </a:schemeClr>
+          </a:lnRef>
+          <a:fillRef idx="1">
+            <a:schemeClr val="accent1"/>
+          </a:fillRef>
+          <a:effectRef idx="0">
+            <a:schemeClr val="accent1"/>
+          </a:effectRef>
+          <a:fontRef idx="minor">
+            <a:schemeClr val="lt1"/>
+          </a:fontRef>
+        </p:style>
+        <p:txBody>
+          <a:bodyPr lIns="0" tIns="0" rIns="0" bIns="0" rtlCol="0" anchor="ctr"/>
+          <a:lstStyle/>
+          <a:p>
+            <a:pPr algn="ctr"/>
+            <a:r>
+              <a:rPr lang="es-ES" sz="1200" dirty="0" smtClean="0">
+                <a:solidFill>
+                  <a:schemeClr val="tx1">
+                    <a:lumMod val="75000"/>
+                    <a:lumOff val="25000"/>
+                  </a:schemeClr>
+                </a:solidFill>
+                <a:latin typeface="Arial Rounded MT Bold" panose="020F0704030504030204" pitchFamily="34" charset="0"/>
+              </a:rPr>
+              <a:t>#positive_</a:t>
+            </a:r>
+          </a:p>
+          <a:p>
+            <a:pPr algn="ctr"/>
+            <a:r>
+              <a:rPr lang="es-ES" sz="1200" dirty="0" err="1" smtClean="0">
+                <a:solidFill>
+                  <a:schemeClr val="tx1">
+                    <a:lumMod val="75000"/>
+                    <a:lumOff val="25000"/>
+                  </a:schemeClr>
+                </a:solidFill>
+                <a:latin typeface="Arial Rounded MT Bold" panose="020F0704030504030204" pitchFamily="34" charset="0"/>
+              </a:rPr>
+              <a:t>reactions</a:t>
+            </a:r>
+            <a:endParaRPr lang="es-ES" sz="1200" dirty="0">
+              <a:solidFill>
+                <a:schemeClr val="tx1">
+                  <a:lumMod val="75000"/>
+                  <a:lumOff val="25000"/>
+                </a:schemeClr>
+              </a:solidFill>
+              <a:latin typeface="Arial Rounded MT Bold" panose="020F0704030504030204" pitchFamily="34" charset="0"/>
+            </a:endParaRPr>
+          </a:p>
+        </p:txBody>
+      </p:sp>
+      <p:sp>
+        <p:nvSpPr>
+          <p:cNvPr id="30" name="Decisión 29"/>
+          <p:cNvSpPr/>
+          <p:nvPr/>
+        </p:nvSpPr>
+        <p:spPr>
+          <a:xfrm>
+            <a:off x="4358219" y="2422893"/>
+            <a:ext cx="1881370" cy="1573163"/>
+          </a:xfrm>
+          <a:prstGeom prst="flowChartDecision">
+            <a:avLst/>
+          </a:prstGeom>
+          <a:noFill/>
+          <a:ln w="38100">
+            <a:solidFill>
+              <a:srgbClr val="46DACC"/>
+            </a:solidFill>
+          </a:ln>
+        </p:spPr>
+        <p:style>
+          <a:lnRef idx="2">
+            <a:schemeClr val="accent1">
+              <a:shade val="50000"/>
+            </a:schemeClr>
+          </a:lnRef>
+          <a:fillRef idx="1">
+            <a:schemeClr val="accent1"/>
+          </a:fillRef>
+          <a:effectRef idx="0">
+            <a:schemeClr val="accent1"/>
+          </a:effectRef>
+          <a:fontRef idx="minor">
+            <a:schemeClr val="lt1"/>
+          </a:fontRef>
+        </p:style>
+        <p:txBody>
+          <a:bodyPr lIns="0" tIns="0" rIns="0" bIns="0" rtlCol="0" anchor="ctr"/>
+          <a:lstStyle/>
+          <a:p>
+            <a:pPr algn="ctr"/>
+            <a:r>
+              <a:rPr lang="es-ES" sz="1200" dirty="0" smtClean="0">
+                <a:solidFill>
+                  <a:schemeClr val="tx1">
+                    <a:lumMod val="75000"/>
+                    <a:lumOff val="25000"/>
+                  </a:schemeClr>
+                </a:solidFill>
+                <a:latin typeface="Arial Rounded MT Bold" panose="020F0704030504030204" pitchFamily="34" charset="0"/>
+              </a:rPr>
+              <a:t>#</a:t>
+            </a:r>
+            <a:r>
+              <a:rPr lang="es-ES" sz="1200" dirty="0" err="1" smtClean="0">
+                <a:solidFill>
+                  <a:schemeClr val="tx1">
+                    <a:lumMod val="75000"/>
+                    <a:lumOff val="25000"/>
+                  </a:schemeClr>
+                </a:solidFill>
+                <a:latin typeface="Arial Rounded MT Bold" panose="020F0704030504030204" pitchFamily="34" charset="0"/>
+              </a:rPr>
+              <a:t>sugest</a:t>
+            </a:r>
+            <a:r>
+              <a:rPr lang="es-ES" sz="1200" dirty="0" smtClean="0">
+                <a:solidFill>
+                  <a:schemeClr val="tx1">
+                    <a:lumMod val="75000"/>
+                    <a:lumOff val="25000"/>
+                  </a:schemeClr>
+                </a:solidFill>
+                <a:latin typeface="Arial Rounded MT Bold" panose="020F0704030504030204" pitchFamily="34" charset="0"/>
+              </a:rPr>
+              <a:t>_</a:t>
+            </a:r>
+          </a:p>
+          <a:p>
+            <a:pPr algn="ctr"/>
+            <a:r>
+              <a:rPr lang="es-ES" sz="1200" dirty="0" err="1" smtClean="0">
+                <a:solidFill>
+                  <a:schemeClr val="tx1">
+                    <a:lumMod val="75000"/>
+                    <a:lumOff val="25000"/>
+                  </a:schemeClr>
+                </a:solidFill>
+                <a:latin typeface="Arial Rounded MT Bold" panose="020F0704030504030204" pitchFamily="34" charset="0"/>
+              </a:rPr>
+              <a:t>dish</a:t>
+            </a:r>
+            <a:endParaRPr lang="es-ES" sz="1200" dirty="0">
+              <a:solidFill>
+                <a:schemeClr val="tx1">
+                  <a:lumMod val="75000"/>
+                  <a:lumOff val="25000"/>
+                </a:schemeClr>
+              </a:solidFill>
+              <a:latin typeface="Arial Rounded MT Bold" panose="020F0704030504030204" pitchFamily="34" charset="0"/>
+            </a:endParaRPr>
+          </a:p>
+        </p:txBody>
+      </p:sp>
+      <p:sp>
+        <p:nvSpPr>
+          <p:cNvPr id="31" name="Decisión 30"/>
+          <p:cNvSpPr/>
+          <p:nvPr/>
+        </p:nvSpPr>
+        <p:spPr>
+          <a:xfrm>
+            <a:off x="4382337" y="103851"/>
+            <a:ext cx="1881370" cy="1576249"/>
+          </a:xfrm>
+          <a:prstGeom prst="flowChartDecision">
+            <a:avLst/>
+          </a:prstGeom>
+          <a:noFill/>
+          <a:ln w="38100">
+            <a:solidFill>
+              <a:srgbClr val="46DACC"/>
+            </a:solidFill>
+          </a:ln>
+        </p:spPr>
+        <p:style>
+          <a:lnRef idx="2">
+            <a:schemeClr val="accent1">
+              <a:shade val="50000"/>
+            </a:schemeClr>
+          </a:lnRef>
+          <a:fillRef idx="1">
+            <a:schemeClr val="accent1"/>
+          </a:fillRef>
+          <a:effectRef idx="0">
+            <a:schemeClr val="accent1"/>
+          </a:effectRef>
+          <a:fontRef idx="minor">
+            <a:schemeClr val="lt1"/>
+          </a:fontRef>
+        </p:style>
+        <p:txBody>
+          <a:bodyPr lIns="0" tIns="0" rIns="0" bIns="0" rtlCol="0" anchor="ctr"/>
+          <a:lstStyle/>
+          <a:p>
+            <a:pPr algn="ctr"/>
+            <a:r>
+              <a:rPr lang="es-ES" sz="1200" dirty="0" smtClean="0">
+                <a:solidFill>
+                  <a:schemeClr val="tx1">
+                    <a:lumMod val="75000"/>
+                    <a:lumOff val="25000"/>
+                  </a:schemeClr>
+                </a:solidFill>
+                <a:latin typeface="Arial Rounded MT Bold" panose="020F0704030504030204" pitchFamily="34" charset="0"/>
+              </a:rPr>
+              <a:t>#</a:t>
+            </a:r>
+            <a:r>
+              <a:rPr lang="es-ES" sz="1200" dirty="0" err="1" smtClean="0">
+                <a:solidFill>
+                  <a:schemeClr val="tx1">
+                    <a:lumMod val="75000"/>
+                    <a:lumOff val="25000"/>
+                  </a:schemeClr>
+                </a:solidFill>
+                <a:latin typeface="Arial Rounded MT Bold" panose="020F0704030504030204" pitchFamily="34" charset="0"/>
+              </a:rPr>
+              <a:t>get_recipe</a:t>
+            </a:r>
+            <a:endParaRPr lang="es-ES" sz="1200" dirty="0">
+              <a:solidFill>
+                <a:schemeClr val="tx1">
+                  <a:lumMod val="75000"/>
+                  <a:lumOff val="25000"/>
+                </a:schemeClr>
+              </a:solidFill>
+              <a:latin typeface="Arial Rounded MT Bold" panose="020F0704030504030204" pitchFamily="34" charset="0"/>
+            </a:endParaRPr>
+          </a:p>
+        </p:txBody>
+      </p:sp>
+      <p:sp>
+        <p:nvSpPr>
+          <p:cNvPr id="33" name="Decisión 32"/>
+          <p:cNvSpPr/>
+          <p:nvPr/>
+        </p:nvSpPr>
+        <p:spPr>
+          <a:xfrm>
+            <a:off x="6677948" y="4934449"/>
+            <a:ext cx="1881370" cy="1573163"/>
+          </a:xfrm>
+          <a:prstGeom prst="flowChartDecision">
+            <a:avLst/>
+          </a:prstGeom>
+          <a:noFill/>
+          <a:ln w="38100">
+            <a:solidFill>
+              <a:srgbClr val="46DACC"/>
+            </a:solidFill>
+          </a:ln>
+        </p:spPr>
+        <p:style>
+          <a:lnRef idx="2">
+            <a:schemeClr val="accent1">
+              <a:shade val="50000"/>
+            </a:schemeClr>
+          </a:lnRef>
+          <a:fillRef idx="1">
+            <a:schemeClr val="accent1"/>
+          </a:fillRef>
+          <a:effectRef idx="0">
+            <a:schemeClr val="accent1"/>
+          </a:effectRef>
+          <a:fontRef idx="minor">
+            <a:schemeClr val="lt1"/>
+          </a:fontRef>
+        </p:style>
+        <p:txBody>
+          <a:bodyPr lIns="0" tIns="0" rIns="0" bIns="0" rtlCol="0" anchor="ctr"/>
+          <a:lstStyle/>
+          <a:p>
+            <a:pPr algn="ctr"/>
+            <a:r>
+              <a:rPr lang="es-ES" sz="1200" dirty="0" smtClean="0">
+                <a:solidFill>
+                  <a:schemeClr val="tx1">
+                    <a:lumMod val="75000"/>
+                    <a:lumOff val="25000"/>
+                  </a:schemeClr>
+                </a:solidFill>
+                <a:latin typeface="Arial Rounded MT Bold" panose="020F0704030504030204" pitchFamily="34" charset="0"/>
+              </a:rPr>
+              <a:t>#</a:t>
+            </a:r>
+            <a:r>
+              <a:rPr lang="es-ES" sz="1200" dirty="0" err="1" smtClean="0">
+                <a:solidFill>
+                  <a:schemeClr val="tx1">
+                    <a:lumMod val="75000"/>
+                    <a:lumOff val="25000"/>
+                  </a:schemeClr>
+                </a:solidFill>
+                <a:latin typeface="Arial Rounded MT Bold" panose="020F0704030504030204" pitchFamily="34" charset="0"/>
+              </a:rPr>
+              <a:t>not</a:t>
+            </a:r>
+            <a:r>
+              <a:rPr lang="es-ES" sz="1200" dirty="0" smtClean="0">
+                <a:solidFill>
+                  <a:schemeClr val="tx1">
+                    <a:lumMod val="75000"/>
+                    <a:lumOff val="25000"/>
+                  </a:schemeClr>
+                </a:solidFill>
+                <a:latin typeface="Arial Rounded MT Bold" panose="020F0704030504030204" pitchFamily="34" charset="0"/>
+              </a:rPr>
+              <a:t>_</a:t>
+            </a:r>
+          </a:p>
+          <a:p>
+            <a:pPr algn="ctr"/>
+            <a:r>
+              <a:rPr lang="es-ES" sz="1200" dirty="0" err="1" smtClean="0">
+                <a:solidFill>
+                  <a:schemeClr val="tx1">
+                    <a:lumMod val="75000"/>
+                    <a:lumOff val="25000"/>
+                  </a:schemeClr>
+                </a:solidFill>
+                <a:latin typeface="Arial Rounded MT Bold" panose="020F0704030504030204" pitchFamily="34" charset="0"/>
+              </a:rPr>
+              <a:t>specified</a:t>
+            </a:r>
+            <a:endParaRPr lang="es-ES" sz="1200" dirty="0">
+              <a:solidFill>
+                <a:schemeClr val="tx1">
+                  <a:lumMod val="75000"/>
+                  <a:lumOff val="25000"/>
+                </a:schemeClr>
+              </a:solidFill>
+              <a:latin typeface="Arial Rounded MT Bold" panose="020F0704030504030204" pitchFamily="34" charset="0"/>
+            </a:endParaRPr>
+          </a:p>
+        </p:txBody>
+      </p:sp>
+      <p:cxnSp>
+        <p:nvCxnSpPr>
+          <p:cNvPr id="36" name="Conector recto de flecha 35"/>
+          <p:cNvCxnSpPr/>
+          <p:nvPr/>
+        </p:nvCxnSpPr>
+        <p:spPr>
+          <a:xfrm flipV="1">
+            <a:off x="787358" y="3466712"/>
+            <a:ext cx="637505" cy="9883"/>
+          </a:xfrm>
+          <a:prstGeom prst="straightConnector1">
+            <a:avLst/>
+          </a:prstGeom>
+          <a:ln w="28575">
+            <a:solidFill>
+              <a:srgbClr val="7240F0"/>
+            </a:solidFill>
+            <a:tailEnd type="triangle" w="lg" len="lg"/>
+          </a:ln>
+        </p:spPr>
+        <p:style>
+          <a:lnRef idx="1">
+            <a:schemeClr val="accent1"/>
+          </a:lnRef>
+          <a:fillRef idx="0">
+            <a:schemeClr val="accent1"/>
+          </a:fillRef>
+          <a:effectRef idx="0">
+            <a:schemeClr val="accent1"/>
+          </a:effectRef>
+          <a:fontRef idx="minor">
+            <a:schemeClr val="tx1"/>
+          </a:fontRef>
+        </p:style>
+      </p:cxnSp>
+      <p:cxnSp>
+        <p:nvCxnSpPr>
+          <p:cNvPr id="37" name="Conector recto de flecha 36"/>
+          <p:cNvCxnSpPr/>
+          <p:nvPr/>
+        </p:nvCxnSpPr>
+        <p:spPr>
+          <a:xfrm flipV="1">
+            <a:off x="3724657" y="906015"/>
+            <a:ext cx="637505" cy="9883"/>
+          </a:xfrm>
+          <a:prstGeom prst="straightConnector1">
+            <a:avLst/>
+          </a:prstGeom>
+          <a:ln w="28575">
+            <a:solidFill>
+              <a:srgbClr val="7240F0"/>
+            </a:solidFill>
+            <a:tailEnd type="triangle" w="lg" len="lg"/>
+          </a:ln>
+        </p:spPr>
+        <p:style>
+          <a:lnRef idx="1">
+            <a:schemeClr val="accent1"/>
+          </a:lnRef>
+          <a:fillRef idx="0">
+            <a:schemeClr val="accent1"/>
+          </a:fillRef>
+          <a:effectRef idx="0">
+            <a:schemeClr val="accent1"/>
+          </a:effectRef>
+          <a:fontRef idx="minor">
+            <a:schemeClr val="tx1"/>
+          </a:fontRef>
+        </p:style>
+      </p:cxnSp>
+      <p:cxnSp>
+        <p:nvCxnSpPr>
+          <p:cNvPr id="38" name="Conector recto de flecha 37"/>
+          <p:cNvCxnSpPr/>
+          <p:nvPr/>
+        </p:nvCxnSpPr>
+        <p:spPr>
+          <a:xfrm flipV="1">
+            <a:off x="3724657" y="3209474"/>
+            <a:ext cx="637505" cy="9883"/>
+          </a:xfrm>
+          <a:prstGeom prst="straightConnector1">
+            <a:avLst/>
+          </a:prstGeom>
+          <a:ln w="28575">
+            <a:solidFill>
+              <a:srgbClr val="7240F0"/>
+            </a:solidFill>
+            <a:tailEnd type="triangle" w="lg" len="lg"/>
+          </a:ln>
+        </p:spPr>
+        <p:style>
+          <a:lnRef idx="1">
+            <a:schemeClr val="accent1"/>
+          </a:lnRef>
+          <a:fillRef idx="0">
+            <a:schemeClr val="accent1"/>
+          </a:fillRef>
+          <a:effectRef idx="0">
+            <a:schemeClr val="accent1"/>
+          </a:effectRef>
+          <a:fontRef idx="minor">
+            <a:schemeClr val="tx1"/>
+          </a:fontRef>
+        </p:style>
+      </p:cxnSp>
+      <p:cxnSp>
+        <p:nvCxnSpPr>
+          <p:cNvPr id="39" name="Conector recto de flecha 38"/>
+          <p:cNvCxnSpPr/>
+          <p:nvPr/>
+        </p:nvCxnSpPr>
+        <p:spPr>
+          <a:xfrm flipV="1">
+            <a:off x="3740507" y="5708575"/>
+            <a:ext cx="637505" cy="9883"/>
+          </a:xfrm>
+          <a:prstGeom prst="straightConnector1">
+            <a:avLst/>
+          </a:prstGeom>
+          <a:ln w="28575">
+            <a:solidFill>
+              <a:srgbClr val="7240F0"/>
+            </a:solidFill>
+            <a:tailEnd type="triangle" w="lg" len="lg"/>
+          </a:ln>
+        </p:spPr>
+        <p:style>
+          <a:lnRef idx="1">
+            <a:schemeClr val="accent1"/>
+          </a:lnRef>
+          <a:fillRef idx="0">
+            <a:schemeClr val="accent1"/>
+          </a:fillRef>
+          <a:effectRef idx="0">
+            <a:schemeClr val="accent1"/>
+          </a:effectRef>
+          <a:fontRef idx="minor">
+            <a:schemeClr val="tx1"/>
+          </a:fontRef>
+        </p:style>
+      </p:cxnSp>
+      <p:sp>
+        <p:nvSpPr>
+          <p:cNvPr id="40" name="Elipse 39"/>
+          <p:cNvSpPr/>
+          <p:nvPr/>
+        </p:nvSpPr>
+        <p:spPr>
+          <a:xfrm>
+            <a:off x="11166766" y="3087342"/>
+            <a:ext cx="940158" cy="758739"/>
+          </a:xfrm>
+          <a:prstGeom prst="ellipse">
+            <a:avLst/>
+          </a:prstGeom>
+          <a:noFill/>
+          <a:ln w="38100">
+            <a:solidFill>
+              <a:srgbClr val="46DACC"/>
+            </a:solidFill>
+          </a:ln>
+        </p:spPr>
+        <p:style>
+          <a:lnRef idx="2">
+            <a:schemeClr val="accent1">
+              <a:shade val="50000"/>
+            </a:schemeClr>
+          </a:lnRef>
+          <a:fillRef idx="1">
+            <a:schemeClr val="accent1"/>
+          </a:fillRef>
+          <a:effectRef idx="0">
+            <a:schemeClr val="accent1"/>
+          </a:effectRef>
+          <a:fontRef idx="minor">
+            <a:schemeClr val="lt1"/>
+          </a:fontRef>
+        </p:style>
+        <p:txBody>
+          <a:bodyPr lIns="0" tIns="0" rIns="0" bIns="0" rtlCol="0" anchor="ctr"/>
+          <a:lstStyle/>
+          <a:p>
+            <a:pPr algn="ctr"/>
+            <a:r>
+              <a:rPr lang="es-ES" sz="1200" dirty="0" smtClean="0">
+                <a:solidFill>
+                  <a:schemeClr val="tx1">
+                    <a:lumMod val="75000"/>
+                    <a:lumOff val="25000"/>
+                  </a:schemeClr>
+                </a:solidFill>
+                <a:latin typeface="Arial Rounded MT Bold" panose="020F0704030504030204" pitchFamily="34" charset="0"/>
+              </a:rPr>
+              <a:t>END</a:t>
+            </a:r>
+            <a:endParaRPr lang="es-ES" sz="1200" dirty="0">
+              <a:solidFill>
+                <a:schemeClr val="tx1">
+                  <a:lumMod val="75000"/>
+                  <a:lumOff val="25000"/>
+                </a:schemeClr>
+              </a:solidFill>
+              <a:latin typeface="Arial Rounded MT Bold" panose="020F0704030504030204" pitchFamily="34" charset="0"/>
+            </a:endParaRPr>
+          </a:p>
+        </p:txBody>
+      </p:sp>
+      <p:cxnSp>
+        <p:nvCxnSpPr>
+          <p:cNvPr id="41" name="Conector recto de flecha 40"/>
+          <p:cNvCxnSpPr/>
+          <p:nvPr/>
+        </p:nvCxnSpPr>
+        <p:spPr>
+          <a:xfrm flipV="1">
+            <a:off x="10566530" y="3439468"/>
+            <a:ext cx="637505" cy="9883"/>
+          </a:xfrm>
+          <a:prstGeom prst="straightConnector1">
+            <a:avLst/>
+          </a:prstGeom>
+          <a:ln w="28575">
+            <a:solidFill>
+              <a:srgbClr val="7240F0"/>
+            </a:solidFill>
+            <a:tailEnd type="triangle" w="lg" len="lg"/>
+          </a:ln>
+        </p:spPr>
+        <p:style>
+          <a:lnRef idx="1">
+            <a:schemeClr val="accent1"/>
+          </a:lnRef>
+          <a:fillRef idx="0">
+            <a:schemeClr val="accent1"/>
+          </a:fillRef>
+          <a:effectRef idx="0">
+            <a:schemeClr val="accent1"/>
+          </a:effectRef>
+          <a:fontRef idx="minor">
+            <a:schemeClr val="tx1"/>
+          </a:fontRef>
+        </p:style>
+      </p:cxnSp>
+      <p:cxnSp>
+        <p:nvCxnSpPr>
+          <p:cNvPr id="42" name="Conector recto de flecha 41"/>
+          <p:cNvCxnSpPr>
+            <a:stCxn id="31" idx="2"/>
+            <a:endCxn id="30" idx="0"/>
+          </p:cNvCxnSpPr>
+          <p:nvPr/>
+        </p:nvCxnSpPr>
+        <p:spPr>
+          <a:xfrm flipH="1">
+            <a:off x="5298904" y="1680100"/>
+            <a:ext cx="24118" cy="742793"/>
+          </a:xfrm>
+          <a:prstGeom prst="straightConnector1">
+            <a:avLst/>
+          </a:prstGeom>
+          <a:ln w="28575">
+            <a:solidFill>
+              <a:srgbClr val="7240F0"/>
+            </a:solidFill>
+            <a:tailEnd type="triangle" w="lg" len="lg"/>
+          </a:ln>
+        </p:spPr>
+        <p:style>
+          <a:lnRef idx="1">
+            <a:schemeClr val="accent1"/>
+          </a:lnRef>
+          <a:fillRef idx="0">
+            <a:schemeClr val="accent1"/>
+          </a:fillRef>
+          <a:effectRef idx="0">
+            <a:schemeClr val="accent1"/>
+          </a:effectRef>
+          <a:fontRef idx="minor">
+            <a:schemeClr val="tx1"/>
+          </a:fontRef>
+        </p:style>
+      </p:cxnSp>
+      <p:cxnSp>
+        <p:nvCxnSpPr>
+          <p:cNvPr id="52" name="Conector recto de flecha 51"/>
+          <p:cNvCxnSpPr>
+            <a:stCxn id="30" idx="2"/>
+            <a:endCxn id="26" idx="0"/>
+          </p:cNvCxnSpPr>
+          <p:nvPr/>
+        </p:nvCxnSpPr>
+        <p:spPr>
+          <a:xfrm>
+            <a:off x="5298904" y="3996056"/>
+            <a:ext cx="9360" cy="935821"/>
+          </a:xfrm>
+          <a:prstGeom prst="straightConnector1">
+            <a:avLst/>
+          </a:prstGeom>
+          <a:ln w="28575">
+            <a:solidFill>
+              <a:srgbClr val="7240F0"/>
+            </a:solidFill>
+            <a:tailEnd type="triangle" w="lg" len="lg"/>
+          </a:ln>
+        </p:spPr>
+        <p:style>
+          <a:lnRef idx="1">
+            <a:schemeClr val="accent1"/>
+          </a:lnRef>
+          <a:fillRef idx="0">
+            <a:schemeClr val="accent1"/>
+          </a:fillRef>
+          <a:effectRef idx="0">
+            <a:schemeClr val="accent1"/>
+          </a:effectRef>
+          <a:fontRef idx="minor">
+            <a:schemeClr val="tx1"/>
+          </a:fontRef>
+        </p:style>
+      </p:cxnSp>
+    </p:spTree>
+    <p:extLst>
+      <p:ext uri="{BB962C8B-B14F-4D97-AF65-F5344CB8AC3E}">
+        <p14:creationId xmlns:p14="http://schemas.microsoft.com/office/powerpoint/2010/main" val="2630581437"/>
+      </p:ext>
+    </p:extLst>
+  </p:cSld>
+  <p:clrMapOvr>
+    <a:masterClrMapping/>
+  </p:clrMapOvr>
+</p:sld>
+</file>
+
 <file path=ppt/slides/slide2.xml><?xml version="1.0" encoding="utf-8"?>
 <p:sld xmlns:a="http://schemas.openxmlformats.org/drawingml/2006/main" xmlns:r="http://schemas.openxmlformats.org/officeDocument/2006/relationships" xmlns:p="http://schemas.openxmlformats.org/presentationml/2006/main">
   <p:cSld>

--- a/memoria/images/Presentación1.pptx
+++ b/memoria/images/Presentación1.pptx
@@ -21,6 +21,8 @@
     <p:sldId id="269" r:id="rId15"/>
     <p:sldId id="270" r:id="rId16"/>
     <p:sldId id="271" r:id="rId17"/>
+    <p:sldId id="272" r:id="rId18"/>
+    <p:sldId id="273" r:id="rId19"/>
   </p:sldIdLst>
   <p:sldSz cx="12192000" cy="6858000"/>
   <p:notesSz cx="6858000" cy="9144000"/>
@@ -270,7 +272,7 @@
           <a:p>
             <a:fld id="{9C28449B-7E7F-4B22-B31C-7455ACE0523B}" type="datetimeFigureOut">
               <a:rPr lang="es-ES" smtClean="0"/>
-              <a:t>17/12/2017</a:t>
+              <a:t>23/12/2017</a:t>
             </a:fld>
             <a:endParaRPr lang="es-ES"/>
           </a:p>
@@ -440,7 +442,7 @@
           <a:p>
             <a:fld id="{9C28449B-7E7F-4B22-B31C-7455ACE0523B}" type="datetimeFigureOut">
               <a:rPr lang="es-ES" smtClean="0"/>
-              <a:t>17/12/2017</a:t>
+              <a:t>23/12/2017</a:t>
             </a:fld>
             <a:endParaRPr lang="es-ES"/>
           </a:p>
@@ -620,7 +622,7 @@
           <a:p>
             <a:fld id="{9C28449B-7E7F-4B22-B31C-7455ACE0523B}" type="datetimeFigureOut">
               <a:rPr lang="es-ES" smtClean="0"/>
-              <a:t>17/12/2017</a:t>
+              <a:t>23/12/2017</a:t>
             </a:fld>
             <a:endParaRPr lang="es-ES"/>
           </a:p>
@@ -790,7 +792,7 @@
           <a:p>
             <a:fld id="{9C28449B-7E7F-4B22-B31C-7455ACE0523B}" type="datetimeFigureOut">
               <a:rPr lang="es-ES" smtClean="0"/>
-              <a:t>17/12/2017</a:t>
+              <a:t>23/12/2017</a:t>
             </a:fld>
             <a:endParaRPr lang="es-ES"/>
           </a:p>
@@ -1036,7 +1038,7 @@
           <a:p>
             <a:fld id="{9C28449B-7E7F-4B22-B31C-7455ACE0523B}" type="datetimeFigureOut">
               <a:rPr lang="es-ES" smtClean="0"/>
-              <a:t>17/12/2017</a:t>
+              <a:t>23/12/2017</a:t>
             </a:fld>
             <a:endParaRPr lang="es-ES"/>
           </a:p>
@@ -1268,7 +1270,7 @@
           <a:p>
             <a:fld id="{9C28449B-7E7F-4B22-B31C-7455ACE0523B}" type="datetimeFigureOut">
               <a:rPr lang="es-ES" smtClean="0"/>
-              <a:t>17/12/2017</a:t>
+              <a:t>23/12/2017</a:t>
             </a:fld>
             <a:endParaRPr lang="es-ES"/>
           </a:p>
@@ -1635,7 +1637,7 @@
           <a:p>
             <a:fld id="{9C28449B-7E7F-4B22-B31C-7455ACE0523B}" type="datetimeFigureOut">
               <a:rPr lang="es-ES" smtClean="0"/>
-              <a:t>17/12/2017</a:t>
+              <a:t>23/12/2017</a:t>
             </a:fld>
             <a:endParaRPr lang="es-ES"/>
           </a:p>
@@ -1753,7 +1755,7 @@
           <a:p>
             <a:fld id="{9C28449B-7E7F-4B22-B31C-7455ACE0523B}" type="datetimeFigureOut">
               <a:rPr lang="es-ES" smtClean="0"/>
-              <a:t>17/12/2017</a:t>
+              <a:t>23/12/2017</a:t>
             </a:fld>
             <a:endParaRPr lang="es-ES"/>
           </a:p>
@@ -1848,7 +1850,7 @@
           <a:p>
             <a:fld id="{9C28449B-7E7F-4B22-B31C-7455ACE0523B}" type="datetimeFigureOut">
               <a:rPr lang="es-ES" smtClean="0"/>
-              <a:t>17/12/2017</a:t>
+              <a:t>23/12/2017</a:t>
             </a:fld>
             <a:endParaRPr lang="es-ES"/>
           </a:p>
@@ -2125,7 +2127,7 @@
           <a:p>
             <a:fld id="{9C28449B-7E7F-4B22-B31C-7455ACE0523B}" type="datetimeFigureOut">
               <a:rPr lang="es-ES" smtClean="0"/>
-              <a:t>17/12/2017</a:t>
+              <a:t>23/12/2017</a:t>
             </a:fld>
             <a:endParaRPr lang="es-ES"/>
           </a:p>
@@ -2378,7 +2380,7 @@
           <a:p>
             <a:fld id="{9C28449B-7E7F-4B22-B31C-7455ACE0523B}" type="datetimeFigureOut">
               <a:rPr lang="es-ES" smtClean="0"/>
-              <a:t>17/12/2017</a:t>
+              <a:t>23/12/2017</a:t>
             </a:fld>
             <a:endParaRPr lang="es-ES"/>
           </a:p>
@@ -2591,7 +2593,7 @@
           <a:p>
             <a:fld id="{9C28449B-7E7F-4B22-B31C-7455ACE0523B}" type="datetimeFigureOut">
               <a:rPr lang="es-ES" smtClean="0"/>
-              <a:t>17/12/2017</a:t>
+              <a:t>23/12/2017</a:t>
             </a:fld>
             <a:endParaRPr lang="es-ES"/>
           </a:p>
@@ -8006,7 +8008,7 @@
               <a:noFill/>
               <a:ln w="38100">
                 <a:solidFill>
-                  <a:srgbClr val="46DACC"/>
+                  <a:srgbClr val="FFC000"/>
                 </a:solidFill>
               </a:ln>
             </p:spPr>
@@ -12543,6 +12545,5604 @@
     <p:extLst>
       <p:ext uri="{BB962C8B-B14F-4D97-AF65-F5344CB8AC3E}">
         <p14:creationId xmlns:p14="http://schemas.microsoft.com/office/powerpoint/2010/main" val="2630581437"/>
+      </p:ext>
+    </p:extLst>
+  </p:cSld>
+  <p:clrMapOvr>
+    <a:masterClrMapping/>
+  </p:clrMapOvr>
+</p:sld>
+</file>
+
+<file path=ppt/slides/slide17.xml><?xml version="1.0" encoding="utf-8"?>
+<p:sld xmlns:a="http://schemas.openxmlformats.org/drawingml/2006/main" xmlns:r="http://schemas.openxmlformats.org/officeDocument/2006/relationships" xmlns:p="http://schemas.openxmlformats.org/presentationml/2006/main">
+  <p:cSld>
+    <p:spTree>
+      <p:nvGrpSpPr>
+        <p:cNvPr id="1" name=""/>
+        <p:cNvGrpSpPr/>
+        <p:nvPr/>
+      </p:nvGrpSpPr>
+      <p:grpSpPr>
+        <a:xfrm>
+          <a:off x="0" y="0"/>
+          <a:ext cx="0" cy="0"/>
+          <a:chOff x="0" y="0"/>
+          <a:chExt cx="0" cy="0"/>
+        </a:xfrm>
+      </p:grpSpPr>
+      <p:grpSp>
+        <p:nvGrpSpPr>
+          <p:cNvPr id="179" name="Grupo 178"/>
+          <p:cNvGrpSpPr/>
+          <p:nvPr/>
+        </p:nvGrpSpPr>
+        <p:grpSpPr>
+          <a:xfrm>
+            <a:off x="-1238250" y="-2133600"/>
+            <a:ext cx="16989718" cy="11576336"/>
+            <a:chOff x="-1238250" y="-2133600"/>
+            <a:chExt cx="16989718" cy="11576336"/>
+          </a:xfrm>
+        </p:grpSpPr>
+        <p:sp>
+          <p:nvSpPr>
+            <p:cNvPr id="135" name="Rectángulo 134"/>
+            <p:cNvSpPr/>
+            <p:nvPr/>
+          </p:nvSpPr>
+          <p:spPr>
+            <a:xfrm>
+              <a:off x="-1238250" y="-2133600"/>
+              <a:ext cx="16989718" cy="11576336"/>
+            </a:xfrm>
+            <a:prstGeom prst="rect">
+              <a:avLst/>
+            </a:prstGeom>
+            <a:solidFill>
+              <a:schemeClr val="bg1"/>
+            </a:solidFill>
+            <a:ln>
+              <a:noFill/>
+            </a:ln>
+          </p:spPr>
+          <p:style>
+            <a:lnRef idx="2">
+              <a:schemeClr val="accent1">
+                <a:shade val="50000"/>
+              </a:schemeClr>
+            </a:lnRef>
+            <a:fillRef idx="1">
+              <a:schemeClr val="accent1"/>
+            </a:fillRef>
+            <a:effectRef idx="0">
+              <a:schemeClr val="accent1"/>
+            </a:effectRef>
+            <a:fontRef idx="minor">
+              <a:schemeClr val="lt1"/>
+            </a:fontRef>
+          </p:style>
+          <p:txBody>
+            <a:bodyPr rtlCol="0" anchor="ctr"/>
+            <a:lstStyle/>
+            <a:p>
+              <a:pPr algn="ctr"/>
+              <a:endParaRPr lang="es-ES"/>
+            </a:p>
+          </p:txBody>
+        </p:sp>
+        <p:sp>
+          <p:nvSpPr>
+            <p:cNvPr id="51" name="Nube 50"/>
+            <p:cNvSpPr/>
+            <p:nvPr/>
+          </p:nvSpPr>
+          <p:spPr>
+            <a:xfrm>
+              <a:off x="10868825" y="-1859517"/>
+              <a:ext cx="2628000" cy="1692000"/>
+            </a:xfrm>
+            <a:prstGeom prst="cloud">
+              <a:avLst/>
+            </a:prstGeom>
+            <a:solidFill>
+              <a:schemeClr val="bg1"/>
+            </a:solidFill>
+            <a:ln w="28575">
+              <a:solidFill>
+                <a:schemeClr val="bg2">
+                  <a:lumMod val="75000"/>
+                </a:schemeClr>
+              </a:solidFill>
+            </a:ln>
+          </p:spPr>
+          <p:style>
+            <a:lnRef idx="2">
+              <a:schemeClr val="accent1">
+                <a:shade val="50000"/>
+              </a:schemeClr>
+            </a:lnRef>
+            <a:fillRef idx="1">
+              <a:schemeClr val="accent1"/>
+            </a:fillRef>
+            <a:effectRef idx="0">
+              <a:schemeClr val="accent1"/>
+            </a:effectRef>
+            <a:fontRef idx="minor">
+              <a:schemeClr val="lt1"/>
+            </a:fontRef>
+          </p:style>
+          <p:txBody>
+            <a:bodyPr rtlCol="0" anchor="ctr"/>
+            <a:lstStyle/>
+            <a:p>
+              <a:pPr algn="ctr"/>
+              <a:endParaRPr lang="es-ES"/>
+            </a:p>
+          </p:txBody>
+        </p:sp>
+        <p:sp>
+          <p:nvSpPr>
+            <p:cNvPr id="67" name="Nube 66"/>
+            <p:cNvSpPr/>
+            <p:nvPr/>
+          </p:nvSpPr>
+          <p:spPr>
+            <a:xfrm>
+              <a:off x="7821053" y="-1814439"/>
+              <a:ext cx="2628000" cy="1692000"/>
+            </a:xfrm>
+            <a:prstGeom prst="cloud">
+              <a:avLst/>
+            </a:prstGeom>
+            <a:solidFill>
+              <a:schemeClr val="bg1"/>
+            </a:solidFill>
+            <a:ln w="28575">
+              <a:solidFill>
+                <a:schemeClr val="bg2">
+                  <a:lumMod val="75000"/>
+                </a:schemeClr>
+              </a:solidFill>
+            </a:ln>
+          </p:spPr>
+          <p:style>
+            <a:lnRef idx="2">
+              <a:schemeClr val="accent1">
+                <a:shade val="50000"/>
+              </a:schemeClr>
+            </a:lnRef>
+            <a:fillRef idx="1">
+              <a:schemeClr val="accent1"/>
+            </a:fillRef>
+            <a:effectRef idx="0">
+              <a:schemeClr val="accent1"/>
+            </a:effectRef>
+            <a:fontRef idx="minor">
+              <a:schemeClr val="lt1"/>
+            </a:fontRef>
+          </p:style>
+          <p:txBody>
+            <a:bodyPr rtlCol="0" anchor="ctr"/>
+            <a:lstStyle/>
+            <a:p>
+              <a:pPr algn="ctr"/>
+              <a:endParaRPr lang="es-ES"/>
+            </a:p>
+          </p:txBody>
+        </p:sp>
+        <p:sp>
+          <p:nvSpPr>
+            <p:cNvPr id="4" name="Rectángulo redondeado 3"/>
+            <p:cNvSpPr/>
+            <p:nvPr/>
+          </p:nvSpPr>
+          <p:spPr>
+            <a:xfrm>
+              <a:off x="8635857" y="1058111"/>
+              <a:ext cx="1275009" cy="936000"/>
+            </a:xfrm>
+            <a:prstGeom prst="roundRect">
+              <a:avLst/>
+            </a:prstGeom>
+            <a:noFill/>
+            <a:ln w="38100">
+              <a:solidFill>
+                <a:srgbClr val="FFC000"/>
+              </a:solidFill>
+            </a:ln>
+          </p:spPr>
+          <p:style>
+            <a:lnRef idx="2">
+              <a:schemeClr val="accent1">
+                <a:shade val="50000"/>
+              </a:schemeClr>
+            </a:lnRef>
+            <a:fillRef idx="1">
+              <a:schemeClr val="accent1"/>
+            </a:fillRef>
+            <a:effectRef idx="0">
+              <a:schemeClr val="accent1"/>
+            </a:effectRef>
+            <a:fontRef idx="minor">
+              <a:schemeClr val="lt1"/>
+            </a:fontRef>
+          </p:style>
+          <p:txBody>
+            <a:bodyPr lIns="0" tIns="0" rIns="0" bIns="0" rtlCol="0" anchor="ctr"/>
+            <a:lstStyle/>
+            <a:p>
+              <a:pPr algn="ctr"/>
+              <a:r>
+                <a:rPr lang="es-ES" sz="1200" dirty="0" smtClean="0">
+                  <a:solidFill>
+                    <a:schemeClr val="tx1">
+                      <a:lumMod val="75000"/>
+                      <a:lumOff val="25000"/>
+                    </a:schemeClr>
+                  </a:solidFill>
+                  <a:latin typeface="Arial Rounded MT Bold" panose="020F0704030504030204" pitchFamily="34" charset="0"/>
+                </a:rPr>
+                <a:t>IMAGE</a:t>
+              </a:r>
+            </a:p>
+            <a:p>
+              <a:pPr algn="ctr"/>
+              <a:r>
+                <a:rPr lang="es-ES" sz="1200" dirty="0" smtClean="0">
+                  <a:solidFill>
+                    <a:schemeClr val="tx1">
+                      <a:lumMod val="75000"/>
+                      <a:lumOff val="25000"/>
+                    </a:schemeClr>
+                  </a:solidFill>
+                  <a:latin typeface="Arial Rounded MT Bold" panose="020F0704030504030204" pitchFamily="34" charset="0"/>
+                </a:rPr>
+                <a:t>RECOGNITION</a:t>
+              </a:r>
+              <a:endParaRPr lang="es-ES" sz="1200" dirty="0">
+                <a:solidFill>
+                  <a:schemeClr val="tx1">
+                    <a:lumMod val="75000"/>
+                    <a:lumOff val="25000"/>
+                  </a:schemeClr>
+                </a:solidFill>
+                <a:latin typeface="Arial Rounded MT Bold" panose="020F0704030504030204" pitchFamily="34" charset="0"/>
+              </a:endParaRPr>
+            </a:p>
+          </p:txBody>
+        </p:sp>
+        <p:sp>
+          <p:nvSpPr>
+            <p:cNvPr id="5" name="Decisión 4"/>
+            <p:cNvSpPr/>
+            <p:nvPr/>
+          </p:nvSpPr>
+          <p:spPr>
+            <a:xfrm>
+              <a:off x="1071276" y="743376"/>
+              <a:ext cx="2205200" cy="1581874"/>
+            </a:xfrm>
+            <a:prstGeom prst="flowChartDecision">
+              <a:avLst/>
+            </a:prstGeom>
+            <a:noFill/>
+            <a:ln w="38100">
+              <a:solidFill>
+                <a:srgbClr val="46DACC"/>
+              </a:solidFill>
+              <a:prstDash val="sysDot"/>
+            </a:ln>
+          </p:spPr>
+          <p:style>
+            <a:lnRef idx="2">
+              <a:schemeClr val="accent1">
+                <a:shade val="50000"/>
+              </a:schemeClr>
+            </a:lnRef>
+            <a:fillRef idx="1">
+              <a:schemeClr val="accent1"/>
+            </a:fillRef>
+            <a:effectRef idx="0">
+              <a:schemeClr val="accent1"/>
+            </a:effectRef>
+            <a:fontRef idx="minor">
+              <a:schemeClr val="lt1"/>
+            </a:fontRef>
+          </p:style>
+          <p:txBody>
+            <a:bodyPr lIns="0" tIns="0" rIns="0" bIns="0" rtlCol="0" anchor="ctr"/>
+            <a:lstStyle/>
+            <a:p>
+              <a:pPr algn="ctr"/>
+              <a:r>
+                <a:rPr lang="es-ES" sz="1200" dirty="0" smtClean="0">
+                  <a:solidFill>
+                    <a:schemeClr val="tx1">
+                      <a:lumMod val="65000"/>
+                      <a:lumOff val="35000"/>
+                    </a:schemeClr>
+                  </a:solidFill>
+                  <a:latin typeface="Arial Rounded MT Bold" panose="020F0704030504030204" pitchFamily="34" charset="0"/>
+                </a:rPr>
+                <a:t>CHECK</a:t>
+              </a:r>
+            </a:p>
+            <a:p>
+              <a:pPr algn="ctr"/>
+              <a:r>
+                <a:rPr lang="es-ES" sz="1200" dirty="0" smtClean="0">
+                  <a:solidFill>
+                    <a:schemeClr val="tx1">
+                      <a:lumMod val="65000"/>
+                      <a:lumOff val="35000"/>
+                    </a:schemeClr>
+                  </a:solidFill>
+                  <a:latin typeface="Arial Rounded MT Bold" panose="020F0704030504030204" pitchFamily="34" charset="0"/>
+                </a:rPr>
+                <a:t>#GET_RECIPE</a:t>
+              </a:r>
+              <a:endParaRPr lang="es-ES" sz="1200" dirty="0">
+                <a:solidFill>
+                  <a:schemeClr val="tx1">
+                    <a:lumMod val="65000"/>
+                    <a:lumOff val="35000"/>
+                  </a:schemeClr>
+                </a:solidFill>
+                <a:latin typeface="Arial Rounded MT Bold" panose="020F0704030504030204" pitchFamily="34" charset="0"/>
+              </a:endParaRPr>
+            </a:p>
+          </p:txBody>
+        </p:sp>
+        <p:sp>
+          <p:nvSpPr>
+            <p:cNvPr id="6" name="Decisión 5"/>
+            <p:cNvSpPr/>
+            <p:nvPr/>
+          </p:nvSpPr>
+          <p:spPr>
+            <a:xfrm>
+              <a:off x="4456557" y="3126730"/>
+              <a:ext cx="1339404" cy="1378041"/>
+            </a:xfrm>
+            <a:prstGeom prst="flowChartDecision">
+              <a:avLst/>
+            </a:prstGeom>
+            <a:noFill/>
+            <a:ln w="38100">
+              <a:solidFill>
+                <a:srgbClr val="46DACC"/>
+              </a:solidFill>
+              <a:prstDash val="sysDot"/>
+            </a:ln>
+          </p:spPr>
+          <p:style>
+            <a:lnRef idx="2">
+              <a:schemeClr val="accent1">
+                <a:shade val="50000"/>
+              </a:schemeClr>
+            </a:lnRef>
+            <a:fillRef idx="1">
+              <a:schemeClr val="accent1"/>
+            </a:fillRef>
+            <a:effectRef idx="0">
+              <a:schemeClr val="accent1"/>
+            </a:effectRef>
+            <a:fontRef idx="minor">
+              <a:schemeClr val="lt1"/>
+            </a:fontRef>
+          </p:style>
+          <p:txBody>
+            <a:bodyPr lIns="0" tIns="0" rIns="0" bIns="0" rtlCol="0" anchor="ctr"/>
+            <a:lstStyle/>
+            <a:p>
+              <a:pPr algn="ctr"/>
+              <a:r>
+                <a:rPr lang="es-ES" sz="1200" dirty="0" smtClean="0">
+                  <a:solidFill>
+                    <a:schemeClr val="tx1">
+                      <a:lumMod val="75000"/>
+                      <a:lumOff val="25000"/>
+                    </a:schemeClr>
+                  </a:solidFill>
+                  <a:latin typeface="Arial Rounded MT Bold" panose="020F0704030504030204" pitchFamily="34" charset="0"/>
+                </a:rPr>
+                <a:t>CHECK</a:t>
+              </a:r>
+            </a:p>
+            <a:p>
+              <a:pPr algn="ctr"/>
+              <a:r>
+                <a:rPr lang="es-ES" sz="1200" dirty="0" smtClean="0">
+                  <a:solidFill>
+                    <a:schemeClr val="tx1">
+                      <a:lumMod val="75000"/>
+                      <a:lumOff val="25000"/>
+                    </a:schemeClr>
+                  </a:solidFill>
+                  <a:latin typeface="Arial Rounded MT Bold" panose="020F0704030504030204" pitchFamily="34" charset="0"/>
+                </a:rPr>
+                <a:t>@DISH</a:t>
+              </a:r>
+            </a:p>
+          </p:txBody>
+        </p:sp>
+        <p:sp>
+          <p:nvSpPr>
+            <p:cNvPr id="7" name="Rectángulo redondeado 6"/>
+            <p:cNvSpPr/>
+            <p:nvPr/>
+          </p:nvSpPr>
+          <p:spPr>
+            <a:xfrm>
+              <a:off x="11360215" y="1050122"/>
+              <a:ext cx="1456523" cy="936000"/>
+            </a:xfrm>
+            <a:prstGeom prst="roundRect">
+              <a:avLst/>
+            </a:prstGeom>
+            <a:noFill/>
+            <a:ln w="38100">
+              <a:solidFill>
+                <a:srgbClr val="FFC000"/>
+              </a:solidFill>
+            </a:ln>
+          </p:spPr>
+          <p:style>
+            <a:lnRef idx="2">
+              <a:schemeClr val="accent1">
+                <a:shade val="50000"/>
+              </a:schemeClr>
+            </a:lnRef>
+            <a:fillRef idx="1">
+              <a:schemeClr val="accent1"/>
+            </a:fillRef>
+            <a:effectRef idx="0">
+              <a:schemeClr val="accent1"/>
+            </a:effectRef>
+            <a:fontRef idx="minor">
+              <a:schemeClr val="lt1"/>
+            </a:fontRef>
+          </p:style>
+          <p:txBody>
+            <a:bodyPr lIns="0" tIns="0" rIns="0" bIns="0" rtlCol="0" anchor="ctr"/>
+            <a:lstStyle/>
+            <a:p>
+              <a:pPr algn="ctr"/>
+              <a:r>
+                <a:rPr lang="es-ES" sz="1200" dirty="0" smtClean="0">
+                  <a:solidFill>
+                    <a:schemeClr val="tx1">
+                      <a:lumMod val="75000"/>
+                      <a:lumOff val="25000"/>
+                    </a:schemeClr>
+                  </a:solidFill>
+                  <a:latin typeface="Arial Rounded MT Bold" panose="020F0704030504030204" pitchFamily="34" charset="0"/>
+                </a:rPr>
+                <a:t>SEARCH</a:t>
+              </a:r>
+            </a:p>
+            <a:p>
+              <a:pPr algn="ctr"/>
+              <a:r>
+                <a:rPr lang="es-ES" sz="1200" dirty="0" smtClean="0">
+                  <a:solidFill>
+                    <a:schemeClr val="tx1">
+                      <a:lumMod val="75000"/>
+                      <a:lumOff val="25000"/>
+                    </a:schemeClr>
+                  </a:solidFill>
+                  <a:latin typeface="Arial Rounded MT Bold" panose="020F0704030504030204" pitchFamily="34" charset="0"/>
+                </a:rPr>
+                <a:t>RECIPE</a:t>
+              </a:r>
+              <a:endParaRPr lang="es-ES" sz="1200" dirty="0">
+                <a:solidFill>
+                  <a:schemeClr val="tx1">
+                    <a:lumMod val="75000"/>
+                    <a:lumOff val="25000"/>
+                  </a:schemeClr>
+                </a:solidFill>
+                <a:latin typeface="Arial Rounded MT Bold" panose="020F0704030504030204" pitchFamily="34" charset="0"/>
+              </a:endParaRPr>
+            </a:p>
+          </p:txBody>
+        </p:sp>
+        <p:sp>
+          <p:nvSpPr>
+            <p:cNvPr id="8" name="Elipse 7"/>
+            <p:cNvSpPr/>
+            <p:nvPr/>
+          </p:nvSpPr>
+          <p:spPr>
+            <a:xfrm>
+              <a:off x="14139156" y="977158"/>
+              <a:ext cx="1275009" cy="1016285"/>
+            </a:xfrm>
+            <a:prstGeom prst="ellipse">
+              <a:avLst/>
+            </a:prstGeom>
+            <a:noFill/>
+            <a:ln w="76200">
+              <a:solidFill>
+                <a:srgbClr val="46DACC"/>
+              </a:solidFill>
+            </a:ln>
+          </p:spPr>
+          <p:style>
+            <a:lnRef idx="2">
+              <a:schemeClr val="accent1">
+                <a:shade val="50000"/>
+              </a:schemeClr>
+            </a:lnRef>
+            <a:fillRef idx="1">
+              <a:schemeClr val="accent1"/>
+            </a:fillRef>
+            <a:effectRef idx="0">
+              <a:schemeClr val="accent1"/>
+            </a:effectRef>
+            <a:fontRef idx="minor">
+              <a:schemeClr val="lt1"/>
+            </a:fontRef>
+          </p:style>
+          <p:txBody>
+            <a:bodyPr lIns="0" tIns="0" rIns="0" bIns="0" rtlCol="0" anchor="ctr"/>
+            <a:lstStyle/>
+            <a:p>
+              <a:pPr algn="ctr"/>
+              <a:r>
+                <a:rPr lang="es-ES" sz="1200" dirty="0" smtClean="0">
+                  <a:solidFill>
+                    <a:schemeClr val="tx1">
+                      <a:lumMod val="75000"/>
+                      <a:lumOff val="25000"/>
+                    </a:schemeClr>
+                  </a:solidFill>
+                  <a:latin typeface="Arial Rounded MT Bold" panose="020F0704030504030204" pitchFamily="34" charset="0"/>
+                </a:rPr>
+                <a:t>RESPONSE</a:t>
+              </a:r>
+              <a:endParaRPr lang="es-ES" sz="1200" dirty="0">
+                <a:solidFill>
+                  <a:schemeClr val="tx1">
+                    <a:lumMod val="75000"/>
+                    <a:lumOff val="25000"/>
+                  </a:schemeClr>
+                </a:solidFill>
+                <a:latin typeface="Arial Rounded MT Bold" panose="020F0704030504030204" pitchFamily="34" charset="0"/>
+              </a:endParaRPr>
+            </a:p>
+          </p:txBody>
+        </p:sp>
+        <p:sp>
+          <p:nvSpPr>
+            <p:cNvPr id="9" name="Decisión 8"/>
+            <p:cNvSpPr/>
+            <p:nvPr/>
+          </p:nvSpPr>
+          <p:spPr>
+            <a:xfrm>
+              <a:off x="4456557" y="855771"/>
+              <a:ext cx="1339404" cy="1378041"/>
+            </a:xfrm>
+            <a:prstGeom prst="flowChartDecision">
+              <a:avLst/>
+            </a:prstGeom>
+            <a:noFill/>
+            <a:ln w="38100">
+              <a:solidFill>
+                <a:srgbClr val="46DACC"/>
+              </a:solidFill>
+              <a:prstDash val="sysDot"/>
+            </a:ln>
+          </p:spPr>
+          <p:style>
+            <a:lnRef idx="2">
+              <a:schemeClr val="accent1">
+                <a:shade val="50000"/>
+              </a:schemeClr>
+            </a:lnRef>
+            <a:fillRef idx="1">
+              <a:schemeClr val="accent1"/>
+            </a:fillRef>
+            <a:effectRef idx="0">
+              <a:schemeClr val="accent1"/>
+            </a:effectRef>
+            <a:fontRef idx="minor">
+              <a:schemeClr val="lt1"/>
+            </a:fontRef>
+          </p:style>
+          <p:txBody>
+            <a:bodyPr lIns="0" tIns="0" rIns="0" bIns="0" rtlCol="0" anchor="ctr"/>
+            <a:lstStyle/>
+            <a:p>
+              <a:pPr algn="ctr"/>
+              <a:r>
+                <a:rPr lang="es-ES" sz="1200" dirty="0" smtClean="0">
+                  <a:solidFill>
+                    <a:schemeClr val="tx1">
+                      <a:lumMod val="75000"/>
+                      <a:lumOff val="25000"/>
+                    </a:schemeClr>
+                  </a:solidFill>
+                  <a:latin typeface="Arial Rounded MT Bold" panose="020F0704030504030204" pitchFamily="34" charset="0"/>
+                </a:rPr>
+                <a:t>CHECK</a:t>
+              </a:r>
+            </a:p>
+            <a:p>
+              <a:pPr algn="ctr"/>
+              <a:r>
+                <a:rPr lang="es-ES" sz="1200" dirty="0" smtClean="0">
+                  <a:solidFill>
+                    <a:schemeClr val="tx1">
+                      <a:lumMod val="75000"/>
+                      <a:lumOff val="25000"/>
+                    </a:schemeClr>
+                  </a:solidFill>
+                  <a:latin typeface="Arial Rounded MT Bold" panose="020F0704030504030204" pitchFamily="34" charset="0"/>
+                </a:rPr>
+                <a:t>$IMAGE</a:t>
+              </a:r>
+            </a:p>
+            <a:p>
+              <a:pPr algn="ctr"/>
+              <a:r>
+                <a:rPr lang="es-ES" sz="1200" dirty="0" smtClean="0">
+                  <a:solidFill>
+                    <a:schemeClr val="tx1">
+                      <a:lumMod val="75000"/>
+                      <a:lumOff val="25000"/>
+                    </a:schemeClr>
+                  </a:solidFill>
+                  <a:latin typeface="Arial Rounded MT Bold" panose="020F0704030504030204" pitchFamily="34" charset="0"/>
+                </a:rPr>
+                <a:t>FILE</a:t>
+              </a:r>
+              <a:endParaRPr lang="es-ES" sz="1200" dirty="0">
+                <a:solidFill>
+                  <a:schemeClr val="tx1">
+                    <a:lumMod val="75000"/>
+                    <a:lumOff val="25000"/>
+                  </a:schemeClr>
+                </a:solidFill>
+                <a:latin typeface="Arial Rounded MT Bold" panose="020F0704030504030204" pitchFamily="34" charset="0"/>
+              </a:endParaRPr>
+            </a:p>
+          </p:txBody>
+        </p:sp>
+        <p:sp>
+          <p:nvSpPr>
+            <p:cNvPr id="10" name="Rectángulo redondeado 9"/>
+            <p:cNvSpPr/>
+            <p:nvPr/>
+          </p:nvSpPr>
+          <p:spPr>
+            <a:xfrm>
+              <a:off x="4425616" y="5924592"/>
+              <a:ext cx="1386626" cy="929508"/>
+            </a:xfrm>
+            <a:prstGeom prst="roundRect">
+              <a:avLst/>
+            </a:prstGeom>
+            <a:noFill/>
+            <a:ln w="38100">
+              <a:solidFill>
+                <a:srgbClr val="46DACC"/>
+              </a:solidFill>
+            </a:ln>
+          </p:spPr>
+          <p:style>
+            <a:lnRef idx="2">
+              <a:schemeClr val="accent1">
+                <a:shade val="50000"/>
+              </a:schemeClr>
+            </a:lnRef>
+            <a:fillRef idx="1">
+              <a:schemeClr val="accent1"/>
+            </a:fillRef>
+            <a:effectRef idx="0">
+              <a:schemeClr val="accent1"/>
+            </a:effectRef>
+            <a:fontRef idx="minor">
+              <a:schemeClr val="lt1"/>
+            </a:fontRef>
+          </p:style>
+          <p:txBody>
+            <a:bodyPr lIns="0" tIns="0" rIns="0" bIns="0" rtlCol="0" anchor="ctr"/>
+            <a:lstStyle/>
+            <a:p>
+              <a:pPr algn="ctr"/>
+              <a:r>
+                <a:rPr lang="es-ES" sz="1200" dirty="0" smtClean="0">
+                  <a:solidFill>
+                    <a:schemeClr val="tx1">
+                      <a:lumMod val="75000"/>
+                      <a:lumOff val="25000"/>
+                    </a:schemeClr>
+                  </a:solidFill>
+                  <a:latin typeface="Arial Rounded MT Bold" panose="020F0704030504030204" pitchFamily="34" charset="0"/>
+                </a:rPr>
+                <a:t>ASK FOR </a:t>
+              </a:r>
+            </a:p>
+            <a:p>
+              <a:pPr algn="ctr"/>
+              <a:r>
+                <a:rPr lang="es-ES" sz="1200" dirty="0" smtClean="0">
+                  <a:solidFill>
+                    <a:schemeClr val="tx1">
+                      <a:lumMod val="75000"/>
+                      <a:lumOff val="25000"/>
+                    </a:schemeClr>
+                  </a:solidFill>
+                  <a:latin typeface="Arial Rounded MT Bold" panose="020F0704030504030204" pitchFamily="34" charset="0"/>
+                </a:rPr>
+                <a:t>@DISH </a:t>
+              </a:r>
+            </a:p>
+            <a:p>
+              <a:pPr algn="ctr"/>
+              <a:r>
+                <a:rPr lang="es-ES" sz="1200" dirty="0" smtClean="0">
+                  <a:solidFill>
+                    <a:schemeClr val="tx1">
+                      <a:lumMod val="75000"/>
+                      <a:lumOff val="25000"/>
+                    </a:schemeClr>
+                  </a:solidFill>
+                  <a:latin typeface="Arial Rounded MT Bold" panose="020F0704030504030204" pitchFamily="34" charset="0"/>
+                </a:rPr>
+                <a:t>OR</a:t>
+              </a:r>
+            </a:p>
+            <a:p>
+              <a:pPr algn="ctr"/>
+              <a:r>
+                <a:rPr lang="es-ES" sz="1200" dirty="0" smtClean="0">
+                  <a:solidFill>
+                    <a:schemeClr val="tx1">
+                      <a:lumMod val="75000"/>
+                      <a:lumOff val="25000"/>
+                    </a:schemeClr>
+                  </a:solidFill>
+                  <a:latin typeface="Arial Rounded MT Bold" panose="020F0704030504030204" pitchFamily="34" charset="0"/>
+                </a:rPr>
+                <a:t> IMAGE FILE</a:t>
+              </a:r>
+              <a:endParaRPr lang="es-ES" sz="1200" dirty="0">
+                <a:solidFill>
+                  <a:schemeClr val="tx1">
+                    <a:lumMod val="75000"/>
+                    <a:lumOff val="25000"/>
+                  </a:schemeClr>
+                </a:solidFill>
+                <a:latin typeface="Arial Rounded MT Bold" panose="020F0704030504030204" pitchFamily="34" charset="0"/>
+              </a:endParaRPr>
+            </a:p>
+          </p:txBody>
+        </p:sp>
+        <p:sp>
+          <p:nvSpPr>
+            <p:cNvPr id="11" name="Elipse 10"/>
+            <p:cNvSpPr/>
+            <p:nvPr/>
+          </p:nvSpPr>
+          <p:spPr>
+            <a:xfrm>
+              <a:off x="-933657" y="1058111"/>
+              <a:ext cx="1260000" cy="1008000"/>
+            </a:xfrm>
+            <a:prstGeom prst="ellipse">
+              <a:avLst/>
+            </a:prstGeom>
+            <a:noFill/>
+            <a:ln w="76200">
+              <a:solidFill>
+                <a:srgbClr val="46DACC"/>
+              </a:solidFill>
+            </a:ln>
+          </p:spPr>
+          <p:style>
+            <a:lnRef idx="2">
+              <a:schemeClr val="accent1">
+                <a:shade val="50000"/>
+              </a:schemeClr>
+            </a:lnRef>
+            <a:fillRef idx="1">
+              <a:schemeClr val="accent1"/>
+            </a:fillRef>
+            <a:effectRef idx="0">
+              <a:schemeClr val="accent1"/>
+            </a:effectRef>
+            <a:fontRef idx="minor">
+              <a:schemeClr val="lt1"/>
+            </a:fontRef>
+          </p:style>
+          <p:txBody>
+            <a:bodyPr lIns="0" tIns="0" rIns="0" bIns="0" rtlCol="0" anchor="ctr"/>
+            <a:lstStyle/>
+            <a:p>
+              <a:pPr algn="ctr"/>
+              <a:r>
+                <a:rPr lang="es-ES" sz="1200" dirty="0" smtClean="0">
+                  <a:solidFill>
+                    <a:schemeClr val="tx1">
+                      <a:lumMod val="75000"/>
+                      <a:lumOff val="25000"/>
+                    </a:schemeClr>
+                  </a:solidFill>
+                  <a:latin typeface="Arial Rounded MT Bold" panose="020F0704030504030204" pitchFamily="34" charset="0"/>
+                </a:rPr>
+                <a:t>START</a:t>
+              </a:r>
+              <a:endParaRPr lang="es-ES" sz="1200" dirty="0">
+                <a:solidFill>
+                  <a:schemeClr val="tx1">
+                    <a:lumMod val="75000"/>
+                    <a:lumOff val="25000"/>
+                  </a:schemeClr>
+                </a:solidFill>
+                <a:latin typeface="Arial Rounded MT Bold" panose="020F0704030504030204" pitchFamily="34" charset="0"/>
+              </a:endParaRPr>
+            </a:p>
+          </p:txBody>
+        </p:sp>
+        <p:cxnSp>
+          <p:nvCxnSpPr>
+            <p:cNvPr id="13" name="Conector recto de flecha 12"/>
+            <p:cNvCxnSpPr>
+              <a:stCxn id="11" idx="6"/>
+              <a:endCxn id="5" idx="1"/>
+            </p:cNvCxnSpPr>
+            <p:nvPr/>
+          </p:nvCxnSpPr>
+          <p:spPr>
+            <a:xfrm flipV="1">
+              <a:off x="326343" y="1534313"/>
+              <a:ext cx="744933" cy="27798"/>
+            </a:xfrm>
+            <a:prstGeom prst="straightConnector1">
+              <a:avLst/>
+            </a:prstGeom>
+            <a:ln w="28575">
+              <a:solidFill>
+                <a:srgbClr val="7240F0"/>
+              </a:solidFill>
+              <a:tailEnd type="triangle" w="lg" len="lg"/>
+            </a:ln>
+          </p:spPr>
+          <p:style>
+            <a:lnRef idx="1">
+              <a:schemeClr val="accent1"/>
+            </a:lnRef>
+            <a:fillRef idx="0">
+              <a:schemeClr val="accent1"/>
+            </a:fillRef>
+            <a:effectRef idx="0">
+              <a:schemeClr val="accent1"/>
+            </a:effectRef>
+            <a:fontRef idx="minor">
+              <a:schemeClr val="tx1"/>
+            </a:fontRef>
+          </p:style>
+        </p:cxnSp>
+        <p:cxnSp>
+          <p:nvCxnSpPr>
+            <p:cNvPr id="15" name="Conector recto de flecha 14"/>
+            <p:cNvCxnSpPr>
+              <a:stCxn id="5" idx="3"/>
+              <a:endCxn id="9" idx="1"/>
+            </p:cNvCxnSpPr>
+            <p:nvPr/>
+          </p:nvCxnSpPr>
+          <p:spPr>
+            <a:xfrm>
+              <a:off x="3276476" y="1534313"/>
+              <a:ext cx="1180081" cy="10479"/>
+            </a:xfrm>
+            <a:prstGeom prst="straightConnector1">
+              <a:avLst/>
+            </a:prstGeom>
+            <a:ln w="28575">
+              <a:solidFill>
+                <a:srgbClr val="7240F0"/>
+              </a:solidFill>
+              <a:tailEnd type="triangle" w="lg" len="lg"/>
+            </a:ln>
+          </p:spPr>
+          <p:style>
+            <a:lnRef idx="1">
+              <a:schemeClr val="accent1"/>
+            </a:lnRef>
+            <a:fillRef idx="0">
+              <a:schemeClr val="accent1"/>
+            </a:fillRef>
+            <a:effectRef idx="0">
+              <a:schemeClr val="accent1"/>
+            </a:effectRef>
+            <a:fontRef idx="minor">
+              <a:schemeClr val="tx1"/>
+            </a:fontRef>
+          </p:style>
+        </p:cxnSp>
+        <p:pic>
+          <p:nvPicPr>
+            <p:cNvPr id="20" name="Imagen 19"/>
+            <p:cNvPicPr>
+              <a:picLocks noChangeAspect="1"/>
+            </p:cNvPicPr>
+            <p:nvPr/>
+          </p:nvPicPr>
+          <p:blipFill rotWithShape="1">
+            <a:blip r:embed="rId2">
+              <a:extLst>
+                <a:ext uri="{28A0092B-C50C-407E-A947-70E740481C1C}">
+                  <a14:useLocalDpi xmlns:a14="http://schemas.microsoft.com/office/drawing/2010/main" val="0"/>
+                </a:ext>
+              </a:extLst>
+            </a:blip>
+            <a:srcRect t="20610" b="22166"/>
+            <a:stretch/>
+          </p:blipFill>
+          <p:spPr>
+            <a:xfrm>
+              <a:off x="11396890" y="-1144941"/>
+              <a:ext cx="1479938" cy="423440"/>
+            </a:xfrm>
+            <a:prstGeom prst="rect">
+              <a:avLst/>
+            </a:prstGeom>
+          </p:spPr>
+        </p:pic>
+        <p:sp>
+          <p:nvSpPr>
+            <p:cNvPr id="24" name="Flecha izquierda y derecha 23"/>
+            <p:cNvSpPr/>
+            <p:nvPr/>
+          </p:nvSpPr>
+          <p:spPr>
+            <a:xfrm rot="16200000">
+              <a:off x="8700060" y="396965"/>
+              <a:ext cx="1080000" cy="180000"/>
+            </a:xfrm>
+            <a:prstGeom prst="leftRightArrow">
+              <a:avLst/>
+            </a:prstGeom>
+            <a:solidFill>
+              <a:schemeClr val="accent3">
+                <a:lumMod val="60000"/>
+                <a:lumOff val="40000"/>
+              </a:schemeClr>
+            </a:solidFill>
+            <a:ln>
+              <a:noFill/>
+            </a:ln>
+          </p:spPr>
+          <p:style>
+            <a:lnRef idx="2">
+              <a:schemeClr val="accent1">
+                <a:shade val="50000"/>
+              </a:schemeClr>
+            </a:lnRef>
+            <a:fillRef idx="1">
+              <a:schemeClr val="accent1"/>
+            </a:fillRef>
+            <a:effectRef idx="0">
+              <a:schemeClr val="accent1"/>
+            </a:effectRef>
+            <a:fontRef idx="minor">
+              <a:schemeClr val="lt1"/>
+            </a:fontRef>
+          </p:style>
+          <p:txBody>
+            <a:bodyPr rtlCol="0" anchor="ctr"/>
+            <a:lstStyle/>
+            <a:p>
+              <a:pPr algn="ctr"/>
+              <a:endParaRPr lang="es-ES"/>
+            </a:p>
+          </p:txBody>
+        </p:sp>
+        <p:pic>
+          <p:nvPicPr>
+            <p:cNvPr id="31" name="Imagen 30"/>
+            <p:cNvPicPr>
+              <a:picLocks noChangeAspect="1"/>
+            </p:cNvPicPr>
+            <p:nvPr/>
+          </p:nvPicPr>
+          <p:blipFill>
+            <a:blip r:embed="rId3" cstate="print">
+              <a:duotone>
+                <a:schemeClr val="accent3">
+                  <a:shade val="45000"/>
+                  <a:satMod val="135000"/>
+                </a:schemeClr>
+                <a:prstClr val="white"/>
+              </a:duotone>
+              <a:extLst>
+                <a:ext uri="{28A0092B-C50C-407E-A947-70E740481C1C}">
+                  <a14:useLocalDpi xmlns:a14="http://schemas.microsoft.com/office/drawing/2010/main" val="0"/>
+                </a:ext>
+              </a:extLst>
+            </a:blip>
+            <a:stretch>
+              <a:fillRect/>
+            </a:stretch>
+          </p:blipFill>
+          <p:spPr>
+            <a:xfrm>
+              <a:off x="9301185" y="189639"/>
+              <a:ext cx="614369" cy="650686"/>
+            </a:xfrm>
+            <a:prstGeom prst="rect">
+              <a:avLst/>
+            </a:prstGeom>
+          </p:spPr>
+        </p:pic>
+        <p:cxnSp>
+          <p:nvCxnSpPr>
+            <p:cNvPr id="23" name="Conector recto de flecha 22"/>
+            <p:cNvCxnSpPr>
+              <a:stCxn id="6" idx="2"/>
+            </p:cNvCxnSpPr>
+            <p:nvPr/>
+          </p:nvCxnSpPr>
+          <p:spPr>
+            <a:xfrm>
+              <a:off x="5126259" y="4504771"/>
+              <a:ext cx="0" cy="1384536"/>
+            </a:xfrm>
+            <a:prstGeom prst="straightConnector1">
+              <a:avLst/>
+            </a:prstGeom>
+            <a:ln w="28575">
+              <a:solidFill>
+                <a:srgbClr val="7240F0"/>
+              </a:solidFill>
+              <a:tailEnd type="triangle" w="lg" len="lg"/>
+            </a:ln>
+          </p:spPr>
+          <p:style>
+            <a:lnRef idx="1">
+              <a:schemeClr val="accent1"/>
+            </a:lnRef>
+            <a:fillRef idx="0">
+              <a:schemeClr val="accent1"/>
+            </a:fillRef>
+            <a:effectRef idx="0">
+              <a:schemeClr val="accent1"/>
+            </a:effectRef>
+            <a:fontRef idx="minor">
+              <a:schemeClr val="tx1"/>
+            </a:fontRef>
+          </p:style>
+        </p:cxnSp>
+        <p:sp>
+          <p:nvSpPr>
+            <p:cNvPr id="26" name="CuadroTexto 25"/>
+            <p:cNvSpPr txBox="1"/>
+            <p:nvPr/>
+          </p:nvSpPr>
+          <p:spPr>
+            <a:xfrm>
+              <a:off x="3548802" y="4867528"/>
+              <a:ext cx="1502784" cy="369332"/>
+            </a:xfrm>
+            <a:prstGeom prst="rect">
+              <a:avLst/>
+            </a:prstGeom>
+            <a:noFill/>
+          </p:spPr>
+          <p:txBody>
+            <a:bodyPr wrap="none" rtlCol="0">
+              <a:spAutoFit/>
+            </a:bodyPr>
+            <a:lstStyle/>
+            <a:p>
+              <a:pPr algn="ctr"/>
+              <a:r>
+                <a:rPr lang="es-ES" b="1" dirty="0" smtClean="0">
+                  <a:solidFill>
+                    <a:srgbClr val="FF3300"/>
+                  </a:solidFill>
+                  <a:latin typeface="+mj-lt"/>
+                  <a:cs typeface="Aharoni" panose="02010803020104030203" pitchFamily="2" charset="-79"/>
+                </a:rPr>
+                <a:t>No / </a:t>
+              </a:r>
+              <a:r>
+                <a:rPr lang="es-ES" b="1" dirty="0" err="1" smtClean="0">
+                  <a:solidFill>
+                    <a:srgbClr val="FF3300"/>
+                  </a:solidFill>
+                  <a:latin typeface="+mj-lt"/>
+                  <a:cs typeface="Aharoni" panose="02010803020104030203" pitchFamily="2" charset="-79"/>
+                </a:rPr>
+                <a:t>Unknown</a:t>
+              </a:r>
+              <a:endParaRPr lang="es-ES" b="1" dirty="0" smtClean="0">
+                <a:solidFill>
+                  <a:srgbClr val="FF3300"/>
+                </a:solidFill>
+                <a:latin typeface="+mj-lt"/>
+                <a:cs typeface="Aharoni" panose="02010803020104030203" pitchFamily="2" charset="-79"/>
+              </a:endParaRPr>
+            </a:p>
+          </p:txBody>
+        </p:sp>
+        <p:cxnSp>
+          <p:nvCxnSpPr>
+            <p:cNvPr id="32" name="Conector recto de flecha 31"/>
+            <p:cNvCxnSpPr>
+              <a:stCxn id="6" idx="3"/>
+            </p:cNvCxnSpPr>
+            <p:nvPr/>
+          </p:nvCxnSpPr>
+          <p:spPr>
+            <a:xfrm flipV="1">
+              <a:off x="5795961" y="3807650"/>
+              <a:ext cx="6315373" cy="8101"/>
+            </a:xfrm>
+            <a:prstGeom prst="straightConnector1">
+              <a:avLst/>
+            </a:prstGeom>
+            <a:ln w="28575">
+              <a:solidFill>
+                <a:srgbClr val="7240F0"/>
+              </a:solidFill>
+              <a:tailEnd type="triangle" w="lg" len="lg"/>
+            </a:ln>
+          </p:spPr>
+          <p:style>
+            <a:lnRef idx="1">
+              <a:schemeClr val="accent1"/>
+            </a:lnRef>
+            <a:fillRef idx="0">
+              <a:schemeClr val="accent1"/>
+            </a:fillRef>
+            <a:effectRef idx="0">
+              <a:schemeClr val="accent1"/>
+            </a:effectRef>
+            <a:fontRef idx="minor">
+              <a:schemeClr val="tx1"/>
+            </a:fontRef>
+          </p:style>
+        </p:cxnSp>
+        <p:cxnSp>
+          <p:nvCxnSpPr>
+            <p:cNvPr id="35" name="Conector recto de flecha 34"/>
+            <p:cNvCxnSpPr>
+              <a:stCxn id="7" idx="3"/>
+              <a:endCxn id="8" idx="2"/>
+            </p:cNvCxnSpPr>
+            <p:nvPr/>
+          </p:nvCxnSpPr>
+          <p:spPr>
+            <a:xfrm flipV="1">
+              <a:off x="12816738" y="1485301"/>
+              <a:ext cx="1322418" cy="32821"/>
+            </a:xfrm>
+            <a:prstGeom prst="straightConnector1">
+              <a:avLst/>
+            </a:prstGeom>
+            <a:ln w="28575">
+              <a:solidFill>
+                <a:srgbClr val="7240F0"/>
+              </a:solidFill>
+              <a:tailEnd type="triangle" w="lg" len="lg"/>
+            </a:ln>
+          </p:spPr>
+          <p:style>
+            <a:lnRef idx="1">
+              <a:schemeClr val="accent1"/>
+            </a:lnRef>
+            <a:fillRef idx="0">
+              <a:schemeClr val="accent1"/>
+            </a:fillRef>
+            <a:effectRef idx="0">
+              <a:schemeClr val="accent1"/>
+            </a:effectRef>
+            <a:fontRef idx="minor">
+              <a:schemeClr val="tx1"/>
+            </a:fontRef>
+          </p:style>
+        </p:cxnSp>
+        <p:cxnSp>
+          <p:nvCxnSpPr>
+            <p:cNvPr id="37" name="Conector recto de flecha 36"/>
+            <p:cNvCxnSpPr/>
+            <p:nvPr/>
+          </p:nvCxnSpPr>
+          <p:spPr>
+            <a:xfrm flipH="1">
+              <a:off x="5121822" y="2235408"/>
+              <a:ext cx="9493" cy="900000"/>
+            </a:xfrm>
+            <a:prstGeom prst="straightConnector1">
+              <a:avLst/>
+            </a:prstGeom>
+            <a:ln w="28575">
+              <a:solidFill>
+                <a:srgbClr val="7240F0"/>
+              </a:solidFill>
+              <a:tailEnd type="triangle" w="lg" len="lg"/>
+            </a:ln>
+          </p:spPr>
+          <p:style>
+            <a:lnRef idx="1">
+              <a:schemeClr val="accent1"/>
+            </a:lnRef>
+            <a:fillRef idx="0">
+              <a:schemeClr val="accent1"/>
+            </a:fillRef>
+            <a:effectRef idx="0">
+              <a:schemeClr val="accent1"/>
+            </a:effectRef>
+            <a:fontRef idx="minor">
+              <a:schemeClr val="tx1"/>
+            </a:fontRef>
+          </p:style>
+        </p:cxnSp>
+        <p:cxnSp>
+          <p:nvCxnSpPr>
+            <p:cNvPr id="39" name="Conector recto de flecha 38"/>
+            <p:cNvCxnSpPr>
+              <a:stCxn id="9" idx="3"/>
+              <a:endCxn id="4" idx="1"/>
+            </p:cNvCxnSpPr>
+            <p:nvPr/>
+          </p:nvCxnSpPr>
+          <p:spPr>
+            <a:xfrm flipV="1">
+              <a:off x="5795961" y="1526111"/>
+              <a:ext cx="2839896" cy="18681"/>
+            </a:xfrm>
+            <a:prstGeom prst="straightConnector1">
+              <a:avLst/>
+            </a:prstGeom>
+            <a:ln w="28575">
+              <a:solidFill>
+                <a:srgbClr val="7240F0"/>
+              </a:solidFill>
+              <a:tailEnd type="triangle" w="lg" len="lg"/>
+            </a:ln>
+          </p:spPr>
+          <p:style>
+            <a:lnRef idx="1">
+              <a:schemeClr val="accent1"/>
+            </a:lnRef>
+            <a:fillRef idx="0">
+              <a:schemeClr val="accent1"/>
+            </a:fillRef>
+            <a:effectRef idx="0">
+              <a:schemeClr val="accent1"/>
+            </a:effectRef>
+            <a:fontRef idx="minor">
+              <a:schemeClr val="tx1"/>
+            </a:fontRef>
+          </p:style>
+        </p:cxnSp>
+        <p:sp>
+          <p:nvSpPr>
+            <p:cNvPr id="45" name="CuadroTexto 44"/>
+            <p:cNvSpPr txBox="1"/>
+            <p:nvPr/>
+          </p:nvSpPr>
+          <p:spPr>
+            <a:xfrm>
+              <a:off x="3398427" y="1170264"/>
+              <a:ext cx="475643" cy="369332"/>
+            </a:xfrm>
+            <a:prstGeom prst="rect">
+              <a:avLst/>
+            </a:prstGeom>
+            <a:noFill/>
+          </p:spPr>
+          <p:txBody>
+            <a:bodyPr wrap="none" rtlCol="0">
+              <a:spAutoFit/>
+            </a:bodyPr>
+            <a:lstStyle/>
+            <a:p>
+              <a:r>
+                <a:rPr lang="es-ES" b="1" dirty="0" smtClean="0">
+                  <a:solidFill>
+                    <a:srgbClr val="FF3300"/>
+                  </a:solidFill>
+                  <a:latin typeface="+mj-lt"/>
+                  <a:cs typeface="Aharoni" panose="02010803020104030203" pitchFamily="2" charset="-79"/>
+                </a:rPr>
+                <a:t>Yes</a:t>
+              </a:r>
+              <a:endParaRPr lang="es-ES" b="1" dirty="0">
+                <a:solidFill>
+                  <a:srgbClr val="FF3300"/>
+                </a:solidFill>
+                <a:latin typeface="+mj-lt"/>
+                <a:cs typeface="Aharoni" panose="02010803020104030203" pitchFamily="2" charset="-79"/>
+              </a:endParaRPr>
+            </a:p>
+          </p:txBody>
+        </p:sp>
+        <p:sp>
+          <p:nvSpPr>
+            <p:cNvPr id="46" name="CuadroTexto 45"/>
+            <p:cNvSpPr txBox="1"/>
+            <p:nvPr/>
+          </p:nvSpPr>
+          <p:spPr>
+            <a:xfrm>
+              <a:off x="5818724" y="3431705"/>
+              <a:ext cx="475643" cy="369332"/>
+            </a:xfrm>
+            <a:prstGeom prst="rect">
+              <a:avLst/>
+            </a:prstGeom>
+            <a:noFill/>
+          </p:spPr>
+          <p:txBody>
+            <a:bodyPr wrap="none" rtlCol="0">
+              <a:spAutoFit/>
+            </a:bodyPr>
+            <a:lstStyle/>
+            <a:p>
+              <a:r>
+                <a:rPr lang="es-ES" b="1" dirty="0" smtClean="0">
+                  <a:solidFill>
+                    <a:srgbClr val="FF3300"/>
+                  </a:solidFill>
+                  <a:latin typeface="+mj-lt"/>
+                  <a:cs typeface="Aharoni" panose="02010803020104030203" pitchFamily="2" charset="-79"/>
+                </a:rPr>
+                <a:t>Yes</a:t>
+              </a:r>
+              <a:endParaRPr lang="es-ES" b="1" dirty="0">
+                <a:solidFill>
+                  <a:srgbClr val="FF3300"/>
+                </a:solidFill>
+                <a:latin typeface="+mj-lt"/>
+                <a:cs typeface="Aharoni" panose="02010803020104030203" pitchFamily="2" charset="-79"/>
+              </a:endParaRPr>
+            </a:p>
+          </p:txBody>
+        </p:sp>
+        <p:pic>
+          <p:nvPicPr>
+            <p:cNvPr id="64" name="Imagen 63"/>
+            <p:cNvPicPr>
+              <a:picLocks noChangeAspect="1"/>
+            </p:cNvPicPr>
+            <p:nvPr/>
+          </p:nvPicPr>
+          <p:blipFill>
+            <a:blip r:embed="rId4" cstate="print">
+              <a:extLst>
+                <a:ext uri="{28A0092B-C50C-407E-A947-70E740481C1C}">
+                  <a14:useLocalDpi xmlns:a14="http://schemas.microsoft.com/office/drawing/2010/main" val="0"/>
+                </a:ext>
+              </a:extLst>
+            </a:blip>
+            <a:stretch>
+              <a:fillRect/>
+            </a:stretch>
+          </p:blipFill>
+          <p:spPr>
+            <a:xfrm>
+              <a:off x="8219312" y="-1169825"/>
+              <a:ext cx="559735" cy="559735"/>
+            </a:xfrm>
+            <a:prstGeom prst="rect">
+              <a:avLst/>
+            </a:prstGeom>
+          </p:spPr>
+        </p:pic>
+        <p:sp>
+          <p:nvSpPr>
+            <p:cNvPr id="65" name="CuadroTexto 64"/>
+            <p:cNvSpPr txBox="1"/>
+            <p:nvPr/>
+          </p:nvSpPr>
+          <p:spPr>
+            <a:xfrm>
+              <a:off x="8805230" y="-1172412"/>
+              <a:ext cx="1259895" cy="584775"/>
+            </a:xfrm>
+            <a:prstGeom prst="rect">
+              <a:avLst/>
+            </a:prstGeom>
+            <a:noFill/>
+          </p:spPr>
+          <p:txBody>
+            <a:bodyPr wrap="square" rtlCol="0">
+              <a:spAutoFit/>
+            </a:bodyPr>
+            <a:lstStyle/>
+            <a:p>
+              <a:r>
+                <a:rPr lang="es-ES" sz="1600" dirty="0" smtClean="0">
+                  <a:solidFill>
+                    <a:schemeClr val="accent3">
+                      <a:lumMod val="75000"/>
+                    </a:schemeClr>
+                  </a:solidFill>
+                  <a:latin typeface="Berlin Sans FB" panose="020E0602020502020306" pitchFamily="34" charset="0"/>
+                </a:rPr>
+                <a:t>Visual </a:t>
+              </a:r>
+              <a:r>
+                <a:rPr lang="es-ES" sz="1600" dirty="0" err="1" smtClean="0">
+                  <a:solidFill>
+                    <a:schemeClr val="accent3">
+                      <a:lumMod val="75000"/>
+                    </a:schemeClr>
+                  </a:solidFill>
+                  <a:latin typeface="Berlin Sans FB" panose="020E0602020502020306" pitchFamily="34" charset="0"/>
+                </a:rPr>
+                <a:t>recognition</a:t>
+              </a:r>
+              <a:endParaRPr lang="es-ES" sz="1600" dirty="0">
+                <a:solidFill>
+                  <a:schemeClr val="accent3">
+                    <a:lumMod val="75000"/>
+                  </a:schemeClr>
+                </a:solidFill>
+                <a:latin typeface="Berlin Sans FB" panose="020E0602020502020306" pitchFamily="34" charset="0"/>
+              </a:endParaRPr>
+            </a:p>
+          </p:txBody>
+        </p:sp>
+        <p:sp>
+          <p:nvSpPr>
+            <p:cNvPr id="66" name="CuadroTexto 65"/>
+            <p:cNvSpPr txBox="1"/>
+            <p:nvPr/>
+          </p:nvSpPr>
+          <p:spPr>
+            <a:xfrm>
+              <a:off x="8375621" y="-1531205"/>
+              <a:ext cx="2050711" cy="307777"/>
+            </a:xfrm>
+            <a:prstGeom prst="rect">
+              <a:avLst/>
+            </a:prstGeom>
+            <a:noFill/>
+          </p:spPr>
+          <p:txBody>
+            <a:bodyPr wrap="square" rtlCol="0">
+              <a:spAutoFit/>
+            </a:bodyPr>
+            <a:lstStyle/>
+            <a:p>
+              <a:r>
+                <a:rPr lang="es-ES" sz="1400" b="1" dirty="0" smtClean="0">
+                  <a:solidFill>
+                    <a:srgbClr val="00B050"/>
+                  </a:solidFill>
+                </a:rPr>
+                <a:t>IBM WATSON</a:t>
+              </a:r>
+              <a:r>
+                <a:rPr lang="es-ES" sz="1200" b="1" dirty="0" smtClean="0">
+                  <a:solidFill>
+                    <a:srgbClr val="00B050"/>
+                  </a:solidFill>
+                </a:rPr>
+                <a:t> </a:t>
+              </a:r>
+              <a:r>
+                <a:rPr lang="es-ES" sz="1400" b="1" dirty="0" smtClean="0">
+                  <a:solidFill>
+                    <a:srgbClr val="00B050"/>
+                  </a:solidFill>
+                </a:rPr>
+                <a:t>SERVICES</a:t>
+              </a:r>
+              <a:endParaRPr lang="es-ES" sz="1400" b="1" dirty="0">
+                <a:solidFill>
+                  <a:srgbClr val="00B050"/>
+                </a:solidFill>
+              </a:endParaRPr>
+            </a:p>
+          </p:txBody>
+        </p:sp>
+        <p:sp>
+          <p:nvSpPr>
+            <p:cNvPr id="78" name="CuadroTexto 77"/>
+            <p:cNvSpPr txBox="1"/>
+            <p:nvPr/>
+          </p:nvSpPr>
+          <p:spPr>
+            <a:xfrm>
+              <a:off x="5771193" y="1165847"/>
+              <a:ext cx="475643" cy="369332"/>
+            </a:xfrm>
+            <a:prstGeom prst="rect">
+              <a:avLst/>
+            </a:prstGeom>
+            <a:noFill/>
+          </p:spPr>
+          <p:txBody>
+            <a:bodyPr wrap="none" rtlCol="0">
+              <a:spAutoFit/>
+            </a:bodyPr>
+            <a:lstStyle/>
+            <a:p>
+              <a:r>
+                <a:rPr lang="es-ES" b="1" dirty="0" smtClean="0">
+                  <a:solidFill>
+                    <a:srgbClr val="FF3300"/>
+                  </a:solidFill>
+                  <a:latin typeface="+mj-lt"/>
+                  <a:cs typeface="Aharoni" panose="02010803020104030203" pitchFamily="2" charset="-79"/>
+                </a:rPr>
+                <a:t>Yes</a:t>
+              </a:r>
+              <a:endParaRPr lang="es-ES" b="1" dirty="0">
+                <a:solidFill>
+                  <a:srgbClr val="FF3300"/>
+                </a:solidFill>
+                <a:latin typeface="+mj-lt"/>
+                <a:cs typeface="Aharoni" panose="02010803020104030203" pitchFamily="2" charset="-79"/>
+              </a:endParaRPr>
+            </a:p>
+          </p:txBody>
+        </p:sp>
+        <p:cxnSp>
+          <p:nvCxnSpPr>
+            <p:cNvPr id="79" name="Conector recto de flecha 78"/>
+            <p:cNvCxnSpPr/>
+            <p:nvPr/>
+          </p:nvCxnSpPr>
+          <p:spPr>
+            <a:xfrm>
+              <a:off x="5118929" y="256969"/>
+              <a:ext cx="7330" cy="589451"/>
+            </a:xfrm>
+            <a:prstGeom prst="straightConnector1">
+              <a:avLst/>
+            </a:prstGeom>
+            <a:ln w="28575">
+              <a:solidFill>
+                <a:srgbClr val="7240F0"/>
+              </a:solidFill>
+              <a:tailEnd type="triangle" w="lg" len="lg"/>
+            </a:ln>
+          </p:spPr>
+          <p:style>
+            <a:lnRef idx="1">
+              <a:schemeClr val="accent1"/>
+            </a:lnRef>
+            <a:fillRef idx="0">
+              <a:schemeClr val="accent1"/>
+            </a:fillRef>
+            <a:effectRef idx="0">
+              <a:schemeClr val="accent1"/>
+            </a:effectRef>
+            <a:fontRef idx="minor">
+              <a:schemeClr val="tx1"/>
+            </a:fontRef>
+          </p:style>
+        </p:cxnSp>
+        <p:cxnSp>
+          <p:nvCxnSpPr>
+            <p:cNvPr id="95" name="Conector recto de flecha 94"/>
+            <p:cNvCxnSpPr/>
+            <p:nvPr/>
+          </p:nvCxnSpPr>
+          <p:spPr>
+            <a:xfrm flipH="1" flipV="1">
+              <a:off x="7539328" y="240558"/>
+              <a:ext cx="59851" cy="5428421"/>
+            </a:xfrm>
+            <a:prstGeom prst="straightConnector1">
+              <a:avLst/>
+            </a:prstGeom>
+            <a:ln w="28575">
+              <a:solidFill>
+                <a:srgbClr val="7240F0"/>
+              </a:solidFill>
+              <a:tailEnd type="triangle" w="lg" len="lg"/>
+            </a:ln>
+          </p:spPr>
+          <p:style>
+            <a:lnRef idx="1">
+              <a:schemeClr val="accent1"/>
+            </a:lnRef>
+            <a:fillRef idx="0">
+              <a:schemeClr val="accent1"/>
+            </a:fillRef>
+            <a:effectRef idx="0">
+              <a:schemeClr val="accent1"/>
+            </a:effectRef>
+            <a:fontRef idx="minor">
+              <a:schemeClr val="tx1"/>
+            </a:fontRef>
+          </p:style>
+        </p:cxnSp>
+        <p:cxnSp>
+          <p:nvCxnSpPr>
+            <p:cNvPr id="103" name="Conector recto de flecha 102"/>
+            <p:cNvCxnSpPr/>
+            <p:nvPr/>
+          </p:nvCxnSpPr>
+          <p:spPr>
+            <a:xfrm>
+              <a:off x="5118929" y="240559"/>
+              <a:ext cx="2420399" cy="6376"/>
+            </a:xfrm>
+            <a:prstGeom prst="straightConnector1">
+              <a:avLst/>
+            </a:prstGeom>
+            <a:ln w="28575">
+              <a:solidFill>
+                <a:srgbClr val="7240F0"/>
+              </a:solidFill>
+              <a:tailEnd type="none" w="lg" len="lg"/>
+            </a:ln>
+          </p:spPr>
+          <p:style>
+            <a:lnRef idx="1">
+              <a:schemeClr val="accent1"/>
+            </a:lnRef>
+            <a:fillRef idx="0">
+              <a:schemeClr val="accent1"/>
+            </a:fillRef>
+            <a:effectRef idx="0">
+              <a:schemeClr val="accent1"/>
+            </a:effectRef>
+            <a:fontRef idx="minor">
+              <a:schemeClr val="tx1"/>
+            </a:fontRef>
+          </p:style>
+        </p:cxnSp>
+        <p:cxnSp>
+          <p:nvCxnSpPr>
+            <p:cNvPr id="105" name="Conector recto de flecha 104"/>
+            <p:cNvCxnSpPr>
+              <a:stCxn id="10" idx="3"/>
+              <a:endCxn id="107" idx="1"/>
+            </p:cNvCxnSpPr>
+            <p:nvPr/>
+          </p:nvCxnSpPr>
+          <p:spPr>
+            <a:xfrm>
+              <a:off x="5812242" y="6389346"/>
+              <a:ext cx="1010494" cy="14661"/>
+            </a:xfrm>
+            <a:prstGeom prst="straightConnector1">
+              <a:avLst/>
+            </a:prstGeom>
+            <a:ln w="28575">
+              <a:solidFill>
+                <a:srgbClr val="7240F0"/>
+              </a:solidFill>
+              <a:tailEnd type="triangle" w="lg" len="lg"/>
+            </a:ln>
+          </p:spPr>
+          <p:style>
+            <a:lnRef idx="1">
+              <a:schemeClr val="accent1"/>
+            </a:lnRef>
+            <a:fillRef idx="0">
+              <a:schemeClr val="accent1"/>
+            </a:fillRef>
+            <a:effectRef idx="0">
+              <a:schemeClr val="accent1"/>
+            </a:effectRef>
+            <a:fontRef idx="minor">
+              <a:schemeClr val="tx1"/>
+            </a:fontRef>
+          </p:style>
+        </p:cxnSp>
+        <p:cxnSp>
+          <p:nvCxnSpPr>
+            <p:cNvPr id="115" name="Conector recto de flecha 114"/>
+            <p:cNvCxnSpPr>
+              <a:stCxn id="4" idx="3"/>
+              <a:endCxn id="7" idx="1"/>
+            </p:cNvCxnSpPr>
+            <p:nvPr/>
+          </p:nvCxnSpPr>
+          <p:spPr>
+            <a:xfrm flipV="1">
+              <a:off x="9910866" y="1518122"/>
+              <a:ext cx="1449349" cy="7989"/>
+            </a:xfrm>
+            <a:prstGeom prst="straightConnector1">
+              <a:avLst/>
+            </a:prstGeom>
+            <a:ln w="28575">
+              <a:solidFill>
+                <a:srgbClr val="7240F0"/>
+              </a:solidFill>
+              <a:tailEnd type="triangle" w="lg" len="lg"/>
+            </a:ln>
+          </p:spPr>
+          <p:style>
+            <a:lnRef idx="1">
+              <a:schemeClr val="accent1"/>
+            </a:lnRef>
+            <a:fillRef idx="0">
+              <a:schemeClr val="accent1"/>
+            </a:fillRef>
+            <a:effectRef idx="0">
+              <a:schemeClr val="accent1"/>
+            </a:effectRef>
+            <a:fontRef idx="minor">
+              <a:schemeClr val="tx1"/>
+            </a:fontRef>
+          </p:style>
+        </p:cxnSp>
+        <p:sp>
+          <p:nvSpPr>
+            <p:cNvPr id="121" name="CuadroTexto 120"/>
+            <p:cNvSpPr txBox="1"/>
+            <p:nvPr/>
+          </p:nvSpPr>
+          <p:spPr>
+            <a:xfrm>
+              <a:off x="11530278" y="-1512830"/>
+              <a:ext cx="1545772" cy="307777"/>
+            </a:xfrm>
+            <a:prstGeom prst="rect">
+              <a:avLst/>
+            </a:prstGeom>
+            <a:noFill/>
+          </p:spPr>
+          <p:txBody>
+            <a:bodyPr wrap="square" rtlCol="0">
+              <a:spAutoFit/>
+            </a:bodyPr>
+            <a:lstStyle/>
+            <a:p>
+              <a:r>
+                <a:rPr lang="es-ES" sz="1400" b="1" dirty="0" smtClean="0">
+                  <a:solidFill>
+                    <a:srgbClr val="00B050"/>
+                  </a:solidFill>
+                </a:rPr>
+                <a:t>RECIPE SERVICES</a:t>
+              </a:r>
+              <a:endParaRPr lang="es-ES" sz="1400" b="1" dirty="0">
+                <a:solidFill>
+                  <a:srgbClr val="00B050"/>
+                </a:solidFill>
+              </a:endParaRPr>
+            </a:p>
+          </p:txBody>
+        </p:sp>
+        <p:sp>
+          <p:nvSpPr>
+            <p:cNvPr id="131" name="CuadroTexto 130"/>
+            <p:cNvSpPr txBox="1"/>
+            <p:nvPr/>
+          </p:nvSpPr>
+          <p:spPr>
+            <a:xfrm>
+              <a:off x="6099172" y="1177523"/>
+              <a:ext cx="1340560" cy="338554"/>
+            </a:xfrm>
+            <a:prstGeom prst="rect">
+              <a:avLst/>
+            </a:prstGeom>
+            <a:noFill/>
+          </p:spPr>
+          <p:txBody>
+            <a:bodyPr wrap="none" rtlCol="0">
+              <a:spAutoFit/>
+            </a:bodyPr>
+            <a:lstStyle/>
+            <a:p>
+              <a:r>
+                <a:rPr lang="es-ES" sz="1600" b="1" dirty="0" smtClean="0">
+                  <a:solidFill>
+                    <a:schemeClr val="tx1">
+                      <a:lumMod val="50000"/>
+                      <a:lumOff val="50000"/>
+                    </a:schemeClr>
+                  </a:solidFill>
+                  <a:latin typeface="+mj-lt"/>
+                  <a:cs typeface="Aharoni" panose="02010803020104030203" pitchFamily="2" charset="-79"/>
+                </a:rPr>
+                <a:t>( $</a:t>
+              </a:r>
+              <a:r>
+                <a:rPr lang="es-ES" sz="1600" b="1" dirty="0" err="1" smtClean="0">
+                  <a:solidFill>
+                    <a:schemeClr val="tx1">
+                      <a:lumMod val="50000"/>
+                      <a:lumOff val="50000"/>
+                    </a:schemeClr>
+                  </a:solidFill>
+                  <a:latin typeface="+mj-lt"/>
+                  <a:cs typeface="Aharoni" panose="02010803020104030203" pitchFamily="2" charset="-79"/>
+                </a:rPr>
+                <a:t>image_file</a:t>
+              </a:r>
+              <a:r>
+                <a:rPr lang="es-ES" sz="1600" b="1" dirty="0" smtClean="0">
+                  <a:solidFill>
+                    <a:schemeClr val="tx1">
+                      <a:lumMod val="50000"/>
+                      <a:lumOff val="50000"/>
+                    </a:schemeClr>
+                  </a:solidFill>
+                  <a:latin typeface="+mj-lt"/>
+                  <a:cs typeface="Aharoni" panose="02010803020104030203" pitchFamily="2" charset="-79"/>
+                </a:rPr>
+                <a:t> )</a:t>
+              </a:r>
+              <a:endParaRPr lang="es-ES" sz="1600" b="1" dirty="0">
+                <a:solidFill>
+                  <a:schemeClr val="tx1">
+                    <a:lumMod val="50000"/>
+                    <a:lumOff val="50000"/>
+                  </a:schemeClr>
+                </a:solidFill>
+                <a:latin typeface="+mj-lt"/>
+                <a:cs typeface="Aharoni" panose="02010803020104030203" pitchFamily="2" charset="-79"/>
+              </a:endParaRPr>
+            </a:p>
+          </p:txBody>
+        </p:sp>
+        <p:sp>
+          <p:nvSpPr>
+            <p:cNvPr id="132" name="CuadroTexto 131"/>
+            <p:cNvSpPr txBox="1"/>
+            <p:nvPr/>
+          </p:nvSpPr>
+          <p:spPr>
+            <a:xfrm>
+              <a:off x="6178505" y="3431705"/>
+              <a:ext cx="785793" cy="338554"/>
+            </a:xfrm>
+            <a:prstGeom prst="rect">
+              <a:avLst/>
+            </a:prstGeom>
+            <a:noFill/>
+          </p:spPr>
+          <p:txBody>
+            <a:bodyPr wrap="none" rtlCol="0">
+              <a:spAutoFit/>
+            </a:bodyPr>
+            <a:lstStyle/>
+            <a:p>
+              <a:r>
+                <a:rPr lang="es-ES" sz="1600" b="1" dirty="0" smtClean="0">
+                  <a:solidFill>
+                    <a:schemeClr val="tx1">
+                      <a:lumMod val="50000"/>
+                      <a:lumOff val="50000"/>
+                    </a:schemeClr>
+                  </a:solidFill>
+                  <a:latin typeface="+mj-lt"/>
+                  <a:cs typeface="Aharoni" panose="02010803020104030203" pitchFamily="2" charset="-79"/>
+                </a:rPr>
+                <a:t>( $</a:t>
+              </a:r>
+              <a:r>
+                <a:rPr lang="es-ES" sz="1600" b="1" dirty="0" err="1" smtClean="0">
+                  <a:solidFill>
+                    <a:schemeClr val="tx1">
+                      <a:lumMod val="50000"/>
+                      <a:lumOff val="50000"/>
+                    </a:schemeClr>
+                  </a:solidFill>
+                  <a:latin typeface="+mj-lt"/>
+                  <a:cs typeface="Aharoni" panose="02010803020104030203" pitchFamily="2" charset="-79"/>
+                </a:rPr>
+                <a:t>dish</a:t>
+              </a:r>
+              <a:r>
+                <a:rPr lang="es-ES" sz="1600" b="1" dirty="0" smtClean="0">
+                  <a:solidFill>
+                    <a:schemeClr val="tx1">
+                      <a:lumMod val="50000"/>
+                      <a:lumOff val="50000"/>
+                    </a:schemeClr>
+                  </a:solidFill>
+                  <a:latin typeface="+mj-lt"/>
+                  <a:cs typeface="Aharoni" panose="02010803020104030203" pitchFamily="2" charset="-79"/>
+                </a:rPr>
+                <a:t>)</a:t>
+              </a:r>
+              <a:endParaRPr lang="es-ES" sz="1600" b="1" dirty="0">
+                <a:solidFill>
+                  <a:schemeClr val="tx1">
+                    <a:lumMod val="50000"/>
+                    <a:lumOff val="50000"/>
+                  </a:schemeClr>
+                </a:solidFill>
+                <a:latin typeface="+mj-lt"/>
+                <a:cs typeface="Aharoni" panose="02010803020104030203" pitchFamily="2" charset="-79"/>
+              </a:endParaRPr>
+            </a:p>
+          </p:txBody>
+        </p:sp>
+        <p:sp>
+          <p:nvSpPr>
+            <p:cNvPr id="134" name="CuadroTexto 133"/>
+            <p:cNvSpPr txBox="1"/>
+            <p:nvPr/>
+          </p:nvSpPr>
+          <p:spPr>
+            <a:xfrm>
+              <a:off x="3447757" y="2372082"/>
+              <a:ext cx="1502784" cy="369332"/>
+            </a:xfrm>
+            <a:prstGeom prst="rect">
+              <a:avLst/>
+            </a:prstGeom>
+            <a:noFill/>
+          </p:spPr>
+          <p:txBody>
+            <a:bodyPr wrap="none" rtlCol="0">
+              <a:spAutoFit/>
+            </a:bodyPr>
+            <a:lstStyle/>
+            <a:p>
+              <a:pPr algn="ctr"/>
+              <a:r>
+                <a:rPr lang="es-ES" b="1" dirty="0" smtClean="0">
+                  <a:solidFill>
+                    <a:srgbClr val="FF3300"/>
+                  </a:solidFill>
+                  <a:latin typeface="+mj-lt"/>
+                  <a:cs typeface="Aharoni" panose="02010803020104030203" pitchFamily="2" charset="-79"/>
+                </a:rPr>
+                <a:t>No / </a:t>
+              </a:r>
+              <a:r>
+                <a:rPr lang="es-ES" b="1" dirty="0" err="1" smtClean="0">
+                  <a:solidFill>
+                    <a:srgbClr val="FF3300"/>
+                  </a:solidFill>
+                  <a:latin typeface="+mj-lt"/>
+                  <a:cs typeface="Aharoni" panose="02010803020104030203" pitchFamily="2" charset="-79"/>
+                </a:rPr>
+                <a:t>Unknown</a:t>
+              </a:r>
+              <a:endParaRPr lang="es-ES" b="1" dirty="0" smtClean="0">
+                <a:solidFill>
+                  <a:srgbClr val="FF3300"/>
+                </a:solidFill>
+                <a:latin typeface="+mj-lt"/>
+                <a:cs typeface="Aharoni" panose="02010803020104030203" pitchFamily="2" charset="-79"/>
+              </a:endParaRPr>
+            </a:p>
+          </p:txBody>
+        </p:sp>
+        <p:cxnSp>
+          <p:nvCxnSpPr>
+            <p:cNvPr id="91" name="Conector recto de flecha 90"/>
+            <p:cNvCxnSpPr>
+              <a:endCxn id="7" idx="2"/>
+            </p:cNvCxnSpPr>
+            <p:nvPr/>
+          </p:nvCxnSpPr>
+          <p:spPr>
+            <a:xfrm flipH="1" flipV="1">
+              <a:off x="12088477" y="1986122"/>
+              <a:ext cx="22857" cy="1806115"/>
+            </a:xfrm>
+            <a:prstGeom prst="straightConnector1">
+              <a:avLst/>
+            </a:prstGeom>
+            <a:ln w="28575">
+              <a:solidFill>
+                <a:srgbClr val="7240F0"/>
+              </a:solidFill>
+              <a:tailEnd type="triangle" w="lg" len="lg"/>
+            </a:ln>
+          </p:spPr>
+          <p:style>
+            <a:lnRef idx="1">
+              <a:schemeClr val="accent1"/>
+            </a:lnRef>
+            <a:fillRef idx="0">
+              <a:schemeClr val="accent1"/>
+            </a:fillRef>
+            <a:effectRef idx="0">
+              <a:schemeClr val="accent1"/>
+            </a:effectRef>
+            <a:fontRef idx="minor">
+              <a:schemeClr val="tx1"/>
+            </a:fontRef>
+          </p:style>
+        </p:cxnSp>
+        <p:sp>
+          <p:nvSpPr>
+            <p:cNvPr id="96" name="Flecha izquierda y derecha 95"/>
+            <p:cNvSpPr/>
+            <p:nvPr/>
+          </p:nvSpPr>
+          <p:spPr>
+            <a:xfrm rot="16200000">
+              <a:off x="11661334" y="342521"/>
+              <a:ext cx="1080000" cy="180000"/>
+            </a:xfrm>
+            <a:prstGeom prst="leftRightArrow">
+              <a:avLst/>
+            </a:prstGeom>
+            <a:solidFill>
+              <a:schemeClr val="accent3">
+                <a:lumMod val="60000"/>
+                <a:lumOff val="40000"/>
+              </a:schemeClr>
+            </a:solidFill>
+            <a:ln>
+              <a:noFill/>
+            </a:ln>
+          </p:spPr>
+          <p:style>
+            <a:lnRef idx="2">
+              <a:schemeClr val="accent1">
+                <a:shade val="50000"/>
+              </a:schemeClr>
+            </a:lnRef>
+            <a:fillRef idx="1">
+              <a:schemeClr val="accent1"/>
+            </a:fillRef>
+            <a:effectRef idx="0">
+              <a:schemeClr val="accent1"/>
+            </a:effectRef>
+            <a:fontRef idx="minor">
+              <a:schemeClr val="lt1"/>
+            </a:fontRef>
+          </p:style>
+          <p:txBody>
+            <a:bodyPr rtlCol="0" anchor="ctr"/>
+            <a:lstStyle/>
+            <a:p>
+              <a:pPr algn="ctr"/>
+              <a:endParaRPr lang="es-ES"/>
+            </a:p>
+          </p:txBody>
+        </p:sp>
+        <p:pic>
+          <p:nvPicPr>
+            <p:cNvPr id="97" name="Imagen 96"/>
+            <p:cNvPicPr>
+              <a:picLocks noChangeAspect="1"/>
+            </p:cNvPicPr>
+            <p:nvPr/>
+          </p:nvPicPr>
+          <p:blipFill>
+            <a:blip r:embed="rId3" cstate="print">
+              <a:duotone>
+                <a:schemeClr val="accent3">
+                  <a:shade val="45000"/>
+                  <a:satMod val="135000"/>
+                </a:schemeClr>
+                <a:prstClr val="white"/>
+              </a:duotone>
+              <a:extLst>
+                <a:ext uri="{28A0092B-C50C-407E-A947-70E740481C1C}">
+                  <a14:useLocalDpi xmlns:a14="http://schemas.microsoft.com/office/drawing/2010/main" val="0"/>
+                </a:ext>
+              </a:extLst>
+            </a:blip>
+            <a:stretch>
+              <a:fillRect/>
+            </a:stretch>
+          </p:blipFill>
+          <p:spPr>
+            <a:xfrm>
+              <a:off x="12262459" y="135195"/>
+              <a:ext cx="614369" cy="650686"/>
+            </a:xfrm>
+            <a:prstGeom prst="rect">
+              <a:avLst/>
+            </a:prstGeom>
+          </p:spPr>
+        </p:pic>
+        <p:sp>
+          <p:nvSpPr>
+            <p:cNvPr id="98" name="Rectángulo redondeado 97"/>
+            <p:cNvSpPr/>
+            <p:nvPr/>
+          </p:nvSpPr>
+          <p:spPr bwMode="auto">
+            <a:xfrm>
+              <a:off x="11491689" y="7924896"/>
+              <a:ext cx="1584361" cy="1365094"/>
+            </a:xfrm>
+            <a:prstGeom prst="roundRect">
+              <a:avLst/>
+            </a:prstGeom>
+            <a:solidFill>
+              <a:schemeClr val="bg1"/>
+            </a:solidFill>
+            <a:ln w="9525" cap="rnd" cmpd="sng" algn="ctr">
+              <a:solidFill>
+                <a:schemeClr val="bg1">
+                  <a:lumMod val="50000"/>
+                </a:schemeClr>
+              </a:solidFill>
+              <a:prstDash val="sysDot"/>
+              <a:round/>
+              <a:headEnd type="none" w="med" len="med"/>
+              <a:tailEnd type="none" w="med" len="med"/>
+            </a:ln>
+            <a:effectLst/>
+            <a:extLst/>
+          </p:spPr>
+          <p:txBody>
+            <a:bodyPr vert="horz" wrap="none" lIns="45720" tIns="45720" rIns="45720" bIns="45720" numCol="1" rtlCol="0" anchor="ctr" anchorCtr="0" compatLnSpc="1">
+              <a:prstTxWarp prst="textNoShape">
+                <a:avLst/>
+              </a:prstTxWarp>
+            </a:bodyPr>
+            <a:lstStyle/>
+            <a:p>
+              <a:pPr marL="0" marR="0" indent="0" algn="ctr" defTabSz="914400" rtl="0" eaLnBrk="1" fontAlgn="base" latinLnBrk="0" hangingPunct="1">
+                <a:lnSpc>
+                  <a:spcPct val="100000"/>
+                </a:lnSpc>
+                <a:spcBef>
+                  <a:spcPct val="50000"/>
+                </a:spcBef>
+                <a:spcAft>
+                  <a:spcPct val="0"/>
+                </a:spcAft>
+                <a:buClrTx/>
+                <a:buSzTx/>
+                <a:buFontTx/>
+                <a:buNone/>
+                <a:tabLst/>
+              </a:pPr>
+              <a:endParaRPr kumimoji="0" lang="es-ES" sz="2000" b="0" i="0" u="none" strike="noStrike" cap="none" normalizeH="0" baseline="0" dirty="0" smtClean="0">
+                <a:ln>
+                  <a:noFill/>
+                </a:ln>
+                <a:solidFill>
+                  <a:srgbClr val="00B050"/>
+                </a:solidFill>
+                <a:effectLst/>
+                <a:latin typeface="Verdana" pitchFamily="34" charset="0"/>
+              </a:endParaRPr>
+            </a:p>
+          </p:txBody>
+        </p:sp>
+        <p:sp>
+          <p:nvSpPr>
+            <p:cNvPr id="99" name="Rectángulo redondeado 98"/>
+            <p:cNvSpPr/>
+            <p:nvPr/>
+          </p:nvSpPr>
+          <p:spPr>
+            <a:xfrm>
+              <a:off x="11491689" y="5931679"/>
+              <a:ext cx="1382271" cy="922421"/>
+            </a:xfrm>
+            <a:prstGeom prst="roundRect">
+              <a:avLst/>
+            </a:prstGeom>
+            <a:noFill/>
+            <a:ln w="38100">
+              <a:solidFill>
+                <a:srgbClr val="FFC000"/>
+              </a:solidFill>
+            </a:ln>
+          </p:spPr>
+          <p:style>
+            <a:lnRef idx="2">
+              <a:schemeClr val="accent1">
+                <a:shade val="50000"/>
+              </a:schemeClr>
+            </a:lnRef>
+            <a:fillRef idx="1">
+              <a:schemeClr val="accent1"/>
+            </a:fillRef>
+            <a:effectRef idx="0">
+              <a:schemeClr val="accent1"/>
+            </a:effectRef>
+            <a:fontRef idx="minor">
+              <a:schemeClr val="lt1"/>
+            </a:fontRef>
+          </p:style>
+          <p:txBody>
+            <a:bodyPr lIns="0" tIns="0" rIns="0" bIns="0" rtlCol="0" anchor="ctr"/>
+            <a:lstStyle/>
+            <a:p>
+              <a:pPr algn="ctr"/>
+              <a:r>
+                <a:rPr lang="es-ES" sz="1200" dirty="0" smtClean="0">
+                  <a:solidFill>
+                    <a:schemeClr val="tx1">
+                      <a:lumMod val="75000"/>
+                      <a:lumOff val="25000"/>
+                    </a:schemeClr>
+                  </a:solidFill>
+                  <a:latin typeface="Arial Rounded MT Bold" panose="020F0704030504030204" pitchFamily="34" charset="0"/>
+                </a:rPr>
+                <a:t>YUM </a:t>
+              </a:r>
+              <a:r>
+                <a:rPr lang="es-ES" sz="1200" dirty="0" err="1" smtClean="0">
+                  <a:solidFill>
+                    <a:schemeClr val="tx1">
+                      <a:lumMod val="75000"/>
+                      <a:lumOff val="25000"/>
+                    </a:schemeClr>
+                  </a:solidFill>
+                  <a:latin typeface="Arial Rounded MT Bold" panose="020F0704030504030204" pitchFamily="34" charset="0"/>
+                </a:rPr>
+                <a:t>YUM</a:t>
+              </a:r>
+              <a:r>
+                <a:rPr lang="es-ES" sz="1200" dirty="0" smtClean="0">
+                  <a:solidFill>
+                    <a:schemeClr val="tx1">
+                      <a:lumMod val="75000"/>
+                      <a:lumOff val="25000"/>
+                    </a:schemeClr>
+                  </a:solidFill>
+                  <a:latin typeface="Arial Rounded MT Bold" panose="020F0704030504030204" pitchFamily="34" charset="0"/>
+                </a:rPr>
+                <a:t> </a:t>
+              </a:r>
+            </a:p>
+            <a:p>
+              <a:pPr algn="ctr"/>
+              <a:r>
+                <a:rPr lang="es-ES" sz="1200" dirty="0" smtClean="0">
+                  <a:solidFill>
+                    <a:schemeClr val="tx1">
+                      <a:lumMod val="75000"/>
+                      <a:lumOff val="25000"/>
+                    </a:schemeClr>
+                  </a:solidFill>
+                  <a:latin typeface="Arial Rounded MT Bold" panose="020F0704030504030204" pitchFamily="34" charset="0"/>
+                </a:rPr>
+                <a:t>SUGEST</a:t>
+              </a:r>
+              <a:endParaRPr lang="es-ES" sz="1200" dirty="0">
+                <a:solidFill>
+                  <a:schemeClr val="tx1">
+                    <a:lumMod val="75000"/>
+                    <a:lumOff val="25000"/>
+                  </a:schemeClr>
+                </a:solidFill>
+                <a:latin typeface="Arial Rounded MT Bold" panose="020F0704030504030204" pitchFamily="34" charset="0"/>
+              </a:endParaRPr>
+            </a:p>
+          </p:txBody>
+        </p:sp>
+        <p:sp>
+          <p:nvSpPr>
+            <p:cNvPr id="100" name="CuadroTexto 99"/>
+            <p:cNvSpPr txBox="1"/>
+            <p:nvPr/>
+          </p:nvSpPr>
+          <p:spPr>
+            <a:xfrm>
+              <a:off x="11800275" y="8045125"/>
+              <a:ext cx="1275775" cy="307777"/>
+            </a:xfrm>
+            <a:prstGeom prst="rect">
+              <a:avLst/>
+            </a:prstGeom>
+            <a:noFill/>
+          </p:spPr>
+          <p:txBody>
+            <a:bodyPr wrap="square" rtlCol="0">
+              <a:spAutoFit/>
+            </a:bodyPr>
+            <a:lstStyle/>
+            <a:p>
+              <a:r>
+                <a:rPr lang="es-ES" sz="1400" b="1" dirty="0" smtClean="0">
+                  <a:solidFill>
+                    <a:srgbClr val="00B050"/>
+                  </a:solidFill>
+                </a:rPr>
+                <a:t>DATABASE</a:t>
+              </a:r>
+              <a:endParaRPr lang="es-ES" sz="1400" b="1" dirty="0">
+                <a:solidFill>
+                  <a:srgbClr val="00B050"/>
+                </a:solidFill>
+              </a:endParaRPr>
+            </a:p>
+          </p:txBody>
+        </p:sp>
+        <p:sp>
+          <p:nvSpPr>
+            <p:cNvPr id="101" name="Flecha izquierda y derecha 100"/>
+            <p:cNvSpPr/>
+            <p:nvPr/>
+          </p:nvSpPr>
+          <p:spPr>
+            <a:xfrm rot="16200000">
+              <a:off x="11767066" y="7283047"/>
+              <a:ext cx="922357" cy="212903"/>
+            </a:xfrm>
+            <a:prstGeom prst="leftRightArrow">
+              <a:avLst/>
+            </a:prstGeom>
+            <a:solidFill>
+              <a:schemeClr val="accent3">
+                <a:lumMod val="60000"/>
+                <a:lumOff val="40000"/>
+              </a:schemeClr>
+            </a:solidFill>
+            <a:ln>
+              <a:noFill/>
+            </a:ln>
+          </p:spPr>
+          <p:style>
+            <a:lnRef idx="2">
+              <a:schemeClr val="accent1">
+                <a:shade val="50000"/>
+              </a:schemeClr>
+            </a:lnRef>
+            <a:fillRef idx="1">
+              <a:schemeClr val="accent1"/>
+            </a:fillRef>
+            <a:effectRef idx="0">
+              <a:schemeClr val="accent1"/>
+            </a:effectRef>
+            <a:fontRef idx="minor">
+              <a:schemeClr val="lt1"/>
+            </a:fontRef>
+          </p:style>
+          <p:txBody>
+            <a:bodyPr rtlCol="0" anchor="ctr"/>
+            <a:lstStyle/>
+            <a:p>
+              <a:pPr algn="ctr"/>
+              <a:endParaRPr lang="es-ES"/>
+            </a:p>
+          </p:txBody>
+        </p:sp>
+        <p:pic>
+          <p:nvPicPr>
+            <p:cNvPr id="102" name="Imagen 101"/>
+            <p:cNvPicPr>
+              <a:picLocks noChangeAspect="1"/>
+            </p:cNvPicPr>
+            <p:nvPr/>
+          </p:nvPicPr>
+          <p:blipFill>
+            <a:blip r:embed="rId5" cstate="print">
+              <a:duotone>
+                <a:schemeClr val="accent5">
+                  <a:shade val="45000"/>
+                  <a:satMod val="135000"/>
+                </a:schemeClr>
+                <a:prstClr val="white"/>
+              </a:duotone>
+              <a:extLst>
+                <a:ext uri="{28A0092B-C50C-407E-A947-70E740481C1C}">
+                  <a14:useLocalDpi xmlns:a14="http://schemas.microsoft.com/office/drawing/2010/main" val="0"/>
+                </a:ext>
+              </a:extLst>
+            </a:blip>
+            <a:stretch>
+              <a:fillRect/>
+            </a:stretch>
+          </p:blipFill>
+          <p:spPr>
+            <a:xfrm>
+              <a:off x="12398979" y="8473130"/>
+              <a:ext cx="566319" cy="568158"/>
+            </a:xfrm>
+            <a:prstGeom prst="rect">
+              <a:avLst/>
+            </a:prstGeom>
+          </p:spPr>
+        </p:pic>
+        <p:pic>
+          <p:nvPicPr>
+            <p:cNvPr id="104" name="Imagen 103"/>
+            <p:cNvPicPr>
+              <a:picLocks noChangeAspect="1"/>
+            </p:cNvPicPr>
+            <p:nvPr/>
+          </p:nvPicPr>
+          <p:blipFill>
+            <a:blip r:embed="rId6" cstate="print">
+              <a:extLst>
+                <a:ext uri="{28A0092B-C50C-407E-A947-70E740481C1C}">
+                  <a14:useLocalDpi xmlns:a14="http://schemas.microsoft.com/office/drawing/2010/main" val="0"/>
+                </a:ext>
+              </a:extLst>
+            </a:blip>
+            <a:stretch>
+              <a:fillRect/>
+            </a:stretch>
+          </p:blipFill>
+          <p:spPr>
+            <a:xfrm>
+              <a:off x="11664039" y="8473130"/>
+              <a:ext cx="678982" cy="624663"/>
+            </a:xfrm>
+            <a:prstGeom prst="rect">
+              <a:avLst/>
+            </a:prstGeom>
+          </p:spPr>
+        </p:pic>
+        <p:sp>
+          <p:nvSpPr>
+            <p:cNvPr id="106" name="CuadroTexto 105"/>
+            <p:cNvSpPr txBox="1"/>
+            <p:nvPr/>
+          </p:nvSpPr>
+          <p:spPr>
+            <a:xfrm>
+              <a:off x="12162529" y="4855875"/>
+              <a:ext cx="1423018" cy="338554"/>
+            </a:xfrm>
+            <a:prstGeom prst="rect">
+              <a:avLst/>
+            </a:prstGeom>
+            <a:noFill/>
+          </p:spPr>
+          <p:txBody>
+            <a:bodyPr wrap="none" rtlCol="0">
+              <a:spAutoFit/>
+            </a:bodyPr>
+            <a:lstStyle/>
+            <a:p>
+              <a:r>
+                <a:rPr lang="es-ES" sz="1600" b="1" dirty="0" smtClean="0">
+                  <a:solidFill>
+                    <a:schemeClr val="tx1">
+                      <a:lumMod val="50000"/>
+                      <a:lumOff val="50000"/>
+                    </a:schemeClr>
+                  </a:solidFill>
+                  <a:latin typeface="+mj-lt"/>
+                  <a:cs typeface="Aharoni" panose="02010803020104030203" pitchFamily="2" charset="-79"/>
+                </a:rPr>
+                <a:t>( $</a:t>
+              </a:r>
+              <a:r>
+                <a:rPr lang="es-ES" sz="1600" b="1" dirty="0" err="1" smtClean="0">
+                  <a:solidFill>
+                    <a:schemeClr val="tx1">
+                      <a:lumMod val="50000"/>
+                      <a:lumOff val="50000"/>
+                    </a:schemeClr>
+                  </a:solidFill>
+                  <a:latin typeface="+mj-lt"/>
+                  <a:cs typeface="Aharoni" panose="02010803020104030203" pitchFamily="2" charset="-79"/>
+                </a:rPr>
+                <a:t>yum_sugest</a:t>
+              </a:r>
+              <a:r>
+                <a:rPr lang="es-ES" sz="1600" b="1" dirty="0" smtClean="0">
+                  <a:solidFill>
+                    <a:schemeClr val="tx1">
+                      <a:lumMod val="50000"/>
+                      <a:lumOff val="50000"/>
+                    </a:schemeClr>
+                  </a:solidFill>
+                  <a:latin typeface="+mj-lt"/>
+                  <a:cs typeface="Aharoni" panose="02010803020104030203" pitchFamily="2" charset="-79"/>
+                </a:rPr>
+                <a:t>)</a:t>
+              </a:r>
+              <a:endParaRPr lang="es-ES" sz="1600" b="1" dirty="0">
+                <a:solidFill>
+                  <a:schemeClr val="tx1">
+                    <a:lumMod val="50000"/>
+                    <a:lumOff val="50000"/>
+                  </a:schemeClr>
+                </a:solidFill>
+                <a:latin typeface="+mj-lt"/>
+                <a:cs typeface="Aharoni" panose="02010803020104030203" pitchFamily="2" charset="-79"/>
+              </a:endParaRPr>
+            </a:p>
+          </p:txBody>
+        </p:sp>
+        <p:sp>
+          <p:nvSpPr>
+            <p:cNvPr id="107" name="Decisión 106"/>
+            <p:cNvSpPr/>
+            <p:nvPr/>
+          </p:nvSpPr>
+          <p:spPr>
+            <a:xfrm>
+              <a:off x="6822736" y="5684392"/>
+              <a:ext cx="1552885" cy="1439230"/>
+            </a:xfrm>
+            <a:prstGeom prst="flowChartDecision">
+              <a:avLst/>
+            </a:prstGeom>
+            <a:noFill/>
+            <a:ln w="38100">
+              <a:solidFill>
+                <a:srgbClr val="46DACC"/>
+              </a:solidFill>
+              <a:prstDash val="sysDot"/>
+            </a:ln>
+          </p:spPr>
+          <p:style>
+            <a:lnRef idx="2">
+              <a:schemeClr val="accent1">
+                <a:shade val="50000"/>
+              </a:schemeClr>
+            </a:lnRef>
+            <a:fillRef idx="1">
+              <a:schemeClr val="accent1"/>
+            </a:fillRef>
+            <a:effectRef idx="0">
+              <a:schemeClr val="accent1"/>
+            </a:effectRef>
+            <a:fontRef idx="minor">
+              <a:schemeClr val="lt1"/>
+            </a:fontRef>
+          </p:style>
+          <p:txBody>
+            <a:bodyPr lIns="0" tIns="0" rIns="0" bIns="0" rtlCol="0" anchor="ctr"/>
+            <a:lstStyle/>
+            <a:p>
+              <a:pPr algn="ctr"/>
+              <a:r>
+                <a:rPr lang="es-ES" sz="1200" dirty="0" smtClean="0">
+                  <a:solidFill>
+                    <a:schemeClr val="tx1">
+                      <a:lumMod val="75000"/>
+                      <a:lumOff val="25000"/>
+                    </a:schemeClr>
+                  </a:solidFill>
+                  <a:latin typeface="Arial Rounded MT Bold" panose="020F0704030504030204" pitchFamily="34" charset="0"/>
+                </a:rPr>
+                <a:t>COUNTER </a:t>
+              </a:r>
+              <a:r>
+                <a:rPr lang="es-ES" sz="1600" dirty="0" smtClean="0">
+                  <a:solidFill>
+                    <a:schemeClr val="tx1">
+                      <a:lumMod val="75000"/>
+                      <a:lumOff val="25000"/>
+                    </a:schemeClr>
+                  </a:solidFill>
+                  <a:latin typeface="Arial Rounded MT Bold" panose="020F0704030504030204" pitchFamily="34" charset="0"/>
+                </a:rPr>
+                <a:t>&lt; = </a:t>
+              </a:r>
+              <a:r>
+                <a:rPr lang="es-ES" sz="1400" dirty="0" smtClean="0">
+                  <a:solidFill>
+                    <a:schemeClr val="tx1">
+                      <a:lumMod val="75000"/>
+                      <a:lumOff val="25000"/>
+                    </a:schemeClr>
+                  </a:solidFill>
+                  <a:latin typeface="Arial Rounded MT Bold" panose="020F0704030504030204" pitchFamily="34" charset="0"/>
+                </a:rPr>
+                <a:t>3</a:t>
+              </a:r>
+              <a:endParaRPr lang="es-ES" dirty="0" smtClean="0">
+                <a:solidFill>
+                  <a:schemeClr val="tx1">
+                    <a:lumMod val="75000"/>
+                    <a:lumOff val="25000"/>
+                  </a:schemeClr>
+                </a:solidFill>
+                <a:latin typeface="Arial Rounded MT Bold" panose="020F0704030504030204" pitchFamily="34" charset="0"/>
+              </a:endParaRPr>
+            </a:p>
+          </p:txBody>
+        </p:sp>
+        <p:cxnSp>
+          <p:nvCxnSpPr>
+            <p:cNvPr id="109" name="Conector recto de flecha 108"/>
+            <p:cNvCxnSpPr>
+              <a:stCxn id="107" idx="3"/>
+              <a:endCxn id="99" idx="1"/>
+            </p:cNvCxnSpPr>
+            <p:nvPr/>
+          </p:nvCxnSpPr>
+          <p:spPr>
+            <a:xfrm flipV="1">
+              <a:off x="8375621" y="6392890"/>
+              <a:ext cx="3116068" cy="11117"/>
+            </a:xfrm>
+            <a:prstGeom prst="straightConnector1">
+              <a:avLst/>
+            </a:prstGeom>
+            <a:ln w="28575">
+              <a:solidFill>
+                <a:srgbClr val="7240F0"/>
+              </a:solidFill>
+              <a:tailEnd type="triangle" w="lg" len="lg"/>
+            </a:ln>
+          </p:spPr>
+          <p:style>
+            <a:lnRef idx="1">
+              <a:schemeClr val="accent1"/>
+            </a:lnRef>
+            <a:fillRef idx="0">
+              <a:schemeClr val="accent1"/>
+            </a:fillRef>
+            <a:effectRef idx="0">
+              <a:schemeClr val="accent1"/>
+            </a:effectRef>
+            <a:fontRef idx="minor">
+              <a:schemeClr val="tx1"/>
+            </a:fontRef>
+          </p:style>
+        </p:cxnSp>
+        <p:cxnSp>
+          <p:nvCxnSpPr>
+            <p:cNvPr id="148" name="Conector recto de flecha 147"/>
+            <p:cNvCxnSpPr/>
+            <p:nvPr/>
+          </p:nvCxnSpPr>
+          <p:spPr>
+            <a:xfrm flipH="1" flipV="1">
+              <a:off x="12121793" y="3792237"/>
+              <a:ext cx="45421" cy="2160000"/>
+            </a:xfrm>
+            <a:prstGeom prst="straightConnector1">
+              <a:avLst/>
+            </a:prstGeom>
+            <a:ln w="28575">
+              <a:solidFill>
+                <a:srgbClr val="7240F0"/>
+              </a:solidFill>
+              <a:tailEnd type="triangle" w="lg" len="lg"/>
+            </a:ln>
+          </p:spPr>
+          <p:style>
+            <a:lnRef idx="1">
+              <a:schemeClr val="accent1"/>
+            </a:lnRef>
+            <a:fillRef idx="0">
+              <a:schemeClr val="accent1"/>
+            </a:fillRef>
+            <a:effectRef idx="0">
+              <a:schemeClr val="accent1"/>
+            </a:effectRef>
+            <a:fontRef idx="minor">
+              <a:schemeClr val="tx1"/>
+            </a:fontRef>
+          </p:style>
+        </p:cxnSp>
+        <p:sp>
+          <p:nvSpPr>
+            <p:cNvPr id="170" name="CuadroTexto 169"/>
+            <p:cNvSpPr txBox="1"/>
+            <p:nvPr/>
+          </p:nvSpPr>
+          <p:spPr>
+            <a:xfrm>
+              <a:off x="6964089" y="4867528"/>
+              <a:ext cx="475643" cy="369332"/>
+            </a:xfrm>
+            <a:prstGeom prst="rect">
+              <a:avLst/>
+            </a:prstGeom>
+            <a:noFill/>
+          </p:spPr>
+          <p:txBody>
+            <a:bodyPr wrap="none" rtlCol="0">
+              <a:spAutoFit/>
+            </a:bodyPr>
+            <a:lstStyle/>
+            <a:p>
+              <a:r>
+                <a:rPr lang="es-ES" b="1" dirty="0" smtClean="0">
+                  <a:solidFill>
+                    <a:srgbClr val="FF3300"/>
+                  </a:solidFill>
+                  <a:latin typeface="+mj-lt"/>
+                  <a:cs typeface="Aharoni" panose="02010803020104030203" pitchFamily="2" charset="-79"/>
+                </a:rPr>
+                <a:t>Yes</a:t>
+              </a:r>
+              <a:endParaRPr lang="es-ES" b="1" dirty="0">
+                <a:solidFill>
+                  <a:srgbClr val="FF3300"/>
+                </a:solidFill>
+                <a:latin typeface="+mj-lt"/>
+                <a:cs typeface="Aharoni" panose="02010803020104030203" pitchFamily="2" charset="-79"/>
+              </a:endParaRPr>
+            </a:p>
+          </p:txBody>
+        </p:sp>
+        <p:sp>
+          <p:nvSpPr>
+            <p:cNvPr id="171" name="CuadroTexto 170"/>
+            <p:cNvSpPr txBox="1"/>
+            <p:nvPr/>
+          </p:nvSpPr>
+          <p:spPr>
+            <a:xfrm>
+              <a:off x="8440813" y="6020014"/>
+              <a:ext cx="447558" cy="369332"/>
+            </a:xfrm>
+            <a:prstGeom prst="rect">
+              <a:avLst/>
+            </a:prstGeom>
+            <a:noFill/>
+          </p:spPr>
+          <p:txBody>
+            <a:bodyPr wrap="none" rtlCol="0">
+              <a:spAutoFit/>
+            </a:bodyPr>
+            <a:lstStyle/>
+            <a:p>
+              <a:r>
+                <a:rPr lang="es-ES" b="1" dirty="0" smtClean="0">
+                  <a:solidFill>
+                    <a:srgbClr val="FF3300"/>
+                  </a:solidFill>
+                  <a:latin typeface="+mj-lt"/>
+                  <a:cs typeface="Aharoni" panose="02010803020104030203" pitchFamily="2" charset="-79"/>
+                </a:rPr>
+                <a:t>No</a:t>
+              </a:r>
+              <a:endParaRPr lang="es-ES" b="1" dirty="0">
+                <a:solidFill>
+                  <a:srgbClr val="FF3300"/>
+                </a:solidFill>
+                <a:latin typeface="+mj-lt"/>
+                <a:cs typeface="Aharoni" panose="02010803020104030203" pitchFamily="2" charset="-79"/>
+              </a:endParaRPr>
+            </a:p>
+          </p:txBody>
+        </p:sp>
+      </p:grpSp>
+    </p:spTree>
+    <p:extLst>
+      <p:ext uri="{BB962C8B-B14F-4D97-AF65-F5344CB8AC3E}">
+        <p14:creationId xmlns:p14="http://schemas.microsoft.com/office/powerpoint/2010/main" val="2619962687"/>
+      </p:ext>
+    </p:extLst>
+  </p:cSld>
+  <p:clrMapOvr>
+    <a:masterClrMapping/>
+  </p:clrMapOvr>
+</p:sld>
+</file>
+
+<file path=ppt/slides/slide18.xml><?xml version="1.0" encoding="utf-8"?>
+<p:sld xmlns:a="http://schemas.openxmlformats.org/drawingml/2006/main" xmlns:r="http://schemas.openxmlformats.org/officeDocument/2006/relationships" xmlns:p="http://schemas.openxmlformats.org/presentationml/2006/main">
+  <p:cSld>
+    <p:spTree>
+      <p:nvGrpSpPr>
+        <p:cNvPr id="1" name=""/>
+        <p:cNvGrpSpPr/>
+        <p:nvPr/>
+      </p:nvGrpSpPr>
+      <p:grpSpPr>
+        <a:xfrm>
+          <a:off x="0" y="0"/>
+          <a:ext cx="0" cy="0"/>
+          <a:chOff x="0" y="0"/>
+          <a:chExt cx="0" cy="0"/>
+        </a:xfrm>
+      </p:grpSpPr>
+      <p:grpSp>
+        <p:nvGrpSpPr>
+          <p:cNvPr id="179" name="Grupo 178"/>
+          <p:cNvGrpSpPr/>
+          <p:nvPr/>
+        </p:nvGrpSpPr>
+        <p:grpSpPr>
+          <a:xfrm>
+            <a:off x="-1365223" y="-2181726"/>
+            <a:ext cx="16989718" cy="11576336"/>
+            <a:chOff x="-1238250" y="-2133600"/>
+            <a:chExt cx="16989718" cy="11576336"/>
+          </a:xfrm>
+        </p:grpSpPr>
+        <p:sp>
+          <p:nvSpPr>
+            <p:cNvPr id="135" name="Rectángulo 134"/>
+            <p:cNvSpPr/>
+            <p:nvPr/>
+          </p:nvSpPr>
+          <p:spPr>
+            <a:xfrm>
+              <a:off x="-1238250" y="-2133600"/>
+              <a:ext cx="16989718" cy="11576336"/>
+            </a:xfrm>
+            <a:prstGeom prst="rect">
+              <a:avLst/>
+            </a:prstGeom>
+            <a:solidFill>
+              <a:schemeClr val="bg1"/>
+            </a:solidFill>
+            <a:ln>
+              <a:noFill/>
+            </a:ln>
+          </p:spPr>
+          <p:style>
+            <a:lnRef idx="2">
+              <a:schemeClr val="accent1">
+                <a:shade val="50000"/>
+              </a:schemeClr>
+            </a:lnRef>
+            <a:fillRef idx="1">
+              <a:schemeClr val="accent1"/>
+            </a:fillRef>
+            <a:effectRef idx="0">
+              <a:schemeClr val="accent1"/>
+            </a:effectRef>
+            <a:fontRef idx="minor">
+              <a:schemeClr val="lt1"/>
+            </a:fontRef>
+          </p:style>
+          <p:txBody>
+            <a:bodyPr rtlCol="0" anchor="ctr"/>
+            <a:lstStyle/>
+            <a:p>
+              <a:pPr algn="ctr"/>
+              <a:endParaRPr lang="es-ES"/>
+            </a:p>
+          </p:txBody>
+        </p:sp>
+        <p:sp>
+          <p:nvSpPr>
+            <p:cNvPr id="51" name="Nube 50"/>
+            <p:cNvSpPr/>
+            <p:nvPr/>
+          </p:nvSpPr>
+          <p:spPr>
+            <a:xfrm>
+              <a:off x="10868825" y="-1859517"/>
+              <a:ext cx="2628000" cy="1692000"/>
+            </a:xfrm>
+            <a:prstGeom prst="cloud">
+              <a:avLst/>
+            </a:prstGeom>
+            <a:solidFill>
+              <a:schemeClr val="bg1"/>
+            </a:solidFill>
+            <a:ln w="28575">
+              <a:solidFill>
+                <a:schemeClr val="bg2">
+                  <a:lumMod val="75000"/>
+                </a:schemeClr>
+              </a:solidFill>
+            </a:ln>
+          </p:spPr>
+          <p:style>
+            <a:lnRef idx="2">
+              <a:schemeClr val="accent1">
+                <a:shade val="50000"/>
+              </a:schemeClr>
+            </a:lnRef>
+            <a:fillRef idx="1">
+              <a:schemeClr val="accent1"/>
+            </a:fillRef>
+            <a:effectRef idx="0">
+              <a:schemeClr val="accent1"/>
+            </a:effectRef>
+            <a:fontRef idx="minor">
+              <a:schemeClr val="lt1"/>
+            </a:fontRef>
+          </p:style>
+          <p:txBody>
+            <a:bodyPr rtlCol="0" anchor="ctr"/>
+            <a:lstStyle/>
+            <a:p>
+              <a:pPr algn="ctr"/>
+              <a:endParaRPr lang="es-ES"/>
+            </a:p>
+          </p:txBody>
+        </p:sp>
+        <p:sp>
+          <p:nvSpPr>
+            <p:cNvPr id="67" name="Nube 66"/>
+            <p:cNvSpPr/>
+            <p:nvPr/>
+          </p:nvSpPr>
+          <p:spPr>
+            <a:xfrm>
+              <a:off x="7821053" y="-1814439"/>
+              <a:ext cx="2628000" cy="1692000"/>
+            </a:xfrm>
+            <a:prstGeom prst="cloud">
+              <a:avLst/>
+            </a:prstGeom>
+            <a:solidFill>
+              <a:schemeClr val="bg1"/>
+            </a:solidFill>
+            <a:ln w="28575">
+              <a:solidFill>
+                <a:schemeClr val="bg2">
+                  <a:lumMod val="75000"/>
+                </a:schemeClr>
+              </a:solidFill>
+            </a:ln>
+          </p:spPr>
+          <p:style>
+            <a:lnRef idx="2">
+              <a:schemeClr val="accent1">
+                <a:shade val="50000"/>
+              </a:schemeClr>
+            </a:lnRef>
+            <a:fillRef idx="1">
+              <a:schemeClr val="accent1"/>
+            </a:fillRef>
+            <a:effectRef idx="0">
+              <a:schemeClr val="accent1"/>
+            </a:effectRef>
+            <a:fontRef idx="minor">
+              <a:schemeClr val="lt1"/>
+            </a:fontRef>
+          </p:style>
+          <p:txBody>
+            <a:bodyPr rtlCol="0" anchor="ctr"/>
+            <a:lstStyle/>
+            <a:p>
+              <a:pPr algn="ctr"/>
+              <a:endParaRPr lang="es-ES"/>
+            </a:p>
+          </p:txBody>
+        </p:sp>
+        <p:sp>
+          <p:nvSpPr>
+            <p:cNvPr id="4" name="Rectángulo redondeado 3"/>
+            <p:cNvSpPr/>
+            <p:nvPr/>
+          </p:nvSpPr>
+          <p:spPr>
+            <a:xfrm>
+              <a:off x="8635857" y="1058111"/>
+              <a:ext cx="1275009" cy="936000"/>
+            </a:xfrm>
+            <a:prstGeom prst="roundRect">
+              <a:avLst/>
+            </a:prstGeom>
+            <a:noFill/>
+            <a:ln w="38100">
+              <a:solidFill>
+                <a:srgbClr val="FFC000"/>
+              </a:solidFill>
+            </a:ln>
+          </p:spPr>
+          <p:style>
+            <a:lnRef idx="2">
+              <a:schemeClr val="accent1">
+                <a:shade val="50000"/>
+              </a:schemeClr>
+            </a:lnRef>
+            <a:fillRef idx="1">
+              <a:schemeClr val="accent1"/>
+            </a:fillRef>
+            <a:effectRef idx="0">
+              <a:schemeClr val="accent1"/>
+            </a:effectRef>
+            <a:fontRef idx="minor">
+              <a:schemeClr val="lt1"/>
+            </a:fontRef>
+          </p:style>
+          <p:txBody>
+            <a:bodyPr lIns="0" tIns="0" rIns="0" bIns="0" rtlCol="0" anchor="ctr"/>
+            <a:lstStyle/>
+            <a:p>
+              <a:pPr algn="ctr"/>
+              <a:r>
+                <a:rPr lang="es-ES" sz="1200" dirty="0" smtClean="0">
+                  <a:solidFill>
+                    <a:schemeClr val="tx1">
+                      <a:lumMod val="75000"/>
+                      <a:lumOff val="25000"/>
+                    </a:schemeClr>
+                  </a:solidFill>
+                  <a:latin typeface="Arial Rounded MT Bold" panose="020F0704030504030204" pitchFamily="34" charset="0"/>
+                </a:rPr>
+                <a:t>IMAGE</a:t>
+              </a:r>
+            </a:p>
+            <a:p>
+              <a:pPr algn="ctr"/>
+              <a:r>
+                <a:rPr lang="es-ES" sz="1200" dirty="0" smtClean="0">
+                  <a:solidFill>
+                    <a:schemeClr val="tx1">
+                      <a:lumMod val="75000"/>
+                      <a:lumOff val="25000"/>
+                    </a:schemeClr>
+                  </a:solidFill>
+                  <a:latin typeface="Arial Rounded MT Bold" panose="020F0704030504030204" pitchFamily="34" charset="0"/>
+                </a:rPr>
+                <a:t>RECOGNITION</a:t>
+              </a:r>
+              <a:endParaRPr lang="es-ES" sz="1200" dirty="0">
+                <a:solidFill>
+                  <a:schemeClr val="tx1">
+                    <a:lumMod val="75000"/>
+                    <a:lumOff val="25000"/>
+                  </a:schemeClr>
+                </a:solidFill>
+                <a:latin typeface="Arial Rounded MT Bold" panose="020F0704030504030204" pitchFamily="34" charset="0"/>
+              </a:endParaRPr>
+            </a:p>
+          </p:txBody>
+        </p:sp>
+        <p:sp>
+          <p:nvSpPr>
+            <p:cNvPr id="5" name="Decisión 4"/>
+            <p:cNvSpPr/>
+            <p:nvPr/>
+          </p:nvSpPr>
+          <p:spPr>
+            <a:xfrm>
+              <a:off x="1071276" y="743376"/>
+              <a:ext cx="2205200" cy="1581874"/>
+            </a:xfrm>
+            <a:prstGeom prst="flowChartDecision">
+              <a:avLst/>
+            </a:prstGeom>
+            <a:noFill/>
+            <a:ln w="38100">
+              <a:solidFill>
+                <a:srgbClr val="46DACC"/>
+              </a:solidFill>
+              <a:prstDash val="sysDot"/>
+            </a:ln>
+          </p:spPr>
+          <p:style>
+            <a:lnRef idx="2">
+              <a:schemeClr val="accent1">
+                <a:shade val="50000"/>
+              </a:schemeClr>
+            </a:lnRef>
+            <a:fillRef idx="1">
+              <a:schemeClr val="accent1"/>
+            </a:fillRef>
+            <a:effectRef idx="0">
+              <a:schemeClr val="accent1"/>
+            </a:effectRef>
+            <a:fontRef idx="minor">
+              <a:schemeClr val="lt1"/>
+            </a:fontRef>
+          </p:style>
+          <p:txBody>
+            <a:bodyPr lIns="0" tIns="0" rIns="0" bIns="0" rtlCol="0" anchor="ctr"/>
+            <a:lstStyle/>
+            <a:p>
+              <a:pPr algn="ctr"/>
+              <a:r>
+                <a:rPr lang="es-ES" sz="1200" dirty="0" smtClean="0">
+                  <a:solidFill>
+                    <a:schemeClr val="tx1">
+                      <a:lumMod val="65000"/>
+                      <a:lumOff val="35000"/>
+                    </a:schemeClr>
+                  </a:solidFill>
+                  <a:latin typeface="Arial Rounded MT Bold" panose="020F0704030504030204" pitchFamily="34" charset="0"/>
+                </a:rPr>
+                <a:t>CHECK</a:t>
+              </a:r>
+            </a:p>
+            <a:p>
+              <a:pPr algn="ctr"/>
+              <a:r>
+                <a:rPr lang="es-ES" sz="1200" dirty="0" smtClean="0">
+                  <a:solidFill>
+                    <a:schemeClr val="tx1">
+                      <a:lumMod val="65000"/>
+                      <a:lumOff val="35000"/>
+                    </a:schemeClr>
+                  </a:solidFill>
+                  <a:latin typeface="Arial Rounded MT Bold" panose="020F0704030504030204" pitchFamily="34" charset="0"/>
+                </a:rPr>
+                <a:t>#GET_RECIPE</a:t>
+              </a:r>
+              <a:endParaRPr lang="es-ES" sz="1200" dirty="0">
+                <a:solidFill>
+                  <a:schemeClr val="tx1">
+                    <a:lumMod val="65000"/>
+                    <a:lumOff val="35000"/>
+                  </a:schemeClr>
+                </a:solidFill>
+                <a:latin typeface="Arial Rounded MT Bold" panose="020F0704030504030204" pitchFamily="34" charset="0"/>
+              </a:endParaRPr>
+            </a:p>
+          </p:txBody>
+        </p:sp>
+        <p:sp>
+          <p:nvSpPr>
+            <p:cNvPr id="6" name="Decisión 5"/>
+            <p:cNvSpPr/>
+            <p:nvPr/>
+          </p:nvSpPr>
+          <p:spPr>
+            <a:xfrm>
+              <a:off x="4456557" y="3126730"/>
+              <a:ext cx="1339404" cy="1378041"/>
+            </a:xfrm>
+            <a:prstGeom prst="flowChartDecision">
+              <a:avLst/>
+            </a:prstGeom>
+            <a:noFill/>
+            <a:ln w="38100">
+              <a:solidFill>
+                <a:srgbClr val="46DACC"/>
+              </a:solidFill>
+              <a:prstDash val="sysDot"/>
+            </a:ln>
+          </p:spPr>
+          <p:style>
+            <a:lnRef idx="2">
+              <a:schemeClr val="accent1">
+                <a:shade val="50000"/>
+              </a:schemeClr>
+            </a:lnRef>
+            <a:fillRef idx="1">
+              <a:schemeClr val="accent1"/>
+            </a:fillRef>
+            <a:effectRef idx="0">
+              <a:schemeClr val="accent1"/>
+            </a:effectRef>
+            <a:fontRef idx="minor">
+              <a:schemeClr val="lt1"/>
+            </a:fontRef>
+          </p:style>
+          <p:txBody>
+            <a:bodyPr lIns="0" tIns="0" rIns="0" bIns="0" rtlCol="0" anchor="ctr"/>
+            <a:lstStyle/>
+            <a:p>
+              <a:pPr algn="ctr"/>
+              <a:r>
+                <a:rPr lang="es-ES" sz="1200" dirty="0" smtClean="0">
+                  <a:solidFill>
+                    <a:schemeClr val="tx1">
+                      <a:lumMod val="75000"/>
+                      <a:lumOff val="25000"/>
+                    </a:schemeClr>
+                  </a:solidFill>
+                  <a:latin typeface="Arial Rounded MT Bold" panose="020F0704030504030204" pitchFamily="34" charset="0"/>
+                </a:rPr>
+                <a:t>CHECK</a:t>
+              </a:r>
+            </a:p>
+            <a:p>
+              <a:pPr algn="ctr"/>
+              <a:r>
+                <a:rPr lang="es-ES" sz="1200" dirty="0" smtClean="0">
+                  <a:solidFill>
+                    <a:schemeClr val="tx1">
+                      <a:lumMod val="75000"/>
+                      <a:lumOff val="25000"/>
+                    </a:schemeClr>
+                  </a:solidFill>
+                  <a:latin typeface="Arial Rounded MT Bold" panose="020F0704030504030204" pitchFamily="34" charset="0"/>
+                </a:rPr>
+                <a:t>@DISH</a:t>
+              </a:r>
+            </a:p>
+          </p:txBody>
+        </p:sp>
+        <p:sp>
+          <p:nvSpPr>
+            <p:cNvPr id="7" name="Rectángulo redondeado 6"/>
+            <p:cNvSpPr/>
+            <p:nvPr/>
+          </p:nvSpPr>
+          <p:spPr>
+            <a:xfrm>
+              <a:off x="11360215" y="1050122"/>
+              <a:ext cx="1456523" cy="936000"/>
+            </a:xfrm>
+            <a:prstGeom prst="roundRect">
+              <a:avLst/>
+            </a:prstGeom>
+            <a:noFill/>
+            <a:ln w="38100">
+              <a:solidFill>
+                <a:srgbClr val="FFC000"/>
+              </a:solidFill>
+            </a:ln>
+          </p:spPr>
+          <p:style>
+            <a:lnRef idx="2">
+              <a:schemeClr val="accent1">
+                <a:shade val="50000"/>
+              </a:schemeClr>
+            </a:lnRef>
+            <a:fillRef idx="1">
+              <a:schemeClr val="accent1"/>
+            </a:fillRef>
+            <a:effectRef idx="0">
+              <a:schemeClr val="accent1"/>
+            </a:effectRef>
+            <a:fontRef idx="minor">
+              <a:schemeClr val="lt1"/>
+            </a:fontRef>
+          </p:style>
+          <p:txBody>
+            <a:bodyPr lIns="0" tIns="0" rIns="0" bIns="0" rtlCol="0" anchor="ctr"/>
+            <a:lstStyle/>
+            <a:p>
+              <a:pPr algn="ctr"/>
+              <a:r>
+                <a:rPr lang="es-ES" sz="1200" dirty="0" smtClean="0">
+                  <a:solidFill>
+                    <a:schemeClr val="tx1">
+                      <a:lumMod val="75000"/>
+                      <a:lumOff val="25000"/>
+                    </a:schemeClr>
+                  </a:solidFill>
+                  <a:latin typeface="Arial Rounded MT Bold" panose="020F0704030504030204" pitchFamily="34" charset="0"/>
+                </a:rPr>
+                <a:t>SEARCH</a:t>
+              </a:r>
+            </a:p>
+            <a:p>
+              <a:pPr algn="ctr"/>
+              <a:r>
+                <a:rPr lang="es-ES" sz="1200" dirty="0" smtClean="0">
+                  <a:solidFill>
+                    <a:schemeClr val="tx1">
+                      <a:lumMod val="75000"/>
+                      <a:lumOff val="25000"/>
+                    </a:schemeClr>
+                  </a:solidFill>
+                  <a:latin typeface="Arial Rounded MT Bold" panose="020F0704030504030204" pitchFamily="34" charset="0"/>
+                </a:rPr>
+                <a:t>RECIPE</a:t>
+              </a:r>
+              <a:endParaRPr lang="es-ES" sz="1200" dirty="0">
+                <a:solidFill>
+                  <a:schemeClr val="tx1">
+                    <a:lumMod val="75000"/>
+                    <a:lumOff val="25000"/>
+                  </a:schemeClr>
+                </a:solidFill>
+                <a:latin typeface="Arial Rounded MT Bold" panose="020F0704030504030204" pitchFamily="34" charset="0"/>
+              </a:endParaRPr>
+            </a:p>
+          </p:txBody>
+        </p:sp>
+        <p:sp>
+          <p:nvSpPr>
+            <p:cNvPr id="8" name="Elipse 7"/>
+            <p:cNvSpPr/>
+            <p:nvPr/>
+          </p:nvSpPr>
+          <p:spPr>
+            <a:xfrm>
+              <a:off x="14139156" y="977158"/>
+              <a:ext cx="1275009" cy="1016285"/>
+            </a:xfrm>
+            <a:prstGeom prst="ellipse">
+              <a:avLst/>
+            </a:prstGeom>
+            <a:noFill/>
+            <a:ln w="76200">
+              <a:solidFill>
+                <a:srgbClr val="46DACC"/>
+              </a:solidFill>
+            </a:ln>
+          </p:spPr>
+          <p:style>
+            <a:lnRef idx="2">
+              <a:schemeClr val="accent1">
+                <a:shade val="50000"/>
+              </a:schemeClr>
+            </a:lnRef>
+            <a:fillRef idx="1">
+              <a:schemeClr val="accent1"/>
+            </a:fillRef>
+            <a:effectRef idx="0">
+              <a:schemeClr val="accent1"/>
+            </a:effectRef>
+            <a:fontRef idx="minor">
+              <a:schemeClr val="lt1"/>
+            </a:fontRef>
+          </p:style>
+          <p:txBody>
+            <a:bodyPr lIns="0" tIns="0" rIns="0" bIns="0" rtlCol="0" anchor="ctr"/>
+            <a:lstStyle/>
+            <a:p>
+              <a:pPr algn="ctr"/>
+              <a:r>
+                <a:rPr lang="es-ES" sz="1200" dirty="0" smtClean="0">
+                  <a:solidFill>
+                    <a:schemeClr val="tx1">
+                      <a:lumMod val="75000"/>
+                      <a:lumOff val="25000"/>
+                    </a:schemeClr>
+                  </a:solidFill>
+                  <a:latin typeface="Arial Rounded MT Bold" panose="020F0704030504030204" pitchFamily="34" charset="0"/>
+                </a:rPr>
+                <a:t>RESPONSE</a:t>
+              </a:r>
+              <a:endParaRPr lang="es-ES" sz="1200" dirty="0">
+                <a:solidFill>
+                  <a:schemeClr val="tx1">
+                    <a:lumMod val="75000"/>
+                    <a:lumOff val="25000"/>
+                  </a:schemeClr>
+                </a:solidFill>
+                <a:latin typeface="Arial Rounded MT Bold" panose="020F0704030504030204" pitchFamily="34" charset="0"/>
+              </a:endParaRPr>
+            </a:p>
+          </p:txBody>
+        </p:sp>
+        <p:sp>
+          <p:nvSpPr>
+            <p:cNvPr id="9" name="Decisión 8"/>
+            <p:cNvSpPr/>
+            <p:nvPr/>
+          </p:nvSpPr>
+          <p:spPr>
+            <a:xfrm>
+              <a:off x="4456557" y="855771"/>
+              <a:ext cx="1339404" cy="1378041"/>
+            </a:xfrm>
+            <a:prstGeom prst="flowChartDecision">
+              <a:avLst/>
+            </a:prstGeom>
+            <a:noFill/>
+            <a:ln w="38100">
+              <a:solidFill>
+                <a:srgbClr val="46DACC"/>
+              </a:solidFill>
+              <a:prstDash val="sysDot"/>
+            </a:ln>
+          </p:spPr>
+          <p:style>
+            <a:lnRef idx="2">
+              <a:schemeClr val="accent1">
+                <a:shade val="50000"/>
+              </a:schemeClr>
+            </a:lnRef>
+            <a:fillRef idx="1">
+              <a:schemeClr val="accent1"/>
+            </a:fillRef>
+            <a:effectRef idx="0">
+              <a:schemeClr val="accent1"/>
+            </a:effectRef>
+            <a:fontRef idx="minor">
+              <a:schemeClr val="lt1"/>
+            </a:fontRef>
+          </p:style>
+          <p:txBody>
+            <a:bodyPr lIns="0" tIns="0" rIns="0" bIns="0" rtlCol="0" anchor="ctr"/>
+            <a:lstStyle/>
+            <a:p>
+              <a:pPr algn="ctr"/>
+              <a:r>
+                <a:rPr lang="es-ES" sz="1200" dirty="0" smtClean="0">
+                  <a:solidFill>
+                    <a:schemeClr val="tx1">
+                      <a:lumMod val="75000"/>
+                      <a:lumOff val="25000"/>
+                    </a:schemeClr>
+                  </a:solidFill>
+                  <a:latin typeface="Arial Rounded MT Bold" panose="020F0704030504030204" pitchFamily="34" charset="0"/>
+                </a:rPr>
+                <a:t>CHECK</a:t>
+              </a:r>
+            </a:p>
+            <a:p>
+              <a:pPr algn="ctr"/>
+              <a:r>
+                <a:rPr lang="es-ES" sz="1200" dirty="0" smtClean="0">
+                  <a:solidFill>
+                    <a:schemeClr val="tx1">
+                      <a:lumMod val="75000"/>
+                      <a:lumOff val="25000"/>
+                    </a:schemeClr>
+                  </a:solidFill>
+                  <a:latin typeface="Arial Rounded MT Bold" panose="020F0704030504030204" pitchFamily="34" charset="0"/>
+                </a:rPr>
+                <a:t>$IMAGE</a:t>
+              </a:r>
+            </a:p>
+            <a:p>
+              <a:pPr algn="ctr"/>
+              <a:r>
+                <a:rPr lang="es-ES" sz="1200" dirty="0" smtClean="0">
+                  <a:solidFill>
+                    <a:schemeClr val="tx1">
+                      <a:lumMod val="75000"/>
+                      <a:lumOff val="25000"/>
+                    </a:schemeClr>
+                  </a:solidFill>
+                  <a:latin typeface="Arial Rounded MT Bold" panose="020F0704030504030204" pitchFamily="34" charset="0"/>
+                </a:rPr>
+                <a:t>FILE</a:t>
+              </a:r>
+              <a:endParaRPr lang="es-ES" sz="1200" dirty="0">
+                <a:solidFill>
+                  <a:schemeClr val="tx1">
+                    <a:lumMod val="75000"/>
+                    <a:lumOff val="25000"/>
+                  </a:schemeClr>
+                </a:solidFill>
+                <a:latin typeface="Arial Rounded MT Bold" panose="020F0704030504030204" pitchFamily="34" charset="0"/>
+              </a:endParaRPr>
+            </a:p>
+          </p:txBody>
+        </p:sp>
+        <p:sp>
+          <p:nvSpPr>
+            <p:cNvPr id="10" name="Rectángulo redondeado 9"/>
+            <p:cNvSpPr/>
+            <p:nvPr/>
+          </p:nvSpPr>
+          <p:spPr>
+            <a:xfrm>
+              <a:off x="4425616" y="5924592"/>
+              <a:ext cx="1386626" cy="929508"/>
+            </a:xfrm>
+            <a:prstGeom prst="roundRect">
+              <a:avLst/>
+            </a:prstGeom>
+            <a:noFill/>
+            <a:ln w="38100">
+              <a:solidFill>
+                <a:srgbClr val="46DACC"/>
+              </a:solidFill>
+            </a:ln>
+          </p:spPr>
+          <p:style>
+            <a:lnRef idx="2">
+              <a:schemeClr val="accent1">
+                <a:shade val="50000"/>
+              </a:schemeClr>
+            </a:lnRef>
+            <a:fillRef idx="1">
+              <a:schemeClr val="accent1"/>
+            </a:fillRef>
+            <a:effectRef idx="0">
+              <a:schemeClr val="accent1"/>
+            </a:effectRef>
+            <a:fontRef idx="minor">
+              <a:schemeClr val="lt1"/>
+            </a:fontRef>
+          </p:style>
+          <p:txBody>
+            <a:bodyPr lIns="0" tIns="0" rIns="0" bIns="0" rtlCol="0" anchor="ctr"/>
+            <a:lstStyle/>
+            <a:p>
+              <a:pPr algn="ctr"/>
+              <a:r>
+                <a:rPr lang="es-ES" sz="1200" dirty="0" smtClean="0">
+                  <a:solidFill>
+                    <a:schemeClr val="tx1">
+                      <a:lumMod val="75000"/>
+                      <a:lumOff val="25000"/>
+                    </a:schemeClr>
+                  </a:solidFill>
+                  <a:latin typeface="Arial Rounded MT Bold" panose="020F0704030504030204" pitchFamily="34" charset="0"/>
+                </a:rPr>
+                <a:t>ASK FOR </a:t>
+              </a:r>
+            </a:p>
+            <a:p>
+              <a:pPr algn="ctr"/>
+              <a:r>
+                <a:rPr lang="es-ES" sz="1200" dirty="0" smtClean="0">
+                  <a:solidFill>
+                    <a:schemeClr val="tx1">
+                      <a:lumMod val="75000"/>
+                      <a:lumOff val="25000"/>
+                    </a:schemeClr>
+                  </a:solidFill>
+                  <a:latin typeface="Arial Rounded MT Bold" panose="020F0704030504030204" pitchFamily="34" charset="0"/>
+                </a:rPr>
+                <a:t>@DISH </a:t>
+              </a:r>
+            </a:p>
+            <a:p>
+              <a:pPr algn="ctr"/>
+              <a:r>
+                <a:rPr lang="es-ES" sz="1200" dirty="0" smtClean="0">
+                  <a:solidFill>
+                    <a:schemeClr val="tx1">
+                      <a:lumMod val="75000"/>
+                      <a:lumOff val="25000"/>
+                    </a:schemeClr>
+                  </a:solidFill>
+                  <a:latin typeface="Arial Rounded MT Bold" panose="020F0704030504030204" pitchFamily="34" charset="0"/>
+                </a:rPr>
+                <a:t>OR</a:t>
+              </a:r>
+            </a:p>
+            <a:p>
+              <a:pPr algn="ctr"/>
+              <a:r>
+                <a:rPr lang="es-ES" sz="1200" dirty="0" smtClean="0">
+                  <a:solidFill>
+                    <a:schemeClr val="tx1">
+                      <a:lumMod val="75000"/>
+                      <a:lumOff val="25000"/>
+                    </a:schemeClr>
+                  </a:solidFill>
+                  <a:latin typeface="Arial Rounded MT Bold" panose="020F0704030504030204" pitchFamily="34" charset="0"/>
+                </a:rPr>
+                <a:t> IMAGE FILE</a:t>
+              </a:r>
+              <a:endParaRPr lang="es-ES" sz="1200" dirty="0">
+                <a:solidFill>
+                  <a:schemeClr val="tx1">
+                    <a:lumMod val="75000"/>
+                    <a:lumOff val="25000"/>
+                  </a:schemeClr>
+                </a:solidFill>
+                <a:latin typeface="Arial Rounded MT Bold" panose="020F0704030504030204" pitchFamily="34" charset="0"/>
+              </a:endParaRPr>
+            </a:p>
+          </p:txBody>
+        </p:sp>
+        <p:sp>
+          <p:nvSpPr>
+            <p:cNvPr id="11" name="Elipse 10"/>
+            <p:cNvSpPr/>
+            <p:nvPr/>
+          </p:nvSpPr>
+          <p:spPr>
+            <a:xfrm>
+              <a:off x="-933657" y="1058111"/>
+              <a:ext cx="1260000" cy="1008000"/>
+            </a:xfrm>
+            <a:prstGeom prst="ellipse">
+              <a:avLst/>
+            </a:prstGeom>
+            <a:noFill/>
+            <a:ln w="76200">
+              <a:solidFill>
+                <a:srgbClr val="46DACC"/>
+              </a:solidFill>
+            </a:ln>
+          </p:spPr>
+          <p:style>
+            <a:lnRef idx="2">
+              <a:schemeClr val="accent1">
+                <a:shade val="50000"/>
+              </a:schemeClr>
+            </a:lnRef>
+            <a:fillRef idx="1">
+              <a:schemeClr val="accent1"/>
+            </a:fillRef>
+            <a:effectRef idx="0">
+              <a:schemeClr val="accent1"/>
+            </a:effectRef>
+            <a:fontRef idx="minor">
+              <a:schemeClr val="lt1"/>
+            </a:fontRef>
+          </p:style>
+          <p:txBody>
+            <a:bodyPr lIns="0" tIns="0" rIns="0" bIns="0" rtlCol="0" anchor="ctr"/>
+            <a:lstStyle/>
+            <a:p>
+              <a:pPr algn="ctr"/>
+              <a:r>
+                <a:rPr lang="es-ES" sz="1200" dirty="0" smtClean="0">
+                  <a:solidFill>
+                    <a:schemeClr val="tx1">
+                      <a:lumMod val="75000"/>
+                      <a:lumOff val="25000"/>
+                    </a:schemeClr>
+                  </a:solidFill>
+                  <a:latin typeface="Arial Rounded MT Bold" panose="020F0704030504030204" pitchFamily="34" charset="0"/>
+                </a:rPr>
+                <a:t>START</a:t>
+              </a:r>
+              <a:endParaRPr lang="es-ES" sz="1200" dirty="0">
+                <a:solidFill>
+                  <a:schemeClr val="tx1">
+                    <a:lumMod val="75000"/>
+                    <a:lumOff val="25000"/>
+                  </a:schemeClr>
+                </a:solidFill>
+                <a:latin typeface="Arial Rounded MT Bold" panose="020F0704030504030204" pitchFamily="34" charset="0"/>
+              </a:endParaRPr>
+            </a:p>
+          </p:txBody>
+        </p:sp>
+        <p:cxnSp>
+          <p:nvCxnSpPr>
+            <p:cNvPr id="13" name="Conector recto de flecha 12"/>
+            <p:cNvCxnSpPr>
+              <a:stCxn id="11" idx="6"/>
+              <a:endCxn id="5" idx="1"/>
+            </p:cNvCxnSpPr>
+            <p:nvPr/>
+          </p:nvCxnSpPr>
+          <p:spPr>
+            <a:xfrm flipV="1">
+              <a:off x="326343" y="1534313"/>
+              <a:ext cx="744933" cy="27798"/>
+            </a:xfrm>
+            <a:prstGeom prst="straightConnector1">
+              <a:avLst/>
+            </a:prstGeom>
+            <a:ln w="28575">
+              <a:solidFill>
+                <a:srgbClr val="7240F0"/>
+              </a:solidFill>
+              <a:tailEnd type="triangle" w="lg" len="lg"/>
+            </a:ln>
+          </p:spPr>
+          <p:style>
+            <a:lnRef idx="1">
+              <a:schemeClr val="accent1"/>
+            </a:lnRef>
+            <a:fillRef idx="0">
+              <a:schemeClr val="accent1"/>
+            </a:fillRef>
+            <a:effectRef idx="0">
+              <a:schemeClr val="accent1"/>
+            </a:effectRef>
+            <a:fontRef idx="minor">
+              <a:schemeClr val="tx1"/>
+            </a:fontRef>
+          </p:style>
+        </p:cxnSp>
+        <p:cxnSp>
+          <p:nvCxnSpPr>
+            <p:cNvPr id="15" name="Conector recto de flecha 14"/>
+            <p:cNvCxnSpPr>
+              <a:stCxn id="5" idx="3"/>
+              <a:endCxn id="9" idx="1"/>
+            </p:cNvCxnSpPr>
+            <p:nvPr/>
+          </p:nvCxnSpPr>
+          <p:spPr>
+            <a:xfrm>
+              <a:off x="3276476" y="1534313"/>
+              <a:ext cx="1180081" cy="10479"/>
+            </a:xfrm>
+            <a:prstGeom prst="straightConnector1">
+              <a:avLst/>
+            </a:prstGeom>
+            <a:ln w="28575">
+              <a:solidFill>
+                <a:srgbClr val="7240F0"/>
+              </a:solidFill>
+              <a:tailEnd type="triangle" w="lg" len="lg"/>
+            </a:ln>
+          </p:spPr>
+          <p:style>
+            <a:lnRef idx="1">
+              <a:schemeClr val="accent1"/>
+            </a:lnRef>
+            <a:fillRef idx="0">
+              <a:schemeClr val="accent1"/>
+            </a:fillRef>
+            <a:effectRef idx="0">
+              <a:schemeClr val="accent1"/>
+            </a:effectRef>
+            <a:fontRef idx="minor">
+              <a:schemeClr val="tx1"/>
+            </a:fontRef>
+          </p:style>
+        </p:cxnSp>
+        <p:pic>
+          <p:nvPicPr>
+            <p:cNvPr id="20" name="Imagen 19"/>
+            <p:cNvPicPr>
+              <a:picLocks noChangeAspect="1"/>
+            </p:cNvPicPr>
+            <p:nvPr/>
+          </p:nvPicPr>
+          <p:blipFill rotWithShape="1">
+            <a:blip r:embed="rId2">
+              <a:extLst>
+                <a:ext uri="{28A0092B-C50C-407E-A947-70E740481C1C}">
+                  <a14:useLocalDpi xmlns:a14="http://schemas.microsoft.com/office/drawing/2010/main" val="0"/>
+                </a:ext>
+              </a:extLst>
+            </a:blip>
+            <a:srcRect t="20610" b="22166"/>
+            <a:stretch/>
+          </p:blipFill>
+          <p:spPr>
+            <a:xfrm>
+              <a:off x="11396890" y="-1144941"/>
+              <a:ext cx="1479938" cy="423440"/>
+            </a:xfrm>
+            <a:prstGeom prst="rect">
+              <a:avLst/>
+            </a:prstGeom>
+          </p:spPr>
+        </p:pic>
+        <p:sp>
+          <p:nvSpPr>
+            <p:cNvPr id="24" name="Flecha izquierda y derecha 23"/>
+            <p:cNvSpPr/>
+            <p:nvPr/>
+          </p:nvSpPr>
+          <p:spPr>
+            <a:xfrm rot="16200000">
+              <a:off x="8700060" y="396965"/>
+              <a:ext cx="1080000" cy="180000"/>
+            </a:xfrm>
+            <a:prstGeom prst="leftRightArrow">
+              <a:avLst/>
+            </a:prstGeom>
+            <a:solidFill>
+              <a:schemeClr val="accent3">
+                <a:lumMod val="60000"/>
+                <a:lumOff val="40000"/>
+              </a:schemeClr>
+            </a:solidFill>
+            <a:ln>
+              <a:noFill/>
+            </a:ln>
+          </p:spPr>
+          <p:style>
+            <a:lnRef idx="2">
+              <a:schemeClr val="accent1">
+                <a:shade val="50000"/>
+              </a:schemeClr>
+            </a:lnRef>
+            <a:fillRef idx="1">
+              <a:schemeClr val="accent1"/>
+            </a:fillRef>
+            <a:effectRef idx="0">
+              <a:schemeClr val="accent1"/>
+            </a:effectRef>
+            <a:fontRef idx="minor">
+              <a:schemeClr val="lt1"/>
+            </a:fontRef>
+          </p:style>
+          <p:txBody>
+            <a:bodyPr rtlCol="0" anchor="ctr"/>
+            <a:lstStyle/>
+            <a:p>
+              <a:pPr algn="ctr"/>
+              <a:endParaRPr lang="es-ES"/>
+            </a:p>
+          </p:txBody>
+        </p:sp>
+        <p:pic>
+          <p:nvPicPr>
+            <p:cNvPr id="31" name="Imagen 30"/>
+            <p:cNvPicPr>
+              <a:picLocks noChangeAspect="1"/>
+            </p:cNvPicPr>
+            <p:nvPr/>
+          </p:nvPicPr>
+          <p:blipFill>
+            <a:blip r:embed="rId3" cstate="print">
+              <a:duotone>
+                <a:schemeClr val="accent3">
+                  <a:shade val="45000"/>
+                  <a:satMod val="135000"/>
+                </a:schemeClr>
+                <a:prstClr val="white"/>
+              </a:duotone>
+              <a:extLst>
+                <a:ext uri="{28A0092B-C50C-407E-A947-70E740481C1C}">
+                  <a14:useLocalDpi xmlns:a14="http://schemas.microsoft.com/office/drawing/2010/main" val="0"/>
+                </a:ext>
+              </a:extLst>
+            </a:blip>
+            <a:stretch>
+              <a:fillRect/>
+            </a:stretch>
+          </p:blipFill>
+          <p:spPr>
+            <a:xfrm>
+              <a:off x="9301185" y="189639"/>
+              <a:ext cx="614369" cy="650686"/>
+            </a:xfrm>
+            <a:prstGeom prst="rect">
+              <a:avLst/>
+            </a:prstGeom>
+          </p:spPr>
+        </p:pic>
+        <p:cxnSp>
+          <p:nvCxnSpPr>
+            <p:cNvPr id="23" name="Conector recto de flecha 22"/>
+            <p:cNvCxnSpPr>
+              <a:stCxn id="6" idx="2"/>
+            </p:cNvCxnSpPr>
+            <p:nvPr/>
+          </p:nvCxnSpPr>
+          <p:spPr>
+            <a:xfrm>
+              <a:off x="5126259" y="4504771"/>
+              <a:ext cx="0" cy="1384536"/>
+            </a:xfrm>
+            <a:prstGeom prst="straightConnector1">
+              <a:avLst/>
+            </a:prstGeom>
+            <a:ln w="28575">
+              <a:solidFill>
+                <a:srgbClr val="7240F0"/>
+              </a:solidFill>
+              <a:tailEnd type="triangle" w="lg" len="lg"/>
+            </a:ln>
+          </p:spPr>
+          <p:style>
+            <a:lnRef idx="1">
+              <a:schemeClr val="accent1"/>
+            </a:lnRef>
+            <a:fillRef idx="0">
+              <a:schemeClr val="accent1"/>
+            </a:fillRef>
+            <a:effectRef idx="0">
+              <a:schemeClr val="accent1"/>
+            </a:effectRef>
+            <a:fontRef idx="minor">
+              <a:schemeClr val="tx1"/>
+            </a:fontRef>
+          </p:style>
+        </p:cxnSp>
+        <p:sp>
+          <p:nvSpPr>
+            <p:cNvPr id="26" name="CuadroTexto 25"/>
+            <p:cNvSpPr txBox="1"/>
+            <p:nvPr/>
+          </p:nvSpPr>
+          <p:spPr>
+            <a:xfrm>
+              <a:off x="3548802" y="4867528"/>
+              <a:ext cx="1502784" cy="369332"/>
+            </a:xfrm>
+            <a:prstGeom prst="rect">
+              <a:avLst/>
+            </a:prstGeom>
+            <a:noFill/>
+          </p:spPr>
+          <p:txBody>
+            <a:bodyPr wrap="none" rtlCol="0">
+              <a:spAutoFit/>
+            </a:bodyPr>
+            <a:lstStyle/>
+            <a:p>
+              <a:pPr algn="ctr"/>
+              <a:r>
+                <a:rPr lang="es-ES" b="1" dirty="0" smtClean="0">
+                  <a:solidFill>
+                    <a:srgbClr val="FF3300"/>
+                  </a:solidFill>
+                  <a:latin typeface="+mj-lt"/>
+                  <a:cs typeface="Aharoni" panose="02010803020104030203" pitchFamily="2" charset="-79"/>
+                </a:rPr>
+                <a:t>No / </a:t>
+              </a:r>
+              <a:r>
+                <a:rPr lang="es-ES" b="1" dirty="0" err="1" smtClean="0">
+                  <a:solidFill>
+                    <a:srgbClr val="FF3300"/>
+                  </a:solidFill>
+                  <a:latin typeface="+mj-lt"/>
+                  <a:cs typeface="Aharoni" panose="02010803020104030203" pitchFamily="2" charset="-79"/>
+                </a:rPr>
+                <a:t>Unknown</a:t>
+              </a:r>
+              <a:endParaRPr lang="es-ES" b="1" dirty="0" smtClean="0">
+                <a:solidFill>
+                  <a:srgbClr val="FF3300"/>
+                </a:solidFill>
+                <a:latin typeface="+mj-lt"/>
+                <a:cs typeface="Aharoni" panose="02010803020104030203" pitchFamily="2" charset="-79"/>
+              </a:endParaRPr>
+            </a:p>
+          </p:txBody>
+        </p:sp>
+        <p:cxnSp>
+          <p:nvCxnSpPr>
+            <p:cNvPr id="32" name="Conector recto de flecha 31"/>
+            <p:cNvCxnSpPr>
+              <a:stCxn id="6" idx="3"/>
+            </p:cNvCxnSpPr>
+            <p:nvPr/>
+          </p:nvCxnSpPr>
+          <p:spPr>
+            <a:xfrm flipV="1">
+              <a:off x="5795961" y="3807650"/>
+              <a:ext cx="6315373" cy="8101"/>
+            </a:xfrm>
+            <a:prstGeom prst="straightConnector1">
+              <a:avLst/>
+            </a:prstGeom>
+            <a:ln w="28575">
+              <a:solidFill>
+                <a:srgbClr val="7240F0"/>
+              </a:solidFill>
+              <a:tailEnd type="triangle" w="lg" len="lg"/>
+            </a:ln>
+          </p:spPr>
+          <p:style>
+            <a:lnRef idx="1">
+              <a:schemeClr val="accent1"/>
+            </a:lnRef>
+            <a:fillRef idx="0">
+              <a:schemeClr val="accent1"/>
+            </a:fillRef>
+            <a:effectRef idx="0">
+              <a:schemeClr val="accent1"/>
+            </a:effectRef>
+            <a:fontRef idx="minor">
+              <a:schemeClr val="tx1"/>
+            </a:fontRef>
+          </p:style>
+        </p:cxnSp>
+        <p:cxnSp>
+          <p:nvCxnSpPr>
+            <p:cNvPr id="35" name="Conector recto de flecha 34"/>
+            <p:cNvCxnSpPr>
+              <a:stCxn id="7" idx="3"/>
+              <a:endCxn id="8" idx="2"/>
+            </p:cNvCxnSpPr>
+            <p:nvPr/>
+          </p:nvCxnSpPr>
+          <p:spPr>
+            <a:xfrm flipV="1">
+              <a:off x="12816738" y="1485301"/>
+              <a:ext cx="1322418" cy="32821"/>
+            </a:xfrm>
+            <a:prstGeom prst="straightConnector1">
+              <a:avLst/>
+            </a:prstGeom>
+            <a:ln w="28575">
+              <a:solidFill>
+                <a:srgbClr val="7240F0"/>
+              </a:solidFill>
+              <a:tailEnd type="triangle" w="lg" len="lg"/>
+            </a:ln>
+          </p:spPr>
+          <p:style>
+            <a:lnRef idx="1">
+              <a:schemeClr val="accent1"/>
+            </a:lnRef>
+            <a:fillRef idx="0">
+              <a:schemeClr val="accent1"/>
+            </a:fillRef>
+            <a:effectRef idx="0">
+              <a:schemeClr val="accent1"/>
+            </a:effectRef>
+            <a:fontRef idx="minor">
+              <a:schemeClr val="tx1"/>
+            </a:fontRef>
+          </p:style>
+        </p:cxnSp>
+        <p:cxnSp>
+          <p:nvCxnSpPr>
+            <p:cNvPr id="37" name="Conector recto de flecha 36"/>
+            <p:cNvCxnSpPr/>
+            <p:nvPr/>
+          </p:nvCxnSpPr>
+          <p:spPr>
+            <a:xfrm flipH="1">
+              <a:off x="5121822" y="2235408"/>
+              <a:ext cx="9493" cy="900000"/>
+            </a:xfrm>
+            <a:prstGeom prst="straightConnector1">
+              <a:avLst/>
+            </a:prstGeom>
+            <a:ln w="28575">
+              <a:solidFill>
+                <a:srgbClr val="7240F0"/>
+              </a:solidFill>
+              <a:tailEnd type="triangle" w="lg" len="lg"/>
+            </a:ln>
+          </p:spPr>
+          <p:style>
+            <a:lnRef idx="1">
+              <a:schemeClr val="accent1"/>
+            </a:lnRef>
+            <a:fillRef idx="0">
+              <a:schemeClr val="accent1"/>
+            </a:fillRef>
+            <a:effectRef idx="0">
+              <a:schemeClr val="accent1"/>
+            </a:effectRef>
+            <a:fontRef idx="minor">
+              <a:schemeClr val="tx1"/>
+            </a:fontRef>
+          </p:style>
+        </p:cxnSp>
+        <p:cxnSp>
+          <p:nvCxnSpPr>
+            <p:cNvPr id="39" name="Conector recto de flecha 38"/>
+            <p:cNvCxnSpPr>
+              <a:stCxn id="9" idx="3"/>
+              <a:endCxn id="4" idx="1"/>
+            </p:cNvCxnSpPr>
+            <p:nvPr/>
+          </p:nvCxnSpPr>
+          <p:spPr>
+            <a:xfrm flipV="1">
+              <a:off x="5795961" y="1526111"/>
+              <a:ext cx="2839896" cy="18681"/>
+            </a:xfrm>
+            <a:prstGeom prst="straightConnector1">
+              <a:avLst/>
+            </a:prstGeom>
+            <a:ln w="28575">
+              <a:solidFill>
+                <a:srgbClr val="7240F0"/>
+              </a:solidFill>
+              <a:tailEnd type="triangle" w="lg" len="lg"/>
+            </a:ln>
+          </p:spPr>
+          <p:style>
+            <a:lnRef idx="1">
+              <a:schemeClr val="accent1"/>
+            </a:lnRef>
+            <a:fillRef idx="0">
+              <a:schemeClr val="accent1"/>
+            </a:fillRef>
+            <a:effectRef idx="0">
+              <a:schemeClr val="accent1"/>
+            </a:effectRef>
+            <a:fontRef idx="minor">
+              <a:schemeClr val="tx1"/>
+            </a:fontRef>
+          </p:style>
+        </p:cxnSp>
+        <p:sp>
+          <p:nvSpPr>
+            <p:cNvPr id="45" name="CuadroTexto 44"/>
+            <p:cNvSpPr txBox="1"/>
+            <p:nvPr/>
+          </p:nvSpPr>
+          <p:spPr>
+            <a:xfrm>
+              <a:off x="3398427" y="1170264"/>
+              <a:ext cx="475643" cy="369332"/>
+            </a:xfrm>
+            <a:prstGeom prst="rect">
+              <a:avLst/>
+            </a:prstGeom>
+            <a:noFill/>
+          </p:spPr>
+          <p:txBody>
+            <a:bodyPr wrap="none" rtlCol="0">
+              <a:spAutoFit/>
+            </a:bodyPr>
+            <a:lstStyle/>
+            <a:p>
+              <a:r>
+                <a:rPr lang="es-ES" b="1" dirty="0" smtClean="0">
+                  <a:solidFill>
+                    <a:srgbClr val="FF3300"/>
+                  </a:solidFill>
+                  <a:latin typeface="+mj-lt"/>
+                  <a:cs typeface="Aharoni" panose="02010803020104030203" pitchFamily="2" charset="-79"/>
+                </a:rPr>
+                <a:t>Yes</a:t>
+              </a:r>
+              <a:endParaRPr lang="es-ES" b="1" dirty="0">
+                <a:solidFill>
+                  <a:srgbClr val="FF3300"/>
+                </a:solidFill>
+                <a:latin typeface="+mj-lt"/>
+                <a:cs typeface="Aharoni" panose="02010803020104030203" pitchFamily="2" charset="-79"/>
+              </a:endParaRPr>
+            </a:p>
+          </p:txBody>
+        </p:sp>
+        <p:sp>
+          <p:nvSpPr>
+            <p:cNvPr id="46" name="CuadroTexto 45"/>
+            <p:cNvSpPr txBox="1"/>
+            <p:nvPr/>
+          </p:nvSpPr>
+          <p:spPr>
+            <a:xfrm>
+              <a:off x="5818724" y="3431705"/>
+              <a:ext cx="475643" cy="369332"/>
+            </a:xfrm>
+            <a:prstGeom prst="rect">
+              <a:avLst/>
+            </a:prstGeom>
+            <a:noFill/>
+          </p:spPr>
+          <p:txBody>
+            <a:bodyPr wrap="none" rtlCol="0">
+              <a:spAutoFit/>
+            </a:bodyPr>
+            <a:lstStyle/>
+            <a:p>
+              <a:r>
+                <a:rPr lang="es-ES" b="1" dirty="0" smtClean="0">
+                  <a:solidFill>
+                    <a:srgbClr val="FF3300"/>
+                  </a:solidFill>
+                  <a:latin typeface="+mj-lt"/>
+                  <a:cs typeface="Aharoni" panose="02010803020104030203" pitchFamily="2" charset="-79"/>
+                </a:rPr>
+                <a:t>Yes</a:t>
+              </a:r>
+              <a:endParaRPr lang="es-ES" b="1" dirty="0">
+                <a:solidFill>
+                  <a:srgbClr val="FF3300"/>
+                </a:solidFill>
+                <a:latin typeface="+mj-lt"/>
+                <a:cs typeface="Aharoni" panose="02010803020104030203" pitchFamily="2" charset="-79"/>
+              </a:endParaRPr>
+            </a:p>
+          </p:txBody>
+        </p:sp>
+        <p:pic>
+          <p:nvPicPr>
+            <p:cNvPr id="64" name="Imagen 63"/>
+            <p:cNvPicPr>
+              <a:picLocks noChangeAspect="1"/>
+            </p:cNvPicPr>
+            <p:nvPr/>
+          </p:nvPicPr>
+          <p:blipFill>
+            <a:blip r:embed="rId4" cstate="print">
+              <a:extLst>
+                <a:ext uri="{28A0092B-C50C-407E-A947-70E740481C1C}">
+                  <a14:useLocalDpi xmlns:a14="http://schemas.microsoft.com/office/drawing/2010/main" val="0"/>
+                </a:ext>
+              </a:extLst>
+            </a:blip>
+            <a:stretch>
+              <a:fillRect/>
+            </a:stretch>
+          </p:blipFill>
+          <p:spPr>
+            <a:xfrm>
+              <a:off x="8219312" y="-1169825"/>
+              <a:ext cx="559735" cy="559735"/>
+            </a:xfrm>
+            <a:prstGeom prst="rect">
+              <a:avLst/>
+            </a:prstGeom>
+          </p:spPr>
+        </p:pic>
+        <p:sp>
+          <p:nvSpPr>
+            <p:cNvPr id="65" name="CuadroTexto 64"/>
+            <p:cNvSpPr txBox="1"/>
+            <p:nvPr/>
+          </p:nvSpPr>
+          <p:spPr>
+            <a:xfrm>
+              <a:off x="8805230" y="-1172412"/>
+              <a:ext cx="1259895" cy="584775"/>
+            </a:xfrm>
+            <a:prstGeom prst="rect">
+              <a:avLst/>
+            </a:prstGeom>
+            <a:noFill/>
+          </p:spPr>
+          <p:txBody>
+            <a:bodyPr wrap="square" rtlCol="0">
+              <a:spAutoFit/>
+            </a:bodyPr>
+            <a:lstStyle/>
+            <a:p>
+              <a:r>
+                <a:rPr lang="es-ES" sz="1600" dirty="0" smtClean="0">
+                  <a:solidFill>
+                    <a:schemeClr val="accent3">
+                      <a:lumMod val="75000"/>
+                    </a:schemeClr>
+                  </a:solidFill>
+                  <a:latin typeface="Berlin Sans FB" panose="020E0602020502020306" pitchFamily="34" charset="0"/>
+                </a:rPr>
+                <a:t>Visual </a:t>
+              </a:r>
+              <a:r>
+                <a:rPr lang="es-ES" sz="1600" dirty="0" err="1" smtClean="0">
+                  <a:solidFill>
+                    <a:schemeClr val="accent3">
+                      <a:lumMod val="75000"/>
+                    </a:schemeClr>
+                  </a:solidFill>
+                  <a:latin typeface="Berlin Sans FB" panose="020E0602020502020306" pitchFamily="34" charset="0"/>
+                </a:rPr>
+                <a:t>recognition</a:t>
+              </a:r>
+              <a:endParaRPr lang="es-ES" sz="1600" dirty="0">
+                <a:solidFill>
+                  <a:schemeClr val="accent3">
+                    <a:lumMod val="75000"/>
+                  </a:schemeClr>
+                </a:solidFill>
+                <a:latin typeface="Berlin Sans FB" panose="020E0602020502020306" pitchFamily="34" charset="0"/>
+              </a:endParaRPr>
+            </a:p>
+          </p:txBody>
+        </p:sp>
+        <p:sp>
+          <p:nvSpPr>
+            <p:cNvPr id="66" name="CuadroTexto 65"/>
+            <p:cNvSpPr txBox="1"/>
+            <p:nvPr/>
+          </p:nvSpPr>
+          <p:spPr>
+            <a:xfrm>
+              <a:off x="8375621" y="-1531205"/>
+              <a:ext cx="2050711" cy="307777"/>
+            </a:xfrm>
+            <a:prstGeom prst="rect">
+              <a:avLst/>
+            </a:prstGeom>
+            <a:noFill/>
+          </p:spPr>
+          <p:txBody>
+            <a:bodyPr wrap="square" rtlCol="0">
+              <a:spAutoFit/>
+            </a:bodyPr>
+            <a:lstStyle/>
+            <a:p>
+              <a:r>
+                <a:rPr lang="es-ES" sz="1400" b="1" dirty="0" smtClean="0">
+                  <a:solidFill>
+                    <a:srgbClr val="00B050"/>
+                  </a:solidFill>
+                </a:rPr>
+                <a:t>IBM WATSON</a:t>
+              </a:r>
+              <a:r>
+                <a:rPr lang="es-ES" sz="1200" b="1" dirty="0" smtClean="0">
+                  <a:solidFill>
+                    <a:srgbClr val="00B050"/>
+                  </a:solidFill>
+                </a:rPr>
+                <a:t> </a:t>
+              </a:r>
+              <a:r>
+                <a:rPr lang="es-ES" sz="1400" b="1" dirty="0" smtClean="0">
+                  <a:solidFill>
+                    <a:srgbClr val="00B050"/>
+                  </a:solidFill>
+                </a:rPr>
+                <a:t>SERVICES</a:t>
+              </a:r>
+              <a:endParaRPr lang="es-ES" sz="1400" b="1" dirty="0">
+                <a:solidFill>
+                  <a:srgbClr val="00B050"/>
+                </a:solidFill>
+              </a:endParaRPr>
+            </a:p>
+          </p:txBody>
+        </p:sp>
+        <p:sp>
+          <p:nvSpPr>
+            <p:cNvPr id="78" name="CuadroTexto 77"/>
+            <p:cNvSpPr txBox="1"/>
+            <p:nvPr/>
+          </p:nvSpPr>
+          <p:spPr>
+            <a:xfrm>
+              <a:off x="5771193" y="1165847"/>
+              <a:ext cx="475643" cy="369332"/>
+            </a:xfrm>
+            <a:prstGeom prst="rect">
+              <a:avLst/>
+            </a:prstGeom>
+            <a:noFill/>
+          </p:spPr>
+          <p:txBody>
+            <a:bodyPr wrap="none" rtlCol="0">
+              <a:spAutoFit/>
+            </a:bodyPr>
+            <a:lstStyle/>
+            <a:p>
+              <a:r>
+                <a:rPr lang="es-ES" b="1" dirty="0" smtClean="0">
+                  <a:solidFill>
+                    <a:srgbClr val="FF3300"/>
+                  </a:solidFill>
+                  <a:latin typeface="+mj-lt"/>
+                  <a:cs typeface="Aharoni" panose="02010803020104030203" pitchFamily="2" charset="-79"/>
+                </a:rPr>
+                <a:t>Yes</a:t>
+              </a:r>
+              <a:endParaRPr lang="es-ES" b="1" dirty="0">
+                <a:solidFill>
+                  <a:srgbClr val="FF3300"/>
+                </a:solidFill>
+                <a:latin typeface="+mj-lt"/>
+                <a:cs typeface="Aharoni" panose="02010803020104030203" pitchFamily="2" charset="-79"/>
+              </a:endParaRPr>
+            </a:p>
+          </p:txBody>
+        </p:sp>
+        <p:cxnSp>
+          <p:nvCxnSpPr>
+            <p:cNvPr id="79" name="Conector recto de flecha 78"/>
+            <p:cNvCxnSpPr/>
+            <p:nvPr/>
+          </p:nvCxnSpPr>
+          <p:spPr>
+            <a:xfrm>
+              <a:off x="5118929" y="256969"/>
+              <a:ext cx="7330" cy="589451"/>
+            </a:xfrm>
+            <a:prstGeom prst="straightConnector1">
+              <a:avLst/>
+            </a:prstGeom>
+            <a:ln w="28575">
+              <a:solidFill>
+                <a:srgbClr val="7240F0"/>
+              </a:solidFill>
+              <a:tailEnd type="triangle" w="lg" len="lg"/>
+            </a:ln>
+          </p:spPr>
+          <p:style>
+            <a:lnRef idx="1">
+              <a:schemeClr val="accent1"/>
+            </a:lnRef>
+            <a:fillRef idx="0">
+              <a:schemeClr val="accent1"/>
+            </a:fillRef>
+            <a:effectRef idx="0">
+              <a:schemeClr val="accent1"/>
+            </a:effectRef>
+            <a:fontRef idx="minor">
+              <a:schemeClr val="tx1"/>
+            </a:fontRef>
+          </p:style>
+        </p:cxnSp>
+        <p:cxnSp>
+          <p:nvCxnSpPr>
+            <p:cNvPr id="95" name="Conector recto de flecha 94"/>
+            <p:cNvCxnSpPr/>
+            <p:nvPr/>
+          </p:nvCxnSpPr>
+          <p:spPr>
+            <a:xfrm flipV="1">
+              <a:off x="7599180" y="189639"/>
+              <a:ext cx="13047" cy="5479341"/>
+            </a:xfrm>
+            <a:prstGeom prst="straightConnector1">
+              <a:avLst/>
+            </a:prstGeom>
+            <a:ln w="28575">
+              <a:solidFill>
+                <a:srgbClr val="7240F0"/>
+              </a:solidFill>
+              <a:tailEnd type="triangle" w="lg" len="lg"/>
+            </a:ln>
+          </p:spPr>
+          <p:style>
+            <a:lnRef idx="1">
+              <a:schemeClr val="accent1"/>
+            </a:lnRef>
+            <a:fillRef idx="0">
+              <a:schemeClr val="accent1"/>
+            </a:fillRef>
+            <a:effectRef idx="0">
+              <a:schemeClr val="accent1"/>
+            </a:effectRef>
+            <a:fontRef idx="minor">
+              <a:schemeClr val="tx1"/>
+            </a:fontRef>
+          </p:style>
+        </p:cxnSp>
+        <p:cxnSp>
+          <p:nvCxnSpPr>
+            <p:cNvPr id="103" name="Conector recto de flecha 102"/>
+            <p:cNvCxnSpPr/>
+            <p:nvPr/>
+          </p:nvCxnSpPr>
+          <p:spPr>
+            <a:xfrm>
+              <a:off x="5118929" y="240559"/>
+              <a:ext cx="2493298" cy="5516"/>
+            </a:xfrm>
+            <a:prstGeom prst="straightConnector1">
+              <a:avLst/>
+            </a:prstGeom>
+            <a:ln w="28575">
+              <a:solidFill>
+                <a:srgbClr val="7240F0"/>
+              </a:solidFill>
+              <a:tailEnd type="none" w="lg" len="lg"/>
+            </a:ln>
+          </p:spPr>
+          <p:style>
+            <a:lnRef idx="1">
+              <a:schemeClr val="accent1"/>
+            </a:lnRef>
+            <a:fillRef idx="0">
+              <a:schemeClr val="accent1"/>
+            </a:fillRef>
+            <a:effectRef idx="0">
+              <a:schemeClr val="accent1"/>
+            </a:effectRef>
+            <a:fontRef idx="minor">
+              <a:schemeClr val="tx1"/>
+            </a:fontRef>
+          </p:style>
+        </p:cxnSp>
+        <p:cxnSp>
+          <p:nvCxnSpPr>
+            <p:cNvPr id="105" name="Conector recto de flecha 104"/>
+            <p:cNvCxnSpPr>
+              <a:stCxn id="10" idx="3"/>
+              <a:endCxn id="107" idx="1"/>
+            </p:cNvCxnSpPr>
+            <p:nvPr/>
+          </p:nvCxnSpPr>
+          <p:spPr>
+            <a:xfrm>
+              <a:off x="5812242" y="6389346"/>
+              <a:ext cx="1010494" cy="14661"/>
+            </a:xfrm>
+            <a:prstGeom prst="straightConnector1">
+              <a:avLst/>
+            </a:prstGeom>
+            <a:ln w="28575">
+              <a:solidFill>
+                <a:srgbClr val="7240F0"/>
+              </a:solidFill>
+              <a:tailEnd type="triangle" w="lg" len="lg"/>
+            </a:ln>
+          </p:spPr>
+          <p:style>
+            <a:lnRef idx="1">
+              <a:schemeClr val="accent1"/>
+            </a:lnRef>
+            <a:fillRef idx="0">
+              <a:schemeClr val="accent1"/>
+            </a:fillRef>
+            <a:effectRef idx="0">
+              <a:schemeClr val="accent1"/>
+            </a:effectRef>
+            <a:fontRef idx="minor">
+              <a:schemeClr val="tx1"/>
+            </a:fontRef>
+          </p:style>
+        </p:cxnSp>
+        <p:cxnSp>
+          <p:nvCxnSpPr>
+            <p:cNvPr id="115" name="Conector recto de flecha 114"/>
+            <p:cNvCxnSpPr>
+              <a:stCxn id="4" idx="3"/>
+              <a:endCxn id="7" idx="1"/>
+            </p:cNvCxnSpPr>
+            <p:nvPr/>
+          </p:nvCxnSpPr>
+          <p:spPr>
+            <a:xfrm flipV="1">
+              <a:off x="9910866" y="1518122"/>
+              <a:ext cx="1449349" cy="7989"/>
+            </a:xfrm>
+            <a:prstGeom prst="straightConnector1">
+              <a:avLst/>
+            </a:prstGeom>
+            <a:ln w="28575">
+              <a:solidFill>
+                <a:srgbClr val="7240F0"/>
+              </a:solidFill>
+              <a:tailEnd type="triangle" w="lg" len="lg"/>
+            </a:ln>
+          </p:spPr>
+          <p:style>
+            <a:lnRef idx="1">
+              <a:schemeClr val="accent1"/>
+            </a:lnRef>
+            <a:fillRef idx="0">
+              <a:schemeClr val="accent1"/>
+            </a:fillRef>
+            <a:effectRef idx="0">
+              <a:schemeClr val="accent1"/>
+            </a:effectRef>
+            <a:fontRef idx="minor">
+              <a:schemeClr val="tx1"/>
+            </a:fontRef>
+          </p:style>
+        </p:cxnSp>
+        <p:sp>
+          <p:nvSpPr>
+            <p:cNvPr id="121" name="CuadroTexto 120"/>
+            <p:cNvSpPr txBox="1"/>
+            <p:nvPr/>
+          </p:nvSpPr>
+          <p:spPr>
+            <a:xfrm>
+              <a:off x="11530278" y="-1512830"/>
+              <a:ext cx="1545772" cy="307777"/>
+            </a:xfrm>
+            <a:prstGeom prst="rect">
+              <a:avLst/>
+            </a:prstGeom>
+            <a:noFill/>
+          </p:spPr>
+          <p:txBody>
+            <a:bodyPr wrap="square" rtlCol="0">
+              <a:spAutoFit/>
+            </a:bodyPr>
+            <a:lstStyle/>
+            <a:p>
+              <a:r>
+                <a:rPr lang="es-ES" sz="1400" b="1" dirty="0" smtClean="0">
+                  <a:solidFill>
+                    <a:srgbClr val="00B050"/>
+                  </a:solidFill>
+                </a:rPr>
+                <a:t>RECIPE SERVICES</a:t>
+              </a:r>
+              <a:endParaRPr lang="es-ES" sz="1400" b="1" dirty="0">
+                <a:solidFill>
+                  <a:srgbClr val="00B050"/>
+                </a:solidFill>
+              </a:endParaRPr>
+            </a:p>
+          </p:txBody>
+        </p:sp>
+        <p:sp>
+          <p:nvSpPr>
+            <p:cNvPr id="131" name="CuadroTexto 130"/>
+            <p:cNvSpPr txBox="1"/>
+            <p:nvPr/>
+          </p:nvSpPr>
+          <p:spPr>
+            <a:xfrm>
+              <a:off x="6099172" y="1177523"/>
+              <a:ext cx="1340560" cy="338554"/>
+            </a:xfrm>
+            <a:prstGeom prst="rect">
+              <a:avLst/>
+            </a:prstGeom>
+            <a:noFill/>
+          </p:spPr>
+          <p:txBody>
+            <a:bodyPr wrap="none" rtlCol="0">
+              <a:spAutoFit/>
+            </a:bodyPr>
+            <a:lstStyle/>
+            <a:p>
+              <a:r>
+                <a:rPr lang="es-ES" sz="1600" b="1" dirty="0" smtClean="0">
+                  <a:solidFill>
+                    <a:schemeClr val="tx1">
+                      <a:lumMod val="50000"/>
+                      <a:lumOff val="50000"/>
+                    </a:schemeClr>
+                  </a:solidFill>
+                  <a:latin typeface="+mj-lt"/>
+                  <a:cs typeface="Aharoni" panose="02010803020104030203" pitchFamily="2" charset="-79"/>
+                </a:rPr>
+                <a:t>( $</a:t>
+              </a:r>
+              <a:r>
+                <a:rPr lang="es-ES" sz="1600" b="1" dirty="0" err="1" smtClean="0">
+                  <a:solidFill>
+                    <a:schemeClr val="tx1">
+                      <a:lumMod val="50000"/>
+                      <a:lumOff val="50000"/>
+                    </a:schemeClr>
+                  </a:solidFill>
+                  <a:latin typeface="+mj-lt"/>
+                  <a:cs typeface="Aharoni" panose="02010803020104030203" pitchFamily="2" charset="-79"/>
+                </a:rPr>
+                <a:t>image_file</a:t>
+              </a:r>
+              <a:r>
+                <a:rPr lang="es-ES" sz="1600" b="1" dirty="0" smtClean="0">
+                  <a:solidFill>
+                    <a:schemeClr val="tx1">
+                      <a:lumMod val="50000"/>
+                      <a:lumOff val="50000"/>
+                    </a:schemeClr>
+                  </a:solidFill>
+                  <a:latin typeface="+mj-lt"/>
+                  <a:cs typeface="Aharoni" panose="02010803020104030203" pitchFamily="2" charset="-79"/>
+                </a:rPr>
+                <a:t> )</a:t>
+              </a:r>
+              <a:endParaRPr lang="es-ES" sz="1600" b="1" dirty="0">
+                <a:solidFill>
+                  <a:schemeClr val="tx1">
+                    <a:lumMod val="50000"/>
+                    <a:lumOff val="50000"/>
+                  </a:schemeClr>
+                </a:solidFill>
+                <a:latin typeface="+mj-lt"/>
+                <a:cs typeface="Aharoni" panose="02010803020104030203" pitchFamily="2" charset="-79"/>
+              </a:endParaRPr>
+            </a:p>
+          </p:txBody>
+        </p:sp>
+        <p:sp>
+          <p:nvSpPr>
+            <p:cNvPr id="132" name="CuadroTexto 131"/>
+            <p:cNvSpPr txBox="1"/>
+            <p:nvPr/>
+          </p:nvSpPr>
+          <p:spPr>
+            <a:xfrm>
+              <a:off x="6178505" y="3431705"/>
+              <a:ext cx="785793" cy="338554"/>
+            </a:xfrm>
+            <a:prstGeom prst="rect">
+              <a:avLst/>
+            </a:prstGeom>
+            <a:noFill/>
+          </p:spPr>
+          <p:txBody>
+            <a:bodyPr wrap="none" rtlCol="0">
+              <a:spAutoFit/>
+            </a:bodyPr>
+            <a:lstStyle/>
+            <a:p>
+              <a:r>
+                <a:rPr lang="es-ES" sz="1600" b="1" dirty="0" smtClean="0">
+                  <a:solidFill>
+                    <a:schemeClr val="tx1">
+                      <a:lumMod val="50000"/>
+                      <a:lumOff val="50000"/>
+                    </a:schemeClr>
+                  </a:solidFill>
+                  <a:latin typeface="+mj-lt"/>
+                  <a:cs typeface="Aharoni" panose="02010803020104030203" pitchFamily="2" charset="-79"/>
+                </a:rPr>
+                <a:t>( $</a:t>
+              </a:r>
+              <a:r>
+                <a:rPr lang="es-ES" sz="1600" b="1" dirty="0" err="1" smtClean="0">
+                  <a:solidFill>
+                    <a:schemeClr val="tx1">
+                      <a:lumMod val="50000"/>
+                      <a:lumOff val="50000"/>
+                    </a:schemeClr>
+                  </a:solidFill>
+                  <a:latin typeface="+mj-lt"/>
+                  <a:cs typeface="Aharoni" panose="02010803020104030203" pitchFamily="2" charset="-79"/>
+                </a:rPr>
+                <a:t>dish</a:t>
+              </a:r>
+              <a:r>
+                <a:rPr lang="es-ES" sz="1600" b="1" dirty="0" smtClean="0">
+                  <a:solidFill>
+                    <a:schemeClr val="tx1">
+                      <a:lumMod val="50000"/>
+                      <a:lumOff val="50000"/>
+                    </a:schemeClr>
+                  </a:solidFill>
+                  <a:latin typeface="+mj-lt"/>
+                  <a:cs typeface="Aharoni" panose="02010803020104030203" pitchFamily="2" charset="-79"/>
+                </a:rPr>
+                <a:t>)</a:t>
+              </a:r>
+              <a:endParaRPr lang="es-ES" sz="1600" b="1" dirty="0">
+                <a:solidFill>
+                  <a:schemeClr val="tx1">
+                    <a:lumMod val="50000"/>
+                    <a:lumOff val="50000"/>
+                  </a:schemeClr>
+                </a:solidFill>
+                <a:latin typeface="+mj-lt"/>
+                <a:cs typeface="Aharoni" panose="02010803020104030203" pitchFamily="2" charset="-79"/>
+              </a:endParaRPr>
+            </a:p>
+          </p:txBody>
+        </p:sp>
+        <p:sp>
+          <p:nvSpPr>
+            <p:cNvPr id="134" name="CuadroTexto 133"/>
+            <p:cNvSpPr txBox="1"/>
+            <p:nvPr/>
+          </p:nvSpPr>
+          <p:spPr>
+            <a:xfrm>
+              <a:off x="3447757" y="2372082"/>
+              <a:ext cx="1502784" cy="369332"/>
+            </a:xfrm>
+            <a:prstGeom prst="rect">
+              <a:avLst/>
+            </a:prstGeom>
+            <a:noFill/>
+          </p:spPr>
+          <p:txBody>
+            <a:bodyPr wrap="none" rtlCol="0">
+              <a:spAutoFit/>
+            </a:bodyPr>
+            <a:lstStyle/>
+            <a:p>
+              <a:pPr algn="ctr"/>
+              <a:r>
+                <a:rPr lang="es-ES" b="1" dirty="0" smtClean="0">
+                  <a:solidFill>
+                    <a:srgbClr val="FF3300"/>
+                  </a:solidFill>
+                  <a:latin typeface="+mj-lt"/>
+                  <a:cs typeface="Aharoni" panose="02010803020104030203" pitchFamily="2" charset="-79"/>
+                </a:rPr>
+                <a:t>No / </a:t>
+              </a:r>
+              <a:r>
+                <a:rPr lang="es-ES" b="1" dirty="0" err="1" smtClean="0">
+                  <a:solidFill>
+                    <a:srgbClr val="FF3300"/>
+                  </a:solidFill>
+                  <a:latin typeface="+mj-lt"/>
+                  <a:cs typeface="Aharoni" panose="02010803020104030203" pitchFamily="2" charset="-79"/>
+                </a:rPr>
+                <a:t>Unknown</a:t>
+              </a:r>
+              <a:endParaRPr lang="es-ES" b="1" dirty="0" smtClean="0">
+                <a:solidFill>
+                  <a:srgbClr val="FF3300"/>
+                </a:solidFill>
+                <a:latin typeface="+mj-lt"/>
+                <a:cs typeface="Aharoni" panose="02010803020104030203" pitchFamily="2" charset="-79"/>
+              </a:endParaRPr>
+            </a:p>
+          </p:txBody>
+        </p:sp>
+        <p:cxnSp>
+          <p:nvCxnSpPr>
+            <p:cNvPr id="91" name="Conector recto de flecha 90"/>
+            <p:cNvCxnSpPr>
+              <a:endCxn id="7" idx="2"/>
+            </p:cNvCxnSpPr>
+            <p:nvPr/>
+          </p:nvCxnSpPr>
+          <p:spPr>
+            <a:xfrm flipH="1" flipV="1">
+              <a:off x="12088477" y="1986122"/>
+              <a:ext cx="22857" cy="1806115"/>
+            </a:xfrm>
+            <a:prstGeom prst="straightConnector1">
+              <a:avLst/>
+            </a:prstGeom>
+            <a:ln w="28575">
+              <a:solidFill>
+                <a:srgbClr val="7240F0"/>
+              </a:solidFill>
+              <a:tailEnd type="triangle" w="lg" len="lg"/>
+            </a:ln>
+          </p:spPr>
+          <p:style>
+            <a:lnRef idx="1">
+              <a:schemeClr val="accent1"/>
+            </a:lnRef>
+            <a:fillRef idx="0">
+              <a:schemeClr val="accent1"/>
+            </a:fillRef>
+            <a:effectRef idx="0">
+              <a:schemeClr val="accent1"/>
+            </a:effectRef>
+            <a:fontRef idx="minor">
+              <a:schemeClr val="tx1"/>
+            </a:fontRef>
+          </p:style>
+        </p:cxnSp>
+        <p:sp>
+          <p:nvSpPr>
+            <p:cNvPr id="96" name="Flecha izquierda y derecha 95"/>
+            <p:cNvSpPr/>
+            <p:nvPr/>
+          </p:nvSpPr>
+          <p:spPr>
+            <a:xfrm rot="16200000">
+              <a:off x="11661334" y="342521"/>
+              <a:ext cx="1080000" cy="180000"/>
+            </a:xfrm>
+            <a:prstGeom prst="leftRightArrow">
+              <a:avLst/>
+            </a:prstGeom>
+            <a:solidFill>
+              <a:schemeClr val="accent3">
+                <a:lumMod val="60000"/>
+                <a:lumOff val="40000"/>
+              </a:schemeClr>
+            </a:solidFill>
+            <a:ln>
+              <a:noFill/>
+            </a:ln>
+          </p:spPr>
+          <p:style>
+            <a:lnRef idx="2">
+              <a:schemeClr val="accent1">
+                <a:shade val="50000"/>
+              </a:schemeClr>
+            </a:lnRef>
+            <a:fillRef idx="1">
+              <a:schemeClr val="accent1"/>
+            </a:fillRef>
+            <a:effectRef idx="0">
+              <a:schemeClr val="accent1"/>
+            </a:effectRef>
+            <a:fontRef idx="minor">
+              <a:schemeClr val="lt1"/>
+            </a:fontRef>
+          </p:style>
+          <p:txBody>
+            <a:bodyPr rtlCol="0" anchor="ctr"/>
+            <a:lstStyle/>
+            <a:p>
+              <a:pPr algn="ctr"/>
+              <a:endParaRPr lang="es-ES"/>
+            </a:p>
+          </p:txBody>
+        </p:sp>
+        <p:pic>
+          <p:nvPicPr>
+            <p:cNvPr id="97" name="Imagen 96"/>
+            <p:cNvPicPr>
+              <a:picLocks noChangeAspect="1"/>
+            </p:cNvPicPr>
+            <p:nvPr/>
+          </p:nvPicPr>
+          <p:blipFill>
+            <a:blip r:embed="rId3" cstate="print">
+              <a:duotone>
+                <a:schemeClr val="accent3">
+                  <a:shade val="45000"/>
+                  <a:satMod val="135000"/>
+                </a:schemeClr>
+                <a:prstClr val="white"/>
+              </a:duotone>
+              <a:extLst>
+                <a:ext uri="{28A0092B-C50C-407E-A947-70E740481C1C}">
+                  <a14:useLocalDpi xmlns:a14="http://schemas.microsoft.com/office/drawing/2010/main" val="0"/>
+                </a:ext>
+              </a:extLst>
+            </a:blip>
+            <a:stretch>
+              <a:fillRect/>
+            </a:stretch>
+          </p:blipFill>
+          <p:spPr>
+            <a:xfrm>
+              <a:off x="12262459" y="135195"/>
+              <a:ext cx="614369" cy="650686"/>
+            </a:xfrm>
+            <a:prstGeom prst="rect">
+              <a:avLst/>
+            </a:prstGeom>
+          </p:spPr>
+        </p:pic>
+        <p:sp>
+          <p:nvSpPr>
+            <p:cNvPr id="98" name="Rectángulo redondeado 97"/>
+            <p:cNvSpPr/>
+            <p:nvPr/>
+          </p:nvSpPr>
+          <p:spPr bwMode="auto">
+            <a:xfrm>
+              <a:off x="11491689" y="7924896"/>
+              <a:ext cx="1584361" cy="1365094"/>
+            </a:xfrm>
+            <a:prstGeom prst="roundRect">
+              <a:avLst/>
+            </a:prstGeom>
+            <a:solidFill>
+              <a:schemeClr val="bg1"/>
+            </a:solidFill>
+            <a:ln w="9525" cap="rnd" cmpd="sng" algn="ctr">
+              <a:solidFill>
+                <a:schemeClr val="bg1">
+                  <a:lumMod val="50000"/>
+                </a:schemeClr>
+              </a:solidFill>
+              <a:prstDash val="sysDot"/>
+              <a:round/>
+              <a:headEnd type="none" w="med" len="med"/>
+              <a:tailEnd type="none" w="med" len="med"/>
+            </a:ln>
+            <a:effectLst/>
+            <a:extLst/>
+          </p:spPr>
+          <p:txBody>
+            <a:bodyPr vert="horz" wrap="none" lIns="45720" tIns="45720" rIns="45720" bIns="45720" numCol="1" rtlCol="0" anchor="ctr" anchorCtr="0" compatLnSpc="1">
+              <a:prstTxWarp prst="textNoShape">
+                <a:avLst/>
+              </a:prstTxWarp>
+            </a:bodyPr>
+            <a:lstStyle/>
+            <a:p>
+              <a:pPr marL="0" marR="0" indent="0" algn="ctr" defTabSz="914400" rtl="0" eaLnBrk="1" fontAlgn="base" latinLnBrk="0" hangingPunct="1">
+                <a:lnSpc>
+                  <a:spcPct val="100000"/>
+                </a:lnSpc>
+                <a:spcBef>
+                  <a:spcPct val="50000"/>
+                </a:spcBef>
+                <a:spcAft>
+                  <a:spcPct val="0"/>
+                </a:spcAft>
+                <a:buClrTx/>
+                <a:buSzTx/>
+                <a:buFontTx/>
+                <a:buNone/>
+                <a:tabLst/>
+              </a:pPr>
+              <a:endParaRPr kumimoji="0" lang="es-ES" sz="2000" b="0" i="0" u="none" strike="noStrike" cap="none" normalizeH="0" baseline="0" dirty="0" smtClean="0">
+                <a:ln>
+                  <a:noFill/>
+                </a:ln>
+                <a:solidFill>
+                  <a:srgbClr val="00B050"/>
+                </a:solidFill>
+                <a:effectLst/>
+                <a:latin typeface="Verdana" pitchFamily="34" charset="0"/>
+              </a:endParaRPr>
+            </a:p>
+          </p:txBody>
+        </p:sp>
+        <p:sp>
+          <p:nvSpPr>
+            <p:cNvPr id="99" name="Rectángulo redondeado 98"/>
+            <p:cNvSpPr/>
+            <p:nvPr/>
+          </p:nvSpPr>
+          <p:spPr>
+            <a:xfrm>
+              <a:off x="11491689" y="5931679"/>
+              <a:ext cx="1382271" cy="922421"/>
+            </a:xfrm>
+            <a:prstGeom prst="roundRect">
+              <a:avLst/>
+            </a:prstGeom>
+            <a:noFill/>
+            <a:ln w="38100">
+              <a:solidFill>
+                <a:srgbClr val="FFC000"/>
+              </a:solidFill>
+            </a:ln>
+          </p:spPr>
+          <p:style>
+            <a:lnRef idx="2">
+              <a:schemeClr val="accent1">
+                <a:shade val="50000"/>
+              </a:schemeClr>
+            </a:lnRef>
+            <a:fillRef idx="1">
+              <a:schemeClr val="accent1"/>
+            </a:fillRef>
+            <a:effectRef idx="0">
+              <a:schemeClr val="accent1"/>
+            </a:effectRef>
+            <a:fontRef idx="minor">
+              <a:schemeClr val="lt1"/>
+            </a:fontRef>
+          </p:style>
+          <p:txBody>
+            <a:bodyPr lIns="0" tIns="0" rIns="0" bIns="0" rtlCol="0" anchor="ctr"/>
+            <a:lstStyle/>
+            <a:p>
+              <a:pPr algn="ctr"/>
+              <a:r>
+                <a:rPr lang="es-ES" sz="1200" dirty="0" smtClean="0">
+                  <a:solidFill>
+                    <a:schemeClr val="tx1">
+                      <a:lumMod val="75000"/>
+                      <a:lumOff val="25000"/>
+                    </a:schemeClr>
+                  </a:solidFill>
+                  <a:latin typeface="Arial Rounded MT Bold" panose="020F0704030504030204" pitchFamily="34" charset="0"/>
+                </a:rPr>
+                <a:t>YUM </a:t>
+              </a:r>
+              <a:r>
+                <a:rPr lang="es-ES" sz="1200" dirty="0" err="1" smtClean="0">
+                  <a:solidFill>
+                    <a:schemeClr val="tx1">
+                      <a:lumMod val="75000"/>
+                      <a:lumOff val="25000"/>
+                    </a:schemeClr>
+                  </a:solidFill>
+                  <a:latin typeface="Arial Rounded MT Bold" panose="020F0704030504030204" pitchFamily="34" charset="0"/>
+                </a:rPr>
+                <a:t>YUM</a:t>
+              </a:r>
+              <a:r>
+                <a:rPr lang="es-ES" sz="1200" dirty="0" smtClean="0">
+                  <a:solidFill>
+                    <a:schemeClr val="tx1">
+                      <a:lumMod val="75000"/>
+                      <a:lumOff val="25000"/>
+                    </a:schemeClr>
+                  </a:solidFill>
+                  <a:latin typeface="Arial Rounded MT Bold" panose="020F0704030504030204" pitchFamily="34" charset="0"/>
+                </a:rPr>
+                <a:t> </a:t>
+              </a:r>
+            </a:p>
+            <a:p>
+              <a:pPr algn="ctr"/>
+              <a:r>
+                <a:rPr lang="es-ES" sz="1200" dirty="0" smtClean="0">
+                  <a:solidFill>
+                    <a:schemeClr val="tx1">
+                      <a:lumMod val="75000"/>
+                      <a:lumOff val="25000"/>
+                    </a:schemeClr>
+                  </a:solidFill>
+                  <a:latin typeface="Arial Rounded MT Bold" panose="020F0704030504030204" pitchFamily="34" charset="0"/>
+                </a:rPr>
+                <a:t>SUGEST</a:t>
+              </a:r>
+              <a:endParaRPr lang="es-ES" sz="1200" dirty="0">
+                <a:solidFill>
+                  <a:schemeClr val="tx1">
+                    <a:lumMod val="75000"/>
+                    <a:lumOff val="25000"/>
+                  </a:schemeClr>
+                </a:solidFill>
+                <a:latin typeface="Arial Rounded MT Bold" panose="020F0704030504030204" pitchFamily="34" charset="0"/>
+              </a:endParaRPr>
+            </a:p>
+          </p:txBody>
+        </p:sp>
+        <p:sp>
+          <p:nvSpPr>
+            <p:cNvPr id="100" name="CuadroTexto 99"/>
+            <p:cNvSpPr txBox="1"/>
+            <p:nvPr/>
+          </p:nvSpPr>
+          <p:spPr>
+            <a:xfrm>
+              <a:off x="11800275" y="8045125"/>
+              <a:ext cx="1275775" cy="307777"/>
+            </a:xfrm>
+            <a:prstGeom prst="rect">
+              <a:avLst/>
+            </a:prstGeom>
+            <a:noFill/>
+          </p:spPr>
+          <p:txBody>
+            <a:bodyPr wrap="square" rtlCol="0">
+              <a:spAutoFit/>
+            </a:bodyPr>
+            <a:lstStyle/>
+            <a:p>
+              <a:r>
+                <a:rPr lang="es-ES" sz="1400" b="1" dirty="0" smtClean="0">
+                  <a:solidFill>
+                    <a:srgbClr val="00B050"/>
+                  </a:solidFill>
+                </a:rPr>
+                <a:t>DATABASE</a:t>
+              </a:r>
+              <a:endParaRPr lang="es-ES" sz="1400" b="1" dirty="0">
+                <a:solidFill>
+                  <a:srgbClr val="00B050"/>
+                </a:solidFill>
+              </a:endParaRPr>
+            </a:p>
+          </p:txBody>
+        </p:sp>
+        <p:sp>
+          <p:nvSpPr>
+            <p:cNvPr id="101" name="Flecha izquierda y derecha 100"/>
+            <p:cNvSpPr/>
+            <p:nvPr/>
+          </p:nvSpPr>
+          <p:spPr>
+            <a:xfrm rot="16200000">
+              <a:off x="11767066" y="7283047"/>
+              <a:ext cx="922357" cy="212903"/>
+            </a:xfrm>
+            <a:prstGeom prst="leftRightArrow">
+              <a:avLst/>
+            </a:prstGeom>
+            <a:solidFill>
+              <a:schemeClr val="accent3">
+                <a:lumMod val="60000"/>
+                <a:lumOff val="40000"/>
+              </a:schemeClr>
+            </a:solidFill>
+            <a:ln>
+              <a:noFill/>
+            </a:ln>
+          </p:spPr>
+          <p:style>
+            <a:lnRef idx="2">
+              <a:schemeClr val="accent1">
+                <a:shade val="50000"/>
+              </a:schemeClr>
+            </a:lnRef>
+            <a:fillRef idx="1">
+              <a:schemeClr val="accent1"/>
+            </a:fillRef>
+            <a:effectRef idx="0">
+              <a:schemeClr val="accent1"/>
+            </a:effectRef>
+            <a:fontRef idx="minor">
+              <a:schemeClr val="lt1"/>
+            </a:fontRef>
+          </p:style>
+          <p:txBody>
+            <a:bodyPr rtlCol="0" anchor="ctr"/>
+            <a:lstStyle/>
+            <a:p>
+              <a:pPr algn="ctr"/>
+              <a:endParaRPr lang="es-ES"/>
+            </a:p>
+          </p:txBody>
+        </p:sp>
+        <p:pic>
+          <p:nvPicPr>
+            <p:cNvPr id="102" name="Imagen 101"/>
+            <p:cNvPicPr>
+              <a:picLocks noChangeAspect="1"/>
+            </p:cNvPicPr>
+            <p:nvPr/>
+          </p:nvPicPr>
+          <p:blipFill>
+            <a:blip r:embed="rId5" cstate="print">
+              <a:duotone>
+                <a:schemeClr val="accent5">
+                  <a:shade val="45000"/>
+                  <a:satMod val="135000"/>
+                </a:schemeClr>
+                <a:prstClr val="white"/>
+              </a:duotone>
+              <a:extLst>
+                <a:ext uri="{28A0092B-C50C-407E-A947-70E740481C1C}">
+                  <a14:useLocalDpi xmlns:a14="http://schemas.microsoft.com/office/drawing/2010/main" val="0"/>
+                </a:ext>
+              </a:extLst>
+            </a:blip>
+            <a:stretch>
+              <a:fillRect/>
+            </a:stretch>
+          </p:blipFill>
+          <p:spPr>
+            <a:xfrm>
+              <a:off x="12398979" y="8473130"/>
+              <a:ext cx="566319" cy="568158"/>
+            </a:xfrm>
+            <a:prstGeom prst="rect">
+              <a:avLst/>
+            </a:prstGeom>
+          </p:spPr>
+        </p:pic>
+        <p:pic>
+          <p:nvPicPr>
+            <p:cNvPr id="104" name="Imagen 103"/>
+            <p:cNvPicPr>
+              <a:picLocks noChangeAspect="1"/>
+            </p:cNvPicPr>
+            <p:nvPr/>
+          </p:nvPicPr>
+          <p:blipFill>
+            <a:blip r:embed="rId6" cstate="print">
+              <a:extLst>
+                <a:ext uri="{28A0092B-C50C-407E-A947-70E740481C1C}">
+                  <a14:useLocalDpi xmlns:a14="http://schemas.microsoft.com/office/drawing/2010/main" val="0"/>
+                </a:ext>
+              </a:extLst>
+            </a:blip>
+            <a:stretch>
+              <a:fillRect/>
+            </a:stretch>
+          </p:blipFill>
+          <p:spPr>
+            <a:xfrm>
+              <a:off x="11664039" y="8473130"/>
+              <a:ext cx="678982" cy="624663"/>
+            </a:xfrm>
+            <a:prstGeom prst="rect">
+              <a:avLst/>
+            </a:prstGeom>
+          </p:spPr>
+        </p:pic>
+        <p:sp>
+          <p:nvSpPr>
+            <p:cNvPr id="106" name="CuadroTexto 105"/>
+            <p:cNvSpPr txBox="1"/>
+            <p:nvPr/>
+          </p:nvSpPr>
+          <p:spPr>
+            <a:xfrm>
+              <a:off x="12099905" y="4662361"/>
+              <a:ext cx="1423018" cy="338554"/>
+            </a:xfrm>
+            <a:prstGeom prst="rect">
+              <a:avLst/>
+            </a:prstGeom>
+            <a:noFill/>
+          </p:spPr>
+          <p:txBody>
+            <a:bodyPr wrap="none" rtlCol="0">
+              <a:spAutoFit/>
+            </a:bodyPr>
+            <a:lstStyle/>
+            <a:p>
+              <a:r>
+                <a:rPr lang="es-ES" sz="1600" b="1" dirty="0" smtClean="0">
+                  <a:solidFill>
+                    <a:schemeClr val="tx1">
+                      <a:lumMod val="50000"/>
+                      <a:lumOff val="50000"/>
+                    </a:schemeClr>
+                  </a:solidFill>
+                  <a:latin typeface="+mj-lt"/>
+                  <a:cs typeface="Aharoni" panose="02010803020104030203" pitchFamily="2" charset="-79"/>
+                </a:rPr>
+                <a:t>( $</a:t>
+              </a:r>
+              <a:r>
+                <a:rPr lang="es-ES" sz="1600" b="1" dirty="0" err="1" smtClean="0">
+                  <a:solidFill>
+                    <a:schemeClr val="tx1">
+                      <a:lumMod val="50000"/>
+                      <a:lumOff val="50000"/>
+                    </a:schemeClr>
+                  </a:solidFill>
+                  <a:latin typeface="+mj-lt"/>
+                  <a:cs typeface="Aharoni" panose="02010803020104030203" pitchFamily="2" charset="-79"/>
+                </a:rPr>
+                <a:t>yum_sugest</a:t>
+              </a:r>
+              <a:r>
+                <a:rPr lang="es-ES" sz="1600" b="1" dirty="0" smtClean="0">
+                  <a:solidFill>
+                    <a:schemeClr val="tx1">
+                      <a:lumMod val="50000"/>
+                      <a:lumOff val="50000"/>
+                    </a:schemeClr>
+                  </a:solidFill>
+                  <a:latin typeface="+mj-lt"/>
+                  <a:cs typeface="Aharoni" panose="02010803020104030203" pitchFamily="2" charset="-79"/>
+                </a:rPr>
+                <a:t>)</a:t>
+              </a:r>
+              <a:endParaRPr lang="es-ES" sz="1600" b="1" dirty="0">
+                <a:solidFill>
+                  <a:schemeClr val="tx1">
+                    <a:lumMod val="50000"/>
+                    <a:lumOff val="50000"/>
+                  </a:schemeClr>
+                </a:solidFill>
+                <a:latin typeface="+mj-lt"/>
+                <a:cs typeface="Aharoni" panose="02010803020104030203" pitchFamily="2" charset="-79"/>
+              </a:endParaRPr>
+            </a:p>
+          </p:txBody>
+        </p:sp>
+        <p:sp>
+          <p:nvSpPr>
+            <p:cNvPr id="107" name="Decisión 106"/>
+            <p:cNvSpPr/>
+            <p:nvPr/>
+          </p:nvSpPr>
+          <p:spPr>
+            <a:xfrm>
+              <a:off x="6822736" y="5684392"/>
+              <a:ext cx="1552885" cy="1439230"/>
+            </a:xfrm>
+            <a:prstGeom prst="flowChartDecision">
+              <a:avLst/>
+            </a:prstGeom>
+            <a:noFill/>
+            <a:ln w="38100">
+              <a:solidFill>
+                <a:srgbClr val="46DACC"/>
+              </a:solidFill>
+              <a:prstDash val="sysDot"/>
+            </a:ln>
+          </p:spPr>
+          <p:style>
+            <a:lnRef idx="2">
+              <a:schemeClr val="accent1">
+                <a:shade val="50000"/>
+              </a:schemeClr>
+            </a:lnRef>
+            <a:fillRef idx="1">
+              <a:schemeClr val="accent1"/>
+            </a:fillRef>
+            <a:effectRef idx="0">
+              <a:schemeClr val="accent1"/>
+            </a:effectRef>
+            <a:fontRef idx="minor">
+              <a:schemeClr val="lt1"/>
+            </a:fontRef>
+          </p:style>
+          <p:txBody>
+            <a:bodyPr lIns="0" tIns="0" rIns="0" bIns="0" rtlCol="0" anchor="ctr"/>
+            <a:lstStyle/>
+            <a:p>
+              <a:pPr algn="ctr"/>
+              <a:r>
+                <a:rPr lang="es-ES" sz="1200" dirty="0" smtClean="0">
+                  <a:solidFill>
+                    <a:schemeClr val="tx1">
+                      <a:lumMod val="75000"/>
+                      <a:lumOff val="25000"/>
+                    </a:schemeClr>
+                  </a:solidFill>
+                  <a:latin typeface="Arial Rounded MT Bold" panose="020F0704030504030204" pitchFamily="34" charset="0"/>
+                </a:rPr>
+                <a:t>COUNTER </a:t>
+              </a:r>
+              <a:r>
+                <a:rPr lang="es-ES" sz="1600" dirty="0" smtClean="0">
+                  <a:solidFill>
+                    <a:schemeClr val="tx1">
+                      <a:lumMod val="75000"/>
+                      <a:lumOff val="25000"/>
+                    </a:schemeClr>
+                  </a:solidFill>
+                  <a:latin typeface="Arial Rounded MT Bold" panose="020F0704030504030204" pitchFamily="34" charset="0"/>
+                </a:rPr>
+                <a:t>&lt; = </a:t>
+              </a:r>
+              <a:r>
+                <a:rPr lang="es-ES" sz="1400" dirty="0" smtClean="0">
+                  <a:solidFill>
+                    <a:schemeClr val="tx1">
+                      <a:lumMod val="75000"/>
+                      <a:lumOff val="25000"/>
+                    </a:schemeClr>
+                  </a:solidFill>
+                  <a:latin typeface="Arial Rounded MT Bold" panose="020F0704030504030204" pitchFamily="34" charset="0"/>
+                </a:rPr>
+                <a:t>3</a:t>
+              </a:r>
+              <a:endParaRPr lang="es-ES" dirty="0" smtClean="0">
+                <a:solidFill>
+                  <a:schemeClr val="tx1">
+                    <a:lumMod val="75000"/>
+                    <a:lumOff val="25000"/>
+                  </a:schemeClr>
+                </a:solidFill>
+                <a:latin typeface="Arial Rounded MT Bold" panose="020F0704030504030204" pitchFamily="34" charset="0"/>
+              </a:endParaRPr>
+            </a:p>
+          </p:txBody>
+        </p:sp>
+        <p:cxnSp>
+          <p:nvCxnSpPr>
+            <p:cNvPr id="109" name="Conector recto de flecha 108"/>
+            <p:cNvCxnSpPr>
+              <a:stCxn id="107" idx="3"/>
+              <a:endCxn id="99" idx="1"/>
+            </p:cNvCxnSpPr>
+            <p:nvPr/>
+          </p:nvCxnSpPr>
+          <p:spPr>
+            <a:xfrm flipV="1">
+              <a:off x="8375621" y="6392890"/>
+              <a:ext cx="3116068" cy="11117"/>
+            </a:xfrm>
+            <a:prstGeom prst="straightConnector1">
+              <a:avLst/>
+            </a:prstGeom>
+            <a:ln w="28575">
+              <a:solidFill>
+                <a:srgbClr val="7240F0"/>
+              </a:solidFill>
+              <a:tailEnd type="triangle" w="lg" len="lg"/>
+            </a:ln>
+          </p:spPr>
+          <p:style>
+            <a:lnRef idx="1">
+              <a:schemeClr val="accent1"/>
+            </a:lnRef>
+            <a:fillRef idx="0">
+              <a:schemeClr val="accent1"/>
+            </a:fillRef>
+            <a:effectRef idx="0">
+              <a:schemeClr val="accent1"/>
+            </a:effectRef>
+            <a:fontRef idx="minor">
+              <a:schemeClr val="tx1"/>
+            </a:fontRef>
+          </p:style>
+        </p:cxnSp>
+        <p:cxnSp>
+          <p:nvCxnSpPr>
+            <p:cNvPr id="148" name="Conector recto de flecha 147"/>
+            <p:cNvCxnSpPr/>
+            <p:nvPr/>
+          </p:nvCxnSpPr>
+          <p:spPr>
+            <a:xfrm flipH="1" flipV="1">
+              <a:off x="12121793" y="3792237"/>
+              <a:ext cx="45421" cy="2160000"/>
+            </a:xfrm>
+            <a:prstGeom prst="straightConnector1">
+              <a:avLst/>
+            </a:prstGeom>
+            <a:ln w="28575">
+              <a:solidFill>
+                <a:srgbClr val="7240F0"/>
+              </a:solidFill>
+              <a:tailEnd type="triangle" w="lg" len="lg"/>
+            </a:ln>
+          </p:spPr>
+          <p:style>
+            <a:lnRef idx="1">
+              <a:schemeClr val="accent1"/>
+            </a:lnRef>
+            <a:fillRef idx="0">
+              <a:schemeClr val="accent1"/>
+            </a:fillRef>
+            <a:effectRef idx="0">
+              <a:schemeClr val="accent1"/>
+            </a:effectRef>
+            <a:fontRef idx="minor">
+              <a:schemeClr val="tx1"/>
+            </a:fontRef>
+          </p:style>
+        </p:cxnSp>
+        <p:sp>
+          <p:nvSpPr>
+            <p:cNvPr id="170" name="CuadroTexto 169"/>
+            <p:cNvSpPr txBox="1"/>
+            <p:nvPr/>
+          </p:nvSpPr>
+          <p:spPr>
+            <a:xfrm>
+              <a:off x="6964089" y="4867528"/>
+              <a:ext cx="475643" cy="369332"/>
+            </a:xfrm>
+            <a:prstGeom prst="rect">
+              <a:avLst/>
+            </a:prstGeom>
+            <a:noFill/>
+          </p:spPr>
+          <p:txBody>
+            <a:bodyPr wrap="none" rtlCol="0">
+              <a:spAutoFit/>
+            </a:bodyPr>
+            <a:lstStyle/>
+            <a:p>
+              <a:r>
+                <a:rPr lang="es-ES" b="1" dirty="0" smtClean="0">
+                  <a:solidFill>
+                    <a:srgbClr val="FF3300"/>
+                  </a:solidFill>
+                  <a:latin typeface="+mj-lt"/>
+                  <a:cs typeface="Aharoni" panose="02010803020104030203" pitchFamily="2" charset="-79"/>
+                </a:rPr>
+                <a:t>Yes</a:t>
+              </a:r>
+              <a:endParaRPr lang="es-ES" b="1" dirty="0">
+                <a:solidFill>
+                  <a:srgbClr val="FF3300"/>
+                </a:solidFill>
+                <a:latin typeface="+mj-lt"/>
+                <a:cs typeface="Aharoni" panose="02010803020104030203" pitchFamily="2" charset="-79"/>
+              </a:endParaRPr>
+            </a:p>
+          </p:txBody>
+        </p:sp>
+        <p:sp>
+          <p:nvSpPr>
+            <p:cNvPr id="171" name="CuadroTexto 170"/>
+            <p:cNvSpPr txBox="1"/>
+            <p:nvPr/>
+          </p:nvSpPr>
+          <p:spPr>
+            <a:xfrm>
+              <a:off x="8440813" y="6020014"/>
+              <a:ext cx="447558" cy="369332"/>
+            </a:xfrm>
+            <a:prstGeom prst="rect">
+              <a:avLst/>
+            </a:prstGeom>
+            <a:noFill/>
+          </p:spPr>
+          <p:txBody>
+            <a:bodyPr wrap="none" rtlCol="0">
+              <a:spAutoFit/>
+            </a:bodyPr>
+            <a:lstStyle/>
+            <a:p>
+              <a:r>
+                <a:rPr lang="es-ES" b="1" dirty="0" smtClean="0">
+                  <a:solidFill>
+                    <a:srgbClr val="FF3300"/>
+                  </a:solidFill>
+                  <a:latin typeface="+mj-lt"/>
+                  <a:cs typeface="Aharoni" panose="02010803020104030203" pitchFamily="2" charset="-79"/>
+                </a:rPr>
+                <a:t>No</a:t>
+              </a:r>
+              <a:endParaRPr lang="es-ES" b="1" dirty="0">
+                <a:solidFill>
+                  <a:srgbClr val="FF3300"/>
+                </a:solidFill>
+                <a:latin typeface="+mj-lt"/>
+                <a:cs typeface="Aharoni" panose="02010803020104030203" pitchFamily="2" charset="-79"/>
+              </a:endParaRPr>
+            </a:p>
+          </p:txBody>
+        </p:sp>
+      </p:grpSp>
+      <p:sp>
+        <p:nvSpPr>
+          <p:cNvPr id="2" name="Rectángulo redondeado 1"/>
+          <p:cNvSpPr/>
+          <p:nvPr/>
+        </p:nvSpPr>
+        <p:spPr>
+          <a:xfrm>
+            <a:off x="481263" y="-155605"/>
+            <a:ext cx="7749695" cy="7647268"/>
+          </a:xfrm>
+          <a:prstGeom prst="roundRect">
+            <a:avLst>
+              <a:gd name="adj" fmla="val 8696"/>
+            </a:avLst>
+          </a:prstGeom>
+          <a:noFill/>
+          <a:ln>
+            <a:solidFill>
+              <a:schemeClr val="bg1">
+                <a:lumMod val="75000"/>
+              </a:schemeClr>
+            </a:solidFill>
+            <a:prstDash val="sysDash"/>
+          </a:ln>
+        </p:spPr>
+        <p:style>
+          <a:lnRef idx="2">
+            <a:schemeClr val="accent1">
+              <a:shade val="50000"/>
+            </a:schemeClr>
+          </a:lnRef>
+          <a:fillRef idx="1">
+            <a:schemeClr val="accent1"/>
+          </a:fillRef>
+          <a:effectRef idx="0">
+            <a:schemeClr val="accent1"/>
+          </a:effectRef>
+          <a:fontRef idx="minor">
+            <a:schemeClr val="lt1"/>
+          </a:fontRef>
+        </p:style>
+        <p:txBody>
+          <a:bodyPr rtlCol="0" anchor="ctr"/>
+          <a:lstStyle/>
+          <a:p>
+            <a:pPr algn="ctr"/>
+            <a:endParaRPr lang="es-ES"/>
+          </a:p>
+        </p:txBody>
+      </p:sp>
+      <p:sp>
+        <p:nvSpPr>
+          <p:cNvPr id="56" name="Rectángulo redondeado 55"/>
+          <p:cNvSpPr/>
+          <p:nvPr/>
+        </p:nvSpPr>
+        <p:spPr>
+          <a:xfrm>
+            <a:off x="8265120" y="644987"/>
+            <a:ext cx="5175764" cy="6622087"/>
+          </a:xfrm>
+          <a:prstGeom prst="roundRect">
+            <a:avLst/>
+          </a:prstGeom>
+          <a:noFill/>
+          <a:ln>
+            <a:solidFill>
+              <a:schemeClr val="bg1">
+                <a:lumMod val="75000"/>
+              </a:schemeClr>
+            </a:solidFill>
+            <a:prstDash val="sysDash"/>
+          </a:ln>
+        </p:spPr>
+        <p:style>
+          <a:lnRef idx="2">
+            <a:schemeClr val="accent1">
+              <a:shade val="50000"/>
+            </a:schemeClr>
+          </a:lnRef>
+          <a:fillRef idx="1">
+            <a:schemeClr val="accent1"/>
+          </a:fillRef>
+          <a:effectRef idx="0">
+            <a:schemeClr val="accent1"/>
+          </a:effectRef>
+          <a:fontRef idx="minor">
+            <a:schemeClr val="lt1"/>
+          </a:fontRef>
+        </p:style>
+        <p:txBody>
+          <a:bodyPr rtlCol="0" anchor="ctr"/>
+          <a:lstStyle/>
+          <a:p>
+            <a:pPr algn="ctr"/>
+            <a:endParaRPr lang="es-ES"/>
+          </a:p>
+        </p:txBody>
+      </p:sp>
+    </p:spTree>
+    <p:extLst>
+      <p:ext uri="{BB962C8B-B14F-4D97-AF65-F5344CB8AC3E}">
+        <p14:creationId xmlns:p14="http://schemas.microsoft.com/office/powerpoint/2010/main" val="3921082401"/>
       </p:ext>
     </p:extLst>
   </p:cSld>

--- a/memoria/images/Presentación1.pptx
+++ b/memoria/images/Presentación1.pptx
@@ -272,7 +272,7 @@
           <a:p>
             <a:fld id="{9C28449B-7E7F-4B22-B31C-7455ACE0523B}" type="datetimeFigureOut">
               <a:rPr lang="es-ES" smtClean="0"/>
-              <a:t>23/12/2017</a:t>
+              <a:t>25/12/2017</a:t>
             </a:fld>
             <a:endParaRPr lang="es-ES"/>
           </a:p>
@@ -442,7 +442,7 @@
           <a:p>
             <a:fld id="{9C28449B-7E7F-4B22-B31C-7455ACE0523B}" type="datetimeFigureOut">
               <a:rPr lang="es-ES" smtClean="0"/>
-              <a:t>23/12/2017</a:t>
+              <a:t>25/12/2017</a:t>
             </a:fld>
             <a:endParaRPr lang="es-ES"/>
           </a:p>
@@ -622,7 +622,7 @@
           <a:p>
             <a:fld id="{9C28449B-7E7F-4B22-B31C-7455ACE0523B}" type="datetimeFigureOut">
               <a:rPr lang="es-ES" smtClean="0"/>
-              <a:t>23/12/2017</a:t>
+              <a:t>25/12/2017</a:t>
             </a:fld>
             <a:endParaRPr lang="es-ES"/>
           </a:p>
@@ -792,7 +792,7 @@
           <a:p>
             <a:fld id="{9C28449B-7E7F-4B22-B31C-7455ACE0523B}" type="datetimeFigureOut">
               <a:rPr lang="es-ES" smtClean="0"/>
-              <a:t>23/12/2017</a:t>
+              <a:t>25/12/2017</a:t>
             </a:fld>
             <a:endParaRPr lang="es-ES"/>
           </a:p>
@@ -1038,7 +1038,7 @@
           <a:p>
             <a:fld id="{9C28449B-7E7F-4B22-B31C-7455ACE0523B}" type="datetimeFigureOut">
               <a:rPr lang="es-ES" smtClean="0"/>
-              <a:t>23/12/2017</a:t>
+              <a:t>25/12/2017</a:t>
             </a:fld>
             <a:endParaRPr lang="es-ES"/>
           </a:p>
@@ -1270,7 +1270,7 @@
           <a:p>
             <a:fld id="{9C28449B-7E7F-4B22-B31C-7455ACE0523B}" type="datetimeFigureOut">
               <a:rPr lang="es-ES" smtClean="0"/>
-              <a:t>23/12/2017</a:t>
+              <a:t>25/12/2017</a:t>
             </a:fld>
             <a:endParaRPr lang="es-ES"/>
           </a:p>
@@ -1637,7 +1637,7 @@
           <a:p>
             <a:fld id="{9C28449B-7E7F-4B22-B31C-7455ACE0523B}" type="datetimeFigureOut">
               <a:rPr lang="es-ES" smtClean="0"/>
-              <a:t>23/12/2017</a:t>
+              <a:t>25/12/2017</a:t>
             </a:fld>
             <a:endParaRPr lang="es-ES"/>
           </a:p>
@@ -1755,7 +1755,7 @@
           <a:p>
             <a:fld id="{9C28449B-7E7F-4B22-B31C-7455ACE0523B}" type="datetimeFigureOut">
               <a:rPr lang="es-ES" smtClean="0"/>
-              <a:t>23/12/2017</a:t>
+              <a:t>25/12/2017</a:t>
             </a:fld>
             <a:endParaRPr lang="es-ES"/>
           </a:p>
@@ -1850,7 +1850,7 @@
           <a:p>
             <a:fld id="{9C28449B-7E7F-4B22-B31C-7455ACE0523B}" type="datetimeFigureOut">
               <a:rPr lang="es-ES" smtClean="0"/>
-              <a:t>23/12/2017</a:t>
+              <a:t>25/12/2017</a:t>
             </a:fld>
             <a:endParaRPr lang="es-ES"/>
           </a:p>
@@ -2127,7 +2127,7 @@
           <a:p>
             <a:fld id="{9C28449B-7E7F-4B22-B31C-7455ACE0523B}" type="datetimeFigureOut">
               <a:rPr lang="es-ES" smtClean="0"/>
-              <a:t>23/12/2017</a:t>
+              <a:t>25/12/2017</a:t>
             </a:fld>
             <a:endParaRPr lang="es-ES"/>
           </a:p>
@@ -2380,7 +2380,7 @@
           <a:p>
             <a:fld id="{9C28449B-7E7F-4B22-B31C-7455ACE0523B}" type="datetimeFigureOut">
               <a:rPr lang="es-ES" smtClean="0"/>
-              <a:t>23/12/2017</a:t>
+              <a:t>25/12/2017</a:t>
             </a:fld>
             <a:endParaRPr lang="es-ES"/>
           </a:p>
@@ -2593,7 +2593,7 @@
           <a:p>
             <a:fld id="{9C28449B-7E7F-4B22-B31C-7455ACE0523B}" type="datetimeFigureOut">
               <a:rPr lang="es-ES" smtClean="0"/>
-              <a:t>23/12/2017</a:t>
+              <a:t>25/12/2017</a:t>
             </a:fld>
             <a:endParaRPr lang="es-ES"/>
           </a:p>
@@ -15322,37 +15322,2825 @@
       </p:grpSpPr>
       <p:grpSp>
         <p:nvGrpSpPr>
-          <p:cNvPr id="179" name="Grupo 178"/>
+          <p:cNvPr id="40" name="Grupo 39"/>
           <p:cNvGrpSpPr/>
           <p:nvPr/>
         </p:nvGrpSpPr>
         <p:grpSpPr>
           <a:xfrm>
-            <a:off x="-1365223" y="-2181726"/>
-            <a:ext cx="16989718" cy="11576336"/>
-            <a:chOff x="-1238250" y="-2133600"/>
-            <a:chExt cx="16989718" cy="11576336"/>
+            <a:off x="-3096126" y="-2005263"/>
+            <a:ext cx="21143494" cy="11389895"/>
+            <a:chOff x="-3096126" y="-2005263"/>
+            <a:chExt cx="21143494" cy="11389895"/>
           </a:xfrm>
         </p:grpSpPr>
+        <p:grpSp>
+          <p:nvGrpSpPr>
+            <p:cNvPr id="179" name="Grupo 178"/>
+            <p:cNvGrpSpPr/>
+            <p:nvPr/>
+          </p:nvGrpSpPr>
+          <p:grpSpPr>
+            <a:xfrm>
+              <a:off x="-3096126" y="-2005263"/>
+              <a:ext cx="21143494" cy="11389895"/>
+              <a:chOff x="-2969153" y="-1957137"/>
+              <a:chExt cx="21143494" cy="11389895"/>
+            </a:xfrm>
+          </p:grpSpPr>
+          <p:sp>
+            <p:nvSpPr>
+              <p:cNvPr id="135" name="Rectángulo 134"/>
+              <p:cNvSpPr/>
+              <p:nvPr/>
+            </p:nvSpPr>
+            <p:spPr>
+              <a:xfrm>
+                <a:off x="-2969153" y="-1957137"/>
+                <a:ext cx="21143494" cy="11389895"/>
+              </a:xfrm>
+              <a:prstGeom prst="rect">
+                <a:avLst/>
+              </a:prstGeom>
+              <a:solidFill>
+                <a:schemeClr val="bg1"/>
+              </a:solidFill>
+              <a:ln>
+                <a:noFill/>
+              </a:ln>
+            </p:spPr>
+            <p:style>
+              <a:lnRef idx="2">
+                <a:schemeClr val="accent1">
+                  <a:shade val="50000"/>
+                </a:schemeClr>
+              </a:lnRef>
+              <a:fillRef idx="1">
+                <a:schemeClr val="accent1"/>
+              </a:fillRef>
+              <a:effectRef idx="0">
+                <a:schemeClr val="accent1"/>
+              </a:effectRef>
+              <a:fontRef idx="minor">
+                <a:schemeClr val="lt1"/>
+              </a:fontRef>
+            </p:style>
+            <p:txBody>
+              <a:bodyPr rtlCol="0" anchor="ctr"/>
+              <a:lstStyle/>
+              <a:p>
+                <a:pPr algn="ctr"/>
+                <a:endParaRPr lang="es-ES"/>
+              </a:p>
+            </p:txBody>
+          </p:sp>
+          <p:sp>
+            <p:nvSpPr>
+              <p:cNvPr id="51" name="Nube 50"/>
+              <p:cNvSpPr/>
+              <p:nvPr/>
+            </p:nvSpPr>
+            <p:spPr>
+              <a:xfrm>
+                <a:off x="12921229" y="-1844557"/>
+                <a:ext cx="2628000" cy="1692000"/>
+              </a:xfrm>
+              <a:prstGeom prst="cloud">
+                <a:avLst/>
+              </a:prstGeom>
+              <a:solidFill>
+                <a:schemeClr val="bg1"/>
+              </a:solidFill>
+              <a:ln w="28575">
+                <a:solidFill>
+                  <a:schemeClr val="bg2">
+                    <a:lumMod val="75000"/>
+                  </a:schemeClr>
+                </a:solidFill>
+              </a:ln>
+            </p:spPr>
+            <p:style>
+              <a:lnRef idx="2">
+                <a:schemeClr val="accent1">
+                  <a:shade val="50000"/>
+                </a:schemeClr>
+              </a:lnRef>
+              <a:fillRef idx="1">
+                <a:schemeClr val="accent1"/>
+              </a:fillRef>
+              <a:effectRef idx="0">
+                <a:schemeClr val="accent1"/>
+              </a:effectRef>
+              <a:fontRef idx="minor">
+                <a:schemeClr val="lt1"/>
+              </a:fontRef>
+            </p:style>
+            <p:txBody>
+              <a:bodyPr rtlCol="0" anchor="ctr"/>
+              <a:lstStyle/>
+              <a:p>
+                <a:pPr algn="ctr"/>
+                <a:endParaRPr lang="es-ES"/>
+              </a:p>
+            </p:txBody>
+          </p:sp>
+          <p:sp>
+            <p:nvSpPr>
+              <p:cNvPr id="67" name="Nube 66"/>
+              <p:cNvSpPr/>
+              <p:nvPr/>
+            </p:nvSpPr>
+            <p:spPr>
+              <a:xfrm>
+                <a:off x="9914401" y="-1840423"/>
+                <a:ext cx="2628000" cy="1692000"/>
+              </a:xfrm>
+              <a:prstGeom prst="cloud">
+                <a:avLst/>
+              </a:prstGeom>
+              <a:solidFill>
+                <a:schemeClr val="bg1"/>
+              </a:solidFill>
+              <a:ln w="28575">
+                <a:solidFill>
+                  <a:schemeClr val="bg2">
+                    <a:lumMod val="75000"/>
+                  </a:schemeClr>
+                </a:solidFill>
+              </a:ln>
+            </p:spPr>
+            <p:style>
+              <a:lnRef idx="2">
+                <a:schemeClr val="accent1">
+                  <a:shade val="50000"/>
+                </a:schemeClr>
+              </a:lnRef>
+              <a:fillRef idx="1">
+                <a:schemeClr val="accent1"/>
+              </a:fillRef>
+              <a:effectRef idx="0">
+                <a:schemeClr val="accent1"/>
+              </a:effectRef>
+              <a:fontRef idx="minor">
+                <a:schemeClr val="lt1"/>
+              </a:fontRef>
+            </p:style>
+            <p:txBody>
+              <a:bodyPr rtlCol="0" anchor="ctr"/>
+              <a:lstStyle/>
+              <a:p>
+                <a:pPr algn="ctr"/>
+                <a:endParaRPr lang="es-ES"/>
+              </a:p>
+            </p:txBody>
+          </p:sp>
+          <p:sp>
+            <p:nvSpPr>
+              <p:cNvPr id="4" name="Rectángulo redondeado 3"/>
+              <p:cNvSpPr/>
+              <p:nvPr/>
+            </p:nvSpPr>
+            <p:spPr>
+              <a:xfrm>
+                <a:off x="10688261" y="1073071"/>
+                <a:ext cx="1275009" cy="936000"/>
+              </a:xfrm>
+              <a:prstGeom prst="roundRect">
+                <a:avLst/>
+              </a:prstGeom>
+              <a:noFill/>
+              <a:ln w="38100">
+                <a:solidFill>
+                  <a:srgbClr val="FFC000"/>
+                </a:solidFill>
+              </a:ln>
+            </p:spPr>
+            <p:style>
+              <a:lnRef idx="2">
+                <a:schemeClr val="accent1">
+                  <a:shade val="50000"/>
+                </a:schemeClr>
+              </a:lnRef>
+              <a:fillRef idx="1">
+                <a:schemeClr val="accent1"/>
+              </a:fillRef>
+              <a:effectRef idx="0">
+                <a:schemeClr val="accent1"/>
+              </a:effectRef>
+              <a:fontRef idx="minor">
+                <a:schemeClr val="lt1"/>
+              </a:fontRef>
+            </p:style>
+            <p:txBody>
+              <a:bodyPr lIns="0" tIns="0" rIns="0" bIns="0" rtlCol="0" anchor="ctr"/>
+              <a:lstStyle/>
+              <a:p>
+                <a:pPr algn="ctr"/>
+                <a:r>
+                  <a:rPr lang="es-ES" sz="1200" dirty="0" smtClean="0">
+                    <a:solidFill>
+                      <a:schemeClr val="tx1">
+                        <a:lumMod val="75000"/>
+                        <a:lumOff val="25000"/>
+                      </a:schemeClr>
+                    </a:solidFill>
+                    <a:latin typeface="Arial Rounded MT Bold" panose="020F0704030504030204" pitchFamily="34" charset="0"/>
+                  </a:rPr>
+                  <a:t>IMAGE</a:t>
+                </a:r>
+              </a:p>
+              <a:p>
+                <a:pPr algn="ctr"/>
+                <a:r>
+                  <a:rPr lang="es-ES" sz="1200" dirty="0" smtClean="0">
+                    <a:solidFill>
+                      <a:schemeClr val="tx1">
+                        <a:lumMod val="75000"/>
+                        <a:lumOff val="25000"/>
+                      </a:schemeClr>
+                    </a:solidFill>
+                    <a:latin typeface="Arial Rounded MT Bold" panose="020F0704030504030204" pitchFamily="34" charset="0"/>
+                  </a:rPr>
+                  <a:t>RECOGNITION</a:t>
+                </a:r>
+                <a:endParaRPr lang="es-ES" sz="1200" dirty="0">
+                  <a:solidFill>
+                    <a:schemeClr val="tx1">
+                      <a:lumMod val="75000"/>
+                      <a:lumOff val="25000"/>
+                    </a:schemeClr>
+                  </a:solidFill>
+                  <a:latin typeface="Arial Rounded MT Bold" panose="020F0704030504030204" pitchFamily="34" charset="0"/>
+                </a:endParaRPr>
+              </a:p>
+            </p:txBody>
+          </p:sp>
+          <p:sp>
+            <p:nvSpPr>
+              <p:cNvPr id="5" name="Decisión 4"/>
+              <p:cNvSpPr/>
+              <p:nvPr/>
+            </p:nvSpPr>
+            <p:spPr>
+              <a:xfrm>
+                <a:off x="1071276" y="743376"/>
+                <a:ext cx="2205200" cy="1581874"/>
+              </a:xfrm>
+              <a:prstGeom prst="flowChartDecision">
+                <a:avLst/>
+              </a:prstGeom>
+              <a:noFill/>
+              <a:ln w="38100">
+                <a:solidFill>
+                  <a:srgbClr val="46DACC"/>
+                </a:solidFill>
+                <a:prstDash val="sysDot"/>
+              </a:ln>
+            </p:spPr>
+            <p:style>
+              <a:lnRef idx="2">
+                <a:schemeClr val="accent1">
+                  <a:shade val="50000"/>
+                </a:schemeClr>
+              </a:lnRef>
+              <a:fillRef idx="1">
+                <a:schemeClr val="accent1"/>
+              </a:fillRef>
+              <a:effectRef idx="0">
+                <a:schemeClr val="accent1"/>
+              </a:effectRef>
+              <a:fontRef idx="minor">
+                <a:schemeClr val="lt1"/>
+              </a:fontRef>
+            </p:style>
+            <p:txBody>
+              <a:bodyPr lIns="0" tIns="0" rIns="0" bIns="0" rtlCol="0" anchor="ctr"/>
+              <a:lstStyle/>
+              <a:p>
+                <a:pPr algn="ctr"/>
+                <a:r>
+                  <a:rPr lang="es-ES" sz="1200" dirty="0" smtClean="0">
+                    <a:solidFill>
+                      <a:schemeClr val="tx1">
+                        <a:lumMod val="65000"/>
+                        <a:lumOff val="35000"/>
+                      </a:schemeClr>
+                    </a:solidFill>
+                    <a:latin typeface="Arial Rounded MT Bold" panose="020F0704030504030204" pitchFamily="34" charset="0"/>
+                  </a:rPr>
+                  <a:t>CHECK</a:t>
+                </a:r>
+              </a:p>
+              <a:p>
+                <a:pPr algn="ctr"/>
+                <a:r>
+                  <a:rPr lang="es-ES" sz="1200" dirty="0" smtClean="0">
+                    <a:solidFill>
+                      <a:schemeClr val="tx1">
+                        <a:lumMod val="65000"/>
+                        <a:lumOff val="35000"/>
+                      </a:schemeClr>
+                    </a:solidFill>
+                    <a:latin typeface="Arial Rounded MT Bold" panose="020F0704030504030204" pitchFamily="34" charset="0"/>
+                  </a:rPr>
+                  <a:t>#GET_RECIPE</a:t>
+                </a:r>
+                <a:endParaRPr lang="es-ES" sz="1200" dirty="0">
+                  <a:solidFill>
+                    <a:schemeClr val="tx1">
+                      <a:lumMod val="65000"/>
+                      <a:lumOff val="35000"/>
+                    </a:schemeClr>
+                  </a:solidFill>
+                  <a:latin typeface="Arial Rounded MT Bold" panose="020F0704030504030204" pitchFamily="34" charset="0"/>
+                </a:endParaRPr>
+              </a:p>
+            </p:txBody>
+          </p:sp>
+          <p:sp>
+            <p:nvSpPr>
+              <p:cNvPr id="6" name="Decisión 5"/>
+              <p:cNvSpPr/>
+              <p:nvPr/>
+            </p:nvSpPr>
+            <p:spPr>
+              <a:xfrm>
+                <a:off x="4456557" y="3126730"/>
+                <a:ext cx="1339404" cy="1378041"/>
+              </a:xfrm>
+              <a:prstGeom prst="flowChartDecision">
+                <a:avLst/>
+              </a:prstGeom>
+              <a:noFill/>
+              <a:ln w="38100">
+                <a:solidFill>
+                  <a:srgbClr val="46DACC"/>
+                </a:solidFill>
+                <a:prstDash val="sysDot"/>
+              </a:ln>
+            </p:spPr>
+            <p:style>
+              <a:lnRef idx="2">
+                <a:schemeClr val="accent1">
+                  <a:shade val="50000"/>
+                </a:schemeClr>
+              </a:lnRef>
+              <a:fillRef idx="1">
+                <a:schemeClr val="accent1"/>
+              </a:fillRef>
+              <a:effectRef idx="0">
+                <a:schemeClr val="accent1"/>
+              </a:effectRef>
+              <a:fontRef idx="minor">
+                <a:schemeClr val="lt1"/>
+              </a:fontRef>
+            </p:style>
+            <p:txBody>
+              <a:bodyPr lIns="0" tIns="0" rIns="0" bIns="0" rtlCol="0" anchor="ctr"/>
+              <a:lstStyle/>
+              <a:p>
+                <a:pPr algn="ctr"/>
+                <a:r>
+                  <a:rPr lang="es-ES" sz="1200" dirty="0" smtClean="0">
+                    <a:solidFill>
+                      <a:schemeClr val="tx1">
+                        <a:lumMod val="75000"/>
+                        <a:lumOff val="25000"/>
+                      </a:schemeClr>
+                    </a:solidFill>
+                    <a:latin typeface="Arial Rounded MT Bold" panose="020F0704030504030204" pitchFamily="34" charset="0"/>
+                  </a:rPr>
+                  <a:t>CHECK</a:t>
+                </a:r>
+              </a:p>
+              <a:p>
+                <a:pPr algn="ctr"/>
+                <a:r>
+                  <a:rPr lang="es-ES" sz="1200" dirty="0" smtClean="0">
+                    <a:solidFill>
+                      <a:schemeClr val="tx1">
+                        <a:lumMod val="75000"/>
+                        <a:lumOff val="25000"/>
+                      </a:schemeClr>
+                    </a:solidFill>
+                    <a:latin typeface="Arial Rounded MT Bold" panose="020F0704030504030204" pitchFamily="34" charset="0"/>
+                  </a:rPr>
+                  <a:t>@DISH</a:t>
+                </a:r>
+              </a:p>
+            </p:txBody>
+          </p:sp>
+          <p:sp>
+            <p:nvSpPr>
+              <p:cNvPr id="7" name="Rectángulo redondeado 6"/>
+              <p:cNvSpPr/>
+              <p:nvPr/>
+            </p:nvSpPr>
+            <p:spPr>
+              <a:xfrm>
+                <a:off x="13412619" y="1065082"/>
+                <a:ext cx="1456523" cy="936000"/>
+              </a:xfrm>
+              <a:prstGeom prst="roundRect">
+                <a:avLst/>
+              </a:prstGeom>
+              <a:noFill/>
+              <a:ln w="38100">
+                <a:solidFill>
+                  <a:srgbClr val="FFC000"/>
+                </a:solidFill>
+              </a:ln>
+            </p:spPr>
+            <p:style>
+              <a:lnRef idx="2">
+                <a:schemeClr val="accent1">
+                  <a:shade val="50000"/>
+                </a:schemeClr>
+              </a:lnRef>
+              <a:fillRef idx="1">
+                <a:schemeClr val="accent1"/>
+              </a:fillRef>
+              <a:effectRef idx="0">
+                <a:schemeClr val="accent1"/>
+              </a:effectRef>
+              <a:fontRef idx="minor">
+                <a:schemeClr val="lt1"/>
+              </a:fontRef>
+            </p:style>
+            <p:txBody>
+              <a:bodyPr lIns="0" tIns="0" rIns="0" bIns="0" rtlCol="0" anchor="ctr"/>
+              <a:lstStyle/>
+              <a:p>
+                <a:pPr algn="ctr"/>
+                <a:r>
+                  <a:rPr lang="es-ES" sz="1200" dirty="0" smtClean="0">
+                    <a:solidFill>
+                      <a:schemeClr val="tx1">
+                        <a:lumMod val="75000"/>
+                        <a:lumOff val="25000"/>
+                      </a:schemeClr>
+                    </a:solidFill>
+                    <a:latin typeface="Arial Rounded MT Bold" panose="020F0704030504030204" pitchFamily="34" charset="0"/>
+                  </a:rPr>
+                  <a:t>SEARCH</a:t>
+                </a:r>
+              </a:p>
+              <a:p>
+                <a:pPr algn="ctr"/>
+                <a:r>
+                  <a:rPr lang="es-ES" sz="1200" dirty="0" smtClean="0">
+                    <a:solidFill>
+                      <a:schemeClr val="tx1">
+                        <a:lumMod val="75000"/>
+                        <a:lumOff val="25000"/>
+                      </a:schemeClr>
+                    </a:solidFill>
+                    <a:latin typeface="Arial Rounded MT Bold" panose="020F0704030504030204" pitchFamily="34" charset="0"/>
+                  </a:rPr>
+                  <a:t>RECIPE</a:t>
+                </a:r>
+                <a:endParaRPr lang="es-ES" sz="1200" dirty="0">
+                  <a:solidFill>
+                    <a:schemeClr val="tx1">
+                      <a:lumMod val="75000"/>
+                      <a:lumOff val="25000"/>
+                    </a:schemeClr>
+                  </a:solidFill>
+                  <a:latin typeface="Arial Rounded MT Bold" panose="020F0704030504030204" pitchFamily="34" charset="0"/>
+                </a:endParaRPr>
+              </a:p>
+            </p:txBody>
+          </p:sp>
+          <p:sp>
+            <p:nvSpPr>
+              <p:cNvPr id="8" name="Elipse 7"/>
+              <p:cNvSpPr/>
+              <p:nvPr/>
+            </p:nvSpPr>
+            <p:spPr>
+              <a:xfrm>
+                <a:off x="16550217" y="1009869"/>
+                <a:ext cx="1275009" cy="1016285"/>
+              </a:xfrm>
+              <a:prstGeom prst="ellipse">
+                <a:avLst/>
+              </a:prstGeom>
+              <a:noFill/>
+              <a:ln w="76200">
+                <a:solidFill>
+                  <a:srgbClr val="46DACC"/>
+                </a:solidFill>
+              </a:ln>
+            </p:spPr>
+            <p:style>
+              <a:lnRef idx="2">
+                <a:schemeClr val="accent1">
+                  <a:shade val="50000"/>
+                </a:schemeClr>
+              </a:lnRef>
+              <a:fillRef idx="1">
+                <a:schemeClr val="accent1"/>
+              </a:fillRef>
+              <a:effectRef idx="0">
+                <a:schemeClr val="accent1"/>
+              </a:effectRef>
+              <a:fontRef idx="minor">
+                <a:schemeClr val="lt1"/>
+              </a:fontRef>
+            </p:style>
+            <p:txBody>
+              <a:bodyPr lIns="0" tIns="0" rIns="0" bIns="0" rtlCol="0" anchor="ctr"/>
+              <a:lstStyle/>
+              <a:p>
+                <a:pPr algn="ctr"/>
+                <a:r>
+                  <a:rPr lang="es-ES" sz="1200" dirty="0" smtClean="0">
+                    <a:solidFill>
+                      <a:schemeClr val="tx1">
+                        <a:lumMod val="75000"/>
+                        <a:lumOff val="25000"/>
+                      </a:schemeClr>
+                    </a:solidFill>
+                    <a:latin typeface="Arial Rounded MT Bold" panose="020F0704030504030204" pitchFamily="34" charset="0"/>
+                  </a:rPr>
+                  <a:t>RESPONSE</a:t>
+                </a:r>
+                <a:endParaRPr lang="es-ES" sz="1200" dirty="0">
+                  <a:solidFill>
+                    <a:schemeClr val="tx1">
+                      <a:lumMod val="75000"/>
+                      <a:lumOff val="25000"/>
+                    </a:schemeClr>
+                  </a:solidFill>
+                  <a:latin typeface="Arial Rounded MT Bold" panose="020F0704030504030204" pitchFamily="34" charset="0"/>
+                </a:endParaRPr>
+              </a:p>
+            </p:txBody>
+          </p:sp>
+          <p:sp>
+            <p:nvSpPr>
+              <p:cNvPr id="9" name="Decisión 8"/>
+              <p:cNvSpPr/>
+              <p:nvPr/>
+            </p:nvSpPr>
+            <p:spPr>
+              <a:xfrm>
+                <a:off x="4456557" y="855771"/>
+                <a:ext cx="1339404" cy="1378041"/>
+              </a:xfrm>
+              <a:prstGeom prst="flowChartDecision">
+                <a:avLst/>
+              </a:prstGeom>
+              <a:noFill/>
+              <a:ln w="38100">
+                <a:solidFill>
+                  <a:srgbClr val="46DACC"/>
+                </a:solidFill>
+                <a:prstDash val="sysDot"/>
+              </a:ln>
+            </p:spPr>
+            <p:style>
+              <a:lnRef idx="2">
+                <a:schemeClr val="accent1">
+                  <a:shade val="50000"/>
+                </a:schemeClr>
+              </a:lnRef>
+              <a:fillRef idx="1">
+                <a:schemeClr val="accent1"/>
+              </a:fillRef>
+              <a:effectRef idx="0">
+                <a:schemeClr val="accent1"/>
+              </a:effectRef>
+              <a:fontRef idx="minor">
+                <a:schemeClr val="lt1"/>
+              </a:fontRef>
+            </p:style>
+            <p:txBody>
+              <a:bodyPr lIns="0" tIns="0" rIns="0" bIns="0" rtlCol="0" anchor="ctr"/>
+              <a:lstStyle/>
+              <a:p>
+                <a:pPr algn="ctr"/>
+                <a:r>
+                  <a:rPr lang="es-ES" sz="1200" dirty="0" smtClean="0">
+                    <a:solidFill>
+                      <a:schemeClr val="tx1">
+                        <a:lumMod val="75000"/>
+                        <a:lumOff val="25000"/>
+                      </a:schemeClr>
+                    </a:solidFill>
+                    <a:latin typeface="Arial Rounded MT Bold" panose="020F0704030504030204" pitchFamily="34" charset="0"/>
+                  </a:rPr>
+                  <a:t>CHECK</a:t>
+                </a:r>
+              </a:p>
+              <a:p>
+                <a:pPr algn="ctr"/>
+                <a:r>
+                  <a:rPr lang="es-ES" sz="1200" dirty="0" smtClean="0">
+                    <a:solidFill>
+                      <a:schemeClr val="tx1">
+                        <a:lumMod val="75000"/>
+                        <a:lumOff val="25000"/>
+                      </a:schemeClr>
+                    </a:solidFill>
+                    <a:latin typeface="Arial Rounded MT Bold" panose="020F0704030504030204" pitchFamily="34" charset="0"/>
+                  </a:rPr>
+                  <a:t>$IMAGE</a:t>
+                </a:r>
+              </a:p>
+              <a:p>
+                <a:pPr algn="ctr"/>
+                <a:r>
+                  <a:rPr lang="es-ES" sz="1200" dirty="0" smtClean="0">
+                    <a:solidFill>
+                      <a:schemeClr val="tx1">
+                        <a:lumMod val="75000"/>
+                        <a:lumOff val="25000"/>
+                      </a:schemeClr>
+                    </a:solidFill>
+                    <a:latin typeface="Arial Rounded MT Bold" panose="020F0704030504030204" pitchFamily="34" charset="0"/>
+                  </a:rPr>
+                  <a:t>FILE</a:t>
+                </a:r>
+                <a:endParaRPr lang="es-ES" sz="1200" dirty="0">
+                  <a:solidFill>
+                    <a:schemeClr val="tx1">
+                      <a:lumMod val="75000"/>
+                      <a:lumOff val="25000"/>
+                    </a:schemeClr>
+                  </a:solidFill>
+                  <a:latin typeface="Arial Rounded MT Bold" panose="020F0704030504030204" pitchFamily="34" charset="0"/>
+                </a:endParaRPr>
+              </a:p>
+            </p:txBody>
+          </p:sp>
+          <p:sp>
+            <p:nvSpPr>
+              <p:cNvPr id="10" name="Rectángulo redondeado 9"/>
+              <p:cNvSpPr/>
+              <p:nvPr/>
+            </p:nvSpPr>
+            <p:spPr>
+              <a:xfrm>
+                <a:off x="4425616" y="5924592"/>
+                <a:ext cx="1386626" cy="929508"/>
+              </a:xfrm>
+              <a:prstGeom prst="roundRect">
+                <a:avLst/>
+              </a:prstGeom>
+              <a:noFill/>
+              <a:ln w="38100">
+                <a:solidFill>
+                  <a:srgbClr val="46DACC"/>
+                </a:solidFill>
+              </a:ln>
+            </p:spPr>
+            <p:style>
+              <a:lnRef idx="2">
+                <a:schemeClr val="accent1">
+                  <a:shade val="50000"/>
+                </a:schemeClr>
+              </a:lnRef>
+              <a:fillRef idx="1">
+                <a:schemeClr val="accent1"/>
+              </a:fillRef>
+              <a:effectRef idx="0">
+                <a:schemeClr val="accent1"/>
+              </a:effectRef>
+              <a:fontRef idx="minor">
+                <a:schemeClr val="lt1"/>
+              </a:fontRef>
+            </p:style>
+            <p:txBody>
+              <a:bodyPr lIns="0" tIns="0" rIns="0" bIns="0" rtlCol="0" anchor="ctr"/>
+              <a:lstStyle/>
+              <a:p>
+                <a:pPr algn="ctr"/>
+                <a:r>
+                  <a:rPr lang="es-ES" sz="1200" dirty="0" smtClean="0">
+                    <a:solidFill>
+                      <a:schemeClr val="tx1">
+                        <a:lumMod val="75000"/>
+                        <a:lumOff val="25000"/>
+                      </a:schemeClr>
+                    </a:solidFill>
+                    <a:latin typeface="Arial Rounded MT Bold" panose="020F0704030504030204" pitchFamily="34" charset="0"/>
+                  </a:rPr>
+                  <a:t>ASK FOR </a:t>
+                </a:r>
+              </a:p>
+              <a:p>
+                <a:pPr algn="ctr"/>
+                <a:r>
+                  <a:rPr lang="es-ES" sz="1200" dirty="0" smtClean="0">
+                    <a:solidFill>
+                      <a:schemeClr val="tx1">
+                        <a:lumMod val="75000"/>
+                        <a:lumOff val="25000"/>
+                      </a:schemeClr>
+                    </a:solidFill>
+                    <a:latin typeface="Arial Rounded MT Bold" panose="020F0704030504030204" pitchFamily="34" charset="0"/>
+                  </a:rPr>
+                  <a:t>@DISH </a:t>
+                </a:r>
+              </a:p>
+              <a:p>
+                <a:pPr algn="ctr"/>
+                <a:r>
+                  <a:rPr lang="es-ES" sz="1200" dirty="0" smtClean="0">
+                    <a:solidFill>
+                      <a:schemeClr val="tx1">
+                        <a:lumMod val="75000"/>
+                        <a:lumOff val="25000"/>
+                      </a:schemeClr>
+                    </a:solidFill>
+                    <a:latin typeface="Arial Rounded MT Bold" panose="020F0704030504030204" pitchFamily="34" charset="0"/>
+                  </a:rPr>
+                  <a:t>OR</a:t>
+                </a:r>
+              </a:p>
+              <a:p>
+                <a:pPr algn="ctr"/>
+                <a:r>
+                  <a:rPr lang="es-ES" sz="1200" dirty="0" smtClean="0">
+                    <a:solidFill>
+                      <a:schemeClr val="tx1">
+                        <a:lumMod val="75000"/>
+                        <a:lumOff val="25000"/>
+                      </a:schemeClr>
+                    </a:solidFill>
+                    <a:latin typeface="Arial Rounded MT Bold" panose="020F0704030504030204" pitchFamily="34" charset="0"/>
+                  </a:rPr>
+                  <a:t> IMAGE FILE</a:t>
+                </a:r>
+                <a:endParaRPr lang="es-ES" sz="1200" dirty="0">
+                  <a:solidFill>
+                    <a:schemeClr val="tx1">
+                      <a:lumMod val="75000"/>
+                      <a:lumOff val="25000"/>
+                    </a:schemeClr>
+                  </a:solidFill>
+                  <a:latin typeface="Arial Rounded MT Bold" panose="020F0704030504030204" pitchFamily="34" charset="0"/>
+                </a:endParaRPr>
+              </a:p>
+            </p:txBody>
+          </p:sp>
+          <p:sp>
+            <p:nvSpPr>
+              <p:cNvPr id="11" name="Elipse 10"/>
+              <p:cNvSpPr/>
+              <p:nvPr/>
+            </p:nvSpPr>
+            <p:spPr>
+              <a:xfrm>
+                <a:off x="-2769717" y="1025176"/>
+                <a:ext cx="1260000" cy="1008000"/>
+              </a:xfrm>
+              <a:prstGeom prst="ellipse">
+                <a:avLst/>
+              </a:prstGeom>
+              <a:noFill/>
+              <a:ln w="76200">
+                <a:solidFill>
+                  <a:srgbClr val="46DACC"/>
+                </a:solidFill>
+              </a:ln>
+            </p:spPr>
+            <p:style>
+              <a:lnRef idx="2">
+                <a:schemeClr val="accent1">
+                  <a:shade val="50000"/>
+                </a:schemeClr>
+              </a:lnRef>
+              <a:fillRef idx="1">
+                <a:schemeClr val="accent1"/>
+              </a:fillRef>
+              <a:effectRef idx="0">
+                <a:schemeClr val="accent1"/>
+              </a:effectRef>
+              <a:fontRef idx="minor">
+                <a:schemeClr val="lt1"/>
+              </a:fontRef>
+            </p:style>
+            <p:txBody>
+              <a:bodyPr lIns="0" tIns="0" rIns="0" bIns="0" rtlCol="0" anchor="ctr"/>
+              <a:lstStyle/>
+              <a:p>
+                <a:pPr algn="ctr"/>
+                <a:r>
+                  <a:rPr lang="es-ES" sz="1200" dirty="0" smtClean="0">
+                    <a:solidFill>
+                      <a:schemeClr val="tx1">
+                        <a:lumMod val="75000"/>
+                        <a:lumOff val="25000"/>
+                      </a:schemeClr>
+                    </a:solidFill>
+                    <a:latin typeface="Arial Rounded MT Bold" panose="020F0704030504030204" pitchFamily="34" charset="0"/>
+                  </a:rPr>
+                  <a:t>START</a:t>
+                </a:r>
+                <a:endParaRPr lang="es-ES" sz="1200" dirty="0">
+                  <a:solidFill>
+                    <a:schemeClr val="tx1">
+                      <a:lumMod val="75000"/>
+                      <a:lumOff val="25000"/>
+                    </a:schemeClr>
+                  </a:solidFill>
+                  <a:latin typeface="Arial Rounded MT Bold" panose="020F0704030504030204" pitchFamily="34" charset="0"/>
+                </a:endParaRPr>
+              </a:p>
+            </p:txBody>
+          </p:sp>
+          <p:cxnSp>
+            <p:nvCxnSpPr>
+              <p:cNvPr id="13" name="Conector recto de flecha 12"/>
+              <p:cNvCxnSpPr>
+                <a:stCxn id="11" idx="6"/>
+                <a:endCxn id="5" idx="1"/>
+              </p:cNvCxnSpPr>
+              <p:nvPr/>
+            </p:nvCxnSpPr>
+            <p:spPr>
+              <a:xfrm>
+                <a:off x="-1509717" y="1529176"/>
+                <a:ext cx="2580993" cy="5137"/>
+              </a:xfrm>
+              <a:prstGeom prst="straightConnector1">
+                <a:avLst/>
+              </a:prstGeom>
+              <a:ln w="28575">
+                <a:solidFill>
+                  <a:srgbClr val="7240F0"/>
+                </a:solidFill>
+                <a:tailEnd type="triangle" w="lg" len="lg"/>
+              </a:ln>
+            </p:spPr>
+            <p:style>
+              <a:lnRef idx="1">
+                <a:schemeClr val="accent1"/>
+              </a:lnRef>
+              <a:fillRef idx="0">
+                <a:schemeClr val="accent1"/>
+              </a:fillRef>
+              <a:effectRef idx="0">
+                <a:schemeClr val="accent1"/>
+              </a:effectRef>
+              <a:fontRef idx="minor">
+                <a:schemeClr val="tx1"/>
+              </a:fontRef>
+            </p:style>
+          </p:cxnSp>
+          <p:cxnSp>
+            <p:nvCxnSpPr>
+              <p:cNvPr id="15" name="Conector recto de flecha 14"/>
+              <p:cNvCxnSpPr>
+                <a:stCxn id="5" idx="3"/>
+                <a:endCxn id="9" idx="1"/>
+              </p:cNvCxnSpPr>
+              <p:nvPr/>
+            </p:nvCxnSpPr>
+            <p:spPr>
+              <a:xfrm>
+                <a:off x="3276476" y="1534313"/>
+                <a:ext cx="1180081" cy="10479"/>
+              </a:xfrm>
+              <a:prstGeom prst="straightConnector1">
+                <a:avLst/>
+              </a:prstGeom>
+              <a:ln w="28575">
+                <a:solidFill>
+                  <a:srgbClr val="7240F0"/>
+                </a:solidFill>
+                <a:tailEnd type="triangle" w="lg" len="lg"/>
+              </a:ln>
+            </p:spPr>
+            <p:style>
+              <a:lnRef idx="1">
+                <a:schemeClr val="accent1"/>
+              </a:lnRef>
+              <a:fillRef idx="0">
+                <a:schemeClr val="accent1"/>
+              </a:fillRef>
+              <a:effectRef idx="0">
+                <a:schemeClr val="accent1"/>
+              </a:effectRef>
+              <a:fontRef idx="minor">
+                <a:schemeClr val="tx1"/>
+              </a:fontRef>
+            </p:style>
+          </p:cxnSp>
+          <p:pic>
+            <p:nvPicPr>
+              <p:cNvPr id="20" name="Imagen 19"/>
+              <p:cNvPicPr>
+                <a:picLocks noChangeAspect="1"/>
+              </p:cNvPicPr>
+              <p:nvPr/>
+            </p:nvPicPr>
+            <p:blipFill rotWithShape="1">
+              <a:blip r:embed="rId2">
+                <a:extLst>
+                  <a:ext uri="{28A0092B-C50C-407E-A947-70E740481C1C}">
+                    <a14:useLocalDpi xmlns:a14="http://schemas.microsoft.com/office/drawing/2010/main" val="0"/>
+                  </a:ext>
+                </a:extLst>
+              </a:blip>
+              <a:srcRect t="20610" b="22166"/>
+              <a:stretch/>
+            </p:blipFill>
+            <p:spPr>
+              <a:xfrm>
+                <a:off x="13449294" y="-1129981"/>
+                <a:ext cx="1479938" cy="423440"/>
+              </a:xfrm>
+              <a:prstGeom prst="rect">
+                <a:avLst/>
+              </a:prstGeom>
+            </p:spPr>
+          </p:pic>
+          <p:sp>
+            <p:nvSpPr>
+              <p:cNvPr id="24" name="Flecha izquierda y derecha 23"/>
+              <p:cNvSpPr/>
+              <p:nvPr/>
+            </p:nvSpPr>
+            <p:spPr>
+              <a:xfrm rot="16200000">
+                <a:off x="10752464" y="370981"/>
+                <a:ext cx="1080000" cy="180000"/>
+              </a:xfrm>
+              <a:prstGeom prst="leftRightArrow">
+                <a:avLst/>
+              </a:prstGeom>
+              <a:solidFill>
+                <a:schemeClr val="accent3">
+                  <a:lumMod val="60000"/>
+                  <a:lumOff val="40000"/>
+                </a:schemeClr>
+              </a:solidFill>
+              <a:ln>
+                <a:noFill/>
+              </a:ln>
+            </p:spPr>
+            <p:style>
+              <a:lnRef idx="2">
+                <a:schemeClr val="accent1">
+                  <a:shade val="50000"/>
+                </a:schemeClr>
+              </a:lnRef>
+              <a:fillRef idx="1">
+                <a:schemeClr val="accent1"/>
+              </a:fillRef>
+              <a:effectRef idx="0">
+                <a:schemeClr val="accent1"/>
+              </a:effectRef>
+              <a:fontRef idx="minor">
+                <a:schemeClr val="lt1"/>
+              </a:fontRef>
+            </p:style>
+            <p:txBody>
+              <a:bodyPr rtlCol="0" anchor="ctr"/>
+              <a:lstStyle/>
+              <a:p>
+                <a:pPr algn="ctr"/>
+                <a:endParaRPr lang="es-ES"/>
+              </a:p>
+            </p:txBody>
+          </p:sp>
+          <p:pic>
+            <p:nvPicPr>
+              <p:cNvPr id="31" name="Imagen 30"/>
+              <p:cNvPicPr>
+                <a:picLocks noChangeAspect="1"/>
+              </p:cNvPicPr>
+              <p:nvPr/>
+            </p:nvPicPr>
+            <p:blipFill>
+              <a:blip r:embed="rId3" cstate="print">
+                <a:duotone>
+                  <a:schemeClr val="accent3">
+                    <a:shade val="45000"/>
+                    <a:satMod val="135000"/>
+                  </a:schemeClr>
+                  <a:prstClr val="white"/>
+                </a:duotone>
+                <a:extLst>
+                  <a:ext uri="{28A0092B-C50C-407E-A947-70E740481C1C}">
+                    <a14:useLocalDpi xmlns:a14="http://schemas.microsoft.com/office/drawing/2010/main" val="0"/>
+                  </a:ext>
+                </a:extLst>
+              </a:blip>
+              <a:stretch>
+                <a:fillRect/>
+              </a:stretch>
+            </p:blipFill>
+            <p:spPr>
+              <a:xfrm>
+                <a:off x="11353589" y="-25739"/>
+                <a:ext cx="614369" cy="650686"/>
+              </a:xfrm>
+              <a:prstGeom prst="rect">
+                <a:avLst/>
+              </a:prstGeom>
+            </p:spPr>
+          </p:pic>
+          <p:cxnSp>
+            <p:nvCxnSpPr>
+              <p:cNvPr id="23" name="Conector recto de flecha 22"/>
+              <p:cNvCxnSpPr>
+                <a:stCxn id="6" idx="2"/>
+              </p:cNvCxnSpPr>
+              <p:nvPr/>
+            </p:nvCxnSpPr>
+            <p:spPr>
+              <a:xfrm>
+                <a:off x="5126259" y="4504771"/>
+                <a:ext cx="0" cy="1384536"/>
+              </a:xfrm>
+              <a:prstGeom prst="straightConnector1">
+                <a:avLst/>
+              </a:prstGeom>
+              <a:ln w="28575">
+                <a:solidFill>
+                  <a:srgbClr val="7240F0"/>
+                </a:solidFill>
+                <a:tailEnd type="triangle" w="lg" len="lg"/>
+              </a:ln>
+            </p:spPr>
+            <p:style>
+              <a:lnRef idx="1">
+                <a:schemeClr val="accent1"/>
+              </a:lnRef>
+              <a:fillRef idx="0">
+                <a:schemeClr val="accent1"/>
+              </a:fillRef>
+              <a:effectRef idx="0">
+                <a:schemeClr val="accent1"/>
+              </a:effectRef>
+              <a:fontRef idx="minor">
+                <a:schemeClr val="tx1"/>
+              </a:fontRef>
+            </p:style>
+          </p:cxnSp>
+          <p:sp>
+            <p:nvSpPr>
+              <p:cNvPr id="26" name="CuadroTexto 25"/>
+              <p:cNvSpPr txBox="1"/>
+              <p:nvPr/>
+            </p:nvSpPr>
+            <p:spPr>
+              <a:xfrm>
+                <a:off x="5151310" y="4961362"/>
+                <a:ext cx="1502784" cy="369332"/>
+              </a:xfrm>
+              <a:prstGeom prst="rect">
+                <a:avLst/>
+              </a:prstGeom>
+              <a:noFill/>
+            </p:spPr>
+            <p:txBody>
+              <a:bodyPr wrap="none" rtlCol="0">
+                <a:spAutoFit/>
+              </a:bodyPr>
+              <a:lstStyle/>
+              <a:p>
+                <a:pPr algn="ctr"/>
+                <a:r>
+                  <a:rPr lang="es-ES" b="1" dirty="0" smtClean="0">
+                    <a:solidFill>
+                      <a:srgbClr val="FF3300"/>
+                    </a:solidFill>
+                    <a:latin typeface="+mj-lt"/>
+                    <a:cs typeface="Aharoni" panose="02010803020104030203" pitchFamily="2" charset="-79"/>
+                  </a:rPr>
+                  <a:t>No / </a:t>
+                </a:r>
+                <a:r>
+                  <a:rPr lang="es-ES" b="1" dirty="0" err="1" smtClean="0">
+                    <a:solidFill>
+                      <a:srgbClr val="FF3300"/>
+                    </a:solidFill>
+                    <a:latin typeface="+mj-lt"/>
+                    <a:cs typeface="Aharoni" panose="02010803020104030203" pitchFamily="2" charset="-79"/>
+                  </a:rPr>
+                  <a:t>Unknown</a:t>
+                </a:r>
+                <a:endParaRPr lang="es-ES" b="1" dirty="0" smtClean="0">
+                  <a:solidFill>
+                    <a:srgbClr val="FF3300"/>
+                  </a:solidFill>
+                  <a:latin typeface="+mj-lt"/>
+                  <a:cs typeface="Aharoni" panose="02010803020104030203" pitchFamily="2" charset="-79"/>
+                </a:endParaRPr>
+              </a:p>
+            </p:txBody>
+          </p:sp>
+          <p:cxnSp>
+            <p:nvCxnSpPr>
+              <p:cNvPr id="32" name="Conector recto de flecha 31"/>
+              <p:cNvCxnSpPr>
+                <a:stCxn id="6" idx="3"/>
+              </p:cNvCxnSpPr>
+              <p:nvPr/>
+            </p:nvCxnSpPr>
+            <p:spPr>
+              <a:xfrm>
+                <a:off x="5795961" y="3815751"/>
+                <a:ext cx="8367777" cy="6860"/>
+              </a:xfrm>
+              <a:prstGeom prst="straightConnector1">
+                <a:avLst/>
+              </a:prstGeom>
+              <a:ln w="28575">
+                <a:solidFill>
+                  <a:srgbClr val="7240F0"/>
+                </a:solidFill>
+                <a:tailEnd type="triangle" w="lg" len="lg"/>
+              </a:ln>
+            </p:spPr>
+            <p:style>
+              <a:lnRef idx="1">
+                <a:schemeClr val="accent1"/>
+              </a:lnRef>
+              <a:fillRef idx="0">
+                <a:schemeClr val="accent1"/>
+              </a:fillRef>
+              <a:effectRef idx="0">
+                <a:schemeClr val="accent1"/>
+              </a:effectRef>
+              <a:fontRef idx="minor">
+                <a:schemeClr val="tx1"/>
+              </a:fontRef>
+            </p:style>
+          </p:cxnSp>
+          <p:cxnSp>
+            <p:nvCxnSpPr>
+              <p:cNvPr id="35" name="Conector recto de flecha 34"/>
+              <p:cNvCxnSpPr>
+                <a:stCxn id="7" idx="3"/>
+                <a:endCxn id="8" idx="2"/>
+              </p:cNvCxnSpPr>
+              <p:nvPr/>
+            </p:nvCxnSpPr>
+            <p:spPr>
+              <a:xfrm flipV="1">
+                <a:off x="14869142" y="1518012"/>
+                <a:ext cx="1681075" cy="15070"/>
+              </a:xfrm>
+              <a:prstGeom prst="straightConnector1">
+                <a:avLst/>
+              </a:prstGeom>
+              <a:ln w="28575">
+                <a:solidFill>
+                  <a:srgbClr val="7240F0"/>
+                </a:solidFill>
+                <a:tailEnd type="triangle" w="lg" len="lg"/>
+              </a:ln>
+            </p:spPr>
+            <p:style>
+              <a:lnRef idx="1">
+                <a:schemeClr val="accent1"/>
+              </a:lnRef>
+              <a:fillRef idx="0">
+                <a:schemeClr val="accent1"/>
+              </a:fillRef>
+              <a:effectRef idx="0">
+                <a:schemeClr val="accent1"/>
+              </a:effectRef>
+              <a:fontRef idx="minor">
+                <a:schemeClr val="tx1"/>
+              </a:fontRef>
+            </p:style>
+          </p:cxnSp>
+          <p:cxnSp>
+            <p:nvCxnSpPr>
+              <p:cNvPr id="37" name="Conector recto de flecha 36"/>
+              <p:cNvCxnSpPr/>
+              <p:nvPr/>
+            </p:nvCxnSpPr>
+            <p:spPr>
+              <a:xfrm flipH="1">
+                <a:off x="5121822" y="2235408"/>
+                <a:ext cx="9493" cy="900000"/>
+              </a:xfrm>
+              <a:prstGeom prst="straightConnector1">
+                <a:avLst/>
+              </a:prstGeom>
+              <a:ln w="28575">
+                <a:solidFill>
+                  <a:srgbClr val="7240F0"/>
+                </a:solidFill>
+                <a:tailEnd type="triangle" w="lg" len="lg"/>
+              </a:ln>
+            </p:spPr>
+            <p:style>
+              <a:lnRef idx="1">
+                <a:schemeClr val="accent1"/>
+              </a:lnRef>
+              <a:fillRef idx="0">
+                <a:schemeClr val="accent1"/>
+              </a:fillRef>
+              <a:effectRef idx="0">
+                <a:schemeClr val="accent1"/>
+              </a:effectRef>
+              <a:fontRef idx="minor">
+                <a:schemeClr val="tx1"/>
+              </a:fontRef>
+            </p:style>
+          </p:cxnSp>
+          <p:cxnSp>
+            <p:nvCxnSpPr>
+              <p:cNvPr id="39" name="Conector recto de flecha 38"/>
+              <p:cNvCxnSpPr>
+                <a:stCxn id="9" idx="3"/>
+                <a:endCxn id="4" idx="1"/>
+              </p:cNvCxnSpPr>
+              <p:nvPr/>
+            </p:nvCxnSpPr>
+            <p:spPr>
+              <a:xfrm flipV="1">
+                <a:off x="5795961" y="1541071"/>
+                <a:ext cx="4892300" cy="3721"/>
+              </a:xfrm>
+              <a:prstGeom prst="straightConnector1">
+                <a:avLst/>
+              </a:prstGeom>
+              <a:ln w="28575">
+                <a:solidFill>
+                  <a:srgbClr val="7240F0"/>
+                </a:solidFill>
+                <a:tailEnd type="triangle" w="lg" len="lg"/>
+              </a:ln>
+            </p:spPr>
+            <p:style>
+              <a:lnRef idx="1">
+                <a:schemeClr val="accent1"/>
+              </a:lnRef>
+              <a:fillRef idx="0">
+                <a:schemeClr val="accent1"/>
+              </a:fillRef>
+              <a:effectRef idx="0">
+                <a:schemeClr val="accent1"/>
+              </a:effectRef>
+              <a:fontRef idx="minor">
+                <a:schemeClr val="tx1"/>
+              </a:fontRef>
+            </p:style>
+          </p:cxnSp>
+          <p:sp>
+            <p:nvSpPr>
+              <p:cNvPr id="45" name="CuadroTexto 44"/>
+              <p:cNvSpPr txBox="1"/>
+              <p:nvPr/>
+            </p:nvSpPr>
+            <p:spPr>
+              <a:xfrm>
+                <a:off x="3398427" y="1170264"/>
+                <a:ext cx="475643" cy="369332"/>
+              </a:xfrm>
+              <a:prstGeom prst="rect">
+                <a:avLst/>
+              </a:prstGeom>
+              <a:noFill/>
+            </p:spPr>
+            <p:txBody>
+              <a:bodyPr wrap="none" rtlCol="0">
+                <a:spAutoFit/>
+              </a:bodyPr>
+              <a:lstStyle/>
+              <a:p>
+                <a:r>
+                  <a:rPr lang="es-ES" b="1" dirty="0" smtClean="0">
+                    <a:solidFill>
+                      <a:srgbClr val="FF3300"/>
+                    </a:solidFill>
+                    <a:latin typeface="+mj-lt"/>
+                    <a:cs typeface="Aharoni" panose="02010803020104030203" pitchFamily="2" charset="-79"/>
+                  </a:rPr>
+                  <a:t>Yes</a:t>
+                </a:r>
+                <a:endParaRPr lang="es-ES" b="1" dirty="0">
+                  <a:solidFill>
+                    <a:srgbClr val="FF3300"/>
+                  </a:solidFill>
+                  <a:latin typeface="+mj-lt"/>
+                  <a:cs typeface="Aharoni" panose="02010803020104030203" pitchFamily="2" charset="-79"/>
+                </a:endParaRPr>
+              </a:p>
+            </p:txBody>
+          </p:sp>
+          <p:sp>
+            <p:nvSpPr>
+              <p:cNvPr id="46" name="CuadroTexto 45"/>
+              <p:cNvSpPr txBox="1"/>
+              <p:nvPr/>
+            </p:nvSpPr>
+            <p:spPr>
+              <a:xfrm>
+                <a:off x="5830566" y="3422933"/>
+                <a:ext cx="475643" cy="369332"/>
+              </a:xfrm>
+              <a:prstGeom prst="rect">
+                <a:avLst/>
+              </a:prstGeom>
+              <a:noFill/>
+            </p:spPr>
+            <p:txBody>
+              <a:bodyPr wrap="none" rtlCol="0">
+                <a:spAutoFit/>
+              </a:bodyPr>
+              <a:lstStyle/>
+              <a:p>
+                <a:r>
+                  <a:rPr lang="es-ES" b="1" dirty="0" smtClean="0">
+                    <a:solidFill>
+                      <a:srgbClr val="FF3300"/>
+                    </a:solidFill>
+                    <a:latin typeface="+mj-lt"/>
+                    <a:cs typeface="Aharoni" panose="02010803020104030203" pitchFamily="2" charset="-79"/>
+                  </a:rPr>
+                  <a:t>Yes</a:t>
+                </a:r>
+                <a:endParaRPr lang="es-ES" b="1" dirty="0">
+                  <a:solidFill>
+                    <a:srgbClr val="FF3300"/>
+                  </a:solidFill>
+                  <a:latin typeface="+mj-lt"/>
+                  <a:cs typeface="Aharoni" panose="02010803020104030203" pitchFamily="2" charset="-79"/>
+                </a:endParaRPr>
+              </a:p>
+            </p:txBody>
+          </p:sp>
+          <p:pic>
+            <p:nvPicPr>
+              <p:cNvPr id="64" name="Imagen 63"/>
+              <p:cNvPicPr>
+                <a:picLocks noChangeAspect="1"/>
+              </p:cNvPicPr>
+              <p:nvPr/>
+            </p:nvPicPr>
+            <p:blipFill>
+              <a:blip r:embed="rId4" cstate="print">
+                <a:extLst>
+                  <a:ext uri="{28A0092B-C50C-407E-A947-70E740481C1C}">
+                    <a14:useLocalDpi xmlns:a14="http://schemas.microsoft.com/office/drawing/2010/main" val="0"/>
+                  </a:ext>
+                </a:extLst>
+              </a:blip>
+              <a:stretch>
+                <a:fillRect/>
+              </a:stretch>
+            </p:blipFill>
+            <p:spPr>
+              <a:xfrm>
+                <a:off x="10312660" y="-1195809"/>
+                <a:ext cx="559735" cy="559735"/>
+              </a:xfrm>
+              <a:prstGeom prst="rect">
+                <a:avLst/>
+              </a:prstGeom>
+            </p:spPr>
+          </p:pic>
+          <p:sp>
+            <p:nvSpPr>
+              <p:cNvPr id="65" name="CuadroTexto 64"/>
+              <p:cNvSpPr txBox="1"/>
+              <p:nvPr/>
+            </p:nvSpPr>
+            <p:spPr>
+              <a:xfrm>
+                <a:off x="10898578" y="-1198396"/>
+                <a:ext cx="1259895" cy="584775"/>
+              </a:xfrm>
+              <a:prstGeom prst="rect">
+                <a:avLst/>
+              </a:prstGeom>
+              <a:noFill/>
+            </p:spPr>
+            <p:txBody>
+              <a:bodyPr wrap="square" rtlCol="0">
+                <a:spAutoFit/>
+              </a:bodyPr>
+              <a:lstStyle/>
+              <a:p>
+                <a:r>
+                  <a:rPr lang="es-ES" sz="1600" dirty="0" smtClean="0">
+                    <a:solidFill>
+                      <a:schemeClr val="accent3">
+                        <a:lumMod val="75000"/>
+                      </a:schemeClr>
+                    </a:solidFill>
+                    <a:latin typeface="Berlin Sans FB" panose="020E0602020502020306" pitchFamily="34" charset="0"/>
+                  </a:rPr>
+                  <a:t>Visual </a:t>
+                </a:r>
+                <a:r>
+                  <a:rPr lang="es-ES" sz="1600" dirty="0" err="1" smtClean="0">
+                    <a:solidFill>
+                      <a:schemeClr val="accent3">
+                        <a:lumMod val="75000"/>
+                      </a:schemeClr>
+                    </a:solidFill>
+                    <a:latin typeface="Berlin Sans FB" panose="020E0602020502020306" pitchFamily="34" charset="0"/>
+                  </a:rPr>
+                  <a:t>recognition</a:t>
+                </a:r>
+                <a:endParaRPr lang="es-ES" sz="1600" dirty="0">
+                  <a:solidFill>
+                    <a:schemeClr val="accent3">
+                      <a:lumMod val="75000"/>
+                    </a:schemeClr>
+                  </a:solidFill>
+                  <a:latin typeface="Berlin Sans FB" panose="020E0602020502020306" pitchFamily="34" charset="0"/>
+                </a:endParaRPr>
+              </a:p>
+            </p:txBody>
+          </p:sp>
+          <p:sp>
+            <p:nvSpPr>
+              <p:cNvPr id="66" name="CuadroTexto 65"/>
+              <p:cNvSpPr txBox="1"/>
+              <p:nvPr/>
+            </p:nvSpPr>
+            <p:spPr>
+              <a:xfrm>
+                <a:off x="10468969" y="-1557189"/>
+                <a:ext cx="2050711" cy="307777"/>
+              </a:xfrm>
+              <a:prstGeom prst="rect">
+                <a:avLst/>
+              </a:prstGeom>
+              <a:noFill/>
+            </p:spPr>
+            <p:txBody>
+              <a:bodyPr wrap="square" rtlCol="0">
+                <a:spAutoFit/>
+              </a:bodyPr>
+              <a:lstStyle/>
+              <a:p>
+                <a:r>
+                  <a:rPr lang="es-ES" sz="1400" b="1" dirty="0" smtClean="0">
+                    <a:solidFill>
+                      <a:srgbClr val="00B050"/>
+                    </a:solidFill>
+                  </a:rPr>
+                  <a:t>IBM WATSON</a:t>
+                </a:r>
+                <a:r>
+                  <a:rPr lang="es-ES" sz="1200" b="1" dirty="0" smtClean="0">
+                    <a:solidFill>
+                      <a:srgbClr val="00B050"/>
+                    </a:solidFill>
+                  </a:rPr>
+                  <a:t> </a:t>
+                </a:r>
+                <a:r>
+                  <a:rPr lang="es-ES" sz="1400" b="1" dirty="0" smtClean="0">
+                    <a:solidFill>
+                      <a:srgbClr val="00B050"/>
+                    </a:solidFill>
+                  </a:rPr>
+                  <a:t>SERVICES</a:t>
+                </a:r>
+                <a:endParaRPr lang="es-ES" sz="1400" b="1" dirty="0">
+                  <a:solidFill>
+                    <a:srgbClr val="00B050"/>
+                  </a:solidFill>
+                </a:endParaRPr>
+              </a:p>
+            </p:txBody>
+          </p:sp>
+          <p:sp>
+            <p:nvSpPr>
+              <p:cNvPr id="78" name="CuadroTexto 77"/>
+              <p:cNvSpPr txBox="1"/>
+              <p:nvPr/>
+            </p:nvSpPr>
+            <p:spPr>
+              <a:xfrm>
+                <a:off x="5771193" y="1165847"/>
+                <a:ext cx="475643" cy="369332"/>
+              </a:xfrm>
+              <a:prstGeom prst="rect">
+                <a:avLst/>
+              </a:prstGeom>
+              <a:noFill/>
+            </p:spPr>
+            <p:txBody>
+              <a:bodyPr wrap="none" rtlCol="0">
+                <a:spAutoFit/>
+              </a:bodyPr>
+              <a:lstStyle/>
+              <a:p>
+                <a:r>
+                  <a:rPr lang="es-ES" b="1" dirty="0" smtClean="0">
+                    <a:solidFill>
+                      <a:srgbClr val="FF3300"/>
+                    </a:solidFill>
+                    <a:latin typeface="+mj-lt"/>
+                    <a:cs typeface="Aharoni" panose="02010803020104030203" pitchFamily="2" charset="-79"/>
+                  </a:rPr>
+                  <a:t>Yes</a:t>
+                </a:r>
+                <a:endParaRPr lang="es-ES" b="1" dirty="0">
+                  <a:solidFill>
+                    <a:srgbClr val="FF3300"/>
+                  </a:solidFill>
+                  <a:latin typeface="+mj-lt"/>
+                  <a:cs typeface="Aharoni" panose="02010803020104030203" pitchFamily="2" charset="-79"/>
+                </a:endParaRPr>
+              </a:p>
+            </p:txBody>
+          </p:sp>
+          <p:cxnSp>
+            <p:nvCxnSpPr>
+              <p:cNvPr id="79" name="Conector recto de flecha 78"/>
+              <p:cNvCxnSpPr/>
+              <p:nvPr/>
+            </p:nvCxnSpPr>
+            <p:spPr>
+              <a:xfrm>
+                <a:off x="5118929" y="229672"/>
+                <a:ext cx="7330" cy="648000"/>
+              </a:xfrm>
+              <a:prstGeom prst="straightConnector1">
+                <a:avLst/>
+              </a:prstGeom>
+              <a:ln w="28575">
+                <a:solidFill>
+                  <a:srgbClr val="7240F0"/>
+                </a:solidFill>
+                <a:tailEnd type="triangle" w="lg" len="lg"/>
+              </a:ln>
+            </p:spPr>
+            <p:style>
+              <a:lnRef idx="1">
+                <a:schemeClr val="accent1"/>
+              </a:lnRef>
+              <a:fillRef idx="0">
+                <a:schemeClr val="accent1"/>
+              </a:fillRef>
+              <a:effectRef idx="0">
+                <a:schemeClr val="accent1"/>
+              </a:effectRef>
+              <a:fontRef idx="minor">
+                <a:schemeClr val="tx1"/>
+              </a:fontRef>
+            </p:style>
+          </p:cxnSp>
+          <p:cxnSp>
+            <p:nvCxnSpPr>
+              <p:cNvPr id="95" name="Conector recto de flecha 94"/>
+              <p:cNvCxnSpPr/>
+              <p:nvPr/>
+            </p:nvCxnSpPr>
+            <p:spPr>
+              <a:xfrm flipV="1">
+                <a:off x="8305699" y="241901"/>
+                <a:ext cx="0" cy="5454269"/>
+              </a:xfrm>
+              <a:prstGeom prst="straightConnector1">
+                <a:avLst/>
+              </a:prstGeom>
+              <a:ln w="28575">
+                <a:solidFill>
+                  <a:srgbClr val="7240F0"/>
+                </a:solidFill>
+                <a:tailEnd type="triangle" w="lg" len="lg"/>
+              </a:ln>
+            </p:spPr>
+            <p:style>
+              <a:lnRef idx="1">
+                <a:schemeClr val="accent1"/>
+              </a:lnRef>
+              <a:fillRef idx="0">
+                <a:schemeClr val="accent1"/>
+              </a:fillRef>
+              <a:effectRef idx="0">
+                <a:schemeClr val="accent1"/>
+              </a:effectRef>
+              <a:fontRef idx="minor">
+                <a:schemeClr val="tx1"/>
+              </a:fontRef>
+            </p:style>
+          </p:cxnSp>
+          <p:cxnSp>
+            <p:nvCxnSpPr>
+              <p:cNvPr id="103" name="Conector recto de flecha 102"/>
+              <p:cNvCxnSpPr/>
+              <p:nvPr/>
+            </p:nvCxnSpPr>
+            <p:spPr>
+              <a:xfrm>
+                <a:off x="5118929" y="213263"/>
+                <a:ext cx="3186770" cy="29925"/>
+              </a:xfrm>
+              <a:prstGeom prst="straightConnector1">
+                <a:avLst/>
+              </a:prstGeom>
+              <a:ln w="28575">
+                <a:solidFill>
+                  <a:srgbClr val="7240F0"/>
+                </a:solidFill>
+                <a:tailEnd type="none" w="lg" len="lg"/>
+              </a:ln>
+            </p:spPr>
+            <p:style>
+              <a:lnRef idx="1">
+                <a:schemeClr val="accent1"/>
+              </a:lnRef>
+              <a:fillRef idx="0">
+                <a:schemeClr val="accent1"/>
+              </a:fillRef>
+              <a:effectRef idx="0">
+                <a:schemeClr val="accent1"/>
+              </a:effectRef>
+              <a:fontRef idx="minor">
+                <a:schemeClr val="tx1"/>
+              </a:fontRef>
+            </p:style>
+          </p:cxnSp>
+          <p:cxnSp>
+            <p:nvCxnSpPr>
+              <p:cNvPr id="105" name="Conector recto de flecha 104"/>
+              <p:cNvCxnSpPr>
+                <a:stCxn id="10" idx="3"/>
+                <a:endCxn id="107" idx="1"/>
+              </p:cNvCxnSpPr>
+              <p:nvPr/>
+            </p:nvCxnSpPr>
+            <p:spPr>
+              <a:xfrm flipV="1">
+                <a:off x="5812242" y="6369098"/>
+                <a:ext cx="1717015" cy="20248"/>
+              </a:xfrm>
+              <a:prstGeom prst="straightConnector1">
+                <a:avLst/>
+              </a:prstGeom>
+              <a:ln w="28575">
+                <a:solidFill>
+                  <a:srgbClr val="7240F0"/>
+                </a:solidFill>
+                <a:tailEnd type="triangle" w="lg" len="lg"/>
+              </a:ln>
+            </p:spPr>
+            <p:style>
+              <a:lnRef idx="1">
+                <a:schemeClr val="accent1"/>
+              </a:lnRef>
+              <a:fillRef idx="0">
+                <a:schemeClr val="accent1"/>
+              </a:fillRef>
+              <a:effectRef idx="0">
+                <a:schemeClr val="accent1"/>
+              </a:effectRef>
+              <a:fontRef idx="minor">
+                <a:schemeClr val="tx1"/>
+              </a:fontRef>
+            </p:style>
+          </p:cxnSp>
+          <p:cxnSp>
+            <p:nvCxnSpPr>
+              <p:cNvPr id="115" name="Conector recto de flecha 114"/>
+              <p:cNvCxnSpPr>
+                <a:stCxn id="4" idx="3"/>
+                <a:endCxn id="7" idx="1"/>
+              </p:cNvCxnSpPr>
+              <p:nvPr/>
+            </p:nvCxnSpPr>
+            <p:spPr>
+              <a:xfrm flipV="1">
+                <a:off x="11963270" y="1533082"/>
+                <a:ext cx="1449349" cy="7989"/>
+              </a:xfrm>
+              <a:prstGeom prst="straightConnector1">
+                <a:avLst/>
+              </a:prstGeom>
+              <a:ln w="28575">
+                <a:solidFill>
+                  <a:srgbClr val="7240F0"/>
+                </a:solidFill>
+                <a:tailEnd type="triangle" w="lg" len="lg"/>
+              </a:ln>
+            </p:spPr>
+            <p:style>
+              <a:lnRef idx="1">
+                <a:schemeClr val="accent1"/>
+              </a:lnRef>
+              <a:fillRef idx="0">
+                <a:schemeClr val="accent1"/>
+              </a:fillRef>
+              <a:effectRef idx="0">
+                <a:schemeClr val="accent1"/>
+              </a:effectRef>
+              <a:fontRef idx="minor">
+                <a:schemeClr val="tx1"/>
+              </a:fontRef>
+            </p:style>
+          </p:cxnSp>
+          <p:sp>
+            <p:nvSpPr>
+              <p:cNvPr id="121" name="CuadroTexto 120"/>
+              <p:cNvSpPr txBox="1"/>
+              <p:nvPr/>
+            </p:nvSpPr>
+            <p:spPr>
+              <a:xfrm>
+                <a:off x="13582682" y="-1497870"/>
+                <a:ext cx="1545772" cy="307777"/>
+              </a:xfrm>
+              <a:prstGeom prst="rect">
+                <a:avLst/>
+              </a:prstGeom>
+              <a:noFill/>
+            </p:spPr>
+            <p:txBody>
+              <a:bodyPr wrap="square" rtlCol="0">
+                <a:spAutoFit/>
+              </a:bodyPr>
+              <a:lstStyle/>
+              <a:p>
+                <a:r>
+                  <a:rPr lang="es-ES" sz="1400" b="1" dirty="0" smtClean="0">
+                    <a:solidFill>
+                      <a:srgbClr val="00B050"/>
+                    </a:solidFill>
+                  </a:rPr>
+                  <a:t>RECIPE SERVICES</a:t>
+                </a:r>
+                <a:endParaRPr lang="es-ES" sz="1400" b="1" dirty="0">
+                  <a:solidFill>
+                    <a:srgbClr val="00B050"/>
+                  </a:solidFill>
+                </a:endParaRPr>
+              </a:p>
+            </p:txBody>
+          </p:sp>
+          <p:sp>
+            <p:nvSpPr>
+              <p:cNvPr id="131" name="CuadroTexto 130"/>
+              <p:cNvSpPr txBox="1"/>
+              <p:nvPr/>
+            </p:nvSpPr>
+            <p:spPr>
+              <a:xfrm>
+                <a:off x="5746899" y="1595663"/>
+                <a:ext cx="1653851" cy="307777"/>
+              </a:xfrm>
+              <a:prstGeom prst="rect">
+                <a:avLst/>
+              </a:prstGeom>
+              <a:noFill/>
+            </p:spPr>
+            <p:txBody>
+              <a:bodyPr wrap="none" rtlCol="0">
+                <a:spAutoFit/>
+              </a:bodyPr>
+              <a:lstStyle/>
+              <a:p>
+                <a:r>
+                  <a:rPr lang="es-ES" sz="1400" b="1" dirty="0" smtClean="0">
+                    <a:solidFill>
+                      <a:schemeClr val="tx1">
+                        <a:lumMod val="50000"/>
+                        <a:lumOff val="50000"/>
+                      </a:schemeClr>
+                    </a:solidFill>
+                    <a:latin typeface="+mj-lt"/>
+                    <a:cs typeface="Aharoni" panose="02010803020104030203" pitchFamily="2" charset="-79"/>
+                  </a:rPr>
+                  <a:t> $</a:t>
+                </a:r>
+                <a:r>
+                  <a:rPr lang="es-ES" sz="1400" b="1" dirty="0" err="1" smtClean="0">
+                    <a:solidFill>
+                      <a:schemeClr val="tx1">
+                        <a:lumMod val="50000"/>
+                        <a:lumOff val="50000"/>
+                      </a:schemeClr>
+                    </a:solidFill>
+                    <a:latin typeface="+mj-lt"/>
+                    <a:cs typeface="Aharoni" panose="02010803020104030203" pitchFamily="2" charset="-79"/>
+                  </a:rPr>
+                  <a:t>image_recipe</a:t>
+                </a:r>
+                <a:r>
+                  <a:rPr lang="es-ES" sz="1400" b="1" dirty="0" smtClean="0">
+                    <a:solidFill>
+                      <a:schemeClr val="tx1">
+                        <a:lumMod val="50000"/>
+                        <a:lumOff val="50000"/>
+                      </a:schemeClr>
+                    </a:solidFill>
+                    <a:latin typeface="+mj-lt"/>
+                    <a:cs typeface="Aharoni" panose="02010803020104030203" pitchFamily="2" charset="-79"/>
+                  </a:rPr>
+                  <a:t>=true</a:t>
+                </a:r>
+                <a:endParaRPr lang="es-ES" sz="1400" b="1" dirty="0">
+                  <a:solidFill>
+                    <a:schemeClr val="tx1">
+                      <a:lumMod val="50000"/>
+                      <a:lumOff val="50000"/>
+                    </a:schemeClr>
+                  </a:solidFill>
+                  <a:latin typeface="+mj-lt"/>
+                  <a:cs typeface="Aharoni" panose="02010803020104030203" pitchFamily="2" charset="-79"/>
+                </a:endParaRPr>
+              </a:p>
+            </p:txBody>
+          </p:sp>
+          <p:sp>
+            <p:nvSpPr>
+              <p:cNvPr id="132" name="CuadroTexto 131"/>
+              <p:cNvSpPr txBox="1"/>
+              <p:nvPr/>
+            </p:nvSpPr>
+            <p:spPr>
+              <a:xfrm>
+                <a:off x="5730030" y="3829669"/>
+                <a:ext cx="1780809" cy="523220"/>
+              </a:xfrm>
+              <a:prstGeom prst="rect">
+                <a:avLst/>
+              </a:prstGeom>
+              <a:noFill/>
+            </p:spPr>
+            <p:txBody>
+              <a:bodyPr wrap="none" rtlCol="0">
+                <a:spAutoFit/>
+              </a:bodyPr>
+              <a:lstStyle/>
+              <a:p>
+                <a:r>
+                  <a:rPr lang="es-ES" sz="1400" b="1" dirty="0" smtClean="0">
+                    <a:solidFill>
+                      <a:schemeClr val="tx1">
+                        <a:lumMod val="50000"/>
+                        <a:lumOff val="50000"/>
+                      </a:schemeClr>
+                    </a:solidFill>
+                    <a:latin typeface="+mj-lt"/>
+                    <a:cs typeface="Aharoni" panose="02010803020104030203" pitchFamily="2" charset="-79"/>
+                  </a:rPr>
+                  <a:t>  </a:t>
+                </a:r>
+                <a:r>
+                  <a:rPr lang="es-ES" sz="1400" b="1" dirty="0" smtClean="0">
+                    <a:solidFill>
+                      <a:schemeClr val="tx1">
+                        <a:lumMod val="50000"/>
+                        <a:lumOff val="50000"/>
+                      </a:schemeClr>
+                    </a:solidFill>
+                    <a:latin typeface="+mj-lt"/>
+                    <a:cs typeface="Aharoni" panose="02010803020104030203" pitchFamily="2" charset="-79"/>
+                  </a:rPr>
+                  <a:t>$</a:t>
+                </a:r>
+                <a:r>
+                  <a:rPr lang="es-ES" sz="1400" b="1" dirty="0" err="1" smtClean="0">
+                    <a:solidFill>
+                      <a:schemeClr val="tx1">
+                        <a:lumMod val="50000"/>
+                        <a:lumOff val="50000"/>
+                      </a:schemeClr>
+                    </a:solidFill>
+                    <a:latin typeface="+mj-lt"/>
+                    <a:cs typeface="Aharoni" panose="02010803020104030203" pitchFamily="2" charset="-79"/>
+                  </a:rPr>
+                  <a:t>dish</a:t>
+                </a:r>
+                <a:endParaRPr lang="es-ES" sz="1400" b="1" dirty="0" smtClean="0">
+                  <a:solidFill>
+                    <a:schemeClr val="tx1">
+                      <a:lumMod val="50000"/>
+                      <a:lumOff val="50000"/>
+                    </a:schemeClr>
+                  </a:solidFill>
+                  <a:latin typeface="+mj-lt"/>
+                  <a:cs typeface="Aharoni" panose="02010803020104030203" pitchFamily="2" charset="-79"/>
+                </a:endParaRPr>
+              </a:p>
+              <a:p>
+                <a:r>
+                  <a:rPr lang="es-ES" sz="1400" b="1" dirty="0" smtClean="0">
+                    <a:solidFill>
+                      <a:schemeClr val="tx1">
+                        <a:lumMod val="50000"/>
+                        <a:lumOff val="50000"/>
+                      </a:schemeClr>
+                    </a:solidFill>
+                    <a:latin typeface="+mj-lt"/>
+                    <a:cs typeface="Aharoni" panose="02010803020104030203" pitchFamily="2" charset="-79"/>
+                  </a:rPr>
+                  <a:t>  $</a:t>
+                </a:r>
+                <a:r>
+                  <a:rPr lang="es-ES" sz="1400" b="1" dirty="0" err="1" smtClean="0">
+                    <a:solidFill>
+                      <a:schemeClr val="tx1">
+                        <a:lumMod val="50000"/>
+                        <a:lumOff val="50000"/>
+                      </a:schemeClr>
+                    </a:solidFill>
+                    <a:latin typeface="+mj-lt"/>
+                    <a:cs typeface="Aharoni" panose="02010803020104030203" pitchFamily="2" charset="-79"/>
+                  </a:rPr>
+                  <a:t>search_recipe</a:t>
+                </a:r>
+                <a:r>
+                  <a:rPr lang="es-ES" sz="1400" b="1" dirty="0" smtClean="0">
+                    <a:solidFill>
+                      <a:schemeClr val="tx1">
+                        <a:lumMod val="50000"/>
+                        <a:lumOff val="50000"/>
+                      </a:schemeClr>
+                    </a:solidFill>
+                    <a:latin typeface="+mj-lt"/>
+                    <a:cs typeface="Aharoni" panose="02010803020104030203" pitchFamily="2" charset="-79"/>
+                  </a:rPr>
+                  <a:t>=true</a:t>
+                </a:r>
+                <a:endParaRPr lang="es-ES" sz="1400" b="1" dirty="0">
+                  <a:solidFill>
+                    <a:schemeClr val="tx1">
+                      <a:lumMod val="50000"/>
+                      <a:lumOff val="50000"/>
+                    </a:schemeClr>
+                  </a:solidFill>
+                  <a:latin typeface="+mj-lt"/>
+                  <a:cs typeface="Aharoni" panose="02010803020104030203" pitchFamily="2" charset="-79"/>
+                </a:endParaRPr>
+              </a:p>
+            </p:txBody>
+          </p:sp>
+          <p:sp>
+            <p:nvSpPr>
+              <p:cNvPr id="134" name="CuadroTexto 133"/>
+              <p:cNvSpPr txBox="1"/>
+              <p:nvPr/>
+            </p:nvSpPr>
+            <p:spPr>
+              <a:xfrm>
+                <a:off x="5213195" y="2372689"/>
+                <a:ext cx="1502784" cy="369332"/>
+              </a:xfrm>
+              <a:prstGeom prst="rect">
+                <a:avLst/>
+              </a:prstGeom>
+              <a:noFill/>
+            </p:spPr>
+            <p:txBody>
+              <a:bodyPr wrap="none" rtlCol="0">
+                <a:spAutoFit/>
+              </a:bodyPr>
+              <a:lstStyle/>
+              <a:p>
+                <a:pPr algn="ctr"/>
+                <a:r>
+                  <a:rPr lang="es-ES" b="1" dirty="0" smtClean="0">
+                    <a:solidFill>
+                      <a:srgbClr val="FF3300"/>
+                    </a:solidFill>
+                    <a:latin typeface="+mj-lt"/>
+                    <a:cs typeface="Aharoni" panose="02010803020104030203" pitchFamily="2" charset="-79"/>
+                  </a:rPr>
+                  <a:t>No / </a:t>
+                </a:r>
+                <a:r>
+                  <a:rPr lang="es-ES" b="1" dirty="0" err="1" smtClean="0">
+                    <a:solidFill>
+                      <a:srgbClr val="FF3300"/>
+                    </a:solidFill>
+                    <a:latin typeface="+mj-lt"/>
+                    <a:cs typeface="Aharoni" panose="02010803020104030203" pitchFamily="2" charset="-79"/>
+                  </a:rPr>
+                  <a:t>Unknown</a:t>
+                </a:r>
+                <a:endParaRPr lang="es-ES" b="1" dirty="0" smtClean="0">
+                  <a:solidFill>
+                    <a:srgbClr val="FF3300"/>
+                  </a:solidFill>
+                  <a:latin typeface="+mj-lt"/>
+                  <a:cs typeface="Aharoni" panose="02010803020104030203" pitchFamily="2" charset="-79"/>
+                </a:endParaRPr>
+              </a:p>
+            </p:txBody>
+          </p:sp>
+          <p:cxnSp>
+            <p:nvCxnSpPr>
+              <p:cNvPr id="91" name="Conector recto de flecha 90"/>
+              <p:cNvCxnSpPr>
+                <a:endCxn id="7" idx="2"/>
+              </p:cNvCxnSpPr>
+              <p:nvPr/>
+            </p:nvCxnSpPr>
+            <p:spPr>
+              <a:xfrm flipH="1" flipV="1">
+                <a:off x="14140881" y="2001082"/>
+                <a:ext cx="22857" cy="1806115"/>
+              </a:xfrm>
+              <a:prstGeom prst="straightConnector1">
+                <a:avLst/>
+              </a:prstGeom>
+              <a:ln w="28575">
+                <a:solidFill>
+                  <a:srgbClr val="7240F0"/>
+                </a:solidFill>
+                <a:tailEnd type="triangle" w="lg" len="lg"/>
+              </a:ln>
+            </p:spPr>
+            <p:style>
+              <a:lnRef idx="1">
+                <a:schemeClr val="accent1"/>
+              </a:lnRef>
+              <a:fillRef idx="0">
+                <a:schemeClr val="accent1"/>
+              </a:fillRef>
+              <a:effectRef idx="0">
+                <a:schemeClr val="accent1"/>
+              </a:effectRef>
+              <a:fontRef idx="minor">
+                <a:schemeClr val="tx1"/>
+              </a:fontRef>
+            </p:style>
+          </p:cxnSp>
+          <p:sp>
+            <p:nvSpPr>
+              <p:cNvPr id="96" name="Flecha izquierda y derecha 95"/>
+              <p:cNvSpPr/>
+              <p:nvPr/>
+            </p:nvSpPr>
+            <p:spPr>
+              <a:xfrm rot="16200000">
+                <a:off x="13713738" y="357481"/>
+                <a:ext cx="1080000" cy="180000"/>
+              </a:xfrm>
+              <a:prstGeom prst="leftRightArrow">
+                <a:avLst/>
+              </a:prstGeom>
+              <a:solidFill>
+                <a:schemeClr val="accent3">
+                  <a:lumMod val="60000"/>
+                  <a:lumOff val="40000"/>
+                </a:schemeClr>
+              </a:solidFill>
+              <a:ln>
+                <a:noFill/>
+              </a:ln>
+            </p:spPr>
+            <p:style>
+              <a:lnRef idx="2">
+                <a:schemeClr val="accent1">
+                  <a:shade val="50000"/>
+                </a:schemeClr>
+              </a:lnRef>
+              <a:fillRef idx="1">
+                <a:schemeClr val="accent1"/>
+              </a:fillRef>
+              <a:effectRef idx="0">
+                <a:schemeClr val="accent1"/>
+              </a:effectRef>
+              <a:fontRef idx="minor">
+                <a:schemeClr val="lt1"/>
+              </a:fontRef>
+            </p:style>
+            <p:txBody>
+              <a:bodyPr rtlCol="0" anchor="ctr"/>
+              <a:lstStyle/>
+              <a:p>
+                <a:pPr algn="ctr"/>
+                <a:endParaRPr lang="es-ES"/>
+              </a:p>
+            </p:txBody>
+          </p:sp>
+          <p:pic>
+            <p:nvPicPr>
+              <p:cNvPr id="97" name="Imagen 96"/>
+              <p:cNvPicPr>
+                <a:picLocks noChangeAspect="1"/>
+              </p:cNvPicPr>
+              <p:nvPr/>
+            </p:nvPicPr>
+            <p:blipFill>
+              <a:blip r:embed="rId3" cstate="print">
+                <a:duotone>
+                  <a:schemeClr val="accent3">
+                    <a:shade val="45000"/>
+                    <a:satMod val="135000"/>
+                  </a:schemeClr>
+                  <a:prstClr val="white"/>
+                </a:duotone>
+                <a:extLst>
+                  <a:ext uri="{28A0092B-C50C-407E-A947-70E740481C1C}">
+                    <a14:useLocalDpi xmlns:a14="http://schemas.microsoft.com/office/drawing/2010/main" val="0"/>
+                  </a:ext>
+                </a:extLst>
+              </a:blip>
+              <a:stretch>
+                <a:fillRect/>
+              </a:stretch>
+            </p:blipFill>
+            <p:spPr>
+              <a:xfrm>
+                <a:off x="14314863" y="-64141"/>
+                <a:ext cx="614369" cy="650686"/>
+              </a:xfrm>
+              <a:prstGeom prst="rect">
+                <a:avLst/>
+              </a:prstGeom>
+            </p:spPr>
+          </p:pic>
+          <p:sp>
+            <p:nvSpPr>
+              <p:cNvPr id="98" name="Rectángulo redondeado 97"/>
+              <p:cNvSpPr/>
+              <p:nvPr/>
+            </p:nvSpPr>
+            <p:spPr bwMode="auto">
+              <a:xfrm>
+                <a:off x="13544093" y="7939856"/>
+                <a:ext cx="1584361" cy="1365094"/>
+              </a:xfrm>
+              <a:prstGeom prst="roundRect">
+                <a:avLst/>
+              </a:prstGeom>
+              <a:solidFill>
+                <a:schemeClr val="bg1"/>
+              </a:solidFill>
+              <a:ln w="9525" cap="rnd" cmpd="sng" algn="ctr">
+                <a:solidFill>
+                  <a:schemeClr val="bg1">
+                    <a:lumMod val="50000"/>
+                  </a:schemeClr>
+                </a:solidFill>
+                <a:prstDash val="sysDot"/>
+                <a:round/>
+                <a:headEnd type="none" w="med" len="med"/>
+                <a:tailEnd type="none" w="med" len="med"/>
+              </a:ln>
+              <a:effectLst/>
+              <a:extLst/>
+            </p:spPr>
+            <p:txBody>
+              <a:bodyPr vert="horz" wrap="none" lIns="45720" tIns="45720" rIns="45720" bIns="45720" numCol="1" rtlCol="0" anchor="ctr" anchorCtr="0" compatLnSpc="1">
+                <a:prstTxWarp prst="textNoShape">
+                  <a:avLst/>
+                </a:prstTxWarp>
+              </a:bodyPr>
+              <a:lstStyle/>
+              <a:p>
+                <a:pPr marL="0" marR="0" indent="0" algn="ctr" defTabSz="914400" rtl="0" eaLnBrk="1" fontAlgn="base" latinLnBrk="0" hangingPunct="1">
+                  <a:lnSpc>
+                    <a:spcPct val="100000"/>
+                  </a:lnSpc>
+                  <a:spcBef>
+                    <a:spcPct val="50000"/>
+                  </a:spcBef>
+                  <a:spcAft>
+                    <a:spcPct val="0"/>
+                  </a:spcAft>
+                  <a:buClrTx/>
+                  <a:buSzTx/>
+                  <a:buFontTx/>
+                  <a:buNone/>
+                  <a:tabLst/>
+                </a:pPr>
+                <a:endParaRPr kumimoji="0" lang="es-ES" sz="2000" b="0" i="0" u="none" strike="noStrike" cap="none" normalizeH="0" baseline="0" dirty="0" smtClean="0">
+                  <a:ln>
+                    <a:noFill/>
+                  </a:ln>
+                  <a:solidFill>
+                    <a:srgbClr val="00B050"/>
+                  </a:solidFill>
+                  <a:effectLst/>
+                  <a:latin typeface="Verdana" pitchFamily="34" charset="0"/>
+                </a:endParaRPr>
+              </a:p>
+            </p:txBody>
+          </p:sp>
+          <p:sp>
+            <p:nvSpPr>
+              <p:cNvPr id="99" name="Rectángulo redondeado 98"/>
+              <p:cNvSpPr/>
+              <p:nvPr/>
+            </p:nvSpPr>
+            <p:spPr>
+              <a:xfrm>
+                <a:off x="13544093" y="5946639"/>
+                <a:ext cx="1382271" cy="922421"/>
+              </a:xfrm>
+              <a:prstGeom prst="roundRect">
+                <a:avLst/>
+              </a:prstGeom>
+              <a:noFill/>
+              <a:ln w="38100">
+                <a:solidFill>
+                  <a:srgbClr val="FFC000"/>
+                </a:solidFill>
+              </a:ln>
+            </p:spPr>
+            <p:style>
+              <a:lnRef idx="2">
+                <a:schemeClr val="accent1">
+                  <a:shade val="50000"/>
+                </a:schemeClr>
+              </a:lnRef>
+              <a:fillRef idx="1">
+                <a:schemeClr val="accent1"/>
+              </a:fillRef>
+              <a:effectRef idx="0">
+                <a:schemeClr val="accent1"/>
+              </a:effectRef>
+              <a:fontRef idx="minor">
+                <a:schemeClr val="lt1"/>
+              </a:fontRef>
+            </p:style>
+            <p:txBody>
+              <a:bodyPr lIns="0" tIns="0" rIns="0" bIns="0" rtlCol="0" anchor="ctr"/>
+              <a:lstStyle/>
+              <a:p>
+                <a:pPr algn="ctr"/>
+                <a:r>
+                  <a:rPr lang="es-ES" sz="1200" dirty="0" smtClean="0">
+                    <a:solidFill>
+                      <a:schemeClr val="tx1">
+                        <a:lumMod val="75000"/>
+                        <a:lumOff val="25000"/>
+                      </a:schemeClr>
+                    </a:solidFill>
+                    <a:latin typeface="Arial Rounded MT Bold" panose="020F0704030504030204" pitchFamily="34" charset="0"/>
+                  </a:rPr>
+                  <a:t>YUM </a:t>
+                </a:r>
+                <a:r>
+                  <a:rPr lang="es-ES" sz="1200" dirty="0" err="1" smtClean="0">
+                    <a:solidFill>
+                      <a:schemeClr val="tx1">
+                        <a:lumMod val="75000"/>
+                        <a:lumOff val="25000"/>
+                      </a:schemeClr>
+                    </a:solidFill>
+                    <a:latin typeface="Arial Rounded MT Bold" panose="020F0704030504030204" pitchFamily="34" charset="0"/>
+                  </a:rPr>
+                  <a:t>YUM</a:t>
+                </a:r>
+                <a:r>
+                  <a:rPr lang="es-ES" sz="1200" dirty="0" smtClean="0">
+                    <a:solidFill>
+                      <a:schemeClr val="tx1">
+                        <a:lumMod val="75000"/>
+                        <a:lumOff val="25000"/>
+                      </a:schemeClr>
+                    </a:solidFill>
+                    <a:latin typeface="Arial Rounded MT Bold" panose="020F0704030504030204" pitchFamily="34" charset="0"/>
+                  </a:rPr>
+                  <a:t> </a:t>
+                </a:r>
+              </a:p>
+              <a:p>
+                <a:pPr algn="ctr"/>
+                <a:r>
+                  <a:rPr lang="es-ES" sz="1200" dirty="0" smtClean="0">
+                    <a:solidFill>
+                      <a:schemeClr val="tx1">
+                        <a:lumMod val="75000"/>
+                        <a:lumOff val="25000"/>
+                      </a:schemeClr>
+                    </a:solidFill>
+                    <a:latin typeface="Arial Rounded MT Bold" panose="020F0704030504030204" pitchFamily="34" charset="0"/>
+                  </a:rPr>
+                  <a:t>SUGEST</a:t>
+                </a:r>
+                <a:endParaRPr lang="es-ES" sz="1200" dirty="0">
+                  <a:solidFill>
+                    <a:schemeClr val="tx1">
+                      <a:lumMod val="75000"/>
+                      <a:lumOff val="25000"/>
+                    </a:schemeClr>
+                  </a:solidFill>
+                  <a:latin typeface="Arial Rounded MT Bold" panose="020F0704030504030204" pitchFamily="34" charset="0"/>
+                </a:endParaRPr>
+              </a:p>
+            </p:txBody>
+          </p:sp>
+          <p:sp>
+            <p:nvSpPr>
+              <p:cNvPr id="100" name="CuadroTexto 99"/>
+              <p:cNvSpPr txBox="1"/>
+              <p:nvPr/>
+            </p:nvSpPr>
+            <p:spPr>
+              <a:xfrm>
+                <a:off x="13852679" y="8060085"/>
+                <a:ext cx="1275775" cy="307777"/>
+              </a:xfrm>
+              <a:prstGeom prst="rect">
+                <a:avLst/>
+              </a:prstGeom>
+              <a:noFill/>
+            </p:spPr>
+            <p:txBody>
+              <a:bodyPr wrap="square" rtlCol="0">
+                <a:spAutoFit/>
+              </a:bodyPr>
+              <a:lstStyle/>
+              <a:p>
+                <a:r>
+                  <a:rPr lang="es-ES" sz="1400" b="1" dirty="0" smtClean="0">
+                    <a:solidFill>
+                      <a:srgbClr val="00B050"/>
+                    </a:solidFill>
+                  </a:rPr>
+                  <a:t>DATABASE</a:t>
+                </a:r>
+                <a:endParaRPr lang="es-ES" sz="1400" b="1" dirty="0">
+                  <a:solidFill>
+                    <a:srgbClr val="00B050"/>
+                  </a:solidFill>
+                </a:endParaRPr>
+              </a:p>
+            </p:txBody>
+          </p:sp>
+          <p:sp>
+            <p:nvSpPr>
+              <p:cNvPr id="101" name="Flecha izquierda y derecha 100"/>
+              <p:cNvSpPr/>
+              <p:nvPr/>
+            </p:nvSpPr>
+            <p:spPr>
+              <a:xfrm rot="16200000">
+                <a:off x="13772544" y="7297696"/>
+                <a:ext cx="922357" cy="212903"/>
+              </a:xfrm>
+              <a:prstGeom prst="leftRightArrow">
+                <a:avLst/>
+              </a:prstGeom>
+              <a:solidFill>
+                <a:schemeClr val="accent3">
+                  <a:lumMod val="60000"/>
+                  <a:lumOff val="40000"/>
+                </a:schemeClr>
+              </a:solidFill>
+              <a:ln>
+                <a:noFill/>
+              </a:ln>
+            </p:spPr>
+            <p:style>
+              <a:lnRef idx="2">
+                <a:schemeClr val="accent1">
+                  <a:shade val="50000"/>
+                </a:schemeClr>
+              </a:lnRef>
+              <a:fillRef idx="1">
+                <a:schemeClr val="accent1"/>
+              </a:fillRef>
+              <a:effectRef idx="0">
+                <a:schemeClr val="accent1"/>
+              </a:effectRef>
+              <a:fontRef idx="minor">
+                <a:schemeClr val="lt1"/>
+              </a:fontRef>
+            </p:style>
+            <p:txBody>
+              <a:bodyPr rtlCol="0" anchor="ctr"/>
+              <a:lstStyle/>
+              <a:p>
+                <a:pPr algn="ctr"/>
+                <a:endParaRPr lang="es-ES"/>
+              </a:p>
+            </p:txBody>
+          </p:sp>
+          <p:pic>
+            <p:nvPicPr>
+              <p:cNvPr id="102" name="Imagen 101"/>
+              <p:cNvPicPr>
+                <a:picLocks noChangeAspect="1"/>
+              </p:cNvPicPr>
+              <p:nvPr/>
+            </p:nvPicPr>
+            <p:blipFill>
+              <a:blip r:embed="rId5" cstate="print">
+                <a:duotone>
+                  <a:schemeClr val="accent5">
+                    <a:shade val="45000"/>
+                    <a:satMod val="135000"/>
+                  </a:schemeClr>
+                  <a:prstClr val="white"/>
+                </a:duotone>
+                <a:extLst>
+                  <a:ext uri="{28A0092B-C50C-407E-A947-70E740481C1C}">
+                    <a14:useLocalDpi xmlns:a14="http://schemas.microsoft.com/office/drawing/2010/main" val="0"/>
+                  </a:ext>
+                </a:extLst>
+              </a:blip>
+              <a:stretch>
+                <a:fillRect/>
+              </a:stretch>
+            </p:blipFill>
+            <p:spPr>
+              <a:xfrm>
+                <a:off x="14451383" y="8488090"/>
+                <a:ext cx="566319" cy="568158"/>
+              </a:xfrm>
+              <a:prstGeom prst="rect">
+                <a:avLst/>
+              </a:prstGeom>
+            </p:spPr>
+          </p:pic>
+          <p:pic>
+            <p:nvPicPr>
+              <p:cNvPr id="104" name="Imagen 103"/>
+              <p:cNvPicPr>
+                <a:picLocks noChangeAspect="1"/>
+              </p:cNvPicPr>
+              <p:nvPr/>
+            </p:nvPicPr>
+            <p:blipFill>
+              <a:blip r:embed="rId6" cstate="print">
+                <a:extLst>
+                  <a:ext uri="{28A0092B-C50C-407E-A947-70E740481C1C}">
+                    <a14:useLocalDpi xmlns:a14="http://schemas.microsoft.com/office/drawing/2010/main" val="0"/>
+                  </a:ext>
+                </a:extLst>
+              </a:blip>
+              <a:stretch>
+                <a:fillRect/>
+              </a:stretch>
+            </p:blipFill>
+            <p:spPr>
+              <a:xfrm>
+                <a:off x="13716443" y="8488090"/>
+                <a:ext cx="678982" cy="624663"/>
+              </a:xfrm>
+              <a:prstGeom prst="rect">
+                <a:avLst/>
+              </a:prstGeom>
+            </p:spPr>
+          </p:pic>
+          <p:sp>
+            <p:nvSpPr>
+              <p:cNvPr id="106" name="CuadroTexto 105"/>
+              <p:cNvSpPr txBox="1"/>
+              <p:nvPr/>
+            </p:nvSpPr>
+            <p:spPr>
+              <a:xfrm>
+                <a:off x="9086861" y="6407849"/>
+                <a:ext cx="1601400" cy="307777"/>
+              </a:xfrm>
+              <a:prstGeom prst="rect">
+                <a:avLst/>
+              </a:prstGeom>
+              <a:noFill/>
+            </p:spPr>
+            <p:txBody>
+              <a:bodyPr wrap="none" rtlCol="0">
+                <a:spAutoFit/>
+              </a:bodyPr>
+              <a:lstStyle/>
+              <a:p>
+                <a:r>
+                  <a:rPr lang="es-ES" sz="1400" b="1" dirty="0">
+                    <a:solidFill>
+                      <a:schemeClr val="tx1">
+                        <a:lumMod val="50000"/>
+                        <a:lumOff val="50000"/>
+                      </a:schemeClr>
+                    </a:solidFill>
+                    <a:latin typeface="+mj-lt"/>
+                    <a:cs typeface="Aharoni" panose="02010803020104030203" pitchFamily="2" charset="-79"/>
+                  </a:rPr>
+                  <a:t> </a:t>
+                </a:r>
+                <a:r>
+                  <a:rPr lang="es-ES" sz="1400" b="1" dirty="0" smtClean="0">
+                    <a:solidFill>
+                      <a:schemeClr val="tx1">
+                        <a:lumMod val="50000"/>
+                        <a:lumOff val="50000"/>
+                      </a:schemeClr>
+                    </a:solidFill>
+                    <a:latin typeface="+mj-lt"/>
+                    <a:cs typeface="Aharoni" panose="02010803020104030203" pitchFamily="2" charset="-79"/>
+                  </a:rPr>
+                  <a:t>$</a:t>
+                </a:r>
+                <a:r>
+                  <a:rPr lang="es-ES" sz="1400" b="1" dirty="0" err="1" smtClean="0">
+                    <a:solidFill>
+                      <a:schemeClr val="tx1">
+                        <a:lumMod val="50000"/>
+                        <a:lumOff val="50000"/>
+                      </a:schemeClr>
+                    </a:solidFill>
+                    <a:latin typeface="+mj-lt"/>
+                    <a:cs typeface="Aharoni" panose="02010803020104030203" pitchFamily="2" charset="-79"/>
+                  </a:rPr>
+                  <a:t>yum_sugest</a:t>
+                </a:r>
+                <a:r>
+                  <a:rPr lang="es-ES" sz="1400" b="1" dirty="0" smtClean="0">
+                    <a:solidFill>
+                      <a:schemeClr val="tx1">
+                        <a:lumMod val="50000"/>
+                        <a:lumOff val="50000"/>
+                      </a:schemeClr>
+                    </a:solidFill>
+                    <a:latin typeface="+mj-lt"/>
+                    <a:cs typeface="Aharoni" panose="02010803020104030203" pitchFamily="2" charset="-79"/>
+                  </a:rPr>
+                  <a:t>=true</a:t>
+                </a:r>
+                <a:endParaRPr lang="es-ES" sz="1400" b="1" dirty="0">
+                  <a:solidFill>
+                    <a:schemeClr val="tx1">
+                      <a:lumMod val="50000"/>
+                      <a:lumOff val="50000"/>
+                    </a:schemeClr>
+                  </a:solidFill>
+                  <a:latin typeface="+mj-lt"/>
+                  <a:cs typeface="Aharoni" panose="02010803020104030203" pitchFamily="2" charset="-79"/>
+                </a:endParaRPr>
+              </a:p>
+            </p:txBody>
+          </p:sp>
+          <p:sp>
+            <p:nvSpPr>
+              <p:cNvPr id="107" name="Decisión 106"/>
+              <p:cNvSpPr/>
+              <p:nvPr/>
+            </p:nvSpPr>
+            <p:spPr>
+              <a:xfrm>
+                <a:off x="7529257" y="5649483"/>
+                <a:ext cx="1552885" cy="1439230"/>
+              </a:xfrm>
+              <a:prstGeom prst="flowChartDecision">
+                <a:avLst/>
+              </a:prstGeom>
+              <a:noFill/>
+              <a:ln w="38100">
+                <a:solidFill>
+                  <a:srgbClr val="46DACC"/>
+                </a:solidFill>
+                <a:prstDash val="sysDot"/>
+              </a:ln>
+            </p:spPr>
+            <p:style>
+              <a:lnRef idx="2">
+                <a:schemeClr val="accent1">
+                  <a:shade val="50000"/>
+                </a:schemeClr>
+              </a:lnRef>
+              <a:fillRef idx="1">
+                <a:schemeClr val="accent1"/>
+              </a:fillRef>
+              <a:effectRef idx="0">
+                <a:schemeClr val="accent1"/>
+              </a:effectRef>
+              <a:fontRef idx="minor">
+                <a:schemeClr val="lt1"/>
+              </a:fontRef>
+            </p:style>
+            <p:txBody>
+              <a:bodyPr lIns="0" tIns="0" rIns="0" bIns="0" rtlCol="0" anchor="ctr"/>
+              <a:lstStyle/>
+              <a:p>
+                <a:pPr algn="ctr"/>
+                <a:r>
+                  <a:rPr lang="es-ES" sz="1200" dirty="0" smtClean="0">
+                    <a:solidFill>
+                      <a:schemeClr val="tx1">
+                        <a:lumMod val="75000"/>
+                        <a:lumOff val="25000"/>
+                      </a:schemeClr>
+                    </a:solidFill>
+                    <a:latin typeface="Arial Rounded MT Bold" panose="020F0704030504030204" pitchFamily="34" charset="0"/>
+                  </a:rPr>
+                  <a:t>COUNTER </a:t>
+                </a:r>
+                <a:r>
+                  <a:rPr lang="es-ES" sz="1600" dirty="0" smtClean="0">
+                    <a:solidFill>
+                      <a:schemeClr val="tx1">
+                        <a:lumMod val="75000"/>
+                        <a:lumOff val="25000"/>
+                      </a:schemeClr>
+                    </a:solidFill>
+                    <a:latin typeface="Arial Rounded MT Bold" panose="020F0704030504030204" pitchFamily="34" charset="0"/>
+                  </a:rPr>
+                  <a:t>&lt; = </a:t>
+                </a:r>
+                <a:r>
+                  <a:rPr lang="es-ES" sz="1400" dirty="0" smtClean="0">
+                    <a:solidFill>
+                      <a:schemeClr val="tx1">
+                        <a:lumMod val="75000"/>
+                        <a:lumOff val="25000"/>
+                      </a:schemeClr>
+                    </a:solidFill>
+                    <a:latin typeface="Arial Rounded MT Bold" panose="020F0704030504030204" pitchFamily="34" charset="0"/>
+                  </a:rPr>
+                  <a:t>3</a:t>
+                </a:r>
+                <a:endParaRPr lang="es-ES" dirty="0" smtClean="0">
+                  <a:solidFill>
+                    <a:schemeClr val="tx1">
+                      <a:lumMod val="75000"/>
+                      <a:lumOff val="25000"/>
+                    </a:schemeClr>
+                  </a:solidFill>
+                  <a:latin typeface="Arial Rounded MT Bold" panose="020F0704030504030204" pitchFamily="34" charset="0"/>
+                </a:endParaRPr>
+              </a:p>
+            </p:txBody>
+          </p:sp>
+          <p:cxnSp>
+            <p:nvCxnSpPr>
+              <p:cNvPr id="109" name="Conector recto de flecha 108"/>
+              <p:cNvCxnSpPr>
+                <a:stCxn id="107" idx="3"/>
+                <a:endCxn id="99" idx="1"/>
+              </p:cNvCxnSpPr>
+              <p:nvPr/>
+            </p:nvCxnSpPr>
+            <p:spPr>
+              <a:xfrm>
+                <a:off x="9082142" y="6369098"/>
+                <a:ext cx="4461951" cy="38752"/>
+              </a:xfrm>
+              <a:prstGeom prst="straightConnector1">
+                <a:avLst/>
+              </a:prstGeom>
+              <a:ln w="28575">
+                <a:solidFill>
+                  <a:srgbClr val="7240F0"/>
+                </a:solidFill>
+                <a:tailEnd type="triangle" w="lg" len="lg"/>
+              </a:ln>
+            </p:spPr>
+            <p:style>
+              <a:lnRef idx="1">
+                <a:schemeClr val="accent1"/>
+              </a:lnRef>
+              <a:fillRef idx="0">
+                <a:schemeClr val="accent1"/>
+              </a:fillRef>
+              <a:effectRef idx="0">
+                <a:schemeClr val="accent1"/>
+              </a:effectRef>
+              <a:fontRef idx="minor">
+                <a:schemeClr val="tx1"/>
+              </a:fontRef>
+            </p:style>
+          </p:cxnSp>
+          <p:cxnSp>
+            <p:nvCxnSpPr>
+              <p:cNvPr id="148" name="Conector recto de flecha 147"/>
+              <p:cNvCxnSpPr/>
+              <p:nvPr/>
+            </p:nvCxnSpPr>
+            <p:spPr>
+              <a:xfrm flipH="1" flipV="1">
+                <a:off x="14174197" y="3807197"/>
+                <a:ext cx="45421" cy="2160000"/>
+              </a:xfrm>
+              <a:prstGeom prst="straightConnector1">
+                <a:avLst/>
+              </a:prstGeom>
+              <a:ln w="28575">
+                <a:solidFill>
+                  <a:srgbClr val="7240F0"/>
+                </a:solidFill>
+                <a:tailEnd type="triangle" w="lg" len="lg"/>
+              </a:ln>
+            </p:spPr>
+            <p:style>
+              <a:lnRef idx="1">
+                <a:schemeClr val="accent1"/>
+              </a:lnRef>
+              <a:fillRef idx="0">
+                <a:schemeClr val="accent1"/>
+              </a:fillRef>
+              <a:effectRef idx="0">
+                <a:schemeClr val="accent1"/>
+              </a:effectRef>
+              <a:fontRef idx="minor">
+                <a:schemeClr val="tx1"/>
+              </a:fontRef>
+            </p:style>
+          </p:cxnSp>
+          <p:sp>
+            <p:nvSpPr>
+              <p:cNvPr id="170" name="CuadroTexto 169"/>
+              <p:cNvSpPr txBox="1"/>
+              <p:nvPr/>
+            </p:nvSpPr>
+            <p:spPr>
+              <a:xfrm>
+                <a:off x="8348434" y="5197039"/>
+                <a:ext cx="475643" cy="369332"/>
+              </a:xfrm>
+              <a:prstGeom prst="rect">
+                <a:avLst/>
+              </a:prstGeom>
+              <a:noFill/>
+            </p:spPr>
+            <p:txBody>
+              <a:bodyPr wrap="none" rtlCol="0">
+                <a:spAutoFit/>
+              </a:bodyPr>
+              <a:lstStyle/>
+              <a:p>
+                <a:r>
+                  <a:rPr lang="es-ES" b="1" dirty="0" smtClean="0">
+                    <a:solidFill>
+                      <a:srgbClr val="FF3300"/>
+                    </a:solidFill>
+                    <a:latin typeface="+mj-lt"/>
+                    <a:cs typeface="Aharoni" panose="02010803020104030203" pitchFamily="2" charset="-79"/>
+                  </a:rPr>
+                  <a:t>Yes</a:t>
+                </a:r>
+                <a:endParaRPr lang="es-ES" b="1" dirty="0">
+                  <a:solidFill>
+                    <a:srgbClr val="FF3300"/>
+                  </a:solidFill>
+                  <a:latin typeface="+mj-lt"/>
+                  <a:cs typeface="Aharoni" panose="02010803020104030203" pitchFamily="2" charset="-79"/>
+                </a:endParaRPr>
+              </a:p>
+            </p:txBody>
+          </p:sp>
+          <p:sp>
+            <p:nvSpPr>
+              <p:cNvPr id="171" name="CuadroTexto 170"/>
+              <p:cNvSpPr txBox="1"/>
+              <p:nvPr/>
+            </p:nvSpPr>
+            <p:spPr>
+              <a:xfrm>
+                <a:off x="9157373" y="6005833"/>
+                <a:ext cx="447558" cy="369332"/>
+              </a:xfrm>
+              <a:prstGeom prst="rect">
+                <a:avLst/>
+              </a:prstGeom>
+              <a:noFill/>
+            </p:spPr>
+            <p:txBody>
+              <a:bodyPr wrap="none" rtlCol="0">
+                <a:spAutoFit/>
+              </a:bodyPr>
+              <a:lstStyle/>
+              <a:p>
+                <a:r>
+                  <a:rPr lang="es-ES" b="1" dirty="0" smtClean="0">
+                    <a:solidFill>
+                      <a:srgbClr val="FF3300"/>
+                    </a:solidFill>
+                    <a:latin typeface="+mj-lt"/>
+                    <a:cs typeface="Aharoni" panose="02010803020104030203" pitchFamily="2" charset="-79"/>
+                  </a:rPr>
+                  <a:t>No</a:t>
+                </a:r>
+                <a:endParaRPr lang="es-ES" b="1" dirty="0">
+                  <a:solidFill>
+                    <a:srgbClr val="FF3300"/>
+                  </a:solidFill>
+                  <a:latin typeface="+mj-lt"/>
+                  <a:cs typeface="Aharoni" panose="02010803020104030203" pitchFamily="2" charset="-79"/>
+                </a:endParaRPr>
+              </a:p>
+            </p:txBody>
+          </p:sp>
+        </p:grpSp>
         <p:sp>
           <p:nvSpPr>
-            <p:cNvPr id="135" name="Rectángulo 134"/>
+            <p:cNvPr id="2" name="Rectángulo redondeado 1"/>
             <p:cNvSpPr/>
             <p:nvPr/>
           </p:nvSpPr>
           <p:spPr>
             <a:xfrm>
-              <a:off x="-1238250" y="-2133600"/>
-              <a:ext cx="16989718" cy="11576336"/>
+              <a:off x="596285" y="-155605"/>
+              <a:ext cx="9355322" cy="7647268"/>
             </a:xfrm>
-            <a:prstGeom prst="rect">
-              <a:avLst/>
+            <a:prstGeom prst="roundRect">
+              <a:avLst>
+                <a:gd name="adj" fmla="val 3452"/>
+              </a:avLst>
             </a:prstGeom>
-            <a:solidFill>
-              <a:schemeClr val="bg1"/>
-            </a:solidFill>
+            <a:noFill/>
             <a:ln>
-              <a:noFill/>
+              <a:solidFill>
+                <a:schemeClr val="bg1">
+                  <a:lumMod val="75000"/>
+                </a:schemeClr>
+              </a:solidFill>
+              <a:prstDash val="sysDash"/>
             </a:ln>
           </p:spPr>
           <p:style>
@@ -15382,27 +18170,28 @@
         </p:sp>
         <p:sp>
           <p:nvSpPr>
-            <p:cNvPr id="51" name="Nube 50"/>
+            <p:cNvPr id="56" name="Rectángulo redondeado 55"/>
             <p:cNvSpPr/>
             <p:nvPr/>
           </p:nvSpPr>
           <p:spPr>
             <a:xfrm>
-              <a:off x="10868825" y="-1859517"/>
-              <a:ext cx="2628000" cy="1692000"/>
+              <a:off x="10071989" y="676495"/>
+              <a:ext cx="5607646" cy="6782273"/>
             </a:xfrm>
-            <a:prstGeom prst="cloud">
-              <a:avLst/>
+            <a:prstGeom prst="roundRect">
+              <a:avLst>
+                <a:gd name="adj" fmla="val 2711"/>
+              </a:avLst>
             </a:prstGeom>
-            <a:solidFill>
-              <a:schemeClr val="bg1"/>
-            </a:solidFill>
-            <a:ln w="28575">
+            <a:noFill/>
+            <a:ln>
               <a:solidFill>
-                <a:schemeClr val="bg2">
+                <a:schemeClr val="bg1">
                   <a:lumMod val="75000"/>
                 </a:schemeClr>
               </a:solidFill>
+              <a:prstDash val="sysDash"/>
             </a:ln>
           </p:spPr>
           <p:style>
@@ -15432,1157 +18221,14 @@
         </p:sp>
         <p:sp>
           <p:nvSpPr>
-            <p:cNvPr id="67" name="Nube 66"/>
-            <p:cNvSpPr/>
-            <p:nvPr/>
-          </p:nvSpPr>
-          <p:spPr>
-            <a:xfrm>
-              <a:off x="7821053" y="-1814439"/>
-              <a:ext cx="2628000" cy="1692000"/>
-            </a:xfrm>
-            <a:prstGeom prst="cloud">
-              <a:avLst/>
-            </a:prstGeom>
-            <a:solidFill>
-              <a:schemeClr val="bg1"/>
-            </a:solidFill>
-            <a:ln w="28575">
-              <a:solidFill>
-                <a:schemeClr val="bg2">
-                  <a:lumMod val="75000"/>
-                </a:schemeClr>
-              </a:solidFill>
-            </a:ln>
-          </p:spPr>
-          <p:style>
-            <a:lnRef idx="2">
-              <a:schemeClr val="accent1">
-                <a:shade val="50000"/>
-              </a:schemeClr>
-            </a:lnRef>
-            <a:fillRef idx="1">
-              <a:schemeClr val="accent1"/>
-            </a:fillRef>
-            <a:effectRef idx="0">
-              <a:schemeClr val="accent1"/>
-            </a:effectRef>
-            <a:fontRef idx="minor">
-              <a:schemeClr val="lt1"/>
-            </a:fontRef>
-          </p:style>
-          <p:txBody>
-            <a:bodyPr rtlCol="0" anchor="ctr"/>
-            <a:lstStyle/>
-            <a:p>
-              <a:pPr algn="ctr"/>
-              <a:endParaRPr lang="es-ES"/>
-            </a:p>
-          </p:txBody>
-        </p:sp>
-        <p:sp>
-          <p:nvSpPr>
-            <p:cNvPr id="4" name="Rectángulo redondeado 3"/>
-            <p:cNvSpPr/>
-            <p:nvPr/>
-          </p:nvSpPr>
-          <p:spPr>
-            <a:xfrm>
-              <a:off x="8635857" y="1058111"/>
-              <a:ext cx="1275009" cy="936000"/>
-            </a:xfrm>
-            <a:prstGeom prst="roundRect">
-              <a:avLst/>
-            </a:prstGeom>
-            <a:noFill/>
-            <a:ln w="38100">
-              <a:solidFill>
-                <a:srgbClr val="FFC000"/>
-              </a:solidFill>
-            </a:ln>
-          </p:spPr>
-          <p:style>
-            <a:lnRef idx="2">
-              <a:schemeClr val="accent1">
-                <a:shade val="50000"/>
-              </a:schemeClr>
-            </a:lnRef>
-            <a:fillRef idx="1">
-              <a:schemeClr val="accent1"/>
-            </a:fillRef>
-            <a:effectRef idx="0">
-              <a:schemeClr val="accent1"/>
-            </a:effectRef>
-            <a:fontRef idx="minor">
-              <a:schemeClr val="lt1"/>
-            </a:fontRef>
-          </p:style>
-          <p:txBody>
-            <a:bodyPr lIns="0" tIns="0" rIns="0" bIns="0" rtlCol="0" anchor="ctr"/>
-            <a:lstStyle/>
-            <a:p>
-              <a:pPr algn="ctr"/>
-              <a:r>
-                <a:rPr lang="es-ES" sz="1200" dirty="0" smtClean="0">
-                  <a:solidFill>
-                    <a:schemeClr val="tx1">
-                      <a:lumMod val="75000"/>
-                      <a:lumOff val="25000"/>
-                    </a:schemeClr>
-                  </a:solidFill>
-                  <a:latin typeface="Arial Rounded MT Bold" panose="020F0704030504030204" pitchFamily="34" charset="0"/>
-                </a:rPr>
-                <a:t>IMAGE</a:t>
-              </a:r>
-            </a:p>
-            <a:p>
-              <a:pPr algn="ctr"/>
-              <a:r>
-                <a:rPr lang="es-ES" sz="1200" dirty="0" smtClean="0">
-                  <a:solidFill>
-                    <a:schemeClr val="tx1">
-                      <a:lumMod val="75000"/>
-                      <a:lumOff val="25000"/>
-                    </a:schemeClr>
-                  </a:solidFill>
-                  <a:latin typeface="Arial Rounded MT Bold" panose="020F0704030504030204" pitchFamily="34" charset="0"/>
-                </a:rPr>
-                <a:t>RECOGNITION</a:t>
-              </a:r>
-              <a:endParaRPr lang="es-ES" sz="1200" dirty="0">
-                <a:solidFill>
-                  <a:schemeClr val="tx1">
-                    <a:lumMod val="75000"/>
-                    <a:lumOff val="25000"/>
-                  </a:schemeClr>
-                </a:solidFill>
-                <a:latin typeface="Arial Rounded MT Bold" panose="020F0704030504030204" pitchFamily="34" charset="0"/>
-              </a:endParaRPr>
-            </a:p>
-          </p:txBody>
-        </p:sp>
-        <p:sp>
-          <p:nvSpPr>
-            <p:cNvPr id="5" name="Decisión 4"/>
-            <p:cNvSpPr/>
-            <p:nvPr/>
-          </p:nvSpPr>
-          <p:spPr>
-            <a:xfrm>
-              <a:off x="1071276" y="743376"/>
-              <a:ext cx="2205200" cy="1581874"/>
-            </a:xfrm>
-            <a:prstGeom prst="flowChartDecision">
-              <a:avLst/>
-            </a:prstGeom>
-            <a:noFill/>
-            <a:ln w="38100">
-              <a:solidFill>
-                <a:srgbClr val="46DACC"/>
-              </a:solidFill>
-              <a:prstDash val="sysDot"/>
-            </a:ln>
-          </p:spPr>
-          <p:style>
-            <a:lnRef idx="2">
-              <a:schemeClr val="accent1">
-                <a:shade val="50000"/>
-              </a:schemeClr>
-            </a:lnRef>
-            <a:fillRef idx="1">
-              <a:schemeClr val="accent1"/>
-            </a:fillRef>
-            <a:effectRef idx="0">
-              <a:schemeClr val="accent1"/>
-            </a:effectRef>
-            <a:fontRef idx="minor">
-              <a:schemeClr val="lt1"/>
-            </a:fontRef>
-          </p:style>
-          <p:txBody>
-            <a:bodyPr lIns="0" tIns="0" rIns="0" bIns="0" rtlCol="0" anchor="ctr"/>
-            <a:lstStyle/>
-            <a:p>
-              <a:pPr algn="ctr"/>
-              <a:r>
-                <a:rPr lang="es-ES" sz="1200" dirty="0" smtClean="0">
-                  <a:solidFill>
-                    <a:schemeClr val="tx1">
-                      <a:lumMod val="65000"/>
-                      <a:lumOff val="35000"/>
-                    </a:schemeClr>
-                  </a:solidFill>
-                  <a:latin typeface="Arial Rounded MT Bold" panose="020F0704030504030204" pitchFamily="34" charset="0"/>
-                </a:rPr>
-                <a:t>CHECK</a:t>
-              </a:r>
-            </a:p>
-            <a:p>
-              <a:pPr algn="ctr"/>
-              <a:r>
-                <a:rPr lang="es-ES" sz="1200" dirty="0" smtClean="0">
-                  <a:solidFill>
-                    <a:schemeClr val="tx1">
-                      <a:lumMod val="65000"/>
-                      <a:lumOff val="35000"/>
-                    </a:schemeClr>
-                  </a:solidFill>
-                  <a:latin typeface="Arial Rounded MT Bold" panose="020F0704030504030204" pitchFamily="34" charset="0"/>
-                </a:rPr>
-                <a:t>#GET_RECIPE</a:t>
-              </a:r>
-              <a:endParaRPr lang="es-ES" sz="1200" dirty="0">
-                <a:solidFill>
-                  <a:schemeClr val="tx1">
-                    <a:lumMod val="65000"/>
-                    <a:lumOff val="35000"/>
-                  </a:schemeClr>
-                </a:solidFill>
-                <a:latin typeface="Arial Rounded MT Bold" panose="020F0704030504030204" pitchFamily="34" charset="0"/>
-              </a:endParaRPr>
-            </a:p>
-          </p:txBody>
-        </p:sp>
-        <p:sp>
-          <p:nvSpPr>
-            <p:cNvPr id="6" name="Decisión 5"/>
-            <p:cNvSpPr/>
-            <p:nvPr/>
-          </p:nvSpPr>
-          <p:spPr>
-            <a:xfrm>
-              <a:off x="4456557" y="3126730"/>
-              <a:ext cx="1339404" cy="1378041"/>
-            </a:xfrm>
-            <a:prstGeom prst="flowChartDecision">
-              <a:avLst/>
-            </a:prstGeom>
-            <a:noFill/>
-            <a:ln w="38100">
-              <a:solidFill>
-                <a:srgbClr val="46DACC"/>
-              </a:solidFill>
-              <a:prstDash val="sysDot"/>
-            </a:ln>
-          </p:spPr>
-          <p:style>
-            <a:lnRef idx="2">
-              <a:schemeClr val="accent1">
-                <a:shade val="50000"/>
-              </a:schemeClr>
-            </a:lnRef>
-            <a:fillRef idx="1">
-              <a:schemeClr val="accent1"/>
-            </a:fillRef>
-            <a:effectRef idx="0">
-              <a:schemeClr val="accent1"/>
-            </a:effectRef>
-            <a:fontRef idx="minor">
-              <a:schemeClr val="lt1"/>
-            </a:fontRef>
-          </p:style>
-          <p:txBody>
-            <a:bodyPr lIns="0" tIns="0" rIns="0" bIns="0" rtlCol="0" anchor="ctr"/>
-            <a:lstStyle/>
-            <a:p>
-              <a:pPr algn="ctr"/>
-              <a:r>
-                <a:rPr lang="es-ES" sz="1200" dirty="0" smtClean="0">
-                  <a:solidFill>
-                    <a:schemeClr val="tx1">
-                      <a:lumMod val="75000"/>
-                      <a:lumOff val="25000"/>
-                    </a:schemeClr>
-                  </a:solidFill>
-                  <a:latin typeface="Arial Rounded MT Bold" panose="020F0704030504030204" pitchFamily="34" charset="0"/>
-                </a:rPr>
-                <a:t>CHECK</a:t>
-              </a:r>
-            </a:p>
-            <a:p>
-              <a:pPr algn="ctr"/>
-              <a:r>
-                <a:rPr lang="es-ES" sz="1200" dirty="0" smtClean="0">
-                  <a:solidFill>
-                    <a:schemeClr val="tx1">
-                      <a:lumMod val="75000"/>
-                      <a:lumOff val="25000"/>
-                    </a:schemeClr>
-                  </a:solidFill>
-                  <a:latin typeface="Arial Rounded MT Bold" panose="020F0704030504030204" pitchFamily="34" charset="0"/>
-                </a:rPr>
-                <a:t>@DISH</a:t>
-              </a:r>
-            </a:p>
-          </p:txBody>
-        </p:sp>
-        <p:sp>
-          <p:nvSpPr>
-            <p:cNvPr id="7" name="Rectángulo redondeado 6"/>
-            <p:cNvSpPr/>
-            <p:nvPr/>
-          </p:nvSpPr>
-          <p:spPr>
-            <a:xfrm>
-              <a:off x="11360215" y="1050122"/>
-              <a:ext cx="1456523" cy="936000"/>
-            </a:xfrm>
-            <a:prstGeom prst="roundRect">
-              <a:avLst/>
-            </a:prstGeom>
-            <a:noFill/>
-            <a:ln w="38100">
-              <a:solidFill>
-                <a:srgbClr val="FFC000"/>
-              </a:solidFill>
-            </a:ln>
-          </p:spPr>
-          <p:style>
-            <a:lnRef idx="2">
-              <a:schemeClr val="accent1">
-                <a:shade val="50000"/>
-              </a:schemeClr>
-            </a:lnRef>
-            <a:fillRef idx="1">
-              <a:schemeClr val="accent1"/>
-            </a:fillRef>
-            <a:effectRef idx="0">
-              <a:schemeClr val="accent1"/>
-            </a:effectRef>
-            <a:fontRef idx="minor">
-              <a:schemeClr val="lt1"/>
-            </a:fontRef>
-          </p:style>
-          <p:txBody>
-            <a:bodyPr lIns="0" tIns="0" rIns="0" bIns="0" rtlCol="0" anchor="ctr"/>
-            <a:lstStyle/>
-            <a:p>
-              <a:pPr algn="ctr"/>
-              <a:r>
-                <a:rPr lang="es-ES" sz="1200" dirty="0" smtClean="0">
-                  <a:solidFill>
-                    <a:schemeClr val="tx1">
-                      <a:lumMod val="75000"/>
-                      <a:lumOff val="25000"/>
-                    </a:schemeClr>
-                  </a:solidFill>
-                  <a:latin typeface="Arial Rounded MT Bold" panose="020F0704030504030204" pitchFamily="34" charset="0"/>
-                </a:rPr>
-                <a:t>SEARCH</a:t>
-              </a:r>
-            </a:p>
-            <a:p>
-              <a:pPr algn="ctr"/>
-              <a:r>
-                <a:rPr lang="es-ES" sz="1200" dirty="0" smtClean="0">
-                  <a:solidFill>
-                    <a:schemeClr val="tx1">
-                      <a:lumMod val="75000"/>
-                      <a:lumOff val="25000"/>
-                    </a:schemeClr>
-                  </a:solidFill>
-                  <a:latin typeface="Arial Rounded MT Bold" panose="020F0704030504030204" pitchFamily="34" charset="0"/>
-                </a:rPr>
-                <a:t>RECIPE</a:t>
-              </a:r>
-              <a:endParaRPr lang="es-ES" sz="1200" dirty="0">
-                <a:solidFill>
-                  <a:schemeClr val="tx1">
-                    <a:lumMod val="75000"/>
-                    <a:lumOff val="25000"/>
-                  </a:schemeClr>
-                </a:solidFill>
-                <a:latin typeface="Arial Rounded MT Bold" panose="020F0704030504030204" pitchFamily="34" charset="0"/>
-              </a:endParaRPr>
-            </a:p>
-          </p:txBody>
-        </p:sp>
-        <p:sp>
-          <p:nvSpPr>
-            <p:cNvPr id="8" name="Elipse 7"/>
-            <p:cNvSpPr/>
-            <p:nvPr/>
-          </p:nvSpPr>
-          <p:spPr>
-            <a:xfrm>
-              <a:off x="14139156" y="977158"/>
-              <a:ext cx="1275009" cy="1016285"/>
-            </a:xfrm>
-            <a:prstGeom prst="ellipse">
-              <a:avLst/>
-            </a:prstGeom>
-            <a:noFill/>
-            <a:ln w="76200">
-              <a:solidFill>
-                <a:srgbClr val="46DACC"/>
-              </a:solidFill>
-            </a:ln>
-          </p:spPr>
-          <p:style>
-            <a:lnRef idx="2">
-              <a:schemeClr val="accent1">
-                <a:shade val="50000"/>
-              </a:schemeClr>
-            </a:lnRef>
-            <a:fillRef idx="1">
-              <a:schemeClr val="accent1"/>
-            </a:fillRef>
-            <a:effectRef idx="0">
-              <a:schemeClr val="accent1"/>
-            </a:effectRef>
-            <a:fontRef idx="minor">
-              <a:schemeClr val="lt1"/>
-            </a:fontRef>
-          </p:style>
-          <p:txBody>
-            <a:bodyPr lIns="0" tIns="0" rIns="0" bIns="0" rtlCol="0" anchor="ctr"/>
-            <a:lstStyle/>
-            <a:p>
-              <a:pPr algn="ctr"/>
-              <a:r>
-                <a:rPr lang="es-ES" sz="1200" dirty="0" smtClean="0">
-                  <a:solidFill>
-                    <a:schemeClr val="tx1">
-                      <a:lumMod val="75000"/>
-                      <a:lumOff val="25000"/>
-                    </a:schemeClr>
-                  </a:solidFill>
-                  <a:latin typeface="Arial Rounded MT Bold" panose="020F0704030504030204" pitchFamily="34" charset="0"/>
-                </a:rPr>
-                <a:t>RESPONSE</a:t>
-              </a:r>
-              <a:endParaRPr lang="es-ES" sz="1200" dirty="0">
-                <a:solidFill>
-                  <a:schemeClr val="tx1">
-                    <a:lumMod val="75000"/>
-                    <a:lumOff val="25000"/>
-                  </a:schemeClr>
-                </a:solidFill>
-                <a:latin typeface="Arial Rounded MT Bold" panose="020F0704030504030204" pitchFamily="34" charset="0"/>
-              </a:endParaRPr>
-            </a:p>
-          </p:txBody>
-        </p:sp>
-        <p:sp>
-          <p:nvSpPr>
-            <p:cNvPr id="9" name="Decisión 8"/>
-            <p:cNvSpPr/>
-            <p:nvPr/>
-          </p:nvSpPr>
-          <p:spPr>
-            <a:xfrm>
-              <a:off x="4456557" y="855771"/>
-              <a:ext cx="1339404" cy="1378041"/>
-            </a:xfrm>
-            <a:prstGeom prst="flowChartDecision">
-              <a:avLst/>
-            </a:prstGeom>
-            <a:noFill/>
-            <a:ln w="38100">
-              <a:solidFill>
-                <a:srgbClr val="46DACC"/>
-              </a:solidFill>
-              <a:prstDash val="sysDot"/>
-            </a:ln>
-          </p:spPr>
-          <p:style>
-            <a:lnRef idx="2">
-              <a:schemeClr val="accent1">
-                <a:shade val="50000"/>
-              </a:schemeClr>
-            </a:lnRef>
-            <a:fillRef idx="1">
-              <a:schemeClr val="accent1"/>
-            </a:fillRef>
-            <a:effectRef idx="0">
-              <a:schemeClr val="accent1"/>
-            </a:effectRef>
-            <a:fontRef idx="minor">
-              <a:schemeClr val="lt1"/>
-            </a:fontRef>
-          </p:style>
-          <p:txBody>
-            <a:bodyPr lIns="0" tIns="0" rIns="0" bIns="0" rtlCol="0" anchor="ctr"/>
-            <a:lstStyle/>
-            <a:p>
-              <a:pPr algn="ctr"/>
-              <a:r>
-                <a:rPr lang="es-ES" sz="1200" dirty="0" smtClean="0">
-                  <a:solidFill>
-                    <a:schemeClr val="tx1">
-                      <a:lumMod val="75000"/>
-                      <a:lumOff val="25000"/>
-                    </a:schemeClr>
-                  </a:solidFill>
-                  <a:latin typeface="Arial Rounded MT Bold" panose="020F0704030504030204" pitchFamily="34" charset="0"/>
-                </a:rPr>
-                <a:t>CHECK</a:t>
-              </a:r>
-            </a:p>
-            <a:p>
-              <a:pPr algn="ctr"/>
-              <a:r>
-                <a:rPr lang="es-ES" sz="1200" dirty="0" smtClean="0">
-                  <a:solidFill>
-                    <a:schemeClr val="tx1">
-                      <a:lumMod val="75000"/>
-                      <a:lumOff val="25000"/>
-                    </a:schemeClr>
-                  </a:solidFill>
-                  <a:latin typeface="Arial Rounded MT Bold" panose="020F0704030504030204" pitchFamily="34" charset="0"/>
-                </a:rPr>
-                <a:t>$IMAGE</a:t>
-              </a:r>
-            </a:p>
-            <a:p>
-              <a:pPr algn="ctr"/>
-              <a:r>
-                <a:rPr lang="es-ES" sz="1200" dirty="0" smtClean="0">
-                  <a:solidFill>
-                    <a:schemeClr val="tx1">
-                      <a:lumMod val="75000"/>
-                      <a:lumOff val="25000"/>
-                    </a:schemeClr>
-                  </a:solidFill>
-                  <a:latin typeface="Arial Rounded MT Bold" panose="020F0704030504030204" pitchFamily="34" charset="0"/>
-                </a:rPr>
-                <a:t>FILE</a:t>
-              </a:r>
-              <a:endParaRPr lang="es-ES" sz="1200" dirty="0">
-                <a:solidFill>
-                  <a:schemeClr val="tx1">
-                    <a:lumMod val="75000"/>
-                    <a:lumOff val="25000"/>
-                  </a:schemeClr>
-                </a:solidFill>
-                <a:latin typeface="Arial Rounded MT Bold" panose="020F0704030504030204" pitchFamily="34" charset="0"/>
-              </a:endParaRPr>
-            </a:p>
-          </p:txBody>
-        </p:sp>
-        <p:sp>
-          <p:nvSpPr>
-            <p:cNvPr id="10" name="Rectángulo redondeado 9"/>
-            <p:cNvSpPr/>
-            <p:nvPr/>
-          </p:nvSpPr>
-          <p:spPr>
-            <a:xfrm>
-              <a:off x="4425616" y="5924592"/>
-              <a:ext cx="1386626" cy="929508"/>
-            </a:xfrm>
-            <a:prstGeom prst="roundRect">
-              <a:avLst/>
-            </a:prstGeom>
-            <a:noFill/>
-            <a:ln w="38100">
-              <a:solidFill>
-                <a:srgbClr val="46DACC"/>
-              </a:solidFill>
-            </a:ln>
-          </p:spPr>
-          <p:style>
-            <a:lnRef idx="2">
-              <a:schemeClr val="accent1">
-                <a:shade val="50000"/>
-              </a:schemeClr>
-            </a:lnRef>
-            <a:fillRef idx="1">
-              <a:schemeClr val="accent1"/>
-            </a:fillRef>
-            <a:effectRef idx="0">
-              <a:schemeClr val="accent1"/>
-            </a:effectRef>
-            <a:fontRef idx="minor">
-              <a:schemeClr val="lt1"/>
-            </a:fontRef>
-          </p:style>
-          <p:txBody>
-            <a:bodyPr lIns="0" tIns="0" rIns="0" bIns="0" rtlCol="0" anchor="ctr"/>
-            <a:lstStyle/>
-            <a:p>
-              <a:pPr algn="ctr"/>
-              <a:r>
-                <a:rPr lang="es-ES" sz="1200" dirty="0" smtClean="0">
-                  <a:solidFill>
-                    <a:schemeClr val="tx1">
-                      <a:lumMod val="75000"/>
-                      <a:lumOff val="25000"/>
-                    </a:schemeClr>
-                  </a:solidFill>
-                  <a:latin typeface="Arial Rounded MT Bold" panose="020F0704030504030204" pitchFamily="34" charset="0"/>
-                </a:rPr>
-                <a:t>ASK FOR </a:t>
-              </a:r>
-            </a:p>
-            <a:p>
-              <a:pPr algn="ctr"/>
-              <a:r>
-                <a:rPr lang="es-ES" sz="1200" dirty="0" smtClean="0">
-                  <a:solidFill>
-                    <a:schemeClr val="tx1">
-                      <a:lumMod val="75000"/>
-                      <a:lumOff val="25000"/>
-                    </a:schemeClr>
-                  </a:solidFill>
-                  <a:latin typeface="Arial Rounded MT Bold" panose="020F0704030504030204" pitchFamily="34" charset="0"/>
-                </a:rPr>
-                <a:t>@DISH </a:t>
-              </a:r>
-            </a:p>
-            <a:p>
-              <a:pPr algn="ctr"/>
-              <a:r>
-                <a:rPr lang="es-ES" sz="1200" dirty="0" smtClean="0">
-                  <a:solidFill>
-                    <a:schemeClr val="tx1">
-                      <a:lumMod val="75000"/>
-                      <a:lumOff val="25000"/>
-                    </a:schemeClr>
-                  </a:solidFill>
-                  <a:latin typeface="Arial Rounded MT Bold" panose="020F0704030504030204" pitchFamily="34" charset="0"/>
-                </a:rPr>
-                <a:t>OR</a:t>
-              </a:r>
-            </a:p>
-            <a:p>
-              <a:pPr algn="ctr"/>
-              <a:r>
-                <a:rPr lang="es-ES" sz="1200" dirty="0" smtClean="0">
-                  <a:solidFill>
-                    <a:schemeClr val="tx1">
-                      <a:lumMod val="75000"/>
-                      <a:lumOff val="25000"/>
-                    </a:schemeClr>
-                  </a:solidFill>
-                  <a:latin typeface="Arial Rounded MT Bold" panose="020F0704030504030204" pitchFamily="34" charset="0"/>
-                </a:rPr>
-                <a:t> IMAGE FILE</a:t>
-              </a:r>
-              <a:endParaRPr lang="es-ES" sz="1200" dirty="0">
-                <a:solidFill>
-                  <a:schemeClr val="tx1">
-                    <a:lumMod val="75000"/>
-                    <a:lumOff val="25000"/>
-                  </a:schemeClr>
-                </a:solidFill>
-                <a:latin typeface="Arial Rounded MT Bold" panose="020F0704030504030204" pitchFamily="34" charset="0"/>
-              </a:endParaRPr>
-            </a:p>
-          </p:txBody>
-        </p:sp>
-        <p:sp>
-          <p:nvSpPr>
-            <p:cNvPr id="11" name="Elipse 10"/>
-            <p:cNvSpPr/>
-            <p:nvPr/>
-          </p:nvSpPr>
-          <p:spPr>
-            <a:xfrm>
-              <a:off x="-933657" y="1058111"/>
-              <a:ext cx="1260000" cy="1008000"/>
-            </a:xfrm>
-            <a:prstGeom prst="ellipse">
-              <a:avLst/>
-            </a:prstGeom>
-            <a:noFill/>
-            <a:ln w="76200">
-              <a:solidFill>
-                <a:srgbClr val="46DACC"/>
-              </a:solidFill>
-            </a:ln>
-          </p:spPr>
-          <p:style>
-            <a:lnRef idx="2">
-              <a:schemeClr val="accent1">
-                <a:shade val="50000"/>
-              </a:schemeClr>
-            </a:lnRef>
-            <a:fillRef idx="1">
-              <a:schemeClr val="accent1"/>
-            </a:fillRef>
-            <a:effectRef idx="0">
-              <a:schemeClr val="accent1"/>
-            </a:effectRef>
-            <a:fontRef idx="minor">
-              <a:schemeClr val="lt1"/>
-            </a:fontRef>
-          </p:style>
-          <p:txBody>
-            <a:bodyPr lIns="0" tIns="0" rIns="0" bIns="0" rtlCol="0" anchor="ctr"/>
-            <a:lstStyle/>
-            <a:p>
-              <a:pPr algn="ctr"/>
-              <a:r>
-                <a:rPr lang="es-ES" sz="1200" dirty="0" smtClean="0">
-                  <a:solidFill>
-                    <a:schemeClr val="tx1">
-                      <a:lumMod val="75000"/>
-                      <a:lumOff val="25000"/>
-                    </a:schemeClr>
-                  </a:solidFill>
-                  <a:latin typeface="Arial Rounded MT Bold" panose="020F0704030504030204" pitchFamily="34" charset="0"/>
-                </a:rPr>
-                <a:t>START</a:t>
-              </a:r>
-              <a:endParaRPr lang="es-ES" sz="1200" dirty="0">
-                <a:solidFill>
-                  <a:schemeClr val="tx1">
-                    <a:lumMod val="75000"/>
-                    <a:lumOff val="25000"/>
-                  </a:schemeClr>
-                </a:solidFill>
-                <a:latin typeface="Arial Rounded MT Bold" panose="020F0704030504030204" pitchFamily="34" charset="0"/>
-              </a:endParaRPr>
-            </a:p>
-          </p:txBody>
-        </p:sp>
-        <p:cxnSp>
-          <p:nvCxnSpPr>
-            <p:cNvPr id="13" name="Conector recto de flecha 12"/>
-            <p:cNvCxnSpPr>
-              <a:stCxn id="11" idx="6"/>
-              <a:endCxn id="5" idx="1"/>
-            </p:cNvCxnSpPr>
-            <p:nvPr/>
-          </p:nvCxnSpPr>
-          <p:spPr>
-            <a:xfrm flipV="1">
-              <a:off x="326343" y="1534313"/>
-              <a:ext cx="744933" cy="27798"/>
-            </a:xfrm>
-            <a:prstGeom prst="straightConnector1">
-              <a:avLst/>
-            </a:prstGeom>
-            <a:ln w="28575">
-              <a:solidFill>
-                <a:srgbClr val="7240F0"/>
-              </a:solidFill>
-              <a:tailEnd type="triangle" w="lg" len="lg"/>
-            </a:ln>
-          </p:spPr>
-          <p:style>
-            <a:lnRef idx="1">
-              <a:schemeClr val="accent1"/>
-            </a:lnRef>
-            <a:fillRef idx="0">
-              <a:schemeClr val="accent1"/>
-            </a:fillRef>
-            <a:effectRef idx="0">
-              <a:schemeClr val="accent1"/>
-            </a:effectRef>
-            <a:fontRef idx="minor">
-              <a:schemeClr val="tx1"/>
-            </a:fontRef>
-          </p:style>
-        </p:cxnSp>
-        <p:cxnSp>
-          <p:nvCxnSpPr>
-            <p:cNvPr id="15" name="Conector recto de flecha 14"/>
-            <p:cNvCxnSpPr>
-              <a:stCxn id="5" idx="3"/>
-              <a:endCxn id="9" idx="1"/>
-            </p:cNvCxnSpPr>
-            <p:nvPr/>
-          </p:nvCxnSpPr>
-          <p:spPr>
-            <a:xfrm>
-              <a:off x="3276476" y="1534313"/>
-              <a:ext cx="1180081" cy="10479"/>
-            </a:xfrm>
-            <a:prstGeom prst="straightConnector1">
-              <a:avLst/>
-            </a:prstGeom>
-            <a:ln w="28575">
-              <a:solidFill>
-                <a:srgbClr val="7240F0"/>
-              </a:solidFill>
-              <a:tailEnd type="triangle" w="lg" len="lg"/>
-            </a:ln>
-          </p:spPr>
-          <p:style>
-            <a:lnRef idx="1">
-              <a:schemeClr val="accent1"/>
-            </a:lnRef>
-            <a:fillRef idx="0">
-              <a:schemeClr val="accent1"/>
-            </a:fillRef>
-            <a:effectRef idx="0">
-              <a:schemeClr val="accent1"/>
-            </a:effectRef>
-            <a:fontRef idx="minor">
-              <a:schemeClr val="tx1"/>
-            </a:fontRef>
-          </p:style>
-        </p:cxnSp>
-        <p:pic>
-          <p:nvPicPr>
-            <p:cNvPr id="20" name="Imagen 19"/>
-            <p:cNvPicPr>
-              <a:picLocks noChangeAspect="1"/>
-            </p:cNvPicPr>
-            <p:nvPr/>
-          </p:nvPicPr>
-          <p:blipFill rotWithShape="1">
-            <a:blip r:embed="rId2">
-              <a:extLst>
-                <a:ext uri="{28A0092B-C50C-407E-A947-70E740481C1C}">
-                  <a14:useLocalDpi xmlns:a14="http://schemas.microsoft.com/office/drawing/2010/main" val="0"/>
-                </a:ext>
-              </a:extLst>
-            </a:blip>
-            <a:srcRect t="20610" b="22166"/>
-            <a:stretch/>
-          </p:blipFill>
-          <p:spPr>
-            <a:xfrm>
-              <a:off x="11396890" y="-1144941"/>
-              <a:ext cx="1479938" cy="423440"/>
-            </a:xfrm>
-            <a:prstGeom prst="rect">
-              <a:avLst/>
-            </a:prstGeom>
-          </p:spPr>
-        </p:pic>
-        <p:sp>
-          <p:nvSpPr>
-            <p:cNvPr id="24" name="Flecha izquierda y derecha 23"/>
-            <p:cNvSpPr/>
-            <p:nvPr/>
-          </p:nvSpPr>
-          <p:spPr>
-            <a:xfrm rot="16200000">
-              <a:off x="8700060" y="396965"/>
-              <a:ext cx="1080000" cy="180000"/>
-            </a:xfrm>
-            <a:prstGeom prst="leftRightArrow">
-              <a:avLst/>
-            </a:prstGeom>
-            <a:solidFill>
-              <a:schemeClr val="accent3">
-                <a:lumMod val="60000"/>
-                <a:lumOff val="40000"/>
-              </a:schemeClr>
-            </a:solidFill>
-            <a:ln>
-              <a:noFill/>
-            </a:ln>
-          </p:spPr>
-          <p:style>
-            <a:lnRef idx="2">
-              <a:schemeClr val="accent1">
-                <a:shade val="50000"/>
-              </a:schemeClr>
-            </a:lnRef>
-            <a:fillRef idx="1">
-              <a:schemeClr val="accent1"/>
-            </a:fillRef>
-            <a:effectRef idx="0">
-              <a:schemeClr val="accent1"/>
-            </a:effectRef>
-            <a:fontRef idx="minor">
-              <a:schemeClr val="lt1"/>
-            </a:fontRef>
-          </p:style>
-          <p:txBody>
-            <a:bodyPr rtlCol="0" anchor="ctr"/>
-            <a:lstStyle/>
-            <a:p>
-              <a:pPr algn="ctr"/>
-              <a:endParaRPr lang="es-ES"/>
-            </a:p>
-          </p:txBody>
-        </p:sp>
-        <p:pic>
-          <p:nvPicPr>
-            <p:cNvPr id="31" name="Imagen 30"/>
-            <p:cNvPicPr>
-              <a:picLocks noChangeAspect="1"/>
-            </p:cNvPicPr>
-            <p:nvPr/>
-          </p:nvPicPr>
-          <p:blipFill>
-            <a:blip r:embed="rId3" cstate="print">
-              <a:duotone>
-                <a:schemeClr val="accent3">
-                  <a:shade val="45000"/>
-                  <a:satMod val="135000"/>
-                </a:schemeClr>
-                <a:prstClr val="white"/>
-              </a:duotone>
-              <a:extLst>
-                <a:ext uri="{28A0092B-C50C-407E-A947-70E740481C1C}">
-                  <a14:useLocalDpi xmlns:a14="http://schemas.microsoft.com/office/drawing/2010/main" val="0"/>
-                </a:ext>
-              </a:extLst>
-            </a:blip>
-            <a:stretch>
-              <a:fillRect/>
-            </a:stretch>
-          </p:blipFill>
-          <p:spPr>
-            <a:xfrm>
-              <a:off x="9301185" y="189639"/>
-              <a:ext cx="614369" cy="650686"/>
-            </a:xfrm>
-            <a:prstGeom prst="rect">
-              <a:avLst/>
-            </a:prstGeom>
-          </p:spPr>
-        </p:pic>
-        <p:cxnSp>
-          <p:nvCxnSpPr>
-            <p:cNvPr id="23" name="Conector recto de flecha 22"/>
-            <p:cNvCxnSpPr>
-              <a:stCxn id="6" idx="2"/>
-            </p:cNvCxnSpPr>
-            <p:nvPr/>
-          </p:nvCxnSpPr>
-          <p:spPr>
-            <a:xfrm>
-              <a:off x="5126259" y="4504771"/>
-              <a:ext cx="0" cy="1384536"/>
-            </a:xfrm>
-            <a:prstGeom prst="straightConnector1">
-              <a:avLst/>
-            </a:prstGeom>
-            <a:ln w="28575">
-              <a:solidFill>
-                <a:srgbClr val="7240F0"/>
-              </a:solidFill>
-              <a:tailEnd type="triangle" w="lg" len="lg"/>
-            </a:ln>
-          </p:spPr>
-          <p:style>
-            <a:lnRef idx="1">
-              <a:schemeClr val="accent1"/>
-            </a:lnRef>
-            <a:fillRef idx="0">
-              <a:schemeClr val="accent1"/>
-            </a:fillRef>
-            <a:effectRef idx="0">
-              <a:schemeClr val="accent1"/>
-            </a:effectRef>
-            <a:fontRef idx="minor">
-              <a:schemeClr val="tx1"/>
-            </a:fontRef>
-          </p:style>
-        </p:cxnSp>
-        <p:sp>
-          <p:nvSpPr>
-            <p:cNvPr id="26" name="CuadroTexto 25"/>
+            <p:cNvPr id="58" name="CuadroTexto 57"/>
             <p:cNvSpPr txBox="1"/>
             <p:nvPr/>
           </p:nvSpPr>
           <p:spPr>
             <a:xfrm>
-              <a:off x="3548802" y="4867528"/>
-              <a:ext cx="1502784" cy="369332"/>
-            </a:xfrm>
-            <a:prstGeom prst="rect">
-              <a:avLst/>
-            </a:prstGeom>
-            <a:noFill/>
-          </p:spPr>
-          <p:txBody>
-            <a:bodyPr wrap="none" rtlCol="0">
-              <a:spAutoFit/>
-            </a:bodyPr>
-            <a:lstStyle/>
-            <a:p>
-              <a:pPr algn="ctr"/>
-              <a:r>
-                <a:rPr lang="es-ES" b="1" dirty="0" smtClean="0">
-                  <a:solidFill>
-                    <a:srgbClr val="FF3300"/>
-                  </a:solidFill>
-                  <a:latin typeface="+mj-lt"/>
-                  <a:cs typeface="Aharoni" panose="02010803020104030203" pitchFamily="2" charset="-79"/>
-                </a:rPr>
-                <a:t>No / </a:t>
-              </a:r>
-              <a:r>
-                <a:rPr lang="es-ES" b="1" dirty="0" err="1" smtClean="0">
-                  <a:solidFill>
-                    <a:srgbClr val="FF3300"/>
-                  </a:solidFill>
-                  <a:latin typeface="+mj-lt"/>
-                  <a:cs typeface="Aharoni" panose="02010803020104030203" pitchFamily="2" charset="-79"/>
-                </a:rPr>
-                <a:t>Unknown</a:t>
-              </a:r>
-              <a:endParaRPr lang="es-ES" b="1" dirty="0" smtClean="0">
-                <a:solidFill>
-                  <a:srgbClr val="FF3300"/>
-                </a:solidFill>
-                <a:latin typeface="+mj-lt"/>
-                <a:cs typeface="Aharoni" panose="02010803020104030203" pitchFamily="2" charset="-79"/>
-              </a:endParaRPr>
-            </a:p>
-          </p:txBody>
-        </p:sp>
-        <p:cxnSp>
-          <p:nvCxnSpPr>
-            <p:cNvPr id="32" name="Conector recto de flecha 31"/>
-            <p:cNvCxnSpPr>
-              <a:stCxn id="6" idx="3"/>
-            </p:cNvCxnSpPr>
-            <p:nvPr/>
-          </p:nvCxnSpPr>
-          <p:spPr>
-            <a:xfrm flipV="1">
-              <a:off x="5795961" y="3807650"/>
-              <a:ext cx="6315373" cy="8101"/>
-            </a:xfrm>
-            <a:prstGeom prst="straightConnector1">
-              <a:avLst/>
-            </a:prstGeom>
-            <a:ln w="28575">
-              <a:solidFill>
-                <a:srgbClr val="7240F0"/>
-              </a:solidFill>
-              <a:tailEnd type="triangle" w="lg" len="lg"/>
-            </a:ln>
-          </p:spPr>
-          <p:style>
-            <a:lnRef idx="1">
-              <a:schemeClr val="accent1"/>
-            </a:lnRef>
-            <a:fillRef idx="0">
-              <a:schemeClr val="accent1"/>
-            </a:fillRef>
-            <a:effectRef idx="0">
-              <a:schemeClr val="accent1"/>
-            </a:effectRef>
-            <a:fontRef idx="minor">
-              <a:schemeClr val="tx1"/>
-            </a:fontRef>
-          </p:style>
-        </p:cxnSp>
-        <p:cxnSp>
-          <p:nvCxnSpPr>
-            <p:cNvPr id="35" name="Conector recto de flecha 34"/>
-            <p:cNvCxnSpPr>
-              <a:stCxn id="7" idx="3"/>
-              <a:endCxn id="8" idx="2"/>
-            </p:cNvCxnSpPr>
-            <p:nvPr/>
-          </p:nvCxnSpPr>
-          <p:spPr>
-            <a:xfrm flipV="1">
-              <a:off x="12816738" y="1485301"/>
-              <a:ext cx="1322418" cy="32821"/>
-            </a:xfrm>
-            <a:prstGeom prst="straightConnector1">
-              <a:avLst/>
-            </a:prstGeom>
-            <a:ln w="28575">
-              <a:solidFill>
-                <a:srgbClr val="7240F0"/>
-              </a:solidFill>
-              <a:tailEnd type="triangle" w="lg" len="lg"/>
-            </a:ln>
-          </p:spPr>
-          <p:style>
-            <a:lnRef idx="1">
-              <a:schemeClr val="accent1"/>
-            </a:lnRef>
-            <a:fillRef idx="0">
-              <a:schemeClr val="accent1"/>
-            </a:fillRef>
-            <a:effectRef idx="0">
-              <a:schemeClr val="accent1"/>
-            </a:effectRef>
-            <a:fontRef idx="minor">
-              <a:schemeClr val="tx1"/>
-            </a:fontRef>
-          </p:style>
-        </p:cxnSp>
-        <p:cxnSp>
-          <p:nvCxnSpPr>
-            <p:cNvPr id="37" name="Conector recto de flecha 36"/>
-            <p:cNvCxnSpPr/>
-            <p:nvPr/>
-          </p:nvCxnSpPr>
-          <p:spPr>
-            <a:xfrm flipH="1">
-              <a:off x="5121822" y="2235408"/>
-              <a:ext cx="9493" cy="900000"/>
-            </a:xfrm>
-            <a:prstGeom prst="straightConnector1">
-              <a:avLst/>
-            </a:prstGeom>
-            <a:ln w="28575">
-              <a:solidFill>
-                <a:srgbClr val="7240F0"/>
-              </a:solidFill>
-              <a:tailEnd type="triangle" w="lg" len="lg"/>
-            </a:ln>
-          </p:spPr>
-          <p:style>
-            <a:lnRef idx="1">
-              <a:schemeClr val="accent1"/>
-            </a:lnRef>
-            <a:fillRef idx="0">
-              <a:schemeClr val="accent1"/>
-            </a:fillRef>
-            <a:effectRef idx="0">
-              <a:schemeClr val="accent1"/>
-            </a:effectRef>
-            <a:fontRef idx="minor">
-              <a:schemeClr val="tx1"/>
-            </a:fontRef>
-          </p:style>
-        </p:cxnSp>
-        <p:cxnSp>
-          <p:nvCxnSpPr>
-            <p:cNvPr id="39" name="Conector recto de flecha 38"/>
-            <p:cNvCxnSpPr>
-              <a:stCxn id="9" idx="3"/>
-              <a:endCxn id="4" idx="1"/>
-            </p:cNvCxnSpPr>
-            <p:nvPr/>
-          </p:nvCxnSpPr>
-          <p:spPr>
-            <a:xfrm flipV="1">
-              <a:off x="5795961" y="1526111"/>
-              <a:ext cx="2839896" cy="18681"/>
-            </a:xfrm>
-            <a:prstGeom prst="straightConnector1">
-              <a:avLst/>
-            </a:prstGeom>
-            <a:ln w="28575">
-              <a:solidFill>
-                <a:srgbClr val="7240F0"/>
-              </a:solidFill>
-              <a:tailEnd type="triangle" w="lg" len="lg"/>
-            </a:ln>
-          </p:spPr>
-          <p:style>
-            <a:lnRef idx="1">
-              <a:schemeClr val="accent1"/>
-            </a:lnRef>
-            <a:fillRef idx="0">
-              <a:schemeClr val="accent1"/>
-            </a:fillRef>
-            <a:effectRef idx="0">
-              <a:schemeClr val="accent1"/>
-            </a:effectRef>
-            <a:fontRef idx="minor">
-              <a:schemeClr val="tx1"/>
-            </a:fontRef>
-          </p:style>
-        </p:cxnSp>
-        <p:sp>
-          <p:nvSpPr>
-            <p:cNvPr id="45" name="CuadroTexto 44"/>
-            <p:cNvSpPr txBox="1"/>
-            <p:nvPr/>
-          </p:nvSpPr>
-          <p:spPr>
-            <a:xfrm>
-              <a:off x="3398427" y="1170264"/>
-              <a:ext cx="475643" cy="369332"/>
+              <a:off x="-1462681" y="207423"/>
+              <a:ext cx="1757597" cy="1169551"/>
             </a:xfrm>
             <a:prstGeom prst="rect">
               <a:avLst/>
@@ -16596,496 +18242,7 @@
             <a:lstStyle/>
             <a:p>
               <a:r>
-                <a:rPr lang="es-ES" b="1" dirty="0" smtClean="0">
-                  <a:solidFill>
-                    <a:srgbClr val="FF3300"/>
-                  </a:solidFill>
-                  <a:latin typeface="+mj-lt"/>
-                  <a:cs typeface="Aharoni" panose="02010803020104030203" pitchFamily="2" charset="-79"/>
-                </a:rPr>
-                <a:t>Yes</a:t>
-              </a:r>
-              <a:endParaRPr lang="es-ES" b="1" dirty="0">
-                <a:solidFill>
-                  <a:srgbClr val="FF3300"/>
-                </a:solidFill>
-                <a:latin typeface="+mj-lt"/>
-                <a:cs typeface="Aharoni" panose="02010803020104030203" pitchFamily="2" charset="-79"/>
-              </a:endParaRPr>
-            </a:p>
-          </p:txBody>
-        </p:sp>
-        <p:sp>
-          <p:nvSpPr>
-            <p:cNvPr id="46" name="CuadroTexto 45"/>
-            <p:cNvSpPr txBox="1"/>
-            <p:nvPr/>
-          </p:nvSpPr>
-          <p:spPr>
-            <a:xfrm>
-              <a:off x="5818724" y="3431705"/>
-              <a:ext cx="475643" cy="369332"/>
-            </a:xfrm>
-            <a:prstGeom prst="rect">
-              <a:avLst/>
-            </a:prstGeom>
-            <a:noFill/>
-          </p:spPr>
-          <p:txBody>
-            <a:bodyPr wrap="none" rtlCol="0">
-              <a:spAutoFit/>
-            </a:bodyPr>
-            <a:lstStyle/>
-            <a:p>
-              <a:r>
-                <a:rPr lang="es-ES" b="1" dirty="0" smtClean="0">
-                  <a:solidFill>
-                    <a:srgbClr val="FF3300"/>
-                  </a:solidFill>
-                  <a:latin typeface="+mj-lt"/>
-                  <a:cs typeface="Aharoni" panose="02010803020104030203" pitchFamily="2" charset="-79"/>
-                </a:rPr>
-                <a:t>Yes</a:t>
-              </a:r>
-              <a:endParaRPr lang="es-ES" b="1" dirty="0">
-                <a:solidFill>
-                  <a:srgbClr val="FF3300"/>
-                </a:solidFill>
-                <a:latin typeface="+mj-lt"/>
-                <a:cs typeface="Aharoni" panose="02010803020104030203" pitchFamily="2" charset="-79"/>
-              </a:endParaRPr>
-            </a:p>
-          </p:txBody>
-        </p:sp>
-        <p:pic>
-          <p:nvPicPr>
-            <p:cNvPr id="64" name="Imagen 63"/>
-            <p:cNvPicPr>
-              <a:picLocks noChangeAspect="1"/>
-            </p:cNvPicPr>
-            <p:nvPr/>
-          </p:nvPicPr>
-          <p:blipFill>
-            <a:blip r:embed="rId4" cstate="print">
-              <a:extLst>
-                <a:ext uri="{28A0092B-C50C-407E-A947-70E740481C1C}">
-                  <a14:useLocalDpi xmlns:a14="http://schemas.microsoft.com/office/drawing/2010/main" val="0"/>
-                </a:ext>
-              </a:extLst>
-            </a:blip>
-            <a:stretch>
-              <a:fillRect/>
-            </a:stretch>
-          </p:blipFill>
-          <p:spPr>
-            <a:xfrm>
-              <a:off x="8219312" y="-1169825"/>
-              <a:ext cx="559735" cy="559735"/>
-            </a:xfrm>
-            <a:prstGeom prst="rect">
-              <a:avLst/>
-            </a:prstGeom>
-          </p:spPr>
-        </p:pic>
-        <p:sp>
-          <p:nvSpPr>
-            <p:cNvPr id="65" name="CuadroTexto 64"/>
-            <p:cNvSpPr txBox="1"/>
-            <p:nvPr/>
-          </p:nvSpPr>
-          <p:spPr>
-            <a:xfrm>
-              <a:off x="8805230" y="-1172412"/>
-              <a:ext cx="1259895" cy="584775"/>
-            </a:xfrm>
-            <a:prstGeom prst="rect">
-              <a:avLst/>
-            </a:prstGeom>
-            <a:noFill/>
-          </p:spPr>
-          <p:txBody>
-            <a:bodyPr wrap="square" rtlCol="0">
-              <a:spAutoFit/>
-            </a:bodyPr>
-            <a:lstStyle/>
-            <a:p>
-              <a:r>
-                <a:rPr lang="es-ES" sz="1600" dirty="0" smtClean="0">
-                  <a:solidFill>
-                    <a:schemeClr val="accent3">
-                      <a:lumMod val="75000"/>
-                    </a:schemeClr>
-                  </a:solidFill>
-                  <a:latin typeface="Berlin Sans FB" panose="020E0602020502020306" pitchFamily="34" charset="0"/>
-                </a:rPr>
-                <a:t>Visual </a:t>
-              </a:r>
-              <a:r>
-                <a:rPr lang="es-ES" sz="1600" dirty="0" err="1" smtClean="0">
-                  <a:solidFill>
-                    <a:schemeClr val="accent3">
-                      <a:lumMod val="75000"/>
-                    </a:schemeClr>
-                  </a:solidFill>
-                  <a:latin typeface="Berlin Sans FB" panose="020E0602020502020306" pitchFamily="34" charset="0"/>
-                </a:rPr>
-                <a:t>recognition</a:t>
-              </a:r>
-              <a:endParaRPr lang="es-ES" sz="1600" dirty="0">
-                <a:solidFill>
-                  <a:schemeClr val="accent3">
-                    <a:lumMod val="75000"/>
-                  </a:schemeClr>
-                </a:solidFill>
-                <a:latin typeface="Berlin Sans FB" panose="020E0602020502020306" pitchFamily="34" charset="0"/>
-              </a:endParaRPr>
-            </a:p>
-          </p:txBody>
-        </p:sp>
-        <p:sp>
-          <p:nvSpPr>
-            <p:cNvPr id="66" name="CuadroTexto 65"/>
-            <p:cNvSpPr txBox="1"/>
-            <p:nvPr/>
-          </p:nvSpPr>
-          <p:spPr>
-            <a:xfrm>
-              <a:off x="8375621" y="-1531205"/>
-              <a:ext cx="2050711" cy="307777"/>
-            </a:xfrm>
-            <a:prstGeom prst="rect">
-              <a:avLst/>
-            </a:prstGeom>
-            <a:noFill/>
-          </p:spPr>
-          <p:txBody>
-            <a:bodyPr wrap="square" rtlCol="0">
-              <a:spAutoFit/>
-            </a:bodyPr>
-            <a:lstStyle/>
-            <a:p>
-              <a:r>
                 <a:rPr lang="es-ES" sz="1400" b="1" dirty="0" smtClean="0">
-                  <a:solidFill>
-                    <a:srgbClr val="00B050"/>
-                  </a:solidFill>
-                </a:rPr>
-                <a:t>IBM WATSON</a:t>
-              </a:r>
-              <a:r>
-                <a:rPr lang="es-ES" sz="1200" b="1" dirty="0" smtClean="0">
-                  <a:solidFill>
-                    <a:srgbClr val="00B050"/>
-                  </a:solidFill>
-                </a:rPr>
-                <a:t> </a:t>
-              </a:r>
-              <a:r>
-                <a:rPr lang="es-ES" sz="1400" b="1" dirty="0" smtClean="0">
-                  <a:solidFill>
-                    <a:srgbClr val="00B050"/>
-                  </a:solidFill>
-                </a:rPr>
-                <a:t>SERVICES</a:t>
-              </a:r>
-              <a:endParaRPr lang="es-ES" sz="1400" b="1" dirty="0">
-                <a:solidFill>
-                  <a:srgbClr val="00B050"/>
-                </a:solidFill>
-              </a:endParaRPr>
-            </a:p>
-          </p:txBody>
-        </p:sp>
-        <p:sp>
-          <p:nvSpPr>
-            <p:cNvPr id="78" name="CuadroTexto 77"/>
-            <p:cNvSpPr txBox="1"/>
-            <p:nvPr/>
-          </p:nvSpPr>
-          <p:spPr>
-            <a:xfrm>
-              <a:off x="5771193" y="1165847"/>
-              <a:ext cx="475643" cy="369332"/>
-            </a:xfrm>
-            <a:prstGeom prst="rect">
-              <a:avLst/>
-            </a:prstGeom>
-            <a:noFill/>
-          </p:spPr>
-          <p:txBody>
-            <a:bodyPr wrap="none" rtlCol="0">
-              <a:spAutoFit/>
-            </a:bodyPr>
-            <a:lstStyle/>
-            <a:p>
-              <a:r>
-                <a:rPr lang="es-ES" b="1" dirty="0" smtClean="0">
-                  <a:solidFill>
-                    <a:srgbClr val="FF3300"/>
-                  </a:solidFill>
-                  <a:latin typeface="+mj-lt"/>
-                  <a:cs typeface="Aharoni" panose="02010803020104030203" pitchFamily="2" charset="-79"/>
-                </a:rPr>
-                <a:t>Yes</a:t>
-              </a:r>
-              <a:endParaRPr lang="es-ES" b="1" dirty="0">
-                <a:solidFill>
-                  <a:srgbClr val="FF3300"/>
-                </a:solidFill>
-                <a:latin typeface="+mj-lt"/>
-                <a:cs typeface="Aharoni" panose="02010803020104030203" pitchFamily="2" charset="-79"/>
-              </a:endParaRPr>
-            </a:p>
-          </p:txBody>
-        </p:sp>
-        <p:cxnSp>
-          <p:nvCxnSpPr>
-            <p:cNvPr id="79" name="Conector recto de flecha 78"/>
-            <p:cNvCxnSpPr/>
-            <p:nvPr/>
-          </p:nvCxnSpPr>
-          <p:spPr>
-            <a:xfrm>
-              <a:off x="5118929" y="256969"/>
-              <a:ext cx="7330" cy="589451"/>
-            </a:xfrm>
-            <a:prstGeom prst="straightConnector1">
-              <a:avLst/>
-            </a:prstGeom>
-            <a:ln w="28575">
-              <a:solidFill>
-                <a:srgbClr val="7240F0"/>
-              </a:solidFill>
-              <a:tailEnd type="triangle" w="lg" len="lg"/>
-            </a:ln>
-          </p:spPr>
-          <p:style>
-            <a:lnRef idx="1">
-              <a:schemeClr val="accent1"/>
-            </a:lnRef>
-            <a:fillRef idx="0">
-              <a:schemeClr val="accent1"/>
-            </a:fillRef>
-            <a:effectRef idx="0">
-              <a:schemeClr val="accent1"/>
-            </a:effectRef>
-            <a:fontRef idx="minor">
-              <a:schemeClr val="tx1"/>
-            </a:fontRef>
-          </p:style>
-        </p:cxnSp>
-        <p:cxnSp>
-          <p:nvCxnSpPr>
-            <p:cNvPr id="95" name="Conector recto de flecha 94"/>
-            <p:cNvCxnSpPr/>
-            <p:nvPr/>
-          </p:nvCxnSpPr>
-          <p:spPr>
-            <a:xfrm flipV="1">
-              <a:off x="7599180" y="189639"/>
-              <a:ext cx="13047" cy="5479341"/>
-            </a:xfrm>
-            <a:prstGeom prst="straightConnector1">
-              <a:avLst/>
-            </a:prstGeom>
-            <a:ln w="28575">
-              <a:solidFill>
-                <a:srgbClr val="7240F0"/>
-              </a:solidFill>
-              <a:tailEnd type="triangle" w="lg" len="lg"/>
-            </a:ln>
-          </p:spPr>
-          <p:style>
-            <a:lnRef idx="1">
-              <a:schemeClr val="accent1"/>
-            </a:lnRef>
-            <a:fillRef idx="0">
-              <a:schemeClr val="accent1"/>
-            </a:fillRef>
-            <a:effectRef idx="0">
-              <a:schemeClr val="accent1"/>
-            </a:effectRef>
-            <a:fontRef idx="minor">
-              <a:schemeClr val="tx1"/>
-            </a:fontRef>
-          </p:style>
-        </p:cxnSp>
-        <p:cxnSp>
-          <p:nvCxnSpPr>
-            <p:cNvPr id="103" name="Conector recto de flecha 102"/>
-            <p:cNvCxnSpPr/>
-            <p:nvPr/>
-          </p:nvCxnSpPr>
-          <p:spPr>
-            <a:xfrm>
-              <a:off x="5118929" y="240559"/>
-              <a:ext cx="2493298" cy="5516"/>
-            </a:xfrm>
-            <a:prstGeom prst="straightConnector1">
-              <a:avLst/>
-            </a:prstGeom>
-            <a:ln w="28575">
-              <a:solidFill>
-                <a:srgbClr val="7240F0"/>
-              </a:solidFill>
-              <a:tailEnd type="none" w="lg" len="lg"/>
-            </a:ln>
-          </p:spPr>
-          <p:style>
-            <a:lnRef idx="1">
-              <a:schemeClr val="accent1"/>
-            </a:lnRef>
-            <a:fillRef idx="0">
-              <a:schemeClr val="accent1"/>
-            </a:fillRef>
-            <a:effectRef idx="0">
-              <a:schemeClr val="accent1"/>
-            </a:effectRef>
-            <a:fontRef idx="minor">
-              <a:schemeClr val="tx1"/>
-            </a:fontRef>
-          </p:style>
-        </p:cxnSp>
-        <p:cxnSp>
-          <p:nvCxnSpPr>
-            <p:cNvPr id="105" name="Conector recto de flecha 104"/>
-            <p:cNvCxnSpPr>
-              <a:stCxn id="10" idx="3"/>
-              <a:endCxn id="107" idx="1"/>
-            </p:cNvCxnSpPr>
-            <p:nvPr/>
-          </p:nvCxnSpPr>
-          <p:spPr>
-            <a:xfrm>
-              <a:off x="5812242" y="6389346"/>
-              <a:ext cx="1010494" cy="14661"/>
-            </a:xfrm>
-            <a:prstGeom prst="straightConnector1">
-              <a:avLst/>
-            </a:prstGeom>
-            <a:ln w="28575">
-              <a:solidFill>
-                <a:srgbClr val="7240F0"/>
-              </a:solidFill>
-              <a:tailEnd type="triangle" w="lg" len="lg"/>
-            </a:ln>
-          </p:spPr>
-          <p:style>
-            <a:lnRef idx="1">
-              <a:schemeClr val="accent1"/>
-            </a:lnRef>
-            <a:fillRef idx="0">
-              <a:schemeClr val="accent1"/>
-            </a:fillRef>
-            <a:effectRef idx="0">
-              <a:schemeClr val="accent1"/>
-            </a:effectRef>
-            <a:fontRef idx="minor">
-              <a:schemeClr val="tx1"/>
-            </a:fontRef>
-          </p:style>
-        </p:cxnSp>
-        <p:cxnSp>
-          <p:nvCxnSpPr>
-            <p:cNvPr id="115" name="Conector recto de flecha 114"/>
-            <p:cNvCxnSpPr>
-              <a:stCxn id="4" idx="3"/>
-              <a:endCxn id="7" idx="1"/>
-            </p:cNvCxnSpPr>
-            <p:nvPr/>
-          </p:nvCxnSpPr>
-          <p:spPr>
-            <a:xfrm flipV="1">
-              <a:off x="9910866" y="1518122"/>
-              <a:ext cx="1449349" cy="7989"/>
-            </a:xfrm>
-            <a:prstGeom prst="straightConnector1">
-              <a:avLst/>
-            </a:prstGeom>
-            <a:ln w="28575">
-              <a:solidFill>
-                <a:srgbClr val="7240F0"/>
-              </a:solidFill>
-              <a:tailEnd type="triangle" w="lg" len="lg"/>
-            </a:ln>
-          </p:spPr>
-          <p:style>
-            <a:lnRef idx="1">
-              <a:schemeClr val="accent1"/>
-            </a:lnRef>
-            <a:fillRef idx="0">
-              <a:schemeClr val="accent1"/>
-            </a:fillRef>
-            <a:effectRef idx="0">
-              <a:schemeClr val="accent1"/>
-            </a:effectRef>
-            <a:fontRef idx="minor">
-              <a:schemeClr val="tx1"/>
-            </a:fontRef>
-          </p:style>
-        </p:cxnSp>
-        <p:sp>
-          <p:nvSpPr>
-            <p:cNvPr id="121" name="CuadroTexto 120"/>
-            <p:cNvSpPr txBox="1"/>
-            <p:nvPr/>
-          </p:nvSpPr>
-          <p:spPr>
-            <a:xfrm>
-              <a:off x="11530278" y="-1512830"/>
-              <a:ext cx="1545772" cy="307777"/>
-            </a:xfrm>
-            <a:prstGeom prst="rect">
-              <a:avLst/>
-            </a:prstGeom>
-            <a:noFill/>
-          </p:spPr>
-          <p:txBody>
-            <a:bodyPr wrap="square" rtlCol="0">
-              <a:spAutoFit/>
-            </a:bodyPr>
-            <a:lstStyle/>
-            <a:p>
-              <a:r>
-                <a:rPr lang="es-ES" sz="1400" b="1" dirty="0" smtClean="0">
-                  <a:solidFill>
-                    <a:srgbClr val="00B050"/>
-                  </a:solidFill>
-                </a:rPr>
-                <a:t>RECIPE SERVICES</a:t>
-              </a:r>
-              <a:endParaRPr lang="es-ES" sz="1400" b="1" dirty="0">
-                <a:solidFill>
-                  <a:srgbClr val="00B050"/>
-                </a:solidFill>
-              </a:endParaRPr>
-            </a:p>
-          </p:txBody>
-        </p:sp>
-        <p:sp>
-          <p:nvSpPr>
-            <p:cNvPr id="131" name="CuadroTexto 130"/>
-            <p:cNvSpPr txBox="1"/>
-            <p:nvPr/>
-          </p:nvSpPr>
-          <p:spPr>
-            <a:xfrm>
-              <a:off x="6099172" y="1177523"/>
-              <a:ext cx="1340560" cy="338554"/>
-            </a:xfrm>
-            <a:prstGeom prst="rect">
-              <a:avLst/>
-            </a:prstGeom>
-            <a:noFill/>
-          </p:spPr>
-          <p:txBody>
-            <a:bodyPr wrap="none" rtlCol="0">
-              <a:spAutoFit/>
-            </a:bodyPr>
-            <a:lstStyle/>
-            <a:p>
-              <a:r>
-                <a:rPr lang="es-ES" sz="1600" b="1" dirty="0" smtClean="0">
                   <a:solidFill>
                     <a:schemeClr val="tx1">
                       <a:lumMod val="50000"/>
@@ -17095,10 +18252,10 @@
                   <a:latin typeface="+mj-lt"/>
                   <a:cs typeface="Aharoni" panose="02010803020104030203" pitchFamily="2" charset="-79"/>
                 </a:rPr>
-                <a:t>( $</a:t>
+                <a:t>$</a:t>
               </a:r>
               <a:r>
-                <a:rPr lang="es-ES" sz="1600" b="1" dirty="0" err="1" smtClean="0">
+                <a:rPr lang="es-ES" sz="1400" b="1" dirty="0" err="1" smtClean="0">
                   <a:solidFill>
                     <a:schemeClr val="tx1">
                       <a:lumMod val="50000"/>
@@ -17108,10 +18265,10 @@
                   <a:latin typeface="+mj-lt"/>
                   <a:cs typeface="Aharoni" panose="02010803020104030203" pitchFamily="2" charset="-79"/>
                 </a:rPr>
-                <a:t>image_file</a:t>
+                <a:t>yum_sugest</a:t>
               </a:r>
               <a:r>
-                <a:rPr lang="es-ES" sz="1600" b="1" dirty="0" smtClean="0">
+                <a:rPr lang="es-ES" sz="1400" b="1" dirty="0" smtClean="0">
                   <a:solidFill>
                     <a:schemeClr val="tx1">
                       <a:lumMod val="50000"/>
@@ -17121,9 +18278,216 @@
                   <a:latin typeface="+mj-lt"/>
                   <a:cs typeface="Aharoni" panose="02010803020104030203" pitchFamily="2" charset="-79"/>
                 </a:rPr>
-                <a:t> )</a:t>
+                <a:t> = false</a:t>
               </a:r>
-              <a:endParaRPr lang="es-ES" sz="1600" b="1" dirty="0">
+              <a:endParaRPr lang="es-ES" sz="1400" b="1" dirty="0" smtClean="0">
+                <a:solidFill>
+                  <a:schemeClr val="tx1">
+                    <a:lumMod val="50000"/>
+                    <a:lumOff val="50000"/>
+                  </a:schemeClr>
+                </a:solidFill>
+                <a:latin typeface="+mj-lt"/>
+                <a:cs typeface="Aharoni" panose="02010803020104030203" pitchFamily="2" charset="-79"/>
+              </a:endParaRPr>
+            </a:p>
+            <a:p>
+              <a:r>
+                <a:rPr lang="es-ES" sz="1400" b="1" dirty="0" smtClean="0">
+                  <a:solidFill>
+                    <a:schemeClr val="tx1">
+                      <a:lumMod val="50000"/>
+                      <a:lumOff val="50000"/>
+                    </a:schemeClr>
+                  </a:solidFill>
+                  <a:latin typeface="+mj-lt"/>
+                  <a:cs typeface="Aharoni" panose="02010803020104030203" pitchFamily="2" charset="-79"/>
+                </a:rPr>
+                <a:t>$</a:t>
+              </a:r>
+              <a:r>
+                <a:rPr lang="es-ES" sz="1400" b="1" dirty="0" err="1" smtClean="0">
+                  <a:solidFill>
+                    <a:schemeClr val="tx1">
+                      <a:lumMod val="50000"/>
+                      <a:lumOff val="50000"/>
+                    </a:schemeClr>
+                  </a:solidFill>
+                  <a:latin typeface="+mj-lt"/>
+                  <a:cs typeface="Aharoni" panose="02010803020104030203" pitchFamily="2" charset="-79"/>
+                </a:rPr>
+                <a:t>image_recipe</a:t>
+              </a:r>
+              <a:r>
+                <a:rPr lang="es-ES" sz="1400" b="1" dirty="0" smtClean="0">
+                  <a:solidFill>
+                    <a:schemeClr val="tx1">
+                      <a:lumMod val="50000"/>
+                      <a:lumOff val="50000"/>
+                    </a:schemeClr>
+                  </a:solidFill>
+                  <a:latin typeface="+mj-lt"/>
+                  <a:cs typeface="Aharoni" panose="02010803020104030203" pitchFamily="2" charset="-79"/>
+                </a:rPr>
+                <a:t> = false</a:t>
+              </a:r>
+            </a:p>
+            <a:p>
+              <a:r>
+                <a:rPr lang="es-ES" sz="1400" b="1" dirty="0" smtClean="0">
+                  <a:solidFill>
+                    <a:schemeClr val="tx1">
+                      <a:lumMod val="50000"/>
+                      <a:lumOff val="50000"/>
+                    </a:schemeClr>
+                  </a:solidFill>
+                  <a:latin typeface="+mj-lt"/>
+                  <a:cs typeface="Aharoni" panose="02010803020104030203" pitchFamily="2" charset="-79"/>
+                </a:rPr>
+                <a:t>$</a:t>
+              </a:r>
+              <a:r>
+                <a:rPr lang="es-ES" sz="1400" b="1" dirty="0" err="1" smtClean="0">
+                  <a:solidFill>
+                    <a:schemeClr val="tx1">
+                      <a:lumMod val="50000"/>
+                      <a:lumOff val="50000"/>
+                    </a:schemeClr>
+                  </a:solidFill>
+                  <a:latin typeface="+mj-lt"/>
+                  <a:cs typeface="Aharoni" panose="02010803020104030203" pitchFamily="2" charset="-79"/>
+                </a:rPr>
+                <a:t>search_recipe</a:t>
+              </a:r>
+              <a:r>
+                <a:rPr lang="es-ES" sz="1400" b="1" dirty="0" smtClean="0">
+                  <a:solidFill>
+                    <a:schemeClr val="tx1">
+                      <a:lumMod val="50000"/>
+                      <a:lumOff val="50000"/>
+                    </a:schemeClr>
+                  </a:solidFill>
+                  <a:latin typeface="+mj-lt"/>
+                  <a:cs typeface="Aharoni" panose="02010803020104030203" pitchFamily="2" charset="-79"/>
+                </a:rPr>
+                <a:t>=false</a:t>
+              </a:r>
+              <a:endParaRPr lang="es-ES" sz="1400" b="1" dirty="0" smtClean="0">
+                <a:solidFill>
+                  <a:schemeClr val="tx1">
+                    <a:lumMod val="50000"/>
+                    <a:lumOff val="50000"/>
+                  </a:schemeClr>
+                </a:solidFill>
+                <a:latin typeface="+mj-lt"/>
+                <a:cs typeface="Aharoni" panose="02010803020104030203" pitchFamily="2" charset="-79"/>
+              </a:endParaRPr>
+            </a:p>
+            <a:p>
+              <a:r>
+                <a:rPr lang="es-ES" sz="1400" b="1" dirty="0" smtClean="0">
+                  <a:solidFill>
+                    <a:schemeClr val="tx1">
+                      <a:lumMod val="50000"/>
+                      <a:lumOff val="50000"/>
+                    </a:schemeClr>
+                  </a:solidFill>
+                  <a:latin typeface="+mj-lt"/>
+                  <a:cs typeface="Aharoni" panose="02010803020104030203" pitchFamily="2" charset="-79"/>
+                </a:rPr>
+                <a:t>$</a:t>
+              </a:r>
+              <a:r>
+                <a:rPr lang="es-ES" sz="1400" b="1" dirty="0" err="1" smtClean="0">
+                  <a:solidFill>
+                    <a:schemeClr val="tx1">
+                      <a:lumMod val="50000"/>
+                      <a:lumOff val="50000"/>
+                    </a:schemeClr>
+                  </a:solidFill>
+                  <a:latin typeface="+mj-lt"/>
+                  <a:cs typeface="Aharoni" panose="02010803020104030203" pitchFamily="2" charset="-79"/>
+                </a:rPr>
+                <a:t>dish</a:t>
+              </a:r>
+              <a:r>
+                <a:rPr lang="es-ES" sz="1400" b="1" dirty="0" smtClean="0">
+                  <a:solidFill>
+                    <a:schemeClr val="tx1">
+                      <a:lumMod val="50000"/>
+                      <a:lumOff val="50000"/>
+                    </a:schemeClr>
+                  </a:solidFill>
+                  <a:latin typeface="+mj-lt"/>
+                  <a:cs typeface="Aharoni" panose="02010803020104030203" pitchFamily="2" charset="-79"/>
+                </a:rPr>
+                <a:t>= </a:t>
+              </a:r>
+              <a:r>
+                <a:rPr lang="es-ES" sz="1400" b="1" dirty="0" err="1" smtClean="0">
+                  <a:solidFill>
+                    <a:schemeClr val="tx1">
+                      <a:lumMod val="50000"/>
+                      <a:lumOff val="50000"/>
+                    </a:schemeClr>
+                  </a:solidFill>
+                  <a:latin typeface="+mj-lt"/>
+                  <a:cs typeface="Aharoni" panose="02010803020104030203" pitchFamily="2" charset="-79"/>
+                </a:rPr>
+                <a:t>null</a:t>
+              </a:r>
+              <a:endParaRPr lang="es-ES" sz="1400" b="1" dirty="0" smtClean="0">
+                <a:solidFill>
+                  <a:schemeClr val="tx1">
+                    <a:lumMod val="50000"/>
+                    <a:lumOff val="50000"/>
+                  </a:schemeClr>
+                </a:solidFill>
+                <a:latin typeface="+mj-lt"/>
+                <a:cs typeface="Aharoni" panose="02010803020104030203" pitchFamily="2" charset="-79"/>
+              </a:endParaRPr>
+            </a:p>
+            <a:p>
+              <a:r>
+                <a:rPr lang="es-ES" sz="1400" b="1" dirty="0" smtClean="0">
+                  <a:solidFill>
+                    <a:schemeClr val="tx1">
+                      <a:lumMod val="50000"/>
+                      <a:lumOff val="50000"/>
+                    </a:schemeClr>
+                  </a:solidFill>
+                  <a:latin typeface="+mj-lt"/>
+                  <a:cs typeface="Aharoni" panose="02010803020104030203" pitchFamily="2" charset="-79"/>
+                </a:rPr>
+                <a:t>$</a:t>
+              </a:r>
+              <a:r>
+                <a:rPr lang="es-ES" sz="1400" b="1" dirty="0" err="1" smtClean="0">
+                  <a:solidFill>
+                    <a:schemeClr val="tx1">
+                      <a:lumMod val="50000"/>
+                      <a:lumOff val="50000"/>
+                    </a:schemeClr>
+                  </a:solidFill>
+                  <a:latin typeface="+mj-lt"/>
+                  <a:cs typeface="Aharoni" panose="02010803020104030203" pitchFamily="2" charset="-79"/>
+                </a:rPr>
+                <a:t>counter</a:t>
+              </a:r>
+              <a:r>
+                <a:rPr lang="es-ES" sz="1400" b="1" dirty="0" smtClean="0">
+                  <a:solidFill>
+                    <a:schemeClr val="tx1">
+                      <a:lumMod val="50000"/>
+                      <a:lumOff val="50000"/>
+                    </a:schemeClr>
+                  </a:solidFill>
+                  <a:latin typeface="+mj-lt"/>
+                  <a:cs typeface="Aharoni" panose="02010803020104030203" pitchFamily="2" charset="-79"/>
+                </a:rPr>
+                <a:t>= 0</a:t>
+              </a:r>
+              <a:endParaRPr lang="es-ES" sz="1400" b="1" dirty="0">
                 <a:solidFill>
                   <a:schemeClr val="tx1">
                     <a:lumMod val="50000"/>
@@ -17138,14 +18502,14 @@
         </p:sp>
         <p:sp>
           <p:nvSpPr>
-            <p:cNvPr id="132" name="CuadroTexto 131"/>
+            <p:cNvPr id="77" name="CuadroTexto 76"/>
             <p:cNvSpPr txBox="1"/>
             <p:nvPr/>
           </p:nvSpPr>
           <p:spPr>
             <a:xfrm>
-              <a:off x="6178505" y="3431705"/>
-              <a:ext cx="785793" cy="338554"/>
+              <a:off x="775874" y="7079338"/>
+              <a:ext cx="2490297" cy="307777"/>
             </a:xfrm>
             <a:prstGeom prst="rect">
               <a:avLst/>
@@ -17159,52 +18523,26 @@
             <a:lstStyle/>
             <a:p>
               <a:r>
-                <a:rPr lang="es-ES" sz="1600" b="1" dirty="0" smtClean="0">
+                <a:rPr lang="es-ES" sz="1400" b="1" dirty="0" smtClean="0">
                   <a:solidFill>
                     <a:schemeClr val="tx1">
                       <a:lumMod val="50000"/>
                       <a:lumOff val="50000"/>
                     </a:schemeClr>
                   </a:solidFill>
-                  <a:latin typeface="+mj-lt"/>
+                  <a:latin typeface="Arial Rounded MT Bold" panose="020F0704030504030204" pitchFamily="34" charset="0"/>
                   <a:cs typeface="Aharoni" panose="02010803020104030203" pitchFamily="2" charset="-79"/>
                 </a:rPr>
-                <a:t>( $</a:t>
+                <a:t>WATSON CONVERSATION</a:t>
               </a:r>
-              <a:r>
-                <a:rPr lang="es-ES" sz="1600" b="1" dirty="0" err="1" smtClean="0">
-                  <a:solidFill>
-                    <a:schemeClr val="tx1">
-                      <a:lumMod val="50000"/>
-                      <a:lumOff val="50000"/>
-                    </a:schemeClr>
-                  </a:solidFill>
-                  <a:latin typeface="+mj-lt"/>
-                  <a:cs typeface="Aharoni" panose="02010803020104030203" pitchFamily="2" charset="-79"/>
-                </a:rPr>
-                <a:t>dish</a:t>
-              </a:r>
-              <a:r>
-                <a:rPr lang="es-ES" sz="1600" b="1" dirty="0" smtClean="0">
-                  <a:solidFill>
-                    <a:schemeClr val="tx1">
-                      <a:lumMod val="50000"/>
-                      <a:lumOff val="50000"/>
-                    </a:schemeClr>
-                  </a:solidFill>
-                  <a:latin typeface="+mj-lt"/>
-                  <a:cs typeface="Aharoni" panose="02010803020104030203" pitchFamily="2" charset="-79"/>
-                </a:rPr>
-                <a:t>)</a:t>
-              </a:r>
-              <a:endParaRPr lang="es-ES" sz="1600" b="1" dirty="0">
+              <a:endParaRPr lang="es-ES" sz="1400" b="1" dirty="0">
                 <a:solidFill>
                   <a:schemeClr val="tx1">
                     <a:lumMod val="50000"/>
                     <a:lumOff val="50000"/>
                   </a:schemeClr>
                 </a:solidFill>
-                <a:latin typeface="+mj-lt"/>
+                <a:latin typeface="Arial Rounded MT Bold" panose="020F0704030504030204" pitchFamily="34" charset="0"/>
                 <a:cs typeface="Aharoni" panose="02010803020104030203" pitchFamily="2" charset="-79"/>
               </a:endParaRPr>
             </a:p>
@@ -17212,518 +18550,14 @@
         </p:sp>
         <p:sp>
           <p:nvSpPr>
-            <p:cNvPr id="134" name="CuadroTexto 133"/>
+            <p:cNvPr id="80" name="CuadroTexto 79"/>
             <p:cNvSpPr txBox="1"/>
             <p:nvPr/>
           </p:nvSpPr>
           <p:spPr>
             <a:xfrm>
-              <a:off x="3447757" y="2372082"/>
-              <a:ext cx="1502784" cy="369332"/>
-            </a:xfrm>
-            <a:prstGeom prst="rect">
-              <a:avLst/>
-            </a:prstGeom>
-            <a:noFill/>
-          </p:spPr>
-          <p:txBody>
-            <a:bodyPr wrap="none" rtlCol="0">
-              <a:spAutoFit/>
-            </a:bodyPr>
-            <a:lstStyle/>
-            <a:p>
-              <a:pPr algn="ctr"/>
-              <a:r>
-                <a:rPr lang="es-ES" b="1" dirty="0" smtClean="0">
-                  <a:solidFill>
-                    <a:srgbClr val="FF3300"/>
-                  </a:solidFill>
-                  <a:latin typeface="+mj-lt"/>
-                  <a:cs typeface="Aharoni" panose="02010803020104030203" pitchFamily="2" charset="-79"/>
-                </a:rPr>
-                <a:t>No / </a:t>
-              </a:r>
-              <a:r>
-                <a:rPr lang="es-ES" b="1" dirty="0" err="1" smtClean="0">
-                  <a:solidFill>
-                    <a:srgbClr val="FF3300"/>
-                  </a:solidFill>
-                  <a:latin typeface="+mj-lt"/>
-                  <a:cs typeface="Aharoni" panose="02010803020104030203" pitchFamily="2" charset="-79"/>
-                </a:rPr>
-                <a:t>Unknown</a:t>
-              </a:r>
-              <a:endParaRPr lang="es-ES" b="1" dirty="0" smtClean="0">
-                <a:solidFill>
-                  <a:srgbClr val="FF3300"/>
-                </a:solidFill>
-                <a:latin typeface="+mj-lt"/>
-                <a:cs typeface="Aharoni" panose="02010803020104030203" pitchFamily="2" charset="-79"/>
-              </a:endParaRPr>
-            </a:p>
-          </p:txBody>
-        </p:sp>
-        <p:cxnSp>
-          <p:nvCxnSpPr>
-            <p:cNvPr id="91" name="Conector recto de flecha 90"/>
-            <p:cNvCxnSpPr>
-              <a:endCxn id="7" idx="2"/>
-            </p:cNvCxnSpPr>
-            <p:nvPr/>
-          </p:nvCxnSpPr>
-          <p:spPr>
-            <a:xfrm flipH="1" flipV="1">
-              <a:off x="12088477" y="1986122"/>
-              <a:ext cx="22857" cy="1806115"/>
-            </a:xfrm>
-            <a:prstGeom prst="straightConnector1">
-              <a:avLst/>
-            </a:prstGeom>
-            <a:ln w="28575">
-              <a:solidFill>
-                <a:srgbClr val="7240F0"/>
-              </a:solidFill>
-              <a:tailEnd type="triangle" w="lg" len="lg"/>
-            </a:ln>
-          </p:spPr>
-          <p:style>
-            <a:lnRef idx="1">
-              <a:schemeClr val="accent1"/>
-            </a:lnRef>
-            <a:fillRef idx="0">
-              <a:schemeClr val="accent1"/>
-            </a:fillRef>
-            <a:effectRef idx="0">
-              <a:schemeClr val="accent1"/>
-            </a:effectRef>
-            <a:fontRef idx="minor">
-              <a:schemeClr val="tx1"/>
-            </a:fontRef>
-          </p:style>
-        </p:cxnSp>
-        <p:sp>
-          <p:nvSpPr>
-            <p:cNvPr id="96" name="Flecha izquierda y derecha 95"/>
-            <p:cNvSpPr/>
-            <p:nvPr/>
-          </p:nvSpPr>
-          <p:spPr>
-            <a:xfrm rot="16200000">
-              <a:off x="11661334" y="342521"/>
-              <a:ext cx="1080000" cy="180000"/>
-            </a:xfrm>
-            <a:prstGeom prst="leftRightArrow">
-              <a:avLst/>
-            </a:prstGeom>
-            <a:solidFill>
-              <a:schemeClr val="accent3">
-                <a:lumMod val="60000"/>
-                <a:lumOff val="40000"/>
-              </a:schemeClr>
-            </a:solidFill>
-            <a:ln>
-              <a:noFill/>
-            </a:ln>
-          </p:spPr>
-          <p:style>
-            <a:lnRef idx="2">
-              <a:schemeClr val="accent1">
-                <a:shade val="50000"/>
-              </a:schemeClr>
-            </a:lnRef>
-            <a:fillRef idx="1">
-              <a:schemeClr val="accent1"/>
-            </a:fillRef>
-            <a:effectRef idx="0">
-              <a:schemeClr val="accent1"/>
-            </a:effectRef>
-            <a:fontRef idx="minor">
-              <a:schemeClr val="lt1"/>
-            </a:fontRef>
-          </p:style>
-          <p:txBody>
-            <a:bodyPr rtlCol="0" anchor="ctr"/>
-            <a:lstStyle/>
-            <a:p>
-              <a:pPr algn="ctr"/>
-              <a:endParaRPr lang="es-ES"/>
-            </a:p>
-          </p:txBody>
-        </p:sp>
-        <p:pic>
-          <p:nvPicPr>
-            <p:cNvPr id="97" name="Imagen 96"/>
-            <p:cNvPicPr>
-              <a:picLocks noChangeAspect="1"/>
-            </p:cNvPicPr>
-            <p:nvPr/>
-          </p:nvPicPr>
-          <p:blipFill>
-            <a:blip r:embed="rId3" cstate="print">
-              <a:duotone>
-                <a:schemeClr val="accent3">
-                  <a:shade val="45000"/>
-                  <a:satMod val="135000"/>
-                </a:schemeClr>
-                <a:prstClr val="white"/>
-              </a:duotone>
-              <a:extLst>
-                <a:ext uri="{28A0092B-C50C-407E-A947-70E740481C1C}">
-                  <a14:useLocalDpi xmlns:a14="http://schemas.microsoft.com/office/drawing/2010/main" val="0"/>
-                </a:ext>
-              </a:extLst>
-            </a:blip>
-            <a:stretch>
-              <a:fillRect/>
-            </a:stretch>
-          </p:blipFill>
-          <p:spPr>
-            <a:xfrm>
-              <a:off x="12262459" y="135195"/>
-              <a:ext cx="614369" cy="650686"/>
-            </a:xfrm>
-            <a:prstGeom prst="rect">
-              <a:avLst/>
-            </a:prstGeom>
-          </p:spPr>
-        </p:pic>
-        <p:sp>
-          <p:nvSpPr>
-            <p:cNvPr id="98" name="Rectángulo redondeado 97"/>
-            <p:cNvSpPr/>
-            <p:nvPr/>
-          </p:nvSpPr>
-          <p:spPr bwMode="auto">
-            <a:xfrm>
-              <a:off x="11491689" y="7924896"/>
-              <a:ext cx="1584361" cy="1365094"/>
-            </a:xfrm>
-            <a:prstGeom prst="roundRect">
-              <a:avLst/>
-            </a:prstGeom>
-            <a:solidFill>
-              <a:schemeClr val="bg1"/>
-            </a:solidFill>
-            <a:ln w="9525" cap="rnd" cmpd="sng" algn="ctr">
-              <a:solidFill>
-                <a:schemeClr val="bg1">
-                  <a:lumMod val="50000"/>
-                </a:schemeClr>
-              </a:solidFill>
-              <a:prstDash val="sysDot"/>
-              <a:round/>
-              <a:headEnd type="none" w="med" len="med"/>
-              <a:tailEnd type="none" w="med" len="med"/>
-            </a:ln>
-            <a:effectLst/>
-            <a:extLst/>
-          </p:spPr>
-          <p:txBody>
-            <a:bodyPr vert="horz" wrap="none" lIns="45720" tIns="45720" rIns="45720" bIns="45720" numCol="1" rtlCol="0" anchor="ctr" anchorCtr="0" compatLnSpc="1">
-              <a:prstTxWarp prst="textNoShape">
-                <a:avLst/>
-              </a:prstTxWarp>
-            </a:bodyPr>
-            <a:lstStyle/>
-            <a:p>
-              <a:pPr marL="0" marR="0" indent="0" algn="ctr" defTabSz="914400" rtl="0" eaLnBrk="1" fontAlgn="base" latinLnBrk="0" hangingPunct="1">
-                <a:lnSpc>
-                  <a:spcPct val="100000"/>
-                </a:lnSpc>
-                <a:spcBef>
-                  <a:spcPct val="50000"/>
-                </a:spcBef>
-                <a:spcAft>
-                  <a:spcPct val="0"/>
-                </a:spcAft>
-                <a:buClrTx/>
-                <a:buSzTx/>
-                <a:buFontTx/>
-                <a:buNone/>
-                <a:tabLst/>
-              </a:pPr>
-              <a:endParaRPr kumimoji="0" lang="es-ES" sz="2000" b="0" i="0" u="none" strike="noStrike" cap="none" normalizeH="0" baseline="0" dirty="0" smtClean="0">
-                <a:ln>
-                  <a:noFill/>
-                </a:ln>
-                <a:solidFill>
-                  <a:srgbClr val="00B050"/>
-                </a:solidFill>
-                <a:effectLst/>
-                <a:latin typeface="Verdana" pitchFamily="34" charset="0"/>
-              </a:endParaRPr>
-            </a:p>
-          </p:txBody>
-        </p:sp>
-        <p:sp>
-          <p:nvSpPr>
-            <p:cNvPr id="99" name="Rectángulo redondeado 98"/>
-            <p:cNvSpPr/>
-            <p:nvPr/>
-          </p:nvSpPr>
-          <p:spPr>
-            <a:xfrm>
-              <a:off x="11491689" y="5931679"/>
-              <a:ext cx="1382271" cy="922421"/>
-            </a:xfrm>
-            <a:prstGeom prst="roundRect">
-              <a:avLst/>
-            </a:prstGeom>
-            <a:noFill/>
-            <a:ln w="38100">
-              <a:solidFill>
-                <a:srgbClr val="FFC000"/>
-              </a:solidFill>
-            </a:ln>
-          </p:spPr>
-          <p:style>
-            <a:lnRef idx="2">
-              <a:schemeClr val="accent1">
-                <a:shade val="50000"/>
-              </a:schemeClr>
-            </a:lnRef>
-            <a:fillRef idx="1">
-              <a:schemeClr val="accent1"/>
-            </a:fillRef>
-            <a:effectRef idx="0">
-              <a:schemeClr val="accent1"/>
-            </a:effectRef>
-            <a:fontRef idx="minor">
-              <a:schemeClr val="lt1"/>
-            </a:fontRef>
-          </p:style>
-          <p:txBody>
-            <a:bodyPr lIns="0" tIns="0" rIns="0" bIns="0" rtlCol="0" anchor="ctr"/>
-            <a:lstStyle/>
-            <a:p>
-              <a:pPr algn="ctr"/>
-              <a:r>
-                <a:rPr lang="es-ES" sz="1200" dirty="0" smtClean="0">
-                  <a:solidFill>
-                    <a:schemeClr val="tx1">
-                      <a:lumMod val="75000"/>
-                      <a:lumOff val="25000"/>
-                    </a:schemeClr>
-                  </a:solidFill>
-                  <a:latin typeface="Arial Rounded MT Bold" panose="020F0704030504030204" pitchFamily="34" charset="0"/>
-                </a:rPr>
-                <a:t>YUM </a:t>
-              </a:r>
-              <a:r>
-                <a:rPr lang="es-ES" sz="1200" dirty="0" err="1" smtClean="0">
-                  <a:solidFill>
-                    <a:schemeClr val="tx1">
-                      <a:lumMod val="75000"/>
-                      <a:lumOff val="25000"/>
-                    </a:schemeClr>
-                  </a:solidFill>
-                  <a:latin typeface="Arial Rounded MT Bold" panose="020F0704030504030204" pitchFamily="34" charset="0"/>
-                </a:rPr>
-                <a:t>YUM</a:t>
-              </a:r>
-              <a:r>
-                <a:rPr lang="es-ES" sz="1200" dirty="0" smtClean="0">
-                  <a:solidFill>
-                    <a:schemeClr val="tx1">
-                      <a:lumMod val="75000"/>
-                      <a:lumOff val="25000"/>
-                    </a:schemeClr>
-                  </a:solidFill>
-                  <a:latin typeface="Arial Rounded MT Bold" panose="020F0704030504030204" pitchFamily="34" charset="0"/>
-                </a:rPr>
-                <a:t> </a:t>
-              </a:r>
-            </a:p>
-            <a:p>
-              <a:pPr algn="ctr"/>
-              <a:r>
-                <a:rPr lang="es-ES" sz="1200" dirty="0" smtClean="0">
-                  <a:solidFill>
-                    <a:schemeClr val="tx1">
-                      <a:lumMod val="75000"/>
-                      <a:lumOff val="25000"/>
-                    </a:schemeClr>
-                  </a:solidFill>
-                  <a:latin typeface="Arial Rounded MT Bold" panose="020F0704030504030204" pitchFamily="34" charset="0"/>
-                </a:rPr>
-                <a:t>SUGEST</a:t>
-              </a:r>
-              <a:endParaRPr lang="es-ES" sz="1200" dirty="0">
-                <a:solidFill>
-                  <a:schemeClr val="tx1">
-                    <a:lumMod val="75000"/>
-                    <a:lumOff val="25000"/>
-                  </a:schemeClr>
-                </a:solidFill>
-                <a:latin typeface="Arial Rounded MT Bold" panose="020F0704030504030204" pitchFamily="34" charset="0"/>
-              </a:endParaRPr>
-            </a:p>
-          </p:txBody>
-        </p:sp>
-        <p:sp>
-          <p:nvSpPr>
-            <p:cNvPr id="100" name="CuadroTexto 99"/>
-            <p:cNvSpPr txBox="1"/>
-            <p:nvPr/>
-          </p:nvSpPr>
-          <p:spPr>
-            <a:xfrm>
-              <a:off x="11800275" y="8045125"/>
-              <a:ext cx="1275775" cy="307777"/>
-            </a:xfrm>
-            <a:prstGeom prst="rect">
-              <a:avLst/>
-            </a:prstGeom>
-            <a:noFill/>
-          </p:spPr>
-          <p:txBody>
-            <a:bodyPr wrap="square" rtlCol="0">
-              <a:spAutoFit/>
-            </a:bodyPr>
-            <a:lstStyle/>
-            <a:p>
-              <a:r>
-                <a:rPr lang="es-ES" sz="1400" b="1" dirty="0" smtClean="0">
-                  <a:solidFill>
-                    <a:srgbClr val="00B050"/>
-                  </a:solidFill>
-                </a:rPr>
-                <a:t>DATABASE</a:t>
-              </a:r>
-              <a:endParaRPr lang="es-ES" sz="1400" b="1" dirty="0">
-                <a:solidFill>
-                  <a:srgbClr val="00B050"/>
-                </a:solidFill>
-              </a:endParaRPr>
-            </a:p>
-          </p:txBody>
-        </p:sp>
-        <p:sp>
-          <p:nvSpPr>
-            <p:cNvPr id="101" name="Flecha izquierda y derecha 100"/>
-            <p:cNvSpPr/>
-            <p:nvPr/>
-          </p:nvSpPr>
-          <p:spPr>
-            <a:xfrm rot="16200000">
-              <a:off x="11767066" y="7283047"/>
-              <a:ext cx="922357" cy="212903"/>
-            </a:xfrm>
-            <a:prstGeom prst="leftRightArrow">
-              <a:avLst/>
-            </a:prstGeom>
-            <a:solidFill>
-              <a:schemeClr val="accent3">
-                <a:lumMod val="60000"/>
-                <a:lumOff val="40000"/>
-              </a:schemeClr>
-            </a:solidFill>
-            <a:ln>
-              <a:noFill/>
-            </a:ln>
-          </p:spPr>
-          <p:style>
-            <a:lnRef idx="2">
-              <a:schemeClr val="accent1">
-                <a:shade val="50000"/>
-              </a:schemeClr>
-            </a:lnRef>
-            <a:fillRef idx="1">
-              <a:schemeClr val="accent1"/>
-            </a:fillRef>
-            <a:effectRef idx="0">
-              <a:schemeClr val="accent1"/>
-            </a:effectRef>
-            <a:fontRef idx="minor">
-              <a:schemeClr val="lt1"/>
-            </a:fontRef>
-          </p:style>
-          <p:txBody>
-            <a:bodyPr rtlCol="0" anchor="ctr"/>
-            <a:lstStyle/>
-            <a:p>
-              <a:pPr algn="ctr"/>
-              <a:endParaRPr lang="es-ES"/>
-            </a:p>
-          </p:txBody>
-        </p:sp>
-        <p:pic>
-          <p:nvPicPr>
-            <p:cNvPr id="102" name="Imagen 101"/>
-            <p:cNvPicPr>
-              <a:picLocks noChangeAspect="1"/>
-            </p:cNvPicPr>
-            <p:nvPr/>
-          </p:nvPicPr>
-          <p:blipFill>
-            <a:blip r:embed="rId5" cstate="print">
-              <a:duotone>
-                <a:schemeClr val="accent5">
-                  <a:shade val="45000"/>
-                  <a:satMod val="135000"/>
-                </a:schemeClr>
-                <a:prstClr val="white"/>
-              </a:duotone>
-              <a:extLst>
-                <a:ext uri="{28A0092B-C50C-407E-A947-70E740481C1C}">
-                  <a14:useLocalDpi xmlns:a14="http://schemas.microsoft.com/office/drawing/2010/main" val="0"/>
-                </a:ext>
-              </a:extLst>
-            </a:blip>
-            <a:stretch>
-              <a:fillRect/>
-            </a:stretch>
-          </p:blipFill>
-          <p:spPr>
-            <a:xfrm>
-              <a:off x="12398979" y="8473130"/>
-              <a:ext cx="566319" cy="568158"/>
-            </a:xfrm>
-            <a:prstGeom prst="rect">
-              <a:avLst/>
-            </a:prstGeom>
-          </p:spPr>
-        </p:pic>
-        <p:pic>
-          <p:nvPicPr>
-            <p:cNvPr id="104" name="Imagen 103"/>
-            <p:cNvPicPr>
-              <a:picLocks noChangeAspect="1"/>
-            </p:cNvPicPr>
-            <p:nvPr/>
-          </p:nvPicPr>
-          <p:blipFill>
-            <a:blip r:embed="rId6" cstate="print">
-              <a:extLst>
-                <a:ext uri="{28A0092B-C50C-407E-A947-70E740481C1C}">
-                  <a14:useLocalDpi xmlns:a14="http://schemas.microsoft.com/office/drawing/2010/main" val="0"/>
-                </a:ext>
-              </a:extLst>
-            </a:blip>
-            <a:stretch>
-              <a:fillRect/>
-            </a:stretch>
-          </p:blipFill>
-          <p:spPr>
-            <a:xfrm>
-              <a:off x="11664039" y="8473130"/>
-              <a:ext cx="678982" cy="624663"/>
-            </a:xfrm>
-            <a:prstGeom prst="rect">
-              <a:avLst/>
-            </a:prstGeom>
-          </p:spPr>
-        </p:pic>
-        <p:sp>
-          <p:nvSpPr>
-            <p:cNvPr id="106" name="CuadroTexto 105"/>
-            <p:cNvSpPr txBox="1"/>
-            <p:nvPr/>
-          </p:nvSpPr>
-          <p:spPr>
-            <a:xfrm>
-              <a:off x="12099905" y="4662361"/>
-              <a:ext cx="1423018" cy="338554"/>
+              <a:off x="10191825" y="7079339"/>
+              <a:ext cx="2524537" cy="307777"/>
             </a:xfrm>
             <a:prstGeom prst="rect">
               <a:avLst/>
@@ -17737,408 +18571,32 @@
             <a:lstStyle/>
             <a:p>
               <a:r>
-                <a:rPr lang="es-ES" sz="1600" b="1" dirty="0" smtClean="0">
+                <a:rPr lang="es-ES" sz="1400" b="1" dirty="0" smtClean="0">
                   <a:solidFill>
                     <a:schemeClr val="tx1">
                       <a:lumMod val="50000"/>
                       <a:lumOff val="50000"/>
                     </a:schemeClr>
                   </a:solidFill>
-                  <a:latin typeface="+mj-lt"/>
+                  <a:latin typeface="Arial Rounded MT Bold" panose="020F0704030504030204" pitchFamily="34" charset="0"/>
                   <a:cs typeface="Aharoni" panose="02010803020104030203" pitchFamily="2" charset="-79"/>
                 </a:rPr>
-                <a:t>( $</a:t>
+                <a:t>ORCHESTRATION ENGINE</a:t>
               </a:r>
-              <a:r>
-                <a:rPr lang="es-ES" sz="1600" b="1" dirty="0" err="1" smtClean="0">
-                  <a:solidFill>
-                    <a:schemeClr val="tx1">
-                      <a:lumMod val="50000"/>
-                      <a:lumOff val="50000"/>
-                    </a:schemeClr>
-                  </a:solidFill>
-                  <a:latin typeface="+mj-lt"/>
-                  <a:cs typeface="Aharoni" panose="02010803020104030203" pitchFamily="2" charset="-79"/>
-                </a:rPr>
-                <a:t>yum_sugest</a:t>
-              </a:r>
-              <a:r>
-                <a:rPr lang="es-ES" sz="1600" b="1" dirty="0" smtClean="0">
-                  <a:solidFill>
-                    <a:schemeClr val="tx1">
-                      <a:lumMod val="50000"/>
-                      <a:lumOff val="50000"/>
-                    </a:schemeClr>
-                  </a:solidFill>
-                  <a:latin typeface="+mj-lt"/>
-                  <a:cs typeface="Aharoni" panose="02010803020104030203" pitchFamily="2" charset="-79"/>
-                </a:rPr>
-                <a:t>)</a:t>
-              </a:r>
-              <a:endParaRPr lang="es-ES" sz="1600" b="1" dirty="0">
+              <a:endParaRPr lang="es-ES" sz="1400" b="1" dirty="0">
                 <a:solidFill>
                   <a:schemeClr val="tx1">
                     <a:lumMod val="50000"/>
                     <a:lumOff val="50000"/>
                   </a:schemeClr>
                 </a:solidFill>
-                <a:latin typeface="+mj-lt"/>
-                <a:cs typeface="Aharoni" panose="02010803020104030203" pitchFamily="2" charset="-79"/>
-              </a:endParaRPr>
-            </a:p>
-          </p:txBody>
-        </p:sp>
-        <p:sp>
-          <p:nvSpPr>
-            <p:cNvPr id="107" name="Decisión 106"/>
-            <p:cNvSpPr/>
-            <p:nvPr/>
-          </p:nvSpPr>
-          <p:spPr>
-            <a:xfrm>
-              <a:off x="6822736" y="5684392"/>
-              <a:ext cx="1552885" cy="1439230"/>
-            </a:xfrm>
-            <a:prstGeom prst="flowChartDecision">
-              <a:avLst/>
-            </a:prstGeom>
-            <a:noFill/>
-            <a:ln w="38100">
-              <a:solidFill>
-                <a:srgbClr val="46DACC"/>
-              </a:solidFill>
-              <a:prstDash val="sysDot"/>
-            </a:ln>
-          </p:spPr>
-          <p:style>
-            <a:lnRef idx="2">
-              <a:schemeClr val="accent1">
-                <a:shade val="50000"/>
-              </a:schemeClr>
-            </a:lnRef>
-            <a:fillRef idx="1">
-              <a:schemeClr val="accent1"/>
-            </a:fillRef>
-            <a:effectRef idx="0">
-              <a:schemeClr val="accent1"/>
-            </a:effectRef>
-            <a:fontRef idx="minor">
-              <a:schemeClr val="lt1"/>
-            </a:fontRef>
-          </p:style>
-          <p:txBody>
-            <a:bodyPr lIns="0" tIns="0" rIns="0" bIns="0" rtlCol="0" anchor="ctr"/>
-            <a:lstStyle/>
-            <a:p>
-              <a:pPr algn="ctr"/>
-              <a:r>
-                <a:rPr lang="es-ES" sz="1200" dirty="0" smtClean="0">
-                  <a:solidFill>
-                    <a:schemeClr val="tx1">
-                      <a:lumMod val="75000"/>
-                      <a:lumOff val="25000"/>
-                    </a:schemeClr>
-                  </a:solidFill>
-                  <a:latin typeface="Arial Rounded MT Bold" panose="020F0704030504030204" pitchFamily="34" charset="0"/>
-                </a:rPr>
-                <a:t>COUNTER </a:t>
-              </a:r>
-              <a:r>
-                <a:rPr lang="es-ES" sz="1600" dirty="0" smtClean="0">
-                  <a:solidFill>
-                    <a:schemeClr val="tx1">
-                      <a:lumMod val="75000"/>
-                      <a:lumOff val="25000"/>
-                    </a:schemeClr>
-                  </a:solidFill>
-                  <a:latin typeface="Arial Rounded MT Bold" panose="020F0704030504030204" pitchFamily="34" charset="0"/>
-                </a:rPr>
-                <a:t>&lt; = </a:t>
-              </a:r>
-              <a:r>
-                <a:rPr lang="es-ES" sz="1400" dirty="0" smtClean="0">
-                  <a:solidFill>
-                    <a:schemeClr val="tx1">
-                      <a:lumMod val="75000"/>
-                      <a:lumOff val="25000"/>
-                    </a:schemeClr>
-                  </a:solidFill>
-                  <a:latin typeface="Arial Rounded MT Bold" panose="020F0704030504030204" pitchFamily="34" charset="0"/>
-                </a:rPr>
-                <a:t>3</a:t>
-              </a:r>
-              <a:endParaRPr lang="es-ES" dirty="0" smtClean="0">
-                <a:solidFill>
-                  <a:schemeClr val="tx1">
-                    <a:lumMod val="75000"/>
-                    <a:lumOff val="25000"/>
-                  </a:schemeClr>
-                </a:solidFill>
                 <a:latin typeface="Arial Rounded MT Bold" panose="020F0704030504030204" pitchFamily="34" charset="0"/>
-              </a:endParaRPr>
-            </a:p>
-          </p:txBody>
-        </p:sp>
-        <p:cxnSp>
-          <p:nvCxnSpPr>
-            <p:cNvPr id="109" name="Conector recto de flecha 108"/>
-            <p:cNvCxnSpPr>
-              <a:stCxn id="107" idx="3"/>
-              <a:endCxn id="99" idx="1"/>
-            </p:cNvCxnSpPr>
-            <p:nvPr/>
-          </p:nvCxnSpPr>
-          <p:spPr>
-            <a:xfrm flipV="1">
-              <a:off x="8375621" y="6392890"/>
-              <a:ext cx="3116068" cy="11117"/>
-            </a:xfrm>
-            <a:prstGeom prst="straightConnector1">
-              <a:avLst/>
-            </a:prstGeom>
-            <a:ln w="28575">
-              <a:solidFill>
-                <a:srgbClr val="7240F0"/>
-              </a:solidFill>
-              <a:tailEnd type="triangle" w="lg" len="lg"/>
-            </a:ln>
-          </p:spPr>
-          <p:style>
-            <a:lnRef idx="1">
-              <a:schemeClr val="accent1"/>
-            </a:lnRef>
-            <a:fillRef idx="0">
-              <a:schemeClr val="accent1"/>
-            </a:fillRef>
-            <a:effectRef idx="0">
-              <a:schemeClr val="accent1"/>
-            </a:effectRef>
-            <a:fontRef idx="minor">
-              <a:schemeClr val="tx1"/>
-            </a:fontRef>
-          </p:style>
-        </p:cxnSp>
-        <p:cxnSp>
-          <p:nvCxnSpPr>
-            <p:cNvPr id="148" name="Conector recto de flecha 147"/>
-            <p:cNvCxnSpPr/>
-            <p:nvPr/>
-          </p:nvCxnSpPr>
-          <p:spPr>
-            <a:xfrm flipH="1" flipV="1">
-              <a:off x="12121793" y="3792237"/>
-              <a:ext cx="45421" cy="2160000"/>
-            </a:xfrm>
-            <a:prstGeom prst="straightConnector1">
-              <a:avLst/>
-            </a:prstGeom>
-            <a:ln w="28575">
-              <a:solidFill>
-                <a:srgbClr val="7240F0"/>
-              </a:solidFill>
-              <a:tailEnd type="triangle" w="lg" len="lg"/>
-            </a:ln>
-          </p:spPr>
-          <p:style>
-            <a:lnRef idx="1">
-              <a:schemeClr val="accent1"/>
-            </a:lnRef>
-            <a:fillRef idx="0">
-              <a:schemeClr val="accent1"/>
-            </a:fillRef>
-            <a:effectRef idx="0">
-              <a:schemeClr val="accent1"/>
-            </a:effectRef>
-            <a:fontRef idx="minor">
-              <a:schemeClr val="tx1"/>
-            </a:fontRef>
-          </p:style>
-        </p:cxnSp>
-        <p:sp>
-          <p:nvSpPr>
-            <p:cNvPr id="170" name="CuadroTexto 169"/>
-            <p:cNvSpPr txBox="1"/>
-            <p:nvPr/>
-          </p:nvSpPr>
-          <p:spPr>
-            <a:xfrm>
-              <a:off x="6964089" y="4867528"/>
-              <a:ext cx="475643" cy="369332"/>
-            </a:xfrm>
-            <a:prstGeom prst="rect">
-              <a:avLst/>
-            </a:prstGeom>
-            <a:noFill/>
-          </p:spPr>
-          <p:txBody>
-            <a:bodyPr wrap="none" rtlCol="0">
-              <a:spAutoFit/>
-            </a:bodyPr>
-            <a:lstStyle/>
-            <a:p>
-              <a:r>
-                <a:rPr lang="es-ES" b="1" dirty="0" smtClean="0">
-                  <a:solidFill>
-                    <a:srgbClr val="FF3300"/>
-                  </a:solidFill>
-                  <a:latin typeface="+mj-lt"/>
-                  <a:cs typeface="Aharoni" panose="02010803020104030203" pitchFamily="2" charset="-79"/>
-                </a:rPr>
-                <a:t>Yes</a:t>
-              </a:r>
-              <a:endParaRPr lang="es-ES" b="1" dirty="0">
-                <a:solidFill>
-                  <a:srgbClr val="FF3300"/>
-                </a:solidFill>
-                <a:latin typeface="+mj-lt"/>
-                <a:cs typeface="Aharoni" panose="02010803020104030203" pitchFamily="2" charset="-79"/>
-              </a:endParaRPr>
-            </a:p>
-          </p:txBody>
-        </p:sp>
-        <p:sp>
-          <p:nvSpPr>
-            <p:cNvPr id="171" name="CuadroTexto 170"/>
-            <p:cNvSpPr txBox="1"/>
-            <p:nvPr/>
-          </p:nvSpPr>
-          <p:spPr>
-            <a:xfrm>
-              <a:off x="8440813" y="6020014"/>
-              <a:ext cx="447558" cy="369332"/>
-            </a:xfrm>
-            <a:prstGeom prst="rect">
-              <a:avLst/>
-            </a:prstGeom>
-            <a:noFill/>
-          </p:spPr>
-          <p:txBody>
-            <a:bodyPr wrap="none" rtlCol="0">
-              <a:spAutoFit/>
-            </a:bodyPr>
-            <a:lstStyle/>
-            <a:p>
-              <a:r>
-                <a:rPr lang="es-ES" b="1" dirty="0" smtClean="0">
-                  <a:solidFill>
-                    <a:srgbClr val="FF3300"/>
-                  </a:solidFill>
-                  <a:latin typeface="+mj-lt"/>
-                  <a:cs typeface="Aharoni" panose="02010803020104030203" pitchFamily="2" charset="-79"/>
-                </a:rPr>
-                <a:t>No</a:t>
-              </a:r>
-              <a:endParaRPr lang="es-ES" b="1" dirty="0">
-                <a:solidFill>
-                  <a:srgbClr val="FF3300"/>
-                </a:solidFill>
-                <a:latin typeface="+mj-lt"/>
                 <a:cs typeface="Aharoni" panose="02010803020104030203" pitchFamily="2" charset="-79"/>
               </a:endParaRPr>
             </a:p>
           </p:txBody>
         </p:sp>
       </p:grpSp>
-      <p:sp>
-        <p:nvSpPr>
-          <p:cNvPr id="2" name="Rectángulo redondeado 1"/>
-          <p:cNvSpPr/>
-          <p:nvPr/>
-        </p:nvSpPr>
-        <p:spPr>
-          <a:xfrm>
-            <a:off x="481263" y="-155605"/>
-            <a:ext cx="7749695" cy="7647268"/>
-          </a:xfrm>
-          <a:prstGeom prst="roundRect">
-            <a:avLst>
-              <a:gd name="adj" fmla="val 8696"/>
-            </a:avLst>
-          </a:prstGeom>
-          <a:noFill/>
-          <a:ln>
-            <a:solidFill>
-              <a:schemeClr val="bg1">
-                <a:lumMod val="75000"/>
-              </a:schemeClr>
-            </a:solidFill>
-            <a:prstDash val="sysDash"/>
-          </a:ln>
-        </p:spPr>
-        <p:style>
-          <a:lnRef idx="2">
-            <a:schemeClr val="accent1">
-              <a:shade val="50000"/>
-            </a:schemeClr>
-          </a:lnRef>
-          <a:fillRef idx="1">
-            <a:schemeClr val="accent1"/>
-          </a:fillRef>
-          <a:effectRef idx="0">
-            <a:schemeClr val="accent1"/>
-          </a:effectRef>
-          <a:fontRef idx="minor">
-            <a:schemeClr val="lt1"/>
-          </a:fontRef>
-        </p:style>
-        <p:txBody>
-          <a:bodyPr rtlCol="0" anchor="ctr"/>
-          <a:lstStyle/>
-          <a:p>
-            <a:pPr algn="ctr"/>
-            <a:endParaRPr lang="es-ES"/>
-          </a:p>
-        </p:txBody>
-      </p:sp>
-      <p:sp>
-        <p:nvSpPr>
-          <p:cNvPr id="56" name="Rectángulo redondeado 55"/>
-          <p:cNvSpPr/>
-          <p:nvPr/>
-        </p:nvSpPr>
-        <p:spPr>
-          <a:xfrm>
-            <a:off x="8265120" y="644987"/>
-            <a:ext cx="5175764" cy="6622087"/>
-          </a:xfrm>
-          <a:prstGeom prst="roundRect">
-            <a:avLst/>
-          </a:prstGeom>
-          <a:noFill/>
-          <a:ln>
-            <a:solidFill>
-              <a:schemeClr val="bg1">
-                <a:lumMod val="75000"/>
-              </a:schemeClr>
-            </a:solidFill>
-            <a:prstDash val="sysDash"/>
-          </a:ln>
-        </p:spPr>
-        <p:style>
-          <a:lnRef idx="2">
-            <a:schemeClr val="accent1">
-              <a:shade val="50000"/>
-            </a:schemeClr>
-          </a:lnRef>
-          <a:fillRef idx="1">
-            <a:schemeClr val="accent1"/>
-          </a:fillRef>
-          <a:effectRef idx="0">
-            <a:schemeClr val="accent1"/>
-          </a:effectRef>
-          <a:fontRef idx="minor">
-            <a:schemeClr val="lt1"/>
-          </a:fontRef>
-        </p:style>
-        <p:txBody>
-          <a:bodyPr rtlCol="0" anchor="ctr"/>
-          <a:lstStyle/>
-          <a:p>
-            <a:pPr algn="ctr"/>
-            <a:endParaRPr lang="es-ES"/>
-          </a:p>
-        </p:txBody>
-      </p:sp>
     </p:spTree>
     <p:extLst>
       <p:ext uri="{BB962C8B-B14F-4D97-AF65-F5344CB8AC3E}">

--- a/memoria/images/Presentación1.pptx
+++ b/memoria/images/Presentación1.pptx
@@ -28919,7 +28919,22 @@
                   </a:solidFill>
                   <a:latin typeface="Arial Rounded MT Bold" panose="020F0704030504030204" pitchFamily="34" charset="0"/>
                 </a:rPr>
-                <a:t>SEARCH</a:t>
+                <a:t>SUGGEST</a:t>
+              </a:r>
+            </a:p>
+            <a:p>
+              <a:pPr algn="ctr"/>
+              <a:r>
+                <a:rPr lang="es-ES" sz="1200" dirty="0" smtClean="0">
+                  <a:solidFill>
+                    <a:schemeClr val="tx1">
+                      <a:lumMod val="75000"/>
+                      <a:lumOff val="25000"/>
+                    </a:schemeClr>
+                  </a:solidFill>
+                  <a:latin typeface="Arial Rounded MT Bold" panose="020F0704030504030204" pitchFamily="34" charset="0"/>
+                </a:rPr>
+                <a:t>A</a:t>
               </a:r>
             </a:p>
             <a:p>
@@ -30524,8 +30539,8 @@
           </p:nvSpPr>
           <p:spPr>
             <a:xfrm>
-              <a:off x="4399968" y="8649143"/>
-              <a:ext cx="2057423" cy="369332"/>
+              <a:off x="4380189" y="8627325"/>
+              <a:ext cx="3112647" cy="369332"/>
             </a:xfrm>
             <a:prstGeom prst="rect">
               <a:avLst/>
@@ -30568,6 +30583,26 @@
                   <a:cs typeface="Aharoni" panose="02010803020104030203" pitchFamily="2" charset="-79"/>
                 </a:rPr>
                 <a:t>Uncertain</a:t>
+              </a:r>
+              <a:r>
+                <a:rPr lang="es-ES" b="1" dirty="0" smtClean="0">
+                  <a:solidFill>
+                    <a:srgbClr val="FF3300"/>
+                  </a:solidFill>
+                  <a:latin typeface="+mj-lt"/>
+                  <a:cs typeface="Aharoni" panose="02010803020104030203" pitchFamily="2" charset="-79"/>
+                </a:rPr>
+                <a:t> / </a:t>
+              </a:r>
+              <a:r>
+                <a:rPr lang="es-ES" b="1" dirty="0" err="1" smtClean="0">
+                  <a:solidFill>
+                    <a:srgbClr val="FF3300"/>
+                  </a:solidFill>
+                  <a:latin typeface="+mj-lt"/>
+                  <a:cs typeface="Aharoni" panose="02010803020104030203" pitchFamily="2" charset="-79"/>
+                </a:rPr>
+                <a:t>Unknown</a:t>
               </a:r>
               <a:endParaRPr lang="es-ES" b="1" dirty="0" smtClean="0">
                 <a:solidFill>

--- a/memoria/images/Presentación1.pptx
+++ b/memoria/images/Presentación1.pptx
@@ -27,6 +27,7 @@
     <p:sldId id="276" r:id="rId21"/>
     <p:sldId id="277" r:id="rId22"/>
     <p:sldId id="275" r:id="rId23"/>
+    <p:sldId id="278" r:id="rId24"/>
   </p:sldIdLst>
   <p:sldSz cx="12192000" cy="6858000"/>
   <p:notesSz cx="6858000" cy="9144000"/>
@@ -276,7 +277,7 @@
           <a:p>
             <a:fld id="{9C28449B-7E7F-4B22-B31C-7455ACE0523B}" type="datetimeFigureOut">
               <a:rPr lang="es-ES" smtClean="0"/>
-              <a:t>27/12/2017</a:t>
+              <a:t>28/12/2017</a:t>
             </a:fld>
             <a:endParaRPr lang="es-ES"/>
           </a:p>
@@ -446,7 +447,7 @@
           <a:p>
             <a:fld id="{9C28449B-7E7F-4B22-B31C-7455ACE0523B}" type="datetimeFigureOut">
               <a:rPr lang="es-ES" smtClean="0"/>
-              <a:t>27/12/2017</a:t>
+              <a:t>28/12/2017</a:t>
             </a:fld>
             <a:endParaRPr lang="es-ES"/>
           </a:p>
@@ -626,7 +627,7 @@
           <a:p>
             <a:fld id="{9C28449B-7E7F-4B22-B31C-7455ACE0523B}" type="datetimeFigureOut">
               <a:rPr lang="es-ES" smtClean="0"/>
-              <a:t>27/12/2017</a:t>
+              <a:t>28/12/2017</a:t>
             </a:fld>
             <a:endParaRPr lang="es-ES"/>
           </a:p>
@@ -796,7 +797,7 @@
           <a:p>
             <a:fld id="{9C28449B-7E7F-4B22-B31C-7455ACE0523B}" type="datetimeFigureOut">
               <a:rPr lang="es-ES" smtClean="0"/>
-              <a:t>27/12/2017</a:t>
+              <a:t>28/12/2017</a:t>
             </a:fld>
             <a:endParaRPr lang="es-ES"/>
           </a:p>
@@ -1042,7 +1043,7 @@
           <a:p>
             <a:fld id="{9C28449B-7E7F-4B22-B31C-7455ACE0523B}" type="datetimeFigureOut">
               <a:rPr lang="es-ES" smtClean="0"/>
-              <a:t>27/12/2017</a:t>
+              <a:t>28/12/2017</a:t>
             </a:fld>
             <a:endParaRPr lang="es-ES"/>
           </a:p>
@@ -1274,7 +1275,7 @@
           <a:p>
             <a:fld id="{9C28449B-7E7F-4B22-B31C-7455ACE0523B}" type="datetimeFigureOut">
               <a:rPr lang="es-ES" smtClean="0"/>
-              <a:t>27/12/2017</a:t>
+              <a:t>28/12/2017</a:t>
             </a:fld>
             <a:endParaRPr lang="es-ES"/>
           </a:p>
@@ -1641,7 +1642,7 @@
           <a:p>
             <a:fld id="{9C28449B-7E7F-4B22-B31C-7455ACE0523B}" type="datetimeFigureOut">
               <a:rPr lang="es-ES" smtClean="0"/>
-              <a:t>27/12/2017</a:t>
+              <a:t>28/12/2017</a:t>
             </a:fld>
             <a:endParaRPr lang="es-ES"/>
           </a:p>
@@ -1759,7 +1760,7 @@
           <a:p>
             <a:fld id="{9C28449B-7E7F-4B22-B31C-7455ACE0523B}" type="datetimeFigureOut">
               <a:rPr lang="es-ES" smtClean="0"/>
-              <a:t>27/12/2017</a:t>
+              <a:t>28/12/2017</a:t>
             </a:fld>
             <a:endParaRPr lang="es-ES"/>
           </a:p>
@@ -1854,7 +1855,7 @@
           <a:p>
             <a:fld id="{9C28449B-7E7F-4B22-B31C-7455ACE0523B}" type="datetimeFigureOut">
               <a:rPr lang="es-ES" smtClean="0"/>
-              <a:t>27/12/2017</a:t>
+              <a:t>28/12/2017</a:t>
             </a:fld>
             <a:endParaRPr lang="es-ES"/>
           </a:p>
@@ -2131,7 +2132,7 @@
           <a:p>
             <a:fld id="{9C28449B-7E7F-4B22-B31C-7455ACE0523B}" type="datetimeFigureOut">
               <a:rPr lang="es-ES" smtClean="0"/>
-              <a:t>27/12/2017</a:t>
+              <a:t>28/12/2017</a:t>
             </a:fld>
             <a:endParaRPr lang="es-ES"/>
           </a:p>
@@ -2384,7 +2385,7 @@
           <a:p>
             <a:fld id="{9C28449B-7E7F-4B22-B31C-7455ACE0523B}" type="datetimeFigureOut">
               <a:rPr lang="es-ES" smtClean="0"/>
-              <a:t>27/12/2017</a:t>
+              <a:t>28/12/2017</a:t>
             </a:fld>
             <a:endParaRPr lang="es-ES"/>
           </a:p>
@@ -2597,7 +2598,7 @@
           <a:p>
             <a:fld id="{9C28449B-7E7F-4B22-B31C-7455ACE0523B}" type="datetimeFigureOut">
               <a:rPr lang="es-ES" smtClean="0"/>
-              <a:t>27/12/2017</a:t>
+              <a:t>28/12/2017</a:t>
             </a:fld>
             <a:endParaRPr lang="es-ES"/>
           </a:p>
@@ -16520,20 +16521,7 @@
                   <a:latin typeface="+mj-lt"/>
                   <a:cs typeface="Aharoni" panose="02010803020104030203" pitchFamily="2" charset="-79"/>
                 </a:rPr>
-                <a:t> </a:t>
-              </a:r>
-              <a:r>
-                <a:rPr lang="es-ES" sz="1400" b="1" dirty="0" smtClean="0">
-                  <a:solidFill>
-                    <a:schemeClr val="tx1">
-                      <a:lumMod val="50000"/>
-                      <a:lumOff val="50000"/>
-                    </a:schemeClr>
-                  </a:solidFill>
-                  <a:latin typeface="+mj-lt"/>
-                  <a:cs typeface="Aharoni" panose="02010803020104030203" pitchFamily="2" charset="-79"/>
-                </a:rPr>
-                <a:t>$</a:t>
+                <a:t> $</a:t>
               </a:r>
               <a:r>
                 <a:rPr lang="es-ES" sz="1600" dirty="0" err="1">
@@ -17923,20 +17911,7 @@
                   <a:latin typeface="+mj-lt"/>
                   <a:cs typeface="Aharoni" panose="02010803020104030203" pitchFamily="2" charset="-79"/>
                 </a:rPr>
-                <a:t>y</a:t>
-              </a:r>
-              <a:r>
-                <a:rPr lang="es-ES" sz="1600" dirty="0" err="1">
-                  <a:solidFill>
-                    <a:schemeClr val="tx1">
-                      <a:lumMod val="50000"/>
-                      <a:lumOff val="50000"/>
-                    </a:schemeClr>
-                  </a:solidFill>
-                  <a:latin typeface="+mj-lt"/>
-                  <a:cs typeface="Aharoni" panose="02010803020104030203" pitchFamily="2" charset="-79"/>
-                </a:rPr>
-                <a:t>um_sugest</a:t>
+                <a:t>yum_sugest</a:t>
               </a:r>
               <a:r>
                 <a:rPr lang="es-ES" sz="1600" dirty="0">
@@ -17951,16 +17926,6 @@
                 </a:rPr>
                 <a:t> =TRUE</a:t>
               </a:r>
-              <a:endParaRPr lang="es-ES" sz="1600" dirty="0">
-                <a:solidFill>
-                  <a:schemeClr val="tx1">
-                    <a:lumMod val="50000"/>
-                    <a:lumOff val="50000"/>
-                  </a:schemeClr>
-                </a:solidFill>
-                <a:latin typeface="+mj-lt"/>
-                <a:cs typeface="Aharoni" panose="02010803020104030203" pitchFamily="2" charset="-79"/>
-              </a:endParaRPr>
             </a:p>
           </p:txBody>
         </p:sp>
@@ -18213,16 +18178,6 @@
                 </a:rPr>
                 <a:t>= True</a:t>
               </a:r>
-              <a:endParaRPr lang="es-ES" sz="1600" dirty="0">
-                <a:solidFill>
-                  <a:schemeClr val="tx1">
-                    <a:lumMod val="50000"/>
-                    <a:lumOff val="50000"/>
-                  </a:schemeClr>
-                </a:solidFill>
-                <a:latin typeface="+mj-lt"/>
-                <a:cs typeface="Aharoni" panose="02010803020104030203" pitchFamily="2" charset="-79"/>
-              </a:endParaRPr>
             </a:p>
           </p:txBody>
         </p:sp>
@@ -24143,29 +24098,8 @@
                   </a:solidFill>
                   <a:latin typeface="Arial Rounded MT Bold" panose="020F0704030504030204" pitchFamily="34" charset="0"/>
                 </a:rPr>
-                <a:t>$</a:t>
+                <a:t>$IMAGE_RECIPE</a:t>
               </a:r>
-              <a:r>
-                <a:rPr lang="es-ES" sz="1200" dirty="0" smtClean="0">
-                  <a:solidFill>
-                    <a:schemeClr val="tx1">
-                      <a:lumMod val="75000"/>
-                      <a:lumOff val="25000"/>
-                    </a:schemeClr>
-                  </a:solidFill>
-                  <a:latin typeface="Arial Rounded MT Bold" panose="020F0704030504030204" pitchFamily="34" charset="0"/>
-                </a:rPr>
-                <a:t>IMAGE_RECIPE</a:t>
-              </a:r>
-              <a:endParaRPr lang="es-ES" sz="1200" dirty="0" smtClean="0">
-                <a:solidFill>
-                  <a:schemeClr val="tx1">
-                    <a:lumMod val="75000"/>
-                    <a:lumOff val="25000"/>
-                  </a:schemeClr>
-                </a:solidFill>
-                <a:latin typeface="Arial Rounded MT Bold" panose="020F0704030504030204" pitchFamily="34" charset="0"/>
-              </a:endParaRPr>
             </a:p>
           </p:txBody>
         </p:sp>
@@ -24618,17 +24552,7 @@
                   <a:latin typeface="+mj-lt"/>
                   <a:cs typeface="Aharoni" panose="02010803020104030203" pitchFamily="2" charset="-79"/>
                 </a:rPr>
-                <a:t> </a:t>
-              </a:r>
-              <a:r>
-                <a:rPr lang="es-ES" b="1" dirty="0" smtClean="0">
-                  <a:solidFill>
-                    <a:srgbClr val="FF3300"/>
-                  </a:solidFill>
-                  <a:latin typeface="+mj-lt"/>
-                  <a:cs typeface="Aharoni" panose="02010803020104030203" pitchFamily="2" charset="-79"/>
-                </a:rPr>
-                <a:t>/ </a:t>
+                <a:t> / </a:t>
               </a:r>
               <a:r>
                 <a:rPr lang="es-ES" b="1" dirty="0" err="1" smtClean="0">
@@ -26454,33 +26378,7 @@
                   <a:latin typeface="+mj-lt"/>
                   <a:cs typeface="Aharoni" panose="02010803020104030203" pitchFamily="2" charset="-79"/>
                 </a:rPr>
-                <a:t> = </a:t>
-              </a:r>
-              <a:r>
-                <a:rPr lang="es-ES" sz="1600" dirty="0">
-                  <a:solidFill>
-                    <a:schemeClr val="tx1">
-                      <a:lumMod val="50000"/>
-                      <a:lumOff val="50000"/>
-                    </a:schemeClr>
-                  </a:solidFill>
-                  <a:latin typeface="+mj-lt"/>
-                  <a:cs typeface="Aharoni" panose="02010803020104030203" pitchFamily="2" charset="-79"/>
-                </a:rPr>
-                <a:t>F</a:t>
-              </a:r>
-              <a:r>
-                <a:rPr lang="es-ES" sz="1600" dirty="0">
-                  <a:solidFill>
-                    <a:schemeClr val="tx1">
-                      <a:lumMod val="50000"/>
-                      <a:lumOff val="50000"/>
-                    </a:schemeClr>
-                  </a:solidFill>
-                  <a:latin typeface="+mj-lt"/>
-                  <a:cs typeface="Aharoni" panose="02010803020104030203" pitchFamily="2" charset="-79"/>
-                </a:rPr>
-                <a:t>alse</a:t>
+                <a:t> = False</a:t>
               </a:r>
             </a:p>
             <a:p>
@@ -26669,16 +26567,6 @@
                 </a:rPr>
                 <a:t>= 0</a:t>
               </a:r>
-              <a:endParaRPr lang="es-ES" sz="1600" dirty="0">
-                <a:solidFill>
-                  <a:schemeClr val="tx1">
-                    <a:lumMod val="50000"/>
-                    <a:lumOff val="50000"/>
-                  </a:schemeClr>
-                </a:solidFill>
-                <a:latin typeface="+mj-lt"/>
-                <a:cs typeface="Aharoni" panose="02010803020104030203" pitchFamily="2" charset="-79"/>
-              </a:endParaRPr>
             </a:p>
           </p:txBody>
         </p:sp>
@@ -28101,20 +27989,7 @@
                   <a:latin typeface="+mj-lt"/>
                   <a:cs typeface="Aharoni" panose="02010803020104030203" pitchFamily="2" charset="-79"/>
                 </a:rPr>
-                <a:t> </a:t>
-              </a:r>
-              <a:r>
-                <a:rPr lang="es-ES" sz="1400" b="1" dirty="0" smtClean="0">
-                  <a:solidFill>
-                    <a:schemeClr val="tx1">
-                      <a:lumMod val="50000"/>
-                      <a:lumOff val="50000"/>
-                    </a:schemeClr>
-                  </a:solidFill>
-                  <a:latin typeface="+mj-lt"/>
-                  <a:cs typeface="Aharoni" panose="02010803020104030203" pitchFamily="2" charset="-79"/>
-                </a:rPr>
-                <a:t>$</a:t>
+                <a:t> $</a:t>
               </a:r>
               <a:r>
                 <a:rPr lang="es-ES" sz="1600" dirty="0" err="1">
@@ -28227,15 +28102,6 @@
                 </a:rPr>
                 <a:t>TYPE</a:t>
               </a:r>
-              <a:endParaRPr lang="es-ES" sz="1200" dirty="0">
-                <a:solidFill>
-                  <a:schemeClr val="tx1">
-                    <a:lumMod val="75000"/>
-                    <a:lumOff val="25000"/>
-                  </a:schemeClr>
-                </a:solidFill>
-                <a:latin typeface="Arial Rounded MT Bold" panose="020F0704030504030204" pitchFamily="34" charset="0"/>
-              </a:endParaRPr>
             </a:p>
           </p:txBody>
         </p:sp>
@@ -29060,7 +28926,7 @@
                   <a:latin typeface="+mj-lt"/>
                   <a:cs typeface="Aharoni" panose="02010803020104030203" pitchFamily="2" charset="-79"/>
                 </a:rPr>
-                <a:t>sugest_dish</a:t>
+                <a:t>suggest_dish</a:t>
               </a:r>
               <a:r>
                 <a:rPr lang="es-ES" sz="1600" dirty="0" smtClean="0">
@@ -29073,7 +28939,20 @@
                   <a:latin typeface="+mj-lt"/>
                   <a:cs typeface="Aharoni" panose="02010803020104030203" pitchFamily="2" charset="-79"/>
                 </a:rPr>
-                <a:t> = False</a:t>
+                <a:t> </a:t>
+              </a:r>
+              <a:r>
+                <a:rPr lang="es-ES" sz="1600" dirty="0" smtClean="0">
+                  <a:solidFill>
+                    <a:schemeClr val="tx1">
+                      <a:lumMod val="50000"/>
+                      <a:lumOff val="50000"/>
+                    </a:schemeClr>
+                  </a:solidFill>
+                  <a:latin typeface="+mj-lt"/>
+                  <a:cs typeface="Aharoni" panose="02010803020104030203" pitchFamily="2" charset="-79"/>
+                </a:rPr>
+                <a:t>= False</a:t>
               </a:r>
               <a:endParaRPr lang="es-ES" sz="1600" dirty="0">
                 <a:solidFill>
@@ -29530,20 +29409,7 @@
                   <a:latin typeface="+mj-lt"/>
                   <a:cs typeface="Aharoni" panose="02010803020104030203" pitchFamily="2" charset="-79"/>
                 </a:rPr>
-                <a:t>y</a:t>
-              </a:r>
-              <a:r>
-                <a:rPr lang="es-ES" sz="1600" dirty="0" err="1">
-                  <a:solidFill>
-                    <a:schemeClr val="tx1">
-                      <a:lumMod val="50000"/>
-                      <a:lumOff val="50000"/>
-                    </a:schemeClr>
-                  </a:solidFill>
-                  <a:latin typeface="+mj-lt"/>
-                  <a:cs typeface="Aharoni" panose="02010803020104030203" pitchFamily="2" charset="-79"/>
-                </a:rPr>
-                <a:t>um_sugest</a:t>
+                <a:t>yum_sugest</a:t>
               </a:r>
               <a:r>
                 <a:rPr lang="es-ES" sz="1600" dirty="0">
@@ -29625,17 +29491,7 @@
                   <a:latin typeface="+mj-lt"/>
                   <a:cs typeface="Aharoni" panose="02010803020104030203" pitchFamily="2" charset="-79"/>
                 </a:rPr>
-                <a:t> </a:t>
-              </a:r>
-              <a:r>
-                <a:rPr lang="es-ES" b="1" dirty="0" smtClean="0">
-                  <a:solidFill>
-                    <a:srgbClr val="FF3300"/>
-                  </a:solidFill>
-                  <a:latin typeface="+mj-lt"/>
-                  <a:cs typeface="Aharoni" panose="02010803020104030203" pitchFamily="2" charset="-79"/>
-                </a:rPr>
-                <a:t>/ </a:t>
+                <a:t> / </a:t>
               </a:r>
               <a:r>
                 <a:rPr lang="es-ES" b="1" dirty="0" err="1" smtClean="0">
@@ -29760,7 +29616,7 @@
           <p:spPr>
             <a:xfrm>
               <a:off x="9858878" y="3231698"/>
-              <a:ext cx="1819344" cy="584775"/>
+              <a:ext cx="1917513" cy="584775"/>
             </a:xfrm>
             <a:prstGeom prst="rect">
               <a:avLst/>
@@ -29835,7 +29691,7 @@
                   <a:latin typeface="+mj-lt"/>
                   <a:cs typeface="Aharoni" panose="02010803020104030203" pitchFamily="2" charset="-79"/>
                 </a:rPr>
-                <a:t>sugest_dish</a:t>
+                <a:t>suggest_dish</a:t>
               </a:r>
               <a:r>
                 <a:rPr lang="es-ES" sz="1600" dirty="0" smtClean="0">
@@ -29863,16 +29719,6 @@
                 </a:rPr>
                 <a:t>= True</a:t>
               </a:r>
-              <a:endParaRPr lang="es-ES" sz="1600" dirty="0">
-                <a:solidFill>
-                  <a:schemeClr val="tx1">
-                    <a:lumMod val="50000"/>
-                    <a:lumOff val="50000"/>
-                  </a:schemeClr>
-                </a:solidFill>
-                <a:latin typeface="+mj-lt"/>
-                <a:cs typeface="Aharoni" panose="02010803020104030203" pitchFamily="2" charset="-79"/>
-              </a:endParaRPr>
             </a:p>
           </p:txBody>
         </p:sp>
@@ -30437,15 +30283,6 @@
                 </a:rPr>
                 <a:t>TIME</a:t>
               </a:r>
-              <a:endParaRPr lang="es-ES" sz="1200" dirty="0" smtClean="0">
-                <a:solidFill>
-                  <a:schemeClr val="tx1">
-                    <a:lumMod val="75000"/>
-                    <a:lumOff val="25000"/>
-                  </a:schemeClr>
-                </a:solidFill>
-                <a:latin typeface="Arial Rounded MT Bold" panose="020F0704030504030204" pitchFamily="34" charset="0"/>
-              </a:endParaRPr>
             </a:p>
           </p:txBody>
         </p:sp>
@@ -30521,13 +30358,6 @@
                 </a:rPr>
                 <a:t>Positive</a:t>
               </a:r>
-              <a:endParaRPr lang="es-ES" b="1" dirty="0" smtClean="0">
-                <a:solidFill>
-                  <a:srgbClr val="FF3300"/>
-                </a:solidFill>
-                <a:latin typeface="+mj-lt"/>
-                <a:cs typeface="Aharoni" panose="02010803020104030203" pitchFamily="2" charset="-79"/>
-              </a:endParaRPr>
             </a:p>
           </p:txBody>
         </p:sp>
@@ -30750,20 +30580,7 @@
                   <a:latin typeface="+mj-lt"/>
                   <a:cs typeface="Aharoni" panose="02010803020104030203" pitchFamily="2" charset="-79"/>
                 </a:rPr>
-                <a:t>y</a:t>
-              </a:r>
-              <a:r>
-                <a:rPr lang="es-ES" sz="1600" dirty="0" err="1">
-                  <a:solidFill>
-                    <a:schemeClr val="tx1">
-                      <a:lumMod val="50000"/>
-                      <a:lumOff val="50000"/>
-                    </a:schemeClr>
-                  </a:solidFill>
-                  <a:latin typeface="+mj-lt"/>
-                  <a:cs typeface="Aharoni" panose="02010803020104030203" pitchFamily="2" charset="-79"/>
-                </a:rPr>
-                <a:t>um_sugest</a:t>
+                <a:t>yum_sugest</a:t>
               </a:r>
               <a:r>
                 <a:rPr lang="es-ES" sz="1600" dirty="0">
@@ -30809,6 +30626,59 @@
     <p:extLst>
       <p:ext uri="{BB962C8B-B14F-4D97-AF65-F5344CB8AC3E}">
         <p14:creationId xmlns:p14="http://schemas.microsoft.com/office/powerpoint/2010/main" val="1009782372"/>
+      </p:ext>
+    </p:extLst>
+  </p:cSld>
+  <p:clrMapOvr>
+    <a:masterClrMapping/>
+  </p:clrMapOvr>
+</p:sld>
+</file>
+
+<file path=ppt/slides/slide23.xml><?xml version="1.0" encoding="utf-8"?>
+<p:sld xmlns:a="http://schemas.openxmlformats.org/drawingml/2006/main" xmlns:r="http://schemas.openxmlformats.org/officeDocument/2006/relationships" xmlns:p="http://schemas.openxmlformats.org/presentationml/2006/main">
+  <p:cSld>
+    <p:spTree>
+      <p:nvGrpSpPr>
+        <p:cNvPr id="1" name=""/>
+        <p:cNvGrpSpPr/>
+        <p:nvPr/>
+      </p:nvGrpSpPr>
+      <p:grpSpPr>
+        <a:xfrm>
+          <a:off x="0" y="0"/>
+          <a:ext cx="0" cy="0"/>
+          <a:chOff x="0" y="0"/>
+          <a:chExt cx="0" cy="0"/>
+        </a:xfrm>
+      </p:grpSpPr>
+      <p:pic>
+        <p:nvPicPr>
+          <p:cNvPr id="2" name="Imagen 1"/>
+          <p:cNvPicPr>
+            <a:picLocks noChangeAspect="1"/>
+          </p:cNvPicPr>
+          <p:nvPr/>
+        </p:nvPicPr>
+        <p:blipFill rotWithShape="1">
+          <a:blip r:embed="rId2"/>
+          <a:srcRect l="75156" t="15278" r="1250" b="10139"/>
+          <a:stretch/>
+        </p:blipFill>
+        <p:spPr>
+          <a:xfrm>
+            <a:off x="3200400" y="118274"/>
+            <a:ext cx="3581400" cy="6368251"/>
+          </a:xfrm>
+          <a:prstGeom prst="rect">
+            <a:avLst/>
+          </a:prstGeom>
+        </p:spPr>
+      </p:pic>
+    </p:spTree>
+    <p:extLst>
+      <p:ext uri="{BB962C8B-B14F-4D97-AF65-F5344CB8AC3E}">
+        <p14:creationId xmlns:p14="http://schemas.microsoft.com/office/powerpoint/2010/main" val="3224245191"/>
       </p:ext>
     </p:extLst>
   </p:cSld>

--- a/memoria/images/Presentación1.pptx
+++ b/memoria/images/Presentación1.pptx
@@ -28,6 +28,10 @@
     <p:sldId id="277" r:id="rId22"/>
     <p:sldId id="275" r:id="rId23"/>
     <p:sldId id="278" r:id="rId24"/>
+    <p:sldId id="279" r:id="rId25"/>
+    <p:sldId id="280" r:id="rId26"/>
+    <p:sldId id="281" r:id="rId27"/>
+    <p:sldId id="282" r:id="rId28"/>
   </p:sldIdLst>
   <p:sldSz cx="12192000" cy="6858000"/>
   <p:notesSz cx="6858000" cy="9144000"/>
@@ -277,7 +281,7 @@
           <a:p>
             <a:fld id="{9C28449B-7E7F-4B22-B31C-7455ACE0523B}" type="datetimeFigureOut">
               <a:rPr lang="es-ES" smtClean="0"/>
-              <a:t>28/12/2017</a:t>
+              <a:t>06/01/2018</a:t>
             </a:fld>
             <a:endParaRPr lang="es-ES"/>
           </a:p>
@@ -447,7 +451,7 @@
           <a:p>
             <a:fld id="{9C28449B-7E7F-4B22-B31C-7455ACE0523B}" type="datetimeFigureOut">
               <a:rPr lang="es-ES" smtClean="0"/>
-              <a:t>28/12/2017</a:t>
+              <a:t>06/01/2018</a:t>
             </a:fld>
             <a:endParaRPr lang="es-ES"/>
           </a:p>
@@ -627,7 +631,7 @@
           <a:p>
             <a:fld id="{9C28449B-7E7F-4B22-B31C-7455ACE0523B}" type="datetimeFigureOut">
               <a:rPr lang="es-ES" smtClean="0"/>
-              <a:t>28/12/2017</a:t>
+              <a:t>06/01/2018</a:t>
             </a:fld>
             <a:endParaRPr lang="es-ES"/>
           </a:p>
@@ -797,7 +801,7 @@
           <a:p>
             <a:fld id="{9C28449B-7E7F-4B22-B31C-7455ACE0523B}" type="datetimeFigureOut">
               <a:rPr lang="es-ES" smtClean="0"/>
-              <a:t>28/12/2017</a:t>
+              <a:t>06/01/2018</a:t>
             </a:fld>
             <a:endParaRPr lang="es-ES"/>
           </a:p>
@@ -1043,7 +1047,7 @@
           <a:p>
             <a:fld id="{9C28449B-7E7F-4B22-B31C-7455ACE0523B}" type="datetimeFigureOut">
               <a:rPr lang="es-ES" smtClean="0"/>
-              <a:t>28/12/2017</a:t>
+              <a:t>06/01/2018</a:t>
             </a:fld>
             <a:endParaRPr lang="es-ES"/>
           </a:p>
@@ -1275,7 +1279,7 @@
           <a:p>
             <a:fld id="{9C28449B-7E7F-4B22-B31C-7455ACE0523B}" type="datetimeFigureOut">
               <a:rPr lang="es-ES" smtClean="0"/>
-              <a:t>28/12/2017</a:t>
+              <a:t>06/01/2018</a:t>
             </a:fld>
             <a:endParaRPr lang="es-ES"/>
           </a:p>
@@ -1642,7 +1646,7 @@
           <a:p>
             <a:fld id="{9C28449B-7E7F-4B22-B31C-7455ACE0523B}" type="datetimeFigureOut">
               <a:rPr lang="es-ES" smtClean="0"/>
-              <a:t>28/12/2017</a:t>
+              <a:t>06/01/2018</a:t>
             </a:fld>
             <a:endParaRPr lang="es-ES"/>
           </a:p>
@@ -1760,7 +1764,7 @@
           <a:p>
             <a:fld id="{9C28449B-7E7F-4B22-B31C-7455ACE0523B}" type="datetimeFigureOut">
               <a:rPr lang="es-ES" smtClean="0"/>
-              <a:t>28/12/2017</a:t>
+              <a:t>06/01/2018</a:t>
             </a:fld>
             <a:endParaRPr lang="es-ES"/>
           </a:p>
@@ -1855,7 +1859,7 @@
           <a:p>
             <a:fld id="{9C28449B-7E7F-4B22-B31C-7455ACE0523B}" type="datetimeFigureOut">
               <a:rPr lang="es-ES" smtClean="0"/>
-              <a:t>28/12/2017</a:t>
+              <a:t>06/01/2018</a:t>
             </a:fld>
             <a:endParaRPr lang="es-ES"/>
           </a:p>
@@ -2132,7 +2136,7 @@
           <a:p>
             <a:fld id="{9C28449B-7E7F-4B22-B31C-7455ACE0523B}" type="datetimeFigureOut">
               <a:rPr lang="es-ES" smtClean="0"/>
-              <a:t>28/12/2017</a:t>
+              <a:t>06/01/2018</a:t>
             </a:fld>
             <a:endParaRPr lang="es-ES"/>
           </a:p>
@@ -2385,7 +2389,7 @@
           <a:p>
             <a:fld id="{9C28449B-7E7F-4B22-B31C-7455ACE0523B}" type="datetimeFigureOut">
               <a:rPr lang="es-ES" smtClean="0"/>
-              <a:t>28/12/2017</a:t>
+              <a:t>06/01/2018</a:t>
             </a:fld>
             <a:endParaRPr lang="es-ES"/>
           </a:p>
@@ -2598,7 +2602,7 @@
           <a:p>
             <a:fld id="{9C28449B-7E7F-4B22-B31C-7455ACE0523B}" type="datetimeFigureOut">
               <a:rPr lang="es-ES" smtClean="0"/>
-              <a:t>28/12/2017</a:t>
+              <a:t>06/01/2018</a:t>
             </a:fld>
             <a:endParaRPr lang="es-ES"/>
           </a:p>
@@ -28939,20 +28943,7 @@
                   <a:latin typeface="+mj-lt"/>
                   <a:cs typeface="Aharoni" panose="02010803020104030203" pitchFamily="2" charset="-79"/>
                 </a:rPr>
-                <a:t> </a:t>
-              </a:r>
-              <a:r>
-                <a:rPr lang="es-ES" sz="1600" dirty="0" smtClean="0">
-                  <a:solidFill>
-                    <a:schemeClr val="tx1">
-                      <a:lumMod val="50000"/>
-                      <a:lumOff val="50000"/>
-                    </a:schemeClr>
-                  </a:solidFill>
-                  <a:latin typeface="+mj-lt"/>
-                  <a:cs typeface="Aharoni" panose="02010803020104030203" pitchFamily="2" charset="-79"/>
-                </a:rPr>
-                <a:t>= False</a:t>
+                <a:t> = False</a:t>
               </a:r>
               <a:endParaRPr lang="es-ES" sz="1600" dirty="0">
                 <a:solidFill>
@@ -30667,8 +30658,153 @@
         </p:blipFill>
         <p:spPr>
           <a:xfrm>
-            <a:off x="3200400" y="118274"/>
+            <a:off x="8036011" y="233604"/>
             <a:ext cx="3581400" cy="6368251"/>
+          </a:xfrm>
+          <a:prstGeom prst="rect">
+            <a:avLst/>
+          </a:prstGeom>
+        </p:spPr>
+      </p:pic>
+      <p:grpSp>
+        <p:nvGrpSpPr>
+          <p:cNvPr id="5" name="Grupo 4"/>
+          <p:cNvGrpSpPr/>
+          <p:nvPr/>
+        </p:nvGrpSpPr>
+        <p:grpSpPr>
+          <a:xfrm>
+            <a:off x="873537" y="1304658"/>
+            <a:ext cx="3810000" cy="3810000"/>
+            <a:chOff x="121507" y="1219200"/>
+            <a:chExt cx="3810000" cy="3810000"/>
+          </a:xfrm>
+        </p:grpSpPr>
+        <p:pic>
+          <p:nvPicPr>
+            <p:cNvPr id="3" name="Imagen 2"/>
+            <p:cNvPicPr>
+              <a:picLocks noChangeAspect="1"/>
+            </p:cNvPicPr>
+            <p:nvPr/>
+          </p:nvPicPr>
+          <p:blipFill>
+            <a:blip r:embed="rId3">
+              <a:extLst>
+                <a:ext uri="{28A0092B-C50C-407E-A947-70E740481C1C}">
+                  <a14:useLocalDpi xmlns:a14="http://schemas.microsoft.com/office/drawing/2010/main" val="0"/>
+                </a:ext>
+              </a:extLst>
+            </a:blip>
+            <a:stretch>
+              <a:fillRect/>
+            </a:stretch>
+          </p:blipFill>
+          <p:spPr>
+            <a:xfrm>
+              <a:off x="121507" y="1219200"/>
+              <a:ext cx="3810000" cy="3810000"/>
+            </a:xfrm>
+            <a:prstGeom prst="ellipse">
+              <a:avLst/>
+            </a:prstGeom>
+          </p:spPr>
+        </p:pic>
+        <p:sp>
+          <p:nvSpPr>
+            <p:cNvPr id="4" name="Elipse 3"/>
+            <p:cNvSpPr/>
+            <p:nvPr/>
+          </p:nvSpPr>
+          <p:spPr>
+            <a:xfrm>
+              <a:off x="121508" y="1219200"/>
+              <a:ext cx="3809999" cy="3810000"/>
+            </a:xfrm>
+            <a:prstGeom prst="ellipse">
+              <a:avLst/>
+            </a:prstGeom>
+            <a:noFill/>
+            <a:ln w="76200">
+              <a:solidFill>
+                <a:srgbClr val="46DACC"/>
+              </a:solidFill>
+            </a:ln>
+          </p:spPr>
+          <p:style>
+            <a:lnRef idx="2">
+              <a:schemeClr val="accent1">
+                <a:shade val="50000"/>
+              </a:schemeClr>
+            </a:lnRef>
+            <a:fillRef idx="1">
+              <a:schemeClr val="accent1"/>
+            </a:fillRef>
+            <a:effectRef idx="0">
+              <a:schemeClr val="accent1"/>
+            </a:effectRef>
+            <a:fontRef idx="minor">
+              <a:schemeClr val="lt1"/>
+            </a:fontRef>
+          </p:style>
+          <p:txBody>
+            <a:bodyPr rtlCol="0" anchor="ctr"/>
+            <a:lstStyle/>
+            <a:p>
+              <a:pPr algn="ctr"/>
+              <a:endParaRPr lang="es-ES"/>
+            </a:p>
+          </p:txBody>
+        </p:sp>
+      </p:grpSp>
+    </p:spTree>
+    <p:extLst>
+      <p:ext uri="{BB962C8B-B14F-4D97-AF65-F5344CB8AC3E}">
+        <p14:creationId xmlns:p14="http://schemas.microsoft.com/office/powerpoint/2010/main" val="3224245191"/>
+      </p:ext>
+    </p:extLst>
+  </p:cSld>
+  <p:clrMapOvr>
+    <a:masterClrMapping/>
+  </p:clrMapOvr>
+</p:sld>
+</file>
+
+<file path=ppt/slides/slide24.xml><?xml version="1.0" encoding="utf-8"?>
+<p:sld xmlns:a="http://schemas.openxmlformats.org/drawingml/2006/main" xmlns:r="http://schemas.openxmlformats.org/officeDocument/2006/relationships" xmlns:p="http://schemas.openxmlformats.org/presentationml/2006/main">
+  <p:cSld>
+    <p:spTree>
+      <p:nvGrpSpPr>
+        <p:cNvPr id="1" name=""/>
+        <p:cNvGrpSpPr/>
+        <p:nvPr/>
+      </p:nvGrpSpPr>
+      <p:grpSpPr>
+        <a:xfrm>
+          <a:off x="0" y="0"/>
+          <a:ext cx="0" cy="0"/>
+          <a:chOff x="0" y="0"/>
+          <a:chExt cx="0" cy="0"/>
+        </a:xfrm>
+      </p:grpSpPr>
+      <p:pic>
+        <p:nvPicPr>
+          <p:cNvPr id="6" name="Imagen 5"/>
+          <p:cNvPicPr>
+            <a:picLocks noChangeAspect="1"/>
+          </p:cNvPicPr>
+          <p:nvPr/>
+        </p:nvPicPr>
+        <p:blipFill>
+          <a:blip r:embed="rId2"/>
+          <a:stretch>
+            <a:fillRect/>
+          </a:stretch>
+        </p:blipFill>
+        <p:spPr>
+          <a:xfrm>
+            <a:off x="1609033" y="583776"/>
+            <a:ext cx="10260169" cy="5768528"/>
           </a:xfrm>
           <a:prstGeom prst="rect">
             <a:avLst/>
@@ -30678,7 +30814,3582 @@
     </p:spTree>
     <p:extLst>
       <p:ext uri="{BB962C8B-B14F-4D97-AF65-F5344CB8AC3E}">
-        <p14:creationId xmlns:p14="http://schemas.microsoft.com/office/powerpoint/2010/main" val="3224245191"/>
+        <p14:creationId xmlns:p14="http://schemas.microsoft.com/office/powerpoint/2010/main" val="1641879665"/>
+      </p:ext>
+    </p:extLst>
+  </p:cSld>
+  <p:clrMapOvr>
+    <a:masterClrMapping/>
+  </p:clrMapOvr>
+</p:sld>
+</file>
+
+<file path=ppt/slides/slide25.xml><?xml version="1.0" encoding="utf-8"?>
+<p:sld xmlns:a="http://schemas.openxmlformats.org/drawingml/2006/main" xmlns:r="http://schemas.openxmlformats.org/officeDocument/2006/relationships" xmlns:p="http://schemas.openxmlformats.org/presentationml/2006/main">
+  <p:cSld>
+    <p:spTree>
+      <p:nvGrpSpPr>
+        <p:cNvPr id="1" name=""/>
+        <p:cNvGrpSpPr/>
+        <p:nvPr/>
+      </p:nvGrpSpPr>
+      <p:grpSpPr>
+        <a:xfrm>
+          <a:off x="0" y="0"/>
+          <a:ext cx="0" cy="0"/>
+          <a:chOff x="0" y="0"/>
+          <a:chExt cx="0" cy="0"/>
+        </a:xfrm>
+      </p:grpSpPr>
+      <p:sp>
+        <p:nvSpPr>
+          <p:cNvPr id="2" name="CuadroTexto 1"/>
+          <p:cNvSpPr txBox="1"/>
+          <p:nvPr/>
+        </p:nvSpPr>
+        <p:spPr>
+          <a:xfrm>
+            <a:off x="2406528" y="766070"/>
+            <a:ext cx="8076313" cy="5201424"/>
+          </a:xfrm>
+          <a:prstGeom prst="rect">
+            <a:avLst/>
+          </a:prstGeom>
+          <a:noFill/>
+        </p:spPr>
+        <p:txBody>
+          <a:bodyPr wrap="none" rtlCol="0">
+            <a:spAutoFit/>
+          </a:bodyPr>
+          <a:lstStyle/>
+          <a:p>
+            <a:r>
+              <a:rPr lang="es-ES" sz="16600" b="1" dirty="0" smtClean="0">
+                <a:solidFill>
+                  <a:srgbClr val="FF0000"/>
+                </a:solidFill>
+              </a:rPr>
+              <a:t>ULTIMA</a:t>
+            </a:r>
+          </a:p>
+          <a:p>
+            <a:r>
+              <a:rPr lang="es-ES" sz="16600" b="1" dirty="0" smtClean="0">
+                <a:solidFill>
+                  <a:srgbClr val="FF0000"/>
+                </a:solidFill>
+              </a:rPr>
+              <a:t>VERSIÓN</a:t>
+            </a:r>
+            <a:endParaRPr lang="es-ES" sz="16600" b="1" dirty="0">
+              <a:solidFill>
+                <a:srgbClr val="FF0000"/>
+              </a:solidFill>
+            </a:endParaRPr>
+          </a:p>
+        </p:txBody>
+      </p:sp>
+    </p:spTree>
+    <p:extLst>
+      <p:ext uri="{BB962C8B-B14F-4D97-AF65-F5344CB8AC3E}">
+        <p14:creationId xmlns:p14="http://schemas.microsoft.com/office/powerpoint/2010/main" val="305695645"/>
+      </p:ext>
+    </p:extLst>
+  </p:cSld>
+  <p:clrMapOvr>
+    <a:masterClrMapping/>
+  </p:clrMapOvr>
+</p:sld>
+</file>
+
+<file path=ppt/slides/slide26.xml><?xml version="1.0" encoding="utf-8"?>
+<p:sld xmlns:a="http://schemas.openxmlformats.org/drawingml/2006/main" xmlns:r="http://schemas.openxmlformats.org/officeDocument/2006/relationships" xmlns:p="http://schemas.openxmlformats.org/presentationml/2006/main">
+  <p:cSld>
+    <p:spTree>
+      <p:nvGrpSpPr>
+        <p:cNvPr id="1" name=""/>
+        <p:cNvGrpSpPr/>
+        <p:nvPr/>
+      </p:nvGrpSpPr>
+      <p:grpSpPr>
+        <a:xfrm>
+          <a:off x="0" y="0"/>
+          <a:ext cx="0" cy="0"/>
+          <a:chOff x="0" y="0"/>
+          <a:chExt cx="0" cy="0"/>
+        </a:xfrm>
+      </p:grpSpPr>
+      <p:grpSp>
+        <p:nvGrpSpPr>
+          <p:cNvPr id="97" name="Grupo 96"/>
+          <p:cNvGrpSpPr/>
+          <p:nvPr/>
+        </p:nvGrpSpPr>
+        <p:grpSpPr>
+          <a:xfrm>
+            <a:off x="-1925053" y="930442"/>
+            <a:ext cx="17357558" cy="7603958"/>
+            <a:chOff x="-1925053" y="930442"/>
+            <a:chExt cx="17357558" cy="7603958"/>
+          </a:xfrm>
+        </p:grpSpPr>
+        <p:grpSp>
+          <p:nvGrpSpPr>
+            <p:cNvPr id="89" name="Grupo 88"/>
+            <p:cNvGrpSpPr/>
+            <p:nvPr/>
+          </p:nvGrpSpPr>
+          <p:grpSpPr>
+            <a:xfrm>
+              <a:off x="-1925053" y="930442"/>
+              <a:ext cx="17357558" cy="7603958"/>
+              <a:chOff x="-1925053" y="930442"/>
+              <a:chExt cx="17357558" cy="7603958"/>
+            </a:xfrm>
+          </p:grpSpPr>
+          <p:sp>
+            <p:nvSpPr>
+              <p:cNvPr id="82" name="Rectángulo 81"/>
+              <p:cNvSpPr/>
+              <p:nvPr/>
+            </p:nvSpPr>
+            <p:spPr>
+              <a:xfrm>
+                <a:off x="-1925053" y="930442"/>
+                <a:ext cx="17357558" cy="7603958"/>
+              </a:xfrm>
+              <a:prstGeom prst="rect">
+                <a:avLst/>
+              </a:prstGeom>
+              <a:solidFill>
+                <a:schemeClr val="bg1"/>
+              </a:solidFill>
+              <a:ln>
+                <a:noFill/>
+              </a:ln>
+            </p:spPr>
+            <p:style>
+              <a:lnRef idx="2">
+                <a:schemeClr val="accent1">
+                  <a:shade val="50000"/>
+                </a:schemeClr>
+              </a:lnRef>
+              <a:fillRef idx="1">
+                <a:schemeClr val="accent1"/>
+              </a:fillRef>
+              <a:effectRef idx="0">
+                <a:schemeClr val="accent1"/>
+              </a:effectRef>
+              <a:fontRef idx="minor">
+                <a:schemeClr val="lt1"/>
+              </a:fontRef>
+            </p:style>
+            <p:txBody>
+              <a:bodyPr rtlCol="0" anchor="ctr"/>
+              <a:lstStyle/>
+              <a:p>
+                <a:pPr algn="ctr"/>
+                <a:endParaRPr lang="es-ES"/>
+              </a:p>
+            </p:txBody>
+          </p:sp>
+          <p:sp>
+            <p:nvSpPr>
+              <p:cNvPr id="5" name="Decisión 4"/>
+              <p:cNvSpPr/>
+              <p:nvPr/>
+            </p:nvSpPr>
+            <p:spPr>
+              <a:xfrm>
+                <a:off x="2293372" y="1724085"/>
+                <a:ext cx="2205200" cy="1581874"/>
+              </a:xfrm>
+              <a:prstGeom prst="flowChartDecision">
+                <a:avLst/>
+              </a:prstGeom>
+              <a:noFill/>
+              <a:ln w="38100">
+                <a:solidFill>
+                  <a:srgbClr val="46DACC"/>
+                </a:solidFill>
+                <a:prstDash val="sysDot"/>
+              </a:ln>
+            </p:spPr>
+            <p:style>
+              <a:lnRef idx="2">
+                <a:schemeClr val="accent1">
+                  <a:shade val="50000"/>
+                </a:schemeClr>
+              </a:lnRef>
+              <a:fillRef idx="1">
+                <a:schemeClr val="accent1"/>
+              </a:fillRef>
+              <a:effectRef idx="0">
+                <a:schemeClr val="accent1"/>
+              </a:effectRef>
+              <a:fontRef idx="minor">
+                <a:schemeClr val="lt1"/>
+              </a:fontRef>
+            </p:style>
+            <p:txBody>
+              <a:bodyPr lIns="0" tIns="0" rIns="0" bIns="0" rtlCol="0" anchor="ctr"/>
+              <a:lstStyle/>
+              <a:p>
+                <a:pPr algn="ctr"/>
+                <a:r>
+                  <a:rPr lang="es-ES" sz="1200" dirty="0" smtClean="0">
+                    <a:solidFill>
+                      <a:schemeClr val="tx1">
+                        <a:lumMod val="65000"/>
+                        <a:lumOff val="35000"/>
+                      </a:schemeClr>
+                    </a:solidFill>
+                    <a:latin typeface="Arial Rounded MT Bold" panose="020F0704030504030204" pitchFamily="34" charset="0"/>
+                  </a:rPr>
+                  <a:t>CHECK</a:t>
+                </a:r>
+              </a:p>
+              <a:p>
+                <a:pPr algn="ctr"/>
+                <a:r>
+                  <a:rPr lang="es-ES" sz="1200" dirty="0" smtClean="0">
+                    <a:solidFill>
+                      <a:schemeClr val="tx1">
+                        <a:lumMod val="65000"/>
+                        <a:lumOff val="35000"/>
+                      </a:schemeClr>
+                    </a:solidFill>
+                    <a:latin typeface="Arial Rounded MT Bold" panose="020F0704030504030204" pitchFamily="34" charset="0"/>
+                  </a:rPr>
+                  <a:t>#AVAILABLE_</a:t>
+                </a:r>
+              </a:p>
+              <a:p>
+                <a:pPr algn="ctr"/>
+                <a:r>
+                  <a:rPr lang="es-ES" sz="1200" dirty="0" smtClean="0">
+                    <a:solidFill>
+                      <a:schemeClr val="tx1">
+                        <a:lumMod val="65000"/>
+                        <a:lumOff val="35000"/>
+                      </a:schemeClr>
+                    </a:solidFill>
+                    <a:latin typeface="Arial Rounded MT Bold" panose="020F0704030504030204" pitchFamily="34" charset="0"/>
+                  </a:rPr>
+                  <a:t>INGREDIENTS</a:t>
+                </a:r>
+                <a:endParaRPr lang="es-ES" sz="1200" dirty="0">
+                  <a:solidFill>
+                    <a:schemeClr val="tx1">
+                      <a:lumMod val="65000"/>
+                      <a:lumOff val="35000"/>
+                    </a:schemeClr>
+                  </a:solidFill>
+                  <a:latin typeface="Arial Rounded MT Bold" panose="020F0704030504030204" pitchFamily="34" charset="0"/>
+                </a:endParaRPr>
+              </a:p>
+            </p:txBody>
+          </p:sp>
+          <p:sp>
+            <p:nvSpPr>
+              <p:cNvPr id="7" name="Rectángulo redondeado 6"/>
+              <p:cNvSpPr/>
+              <p:nvPr/>
+            </p:nvSpPr>
+            <p:spPr>
+              <a:xfrm>
+                <a:off x="10177109" y="1967181"/>
+                <a:ext cx="1440000" cy="1080000"/>
+              </a:xfrm>
+              <a:prstGeom prst="roundRect">
+                <a:avLst/>
+              </a:prstGeom>
+              <a:noFill/>
+              <a:ln w="38100">
+                <a:solidFill>
+                  <a:srgbClr val="FFC000"/>
+                </a:solidFill>
+              </a:ln>
+            </p:spPr>
+            <p:style>
+              <a:lnRef idx="2">
+                <a:schemeClr val="accent1">
+                  <a:shade val="50000"/>
+                </a:schemeClr>
+              </a:lnRef>
+              <a:fillRef idx="1">
+                <a:schemeClr val="accent1"/>
+              </a:fillRef>
+              <a:effectRef idx="0">
+                <a:schemeClr val="accent1"/>
+              </a:effectRef>
+              <a:fontRef idx="minor">
+                <a:schemeClr val="lt1"/>
+              </a:fontRef>
+            </p:style>
+            <p:txBody>
+              <a:bodyPr lIns="0" tIns="0" rIns="0" bIns="0" rtlCol="0" anchor="ctr"/>
+              <a:lstStyle/>
+              <a:p>
+                <a:pPr algn="ctr"/>
+                <a:r>
+                  <a:rPr lang="es-ES" sz="1200" dirty="0" smtClean="0">
+                    <a:solidFill>
+                      <a:schemeClr val="tx1">
+                        <a:lumMod val="75000"/>
+                        <a:lumOff val="25000"/>
+                      </a:schemeClr>
+                    </a:solidFill>
+                    <a:latin typeface="Arial Rounded MT Bold" panose="020F0704030504030204" pitchFamily="34" charset="0"/>
+                  </a:rPr>
+                  <a:t>GET</a:t>
+                </a:r>
+              </a:p>
+              <a:p>
+                <a:pPr algn="ctr"/>
+                <a:r>
+                  <a:rPr lang="es-ES" sz="1200" dirty="0" smtClean="0">
+                    <a:solidFill>
+                      <a:schemeClr val="tx1">
+                        <a:lumMod val="75000"/>
+                        <a:lumOff val="25000"/>
+                      </a:schemeClr>
+                    </a:solidFill>
+                    <a:latin typeface="Arial Rounded MT Bold" panose="020F0704030504030204" pitchFamily="34" charset="0"/>
+                  </a:rPr>
+                  <a:t>INGREDIENTS</a:t>
+                </a:r>
+              </a:p>
+              <a:p>
+                <a:pPr algn="ctr"/>
+                <a:r>
+                  <a:rPr lang="es-ES" sz="1200" dirty="0" smtClean="0">
+                    <a:solidFill>
+                      <a:schemeClr val="tx1">
+                        <a:lumMod val="75000"/>
+                        <a:lumOff val="25000"/>
+                      </a:schemeClr>
+                    </a:solidFill>
+                    <a:latin typeface="Arial Rounded MT Bold" panose="020F0704030504030204" pitchFamily="34" charset="0"/>
+                  </a:rPr>
+                  <a:t>INFORMATION</a:t>
+                </a:r>
+                <a:endParaRPr lang="es-ES" sz="1200" dirty="0">
+                  <a:solidFill>
+                    <a:schemeClr val="tx1">
+                      <a:lumMod val="75000"/>
+                      <a:lumOff val="25000"/>
+                    </a:schemeClr>
+                  </a:solidFill>
+                  <a:latin typeface="Arial Rounded MT Bold" panose="020F0704030504030204" pitchFamily="34" charset="0"/>
+                </a:endParaRPr>
+              </a:p>
+            </p:txBody>
+          </p:sp>
+          <p:sp>
+            <p:nvSpPr>
+              <p:cNvPr id="10" name="Rectángulo redondeado 9"/>
+              <p:cNvSpPr/>
+              <p:nvPr/>
+            </p:nvSpPr>
+            <p:spPr>
+              <a:xfrm>
+                <a:off x="10305734" y="6122395"/>
+                <a:ext cx="1440000" cy="1080000"/>
+              </a:xfrm>
+              <a:prstGeom prst="roundRect">
+                <a:avLst/>
+              </a:prstGeom>
+              <a:noFill/>
+              <a:ln w="38100">
+                <a:solidFill>
+                  <a:srgbClr val="FFC000"/>
+                </a:solidFill>
+              </a:ln>
+            </p:spPr>
+            <p:style>
+              <a:lnRef idx="2">
+                <a:schemeClr val="accent1">
+                  <a:shade val="50000"/>
+                </a:schemeClr>
+              </a:lnRef>
+              <a:fillRef idx="1">
+                <a:schemeClr val="accent1"/>
+              </a:fillRef>
+              <a:effectRef idx="0">
+                <a:schemeClr val="accent1"/>
+              </a:effectRef>
+              <a:fontRef idx="minor">
+                <a:schemeClr val="lt1"/>
+              </a:fontRef>
+            </p:style>
+            <p:txBody>
+              <a:bodyPr lIns="0" tIns="0" rIns="0" bIns="0" rtlCol="0" anchor="ctr"/>
+              <a:lstStyle/>
+              <a:p>
+                <a:pPr algn="ctr"/>
+                <a:r>
+                  <a:rPr lang="es-ES" sz="1200" dirty="0" smtClean="0">
+                    <a:solidFill>
+                      <a:schemeClr val="tx1">
+                        <a:lumMod val="75000"/>
+                        <a:lumOff val="25000"/>
+                      </a:schemeClr>
+                    </a:solidFill>
+                    <a:latin typeface="Arial Rounded MT Bold" panose="020F0704030504030204" pitchFamily="34" charset="0"/>
+                  </a:rPr>
+                  <a:t>GET </a:t>
+                </a:r>
+              </a:p>
+              <a:p>
+                <a:pPr algn="ctr"/>
+                <a:r>
+                  <a:rPr lang="es-ES" sz="1200" dirty="0" smtClean="0">
+                    <a:solidFill>
+                      <a:schemeClr val="tx1">
+                        <a:lumMod val="75000"/>
+                        <a:lumOff val="25000"/>
+                      </a:schemeClr>
+                    </a:solidFill>
+                    <a:latin typeface="Arial Rounded MT Bold" panose="020F0704030504030204" pitchFamily="34" charset="0"/>
+                  </a:rPr>
+                  <a:t>DATABASE </a:t>
+                </a:r>
+                <a:r>
+                  <a:rPr lang="es-ES" sz="1200" dirty="0">
+                    <a:solidFill>
+                      <a:schemeClr val="tx1">
+                        <a:lumMod val="75000"/>
+                        <a:lumOff val="25000"/>
+                      </a:schemeClr>
+                    </a:solidFill>
+                    <a:latin typeface="Arial Rounded MT Bold" panose="020F0704030504030204" pitchFamily="34" charset="0"/>
+                  </a:rPr>
+                  <a:t>S</a:t>
+                </a:r>
+                <a:r>
+                  <a:rPr lang="es-ES" sz="1200" dirty="0" smtClean="0">
+                    <a:solidFill>
+                      <a:schemeClr val="tx1">
+                        <a:lumMod val="75000"/>
+                        <a:lumOff val="25000"/>
+                      </a:schemeClr>
+                    </a:solidFill>
+                    <a:latin typeface="Arial Rounded MT Bold" panose="020F0704030504030204" pitchFamily="34" charset="0"/>
+                  </a:rPr>
+                  <a:t>UMMARY</a:t>
+                </a:r>
+                <a:endParaRPr lang="es-ES" sz="1200" dirty="0">
+                  <a:solidFill>
+                    <a:schemeClr val="tx1">
+                      <a:lumMod val="75000"/>
+                      <a:lumOff val="25000"/>
+                    </a:schemeClr>
+                  </a:solidFill>
+                  <a:latin typeface="Arial Rounded MT Bold" panose="020F0704030504030204" pitchFamily="34" charset="0"/>
+                </a:endParaRPr>
+              </a:p>
+            </p:txBody>
+          </p:sp>
+          <p:cxnSp>
+            <p:nvCxnSpPr>
+              <p:cNvPr id="13" name="Conector recto de flecha 12"/>
+              <p:cNvCxnSpPr>
+                <a:stCxn id="26" idx="6"/>
+                <a:endCxn id="5" idx="1"/>
+              </p:cNvCxnSpPr>
+              <p:nvPr/>
+            </p:nvCxnSpPr>
+            <p:spPr>
+              <a:xfrm flipV="1">
+                <a:off x="-358559" y="2515022"/>
+                <a:ext cx="2651931" cy="27054"/>
+              </a:xfrm>
+              <a:prstGeom prst="straightConnector1">
+                <a:avLst/>
+              </a:prstGeom>
+              <a:ln w="28575">
+                <a:solidFill>
+                  <a:srgbClr val="7240F0"/>
+                </a:solidFill>
+                <a:tailEnd type="triangle" w="lg" len="lg"/>
+              </a:ln>
+            </p:spPr>
+            <p:style>
+              <a:lnRef idx="1">
+                <a:schemeClr val="accent1"/>
+              </a:lnRef>
+              <a:fillRef idx="0">
+                <a:schemeClr val="accent1"/>
+              </a:fillRef>
+              <a:effectRef idx="0">
+                <a:schemeClr val="accent1"/>
+              </a:effectRef>
+              <a:fontRef idx="minor">
+                <a:schemeClr val="tx1"/>
+              </a:fontRef>
+            </p:style>
+          </p:cxnSp>
+          <p:cxnSp>
+            <p:nvCxnSpPr>
+              <p:cNvPr id="15" name="Conector recto de flecha 14"/>
+              <p:cNvCxnSpPr>
+                <a:stCxn id="5" idx="3"/>
+                <a:endCxn id="24" idx="1"/>
+              </p:cNvCxnSpPr>
+              <p:nvPr/>
+            </p:nvCxnSpPr>
+            <p:spPr>
+              <a:xfrm flipV="1">
+                <a:off x="4498572" y="2506076"/>
+                <a:ext cx="1243686" cy="8946"/>
+              </a:xfrm>
+              <a:prstGeom prst="straightConnector1">
+                <a:avLst/>
+              </a:prstGeom>
+              <a:ln w="28575" cmpd="sng">
+                <a:solidFill>
+                  <a:srgbClr val="7240F0"/>
+                </a:solidFill>
+                <a:prstDash val="solid"/>
+                <a:tailEnd type="triangle" w="lg" len="lg"/>
+              </a:ln>
+            </p:spPr>
+            <p:style>
+              <a:lnRef idx="1">
+                <a:schemeClr val="accent1"/>
+              </a:lnRef>
+              <a:fillRef idx="0">
+                <a:schemeClr val="accent1"/>
+              </a:fillRef>
+              <a:effectRef idx="0">
+                <a:schemeClr val="accent1"/>
+              </a:effectRef>
+              <a:fontRef idx="minor">
+                <a:schemeClr val="tx1"/>
+              </a:fontRef>
+            </p:style>
+          </p:cxnSp>
+          <p:cxnSp>
+            <p:nvCxnSpPr>
+              <p:cNvPr id="35" name="Conector recto de flecha 34"/>
+              <p:cNvCxnSpPr>
+                <a:stCxn id="7" idx="3"/>
+                <a:endCxn id="28" idx="2"/>
+              </p:cNvCxnSpPr>
+              <p:nvPr/>
+            </p:nvCxnSpPr>
+            <p:spPr>
+              <a:xfrm flipV="1">
+                <a:off x="11617109" y="2506488"/>
+                <a:ext cx="2196028" cy="693"/>
+              </a:xfrm>
+              <a:prstGeom prst="straightConnector1">
+                <a:avLst/>
+              </a:prstGeom>
+              <a:ln w="28575">
+                <a:solidFill>
+                  <a:srgbClr val="7240F0"/>
+                </a:solidFill>
+                <a:tailEnd type="triangle" w="lg" len="lg"/>
+              </a:ln>
+            </p:spPr>
+            <p:style>
+              <a:lnRef idx="1">
+                <a:schemeClr val="accent1"/>
+              </a:lnRef>
+              <a:fillRef idx="0">
+                <a:schemeClr val="accent1"/>
+              </a:fillRef>
+              <a:effectRef idx="0">
+                <a:schemeClr val="accent1"/>
+              </a:effectRef>
+              <a:fontRef idx="minor">
+                <a:schemeClr val="tx1"/>
+              </a:fontRef>
+            </p:style>
+          </p:cxnSp>
+          <p:sp>
+            <p:nvSpPr>
+              <p:cNvPr id="122" name="CuadroTexto 121"/>
+              <p:cNvSpPr txBox="1"/>
+              <p:nvPr/>
+            </p:nvSpPr>
+            <p:spPr>
+              <a:xfrm>
+                <a:off x="4498572" y="2172744"/>
+                <a:ext cx="475643" cy="369332"/>
+              </a:xfrm>
+              <a:prstGeom prst="rect">
+                <a:avLst/>
+              </a:prstGeom>
+              <a:noFill/>
+            </p:spPr>
+            <p:txBody>
+              <a:bodyPr wrap="none" rtlCol="0">
+                <a:spAutoFit/>
+              </a:bodyPr>
+              <a:lstStyle/>
+              <a:p>
+                <a:r>
+                  <a:rPr lang="es-ES" b="1" dirty="0" smtClean="0">
+                    <a:solidFill>
+                      <a:srgbClr val="FF3300"/>
+                    </a:solidFill>
+                    <a:latin typeface="+mj-lt"/>
+                    <a:cs typeface="Aharoni" panose="02010803020104030203" pitchFamily="2" charset="-79"/>
+                  </a:rPr>
+                  <a:t>Yes</a:t>
+                </a:r>
+                <a:endParaRPr lang="es-ES" b="1" dirty="0">
+                  <a:solidFill>
+                    <a:srgbClr val="FF3300"/>
+                  </a:solidFill>
+                  <a:latin typeface="+mj-lt"/>
+                  <a:cs typeface="Aharoni" panose="02010803020104030203" pitchFamily="2" charset="-79"/>
+                </a:endParaRPr>
+              </a:p>
+            </p:txBody>
+          </p:sp>
+          <p:sp>
+            <p:nvSpPr>
+              <p:cNvPr id="68" name="Rectángulo redondeado 67"/>
+              <p:cNvSpPr/>
+              <p:nvPr/>
+            </p:nvSpPr>
+            <p:spPr bwMode="auto">
+              <a:xfrm>
+                <a:off x="10366337" y="3929235"/>
+                <a:ext cx="1379397" cy="1304464"/>
+              </a:xfrm>
+              <a:prstGeom prst="roundRect">
+                <a:avLst/>
+              </a:prstGeom>
+              <a:solidFill>
+                <a:schemeClr val="bg1"/>
+              </a:solidFill>
+              <a:ln w="9525" cap="rnd" cmpd="sng" algn="ctr">
+                <a:solidFill>
+                  <a:srgbClr val="00B050"/>
+                </a:solidFill>
+                <a:prstDash val="sysDot"/>
+                <a:round/>
+                <a:headEnd type="none" w="med" len="med"/>
+                <a:tailEnd type="none" w="med" len="med"/>
+              </a:ln>
+              <a:effectLst/>
+              <a:extLst/>
+            </p:spPr>
+            <p:txBody>
+              <a:bodyPr vert="horz" wrap="none" lIns="45720" tIns="45720" rIns="45720" bIns="45720" numCol="1" rtlCol="0" anchor="ctr" anchorCtr="0" compatLnSpc="1">
+                <a:prstTxWarp prst="textNoShape">
+                  <a:avLst/>
+                </a:prstTxWarp>
+              </a:bodyPr>
+              <a:lstStyle/>
+              <a:p>
+                <a:pPr marL="0" marR="0" indent="0" algn="ctr" defTabSz="914400" rtl="0" eaLnBrk="1" fontAlgn="base" latinLnBrk="0" hangingPunct="1">
+                  <a:lnSpc>
+                    <a:spcPct val="100000"/>
+                  </a:lnSpc>
+                  <a:spcBef>
+                    <a:spcPct val="50000"/>
+                  </a:spcBef>
+                  <a:spcAft>
+                    <a:spcPct val="0"/>
+                  </a:spcAft>
+                  <a:buClrTx/>
+                  <a:buSzTx/>
+                  <a:buFontTx/>
+                  <a:buNone/>
+                  <a:tabLst/>
+                </a:pPr>
+                <a:endParaRPr kumimoji="0" lang="es-ES" sz="2000" b="0" i="0" u="none" strike="noStrike" cap="none" normalizeH="0" baseline="0" dirty="0" smtClean="0">
+                  <a:ln>
+                    <a:noFill/>
+                  </a:ln>
+                  <a:solidFill>
+                    <a:srgbClr val="00B050"/>
+                  </a:solidFill>
+                  <a:effectLst/>
+                  <a:latin typeface="Verdana" pitchFamily="34" charset="0"/>
+                </a:endParaRPr>
+              </a:p>
+            </p:txBody>
+          </p:sp>
+          <p:sp>
+            <p:nvSpPr>
+              <p:cNvPr id="69" name="CuadroTexto 68"/>
+              <p:cNvSpPr txBox="1"/>
+              <p:nvPr/>
+            </p:nvSpPr>
+            <p:spPr>
+              <a:xfrm>
+                <a:off x="10665186" y="4043911"/>
+                <a:ext cx="838443" cy="276999"/>
+              </a:xfrm>
+              <a:prstGeom prst="rect">
+                <a:avLst/>
+              </a:prstGeom>
+              <a:noFill/>
+            </p:spPr>
+            <p:txBody>
+              <a:bodyPr wrap="square" rtlCol="0">
+                <a:spAutoFit/>
+              </a:bodyPr>
+              <a:lstStyle/>
+              <a:p>
+                <a:r>
+                  <a:rPr lang="es-ES" sz="1200" b="1" dirty="0" smtClean="0">
+                    <a:solidFill>
+                      <a:srgbClr val="00B050"/>
+                    </a:solidFill>
+                  </a:rPr>
+                  <a:t>DATABASE</a:t>
+                </a:r>
+                <a:endParaRPr lang="es-ES" sz="1200" b="1" dirty="0">
+                  <a:solidFill>
+                    <a:srgbClr val="00B050"/>
+                  </a:solidFill>
+                </a:endParaRPr>
+              </a:p>
+            </p:txBody>
+          </p:sp>
+          <p:sp>
+            <p:nvSpPr>
+              <p:cNvPr id="71" name="Flecha izquierda y derecha 70"/>
+              <p:cNvSpPr/>
+              <p:nvPr/>
+            </p:nvSpPr>
+            <p:spPr>
+              <a:xfrm rot="16200000">
+                <a:off x="10623451" y="3367878"/>
+                <a:ext cx="720000" cy="212903"/>
+              </a:xfrm>
+              <a:prstGeom prst="leftRightArrow">
+                <a:avLst/>
+              </a:prstGeom>
+              <a:solidFill>
+                <a:schemeClr val="accent3">
+                  <a:lumMod val="60000"/>
+                  <a:lumOff val="40000"/>
+                </a:schemeClr>
+              </a:solidFill>
+              <a:ln>
+                <a:noFill/>
+              </a:ln>
+            </p:spPr>
+            <p:style>
+              <a:lnRef idx="2">
+                <a:schemeClr val="accent1">
+                  <a:shade val="50000"/>
+                </a:schemeClr>
+              </a:lnRef>
+              <a:fillRef idx="1">
+                <a:schemeClr val="accent1"/>
+              </a:fillRef>
+              <a:effectRef idx="0">
+                <a:schemeClr val="accent1"/>
+              </a:effectRef>
+              <a:fontRef idx="minor">
+                <a:schemeClr val="lt1"/>
+              </a:fontRef>
+            </p:style>
+            <p:txBody>
+              <a:bodyPr rtlCol="0" anchor="ctr"/>
+              <a:lstStyle/>
+              <a:p>
+                <a:pPr algn="ctr"/>
+                <a:endParaRPr lang="es-ES"/>
+              </a:p>
+            </p:txBody>
+          </p:sp>
+          <p:pic>
+            <p:nvPicPr>
+              <p:cNvPr id="72" name="Imagen 71"/>
+              <p:cNvPicPr>
+                <a:picLocks noChangeAspect="1"/>
+              </p:cNvPicPr>
+              <p:nvPr/>
+            </p:nvPicPr>
+            <p:blipFill>
+              <a:blip r:embed="rId2" cstate="print">
+                <a:duotone>
+                  <a:schemeClr val="accent5">
+                    <a:shade val="45000"/>
+                    <a:satMod val="135000"/>
+                  </a:schemeClr>
+                  <a:prstClr val="white"/>
+                </a:duotone>
+                <a:extLst>
+                  <a:ext uri="{28A0092B-C50C-407E-A947-70E740481C1C}">
+                    <a14:useLocalDpi xmlns:a14="http://schemas.microsoft.com/office/drawing/2010/main" val="0"/>
+                  </a:ext>
+                </a:extLst>
+              </a:blip>
+              <a:stretch>
+                <a:fillRect/>
+              </a:stretch>
+            </p:blipFill>
+            <p:spPr>
+              <a:xfrm>
+                <a:off x="11131842" y="4511065"/>
+                <a:ext cx="444124" cy="445566"/>
+              </a:xfrm>
+              <a:prstGeom prst="rect">
+                <a:avLst/>
+              </a:prstGeom>
+            </p:spPr>
+          </p:pic>
+          <p:pic>
+            <p:nvPicPr>
+              <p:cNvPr id="74" name="Imagen 73"/>
+              <p:cNvPicPr>
+                <a:picLocks noChangeAspect="1"/>
+              </p:cNvPicPr>
+              <p:nvPr/>
+            </p:nvPicPr>
+            <p:blipFill>
+              <a:blip r:embed="rId3" cstate="print">
+                <a:extLst>
+                  <a:ext uri="{28A0092B-C50C-407E-A947-70E740481C1C}">
+                    <a14:useLocalDpi xmlns:a14="http://schemas.microsoft.com/office/drawing/2010/main" val="0"/>
+                  </a:ext>
+                </a:extLst>
+              </a:blip>
+              <a:stretch>
+                <a:fillRect/>
+              </a:stretch>
+            </p:blipFill>
+            <p:spPr>
+              <a:xfrm>
+                <a:off x="10503394" y="4485272"/>
+                <a:ext cx="586509" cy="539588"/>
+              </a:xfrm>
+              <a:prstGeom prst="rect">
+                <a:avLst/>
+              </a:prstGeom>
+            </p:spPr>
+          </p:pic>
+          <p:sp>
+            <p:nvSpPr>
+              <p:cNvPr id="18" name="CuadroTexto 17"/>
+              <p:cNvSpPr txBox="1"/>
+              <p:nvPr/>
+            </p:nvSpPr>
+            <p:spPr>
+              <a:xfrm>
+                <a:off x="-309848" y="2585463"/>
+                <a:ext cx="1761829" cy="338554"/>
+              </a:xfrm>
+              <a:prstGeom prst="rect">
+                <a:avLst/>
+              </a:prstGeom>
+              <a:noFill/>
+            </p:spPr>
+            <p:txBody>
+              <a:bodyPr wrap="none" rtlCol="0">
+                <a:spAutoFit/>
+              </a:bodyPr>
+              <a:lstStyle/>
+              <a:p>
+                <a:r>
+                  <a:rPr lang="es-ES" sz="1600" dirty="0" smtClean="0">
+                    <a:solidFill>
+                      <a:schemeClr val="tx1">
+                        <a:lumMod val="50000"/>
+                        <a:lumOff val="50000"/>
+                      </a:schemeClr>
+                    </a:solidFill>
+                    <a:latin typeface="+mj-lt"/>
+                    <a:cs typeface="Aharoni" panose="02010803020104030203" pitchFamily="2" charset="-79"/>
+                  </a:rPr>
+                  <a:t>$</a:t>
+                </a:r>
+                <a:r>
+                  <a:rPr lang="es-ES" sz="1600" dirty="0" err="1" smtClean="0">
+                    <a:solidFill>
+                      <a:schemeClr val="tx1">
+                        <a:lumMod val="50000"/>
+                        <a:lumOff val="50000"/>
+                      </a:schemeClr>
+                    </a:solidFill>
+                    <a:latin typeface="+mj-lt"/>
+                    <a:cs typeface="Aharoni" panose="02010803020104030203" pitchFamily="2" charset="-79"/>
+                  </a:rPr>
+                  <a:t>ingredients</a:t>
+                </a:r>
+                <a:r>
+                  <a:rPr lang="es-ES" sz="1600" dirty="0" smtClean="0">
+                    <a:solidFill>
+                      <a:schemeClr val="tx1">
+                        <a:lumMod val="50000"/>
+                        <a:lumOff val="50000"/>
+                      </a:schemeClr>
+                    </a:solidFill>
+                    <a:latin typeface="+mj-lt"/>
+                    <a:cs typeface="Aharoni" panose="02010803020104030203" pitchFamily="2" charset="-79"/>
+                  </a:rPr>
+                  <a:t>=</a:t>
+                </a:r>
+                <a:r>
+                  <a:rPr lang="es-ES" sz="1600" dirty="0" err="1" smtClean="0">
+                    <a:solidFill>
+                      <a:schemeClr val="tx1">
+                        <a:lumMod val="50000"/>
+                        <a:lumOff val="50000"/>
+                      </a:schemeClr>
+                    </a:solidFill>
+                    <a:latin typeface="+mj-lt"/>
+                    <a:cs typeface="Aharoni" panose="02010803020104030203" pitchFamily="2" charset="-79"/>
+                  </a:rPr>
+                  <a:t>None</a:t>
+                </a:r>
+                <a:endParaRPr lang="es-ES" sz="1600" dirty="0">
+                  <a:solidFill>
+                    <a:schemeClr val="tx1">
+                      <a:lumMod val="50000"/>
+                      <a:lumOff val="50000"/>
+                    </a:schemeClr>
+                  </a:solidFill>
+                  <a:latin typeface="+mj-lt"/>
+                  <a:cs typeface="Aharoni" panose="02010803020104030203" pitchFamily="2" charset="-79"/>
+                </a:endParaRPr>
+              </a:p>
+            </p:txBody>
+          </p:sp>
+          <p:sp>
+            <p:nvSpPr>
+              <p:cNvPr id="24" name="Decisión 23"/>
+              <p:cNvSpPr/>
+              <p:nvPr/>
+            </p:nvSpPr>
+            <p:spPr>
+              <a:xfrm>
+                <a:off x="5742258" y="1683051"/>
+                <a:ext cx="2444407" cy="1646050"/>
+              </a:xfrm>
+              <a:prstGeom prst="flowChartDecision">
+                <a:avLst/>
+              </a:prstGeom>
+              <a:noFill/>
+              <a:ln w="38100">
+                <a:solidFill>
+                  <a:srgbClr val="46DACC"/>
+                </a:solidFill>
+                <a:prstDash val="sysDot"/>
+              </a:ln>
+            </p:spPr>
+            <p:style>
+              <a:lnRef idx="2">
+                <a:schemeClr val="accent1">
+                  <a:shade val="50000"/>
+                </a:schemeClr>
+              </a:lnRef>
+              <a:fillRef idx="1">
+                <a:schemeClr val="accent1"/>
+              </a:fillRef>
+              <a:effectRef idx="0">
+                <a:schemeClr val="accent1"/>
+              </a:effectRef>
+              <a:fontRef idx="minor">
+                <a:schemeClr val="lt1"/>
+              </a:fontRef>
+            </p:style>
+            <p:txBody>
+              <a:bodyPr lIns="0" tIns="0" rIns="0" bIns="0" rtlCol="0" anchor="ctr"/>
+              <a:lstStyle/>
+              <a:p>
+                <a:pPr algn="ctr"/>
+                <a:r>
+                  <a:rPr lang="es-ES" sz="1200" dirty="0" smtClean="0">
+                    <a:solidFill>
+                      <a:schemeClr val="tx1">
+                        <a:lumMod val="65000"/>
+                        <a:lumOff val="35000"/>
+                      </a:schemeClr>
+                    </a:solidFill>
+                    <a:latin typeface="Arial Rounded MT Bold" panose="020F0704030504030204" pitchFamily="34" charset="0"/>
+                  </a:rPr>
+                  <a:t>CHECK</a:t>
+                </a:r>
+              </a:p>
+              <a:p>
+                <a:pPr algn="ctr"/>
+                <a:r>
+                  <a:rPr lang="es-ES" sz="1200" dirty="0" smtClean="0">
+                    <a:solidFill>
+                      <a:schemeClr val="tx1">
+                        <a:lumMod val="65000"/>
+                        <a:lumOff val="35000"/>
+                      </a:schemeClr>
+                    </a:solidFill>
+                    <a:latin typeface="Arial Rounded MT Bold" panose="020F0704030504030204" pitchFamily="34" charset="0"/>
+                  </a:rPr>
+                  <a:t>@INGREDIENTS</a:t>
+                </a:r>
+                <a:endParaRPr lang="es-ES" sz="1200" dirty="0">
+                  <a:solidFill>
+                    <a:schemeClr val="tx1">
+                      <a:lumMod val="65000"/>
+                      <a:lumOff val="35000"/>
+                    </a:schemeClr>
+                  </a:solidFill>
+                  <a:latin typeface="Arial Rounded MT Bold" panose="020F0704030504030204" pitchFamily="34" charset="0"/>
+                </a:endParaRPr>
+              </a:p>
+            </p:txBody>
+          </p:sp>
+          <p:sp>
+            <p:nvSpPr>
+              <p:cNvPr id="26" name="Elipse 25"/>
+              <p:cNvSpPr/>
+              <p:nvPr/>
+            </p:nvSpPr>
+            <p:spPr>
+              <a:xfrm>
+                <a:off x="-1618559" y="2038076"/>
+                <a:ext cx="1260000" cy="1008000"/>
+              </a:xfrm>
+              <a:prstGeom prst="ellipse">
+                <a:avLst/>
+              </a:prstGeom>
+              <a:noFill/>
+              <a:ln w="76200">
+                <a:solidFill>
+                  <a:srgbClr val="46DACC"/>
+                </a:solidFill>
+              </a:ln>
+            </p:spPr>
+            <p:style>
+              <a:lnRef idx="2">
+                <a:schemeClr val="accent1">
+                  <a:shade val="50000"/>
+                </a:schemeClr>
+              </a:lnRef>
+              <a:fillRef idx="1">
+                <a:schemeClr val="accent1"/>
+              </a:fillRef>
+              <a:effectRef idx="0">
+                <a:schemeClr val="accent1"/>
+              </a:effectRef>
+              <a:fontRef idx="minor">
+                <a:schemeClr val="lt1"/>
+              </a:fontRef>
+            </p:style>
+            <p:txBody>
+              <a:bodyPr lIns="0" tIns="0" rIns="0" bIns="0" rtlCol="0" anchor="ctr"/>
+              <a:lstStyle/>
+              <a:p>
+                <a:pPr algn="ctr"/>
+                <a:r>
+                  <a:rPr lang="es-ES" sz="1200" dirty="0" smtClean="0">
+                    <a:solidFill>
+                      <a:schemeClr val="tx1">
+                        <a:lumMod val="75000"/>
+                        <a:lumOff val="25000"/>
+                      </a:schemeClr>
+                    </a:solidFill>
+                    <a:latin typeface="Arial Rounded MT Bold" panose="020F0704030504030204" pitchFamily="34" charset="0"/>
+                  </a:rPr>
+                  <a:t>START</a:t>
+                </a:r>
+                <a:endParaRPr lang="es-ES" sz="1200" dirty="0">
+                  <a:solidFill>
+                    <a:schemeClr val="tx1">
+                      <a:lumMod val="75000"/>
+                      <a:lumOff val="25000"/>
+                    </a:schemeClr>
+                  </a:solidFill>
+                  <a:latin typeface="Arial Rounded MT Bold" panose="020F0704030504030204" pitchFamily="34" charset="0"/>
+                </a:endParaRPr>
+              </a:p>
+            </p:txBody>
+          </p:sp>
+          <p:sp>
+            <p:nvSpPr>
+              <p:cNvPr id="28" name="Elipse 27"/>
+              <p:cNvSpPr/>
+              <p:nvPr/>
+            </p:nvSpPr>
+            <p:spPr>
+              <a:xfrm>
+                <a:off x="13813137" y="2002076"/>
+                <a:ext cx="1260000" cy="1008823"/>
+              </a:xfrm>
+              <a:prstGeom prst="ellipse">
+                <a:avLst/>
+              </a:prstGeom>
+              <a:noFill/>
+              <a:ln w="76200">
+                <a:solidFill>
+                  <a:srgbClr val="46DACC"/>
+                </a:solidFill>
+              </a:ln>
+            </p:spPr>
+            <p:style>
+              <a:lnRef idx="2">
+                <a:schemeClr val="accent1">
+                  <a:shade val="50000"/>
+                </a:schemeClr>
+              </a:lnRef>
+              <a:fillRef idx="1">
+                <a:schemeClr val="accent1"/>
+              </a:fillRef>
+              <a:effectRef idx="0">
+                <a:schemeClr val="accent1"/>
+              </a:effectRef>
+              <a:fontRef idx="minor">
+                <a:schemeClr val="lt1"/>
+              </a:fontRef>
+            </p:style>
+            <p:txBody>
+              <a:bodyPr lIns="0" tIns="0" rIns="0" bIns="0" rtlCol="0" anchor="ctr"/>
+              <a:lstStyle/>
+              <a:p>
+                <a:pPr algn="ctr"/>
+                <a:r>
+                  <a:rPr lang="es-ES" sz="1200" dirty="0" smtClean="0">
+                    <a:solidFill>
+                      <a:schemeClr val="tx1">
+                        <a:lumMod val="75000"/>
+                        <a:lumOff val="25000"/>
+                      </a:schemeClr>
+                    </a:solidFill>
+                    <a:latin typeface="Arial Rounded MT Bold" panose="020F0704030504030204" pitchFamily="34" charset="0"/>
+                  </a:rPr>
+                  <a:t>RESPONSE</a:t>
+                </a:r>
+                <a:endParaRPr lang="es-ES" sz="1200" dirty="0">
+                  <a:solidFill>
+                    <a:schemeClr val="tx1">
+                      <a:lumMod val="75000"/>
+                      <a:lumOff val="25000"/>
+                    </a:schemeClr>
+                  </a:solidFill>
+                  <a:latin typeface="Arial Rounded MT Bold" panose="020F0704030504030204" pitchFamily="34" charset="0"/>
+                </a:endParaRPr>
+              </a:p>
+            </p:txBody>
+          </p:sp>
+          <p:cxnSp>
+            <p:nvCxnSpPr>
+              <p:cNvPr id="36" name="Conector recto de flecha 35"/>
+              <p:cNvCxnSpPr>
+                <a:stCxn id="24" idx="3"/>
+                <a:endCxn id="7" idx="1"/>
+              </p:cNvCxnSpPr>
+              <p:nvPr/>
+            </p:nvCxnSpPr>
+            <p:spPr>
+              <a:xfrm>
+                <a:off x="8186665" y="2506076"/>
+                <a:ext cx="1990444" cy="1105"/>
+              </a:xfrm>
+              <a:prstGeom prst="straightConnector1">
+                <a:avLst/>
+              </a:prstGeom>
+              <a:ln w="28575">
+                <a:solidFill>
+                  <a:srgbClr val="7240F0"/>
+                </a:solidFill>
+                <a:tailEnd type="triangle" w="lg" len="lg"/>
+              </a:ln>
+            </p:spPr>
+            <p:style>
+              <a:lnRef idx="1">
+                <a:schemeClr val="accent1"/>
+              </a:lnRef>
+              <a:fillRef idx="0">
+                <a:schemeClr val="accent1"/>
+              </a:fillRef>
+              <a:effectRef idx="0">
+                <a:schemeClr val="accent1"/>
+              </a:effectRef>
+              <a:fontRef idx="minor">
+                <a:schemeClr val="tx1"/>
+              </a:fontRef>
+            </p:style>
+          </p:cxnSp>
+          <p:sp>
+            <p:nvSpPr>
+              <p:cNvPr id="37" name="CuadroTexto 36"/>
+              <p:cNvSpPr txBox="1"/>
+              <p:nvPr/>
+            </p:nvSpPr>
+            <p:spPr>
+              <a:xfrm>
+                <a:off x="8186665" y="2116100"/>
+                <a:ext cx="801823" cy="369332"/>
+              </a:xfrm>
+              <a:prstGeom prst="rect">
+                <a:avLst/>
+              </a:prstGeom>
+              <a:noFill/>
+            </p:spPr>
+            <p:txBody>
+              <a:bodyPr wrap="none" rtlCol="0">
+                <a:spAutoFit/>
+              </a:bodyPr>
+              <a:lstStyle/>
+              <a:p>
+                <a:r>
+                  <a:rPr lang="es-ES" b="1" dirty="0" smtClean="0">
+                    <a:solidFill>
+                      <a:srgbClr val="FF3300"/>
+                    </a:solidFill>
+                    <a:latin typeface="+mj-lt"/>
+                    <a:cs typeface="Aharoni" panose="02010803020104030203" pitchFamily="2" charset="-79"/>
+                  </a:rPr>
+                  <a:t>! </a:t>
+                </a:r>
+                <a:r>
+                  <a:rPr lang="es-ES" b="1" dirty="0" err="1" smtClean="0">
+                    <a:solidFill>
+                      <a:srgbClr val="FF3300"/>
+                    </a:solidFill>
+                    <a:latin typeface="+mj-lt"/>
+                    <a:cs typeface="Aharoni" panose="02010803020104030203" pitchFamily="2" charset="-79"/>
+                  </a:rPr>
+                  <a:t>None</a:t>
+                </a:r>
+                <a:endParaRPr lang="es-ES" b="1" dirty="0">
+                  <a:solidFill>
+                    <a:srgbClr val="FF3300"/>
+                  </a:solidFill>
+                  <a:latin typeface="+mj-lt"/>
+                  <a:cs typeface="Aharoni" panose="02010803020104030203" pitchFamily="2" charset="-79"/>
+                </a:endParaRPr>
+              </a:p>
+            </p:txBody>
+          </p:sp>
+          <p:sp>
+            <p:nvSpPr>
+              <p:cNvPr id="38" name="CuadroTexto 37"/>
+              <p:cNvSpPr txBox="1"/>
+              <p:nvPr/>
+            </p:nvSpPr>
+            <p:spPr>
+              <a:xfrm>
+                <a:off x="6986002" y="3760432"/>
+                <a:ext cx="676788" cy="369332"/>
+              </a:xfrm>
+              <a:prstGeom prst="rect">
+                <a:avLst/>
+              </a:prstGeom>
+              <a:noFill/>
+            </p:spPr>
+            <p:txBody>
+              <a:bodyPr wrap="none" rtlCol="0">
+                <a:spAutoFit/>
+              </a:bodyPr>
+              <a:lstStyle/>
+              <a:p>
+                <a:r>
+                  <a:rPr lang="es-ES" b="1" dirty="0" err="1" smtClean="0">
+                    <a:solidFill>
+                      <a:srgbClr val="FF3300"/>
+                    </a:solidFill>
+                    <a:latin typeface="+mj-lt"/>
+                    <a:cs typeface="Aharoni" panose="02010803020104030203" pitchFamily="2" charset="-79"/>
+                  </a:rPr>
+                  <a:t>None</a:t>
+                </a:r>
+                <a:endParaRPr lang="es-ES" b="1" dirty="0">
+                  <a:solidFill>
+                    <a:srgbClr val="FF3300"/>
+                  </a:solidFill>
+                  <a:latin typeface="+mj-lt"/>
+                  <a:cs typeface="Aharoni" panose="02010803020104030203" pitchFamily="2" charset="-79"/>
+                </a:endParaRPr>
+              </a:p>
+            </p:txBody>
+          </p:sp>
+          <p:cxnSp>
+            <p:nvCxnSpPr>
+              <p:cNvPr id="39" name="Conector recto de flecha 38"/>
+              <p:cNvCxnSpPr>
+                <a:stCxn id="24" idx="2"/>
+              </p:cNvCxnSpPr>
+              <p:nvPr/>
+            </p:nvCxnSpPr>
+            <p:spPr>
+              <a:xfrm>
+                <a:off x="6964462" y="3329101"/>
+                <a:ext cx="21540" cy="3344738"/>
+              </a:xfrm>
+              <a:prstGeom prst="straightConnector1">
+                <a:avLst/>
+              </a:prstGeom>
+              <a:ln w="28575">
+                <a:solidFill>
+                  <a:srgbClr val="7240F0"/>
+                </a:solidFill>
+                <a:tailEnd type="triangle" w="lg" len="lg"/>
+              </a:ln>
+            </p:spPr>
+            <p:style>
+              <a:lnRef idx="1">
+                <a:schemeClr val="accent1"/>
+              </a:lnRef>
+              <a:fillRef idx="0">
+                <a:schemeClr val="accent1"/>
+              </a:fillRef>
+              <a:effectRef idx="0">
+                <a:schemeClr val="accent1"/>
+              </a:effectRef>
+              <a:fontRef idx="minor">
+                <a:schemeClr val="tx1"/>
+              </a:fontRef>
+            </p:style>
+          </p:cxnSp>
+          <p:sp>
+            <p:nvSpPr>
+              <p:cNvPr id="51" name="CuadroTexto 50"/>
+              <p:cNvSpPr txBox="1"/>
+              <p:nvPr/>
+            </p:nvSpPr>
+            <p:spPr>
+              <a:xfrm>
+                <a:off x="8169642" y="2548179"/>
+                <a:ext cx="1211998" cy="338554"/>
+              </a:xfrm>
+              <a:prstGeom prst="rect">
+                <a:avLst/>
+              </a:prstGeom>
+              <a:noFill/>
+            </p:spPr>
+            <p:txBody>
+              <a:bodyPr wrap="none" rtlCol="0">
+                <a:spAutoFit/>
+              </a:bodyPr>
+              <a:lstStyle/>
+              <a:p>
+                <a:r>
+                  <a:rPr lang="es-ES" sz="1600" dirty="0" smtClean="0">
+                    <a:solidFill>
+                      <a:schemeClr val="tx1">
+                        <a:lumMod val="50000"/>
+                        <a:lumOff val="50000"/>
+                      </a:schemeClr>
+                    </a:solidFill>
+                    <a:latin typeface="+mj-lt"/>
+                    <a:cs typeface="Aharoni" panose="02010803020104030203" pitchFamily="2" charset="-79"/>
+                  </a:rPr>
+                  <a:t>$</a:t>
+                </a:r>
+                <a:r>
+                  <a:rPr lang="es-ES" sz="1600" dirty="0" err="1" smtClean="0">
+                    <a:solidFill>
+                      <a:schemeClr val="tx1">
+                        <a:lumMod val="50000"/>
+                        <a:lumOff val="50000"/>
+                      </a:schemeClr>
+                    </a:solidFill>
+                    <a:latin typeface="+mj-lt"/>
+                    <a:cs typeface="Aharoni" panose="02010803020104030203" pitchFamily="2" charset="-79"/>
+                  </a:rPr>
+                  <a:t>ingredients</a:t>
+                </a:r>
+                <a:endParaRPr lang="es-ES" sz="1600" dirty="0">
+                  <a:solidFill>
+                    <a:schemeClr val="tx1">
+                      <a:lumMod val="50000"/>
+                      <a:lumOff val="50000"/>
+                    </a:schemeClr>
+                  </a:solidFill>
+                  <a:latin typeface="+mj-lt"/>
+                  <a:cs typeface="Aharoni" panose="02010803020104030203" pitchFamily="2" charset="-79"/>
+                </a:endParaRPr>
+              </a:p>
+            </p:txBody>
+          </p:sp>
+          <p:cxnSp>
+            <p:nvCxnSpPr>
+              <p:cNvPr id="53" name="Conector recto de flecha 52"/>
+              <p:cNvCxnSpPr>
+                <a:stCxn id="10" idx="3"/>
+              </p:cNvCxnSpPr>
+              <p:nvPr/>
+            </p:nvCxnSpPr>
+            <p:spPr>
+              <a:xfrm>
+                <a:off x="11745734" y="6662395"/>
+                <a:ext cx="1154921" cy="0"/>
+              </a:xfrm>
+              <a:prstGeom prst="straightConnector1">
+                <a:avLst/>
+              </a:prstGeom>
+              <a:ln w="28575">
+                <a:solidFill>
+                  <a:srgbClr val="7240F0"/>
+                </a:solidFill>
+                <a:tailEnd type="triangle" w="lg" len="lg"/>
+              </a:ln>
+            </p:spPr>
+            <p:style>
+              <a:lnRef idx="1">
+                <a:schemeClr val="accent1"/>
+              </a:lnRef>
+              <a:fillRef idx="0">
+                <a:schemeClr val="accent1"/>
+              </a:fillRef>
+              <a:effectRef idx="0">
+                <a:schemeClr val="accent1"/>
+              </a:effectRef>
+              <a:fontRef idx="minor">
+                <a:schemeClr val="tx1"/>
+              </a:fontRef>
+            </p:style>
+          </p:cxnSp>
+          <p:cxnSp>
+            <p:nvCxnSpPr>
+              <p:cNvPr id="57" name="Conector recto de flecha 56"/>
+              <p:cNvCxnSpPr>
+                <a:endCxn id="10" idx="1"/>
+              </p:cNvCxnSpPr>
+              <p:nvPr/>
+            </p:nvCxnSpPr>
+            <p:spPr>
+              <a:xfrm>
+                <a:off x="6986002" y="6662395"/>
+                <a:ext cx="3319732" cy="0"/>
+              </a:xfrm>
+              <a:prstGeom prst="straightConnector1">
+                <a:avLst/>
+              </a:prstGeom>
+              <a:ln w="28575">
+                <a:solidFill>
+                  <a:srgbClr val="7240F0"/>
+                </a:solidFill>
+                <a:tailEnd type="triangle" w="lg" len="lg"/>
+              </a:ln>
+            </p:spPr>
+            <p:style>
+              <a:lnRef idx="1">
+                <a:schemeClr val="accent1"/>
+              </a:lnRef>
+              <a:fillRef idx="0">
+                <a:schemeClr val="accent1"/>
+              </a:fillRef>
+              <a:effectRef idx="0">
+                <a:schemeClr val="accent1"/>
+              </a:effectRef>
+              <a:fontRef idx="minor">
+                <a:schemeClr val="tx1"/>
+              </a:fontRef>
+            </p:style>
+          </p:cxnSp>
+          <p:cxnSp>
+            <p:nvCxnSpPr>
+              <p:cNvPr id="60" name="Conector recto de flecha 59"/>
+              <p:cNvCxnSpPr/>
+              <p:nvPr/>
+            </p:nvCxnSpPr>
+            <p:spPr>
+              <a:xfrm flipV="1">
+                <a:off x="12900655" y="2515022"/>
+                <a:ext cx="0" cy="4147373"/>
+              </a:xfrm>
+              <a:prstGeom prst="straightConnector1">
+                <a:avLst/>
+              </a:prstGeom>
+              <a:ln w="28575">
+                <a:solidFill>
+                  <a:srgbClr val="7240F0"/>
+                </a:solidFill>
+                <a:tailEnd type="triangle" w="lg" len="lg"/>
+              </a:ln>
+            </p:spPr>
+            <p:style>
+              <a:lnRef idx="1">
+                <a:schemeClr val="accent1"/>
+              </a:lnRef>
+              <a:fillRef idx="0">
+                <a:schemeClr val="accent1"/>
+              </a:fillRef>
+              <a:effectRef idx="0">
+                <a:schemeClr val="accent1"/>
+              </a:effectRef>
+              <a:fontRef idx="minor">
+                <a:schemeClr val="tx1"/>
+              </a:fontRef>
+            </p:style>
+          </p:cxnSp>
+          <p:sp>
+            <p:nvSpPr>
+              <p:cNvPr id="90" name="Flecha izquierda y derecha 89"/>
+              <p:cNvSpPr/>
+              <p:nvPr/>
+            </p:nvSpPr>
+            <p:spPr>
+              <a:xfrm rot="16200000">
+                <a:off x="10691976" y="5582153"/>
+                <a:ext cx="720000" cy="212903"/>
+              </a:xfrm>
+              <a:prstGeom prst="leftRightArrow">
+                <a:avLst/>
+              </a:prstGeom>
+              <a:solidFill>
+                <a:schemeClr val="accent3">
+                  <a:lumMod val="60000"/>
+                  <a:lumOff val="40000"/>
+                </a:schemeClr>
+              </a:solidFill>
+              <a:ln>
+                <a:noFill/>
+              </a:ln>
+            </p:spPr>
+            <p:style>
+              <a:lnRef idx="2">
+                <a:schemeClr val="accent1">
+                  <a:shade val="50000"/>
+                </a:schemeClr>
+              </a:lnRef>
+              <a:fillRef idx="1">
+                <a:schemeClr val="accent1"/>
+              </a:fillRef>
+              <a:effectRef idx="0">
+                <a:schemeClr val="accent1"/>
+              </a:effectRef>
+              <a:fontRef idx="minor">
+                <a:schemeClr val="lt1"/>
+              </a:fontRef>
+            </p:style>
+            <p:txBody>
+              <a:bodyPr rtlCol="0" anchor="ctr"/>
+              <a:lstStyle/>
+              <a:p>
+                <a:pPr algn="ctr"/>
+                <a:endParaRPr lang="es-ES"/>
+              </a:p>
+            </p:txBody>
+          </p:sp>
+        </p:grpSp>
+        <p:sp>
+          <p:nvSpPr>
+            <p:cNvPr id="92" name="Rectángulo redondeado 91"/>
+            <p:cNvSpPr/>
+            <p:nvPr/>
+          </p:nvSpPr>
+          <p:spPr>
+            <a:xfrm>
+              <a:off x="1856288" y="1395663"/>
+              <a:ext cx="7525352" cy="6673516"/>
+            </a:xfrm>
+            <a:prstGeom prst="roundRect">
+              <a:avLst>
+                <a:gd name="adj" fmla="val 3452"/>
+              </a:avLst>
+            </a:prstGeom>
+            <a:noFill/>
+            <a:ln>
+              <a:solidFill>
+                <a:schemeClr val="bg1">
+                  <a:lumMod val="75000"/>
+                </a:schemeClr>
+              </a:solidFill>
+              <a:prstDash val="sysDash"/>
+            </a:ln>
+          </p:spPr>
+          <p:style>
+            <a:lnRef idx="2">
+              <a:schemeClr val="accent1">
+                <a:shade val="50000"/>
+              </a:schemeClr>
+            </a:lnRef>
+            <a:fillRef idx="1">
+              <a:schemeClr val="accent1"/>
+            </a:fillRef>
+            <a:effectRef idx="0">
+              <a:schemeClr val="accent1"/>
+            </a:effectRef>
+            <a:fontRef idx="minor">
+              <a:schemeClr val="lt1"/>
+            </a:fontRef>
+          </p:style>
+          <p:txBody>
+            <a:bodyPr rtlCol="0" anchor="ctr"/>
+            <a:lstStyle/>
+            <a:p>
+              <a:pPr algn="ctr"/>
+              <a:endParaRPr lang="es-ES"/>
+            </a:p>
+          </p:txBody>
+        </p:sp>
+        <p:sp>
+          <p:nvSpPr>
+            <p:cNvPr id="93" name="CuadroTexto 92"/>
+            <p:cNvSpPr txBox="1"/>
+            <p:nvPr/>
+          </p:nvSpPr>
+          <p:spPr>
+            <a:xfrm>
+              <a:off x="1856288" y="7734152"/>
+              <a:ext cx="7525351" cy="338554"/>
+            </a:xfrm>
+            <a:prstGeom prst="rect">
+              <a:avLst/>
+            </a:prstGeom>
+            <a:noFill/>
+          </p:spPr>
+          <p:txBody>
+            <a:bodyPr wrap="square" rtlCol="0">
+              <a:spAutoFit/>
+            </a:bodyPr>
+            <a:lstStyle/>
+            <a:p>
+              <a:pPr algn="ctr"/>
+              <a:r>
+                <a:rPr lang="es-ES" sz="1600" b="1" dirty="0" smtClean="0">
+                  <a:solidFill>
+                    <a:schemeClr val="tx1">
+                      <a:lumMod val="50000"/>
+                      <a:lumOff val="50000"/>
+                    </a:schemeClr>
+                  </a:solidFill>
+                  <a:latin typeface="Arial Rounded MT Bold" panose="020F0704030504030204" pitchFamily="34" charset="0"/>
+                  <a:cs typeface="Aharoni" panose="02010803020104030203" pitchFamily="2" charset="-79"/>
+                </a:rPr>
+                <a:t>WATSON CONVERSATION</a:t>
+              </a:r>
+              <a:endParaRPr lang="es-ES" sz="1600" b="1" dirty="0">
+                <a:solidFill>
+                  <a:schemeClr val="tx1">
+                    <a:lumMod val="50000"/>
+                    <a:lumOff val="50000"/>
+                  </a:schemeClr>
+                </a:solidFill>
+                <a:latin typeface="Arial Rounded MT Bold" panose="020F0704030504030204" pitchFamily="34" charset="0"/>
+                <a:cs typeface="Aharoni" panose="02010803020104030203" pitchFamily="2" charset="-79"/>
+              </a:endParaRPr>
+            </a:p>
+          </p:txBody>
+        </p:sp>
+        <p:sp>
+          <p:nvSpPr>
+            <p:cNvPr id="98" name="Rectángulo redondeado 97"/>
+            <p:cNvSpPr/>
+            <p:nvPr/>
+          </p:nvSpPr>
+          <p:spPr>
+            <a:xfrm>
+              <a:off x="9683507" y="1395662"/>
+              <a:ext cx="3584103" cy="6673517"/>
+            </a:xfrm>
+            <a:prstGeom prst="roundRect">
+              <a:avLst>
+                <a:gd name="adj" fmla="val 3452"/>
+              </a:avLst>
+            </a:prstGeom>
+            <a:noFill/>
+            <a:ln>
+              <a:solidFill>
+                <a:schemeClr val="bg1">
+                  <a:lumMod val="75000"/>
+                </a:schemeClr>
+              </a:solidFill>
+              <a:prstDash val="sysDash"/>
+            </a:ln>
+          </p:spPr>
+          <p:style>
+            <a:lnRef idx="2">
+              <a:schemeClr val="accent1">
+                <a:shade val="50000"/>
+              </a:schemeClr>
+            </a:lnRef>
+            <a:fillRef idx="1">
+              <a:schemeClr val="accent1"/>
+            </a:fillRef>
+            <a:effectRef idx="0">
+              <a:schemeClr val="accent1"/>
+            </a:effectRef>
+            <a:fontRef idx="minor">
+              <a:schemeClr val="lt1"/>
+            </a:fontRef>
+          </p:style>
+          <p:txBody>
+            <a:bodyPr rtlCol="0" anchor="ctr"/>
+            <a:lstStyle/>
+            <a:p>
+              <a:pPr algn="ctr"/>
+              <a:endParaRPr lang="es-ES"/>
+            </a:p>
+          </p:txBody>
+        </p:sp>
+        <p:sp>
+          <p:nvSpPr>
+            <p:cNvPr id="99" name="CuadroTexto 98"/>
+            <p:cNvSpPr txBox="1"/>
+            <p:nvPr/>
+          </p:nvSpPr>
+          <p:spPr>
+            <a:xfrm>
+              <a:off x="9683506" y="7742394"/>
+              <a:ext cx="3584103" cy="338554"/>
+            </a:xfrm>
+            <a:prstGeom prst="rect">
+              <a:avLst/>
+            </a:prstGeom>
+            <a:noFill/>
+          </p:spPr>
+          <p:txBody>
+            <a:bodyPr wrap="square" rtlCol="0">
+              <a:spAutoFit/>
+            </a:bodyPr>
+            <a:lstStyle/>
+            <a:p>
+              <a:pPr algn="ctr"/>
+              <a:r>
+                <a:rPr lang="es-ES" sz="1600" b="1" dirty="0" smtClean="0">
+                  <a:solidFill>
+                    <a:schemeClr val="tx1">
+                      <a:lumMod val="50000"/>
+                      <a:lumOff val="50000"/>
+                    </a:schemeClr>
+                  </a:solidFill>
+                  <a:latin typeface="Arial Rounded MT Bold" panose="020F0704030504030204" pitchFamily="34" charset="0"/>
+                  <a:cs typeface="Aharoni" panose="02010803020104030203" pitchFamily="2" charset="-79"/>
+                </a:rPr>
+                <a:t>ORCHESTRATION ENGINE</a:t>
+              </a:r>
+              <a:endParaRPr lang="es-ES" sz="1600" b="1" dirty="0">
+                <a:solidFill>
+                  <a:schemeClr val="tx1">
+                    <a:lumMod val="50000"/>
+                    <a:lumOff val="50000"/>
+                  </a:schemeClr>
+                </a:solidFill>
+                <a:latin typeface="Arial Rounded MT Bold" panose="020F0704030504030204" pitchFamily="34" charset="0"/>
+                <a:cs typeface="Aharoni" panose="02010803020104030203" pitchFamily="2" charset="-79"/>
+              </a:endParaRPr>
+            </a:p>
+          </p:txBody>
+        </p:sp>
+      </p:grpSp>
+    </p:spTree>
+    <p:extLst>
+      <p:ext uri="{BB962C8B-B14F-4D97-AF65-F5344CB8AC3E}">
+        <p14:creationId xmlns:p14="http://schemas.microsoft.com/office/powerpoint/2010/main" val="1132521147"/>
+      </p:ext>
+    </p:extLst>
+  </p:cSld>
+  <p:clrMapOvr>
+    <a:masterClrMapping/>
+  </p:clrMapOvr>
+</p:sld>
+</file>
+
+<file path=ppt/slides/slide27.xml><?xml version="1.0" encoding="utf-8"?>
+<p:sld xmlns:a="http://schemas.openxmlformats.org/drawingml/2006/main" xmlns:r="http://schemas.openxmlformats.org/officeDocument/2006/relationships" xmlns:p="http://schemas.openxmlformats.org/presentationml/2006/main">
+  <p:cSld>
+    <p:spTree>
+      <p:nvGrpSpPr>
+        <p:cNvPr id="1" name=""/>
+        <p:cNvGrpSpPr/>
+        <p:nvPr/>
+      </p:nvGrpSpPr>
+      <p:grpSpPr>
+        <a:xfrm>
+          <a:off x="0" y="0"/>
+          <a:ext cx="0" cy="0"/>
+          <a:chOff x="0" y="0"/>
+          <a:chExt cx="0" cy="0"/>
+        </a:xfrm>
+      </p:grpSpPr>
+      <p:grpSp>
+        <p:nvGrpSpPr>
+          <p:cNvPr id="96" name="Grupo 95"/>
+          <p:cNvGrpSpPr/>
+          <p:nvPr/>
+        </p:nvGrpSpPr>
+        <p:grpSpPr>
+          <a:xfrm>
+            <a:off x="-1058778" y="128337"/>
+            <a:ext cx="15865642" cy="7780421"/>
+            <a:chOff x="-1058778" y="128337"/>
+            <a:chExt cx="15865642" cy="7780421"/>
+          </a:xfrm>
+        </p:grpSpPr>
+        <p:grpSp>
+          <p:nvGrpSpPr>
+            <p:cNvPr id="97" name="Grupo 96"/>
+            <p:cNvGrpSpPr/>
+            <p:nvPr/>
+          </p:nvGrpSpPr>
+          <p:grpSpPr>
+            <a:xfrm>
+              <a:off x="-1058778" y="128337"/>
+              <a:ext cx="15865642" cy="7780421"/>
+              <a:chOff x="-1058778" y="128337"/>
+              <a:chExt cx="15865642" cy="7780421"/>
+            </a:xfrm>
+          </p:grpSpPr>
+          <p:grpSp>
+            <p:nvGrpSpPr>
+              <p:cNvPr id="89" name="Grupo 88"/>
+              <p:cNvGrpSpPr/>
+              <p:nvPr/>
+            </p:nvGrpSpPr>
+            <p:grpSpPr>
+              <a:xfrm>
+                <a:off x="-1058778" y="128337"/>
+                <a:ext cx="15865642" cy="7780421"/>
+                <a:chOff x="-1058778" y="128337"/>
+                <a:chExt cx="15865642" cy="7780421"/>
+              </a:xfrm>
+            </p:grpSpPr>
+            <p:sp>
+              <p:nvSpPr>
+                <p:cNvPr id="82" name="Rectángulo 81"/>
+                <p:cNvSpPr/>
+                <p:nvPr/>
+              </p:nvSpPr>
+              <p:spPr>
+                <a:xfrm>
+                  <a:off x="-1058778" y="128337"/>
+                  <a:ext cx="15865642" cy="7780421"/>
+                </a:xfrm>
+                <a:prstGeom prst="rect">
+                  <a:avLst/>
+                </a:prstGeom>
+                <a:solidFill>
+                  <a:schemeClr val="bg1"/>
+                </a:solidFill>
+                <a:ln>
+                  <a:noFill/>
+                </a:ln>
+              </p:spPr>
+              <p:style>
+                <a:lnRef idx="2">
+                  <a:schemeClr val="accent1">
+                    <a:shade val="50000"/>
+                  </a:schemeClr>
+                </a:lnRef>
+                <a:fillRef idx="1">
+                  <a:schemeClr val="accent1"/>
+                </a:fillRef>
+                <a:effectRef idx="0">
+                  <a:schemeClr val="accent1"/>
+                </a:effectRef>
+                <a:fontRef idx="minor">
+                  <a:schemeClr val="lt1"/>
+                </a:fontRef>
+              </p:style>
+              <p:txBody>
+                <a:bodyPr rtlCol="0" anchor="ctr"/>
+                <a:lstStyle/>
+                <a:p>
+                  <a:pPr algn="ctr"/>
+                  <a:endParaRPr lang="es-ES"/>
+                </a:p>
+              </p:txBody>
+            </p:sp>
+            <p:sp>
+              <p:nvSpPr>
+                <p:cNvPr id="5" name="Decisión 4"/>
+                <p:cNvSpPr/>
+                <p:nvPr/>
+              </p:nvSpPr>
+              <p:spPr>
+                <a:xfrm>
+                  <a:off x="2293372" y="1724085"/>
+                  <a:ext cx="2205200" cy="1581874"/>
+                </a:xfrm>
+                <a:prstGeom prst="flowChartDecision">
+                  <a:avLst/>
+                </a:prstGeom>
+                <a:noFill/>
+                <a:ln w="38100">
+                  <a:solidFill>
+                    <a:srgbClr val="46DACC"/>
+                  </a:solidFill>
+                  <a:prstDash val="sysDot"/>
+                </a:ln>
+              </p:spPr>
+              <p:style>
+                <a:lnRef idx="2">
+                  <a:schemeClr val="accent1">
+                    <a:shade val="50000"/>
+                  </a:schemeClr>
+                </a:lnRef>
+                <a:fillRef idx="1">
+                  <a:schemeClr val="accent1"/>
+                </a:fillRef>
+                <a:effectRef idx="0">
+                  <a:schemeClr val="accent1"/>
+                </a:effectRef>
+                <a:fontRef idx="minor">
+                  <a:schemeClr val="lt1"/>
+                </a:fontRef>
+              </p:style>
+              <p:txBody>
+                <a:bodyPr lIns="0" tIns="0" rIns="0" bIns="0" rtlCol="0" anchor="ctr"/>
+                <a:lstStyle/>
+                <a:p>
+                  <a:pPr algn="ctr"/>
+                  <a:r>
+                    <a:rPr lang="es-ES" sz="1200" dirty="0" smtClean="0">
+                      <a:solidFill>
+                        <a:schemeClr val="tx1">
+                          <a:lumMod val="65000"/>
+                          <a:lumOff val="35000"/>
+                        </a:schemeClr>
+                      </a:solidFill>
+                      <a:latin typeface="Arial Rounded MT Bold" panose="020F0704030504030204" pitchFamily="34" charset="0"/>
+                    </a:rPr>
+                    <a:t>CHECK</a:t>
+                  </a:r>
+                </a:p>
+                <a:p>
+                  <a:pPr algn="ctr"/>
+                  <a:r>
+                    <a:rPr lang="es-ES" sz="1200" dirty="0" smtClean="0">
+                      <a:solidFill>
+                        <a:schemeClr val="tx1">
+                          <a:lumMod val="65000"/>
+                          <a:lumOff val="35000"/>
+                        </a:schemeClr>
+                      </a:solidFill>
+                      <a:latin typeface="Arial Rounded MT Bold" panose="020F0704030504030204" pitchFamily="34" charset="0"/>
+                    </a:rPr>
+                    <a:t>#NEEDED_</a:t>
+                  </a:r>
+                </a:p>
+                <a:p>
+                  <a:pPr algn="ctr"/>
+                  <a:r>
+                    <a:rPr lang="es-ES" sz="1200" dirty="0" smtClean="0">
+                      <a:solidFill>
+                        <a:schemeClr val="tx1">
+                          <a:lumMod val="65000"/>
+                          <a:lumOff val="35000"/>
+                        </a:schemeClr>
+                      </a:solidFill>
+                      <a:latin typeface="Arial Rounded MT Bold" panose="020F0704030504030204" pitchFamily="34" charset="0"/>
+                    </a:rPr>
+                    <a:t>INGREDIENTS</a:t>
+                  </a:r>
+                  <a:endParaRPr lang="es-ES" sz="1200" dirty="0">
+                    <a:solidFill>
+                      <a:schemeClr val="tx1">
+                        <a:lumMod val="65000"/>
+                        <a:lumOff val="35000"/>
+                      </a:schemeClr>
+                    </a:solidFill>
+                    <a:latin typeface="Arial Rounded MT Bold" panose="020F0704030504030204" pitchFamily="34" charset="0"/>
+                  </a:endParaRPr>
+                </a:p>
+              </p:txBody>
+            </p:sp>
+            <p:sp>
+              <p:nvSpPr>
+                <p:cNvPr id="7" name="Rectángulo redondeado 6"/>
+                <p:cNvSpPr/>
+                <p:nvPr/>
+              </p:nvSpPr>
+              <p:spPr>
+                <a:xfrm>
+                  <a:off x="6110682" y="4320910"/>
+                  <a:ext cx="1440000" cy="1080000"/>
+                </a:xfrm>
+                <a:prstGeom prst="roundRect">
+                  <a:avLst/>
+                </a:prstGeom>
+                <a:noFill/>
+                <a:ln w="38100">
+                  <a:solidFill>
+                    <a:srgbClr val="FFC000"/>
+                  </a:solidFill>
+                </a:ln>
+              </p:spPr>
+              <p:style>
+                <a:lnRef idx="2">
+                  <a:schemeClr val="accent1">
+                    <a:shade val="50000"/>
+                  </a:schemeClr>
+                </a:lnRef>
+                <a:fillRef idx="1">
+                  <a:schemeClr val="accent1"/>
+                </a:fillRef>
+                <a:effectRef idx="0">
+                  <a:schemeClr val="accent1"/>
+                </a:effectRef>
+                <a:fontRef idx="minor">
+                  <a:schemeClr val="lt1"/>
+                </a:fontRef>
+              </p:style>
+              <p:txBody>
+                <a:bodyPr lIns="0" tIns="0" rIns="0" bIns="0" rtlCol="0" anchor="ctr"/>
+                <a:lstStyle/>
+                <a:p>
+                  <a:pPr algn="ctr"/>
+                  <a:r>
+                    <a:rPr lang="es-ES" sz="1200" dirty="0">
+                      <a:solidFill>
+                        <a:schemeClr val="tx1">
+                          <a:lumMod val="75000"/>
+                          <a:lumOff val="25000"/>
+                        </a:schemeClr>
+                      </a:solidFill>
+                      <a:latin typeface="Arial Rounded MT Bold" panose="020F0704030504030204" pitchFamily="34" charset="0"/>
+                    </a:rPr>
+                    <a:t>GET </a:t>
+                  </a:r>
+                </a:p>
+                <a:p>
+                  <a:pPr algn="ctr"/>
+                  <a:r>
+                    <a:rPr lang="es-ES" sz="1200" dirty="0">
+                      <a:solidFill>
+                        <a:schemeClr val="tx1">
+                          <a:lumMod val="75000"/>
+                          <a:lumOff val="25000"/>
+                        </a:schemeClr>
+                      </a:solidFill>
+                      <a:latin typeface="Arial Rounded MT Bold" panose="020F0704030504030204" pitchFamily="34" charset="0"/>
+                    </a:rPr>
+                    <a:t>DATABASE SUMMARY</a:t>
+                  </a:r>
+                </a:p>
+              </p:txBody>
+            </p:sp>
+            <p:cxnSp>
+              <p:nvCxnSpPr>
+                <p:cNvPr id="13" name="Conector recto de flecha 12"/>
+                <p:cNvCxnSpPr>
+                  <a:stCxn id="26" idx="6"/>
+                  <a:endCxn id="5" idx="1"/>
+                </p:cNvCxnSpPr>
+                <p:nvPr/>
+              </p:nvCxnSpPr>
+              <p:spPr>
+                <a:xfrm>
+                  <a:off x="411807" y="2515022"/>
+                  <a:ext cx="1881565" cy="0"/>
+                </a:xfrm>
+                <a:prstGeom prst="straightConnector1">
+                  <a:avLst/>
+                </a:prstGeom>
+                <a:ln w="28575">
+                  <a:solidFill>
+                    <a:srgbClr val="7240F0"/>
+                  </a:solidFill>
+                  <a:tailEnd type="triangle" w="lg" len="lg"/>
+                </a:ln>
+              </p:spPr>
+              <p:style>
+                <a:lnRef idx="1">
+                  <a:schemeClr val="accent1"/>
+                </a:lnRef>
+                <a:fillRef idx="0">
+                  <a:schemeClr val="accent1"/>
+                </a:fillRef>
+                <a:effectRef idx="0">
+                  <a:schemeClr val="accent1"/>
+                </a:effectRef>
+                <a:fontRef idx="minor">
+                  <a:schemeClr val="tx1"/>
+                </a:fontRef>
+              </p:style>
+            </p:cxnSp>
+            <p:cxnSp>
+              <p:nvCxnSpPr>
+                <p:cNvPr id="15" name="Conector recto de flecha 14"/>
+                <p:cNvCxnSpPr>
+                  <a:stCxn id="5" idx="3"/>
+                  <a:endCxn id="24" idx="1"/>
+                </p:cNvCxnSpPr>
+                <p:nvPr/>
+              </p:nvCxnSpPr>
+              <p:spPr>
+                <a:xfrm flipV="1">
+                  <a:off x="4498572" y="2491701"/>
+                  <a:ext cx="1213969" cy="23321"/>
+                </a:xfrm>
+                <a:prstGeom prst="straightConnector1">
+                  <a:avLst/>
+                </a:prstGeom>
+                <a:ln w="28575" cmpd="sng">
+                  <a:solidFill>
+                    <a:srgbClr val="7240F0"/>
+                  </a:solidFill>
+                  <a:prstDash val="solid"/>
+                  <a:tailEnd type="triangle" w="lg" len="lg"/>
+                </a:ln>
+              </p:spPr>
+              <p:style>
+                <a:lnRef idx="1">
+                  <a:schemeClr val="accent1"/>
+                </a:lnRef>
+                <a:fillRef idx="0">
+                  <a:schemeClr val="accent1"/>
+                </a:fillRef>
+                <a:effectRef idx="0">
+                  <a:schemeClr val="accent1"/>
+                </a:effectRef>
+                <a:fontRef idx="minor">
+                  <a:schemeClr val="tx1"/>
+                </a:fontRef>
+              </p:style>
+            </p:cxnSp>
+            <p:cxnSp>
+              <p:nvCxnSpPr>
+                <p:cNvPr id="35" name="Conector recto de flecha 34"/>
+                <p:cNvCxnSpPr>
+                  <a:stCxn id="44" idx="3"/>
+                  <a:endCxn id="28" idx="2"/>
+                </p:cNvCxnSpPr>
+                <p:nvPr/>
+              </p:nvCxnSpPr>
+              <p:spPr>
+                <a:xfrm>
+                  <a:off x="11269381" y="2462089"/>
+                  <a:ext cx="1990863" cy="8901"/>
+                </a:xfrm>
+                <a:prstGeom prst="straightConnector1">
+                  <a:avLst/>
+                </a:prstGeom>
+                <a:ln w="28575">
+                  <a:solidFill>
+                    <a:srgbClr val="7240F0"/>
+                  </a:solidFill>
+                  <a:tailEnd type="triangle" w="lg" len="lg"/>
+                </a:ln>
+              </p:spPr>
+              <p:style>
+                <a:lnRef idx="1">
+                  <a:schemeClr val="accent1"/>
+                </a:lnRef>
+                <a:fillRef idx="0">
+                  <a:schemeClr val="accent1"/>
+                </a:fillRef>
+                <a:effectRef idx="0">
+                  <a:schemeClr val="accent1"/>
+                </a:effectRef>
+                <a:fontRef idx="minor">
+                  <a:schemeClr val="tx1"/>
+                </a:fontRef>
+              </p:style>
+            </p:cxnSp>
+            <p:sp>
+              <p:nvSpPr>
+                <p:cNvPr id="122" name="CuadroTexto 121"/>
+                <p:cNvSpPr txBox="1"/>
+                <p:nvPr/>
+              </p:nvSpPr>
+              <p:spPr>
+                <a:xfrm>
+                  <a:off x="4498572" y="2172744"/>
+                  <a:ext cx="475643" cy="369332"/>
+                </a:xfrm>
+                <a:prstGeom prst="rect">
+                  <a:avLst/>
+                </a:prstGeom>
+                <a:noFill/>
+              </p:spPr>
+              <p:txBody>
+                <a:bodyPr wrap="none" rtlCol="0">
+                  <a:spAutoFit/>
+                </a:bodyPr>
+                <a:lstStyle/>
+                <a:p>
+                  <a:r>
+                    <a:rPr lang="es-ES" b="1" dirty="0" smtClean="0">
+                      <a:solidFill>
+                        <a:srgbClr val="FF3300"/>
+                      </a:solidFill>
+                      <a:latin typeface="+mj-lt"/>
+                      <a:cs typeface="Aharoni" panose="02010803020104030203" pitchFamily="2" charset="-79"/>
+                    </a:rPr>
+                    <a:t>Yes</a:t>
+                  </a:r>
+                  <a:endParaRPr lang="es-ES" b="1" dirty="0">
+                    <a:solidFill>
+                      <a:srgbClr val="FF3300"/>
+                    </a:solidFill>
+                    <a:latin typeface="+mj-lt"/>
+                    <a:cs typeface="Aharoni" panose="02010803020104030203" pitchFamily="2" charset="-79"/>
+                  </a:endParaRPr>
+                </a:p>
+              </p:txBody>
+            </p:sp>
+            <p:sp>
+              <p:nvSpPr>
+                <p:cNvPr id="68" name="Rectángulo redondeado 67"/>
+                <p:cNvSpPr/>
+                <p:nvPr/>
+              </p:nvSpPr>
+              <p:spPr bwMode="auto">
+                <a:xfrm>
+                  <a:off x="6248593" y="6321982"/>
+                  <a:ext cx="1379397" cy="1304464"/>
+                </a:xfrm>
+                <a:prstGeom prst="roundRect">
+                  <a:avLst/>
+                </a:prstGeom>
+                <a:solidFill>
+                  <a:schemeClr val="bg1"/>
+                </a:solidFill>
+                <a:ln w="9525" cap="rnd" cmpd="sng" algn="ctr">
+                  <a:solidFill>
+                    <a:srgbClr val="00B050"/>
+                  </a:solidFill>
+                  <a:prstDash val="sysDot"/>
+                  <a:round/>
+                  <a:headEnd type="none" w="med" len="med"/>
+                  <a:tailEnd type="none" w="med" len="med"/>
+                </a:ln>
+                <a:effectLst/>
+                <a:extLst/>
+              </p:spPr>
+              <p:txBody>
+                <a:bodyPr vert="horz" wrap="none" lIns="45720" tIns="45720" rIns="45720" bIns="45720" numCol="1" rtlCol="0" anchor="ctr" anchorCtr="0" compatLnSpc="1">
+                  <a:prstTxWarp prst="textNoShape">
+                    <a:avLst/>
+                  </a:prstTxWarp>
+                </a:bodyPr>
+                <a:lstStyle/>
+                <a:p>
+                  <a:pPr marL="0" marR="0" indent="0" algn="ctr" defTabSz="914400" rtl="0" eaLnBrk="1" fontAlgn="base" latinLnBrk="0" hangingPunct="1">
+                    <a:lnSpc>
+                      <a:spcPct val="100000"/>
+                    </a:lnSpc>
+                    <a:spcBef>
+                      <a:spcPct val="50000"/>
+                    </a:spcBef>
+                    <a:spcAft>
+                      <a:spcPct val="0"/>
+                    </a:spcAft>
+                    <a:buClrTx/>
+                    <a:buSzTx/>
+                    <a:buFontTx/>
+                    <a:buNone/>
+                    <a:tabLst/>
+                  </a:pPr>
+                  <a:endParaRPr kumimoji="0" lang="es-ES" sz="2000" b="0" i="0" u="none" strike="noStrike" cap="none" normalizeH="0" baseline="0" dirty="0" smtClean="0">
+                    <a:ln>
+                      <a:noFill/>
+                    </a:ln>
+                    <a:solidFill>
+                      <a:srgbClr val="00B050"/>
+                    </a:solidFill>
+                    <a:effectLst/>
+                    <a:latin typeface="Verdana" pitchFamily="34" charset="0"/>
+                  </a:endParaRPr>
+                </a:p>
+              </p:txBody>
+            </p:sp>
+            <p:sp>
+              <p:nvSpPr>
+                <p:cNvPr id="69" name="CuadroTexto 68"/>
+                <p:cNvSpPr txBox="1"/>
+                <p:nvPr/>
+              </p:nvSpPr>
+              <p:spPr>
+                <a:xfrm>
+                  <a:off x="6547442" y="6436658"/>
+                  <a:ext cx="838443" cy="276999"/>
+                </a:xfrm>
+                <a:prstGeom prst="rect">
+                  <a:avLst/>
+                </a:prstGeom>
+                <a:noFill/>
+              </p:spPr>
+              <p:txBody>
+                <a:bodyPr wrap="square" rtlCol="0">
+                  <a:spAutoFit/>
+                </a:bodyPr>
+                <a:lstStyle/>
+                <a:p>
+                  <a:r>
+                    <a:rPr lang="es-ES" sz="1200" b="1" dirty="0" smtClean="0">
+                      <a:solidFill>
+                        <a:srgbClr val="00B050"/>
+                      </a:solidFill>
+                    </a:rPr>
+                    <a:t>DATABASE</a:t>
+                  </a:r>
+                  <a:endParaRPr lang="es-ES" sz="1200" b="1" dirty="0">
+                    <a:solidFill>
+                      <a:srgbClr val="00B050"/>
+                    </a:solidFill>
+                  </a:endParaRPr>
+                </a:p>
+              </p:txBody>
+            </p:sp>
+            <p:sp>
+              <p:nvSpPr>
+                <p:cNvPr id="71" name="Flecha izquierda y derecha 70"/>
+                <p:cNvSpPr/>
+                <p:nvPr/>
+              </p:nvSpPr>
+              <p:spPr>
+                <a:xfrm rot="16200000">
+                  <a:off x="6505707" y="5760625"/>
+                  <a:ext cx="720000" cy="212903"/>
+                </a:xfrm>
+                <a:prstGeom prst="leftRightArrow">
+                  <a:avLst/>
+                </a:prstGeom>
+                <a:solidFill>
+                  <a:schemeClr val="accent3">
+                    <a:lumMod val="60000"/>
+                    <a:lumOff val="40000"/>
+                  </a:schemeClr>
+                </a:solidFill>
+                <a:ln>
+                  <a:noFill/>
+                </a:ln>
+              </p:spPr>
+              <p:style>
+                <a:lnRef idx="2">
+                  <a:schemeClr val="accent1">
+                    <a:shade val="50000"/>
+                  </a:schemeClr>
+                </a:lnRef>
+                <a:fillRef idx="1">
+                  <a:schemeClr val="accent1"/>
+                </a:fillRef>
+                <a:effectRef idx="0">
+                  <a:schemeClr val="accent1"/>
+                </a:effectRef>
+                <a:fontRef idx="minor">
+                  <a:schemeClr val="lt1"/>
+                </a:fontRef>
+              </p:style>
+              <p:txBody>
+                <a:bodyPr rtlCol="0" anchor="ctr"/>
+                <a:lstStyle/>
+                <a:p>
+                  <a:pPr algn="ctr"/>
+                  <a:endParaRPr lang="es-ES"/>
+                </a:p>
+              </p:txBody>
+            </p:sp>
+            <p:pic>
+              <p:nvPicPr>
+                <p:cNvPr id="72" name="Imagen 71"/>
+                <p:cNvPicPr>
+                  <a:picLocks noChangeAspect="1"/>
+                </p:cNvPicPr>
+                <p:nvPr/>
+              </p:nvPicPr>
+              <p:blipFill>
+                <a:blip r:embed="rId2" cstate="print">
+                  <a:duotone>
+                    <a:schemeClr val="accent5">
+                      <a:shade val="45000"/>
+                      <a:satMod val="135000"/>
+                    </a:schemeClr>
+                    <a:prstClr val="white"/>
+                  </a:duotone>
+                  <a:extLst>
+                    <a:ext uri="{28A0092B-C50C-407E-A947-70E740481C1C}">
+                      <a14:useLocalDpi xmlns:a14="http://schemas.microsoft.com/office/drawing/2010/main" val="0"/>
+                    </a:ext>
+                  </a:extLst>
+                </a:blip>
+                <a:stretch>
+                  <a:fillRect/>
+                </a:stretch>
+              </p:blipFill>
+              <p:spPr>
+                <a:xfrm>
+                  <a:off x="7014098" y="6903812"/>
+                  <a:ext cx="444124" cy="445566"/>
+                </a:xfrm>
+                <a:prstGeom prst="rect">
+                  <a:avLst/>
+                </a:prstGeom>
+              </p:spPr>
+            </p:pic>
+            <p:pic>
+              <p:nvPicPr>
+                <p:cNvPr id="74" name="Imagen 73"/>
+                <p:cNvPicPr>
+                  <a:picLocks noChangeAspect="1"/>
+                </p:cNvPicPr>
+                <p:nvPr/>
+              </p:nvPicPr>
+              <p:blipFill>
+                <a:blip r:embed="rId3" cstate="print">
+                  <a:extLst>
+                    <a:ext uri="{28A0092B-C50C-407E-A947-70E740481C1C}">
+                      <a14:useLocalDpi xmlns:a14="http://schemas.microsoft.com/office/drawing/2010/main" val="0"/>
+                    </a:ext>
+                  </a:extLst>
+                </a:blip>
+                <a:stretch>
+                  <a:fillRect/>
+                </a:stretch>
+              </p:blipFill>
+              <p:spPr>
+                <a:xfrm>
+                  <a:off x="6385650" y="6878019"/>
+                  <a:ext cx="586509" cy="539588"/>
+                </a:xfrm>
+                <a:prstGeom prst="rect">
+                  <a:avLst/>
+                </a:prstGeom>
+              </p:spPr>
+            </p:pic>
+            <p:sp>
+              <p:nvSpPr>
+                <p:cNvPr id="18" name="CuadroTexto 17"/>
+                <p:cNvSpPr txBox="1"/>
+                <p:nvPr/>
+              </p:nvSpPr>
+              <p:spPr>
+                <a:xfrm>
+                  <a:off x="450142" y="2517445"/>
+                  <a:ext cx="1137299" cy="338554"/>
+                </a:xfrm>
+                <a:prstGeom prst="rect">
+                  <a:avLst/>
+                </a:prstGeom>
+                <a:noFill/>
+              </p:spPr>
+              <p:txBody>
+                <a:bodyPr wrap="none" rtlCol="0">
+                  <a:spAutoFit/>
+                </a:bodyPr>
+                <a:lstStyle/>
+                <a:p>
+                  <a:r>
+                    <a:rPr lang="es-ES" sz="1600" dirty="0" smtClean="0">
+                      <a:solidFill>
+                        <a:schemeClr val="tx1">
+                          <a:lumMod val="50000"/>
+                          <a:lumOff val="50000"/>
+                        </a:schemeClr>
+                      </a:solidFill>
+                      <a:latin typeface="+mj-lt"/>
+                      <a:cs typeface="Aharoni" panose="02010803020104030203" pitchFamily="2" charset="-79"/>
+                    </a:rPr>
+                    <a:t>$</a:t>
+                  </a:r>
+                  <a:r>
+                    <a:rPr lang="es-ES" sz="1600" dirty="0" err="1" smtClean="0">
+                      <a:solidFill>
+                        <a:schemeClr val="tx1">
+                          <a:lumMod val="50000"/>
+                          <a:lumOff val="50000"/>
+                        </a:schemeClr>
+                      </a:solidFill>
+                      <a:latin typeface="+mj-lt"/>
+                      <a:cs typeface="Aharoni" panose="02010803020104030203" pitchFamily="2" charset="-79"/>
+                    </a:rPr>
+                    <a:t>counter</a:t>
+                  </a:r>
+                  <a:r>
+                    <a:rPr lang="es-ES" sz="1600" dirty="0" smtClean="0">
+                      <a:solidFill>
+                        <a:schemeClr val="tx1">
+                          <a:lumMod val="50000"/>
+                          <a:lumOff val="50000"/>
+                        </a:schemeClr>
+                      </a:solidFill>
+                      <a:latin typeface="+mj-lt"/>
+                      <a:cs typeface="Aharoni" panose="02010803020104030203" pitchFamily="2" charset="-79"/>
+                    </a:rPr>
+                    <a:t>=0</a:t>
+                  </a:r>
+                  <a:endParaRPr lang="es-ES" sz="1600" dirty="0">
+                    <a:solidFill>
+                      <a:schemeClr val="tx1">
+                        <a:lumMod val="50000"/>
+                        <a:lumOff val="50000"/>
+                      </a:schemeClr>
+                    </a:solidFill>
+                    <a:latin typeface="+mj-lt"/>
+                    <a:cs typeface="Aharoni" panose="02010803020104030203" pitchFamily="2" charset="-79"/>
+                  </a:endParaRPr>
+                </a:p>
+              </p:txBody>
+            </p:sp>
+            <p:sp>
+              <p:nvSpPr>
+                <p:cNvPr id="24" name="Decisión 23"/>
+                <p:cNvSpPr/>
+                <p:nvPr/>
+              </p:nvSpPr>
+              <p:spPr>
+                <a:xfrm>
+                  <a:off x="5712541" y="1771364"/>
+                  <a:ext cx="2222223" cy="1440673"/>
+                </a:xfrm>
+                <a:prstGeom prst="flowChartDecision">
+                  <a:avLst/>
+                </a:prstGeom>
+                <a:noFill/>
+                <a:ln w="38100">
+                  <a:solidFill>
+                    <a:srgbClr val="46DACC"/>
+                  </a:solidFill>
+                  <a:prstDash val="sysDot"/>
+                </a:ln>
+              </p:spPr>
+              <p:style>
+                <a:lnRef idx="2">
+                  <a:schemeClr val="accent1">
+                    <a:shade val="50000"/>
+                  </a:schemeClr>
+                </a:lnRef>
+                <a:fillRef idx="1">
+                  <a:schemeClr val="accent1"/>
+                </a:fillRef>
+                <a:effectRef idx="0">
+                  <a:schemeClr val="accent1"/>
+                </a:effectRef>
+                <a:fontRef idx="minor">
+                  <a:schemeClr val="lt1"/>
+                </a:fontRef>
+              </p:style>
+              <p:txBody>
+                <a:bodyPr lIns="0" tIns="0" rIns="0" bIns="0" rtlCol="0" anchor="ctr"/>
+                <a:lstStyle/>
+                <a:p>
+                  <a:pPr algn="ctr"/>
+                  <a:r>
+                    <a:rPr lang="es-ES" sz="1200" dirty="0" smtClean="0">
+                      <a:solidFill>
+                        <a:schemeClr val="tx1">
+                          <a:lumMod val="65000"/>
+                          <a:lumOff val="35000"/>
+                        </a:schemeClr>
+                      </a:solidFill>
+                      <a:latin typeface="Arial Rounded MT Bold" panose="020F0704030504030204" pitchFamily="34" charset="0"/>
+                    </a:rPr>
+                    <a:t>CHECK SUMMARY</a:t>
+                  </a:r>
+                </a:p>
+                <a:p>
+                  <a:pPr algn="ctr"/>
+                  <a:r>
+                    <a:rPr lang="es-ES" sz="1200" dirty="0" smtClean="0">
+                      <a:solidFill>
+                        <a:schemeClr val="tx1">
+                          <a:lumMod val="65000"/>
+                          <a:lumOff val="35000"/>
+                        </a:schemeClr>
+                      </a:solidFill>
+                      <a:latin typeface="Arial Rounded MT Bold" panose="020F0704030504030204" pitchFamily="34" charset="0"/>
+                    </a:rPr>
+                    <a:t>@RESPONSE_</a:t>
+                  </a:r>
+                </a:p>
+                <a:p>
+                  <a:pPr algn="ctr"/>
+                  <a:r>
+                    <a:rPr lang="es-ES" sz="1200" dirty="0" smtClean="0">
+                      <a:solidFill>
+                        <a:schemeClr val="tx1">
+                          <a:lumMod val="65000"/>
+                          <a:lumOff val="35000"/>
+                        </a:schemeClr>
+                      </a:solidFill>
+                      <a:latin typeface="Arial Rounded MT Bold" panose="020F0704030504030204" pitchFamily="34" charset="0"/>
+                    </a:rPr>
+                    <a:t>TYPES</a:t>
+                  </a:r>
+                  <a:endParaRPr lang="es-ES" sz="1200" dirty="0">
+                    <a:solidFill>
+                      <a:schemeClr val="tx1">
+                        <a:lumMod val="65000"/>
+                        <a:lumOff val="35000"/>
+                      </a:schemeClr>
+                    </a:solidFill>
+                    <a:latin typeface="Arial Rounded MT Bold" panose="020F0704030504030204" pitchFamily="34" charset="0"/>
+                  </a:endParaRPr>
+                </a:p>
+              </p:txBody>
+            </p:sp>
+            <p:sp>
+              <p:nvSpPr>
+                <p:cNvPr id="26" name="Elipse 25"/>
+                <p:cNvSpPr/>
+                <p:nvPr/>
+              </p:nvSpPr>
+              <p:spPr>
+                <a:xfrm>
+                  <a:off x="-848193" y="2011022"/>
+                  <a:ext cx="1260000" cy="1008000"/>
+                </a:xfrm>
+                <a:prstGeom prst="ellipse">
+                  <a:avLst/>
+                </a:prstGeom>
+                <a:noFill/>
+                <a:ln w="76200">
+                  <a:solidFill>
+                    <a:srgbClr val="46DACC"/>
+                  </a:solidFill>
+                </a:ln>
+              </p:spPr>
+              <p:style>
+                <a:lnRef idx="2">
+                  <a:schemeClr val="accent1">
+                    <a:shade val="50000"/>
+                  </a:schemeClr>
+                </a:lnRef>
+                <a:fillRef idx="1">
+                  <a:schemeClr val="accent1"/>
+                </a:fillRef>
+                <a:effectRef idx="0">
+                  <a:schemeClr val="accent1"/>
+                </a:effectRef>
+                <a:fontRef idx="minor">
+                  <a:schemeClr val="lt1"/>
+                </a:fontRef>
+              </p:style>
+              <p:txBody>
+                <a:bodyPr lIns="0" tIns="0" rIns="0" bIns="0" rtlCol="0" anchor="ctr"/>
+                <a:lstStyle/>
+                <a:p>
+                  <a:pPr algn="ctr"/>
+                  <a:r>
+                    <a:rPr lang="es-ES" sz="1200" dirty="0" smtClean="0">
+                      <a:solidFill>
+                        <a:schemeClr val="tx1">
+                          <a:lumMod val="75000"/>
+                          <a:lumOff val="25000"/>
+                        </a:schemeClr>
+                      </a:solidFill>
+                      <a:latin typeface="Arial Rounded MT Bold" panose="020F0704030504030204" pitchFamily="34" charset="0"/>
+                    </a:rPr>
+                    <a:t>START</a:t>
+                  </a:r>
+                  <a:endParaRPr lang="es-ES" sz="1200" dirty="0">
+                    <a:solidFill>
+                      <a:schemeClr val="tx1">
+                        <a:lumMod val="75000"/>
+                        <a:lumOff val="25000"/>
+                      </a:schemeClr>
+                    </a:solidFill>
+                    <a:latin typeface="Arial Rounded MT Bold" panose="020F0704030504030204" pitchFamily="34" charset="0"/>
+                  </a:endParaRPr>
+                </a:p>
+              </p:txBody>
+            </p:sp>
+            <p:sp>
+              <p:nvSpPr>
+                <p:cNvPr id="28" name="Elipse 27"/>
+                <p:cNvSpPr/>
+                <p:nvPr/>
+              </p:nvSpPr>
+              <p:spPr>
+                <a:xfrm>
+                  <a:off x="13260244" y="1966578"/>
+                  <a:ext cx="1260000" cy="1008823"/>
+                </a:xfrm>
+                <a:prstGeom prst="ellipse">
+                  <a:avLst/>
+                </a:prstGeom>
+                <a:noFill/>
+                <a:ln w="76200">
+                  <a:solidFill>
+                    <a:srgbClr val="46DACC"/>
+                  </a:solidFill>
+                </a:ln>
+              </p:spPr>
+              <p:style>
+                <a:lnRef idx="2">
+                  <a:schemeClr val="accent1">
+                    <a:shade val="50000"/>
+                  </a:schemeClr>
+                </a:lnRef>
+                <a:fillRef idx="1">
+                  <a:schemeClr val="accent1"/>
+                </a:fillRef>
+                <a:effectRef idx="0">
+                  <a:schemeClr val="accent1"/>
+                </a:effectRef>
+                <a:fontRef idx="minor">
+                  <a:schemeClr val="lt1"/>
+                </a:fontRef>
+              </p:style>
+              <p:txBody>
+                <a:bodyPr lIns="0" tIns="0" rIns="0" bIns="0" rtlCol="0" anchor="ctr"/>
+                <a:lstStyle/>
+                <a:p>
+                  <a:pPr algn="ctr"/>
+                  <a:r>
+                    <a:rPr lang="es-ES" sz="1200" dirty="0" smtClean="0">
+                      <a:solidFill>
+                        <a:schemeClr val="tx1">
+                          <a:lumMod val="75000"/>
+                          <a:lumOff val="25000"/>
+                        </a:schemeClr>
+                      </a:solidFill>
+                      <a:latin typeface="Arial Rounded MT Bold" panose="020F0704030504030204" pitchFamily="34" charset="0"/>
+                    </a:rPr>
+                    <a:t>RESPONSE</a:t>
+                  </a:r>
+                  <a:endParaRPr lang="es-ES" sz="1200" dirty="0">
+                    <a:solidFill>
+                      <a:schemeClr val="tx1">
+                        <a:lumMod val="75000"/>
+                        <a:lumOff val="25000"/>
+                      </a:schemeClr>
+                    </a:solidFill>
+                    <a:latin typeface="Arial Rounded MT Bold" panose="020F0704030504030204" pitchFamily="34" charset="0"/>
+                  </a:endParaRPr>
+                </a:p>
+              </p:txBody>
+            </p:sp>
+            <p:cxnSp>
+              <p:nvCxnSpPr>
+                <p:cNvPr id="36" name="Conector recto de flecha 35"/>
+                <p:cNvCxnSpPr>
+                  <a:stCxn id="24" idx="3"/>
+                  <a:endCxn id="44" idx="1"/>
+                </p:cNvCxnSpPr>
+                <p:nvPr/>
+              </p:nvCxnSpPr>
+              <p:spPr>
+                <a:xfrm flipV="1">
+                  <a:off x="7934764" y="2462089"/>
+                  <a:ext cx="1438132" cy="29612"/>
+                </a:xfrm>
+                <a:prstGeom prst="straightConnector1">
+                  <a:avLst/>
+                </a:prstGeom>
+                <a:ln w="28575">
+                  <a:solidFill>
+                    <a:srgbClr val="7240F0"/>
+                  </a:solidFill>
+                  <a:tailEnd type="triangle" w="lg" len="lg"/>
+                </a:ln>
+              </p:spPr>
+              <p:style>
+                <a:lnRef idx="1">
+                  <a:schemeClr val="accent1"/>
+                </a:lnRef>
+                <a:fillRef idx="0">
+                  <a:schemeClr val="accent1"/>
+                </a:fillRef>
+                <a:effectRef idx="0">
+                  <a:schemeClr val="accent1"/>
+                </a:effectRef>
+                <a:fontRef idx="minor">
+                  <a:schemeClr val="tx1"/>
+                </a:fontRef>
+              </p:style>
+            </p:cxnSp>
+            <p:sp>
+              <p:nvSpPr>
+                <p:cNvPr id="37" name="CuadroTexto 36"/>
+                <p:cNvSpPr txBox="1"/>
+                <p:nvPr/>
+              </p:nvSpPr>
+              <p:spPr>
+                <a:xfrm>
+                  <a:off x="7880792" y="2101658"/>
+                  <a:ext cx="1055545" cy="369332"/>
+                </a:xfrm>
+                <a:prstGeom prst="rect">
+                  <a:avLst/>
+                </a:prstGeom>
+                <a:noFill/>
+              </p:spPr>
+              <p:txBody>
+                <a:bodyPr wrap="none" rtlCol="0">
+                  <a:spAutoFit/>
+                </a:bodyPr>
+                <a:lstStyle/>
+                <a:p>
+                  <a:r>
+                    <a:rPr lang="es-ES" b="1" dirty="0" err="1" smtClean="0">
+                      <a:solidFill>
+                        <a:srgbClr val="FF3300"/>
+                      </a:solidFill>
+                      <a:latin typeface="+mj-lt"/>
+                      <a:cs typeface="Aharoni" panose="02010803020104030203" pitchFamily="2" charset="-79"/>
+                    </a:rPr>
+                    <a:t>Unknown</a:t>
+                  </a:r>
+                  <a:endParaRPr lang="es-ES" b="1" dirty="0">
+                    <a:solidFill>
+                      <a:srgbClr val="FF3300"/>
+                    </a:solidFill>
+                    <a:latin typeface="+mj-lt"/>
+                    <a:cs typeface="Aharoni" panose="02010803020104030203" pitchFamily="2" charset="-79"/>
+                  </a:endParaRPr>
+                </a:p>
+              </p:txBody>
+            </p:sp>
+            <p:sp>
+              <p:nvSpPr>
+                <p:cNvPr id="38" name="CuadroTexto 37"/>
+                <p:cNvSpPr txBox="1"/>
+                <p:nvPr/>
+              </p:nvSpPr>
+              <p:spPr>
+                <a:xfrm>
+                  <a:off x="6830682" y="3154482"/>
+                  <a:ext cx="475643" cy="369332"/>
+                </a:xfrm>
+                <a:prstGeom prst="rect">
+                  <a:avLst/>
+                </a:prstGeom>
+                <a:noFill/>
+              </p:spPr>
+              <p:txBody>
+                <a:bodyPr wrap="none" rtlCol="0">
+                  <a:spAutoFit/>
+                </a:bodyPr>
+                <a:lstStyle/>
+                <a:p>
+                  <a:r>
+                    <a:rPr lang="es-ES" b="1" dirty="0" smtClean="0">
+                      <a:solidFill>
+                        <a:srgbClr val="FF3300"/>
+                      </a:solidFill>
+                      <a:latin typeface="+mj-lt"/>
+                      <a:cs typeface="Aharoni" panose="02010803020104030203" pitchFamily="2" charset="-79"/>
+                    </a:rPr>
+                    <a:t>Yes</a:t>
+                  </a:r>
+                  <a:endParaRPr lang="es-ES" b="1" dirty="0">
+                    <a:solidFill>
+                      <a:srgbClr val="FF3300"/>
+                    </a:solidFill>
+                    <a:latin typeface="+mj-lt"/>
+                    <a:cs typeface="Aharoni" panose="02010803020104030203" pitchFamily="2" charset="-79"/>
+                  </a:endParaRPr>
+                </a:p>
+              </p:txBody>
+            </p:sp>
+            <p:cxnSp>
+              <p:nvCxnSpPr>
+                <p:cNvPr id="39" name="Conector recto de flecha 38"/>
+                <p:cNvCxnSpPr>
+                  <a:stCxn id="24" idx="2"/>
+                  <a:endCxn id="7" idx="0"/>
+                </p:cNvCxnSpPr>
+                <p:nvPr/>
+              </p:nvCxnSpPr>
+              <p:spPr>
+                <a:xfrm>
+                  <a:off x="6823653" y="3212037"/>
+                  <a:ext cx="7029" cy="1108873"/>
+                </a:xfrm>
+                <a:prstGeom prst="straightConnector1">
+                  <a:avLst/>
+                </a:prstGeom>
+                <a:ln w="28575">
+                  <a:solidFill>
+                    <a:srgbClr val="7240F0"/>
+                  </a:solidFill>
+                  <a:tailEnd type="triangle" w="lg" len="lg"/>
+                </a:ln>
+              </p:spPr>
+              <p:style>
+                <a:lnRef idx="1">
+                  <a:schemeClr val="accent1"/>
+                </a:lnRef>
+                <a:fillRef idx="0">
+                  <a:schemeClr val="accent1"/>
+                </a:fillRef>
+                <a:effectRef idx="0">
+                  <a:schemeClr val="accent1"/>
+                </a:effectRef>
+                <a:fontRef idx="minor">
+                  <a:schemeClr val="tx1"/>
+                </a:fontRef>
+              </p:style>
+            </p:cxnSp>
+            <p:cxnSp>
+              <p:nvCxnSpPr>
+                <p:cNvPr id="57" name="Conector recto de flecha 56"/>
+                <p:cNvCxnSpPr>
+                  <a:stCxn id="7" idx="3"/>
+                </p:cNvCxnSpPr>
+                <p:nvPr/>
+              </p:nvCxnSpPr>
+              <p:spPr>
+                <a:xfrm flipV="1">
+                  <a:off x="7550682" y="4847259"/>
+                  <a:ext cx="4989806" cy="13651"/>
+                </a:xfrm>
+                <a:prstGeom prst="straightConnector1">
+                  <a:avLst/>
+                </a:prstGeom>
+                <a:ln w="28575">
+                  <a:solidFill>
+                    <a:srgbClr val="7240F0"/>
+                  </a:solidFill>
+                  <a:tailEnd type="triangle" w="lg" len="lg"/>
+                </a:ln>
+              </p:spPr>
+              <p:style>
+                <a:lnRef idx="1">
+                  <a:schemeClr val="accent1"/>
+                </a:lnRef>
+                <a:fillRef idx="0">
+                  <a:schemeClr val="accent1"/>
+                </a:fillRef>
+                <a:effectRef idx="0">
+                  <a:schemeClr val="accent1"/>
+                </a:effectRef>
+                <a:fontRef idx="minor">
+                  <a:schemeClr val="tx1"/>
+                </a:fontRef>
+              </p:style>
+            </p:cxnSp>
+          </p:grpSp>
+          <p:sp>
+            <p:nvSpPr>
+              <p:cNvPr id="92" name="Rectángulo redondeado 91"/>
+              <p:cNvSpPr/>
+              <p:nvPr/>
+            </p:nvSpPr>
+            <p:spPr>
+              <a:xfrm>
+                <a:off x="1759058" y="3976092"/>
+                <a:ext cx="10176268" cy="1805889"/>
+              </a:xfrm>
+              <a:prstGeom prst="roundRect">
+                <a:avLst>
+                  <a:gd name="adj" fmla="val 3452"/>
+                </a:avLst>
+              </a:prstGeom>
+              <a:noFill/>
+              <a:ln>
+                <a:solidFill>
+                  <a:schemeClr val="bg1">
+                    <a:lumMod val="75000"/>
+                  </a:schemeClr>
+                </a:solidFill>
+                <a:prstDash val="sysDash"/>
+              </a:ln>
+            </p:spPr>
+            <p:style>
+              <a:lnRef idx="2">
+                <a:schemeClr val="accent1">
+                  <a:shade val="50000"/>
+                </a:schemeClr>
+              </a:lnRef>
+              <a:fillRef idx="1">
+                <a:schemeClr val="accent1"/>
+              </a:fillRef>
+              <a:effectRef idx="0">
+                <a:schemeClr val="accent1"/>
+              </a:effectRef>
+              <a:fontRef idx="minor">
+                <a:schemeClr val="lt1"/>
+              </a:fontRef>
+            </p:style>
+            <p:txBody>
+              <a:bodyPr rtlCol="0" anchor="ctr"/>
+              <a:lstStyle/>
+              <a:p>
+                <a:pPr algn="ctr"/>
+                <a:endParaRPr lang="es-ES"/>
+              </a:p>
+            </p:txBody>
+          </p:sp>
+          <p:sp>
+            <p:nvSpPr>
+              <p:cNvPr id="93" name="CuadroTexto 92"/>
+              <p:cNvSpPr txBox="1"/>
+              <p:nvPr/>
+            </p:nvSpPr>
+            <p:spPr>
+              <a:xfrm>
+                <a:off x="1856288" y="374198"/>
+                <a:ext cx="3039200" cy="338554"/>
+              </a:xfrm>
+              <a:prstGeom prst="rect">
+                <a:avLst/>
+              </a:prstGeom>
+              <a:noFill/>
+            </p:spPr>
+            <p:txBody>
+              <a:bodyPr wrap="square" rtlCol="0">
+                <a:spAutoFit/>
+              </a:bodyPr>
+              <a:lstStyle/>
+              <a:p>
+                <a:r>
+                  <a:rPr lang="es-ES" sz="1600" b="1" dirty="0" smtClean="0">
+                    <a:solidFill>
+                      <a:schemeClr val="tx1">
+                        <a:lumMod val="50000"/>
+                        <a:lumOff val="50000"/>
+                      </a:schemeClr>
+                    </a:solidFill>
+                    <a:latin typeface="Arial Rounded MT Bold" panose="020F0704030504030204" pitchFamily="34" charset="0"/>
+                    <a:cs typeface="Aharoni" panose="02010803020104030203" pitchFamily="2" charset="-79"/>
+                  </a:rPr>
+                  <a:t>WATSON CONVERSATION</a:t>
+                </a:r>
+                <a:endParaRPr lang="es-ES" sz="1600" b="1" dirty="0">
+                  <a:solidFill>
+                    <a:schemeClr val="tx1">
+                      <a:lumMod val="50000"/>
+                      <a:lumOff val="50000"/>
+                    </a:schemeClr>
+                  </a:solidFill>
+                  <a:latin typeface="Arial Rounded MT Bold" panose="020F0704030504030204" pitchFamily="34" charset="0"/>
+                  <a:cs typeface="Aharoni" panose="02010803020104030203" pitchFamily="2" charset="-79"/>
+                </a:endParaRPr>
+              </a:p>
+            </p:txBody>
+          </p:sp>
+          <p:sp>
+            <p:nvSpPr>
+              <p:cNvPr id="98" name="Rectángulo redondeado 97"/>
+              <p:cNvSpPr/>
+              <p:nvPr/>
+            </p:nvSpPr>
+            <p:spPr>
+              <a:xfrm>
+                <a:off x="1759059" y="330554"/>
+                <a:ext cx="10176267" cy="3342037"/>
+              </a:xfrm>
+              <a:prstGeom prst="roundRect">
+                <a:avLst>
+                  <a:gd name="adj" fmla="val 3452"/>
+                </a:avLst>
+              </a:prstGeom>
+              <a:noFill/>
+              <a:ln>
+                <a:solidFill>
+                  <a:schemeClr val="bg1">
+                    <a:lumMod val="75000"/>
+                  </a:schemeClr>
+                </a:solidFill>
+                <a:prstDash val="sysDash"/>
+              </a:ln>
+            </p:spPr>
+            <p:style>
+              <a:lnRef idx="2">
+                <a:schemeClr val="accent1">
+                  <a:shade val="50000"/>
+                </a:schemeClr>
+              </a:lnRef>
+              <a:fillRef idx="1">
+                <a:schemeClr val="accent1"/>
+              </a:fillRef>
+              <a:effectRef idx="0">
+                <a:schemeClr val="accent1"/>
+              </a:effectRef>
+              <a:fontRef idx="minor">
+                <a:schemeClr val="lt1"/>
+              </a:fontRef>
+            </p:style>
+            <p:txBody>
+              <a:bodyPr rtlCol="0" anchor="ctr"/>
+              <a:lstStyle/>
+              <a:p>
+                <a:pPr algn="ctr"/>
+                <a:endParaRPr lang="es-ES"/>
+              </a:p>
+            </p:txBody>
+          </p:sp>
+          <p:sp>
+            <p:nvSpPr>
+              <p:cNvPr id="99" name="CuadroTexto 98"/>
+              <p:cNvSpPr txBox="1"/>
+              <p:nvPr/>
+            </p:nvSpPr>
+            <p:spPr>
+              <a:xfrm>
+                <a:off x="1912315" y="5337799"/>
+                <a:ext cx="2983174" cy="338554"/>
+              </a:xfrm>
+              <a:prstGeom prst="rect">
+                <a:avLst/>
+              </a:prstGeom>
+              <a:noFill/>
+            </p:spPr>
+            <p:txBody>
+              <a:bodyPr wrap="square" rtlCol="0">
+                <a:spAutoFit/>
+              </a:bodyPr>
+              <a:lstStyle/>
+              <a:p>
+                <a:r>
+                  <a:rPr lang="es-ES" sz="1600" b="1" dirty="0" smtClean="0">
+                    <a:solidFill>
+                      <a:schemeClr val="tx1">
+                        <a:lumMod val="50000"/>
+                        <a:lumOff val="50000"/>
+                      </a:schemeClr>
+                    </a:solidFill>
+                    <a:latin typeface="Arial Rounded MT Bold" panose="020F0704030504030204" pitchFamily="34" charset="0"/>
+                    <a:cs typeface="Aharoni" panose="02010803020104030203" pitchFamily="2" charset="-79"/>
+                  </a:rPr>
+                  <a:t>ORCHESTRATION ENGINE</a:t>
+                </a:r>
+                <a:endParaRPr lang="es-ES" sz="1600" b="1" dirty="0">
+                  <a:solidFill>
+                    <a:schemeClr val="tx1">
+                      <a:lumMod val="50000"/>
+                      <a:lumOff val="50000"/>
+                    </a:schemeClr>
+                  </a:solidFill>
+                  <a:latin typeface="Arial Rounded MT Bold" panose="020F0704030504030204" pitchFamily="34" charset="0"/>
+                  <a:cs typeface="Aharoni" panose="02010803020104030203" pitchFamily="2" charset="-79"/>
+                </a:endParaRPr>
+              </a:p>
+            </p:txBody>
+          </p:sp>
+        </p:grpSp>
+        <p:cxnSp>
+          <p:nvCxnSpPr>
+            <p:cNvPr id="34" name="Conector recto de flecha 33"/>
+            <p:cNvCxnSpPr/>
+            <p:nvPr/>
+          </p:nvCxnSpPr>
+          <p:spPr>
+            <a:xfrm flipH="1" flipV="1">
+              <a:off x="10331234" y="601677"/>
+              <a:ext cx="2" cy="1156745"/>
+            </a:xfrm>
+            <a:prstGeom prst="straightConnector1">
+              <a:avLst/>
+            </a:prstGeom>
+            <a:ln w="28575">
+              <a:solidFill>
+                <a:srgbClr val="7240F0"/>
+              </a:solidFill>
+              <a:tailEnd type="triangle" w="lg" len="lg"/>
+            </a:ln>
+          </p:spPr>
+          <p:style>
+            <a:lnRef idx="1">
+              <a:schemeClr val="accent1"/>
+            </a:lnRef>
+            <a:fillRef idx="0">
+              <a:schemeClr val="accent1"/>
+            </a:fillRef>
+            <a:effectRef idx="0">
+              <a:schemeClr val="accent1"/>
+            </a:effectRef>
+            <a:fontRef idx="minor">
+              <a:schemeClr val="tx1"/>
+            </a:fontRef>
+          </p:style>
+        </p:cxnSp>
+        <p:cxnSp>
+          <p:nvCxnSpPr>
+            <p:cNvPr id="40" name="Conector recto de flecha 39"/>
+            <p:cNvCxnSpPr/>
+            <p:nvPr/>
+          </p:nvCxnSpPr>
+          <p:spPr>
+            <a:xfrm flipH="1">
+              <a:off x="6814637" y="641859"/>
+              <a:ext cx="3532643" cy="12187"/>
+            </a:xfrm>
+            <a:prstGeom prst="straightConnector1">
+              <a:avLst/>
+            </a:prstGeom>
+            <a:ln w="28575">
+              <a:solidFill>
+                <a:srgbClr val="7240F0"/>
+              </a:solidFill>
+              <a:tailEnd type="triangle" w="lg" len="lg"/>
+            </a:ln>
+          </p:spPr>
+          <p:style>
+            <a:lnRef idx="1">
+              <a:schemeClr val="accent1"/>
+            </a:lnRef>
+            <a:fillRef idx="0">
+              <a:schemeClr val="accent1"/>
+            </a:fillRef>
+            <a:effectRef idx="0">
+              <a:schemeClr val="accent1"/>
+            </a:effectRef>
+            <a:fontRef idx="minor">
+              <a:schemeClr val="tx1"/>
+            </a:fontRef>
+          </p:style>
+        </p:cxnSp>
+        <p:cxnSp>
+          <p:nvCxnSpPr>
+            <p:cNvPr id="41" name="Conector recto de flecha 40"/>
+            <p:cNvCxnSpPr>
+              <a:endCxn id="24" idx="0"/>
+            </p:cNvCxnSpPr>
+            <p:nvPr/>
+          </p:nvCxnSpPr>
+          <p:spPr>
+            <a:xfrm flipH="1">
+              <a:off x="6823653" y="641858"/>
+              <a:ext cx="7029" cy="1129506"/>
+            </a:xfrm>
+            <a:prstGeom prst="straightConnector1">
+              <a:avLst/>
+            </a:prstGeom>
+            <a:ln w="28575">
+              <a:solidFill>
+                <a:srgbClr val="7240F0"/>
+              </a:solidFill>
+              <a:tailEnd type="triangle" w="lg" len="lg"/>
+            </a:ln>
+          </p:spPr>
+          <p:style>
+            <a:lnRef idx="1">
+              <a:schemeClr val="accent1"/>
+            </a:lnRef>
+            <a:fillRef idx="0">
+              <a:schemeClr val="accent1"/>
+            </a:fillRef>
+            <a:effectRef idx="0">
+              <a:schemeClr val="accent1"/>
+            </a:effectRef>
+            <a:fontRef idx="minor">
+              <a:schemeClr val="tx1"/>
+            </a:fontRef>
+          </p:style>
+        </p:cxnSp>
+        <p:sp>
+          <p:nvSpPr>
+            <p:cNvPr id="44" name="Decisión 43"/>
+            <p:cNvSpPr/>
+            <p:nvPr/>
+          </p:nvSpPr>
+          <p:spPr>
+            <a:xfrm>
+              <a:off x="9372896" y="1718716"/>
+              <a:ext cx="1896485" cy="1486745"/>
+            </a:xfrm>
+            <a:prstGeom prst="flowChartDecision">
+              <a:avLst/>
+            </a:prstGeom>
+            <a:noFill/>
+            <a:ln w="38100">
+              <a:solidFill>
+                <a:srgbClr val="46DACC"/>
+              </a:solidFill>
+              <a:prstDash val="sysDot"/>
+            </a:ln>
+          </p:spPr>
+          <p:style>
+            <a:lnRef idx="2">
+              <a:schemeClr val="accent1">
+                <a:shade val="50000"/>
+              </a:schemeClr>
+            </a:lnRef>
+            <a:fillRef idx="1">
+              <a:schemeClr val="accent1"/>
+            </a:fillRef>
+            <a:effectRef idx="0">
+              <a:schemeClr val="accent1"/>
+            </a:effectRef>
+            <a:fontRef idx="minor">
+              <a:schemeClr val="lt1"/>
+            </a:fontRef>
+          </p:style>
+          <p:txBody>
+            <a:bodyPr lIns="0" tIns="0" rIns="0" bIns="0" rtlCol="0" anchor="ctr"/>
+            <a:lstStyle/>
+            <a:p>
+              <a:pPr algn="ctr"/>
+              <a:r>
+                <a:rPr lang="es-ES" sz="1200" dirty="0" smtClean="0">
+                  <a:solidFill>
+                    <a:schemeClr val="tx1">
+                      <a:lumMod val="65000"/>
+                      <a:lumOff val="35000"/>
+                    </a:schemeClr>
+                  </a:solidFill>
+                  <a:latin typeface="Arial Rounded MT Bold" panose="020F0704030504030204" pitchFamily="34" charset="0"/>
+                </a:rPr>
+                <a:t>FIRST </a:t>
+              </a:r>
+            </a:p>
+            <a:p>
+              <a:pPr algn="ctr"/>
+              <a:r>
+                <a:rPr lang="es-ES" sz="1200" dirty="0" smtClean="0">
+                  <a:solidFill>
+                    <a:schemeClr val="tx1">
+                      <a:lumMod val="65000"/>
+                      <a:lumOff val="35000"/>
+                    </a:schemeClr>
+                  </a:solidFill>
+                  <a:latin typeface="Arial Rounded MT Bold" panose="020F0704030504030204" pitchFamily="34" charset="0"/>
+                </a:rPr>
+                <a:t>TIME</a:t>
+              </a:r>
+              <a:endParaRPr lang="es-ES" sz="1200" dirty="0">
+                <a:solidFill>
+                  <a:schemeClr val="tx1">
+                    <a:lumMod val="65000"/>
+                    <a:lumOff val="35000"/>
+                  </a:schemeClr>
+                </a:solidFill>
+                <a:latin typeface="Arial Rounded MT Bold" panose="020F0704030504030204" pitchFamily="34" charset="0"/>
+              </a:endParaRPr>
+            </a:p>
+          </p:txBody>
+        </p:sp>
+        <p:sp>
+          <p:nvSpPr>
+            <p:cNvPr id="56" name="CuadroTexto 55"/>
+            <p:cNvSpPr txBox="1"/>
+            <p:nvPr/>
+          </p:nvSpPr>
+          <p:spPr>
+            <a:xfrm>
+              <a:off x="6830682" y="1019162"/>
+              <a:ext cx="1524585" cy="369332"/>
+            </a:xfrm>
+            <a:prstGeom prst="rect">
+              <a:avLst/>
+            </a:prstGeom>
+            <a:noFill/>
+          </p:spPr>
+          <p:txBody>
+            <a:bodyPr wrap="none" rtlCol="0">
+              <a:spAutoFit/>
+            </a:bodyPr>
+            <a:lstStyle/>
+            <a:p>
+              <a:r>
+                <a:rPr lang="es-ES" b="1" dirty="0" smtClean="0">
+                  <a:solidFill>
+                    <a:srgbClr val="FF3300"/>
+                  </a:solidFill>
+                  <a:latin typeface="+mj-lt"/>
+                  <a:cs typeface="Aharoni" panose="02010803020104030203" pitchFamily="2" charset="-79"/>
+                </a:rPr>
+                <a:t>No </a:t>
+              </a:r>
+              <a:r>
+                <a:rPr lang="es-ES" b="1" dirty="0" smtClean="0">
+                  <a:solidFill>
+                    <a:srgbClr val="FF3300"/>
+                  </a:solidFill>
+                  <a:latin typeface="+mj-lt"/>
+                  <a:cs typeface="Aharoni" panose="02010803020104030203" pitchFamily="2" charset="-79"/>
+                </a:rPr>
+                <a:t>/ </a:t>
+              </a:r>
+              <a:r>
+                <a:rPr lang="es-ES" b="1" dirty="0" err="1" smtClean="0">
+                  <a:solidFill>
+                    <a:srgbClr val="FF3300"/>
+                  </a:solidFill>
+                  <a:latin typeface="+mj-lt"/>
+                  <a:cs typeface="Aharoni" panose="02010803020104030203" pitchFamily="2" charset="-79"/>
+                </a:rPr>
+                <a:t>Uncertain</a:t>
+              </a:r>
+              <a:endParaRPr lang="es-ES" b="1" dirty="0">
+                <a:solidFill>
+                  <a:srgbClr val="FF3300"/>
+                </a:solidFill>
+                <a:latin typeface="+mj-lt"/>
+                <a:cs typeface="Aharoni" panose="02010803020104030203" pitchFamily="2" charset="-79"/>
+              </a:endParaRPr>
+            </a:p>
+          </p:txBody>
+        </p:sp>
+        <p:sp>
+          <p:nvSpPr>
+            <p:cNvPr id="86" name="CuadroTexto 85"/>
+            <p:cNvSpPr txBox="1"/>
+            <p:nvPr/>
+          </p:nvSpPr>
+          <p:spPr>
+            <a:xfrm>
+              <a:off x="10347279" y="1013465"/>
+              <a:ext cx="475643" cy="369332"/>
+            </a:xfrm>
+            <a:prstGeom prst="rect">
+              <a:avLst/>
+            </a:prstGeom>
+            <a:noFill/>
+          </p:spPr>
+          <p:txBody>
+            <a:bodyPr wrap="none" rtlCol="0">
+              <a:spAutoFit/>
+            </a:bodyPr>
+            <a:lstStyle/>
+            <a:p>
+              <a:r>
+                <a:rPr lang="es-ES" b="1" dirty="0" smtClean="0">
+                  <a:solidFill>
+                    <a:srgbClr val="FF3300"/>
+                  </a:solidFill>
+                  <a:latin typeface="+mj-lt"/>
+                  <a:cs typeface="Aharoni" panose="02010803020104030203" pitchFamily="2" charset="-79"/>
+                </a:rPr>
+                <a:t>Yes</a:t>
+              </a:r>
+              <a:endParaRPr lang="es-ES" b="1" dirty="0">
+                <a:solidFill>
+                  <a:srgbClr val="FF3300"/>
+                </a:solidFill>
+                <a:latin typeface="+mj-lt"/>
+                <a:cs typeface="Aharoni" panose="02010803020104030203" pitchFamily="2" charset="-79"/>
+              </a:endParaRPr>
+            </a:p>
+          </p:txBody>
+        </p:sp>
+        <p:sp>
+          <p:nvSpPr>
+            <p:cNvPr id="87" name="CuadroTexto 86"/>
+            <p:cNvSpPr txBox="1"/>
+            <p:nvPr/>
+          </p:nvSpPr>
+          <p:spPr>
+            <a:xfrm>
+              <a:off x="11252755" y="2117759"/>
+              <a:ext cx="501419" cy="369332"/>
+            </a:xfrm>
+            <a:prstGeom prst="rect">
+              <a:avLst/>
+            </a:prstGeom>
+            <a:noFill/>
+          </p:spPr>
+          <p:txBody>
+            <a:bodyPr wrap="square" rtlCol="0">
+              <a:spAutoFit/>
+            </a:bodyPr>
+            <a:lstStyle/>
+            <a:p>
+              <a:r>
+                <a:rPr lang="es-ES" b="1" dirty="0" smtClean="0">
+                  <a:solidFill>
+                    <a:srgbClr val="FF3300"/>
+                  </a:solidFill>
+                  <a:latin typeface="+mj-lt"/>
+                  <a:cs typeface="Aharoni" panose="02010803020104030203" pitchFamily="2" charset="-79"/>
+                </a:rPr>
+                <a:t>No</a:t>
+              </a:r>
+              <a:endParaRPr lang="es-ES" b="1" dirty="0">
+                <a:solidFill>
+                  <a:srgbClr val="FF3300"/>
+                </a:solidFill>
+                <a:latin typeface="+mj-lt"/>
+                <a:cs typeface="Aharoni" panose="02010803020104030203" pitchFamily="2" charset="-79"/>
+              </a:endParaRPr>
+            </a:p>
+          </p:txBody>
+        </p:sp>
+        <p:cxnSp>
+          <p:nvCxnSpPr>
+            <p:cNvPr id="91" name="Conector recto de flecha 90"/>
+            <p:cNvCxnSpPr/>
+            <p:nvPr/>
+          </p:nvCxnSpPr>
+          <p:spPr>
+            <a:xfrm flipV="1">
+              <a:off x="12540488" y="2474522"/>
+              <a:ext cx="0" cy="2372737"/>
+            </a:xfrm>
+            <a:prstGeom prst="straightConnector1">
+              <a:avLst/>
+            </a:prstGeom>
+            <a:ln w="28575">
+              <a:solidFill>
+                <a:srgbClr val="7240F0"/>
+              </a:solidFill>
+              <a:tailEnd type="triangle" w="lg" len="lg"/>
+            </a:ln>
+          </p:spPr>
+          <p:style>
+            <a:lnRef idx="1">
+              <a:schemeClr val="accent1"/>
+            </a:lnRef>
+            <a:fillRef idx="0">
+              <a:schemeClr val="accent1"/>
+            </a:fillRef>
+            <a:effectRef idx="0">
+              <a:schemeClr val="accent1"/>
+            </a:effectRef>
+            <a:fontRef idx="minor">
+              <a:schemeClr val="tx1"/>
+            </a:fontRef>
+          </p:style>
+        </p:cxnSp>
+        <p:sp>
+          <p:nvSpPr>
+            <p:cNvPr id="100" name="CuadroTexto 99"/>
+            <p:cNvSpPr txBox="1"/>
+            <p:nvPr/>
+          </p:nvSpPr>
+          <p:spPr>
+            <a:xfrm>
+              <a:off x="10303700" y="1402954"/>
+              <a:ext cx="1137299" cy="338554"/>
+            </a:xfrm>
+            <a:prstGeom prst="rect">
+              <a:avLst/>
+            </a:prstGeom>
+            <a:noFill/>
+          </p:spPr>
+          <p:txBody>
+            <a:bodyPr wrap="none" rtlCol="0">
+              <a:spAutoFit/>
+            </a:bodyPr>
+            <a:lstStyle/>
+            <a:p>
+              <a:r>
+                <a:rPr lang="es-ES" sz="1600" dirty="0" smtClean="0">
+                  <a:solidFill>
+                    <a:schemeClr val="tx1">
+                      <a:lumMod val="50000"/>
+                      <a:lumOff val="50000"/>
+                    </a:schemeClr>
+                  </a:solidFill>
+                  <a:latin typeface="+mj-lt"/>
+                  <a:cs typeface="Aharoni" panose="02010803020104030203" pitchFamily="2" charset="-79"/>
+                </a:rPr>
+                <a:t>$</a:t>
+              </a:r>
+              <a:r>
+                <a:rPr lang="es-ES" sz="1600" dirty="0" err="1" smtClean="0">
+                  <a:solidFill>
+                    <a:schemeClr val="tx1">
+                      <a:lumMod val="50000"/>
+                      <a:lumOff val="50000"/>
+                    </a:schemeClr>
+                  </a:solidFill>
+                  <a:latin typeface="+mj-lt"/>
+                  <a:cs typeface="Aharoni" panose="02010803020104030203" pitchFamily="2" charset="-79"/>
+                </a:rPr>
+                <a:t>counter</a:t>
+              </a:r>
+              <a:r>
+                <a:rPr lang="es-ES" sz="1600" dirty="0" smtClean="0">
+                  <a:solidFill>
+                    <a:schemeClr val="tx1">
+                      <a:lumMod val="50000"/>
+                      <a:lumOff val="50000"/>
+                    </a:schemeClr>
+                  </a:solidFill>
+                  <a:latin typeface="+mj-lt"/>
+                  <a:cs typeface="Aharoni" panose="02010803020104030203" pitchFamily="2" charset="-79"/>
+                </a:rPr>
+                <a:t>=1</a:t>
+              </a:r>
+              <a:endParaRPr lang="es-ES" sz="1600" dirty="0">
+                <a:solidFill>
+                  <a:schemeClr val="tx1">
+                    <a:lumMod val="50000"/>
+                    <a:lumOff val="50000"/>
+                  </a:schemeClr>
+                </a:solidFill>
+                <a:latin typeface="+mj-lt"/>
+                <a:cs typeface="Aharoni" panose="02010803020104030203" pitchFamily="2" charset="-79"/>
+              </a:endParaRPr>
+            </a:p>
+          </p:txBody>
+        </p:sp>
+      </p:grpSp>
+    </p:spTree>
+    <p:extLst>
+      <p:ext uri="{BB962C8B-B14F-4D97-AF65-F5344CB8AC3E}">
+        <p14:creationId xmlns:p14="http://schemas.microsoft.com/office/powerpoint/2010/main" val="1409027070"/>
       </p:ext>
     </p:extLst>
   </p:cSld>

--- a/memoria/images/Presentación1.pptx
+++ b/memoria/images/Presentación1.pptx
@@ -31,7 +31,9 @@
     <p:sldId id="279" r:id="rId25"/>
     <p:sldId id="280" r:id="rId26"/>
     <p:sldId id="281" r:id="rId27"/>
-    <p:sldId id="282" r:id="rId28"/>
+    <p:sldId id="286" r:id="rId28"/>
+    <p:sldId id="284" r:id="rId29"/>
+    <p:sldId id="287" r:id="rId30"/>
   </p:sldIdLst>
   <p:sldSz cx="12192000" cy="6858000"/>
   <p:notesSz cx="6858000" cy="9144000"/>
@@ -281,7 +283,7 @@
           <a:p>
             <a:fld id="{9C28449B-7E7F-4B22-B31C-7455ACE0523B}" type="datetimeFigureOut">
               <a:rPr lang="es-ES" smtClean="0"/>
-              <a:t>06/01/2018</a:t>
+              <a:t>07/01/2018</a:t>
             </a:fld>
             <a:endParaRPr lang="es-ES"/>
           </a:p>
@@ -451,7 +453,7 @@
           <a:p>
             <a:fld id="{9C28449B-7E7F-4B22-B31C-7455ACE0523B}" type="datetimeFigureOut">
               <a:rPr lang="es-ES" smtClean="0"/>
-              <a:t>06/01/2018</a:t>
+              <a:t>07/01/2018</a:t>
             </a:fld>
             <a:endParaRPr lang="es-ES"/>
           </a:p>
@@ -631,7 +633,7 @@
           <a:p>
             <a:fld id="{9C28449B-7E7F-4B22-B31C-7455ACE0523B}" type="datetimeFigureOut">
               <a:rPr lang="es-ES" smtClean="0"/>
-              <a:t>06/01/2018</a:t>
+              <a:t>07/01/2018</a:t>
             </a:fld>
             <a:endParaRPr lang="es-ES"/>
           </a:p>
@@ -801,7 +803,7 @@
           <a:p>
             <a:fld id="{9C28449B-7E7F-4B22-B31C-7455ACE0523B}" type="datetimeFigureOut">
               <a:rPr lang="es-ES" smtClean="0"/>
-              <a:t>06/01/2018</a:t>
+              <a:t>07/01/2018</a:t>
             </a:fld>
             <a:endParaRPr lang="es-ES"/>
           </a:p>
@@ -1047,7 +1049,7 @@
           <a:p>
             <a:fld id="{9C28449B-7E7F-4B22-B31C-7455ACE0523B}" type="datetimeFigureOut">
               <a:rPr lang="es-ES" smtClean="0"/>
-              <a:t>06/01/2018</a:t>
+              <a:t>07/01/2018</a:t>
             </a:fld>
             <a:endParaRPr lang="es-ES"/>
           </a:p>
@@ -1279,7 +1281,7 @@
           <a:p>
             <a:fld id="{9C28449B-7E7F-4B22-B31C-7455ACE0523B}" type="datetimeFigureOut">
               <a:rPr lang="es-ES" smtClean="0"/>
-              <a:t>06/01/2018</a:t>
+              <a:t>07/01/2018</a:t>
             </a:fld>
             <a:endParaRPr lang="es-ES"/>
           </a:p>
@@ -1646,7 +1648,7 @@
           <a:p>
             <a:fld id="{9C28449B-7E7F-4B22-B31C-7455ACE0523B}" type="datetimeFigureOut">
               <a:rPr lang="es-ES" smtClean="0"/>
-              <a:t>06/01/2018</a:t>
+              <a:t>07/01/2018</a:t>
             </a:fld>
             <a:endParaRPr lang="es-ES"/>
           </a:p>
@@ -1764,7 +1766,7 @@
           <a:p>
             <a:fld id="{9C28449B-7E7F-4B22-B31C-7455ACE0523B}" type="datetimeFigureOut">
               <a:rPr lang="es-ES" smtClean="0"/>
-              <a:t>06/01/2018</a:t>
+              <a:t>07/01/2018</a:t>
             </a:fld>
             <a:endParaRPr lang="es-ES"/>
           </a:p>
@@ -1859,7 +1861,7 @@
           <a:p>
             <a:fld id="{9C28449B-7E7F-4B22-B31C-7455ACE0523B}" type="datetimeFigureOut">
               <a:rPr lang="es-ES" smtClean="0"/>
-              <a:t>06/01/2018</a:t>
+              <a:t>07/01/2018</a:t>
             </a:fld>
             <a:endParaRPr lang="es-ES"/>
           </a:p>
@@ -2136,7 +2138,7 @@
           <a:p>
             <a:fld id="{9C28449B-7E7F-4B22-B31C-7455ACE0523B}" type="datetimeFigureOut">
               <a:rPr lang="es-ES" smtClean="0"/>
-              <a:t>06/01/2018</a:t>
+              <a:t>07/01/2018</a:t>
             </a:fld>
             <a:endParaRPr lang="es-ES"/>
           </a:p>
@@ -2389,7 +2391,7 @@
           <a:p>
             <a:fld id="{9C28449B-7E7F-4B22-B31C-7455ACE0523B}" type="datetimeFigureOut">
               <a:rPr lang="es-ES" smtClean="0"/>
-              <a:t>06/01/2018</a:t>
+              <a:t>07/01/2018</a:t>
             </a:fld>
             <a:endParaRPr lang="es-ES"/>
           </a:p>
@@ -2602,7 +2604,7 @@
           <a:p>
             <a:fld id="{9C28449B-7E7F-4B22-B31C-7455ACE0523B}" type="datetimeFigureOut">
               <a:rPr lang="es-ES" smtClean="0"/>
-              <a:t>06/01/2018</a:t>
+              <a:t>07/01/2018</a:t>
             </a:fld>
             <a:endParaRPr lang="es-ES"/>
           </a:p>
@@ -32599,56 +32601,56 @@
       </p:grpSpPr>
       <p:grpSp>
         <p:nvGrpSpPr>
-          <p:cNvPr id="96" name="Grupo 95"/>
+          <p:cNvPr id="130" name="Grupo 129"/>
           <p:cNvGrpSpPr/>
           <p:nvPr/>
         </p:nvGrpSpPr>
         <p:grpSpPr>
           <a:xfrm>
-            <a:off x="-1058778" y="128337"/>
-            <a:ext cx="15865642" cy="7780421"/>
-            <a:chOff x="-1058778" y="128337"/>
-            <a:chExt cx="15865642" cy="7780421"/>
+            <a:off x="-3513220" y="-2791326"/>
+            <a:ext cx="18408316" cy="10144626"/>
+            <a:chOff x="-3513220" y="-2791326"/>
+            <a:chExt cx="18408316" cy="10144626"/>
           </a:xfrm>
         </p:grpSpPr>
         <p:grpSp>
           <p:nvGrpSpPr>
-            <p:cNvPr id="97" name="Grupo 96"/>
+            <p:cNvPr id="125" name="Grupo 124"/>
             <p:cNvGrpSpPr/>
             <p:nvPr/>
           </p:nvGrpSpPr>
           <p:grpSpPr>
             <a:xfrm>
-              <a:off x="-1058778" y="128337"/>
-              <a:ext cx="15865642" cy="7780421"/>
-              <a:chOff x="-1058778" y="128337"/>
-              <a:chExt cx="15865642" cy="7780421"/>
+              <a:off x="-3513220" y="-2791326"/>
+              <a:ext cx="18408316" cy="10144626"/>
+              <a:chOff x="-3513220" y="-2791326"/>
+              <a:chExt cx="18408316" cy="10144626"/>
             </a:xfrm>
           </p:grpSpPr>
           <p:grpSp>
             <p:nvGrpSpPr>
-              <p:cNvPr id="89" name="Grupo 88"/>
+              <p:cNvPr id="116" name="Grupo 115"/>
               <p:cNvGrpSpPr/>
               <p:nvPr/>
             </p:nvGrpSpPr>
             <p:grpSpPr>
               <a:xfrm>
-                <a:off x="-1058778" y="128337"/>
-                <a:ext cx="15865642" cy="7780421"/>
-                <a:chOff x="-1058778" y="128337"/>
-                <a:chExt cx="15865642" cy="7780421"/>
+                <a:off x="-3513220" y="-2791326"/>
+                <a:ext cx="18408316" cy="10144626"/>
+                <a:chOff x="-3513220" y="-2791326"/>
+                <a:chExt cx="18408316" cy="10144626"/>
               </a:xfrm>
             </p:grpSpPr>
             <p:sp>
               <p:nvSpPr>
-                <p:cNvPr id="82" name="Rectángulo 81"/>
+                <p:cNvPr id="27" name="Rectángulo 26"/>
                 <p:cNvSpPr/>
                 <p:nvPr/>
               </p:nvSpPr>
               <p:spPr>
                 <a:xfrm>
-                  <a:off x="-1058778" y="128337"/>
-                  <a:ext cx="15865642" cy="7780421"/>
+                  <a:off x="-3513220" y="-2791326"/>
+                  <a:ext cx="18408316" cy="10144626"/>
                 </a:xfrm>
                 <a:prstGeom prst="rect">
                   <a:avLst/>
@@ -32693,7 +32695,7 @@
               </p:nvSpPr>
               <p:spPr>
                 <a:xfrm>
-                  <a:off x="2293372" y="1724085"/>
+                  <a:off x="-61144" y="1700763"/>
                   <a:ext cx="2205200" cy="1581874"/>
                 </a:xfrm>
                 <a:prstGeom prst="flowChartDecision">
@@ -32790,7 +32792,7 @@
               </p:nvSpPr>
               <p:spPr>
                 <a:xfrm>
-                  <a:off x="6110682" y="4320910"/>
+                  <a:off x="8952525" y="-332100"/>
                   <a:ext cx="1440000" cy="1080000"/>
                 </a:xfrm>
                 <a:prstGeom prst="roundRect">
@@ -32865,8 +32867,8 @@
               </p:nvCxnSpPr>
               <p:spPr>
                 <a:xfrm>
-                  <a:off x="411807" y="2515022"/>
-                  <a:ext cx="1881565" cy="0"/>
+                  <a:off x="-2017103" y="2491700"/>
+                  <a:ext cx="1955959" cy="0"/>
                 </a:xfrm>
                 <a:prstGeom prst="straightConnector1">
                   <a:avLst/>
@@ -32898,14 +32900,14 @@
                 <p:cNvPr id="15" name="Conector recto de flecha 14"/>
                 <p:cNvCxnSpPr>
                   <a:stCxn id="5" idx="3"/>
-                  <a:endCxn id="24" idx="1"/>
+                  <a:endCxn id="30" idx="1"/>
                 </p:cNvCxnSpPr>
                 <p:nvPr/>
               </p:nvCxnSpPr>
               <p:spPr>
-                <a:xfrm flipV="1">
-                  <a:off x="4498572" y="2491701"/>
-                  <a:ext cx="1213969" cy="23321"/>
+                <a:xfrm>
+                  <a:off x="2144056" y="2491700"/>
+                  <a:ext cx="1424590" cy="23322"/>
                 </a:xfrm>
                 <a:prstGeom prst="straightConnector1">
                   <a:avLst/>
@@ -32938,14 +32940,13 @@
                 <p:cNvPr id="35" name="Conector recto de flecha 34"/>
                 <p:cNvCxnSpPr>
                   <a:stCxn id="44" idx="3"/>
-                  <a:endCxn id="28" idx="2"/>
                 </p:cNvCxnSpPr>
                 <p:nvPr/>
               </p:nvCxnSpPr>
               <p:spPr>
                 <a:xfrm>
-                  <a:off x="11269381" y="2462089"/>
-                  <a:ext cx="1990863" cy="8901"/>
+                  <a:off x="7771895" y="5090366"/>
+                  <a:ext cx="3501733" cy="9335"/>
                 </a:xfrm>
                 <a:prstGeom prst="straightConnector1">
                   <a:avLst/>
@@ -32980,7 +32981,7 @@
               </p:nvSpPr>
               <p:spPr>
                 <a:xfrm>
-                  <a:off x="4498572" y="2172744"/>
+                  <a:off x="2079962" y="2083991"/>
                   <a:ext cx="475643" cy="369332"/>
                 </a:xfrm>
                 <a:prstGeom prst="rect">
@@ -33022,7 +33023,7 @@
               </p:nvSpPr>
               <p:spPr bwMode="auto">
                 <a:xfrm>
-                  <a:off x="6248593" y="6321982"/>
+                  <a:off x="8952525" y="-2547019"/>
                   <a:ext cx="1379397" cy="1304464"/>
                 </a:xfrm>
                 <a:prstGeom prst="roundRect">
@@ -33088,7 +33089,7 @@
               </p:nvSpPr>
               <p:spPr>
                 <a:xfrm>
-                  <a:off x="6547442" y="6436658"/>
+                  <a:off x="9251374" y="-2432343"/>
                   <a:ext cx="838443" cy="276999"/>
                 </a:xfrm>
                 <a:prstGeom prst="rect">
@@ -33126,7 +33127,7 @@
               </p:nvSpPr>
               <p:spPr>
                 <a:xfrm rot="16200000">
-                  <a:off x="6505707" y="5760625"/>
+                  <a:off x="9280456" y="-906882"/>
                   <a:ext cx="720000" cy="212903"/>
                 </a:xfrm>
                 <a:prstGeom prst="leftRightArrow">
@@ -33196,7 +33197,7 @@
               </p:blipFill>
               <p:spPr>
                 <a:xfrm>
-                  <a:off x="7014098" y="6903812"/>
+                  <a:off x="9718030" y="-1965189"/>
                   <a:ext cx="444124" cy="445566"/>
                 </a:xfrm>
                 <a:prstGeom prst="rect">
@@ -33226,7 +33227,7 @@
               </p:blipFill>
               <p:spPr>
                 <a:xfrm>
-                  <a:off x="6385650" y="6878019"/>
+                  <a:off x="9089582" y="-1990982"/>
                   <a:ext cx="586509" cy="539588"/>
                 </a:xfrm>
                 <a:prstGeom prst="rect">
@@ -33242,8 +33243,8 @@
               </p:nvSpPr>
               <p:spPr>
                 <a:xfrm>
-                  <a:off x="450142" y="2517445"/>
-                  <a:ext cx="1137299" cy="338554"/>
+                  <a:off x="-1986637" y="2532563"/>
+                  <a:ext cx="1584408" cy="584775"/>
                 </a:xfrm>
                 <a:prstGeom prst="rect">
                   <a:avLst/>
@@ -33295,6 +33296,47 @@
                     </a:rPr>
                     <a:t>=0</a:t>
                   </a:r>
+                </a:p>
+                <a:p>
+                  <a:r>
+                    <a:rPr lang="es-ES" sz="1600" dirty="0" smtClean="0">
+                      <a:solidFill>
+                        <a:schemeClr val="tx1">
+                          <a:lumMod val="50000"/>
+                          <a:lumOff val="50000"/>
+                        </a:schemeClr>
+                      </a:solidFill>
+                      <a:latin typeface="+mj-lt"/>
+                      <a:cs typeface="Aharoni" panose="02010803020104030203" pitchFamily="2" charset="-79"/>
+                    </a:rPr>
+                    <a:t>$</a:t>
+                  </a:r>
+                  <a:r>
+                    <a:rPr lang="es-ES" sz="1600" dirty="0" err="1" smtClean="0">
+                      <a:solidFill>
+                        <a:schemeClr val="tx1">
+                          <a:lumMod val="50000"/>
+                          <a:lumOff val="50000"/>
+                        </a:schemeClr>
+                      </a:solidFill>
+                      <a:latin typeface="+mj-lt"/>
+                      <a:cs typeface="Aharoni" panose="02010803020104030203" pitchFamily="2" charset="-79"/>
+                    </a:rPr>
+                    <a:t>Summary</a:t>
+                  </a:r>
+                  <a:r>
+                    <a:rPr lang="es-ES" sz="1600" dirty="0" smtClean="0">
+                      <a:solidFill>
+                        <a:schemeClr val="tx1">
+                          <a:lumMod val="50000"/>
+                          <a:lumOff val="50000"/>
+                        </a:schemeClr>
+                      </a:solidFill>
+                      <a:latin typeface="+mj-lt"/>
+                      <a:cs typeface="Aharoni" panose="02010803020104030203" pitchFamily="2" charset="-79"/>
+                    </a:rPr>
+                    <a:t>=False</a:t>
+                  </a:r>
                   <a:endParaRPr lang="es-ES" sz="1600" dirty="0">
                     <a:solidFill>
                       <a:schemeClr val="tx1">
@@ -33361,8 +33403,17 @@
                       </a:solidFill>
                       <a:latin typeface="Arial Rounded MT Bold" panose="020F0704030504030204" pitchFamily="34" charset="0"/>
                     </a:rPr>
-                    <a:t>CHECK SUMMARY</a:t>
+                    <a:t>CHECK</a:t>
                   </a:r>
+                  <a:endParaRPr lang="es-ES" sz="1200" dirty="0" smtClean="0">
+                    <a:solidFill>
+                      <a:schemeClr val="tx1">
+                        <a:lumMod val="65000"/>
+                        <a:lumOff val="35000"/>
+                      </a:schemeClr>
+                    </a:solidFill>
+                    <a:latin typeface="Arial Rounded MT Bold" panose="020F0704030504030204" pitchFamily="34" charset="0"/>
+                  </a:endParaRPr>
                 </a:p>
                 <a:p>
                   <a:pPr algn="ctr"/>
@@ -33413,7 +33464,7 @@
               </p:nvSpPr>
               <p:spPr>
                 <a:xfrm>
-                  <a:off x="-848193" y="2011022"/>
+                  <a:off x="-3277103" y="1987700"/>
                   <a:ext cx="1260000" cy="1008000"/>
                 </a:xfrm>
                 <a:prstGeom prst="ellipse">
@@ -33448,7 +33499,7 @@
                 <a:p>
                   <a:pPr algn="ctr"/>
                   <a:r>
-                    <a:rPr lang="es-ES" sz="1200" dirty="0" smtClean="0">
+                    <a:rPr lang="es-ES" sz="1600" dirty="0" smtClean="0">
                       <a:solidFill>
                         <a:schemeClr val="tx1">
                           <a:lumMod val="75000"/>
@@ -33514,7 +33565,7 @@
                 <a:p>
                   <a:pPr algn="ctr"/>
                   <a:r>
-                    <a:rPr lang="es-ES" sz="1200" dirty="0" smtClean="0">
+                    <a:rPr lang="es-ES" sz="1600" dirty="0" smtClean="0">
                       <a:solidFill>
                         <a:schemeClr val="tx1">
                           <a:lumMod val="75000"/>
@@ -33523,7 +33574,7 @@
                       </a:solidFill>
                       <a:latin typeface="Arial Rounded MT Bold" panose="020F0704030504030204" pitchFamily="34" charset="0"/>
                     </a:rPr>
-                    <a:t>RESPONSE</a:t>
+                    <a:t>END</a:t>
                   </a:r>
                   <a:endParaRPr lang="es-ES" sz="1200" dirty="0">
                     <a:solidFill>
@@ -33541,15 +33592,15 @@
               <p:nvCxnSpPr>
                 <p:cNvPr id="36" name="Conector recto de flecha 35"/>
                 <p:cNvCxnSpPr>
-                  <a:stCxn id="24" idx="3"/>
-                  <a:endCxn id="44" idx="1"/>
+                  <a:stCxn id="24" idx="2"/>
+                  <a:endCxn id="44" idx="0"/>
                 </p:cNvCxnSpPr>
                 <p:nvPr/>
               </p:nvCxnSpPr>
               <p:spPr>
-                <a:xfrm flipV="1">
-                  <a:off x="7934764" y="2462089"/>
-                  <a:ext cx="1438132" cy="29612"/>
+                <a:xfrm>
+                  <a:off x="6823653" y="3212037"/>
+                  <a:ext cx="0" cy="1134956"/>
                 </a:xfrm>
                 <a:prstGeom prst="straightConnector1">
                   <a:avLst/>
@@ -33584,7 +33635,7 @@
               </p:nvSpPr>
               <p:spPr>
                 <a:xfrm>
-                  <a:off x="7880792" y="2101658"/>
+                  <a:off x="6931077" y="3321311"/>
                   <a:ext cx="1055545" cy="369332"/>
                 </a:xfrm>
                 <a:prstGeom prst="rect">
@@ -33626,7 +33677,7 @@
               </p:nvSpPr>
               <p:spPr>
                 <a:xfrm>
-                  <a:off x="6830682" y="3154482"/>
+                  <a:off x="6355040" y="1378743"/>
                   <a:ext cx="475643" cy="369332"/>
                 </a:xfrm>
                 <a:prstGeom prst="rect">
@@ -33664,15 +33715,15 @@
               <p:nvCxnSpPr>
                 <p:cNvPr id="39" name="Conector recto de flecha 38"/>
                 <p:cNvCxnSpPr>
-                  <a:stCxn id="24" idx="2"/>
-                  <a:endCxn id="7" idx="0"/>
+                  <a:stCxn id="24" idx="3"/>
+                  <a:endCxn id="77" idx="1"/>
                 </p:cNvCxnSpPr>
                 <p:nvPr/>
               </p:nvCxnSpPr>
               <p:spPr>
-                <a:xfrm>
-                  <a:off x="6823653" y="3212037"/>
-                  <a:ext cx="7029" cy="1108873"/>
+                <a:xfrm flipV="1">
+                  <a:off x="7934764" y="2491208"/>
+                  <a:ext cx="2742048" cy="493"/>
                 </a:xfrm>
                 <a:prstGeom prst="straightConnector1">
                   <a:avLst/>
@@ -33709,8 +33760,8 @@
               </p:nvCxnSpPr>
               <p:spPr>
                 <a:xfrm flipV="1">
-                  <a:off x="7550682" y="4847259"/>
-                  <a:ext cx="4989806" cy="13651"/>
+                  <a:off x="10392525" y="188204"/>
+                  <a:ext cx="3443215" cy="19696"/>
                 </a:xfrm>
                 <a:prstGeom prst="straightConnector1">
                   <a:avLst/>
@@ -33737,31 +33788,1956 @@
                 </a:fontRef>
               </p:style>
             </p:cxnSp>
+            <p:sp>
+              <p:nvSpPr>
+                <p:cNvPr id="92" name="Rectángulo redondeado 91"/>
+                <p:cNvSpPr/>
+                <p:nvPr/>
+              </p:nvSpPr>
+              <p:spPr>
+                <a:xfrm>
+                  <a:off x="-443559" y="-802159"/>
+                  <a:ext cx="12908276" cy="1804437"/>
+                </a:xfrm>
+                <a:prstGeom prst="roundRect">
+                  <a:avLst>
+                    <a:gd name="adj" fmla="val 3452"/>
+                  </a:avLst>
+                </a:prstGeom>
+                <a:noFill/>
+                <a:ln>
+                  <a:solidFill>
+                    <a:schemeClr val="bg1">
+                      <a:lumMod val="75000"/>
+                    </a:schemeClr>
+                  </a:solidFill>
+                  <a:prstDash val="sysDash"/>
+                </a:ln>
+              </p:spPr>
+              <p:style>
+                <a:lnRef idx="2">
+                  <a:schemeClr val="accent1">
+                    <a:shade val="50000"/>
+                  </a:schemeClr>
+                </a:lnRef>
+                <a:fillRef idx="1">
+                  <a:schemeClr val="accent1"/>
+                </a:fillRef>
+                <a:effectRef idx="0">
+                  <a:schemeClr val="accent1"/>
+                </a:effectRef>
+                <a:fontRef idx="minor">
+                  <a:schemeClr val="lt1"/>
+                </a:fontRef>
+              </p:style>
+              <p:txBody>
+                <a:bodyPr rtlCol="0" anchor="ctr"/>
+                <a:lstStyle/>
+                <a:p>
+                  <a:pPr algn="ctr"/>
+                  <a:endParaRPr lang="es-ES"/>
+                </a:p>
+              </p:txBody>
+            </p:sp>
+            <p:sp>
+              <p:nvSpPr>
+                <p:cNvPr id="93" name="CuadroTexto 92"/>
+                <p:cNvSpPr txBox="1"/>
+                <p:nvPr/>
+              </p:nvSpPr>
+              <p:spPr>
+                <a:xfrm>
+                  <a:off x="0" y="6104050"/>
+                  <a:ext cx="3039200" cy="338554"/>
+                </a:xfrm>
+                <a:prstGeom prst="rect">
+                  <a:avLst/>
+                </a:prstGeom>
+                <a:noFill/>
+              </p:spPr>
+              <p:txBody>
+                <a:bodyPr wrap="square" rtlCol="0">
+                  <a:spAutoFit/>
+                </a:bodyPr>
+                <a:lstStyle/>
+                <a:p>
+                  <a:r>
+                    <a:rPr lang="es-ES" sz="1600" b="1" dirty="0" smtClean="0">
+                      <a:solidFill>
+                        <a:schemeClr val="tx1">
+                          <a:lumMod val="50000"/>
+                          <a:lumOff val="50000"/>
+                        </a:schemeClr>
+                      </a:solidFill>
+                      <a:latin typeface="Arial Rounded MT Bold" panose="020F0704030504030204" pitchFamily="34" charset="0"/>
+                      <a:cs typeface="Aharoni" panose="02010803020104030203" pitchFamily="2" charset="-79"/>
+                    </a:rPr>
+                    <a:t>WATSON CONVERSATION</a:t>
+                  </a:r>
+                  <a:endParaRPr lang="es-ES" sz="1600" b="1" dirty="0">
+                    <a:solidFill>
+                      <a:schemeClr val="tx1">
+                        <a:lumMod val="50000"/>
+                        <a:lumOff val="50000"/>
+                      </a:schemeClr>
+                    </a:solidFill>
+                    <a:latin typeface="Arial Rounded MT Bold" panose="020F0704030504030204" pitchFamily="34" charset="0"/>
+                    <a:cs typeface="Aharoni" panose="02010803020104030203" pitchFamily="2" charset="-79"/>
+                  </a:endParaRPr>
+                </a:p>
+              </p:txBody>
+            </p:sp>
+            <p:sp>
+              <p:nvSpPr>
+                <p:cNvPr id="98" name="Rectángulo redondeado 97"/>
+                <p:cNvSpPr/>
+                <p:nvPr/>
+              </p:nvSpPr>
+              <p:spPr>
+                <a:xfrm>
+                  <a:off x="-443560" y="1279632"/>
+                  <a:ext cx="12908277" cy="5377842"/>
+                </a:xfrm>
+                <a:prstGeom prst="roundRect">
+                  <a:avLst>
+                    <a:gd name="adj" fmla="val 3452"/>
+                  </a:avLst>
+                </a:prstGeom>
+                <a:noFill/>
+                <a:ln>
+                  <a:solidFill>
+                    <a:schemeClr val="bg1">
+                      <a:lumMod val="75000"/>
+                    </a:schemeClr>
+                  </a:solidFill>
+                  <a:prstDash val="sysDash"/>
+                </a:ln>
+              </p:spPr>
+              <p:style>
+                <a:lnRef idx="2">
+                  <a:schemeClr val="accent1">
+                    <a:shade val="50000"/>
+                  </a:schemeClr>
+                </a:lnRef>
+                <a:fillRef idx="1">
+                  <a:schemeClr val="accent1"/>
+                </a:fillRef>
+                <a:effectRef idx="0">
+                  <a:schemeClr val="accent1"/>
+                </a:effectRef>
+                <a:fontRef idx="minor">
+                  <a:schemeClr val="lt1"/>
+                </a:fontRef>
+              </p:style>
+              <p:txBody>
+                <a:bodyPr rtlCol="0" anchor="ctr"/>
+                <a:lstStyle/>
+                <a:p>
+                  <a:pPr algn="ctr"/>
+                  <a:endParaRPr lang="es-ES"/>
+                </a:p>
+              </p:txBody>
+            </p:sp>
+            <p:sp>
+              <p:nvSpPr>
+                <p:cNvPr id="99" name="CuadroTexto 98"/>
+                <p:cNvSpPr txBox="1"/>
+                <p:nvPr/>
+              </p:nvSpPr>
+              <p:spPr>
+                <a:xfrm>
+                  <a:off x="0" y="-628795"/>
+                  <a:ext cx="2983174" cy="338554"/>
+                </a:xfrm>
+                <a:prstGeom prst="rect">
+                  <a:avLst/>
+                </a:prstGeom>
+                <a:noFill/>
+              </p:spPr>
+              <p:txBody>
+                <a:bodyPr wrap="square" rtlCol="0">
+                  <a:spAutoFit/>
+                </a:bodyPr>
+                <a:lstStyle/>
+                <a:p>
+                  <a:r>
+                    <a:rPr lang="es-ES" sz="1600" b="1" dirty="0" smtClean="0">
+                      <a:solidFill>
+                        <a:schemeClr val="tx1">
+                          <a:lumMod val="50000"/>
+                          <a:lumOff val="50000"/>
+                        </a:schemeClr>
+                      </a:solidFill>
+                      <a:latin typeface="Arial Rounded MT Bold" panose="020F0704030504030204" pitchFamily="34" charset="0"/>
+                      <a:cs typeface="Aharoni" panose="02010803020104030203" pitchFamily="2" charset="-79"/>
+                    </a:rPr>
+                    <a:t>ORCHESTRATION ENGINE</a:t>
+                  </a:r>
+                  <a:endParaRPr lang="es-ES" sz="1600" b="1" dirty="0">
+                    <a:solidFill>
+                      <a:schemeClr val="tx1">
+                        <a:lumMod val="50000"/>
+                        <a:lumOff val="50000"/>
+                      </a:schemeClr>
+                    </a:solidFill>
+                    <a:latin typeface="Arial Rounded MT Bold" panose="020F0704030504030204" pitchFamily="34" charset="0"/>
+                    <a:cs typeface="Aharoni" panose="02010803020104030203" pitchFamily="2" charset="-79"/>
+                  </a:endParaRPr>
+                </a:p>
+              </p:txBody>
+            </p:sp>
+            <p:cxnSp>
+              <p:nvCxnSpPr>
+                <p:cNvPr id="34" name="Conector recto de flecha 33"/>
+                <p:cNvCxnSpPr/>
+                <p:nvPr/>
+              </p:nvCxnSpPr>
+              <p:spPr>
+                <a:xfrm flipH="1" flipV="1">
+                  <a:off x="2812129" y="2501036"/>
+                  <a:ext cx="4490" cy="2589329"/>
+                </a:xfrm>
+                <a:prstGeom prst="straightConnector1">
+                  <a:avLst/>
+                </a:prstGeom>
+                <a:ln w="28575">
+                  <a:solidFill>
+                    <a:srgbClr val="7240F0"/>
+                  </a:solidFill>
+                  <a:tailEnd type="triangle" w="lg" len="lg"/>
+                </a:ln>
+              </p:spPr>
+              <p:style>
+                <a:lnRef idx="1">
+                  <a:schemeClr val="accent1"/>
+                </a:lnRef>
+                <a:fillRef idx="0">
+                  <a:schemeClr val="accent1"/>
+                </a:fillRef>
+                <a:effectRef idx="0">
+                  <a:schemeClr val="accent1"/>
+                </a:effectRef>
+                <a:fontRef idx="minor">
+                  <a:schemeClr val="tx1"/>
+                </a:fontRef>
+              </p:style>
+            </p:cxnSp>
+            <p:cxnSp>
+              <p:nvCxnSpPr>
+                <p:cNvPr id="40" name="Conector recto de flecha 39"/>
+                <p:cNvCxnSpPr>
+                  <a:stCxn id="44" idx="1"/>
+                </p:cNvCxnSpPr>
+                <p:nvPr/>
+              </p:nvCxnSpPr>
+              <p:spPr>
+                <a:xfrm flipH="1">
+                  <a:off x="2812129" y="5090366"/>
+                  <a:ext cx="3063281" cy="9335"/>
+                </a:xfrm>
+                <a:prstGeom prst="straightConnector1">
+                  <a:avLst/>
+                </a:prstGeom>
+                <a:ln w="28575">
+                  <a:solidFill>
+                    <a:srgbClr val="7240F0"/>
+                  </a:solidFill>
+                  <a:tailEnd type="triangle" w="lg" len="lg"/>
+                </a:ln>
+              </p:spPr>
+              <p:style>
+                <a:lnRef idx="1">
+                  <a:schemeClr val="accent1"/>
+                </a:lnRef>
+                <a:fillRef idx="0">
+                  <a:schemeClr val="accent1"/>
+                </a:fillRef>
+                <a:effectRef idx="0">
+                  <a:schemeClr val="accent1"/>
+                </a:effectRef>
+                <a:fontRef idx="minor">
+                  <a:schemeClr val="tx1"/>
+                </a:fontRef>
+              </p:style>
+            </p:cxnSp>
+            <p:cxnSp>
+              <p:nvCxnSpPr>
+                <p:cNvPr id="41" name="Conector recto de flecha 40"/>
+                <p:cNvCxnSpPr/>
+                <p:nvPr/>
+              </p:nvCxnSpPr>
+              <p:spPr>
+                <a:xfrm flipH="1" flipV="1">
+                  <a:off x="6823653" y="205947"/>
+                  <a:ext cx="7030" cy="1565417"/>
+                </a:xfrm>
+                <a:prstGeom prst="straightConnector1">
+                  <a:avLst/>
+                </a:prstGeom>
+                <a:ln w="28575">
+                  <a:solidFill>
+                    <a:srgbClr val="7240F0"/>
+                  </a:solidFill>
+                  <a:tailEnd type="triangle" w="lg" len="lg"/>
+                </a:ln>
+              </p:spPr>
+              <p:style>
+                <a:lnRef idx="1">
+                  <a:schemeClr val="accent1"/>
+                </a:lnRef>
+                <a:fillRef idx="0">
+                  <a:schemeClr val="accent1"/>
+                </a:fillRef>
+                <a:effectRef idx="0">
+                  <a:schemeClr val="accent1"/>
+                </a:effectRef>
+                <a:fontRef idx="minor">
+                  <a:schemeClr val="tx1"/>
+                </a:fontRef>
+              </p:style>
+            </p:cxnSp>
+            <p:sp>
+              <p:nvSpPr>
+                <p:cNvPr id="44" name="Decisión 43"/>
+                <p:cNvSpPr/>
+                <p:nvPr/>
+              </p:nvSpPr>
+              <p:spPr>
+                <a:xfrm>
+                  <a:off x="5875410" y="4346993"/>
+                  <a:ext cx="1896485" cy="1486745"/>
+                </a:xfrm>
+                <a:prstGeom prst="flowChartDecision">
+                  <a:avLst/>
+                </a:prstGeom>
+                <a:noFill/>
+                <a:ln w="38100">
+                  <a:solidFill>
+                    <a:srgbClr val="46DACC"/>
+                  </a:solidFill>
+                  <a:prstDash val="sysDot"/>
+                </a:ln>
+              </p:spPr>
+              <p:style>
+                <a:lnRef idx="2">
+                  <a:schemeClr val="accent1">
+                    <a:shade val="50000"/>
+                  </a:schemeClr>
+                </a:lnRef>
+                <a:fillRef idx="1">
+                  <a:schemeClr val="accent1"/>
+                </a:fillRef>
+                <a:effectRef idx="0">
+                  <a:schemeClr val="accent1"/>
+                </a:effectRef>
+                <a:fontRef idx="minor">
+                  <a:schemeClr val="lt1"/>
+                </a:fontRef>
+              </p:style>
+              <p:txBody>
+                <a:bodyPr lIns="0" tIns="0" rIns="0" bIns="0" rtlCol="0" anchor="ctr"/>
+                <a:lstStyle/>
+                <a:p>
+                  <a:pPr algn="ctr"/>
+                  <a:r>
+                    <a:rPr lang="es-ES" sz="1200" dirty="0" smtClean="0">
+                      <a:solidFill>
+                        <a:schemeClr val="tx1">
+                          <a:lumMod val="65000"/>
+                          <a:lumOff val="35000"/>
+                        </a:schemeClr>
+                      </a:solidFill>
+                      <a:latin typeface="Arial Rounded MT Bold" panose="020F0704030504030204" pitchFamily="34" charset="0"/>
+                    </a:rPr>
+                    <a:t>FIRST </a:t>
+                  </a:r>
+                </a:p>
+                <a:p>
+                  <a:pPr algn="ctr"/>
+                  <a:r>
+                    <a:rPr lang="es-ES" sz="1200" dirty="0" smtClean="0">
+                      <a:solidFill>
+                        <a:schemeClr val="tx1">
+                          <a:lumMod val="65000"/>
+                          <a:lumOff val="35000"/>
+                        </a:schemeClr>
+                      </a:solidFill>
+                      <a:latin typeface="Arial Rounded MT Bold" panose="020F0704030504030204" pitchFamily="34" charset="0"/>
+                    </a:rPr>
+                    <a:t>TIME</a:t>
+                  </a:r>
+                  <a:endParaRPr lang="es-ES" sz="1200" dirty="0">
+                    <a:solidFill>
+                      <a:schemeClr val="tx1">
+                        <a:lumMod val="65000"/>
+                        <a:lumOff val="35000"/>
+                      </a:schemeClr>
+                    </a:solidFill>
+                    <a:latin typeface="Arial Rounded MT Bold" panose="020F0704030504030204" pitchFamily="34" charset="0"/>
+                  </a:endParaRPr>
+                </a:p>
+              </p:txBody>
+            </p:sp>
+            <p:sp>
+              <p:nvSpPr>
+                <p:cNvPr id="56" name="CuadroTexto 55"/>
+                <p:cNvSpPr txBox="1"/>
+                <p:nvPr/>
+              </p:nvSpPr>
+              <p:spPr>
+                <a:xfrm>
+                  <a:off x="7850178" y="2060626"/>
+                  <a:ext cx="1524585" cy="369332"/>
+                </a:xfrm>
+                <a:prstGeom prst="rect">
+                  <a:avLst/>
+                </a:prstGeom>
+                <a:noFill/>
+              </p:spPr>
+              <p:txBody>
+                <a:bodyPr wrap="none" rtlCol="0">
+                  <a:spAutoFit/>
+                </a:bodyPr>
+                <a:lstStyle/>
+                <a:p>
+                  <a:r>
+                    <a:rPr lang="es-ES" b="1" dirty="0" smtClean="0">
+                      <a:solidFill>
+                        <a:srgbClr val="FF3300"/>
+                      </a:solidFill>
+                      <a:latin typeface="+mj-lt"/>
+                      <a:cs typeface="Aharoni" panose="02010803020104030203" pitchFamily="2" charset="-79"/>
+                    </a:rPr>
+                    <a:t>No / </a:t>
+                  </a:r>
+                  <a:r>
+                    <a:rPr lang="es-ES" b="1" dirty="0" err="1" smtClean="0">
+                      <a:solidFill>
+                        <a:srgbClr val="FF3300"/>
+                      </a:solidFill>
+                      <a:latin typeface="+mj-lt"/>
+                      <a:cs typeface="Aharoni" panose="02010803020104030203" pitchFamily="2" charset="-79"/>
+                    </a:rPr>
+                    <a:t>Uncertain</a:t>
+                  </a:r>
+                  <a:endParaRPr lang="es-ES" b="1" dirty="0">
+                    <a:solidFill>
+                      <a:srgbClr val="FF3300"/>
+                    </a:solidFill>
+                    <a:latin typeface="+mj-lt"/>
+                    <a:cs typeface="Aharoni" panose="02010803020104030203" pitchFamily="2" charset="-79"/>
+                  </a:endParaRPr>
+                </a:p>
+              </p:txBody>
+            </p:sp>
+            <p:sp>
+              <p:nvSpPr>
+                <p:cNvPr id="86" name="CuadroTexto 85"/>
+                <p:cNvSpPr txBox="1"/>
+                <p:nvPr/>
+              </p:nvSpPr>
+              <p:spPr>
+                <a:xfrm>
+                  <a:off x="5357828" y="4669276"/>
+                  <a:ext cx="475643" cy="369332"/>
+                </a:xfrm>
+                <a:prstGeom prst="rect">
+                  <a:avLst/>
+                </a:prstGeom>
+                <a:noFill/>
+              </p:spPr>
+              <p:txBody>
+                <a:bodyPr wrap="none" rtlCol="0">
+                  <a:spAutoFit/>
+                </a:bodyPr>
+                <a:lstStyle/>
+                <a:p>
+                  <a:r>
+                    <a:rPr lang="es-ES" b="1" dirty="0" smtClean="0">
+                      <a:solidFill>
+                        <a:srgbClr val="FF3300"/>
+                      </a:solidFill>
+                      <a:latin typeface="+mj-lt"/>
+                      <a:cs typeface="Aharoni" panose="02010803020104030203" pitchFamily="2" charset="-79"/>
+                    </a:rPr>
+                    <a:t>Yes</a:t>
+                  </a:r>
+                  <a:endParaRPr lang="es-ES" b="1" dirty="0">
+                    <a:solidFill>
+                      <a:srgbClr val="FF3300"/>
+                    </a:solidFill>
+                    <a:latin typeface="+mj-lt"/>
+                    <a:cs typeface="Aharoni" panose="02010803020104030203" pitchFamily="2" charset="-79"/>
+                  </a:endParaRPr>
+                </a:p>
+              </p:txBody>
+            </p:sp>
+            <p:sp>
+              <p:nvSpPr>
+                <p:cNvPr id="87" name="CuadroTexto 86"/>
+                <p:cNvSpPr txBox="1"/>
+                <p:nvPr/>
+              </p:nvSpPr>
+              <p:spPr>
+                <a:xfrm>
+                  <a:off x="7735912" y="4705793"/>
+                  <a:ext cx="501419" cy="369332"/>
+                </a:xfrm>
+                <a:prstGeom prst="rect">
+                  <a:avLst/>
+                </a:prstGeom>
+                <a:noFill/>
+              </p:spPr>
+              <p:txBody>
+                <a:bodyPr wrap="square" rtlCol="0">
+                  <a:spAutoFit/>
+                </a:bodyPr>
+                <a:lstStyle/>
+                <a:p>
+                  <a:r>
+                    <a:rPr lang="es-ES" b="1" dirty="0" smtClean="0">
+                      <a:solidFill>
+                        <a:srgbClr val="FF3300"/>
+                      </a:solidFill>
+                      <a:latin typeface="+mj-lt"/>
+                      <a:cs typeface="Aharoni" panose="02010803020104030203" pitchFamily="2" charset="-79"/>
+                    </a:rPr>
+                    <a:t>No</a:t>
+                  </a:r>
+                  <a:endParaRPr lang="es-ES" b="1" dirty="0">
+                    <a:solidFill>
+                      <a:srgbClr val="FF3300"/>
+                    </a:solidFill>
+                    <a:latin typeface="+mj-lt"/>
+                    <a:cs typeface="Aharoni" panose="02010803020104030203" pitchFamily="2" charset="-79"/>
+                  </a:endParaRPr>
+                </a:p>
+              </p:txBody>
+            </p:sp>
+            <p:cxnSp>
+              <p:nvCxnSpPr>
+                <p:cNvPr id="91" name="Conector recto de flecha 90"/>
+                <p:cNvCxnSpPr>
+                  <a:endCxn id="77" idx="2"/>
+                </p:cNvCxnSpPr>
+                <p:nvPr/>
+              </p:nvCxnSpPr>
+              <p:spPr>
+                <a:xfrm flipV="1">
+                  <a:off x="11273628" y="2824951"/>
+                  <a:ext cx="1" cy="2250174"/>
+                </a:xfrm>
+                <a:prstGeom prst="straightConnector1">
+                  <a:avLst/>
+                </a:prstGeom>
+                <a:ln w="28575">
+                  <a:solidFill>
+                    <a:srgbClr val="7240F0"/>
+                  </a:solidFill>
+                  <a:tailEnd type="triangle" w="lg" len="lg"/>
+                </a:ln>
+              </p:spPr>
+              <p:style>
+                <a:lnRef idx="1">
+                  <a:schemeClr val="accent1"/>
+                </a:lnRef>
+                <a:fillRef idx="0">
+                  <a:schemeClr val="accent1"/>
+                </a:fillRef>
+                <a:effectRef idx="0">
+                  <a:schemeClr val="accent1"/>
+                </a:effectRef>
+                <a:fontRef idx="minor">
+                  <a:schemeClr val="tx1"/>
+                </a:fontRef>
+              </p:style>
+            </p:cxnSp>
+            <p:sp>
+              <p:nvSpPr>
+                <p:cNvPr id="100" name="CuadroTexto 99"/>
+                <p:cNvSpPr txBox="1"/>
+                <p:nvPr/>
+              </p:nvSpPr>
+              <p:spPr>
+                <a:xfrm>
+                  <a:off x="4951240" y="5186210"/>
+                  <a:ext cx="1137299" cy="338554"/>
+                </a:xfrm>
+                <a:prstGeom prst="rect">
+                  <a:avLst/>
+                </a:prstGeom>
+                <a:noFill/>
+              </p:spPr>
+              <p:txBody>
+                <a:bodyPr wrap="none" rtlCol="0">
+                  <a:spAutoFit/>
+                </a:bodyPr>
+                <a:lstStyle/>
+                <a:p>
+                  <a:r>
+                    <a:rPr lang="es-ES" sz="1600" dirty="0" smtClean="0">
+                      <a:solidFill>
+                        <a:schemeClr val="tx1">
+                          <a:lumMod val="50000"/>
+                          <a:lumOff val="50000"/>
+                        </a:schemeClr>
+                      </a:solidFill>
+                      <a:latin typeface="+mj-lt"/>
+                      <a:cs typeface="Aharoni" panose="02010803020104030203" pitchFamily="2" charset="-79"/>
+                    </a:rPr>
+                    <a:t>$</a:t>
+                  </a:r>
+                  <a:r>
+                    <a:rPr lang="es-ES" sz="1600" dirty="0" err="1" smtClean="0">
+                      <a:solidFill>
+                        <a:schemeClr val="tx1">
+                          <a:lumMod val="50000"/>
+                          <a:lumOff val="50000"/>
+                        </a:schemeClr>
+                      </a:solidFill>
+                      <a:latin typeface="+mj-lt"/>
+                      <a:cs typeface="Aharoni" panose="02010803020104030203" pitchFamily="2" charset="-79"/>
+                    </a:rPr>
+                    <a:t>counter</a:t>
+                  </a:r>
+                  <a:r>
+                    <a:rPr lang="es-ES" sz="1600" dirty="0" smtClean="0">
+                      <a:solidFill>
+                        <a:schemeClr val="tx1">
+                          <a:lumMod val="50000"/>
+                          <a:lumOff val="50000"/>
+                        </a:schemeClr>
+                      </a:solidFill>
+                      <a:latin typeface="+mj-lt"/>
+                      <a:cs typeface="Aharoni" panose="02010803020104030203" pitchFamily="2" charset="-79"/>
+                    </a:rPr>
+                    <a:t>=1</a:t>
+                  </a:r>
+                  <a:endParaRPr lang="es-ES" sz="1600" dirty="0">
+                    <a:solidFill>
+                      <a:schemeClr val="tx1">
+                        <a:lumMod val="50000"/>
+                        <a:lumOff val="50000"/>
+                      </a:schemeClr>
+                    </a:solidFill>
+                    <a:latin typeface="+mj-lt"/>
+                    <a:cs typeface="Aharoni" panose="02010803020104030203" pitchFamily="2" charset="-79"/>
+                  </a:endParaRPr>
+                </a:p>
+              </p:txBody>
+            </p:sp>
+            <p:cxnSp>
+              <p:nvCxnSpPr>
+                <p:cNvPr id="70" name="Conector recto de flecha 69"/>
+                <p:cNvCxnSpPr>
+                  <a:stCxn id="77" idx="3"/>
+                  <a:endCxn id="28" idx="2"/>
+                </p:cNvCxnSpPr>
+                <p:nvPr/>
+              </p:nvCxnSpPr>
+              <p:spPr>
+                <a:xfrm flipV="1">
+                  <a:off x="11870445" y="2470990"/>
+                  <a:ext cx="1389799" cy="20218"/>
+                </a:xfrm>
+                <a:prstGeom prst="straightConnector1">
+                  <a:avLst/>
+                </a:prstGeom>
+                <a:ln w="28575">
+                  <a:solidFill>
+                    <a:srgbClr val="7240F0"/>
+                  </a:solidFill>
+                  <a:tailEnd type="triangle" w="lg" len="lg"/>
+                </a:ln>
+              </p:spPr>
+              <p:style>
+                <a:lnRef idx="1">
+                  <a:schemeClr val="accent1"/>
+                </a:lnRef>
+                <a:fillRef idx="0">
+                  <a:schemeClr val="accent1"/>
+                </a:fillRef>
+                <a:effectRef idx="0">
+                  <a:schemeClr val="accent1"/>
+                </a:effectRef>
+                <a:fontRef idx="minor">
+                  <a:schemeClr val="tx1"/>
+                </a:fontRef>
+              </p:style>
+            </p:cxnSp>
+            <p:cxnSp>
+              <p:nvCxnSpPr>
+                <p:cNvPr id="75" name="Conector recto de flecha 74"/>
+                <p:cNvCxnSpPr>
+                  <a:endCxn id="7" idx="1"/>
+                </p:cNvCxnSpPr>
+                <p:nvPr/>
+              </p:nvCxnSpPr>
+              <p:spPr>
+                <a:xfrm flipV="1">
+                  <a:off x="6830683" y="207900"/>
+                  <a:ext cx="2121842" cy="5691"/>
+                </a:xfrm>
+                <a:prstGeom prst="straightConnector1">
+                  <a:avLst/>
+                </a:prstGeom>
+                <a:ln w="28575">
+                  <a:solidFill>
+                    <a:srgbClr val="7240F0"/>
+                  </a:solidFill>
+                  <a:tailEnd type="triangle" w="lg" len="lg"/>
+                </a:ln>
+              </p:spPr>
+              <p:style>
+                <a:lnRef idx="1">
+                  <a:schemeClr val="accent1"/>
+                </a:lnRef>
+                <a:fillRef idx="0">
+                  <a:schemeClr val="accent1"/>
+                </a:fillRef>
+                <a:effectRef idx="0">
+                  <a:schemeClr val="accent1"/>
+                </a:effectRef>
+                <a:fontRef idx="minor">
+                  <a:schemeClr val="tx1"/>
+                </a:fontRef>
+              </p:style>
+            </p:cxnSp>
+            <p:cxnSp>
+              <p:nvCxnSpPr>
+                <p:cNvPr id="46" name="Conector recto de flecha 45"/>
+                <p:cNvCxnSpPr>
+                  <a:stCxn id="30" idx="3"/>
+                  <a:endCxn id="24" idx="1"/>
+                </p:cNvCxnSpPr>
+                <p:nvPr/>
+              </p:nvCxnSpPr>
+              <p:spPr>
+                <a:xfrm flipV="1">
+                  <a:off x="4741961" y="2491701"/>
+                  <a:ext cx="970580" cy="23321"/>
+                </a:xfrm>
+                <a:prstGeom prst="straightConnector1">
+                  <a:avLst/>
+                </a:prstGeom>
+                <a:ln w="28575" cmpd="sng">
+                  <a:solidFill>
+                    <a:srgbClr val="7240F0"/>
+                  </a:solidFill>
+                  <a:prstDash val="solid"/>
+                  <a:tailEnd type="triangle" w="lg" len="lg"/>
+                </a:ln>
+              </p:spPr>
+              <p:style>
+                <a:lnRef idx="1">
+                  <a:schemeClr val="accent1"/>
+                </a:lnRef>
+                <a:fillRef idx="0">
+                  <a:schemeClr val="accent1"/>
+                </a:fillRef>
+                <a:effectRef idx="0">
+                  <a:schemeClr val="accent1"/>
+                </a:effectRef>
+                <a:fontRef idx="minor">
+                  <a:schemeClr val="tx1"/>
+                </a:fontRef>
+              </p:style>
+            </p:cxnSp>
+            <p:sp>
+              <p:nvSpPr>
+                <p:cNvPr id="30" name="Llamada rectangular redondeada 29"/>
+                <p:cNvSpPr/>
+                <p:nvPr/>
+              </p:nvSpPr>
+              <p:spPr>
+                <a:xfrm>
+                  <a:off x="3568646" y="2169595"/>
+                  <a:ext cx="1173315" cy="690853"/>
+                </a:xfrm>
+                <a:prstGeom prst="wedgeRoundRectCallout">
+                  <a:avLst>
+                    <a:gd name="adj1" fmla="val -36481"/>
+                    <a:gd name="adj2" fmla="val 82700"/>
+                    <a:gd name="adj3" fmla="val 16667"/>
+                  </a:avLst>
+                </a:prstGeom>
+                <a:noFill/>
+                <a:ln w="38100">
+                  <a:solidFill>
+                    <a:srgbClr val="46DACC"/>
+                  </a:solidFill>
+                </a:ln>
+              </p:spPr>
+              <p:style>
+                <a:lnRef idx="2">
+                  <a:schemeClr val="accent1">
+                    <a:shade val="50000"/>
+                  </a:schemeClr>
+                </a:lnRef>
+                <a:fillRef idx="1">
+                  <a:schemeClr val="accent1"/>
+                </a:fillRef>
+                <a:effectRef idx="0">
+                  <a:schemeClr val="accent1"/>
+                </a:effectRef>
+                <a:fontRef idx="minor">
+                  <a:schemeClr val="lt1"/>
+                </a:fontRef>
+              </p:style>
+              <p:txBody>
+                <a:bodyPr rtlCol="0" anchor="ctr"/>
+                <a:lstStyle/>
+                <a:p>
+                  <a:pPr algn="ctr"/>
+                  <a:endParaRPr lang="es-ES" sz="1400" dirty="0" smtClean="0">
+                    <a:solidFill>
+                      <a:schemeClr val="tx1">
+                        <a:lumMod val="75000"/>
+                        <a:lumOff val="25000"/>
+                      </a:schemeClr>
+                    </a:solidFill>
+                    <a:latin typeface="Arial Rounded MT Bold" panose="020F0704030504030204" pitchFamily="34" charset="0"/>
+                  </a:endParaRPr>
+                </a:p>
+                <a:p>
+                  <a:pPr algn="ctr"/>
+                  <a:r>
+                    <a:rPr lang="es-ES" sz="1200" dirty="0" smtClean="0">
+                      <a:solidFill>
+                        <a:schemeClr val="tx1">
+                          <a:lumMod val="75000"/>
+                          <a:lumOff val="25000"/>
+                        </a:schemeClr>
+                      </a:solidFill>
+                      <a:latin typeface="Arial Rounded MT Bold" panose="020F0704030504030204" pitchFamily="34" charset="0"/>
+                    </a:rPr>
+                    <a:t>SUMMARY</a:t>
+                  </a:r>
+                  <a:r>
+                    <a:rPr lang="es-ES" sz="1200" dirty="0">
+                      <a:solidFill>
+                        <a:schemeClr val="tx1">
+                          <a:lumMod val="75000"/>
+                          <a:lumOff val="25000"/>
+                        </a:schemeClr>
+                      </a:solidFill>
+                      <a:latin typeface="Arial Rounded MT Bold" panose="020F0704030504030204" pitchFamily="34" charset="0"/>
+                    </a:rPr>
+                    <a:t>?</a:t>
+                  </a:r>
+                </a:p>
+                <a:p>
+                  <a:pPr algn="ctr"/>
+                  <a:endParaRPr lang="es-ES" dirty="0"/>
+                </a:p>
+              </p:txBody>
+            </p:sp>
+            <p:sp>
+              <p:nvSpPr>
+                <p:cNvPr id="77" name="Llamada rectangular redondeada 76"/>
+                <p:cNvSpPr/>
+                <p:nvPr/>
+              </p:nvSpPr>
+              <p:spPr>
+                <a:xfrm>
+                  <a:off x="10676812" y="2157464"/>
+                  <a:ext cx="1193633" cy="667487"/>
+                </a:xfrm>
+                <a:prstGeom prst="wedgeRoundRectCallout">
+                  <a:avLst>
+                    <a:gd name="adj1" fmla="val -36481"/>
+                    <a:gd name="adj2" fmla="val 82700"/>
+                    <a:gd name="adj3" fmla="val 16667"/>
+                  </a:avLst>
+                </a:prstGeom>
+                <a:noFill/>
+                <a:ln w="38100">
+                  <a:solidFill>
+                    <a:srgbClr val="46DACC"/>
+                  </a:solidFill>
+                </a:ln>
+              </p:spPr>
+              <p:style>
+                <a:lnRef idx="2">
+                  <a:schemeClr val="accent1">
+                    <a:shade val="50000"/>
+                  </a:schemeClr>
+                </a:lnRef>
+                <a:fillRef idx="1">
+                  <a:schemeClr val="accent1"/>
+                </a:fillRef>
+                <a:effectRef idx="0">
+                  <a:schemeClr val="accent1"/>
+                </a:effectRef>
+                <a:fontRef idx="minor">
+                  <a:schemeClr val="lt1"/>
+                </a:fontRef>
+              </p:style>
+              <p:txBody>
+                <a:bodyPr rtlCol="0" anchor="ctr"/>
+                <a:lstStyle/>
+                <a:p>
+                  <a:pPr algn="ctr"/>
+                  <a:endParaRPr lang="es-ES" sz="1400" dirty="0" smtClean="0">
+                    <a:solidFill>
+                      <a:schemeClr val="tx1">
+                        <a:lumMod val="75000"/>
+                        <a:lumOff val="25000"/>
+                      </a:schemeClr>
+                    </a:solidFill>
+                    <a:latin typeface="Arial Rounded MT Bold" panose="020F0704030504030204" pitchFamily="34" charset="0"/>
+                  </a:endParaRPr>
+                </a:p>
+                <a:p>
+                  <a:pPr algn="ctr"/>
+                  <a:r>
+                    <a:rPr lang="es-ES" sz="1200" dirty="0" smtClean="0">
+                      <a:solidFill>
+                        <a:schemeClr val="tx1">
+                          <a:lumMod val="75000"/>
+                          <a:lumOff val="25000"/>
+                        </a:schemeClr>
+                      </a:solidFill>
+                      <a:latin typeface="Arial Rounded MT Bold" panose="020F0704030504030204" pitchFamily="34" charset="0"/>
+                    </a:rPr>
+                    <a:t>ANYTHING ELSE?</a:t>
+                  </a:r>
+                  <a:endParaRPr lang="es-ES" sz="1200" dirty="0">
+                    <a:solidFill>
+                      <a:schemeClr val="tx1">
+                        <a:lumMod val="75000"/>
+                        <a:lumOff val="25000"/>
+                      </a:schemeClr>
+                    </a:solidFill>
+                    <a:latin typeface="Arial Rounded MT Bold" panose="020F0704030504030204" pitchFamily="34" charset="0"/>
+                  </a:endParaRPr>
+                </a:p>
+                <a:p>
+                  <a:pPr algn="ctr"/>
+                  <a:endParaRPr lang="es-ES" dirty="0"/>
+                </a:p>
+              </p:txBody>
+            </p:sp>
+            <p:cxnSp>
+              <p:nvCxnSpPr>
+                <p:cNvPr id="103" name="Conector recto de flecha 102"/>
+                <p:cNvCxnSpPr/>
+                <p:nvPr/>
+              </p:nvCxnSpPr>
+              <p:spPr>
+                <a:xfrm>
+                  <a:off x="13835740" y="172963"/>
+                  <a:ext cx="0" cy="1814737"/>
+                </a:xfrm>
+                <a:prstGeom prst="straightConnector1">
+                  <a:avLst/>
+                </a:prstGeom>
+                <a:ln w="28575">
+                  <a:solidFill>
+                    <a:srgbClr val="7240F0"/>
+                  </a:solidFill>
+                  <a:tailEnd type="triangle" w="lg" len="lg"/>
+                </a:ln>
+              </p:spPr>
+              <p:style>
+                <a:lnRef idx="1">
+                  <a:schemeClr val="accent1"/>
+                </a:lnRef>
+                <a:fillRef idx="0">
+                  <a:schemeClr val="accent1"/>
+                </a:fillRef>
+                <a:effectRef idx="0">
+                  <a:schemeClr val="accent1"/>
+                </a:effectRef>
+                <a:fontRef idx="minor">
+                  <a:schemeClr val="tx1"/>
+                </a:fontRef>
+              </p:style>
+            </p:cxnSp>
+            <p:pic>
+              <p:nvPicPr>
+                <p:cNvPr id="115" name="Imagen 114"/>
+                <p:cNvPicPr>
+                  <a:picLocks noChangeAspect="1"/>
+                </p:cNvPicPr>
+                <p:nvPr/>
+              </p:nvPicPr>
+              <p:blipFill>
+                <a:blip r:embed="rId4" cstate="print">
+                  <a:duotone>
+                    <a:schemeClr val="bg2">
+                      <a:shade val="45000"/>
+                      <a:satMod val="135000"/>
+                    </a:schemeClr>
+                    <a:prstClr val="white"/>
+                  </a:duotone>
+                  <a:extLst>
+                    <a:ext uri="{28A0092B-C50C-407E-A947-70E740481C1C}">
+                      <a14:useLocalDpi xmlns:a14="http://schemas.microsoft.com/office/drawing/2010/main" val="0"/>
+                    </a:ext>
+                  </a:extLst>
+                </a:blip>
+                <a:stretch>
+                  <a:fillRect/>
+                </a:stretch>
+              </p:blipFill>
+              <p:spPr>
+                <a:xfrm>
+                  <a:off x="4830834" y="2083572"/>
+                  <a:ext cx="342636" cy="342636"/>
+                </a:xfrm>
+                <a:prstGeom prst="rect">
+                  <a:avLst/>
+                </a:prstGeom>
+              </p:spPr>
+            </p:pic>
+            <p:pic>
+              <p:nvPicPr>
+                <p:cNvPr id="118" name="Imagen 117"/>
+                <p:cNvPicPr>
+                  <a:picLocks noChangeAspect="1"/>
+                </p:cNvPicPr>
+                <p:nvPr/>
+              </p:nvPicPr>
+              <p:blipFill>
+                <a:blip r:embed="rId4" cstate="print">
+                  <a:duotone>
+                    <a:schemeClr val="bg2">
+                      <a:shade val="45000"/>
+                      <a:satMod val="135000"/>
+                    </a:schemeClr>
+                    <a:prstClr val="white"/>
+                  </a:duotone>
+                  <a:extLst>
+                    <a:ext uri="{28A0092B-C50C-407E-A947-70E740481C1C}">
+                      <a14:useLocalDpi xmlns:a14="http://schemas.microsoft.com/office/drawing/2010/main" val="0"/>
+                    </a:ext>
+                  </a:extLst>
+                </a:blip>
+                <a:stretch>
+                  <a:fillRect/>
+                </a:stretch>
+              </p:blipFill>
+              <p:spPr>
+                <a:xfrm>
+                  <a:off x="11963755" y="2073974"/>
+                  <a:ext cx="342636" cy="342636"/>
+                </a:xfrm>
+                <a:prstGeom prst="rect">
+                  <a:avLst/>
+                </a:prstGeom>
+              </p:spPr>
+            </p:pic>
+          </p:grpSp>
+          <p:pic>
+            <p:nvPicPr>
+              <p:cNvPr id="123" name="Imagen 122"/>
+              <p:cNvPicPr>
+                <a:picLocks noChangeAspect="1"/>
+              </p:cNvPicPr>
+              <p:nvPr/>
+            </p:nvPicPr>
+            <p:blipFill>
+              <a:blip r:embed="rId5" cstate="print">
+                <a:lum bright="70000" contrast="-70000"/>
+                <a:extLst>
+                  <a:ext uri="{28A0092B-C50C-407E-A947-70E740481C1C}">
+                    <a14:useLocalDpi xmlns:a14="http://schemas.microsoft.com/office/drawing/2010/main" val="0"/>
+                  </a:ext>
+                </a:extLst>
+              </a:blip>
+              <a:stretch>
+                <a:fillRect/>
+              </a:stretch>
+            </p:blipFill>
+            <p:spPr>
+              <a:xfrm>
+                <a:off x="10547446" y="-332100"/>
+                <a:ext cx="479884" cy="479884"/>
+              </a:xfrm>
+              <a:prstGeom prst="rect">
+                <a:avLst/>
+              </a:prstGeom>
+            </p:spPr>
+          </p:pic>
+          <p:sp>
+            <p:nvSpPr>
+              <p:cNvPr id="124" name="CuadroTexto 123"/>
+              <p:cNvSpPr txBox="1"/>
+              <p:nvPr/>
+            </p:nvSpPr>
+            <p:spPr>
+              <a:xfrm>
+                <a:off x="10430755" y="312251"/>
+                <a:ext cx="1071832" cy="338554"/>
+              </a:xfrm>
+              <a:prstGeom prst="rect">
+                <a:avLst/>
+              </a:prstGeom>
+              <a:noFill/>
+            </p:spPr>
+            <p:txBody>
+              <a:bodyPr wrap="none" rtlCol="0">
+                <a:spAutoFit/>
+              </a:bodyPr>
+              <a:lstStyle/>
+              <a:p>
+                <a:r>
+                  <a:rPr lang="es-ES" sz="1600" dirty="0" smtClean="0">
+                    <a:solidFill>
+                      <a:schemeClr val="tx1">
+                        <a:lumMod val="50000"/>
+                        <a:lumOff val="50000"/>
+                      </a:schemeClr>
+                    </a:solidFill>
+                    <a:latin typeface="+mj-lt"/>
+                    <a:cs typeface="Aharoni" panose="02010803020104030203" pitchFamily="2" charset="-79"/>
+                  </a:rPr>
+                  <a:t>SUMMARY</a:t>
+                </a:r>
+                <a:endParaRPr lang="es-ES" sz="1600" dirty="0">
+                  <a:solidFill>
+                    <a:schemeClr val="tx1">
+                      <a:lumMod val="50000"/>
+                      <a:lumOff val="50000"/>
+                    </a:schemeClr>
+                  </a:solidFill>
+                  <a:latin typeface="+mj-lt"/>
+                  <a:cs typeface="Aharoni" panose="02010803020104030203" pitchFamily="2" charset="-79"/>
+                </a:endParaRPr>
+              </a:p>
+            </p:txBody>
+          </p:sp>
+        </p:grpSp>
+        <p:sp>
+          <p:nvSpPr>
+            <p:cNvPr id="127" name="CuadroTexto 126"/>
+            <p:cNvSpPr txBox="1"/>
+            <p:nvPr/>
+          </p:nvSpPr>
+          <p:spPr>
+            <a:xfrm>
+              <a:off x="6823652" y="1404874"/>
+              <a:ext cx="1537409" cy="338554"/>
+            </a:xfrm>
+            <a:prstGeom prst="rect">
+              <a:avLst/>
+            </a:prstGeom>
+            <a:noFill/>
+          </p:spPr>
+          <p:txBody>
+            <a:bodyPr wrap="none" rtlCol="0">
+              <a:spAutoFit/>
+            </a:bodyPr>
+            <a:lstStyle/>
+            <a:p>
+              <a:r>
+                <a:rPr lang="es-ES" sz="1600" dirty="0" smtClean="0">
+                  <a:solidFill>
+                    <a:schemeClr val="tx1">
+                      <a:lumMod val="50000"/>
+                      <a:lumOff val="50000"/>
+                    </a:schemeClr>
+                  </a:solidFill>
+                  <a:latin typeface="+mj-lt"/>
+                  <a:cs typeface="Aharoni" panose="02010803020104030203" pitchFamily="2" charset="-79"/>
+                </a:rPr>
+                <a:t>$</a:t>
+              </a:r>
+              <a:r>
+                <a:rPr lang="es-ES" sz="1600" dirty="0" err="1" smtClean="0">
+                  <a:solidFill>
+                    <a:schemeClr val="tx1">
+                      <a:lumMod val="50000"/>
+                      <a:lumOff val="50000"/>
+                    </a:schemeClr>
+                  </a:solidFill>
+                  <a:latin typeface="+mj-lt"/>
+                  <a:cs typeface="Aharoni" panose="02010803020104030203" pitchFamily="2" charset="-79"/>
+                </a:rPr>
+                <a:t>Summary</a:t>
+              </a:r>
+              <a:r>
+                <a:rPr lang="es-ES" sz="1600" dirty="0" smtClean="0">
+                  <a:solidFill>
+                    <a:schemeClr val="tx1">
+                      <a:lumMod val="50000"/>
+                      <a:lumOff val="50000"/>
+                    </a:schemeClr>
+                  </a:solidFill>
+                  <a:latin typeface="+mj-lt"/>
+                  <a:cs typeface="Aharoni" panose="02010803020104030203" pitchFamily="2" charset="-79"/>
+                </a:rPr>
+                <a:t>=True</a:t>
+              </a:r>
+              <a:endParaRPr lang="es-ES" sz="1600" dirty="0">
+                <a:solidFill>
+                  <a:schemeClr val="tx1">
+                    <a:lumMod val="50000"/>
+                    <a:lumOff val="50000"/>
+                  </a:schemeClr>
+                </a:solidFill>
+                <a:latin typeface="+mj-lt"/>
+                <a:cs typeface="Aharoni" panose="02010803020104030203" pitchFamily="2" charset="-79"/>
+              </a:endParaRPr>
+            </a:p>
+          </p:txBody>
+        </p:sp>
+        <p:sp>
+          <p:nvSpPr>
+            <p:cNvPr id="129" name="CuadroTexto 128"/>
+            <p:cNvSpPr txBox="1"/>
+            <p:nvPr/>
+          </p:nvSpPr>
+          <p:spPr>
+            <a:xfrm>
+              <a:off x="7727656" y="5173015"/>
+              <a:ext cx="1137299" cy="338554"/>
+            </a:xfrm>
+            <a:prstGeom prst="rect">
+              <a:avLst/>
+            </a:prstGeom>
+            <a:noFill/>
+          </p:spPr>
+          <p:txBody>
+            <a:bodyPr wrap="none" rtlCol="0">
+              <a:spAutoFit/>
+            </a:bodyPr>
+            <a:lstStyle/>
+            <a:p>
+              <a:r>
+                <a:rPr lang="es-ES" sz="1600" dirty="0" smtClean="0">
+                  <a:solidFill>
+                    <a:schemeClr val="tx1">
+                      <a:lumMod val="50000"/>
+                      <a:lumOff val="50000"/>
+                    </a:schemeClr>
+                  </a:solidFill>
+                  <a:latin typeface="+mj-lt"/>
+                  <a:cs typeface="Aharoni" panose="02010803020104030203" pitchFamily="2" charset="-79"/>
+                </a:rPr>
+                <a:t>$</a:t>
+              </a:r>
+              <a:r>
+                <a:rPr lang="es-ES" sz="1600" dirty="0" err="1" smtClean="0">
+                  <a:solidFill>
+                    <a:schemeClr val="tx1">
+                      <a:lumMod val="50000"/>
+                      <a:lumOff val="50000"/>
+                    </a:schemeClr>
+                  </a:solidFill>
+                  <a:latin typeface="+mj-lt"/>
+                  <a:cs typeface="Aharoni" panose="02010803020104030203" pitchFamily="2" charset="-79"/>
+                </a:rPr>
+                <a:t>counter</a:t>
+              </a:r>
+              <a:r>
+                <a:rPr lang="es-ES" sz="1600" dirty="0" smtClean="0">
+                  <a:solidFill>
+                    <a:schemeClr val="tx1">
+                      <a:lumMod val="50000"/>
+                      <a:lumOff val="50000"/>
+                    </a:schemeClr>
+                  </a:solidFill>
+                  <a:latin typeface="+mj-lt"/>
+                  <a:cs typeface="Aharoni" panose="02010803020104030203" pitchFamily="2" charset="-79"/>
+                </a:rPr>
+                <a:t>=0</a:t>
+              </a:r>
+              <a:endParaRPr lang="es-ES" sz="1600" dirty="0">
+                <a:solidFill>
+                  <a:schemeClr val="tx1">
+                    <a:lumMod val="50000"/>
+                    <a:lumOff val="50000"/>
+                  </a:schemeClr>
+                </a:solidFill>
+                <a:latin typeface="+mj-lt"/>
+                <a:cs typeface="Aharoni" panose="02010803020104030203" pitchFamily="2" charset="-79"/>
+              </a:endParaRPr>
+            </a:p>
+          </p:txBody>
+        </p:sp>
+      </p:grpSp>
+    </p:spTree>
+    <p:extLst>
+      <p:ext uri="{BB962C8B-B14F-4D97-AF65-F5344CB8AC3E}">
+        <p14:creationId xmlns:p14="http://schemas.microsoft.com/office/powerpoint/2010/main" val="3249433358"/>
+      </p:ext>
+    </p:extLst>
+  </p:cSld>
+  <p:clrMapOvr>
+    <a:masterClrMapping/>
+  </p:clrMapOvr>
+</p:sld>
+</file>
+
+<file path=ppt/slides/slide28.xml><?xml version="1.0" encoding="utf-8"?>
+<p:sld xmlns:a="http://schemas.openxmlformats.org/drawingml/2006/main" xmlns:r="http://schemas.openxmlformats.org/officeDocument/2006/relationships" xmlns:p="http://schemas.openxmlformats.org/presentationml/2006/main">
+  <p:cSld>
+    <p:spTree>
+      <p:nvGrpSpPr>
+        <p:cNvPr id="1" name=""/>
+        <p:cNvGrpSpPr/>
+        <p:nvPr/>
+      </p:nvGrpSpPr>
+      <p:grpSpPr>
+        <a:xfrm>
+          <a:off x="0" y="0"/>
+          <a:ext cx="0" cy="0"/>
+          <a:chOff x="0" y="0"/>
+          <a:chExt cx="0" cy="0"/>
+        </a:xfrm>
+      </p:grpSpPr>
+      <p:grpSp>
+        <p:nvGrpSpPr>
+          <p:cNvPr id="3" name="Grupo 2"/>
+          <p:cNvGrpSpPr/>
+          <p:nvPr/>
+        </p:nvGrpSpPr>
+        <p:grpSpPr>
+          <a:xfrm>
+            <a:off x="-966158" y="-240632"/>
+            <a:ext cx="15463208" cy="4317333"/>
+            <a:chOff x="-966158" y="-240632"/>
+            <a:chExt cx="15463208" cy="4317333"/>
+          </a:xfrm>
+        </p:grpSpPr>
+        <p:grpSp>
+          <p:nvGrpSpPr>
+            <p:cNvPr id="96" name="Grupo 95"/>
+            <p:cNvGrpSpPr/>
+            <p:nvPr/>
+          </p:nvGrpSpPr>
+          <p:grpSpPr>
+            <a:xfrm>
+              <a:off x="-966158" y="-240632"/>
+              <a:ext cx="15463208" cy="4317333"/>
+              <a:chOff x="-1058778" y="-112295"/>
+              <a:chExt cx="15463208" cy="4317333"/>
+            </a:xfrm>
+          </p:grpSpPr>
+          <p:grpSp>
+            <p:nvGrpSpPr>
+              <p:cNvPr id="97" name="Grupo 96"/>
+              <p:cNvGrpSpPr/>
+              <p:nvPr/>
+            </p:nvGrpSpPr>
+            <p:grpSpPr>
+              <a:xfrm>
+                <a:off x="-1058778" y="-112295"/>
+                <a:ext cx="15463208" cy="4317333"/>
+                <a:chOff x="-1058778" y="-112295"/>
+                <a:chExt cx="15463208" cy="4317333"/>
+              </a:xfrm>
+            </p:grpSpPr>
+            <p:grpSp>
+              <p:nvGrpSpPr>
+                <p:cNvPr id="89" name="Grupo 88"/>
+                <p:cNvGrpSpPr/>
+                <p:nvPr/>
+              </p:nvGrpSpPr>
+              <p:grpSpPr>
+                <a:xfrm>
+                  <a:off x="-1058778" y="-112295"/>
+                  <a:ext cx="15463208" cy="4317333"/>
+                  <a:chOff x="-1058778" y="-112295"/>
+                  <a:chExt cx="15463208" cy="4317333"/>
+                </a:xfrm>
+              </p:grpSpPr>
+              <p:sp>
+                <p:nvSpPr>
+                  <p:cNvPr id="82" name="Rectángulo 81"/>
+                  <p:cNvSpPr/>
+                  <p:nvPr/>
+                </p:nvSpPr>
+                <p:spPr>
+                  <a:xfrm>
+                    <a:off x="-1058778" y="-112295"/>
+                    <a:ext cx="15463208" cy="4317333"/>
+                  </a:xfrm>
+                  <a:prstGeom prst="rect">
+                    <a:avLst/>
+                  </a:prstGeom>
+                  <a:solidFill>
+                    <a:schemeClr val="bg1"/>
+                  </a:solidFill>
+                  <a:ln>
+                    <a:noFill/>
+                  </a:ln>
+                </p:spPr>
+                <p:style>
+                  <a:lnRef idx="2">
+                    <a:schemeClr val="accent1">
+                      <a:shade val="50000"/>
+                    </a:schemeClr>
+                  </a:lnRef>
+                  <a:fillRef idx="1">
+                    <a:schemeClr val="accent1"/>
+                  </a:fillRef>
+                  <a:effectRef idx="0">
+                    <a:schemeClr val="accent1"/>
+                  </a:effectRef>
+                  <a:fontRef idx="minor">
+                    <a:schemeClr val="lt1"/>
+                  </a:fontRef>
+                </p:style>
+                <p:txBody>
+                  <a:bodyPr rtlCol="0" anchor="ctr"/>
+                  <a:lstStyle/>
+                  <a:p>
+                    <a:pPr algn="ctr"/>
+                    <a:endParaRPr lang="es-ES"/>
+                  </a:p>
+                </p:txBody>
+              </p:sp>
+              <p:sp>
+                <p:nvSpPr>
+                  <p:cNvPr id="5" name="Decisión 4"/>
+                  <p:cNvSpPr/>
+                  <p:nvPr/>
+                </p:nvSpPr>
+                <p:spPr>
+                  <a:xfrm>
+                    <a:off x="1667258" y="1724085"/>
+                    <a:ext cx="2205200" cy="1581874"/>
+                  </a:xfrm>
+                  <a:prstGeom prst="flowChartDecision">
+                    <a:avLst/>
+                  </a:prstGeom>
+                  <a:noFill/>
+                  <a:ln w="38100">
+                    <a:solidFill>
+                      <a:srgbClr val="46DACC"/>
+                    </a:solidFill>
+                    <a:prstDash val="sysDot"/>
+                  </a:ln>
+                </p:spPr>
+                <p:style>
+                  <a:lnRef idx="2">
+                    <a:schemeClr val="accent1">
+                      <a:shade val="50000"/>
+                    </a:schemeClr>
+                  </a:lnRef>
+                  <a:fillRef idx="1">
+                    <a:schemeClr val="accent1"/>
+                  </a:fillRef>
+                  <a:effectRef idx="0">
+                    <a:schemeClr val="accent1"/>
+                  </a:effectRef>
+                  <a:fontRef idx="minor">
+                    <a:schemeClr val="lt1"/>
+                  </a:fontRef>
+                </p:style>
+                <p:txBody>
+                  <a:bodyPr lIns="0" tIns="0" rIns="0" bIns="0" rtlCol="0" anchor="ctr"/>
+                  <a:lstStyle/>
+                  <a:p>
+                    <a:pPr algn="ctr"/>
+                    <a:r>
+                      <a:rPr lang="es-ES" sz="1200" dirty="0" smtClean="0">
+                        <a:solidFill>
+                          <a:schemeClr val="tx1">
+                            <a:lumMod val="65000"/>
+                            <a:lumOff val="35000"/>
+                          </a:schemeClr>
+                        </a:solidFill>
+                        <a:latin typeface="Arial Rounded MT Bold" panose="020F0704030504030204" pitchFamily="34" charset="0"/>
+                      </a:rPr>
+                      <a:t>CHECK</a:t>
+                    </a:r>
+                  </a:p>
+                  <a:p>
+                    <a:pPr algn="ctr"/>
+                    <a:r>
+                      <a:rPr lang="es-ES" sz="1200" dirty="0" smtClean="0">
+                        <a:solidFill>
+                          <a:schemeClr val="tx1">
+                            <a:lumMod val="65000"/>
+                            <a:lumOff val="35000"/>
+                          </a:schemeClr>
+                        </a:solidFill>
+                        <a:latin typeface="Arial Rounded MT Bold" panose="020F0704030504030204" pitchFamily="34" charset="0"/>
+                      </a:rPr>
+                      <a:t>#NEGATIVE_</a:t>
+                    </a:r>
+                  </a:p>
+                  <a:p>
+                    <a:pPr algn="ctr"/>
+                    <a:r>
+                      <a:rPr lang="es-ES" sz="1200" dirty="0" smtClean="0">
+                        <a:solidFill>
+                          <a:schemeClr val="tx1">
+                            <a:lumMod val="65000"/>
+                            <a:lumOff val="35000"/>
+                          </a:schemeClr>
+                        </a:solidFill>
+                        <a:latin typeface="Arial Rounded MT Bold" panose="020F0704030504030204" pitchFamily="34" charset="0"/>
+                      </a:rPr>
+                      <a:t>REACTION</a:t>
+                    </a:r>
+                    <a:endParaRPr lang="es-ES" sz="1200" dirty="0">
+                      <a:solidFill>
+                        <a:schemeClr val="tx1">
+                          <a:lumMod val="65000"/>
+                          <a:lumOff val="35000"/>
+                        </a:schemeClr>
+                      </a:solidFill>
+                      <a:latin typeface="Arial Rounded MT Bold" panose="020F0704030504030204" pitchFamily="34" charset="0"/>
+                    </a:endParaRPr>
+                  </a:p>
+                </p:txBody>
+              </p:sp>
+              <p:cxnSp>
+                <p:nvCxnSpPr>
+                  <p:cNvPr id="13" name="Conector recto de flecha 12"/>
+                  <p:cNvCxnSpPr>
+                    <a:stCxn id="26" idx="6"/>
+                    <a:endCxn id="5" idx="1"/>
+                  </p:cNvCxnSpPr>
+                  <p:nvPr/>
+                </p:nvCxnSpPr>
+                <p:spPr>
+                  <a:xfrm>
+                    <a:off x="411807" y="2515022"/>
+                    <a:ext cx="1255451" cy="0"/>
+                  </a:xfrm>
+                  <a:prstGeom prst="straightConnector1">
+                    <a:avLst/>
+                  </a:prstGeom>
+                  <a:ln w="28575">
+                    <a:solidFill>
+                      <a:srgbClr val="7240F0"/>
+                    </a:solidFill>
+                    <a:tailEnd type="triangle" w="lg" len="lg"/>
+                  </a:ln>
+                </p:spPr>
+                <p:style>
+                  <a:lnRef idx="1">
+                    <a:schemeClr val="accent1"/>
+                  </a:lnRef>
+                  <a:fillRef idx="0">
+                    <a:schemeClr val="accent1"/>
+                  </a:fillRef>
+                  <a:effectRef idx="0">
+                    <a:schemeClr val="accent1"/>
+                  </a:effectRef>
+                  <a:fontRef idx="minor">
+                    <a:schemeClr val="tx1"/>
+                  </a:fontRef>
+                </p:style>
+              </p:cxnSp>
+              <p:cxnSp>
+                <p:nvCxnSpPr>
+                  <p:cNvPr id="15" name="Conector recto de flecha 14"/>
+                  <p:cNvCxnSpPr>
+                    <a:stCxn id="5" idx="3"/>
+                    <a:endCxn id="43" idx="2"/>
+                  </p:cNvCxnSpPr>
+                  <p:nvPr/>
+                </p:nvCxnSpPr>
+                <p:spPr>
+                  <a:xfrm flipV="1">
+                    <a:off x="3872458" y="2505984"/>
+                    <a:ext cx="1714734" cy="9038"/>
+                  </a:xfrm>
+                  <a:prstGeom prst="straightConnector1">
+                    <a:avLst/>
+                  </a:prstGeom>
+                  <a:ln w="28575" cmpd="sng">
+                    <a:solidFill>
+                      <a:srgbClr val="7240F0"/>
+                    </a:solidFill>
+                    <a:prstDash val="solid"/>
+                    <a:tailEnd type="triangle" w="lg" len="lg"/>
+                  </a:ln>
+                </p:spPr>
+                <p:style>
+                  <a:lnRef idx="1">
+                    <a:schemeClr val="accent1"/>
+                  </a:lnRef>
+                  <a:fillRef idx="0">
+                    <a:schemeClr val="accent1"/>
+                  </a:fillRef>
+                  <a:effectRef idx="0">
+                    <a:schemeClr val="accent1"/>
+                  </a:effectRef>
+                  <a:fontRef idx="minor">
+                    <a:schemeClr val="tx1"/>
+                  </a:fontRef>
+                </p:style>
+              </p:cxnSp>
+              <p:sp>
+                <p:nvSpPr>
+                  <p:cNvPr id="122" name="CuadroTexto 121"/>
+                  <p:cNvSpPr txBox="1"/>
+                  <p:nvPr/>
+                </p:nvSpPr>
+                <p:spPr>
+                  <a:xfrm>
+                    <a:off x="3866325" y="2151715"/>
+                    <a:ext cx="475643" cy="369332"/>
+                  </a:xfrm>
+                  <a:prstGeom prst="rect">
+                    <a:avLst/>
+                  </a:prstGeom>
+                  <a:noFill/>
+                </p:spPr>
+                <p:txBody>
+                  <a:bodyPr wrap="none" rtlCol="0">
+                    <a:spAutoFit/>
+                  </a:bodyPr>
+                  <a:lstStyle/>
+                  <a:p>
+                    <a:r>
+                      <a:rPr lang="es-ES" b="1" dirty="0" smtClean="0">
+                        <a:solidFill>
+                          <a:srgbClr val="FF3300"/>
+                        </a:solidFill>
+                        <a:latin typeface="+mj-lt"/>
+                        <a:cs typeface="Aharoni" panose="02010803020104030203" pitchFamily="2" charset="-79"/>
+                      </a:rPr>
+                      <a:t>Yes</a:t>
+                    </a:r>
+                    <a:endParaRPr lang="es-ES" b="1" dirty="0">
+                      <a:solidFill>
+                        <a:srgbClr val="FF3300"/>
+                      </a:solidFill>
+                      <a:latin typeface="+mj-lt"/>
+                      <a:cs typeface="Aharoni" panose="02010803020104030203" pitchFamily="2" charset="-79"/>
+                    </a:endParaRPr>
+                  </a:p>
+                </p:txBody>
+              </p:sp>
+              <p:sp>
+                <p:nvSpPr>
+                  <p:cNvPr id="24" name="Decisión 23"/>
+                  <p:cNvSpPr/>
+                  <p:nvPr/>
+                </p:nvSpPr>
+                <p:spPr>
+                  <a:xfrm>
+                    <a:off x="8092416" y="1766263"/>
+                    <a:ext cx="2222223" cy="1440673"/>
+                  </a:xfrm>
+                  <a:prstGeom prst="flowChartDecision">
+                    <a:avLst/>
+                  </a:prstGeom>
+                  <a:noFill/>
+                  <a:ln w="38100">
+                    <a:solidFill>
+                      <a:srgbClr val="46DACC"/>
+                    </a:solidFill>
+                    <a:prstDash val="sysDot"/>
+                  </a:ln>
+                </p:spPr>
+                <p:style>
+                  <a:lnRef idx="2">
+                    <a:schemeClr val="accent1">
+                      <a:shade val="50000"/>
+                    </a:schemeClr>
+                  </a:lnRef>
+                  <a:fillRef idx="1">
+                    <a:schemeClr val="accent1"/>
+                  </a:fillRef>
+                  <a:effectRef idx="0">
+                    <a:schemeClr val="accent1"/>
+                  </a:effectRef>
+                  <a:fontRef idx="minor">
+                    <a:schemeClr val="lt1"/>
+                  </a:fontRef>
+                </p:style>
+                <p:txBody>
+                  <a:bodyPr lIns="0" tIns="0" rIns="0" bIns="0" rtlCol="0" anchor="ctr"/>
+                  <a:lstStyle/>
+                  <a:p>
+                    <a:pPr algn="ctr"/>
+                    <a:r>
+                      <a:rPr lang="es-ES" sz="1200" dirty="0" smtClean="0">
+                        <a:solidFill>
+                          <a:schemeClr val="tx1">
+                            <a:lumMod val="65000"/>
+                            <a:lumOff val="35000"/>
+                          </a:schemeClr>
+                        </a:solidFill>
+                        <a:latin typeface="Arial Rounded MT Bold" panose="020F0704030504030204" pitchFamily="34" charset="0"/>
+                      </a:rPr>
+                      <a:t>CHECK</a:t>
+                    </a:r>
+                  </a:p>
+                  <a:p>
+                    <a:pPr algn="ctr"/>
+                    <a:r>
+                      <a:rPr lang="es-ES" sz="1200" dirty="0" smtClean="0">
+                        <a:solidFill>
+                          <a:schemeClr val="tx1">
+                            <a:lumMod val="65000"/>
+                            <a:lumOff val="35000"/>
+                          </a:schemeClr>
+                        </a:solidFill>
+                        <a:latin typeface="Arial Rounded MT Bold" panose="020F0704030504030204" pitchFamily="34" charset="0"/>
+                      </a:rPr>
+                      <a:t>$INSULT_</a:t>
+                    </a:r>
+                  </a:p>
+                  <a:p>
+                    <a:pPr algn="ctr"/>
+                    <a:r>
+                      <a:rPr lang="es-ES" sz="1200" dirty="0" smtClean="0">
+                        <a:solidFill>
+                          <a:schemeClr val="tx1">
+                            <a:lumMod val="65000"/>
+                            <a:lumOff val="35000"/>
+                          </a:schemeClr>
+                        </a:solidFill>
+                        <a:latin typeface="Arial Rounded MT Bold" panose="020F0704030504030204" pitchFamily="34" charset="0"/>
+                      </a:rPr>
+                      <a:t>COUNTER </a:t>
+                    </a:r>
+                  </a:p>
+                  <a:p>
+                    <a:pPr algn="ctr"/>
+                    <a:r>
+                      <a:rPr lang="es-ES" sz="1200" dirty="0" smtClean="0">
+                        <a:solidFill>
+                          <a:schemeClr val="tx1">
+                            <a:lumMod val="65000"/>
+                            <a:lumOff val="35000"/>
+                          </a:schemeClr>
+                        </a:solidFill>
+                        <a:latin typeface="Arial Rounded MT Bold" panose="020F0704030504030204" pitchFamily="34" charset="0"/>
+                      </a:rPr>
+                      <a:t>&gt;= 3</a:t>
+                    </a:r>
+                  </a:p>
+                </p:txBody>
+              </p:sp>
+              <p:sp>
+                <p:nvSpPr>
+                  <p:cNvPr id="26" name="Elipse 25"/>
+                  <p:cNvSpPr/>
+                  <p:nvPr/>
+                </p:nvSpPr>
+                <p:spPr>
+                  <a:xfrm>
+                    <a:off x="-848193" y="2011022"/>
+                    <a:ext cx="1260000" cy="1008000"/>
+                  </a:xfrm>
+                  <a:prstGeom prst="ellipse">
+                    <a:avLst/>
+                  </a:prstGeom>
+                  <a:noFill/>
+                  <a:ln w="76200">
+                    <a:solidFill>
+                      <a:srgbClr val="46DACC"/>
+                    </a:solidFill>
+                  </a:ln>
+                </p:spPr>
+                <p:style>
+                  <a:lnRef idx="2">
+                    <a:schemeClr val="accent1">
+                      <a:shade val="50000"/>
+                    </a:schemeClr>
+                  </a:lnRef>
+                  <a:fillRef idx="1">
+                    <a:schemeClr val="accent1"/>
+                  </a:fillRef>
+                  <a:effectRef idx="0">
+                    <a:schemeClr val="accent1"/>
+                  </a:effectRef>
+                  <a:fontRef idx="minor">
+                    <a:schemeClr val="lt1"/>
+                  </a:fontRef>
+                </p:style>
+                <p:txBody>
+                  <a:bodyPr lIns="0" tIns="0" rIns="0" bIns="0" rtlCol="0" anchor="ctr"/>
+                  <a:lstStyle/>
+                  <a:p>
+                    <a:pPr algn="ctr"/>
+                    <a:r>
+                      <a:rPr lang="es-ES" sz="1200" dirty="0" smtClean="0">
+                        <a:solidFill>
+                          <a:schemeClr val="tx1">
+                            <a:lumMod val="75000"/>
+                            <a:lumOff val="25000"/>
+                          </a:schemeClr>
+                        </a:solidFill>
+                        <a:latin typeface="Arial Rounded MT Bold" panose="020F0704030504030204" pitchFamily="34" charset="0"/>
+                      </a:rPr>
+                      <a:t>START</a:t>
+                    </a:r>
+                    <a:endParaRPr lang="es-ES" sz="1200" dirty="0">
+                      <a:solidFill>
+                        <a:schemeClr val="tx1">
+                          <a:lumMod val="75000"/>
+                          <a:lumOff val="25000"/>
+                        </a:schemeClr>
+                      </a:solidFill>
+                      <a:latin typeface="Arial Rounded MT Bold" panose="020F0704030504030204" pitchFamily="34" charset="0"/>
+                    </a:endParaRPr>
+                  </a:p>
+                </p:txBody>
+              </p:sp>
+              <p:cxnSp>
+                <p:nvCxnSpPr>
+                  <p:cNvPr id="36" name="Conector recto de flecha 35"/>
+                  <p:cNvCxnSpPr>
+                    <a:stCxn id="24" idx="3"/>
+                    <a:endCxn id="44" idx="1"/>
+                  </p:cNvCxnSpPr>
+                  <p:nvPr/>
+                </p:nvCxnSpPr>
+                <p:spPr>
+                  <a:xfrm flipV="1">
+                    <a:off x="10314639" y="2467458"/>
+                    <a:ext cx="1784741" cy="19142"/>
+                  </a:xfrm>
+                  <a:prstGeom prst="straightConnector1">
+                    <a:avLst/>
+                  </a:prstGeom>
+                  <a:ln w="28575">
+                    <a:solidFill>
+                      <a:srgbClr val="7240F0"/>
+                    </a:solidFill>
+                    <a:prstDash val="sysDash"/>
+                    <a:tailEnd type="triangle" w="lg" len="lg"/>
+                  </a:ln>
+                </p:spPr>
+                <p:style>
+                  <a:lnRef idx="1">
+                    <a:schemeClr val="accent1"/>
+                  </a:lnRef>
+                  <a:fillRef idx="0">
+                    <a:schemeClr val="accent1"/>
+                  </a:fillRef>
+                  <a:effectRef idx="0">
+                    <a:schemeClr val="accent1"/>
+                  </a:effectRef>
+                  <a:fontRef idx="minor">
+                    <a:schemeClr val="tx1"/>
+                  </a:fontRef>
+                </p:style>
+              </p:cxnSp>
+            </p:grpSp>
+            <p:sp>
+              <p:nvSpPr>
+                <p:cNvPr id="93" name="CuadroTexto 92"/>
+                <p:cNvSpPr txBox="1"/>
+                <p:nvPr/>
+              </p:nvSpPr>
+              <p:spPr>
+                <a:xfrm>
+                  <a:off x="1856288" y="374198"/>
+                  <a:ext cx="3039200" cy="338554"/>
+                </a:xfrm>
+                <a:prstGeom prst="rect">
+                  <a:avLst/>
+                </a:prstGeom>
+                <a:noFill/>
+              </p:spPr>
+              <p:txBody>
+                <a:bodyPr wrap="square" rtlCol="0">
+                  <a:spAutoFit/>
+                </a:bodyPr>
+                <a:lstStyle/>
+                <a:p>
+                  <a:r>
+                    <a:rPr lang="es-ES" sz="1600" b="1" dirty="0" smtClean="0">
+                      <a:solidFill>
+                        <a:schemeClr val="tx1">
+                          <a:lumMod val="50000"/>
+                          <a:lumOff val="50000"/>
+                        </a:schemeClr>
+                      </a:solidFill>
+                      <a:latin typeface="Arial Rounded MT Bold" panose="020F0704030504030204" pitchFamily="34" charset="0"/>
+                      <a:cs typeface="Aharoni" panose="02010803020104030203" pitchFamily="2" charset="-79"/>
+                    </a:rPr>
+                    <a:t>WATSON CONVERSATION</a:t>
+                  </a:r>
+                  <a:endParaRPr lang="es-ES" sz="1600" b="1" dirty="0">
+                    <a:solidFill>
+                      <a:schemeClr val="tx1">
+                        <a:lumMod val="50000"/>
+                        <a:lumOff val="50000"/>
+                      </a:schemeClr>
+                    </a:solidFill>
+                    <a:latin typeface="Arial Rounded MT Bold" panose="020F0704030504030204" pitchFamily="34" charset="0"/>
+                    <a:cs typeface="Aharoni" panose="02010803020104030203" pitchFamily="2" charset="-79"/>
+                  </a:endParaRPr>
+                </a:p>
+              </p:txBody>
+            </p:sp>
+            <p:sp>
+              <p:nvSpPr>
+                <p:cNvPr id="98" name="Rectángulo redondeado 97"/>
+                <p:cNvSpPr/>
+                <p:nvPr/>
+              </p:nvSpPr>
+              <p:spPr>
+                <a:xfrm>
+                  <a:off x="1164680" y="330554"/>
+                  <a:ext cx="13011149" cy="3342037"/>
+                </a:xfrm>
+                <a:prstGeom prst="roundRect">
+                  <a:avLst>
+                    <a:gd name="adj" fmla="val 3452"/>
+                  </a:avLst>
+                </a:prstGeom>
+                <a:noFill/>
+                <a:ln>
+                  <a:solidFill>
+                    <a:schemeClr val="bg1">
+                      <a:lumMod val="75000"/>
+                    </a:schemeClr>
+                  </a:solidFill>
+                  <a:prstDash val="sysDash"/>
+                </a:ln>
+              </p:spPr>
+              <p:style>
+                <a:lnRef idx="2">
+                  <a:schemeClr val="accent1">
+                    <a:shade val="50000"/>
+                  </a:schemeClr>
+                </a:lnRef>
+                <a:fillRef idx="1">
+                  <a:schemeClr val="accent1"/>
+                </a:fillRef>
+                <a:effectRef idx="0">
+                  <a:schemeClr val="accent1"/>
+                </a:effectRef>
+                <a:fontRef idx="minor">
+                  <a:schemeClr val="lt1"/>
+                </a:fontRef>
+              </p:style>
+              <p:txBody>
+                <a:bodyPr rtlCol="0" anchor="ctr"/>
+                <a:lstStyle/>
+                <a:p>
+                  <a:pPr algn="ctr"/>
+                  <a:endParaRPr lang="es-ES"/>
+                </a:p>
+              </p:txBody>
+            </p:sp>
           </p:grpSp>
           <p:sp>
             <p:nvSpPr>
-              <p:cNvPr id="92" name="Rectángulo redondeado 91"/>
+              <p:cNvPr id="44" name="Decisión 43"/>
               <p:cNvSpPr/>
               <p:nvPr/>
             </p:nvSpPr>
             <p:spPr>
               <a:xfrm>
-                <a:off x="1759058" y="3976092"/>
-                <a:ext cx="10176268" cy="1805889"/>
+                <a:off x="12099380" y="1724085"/>
+                <a:ext cx="1896485" cy="1486745"/>
               </a:xfrm>
-              <a:prstGeom prst="roundRect">
-                <a:avLst>
-                  <a:gd name="adj" fmla="val 3452"/>
-                </a:avLst>
+              <a:prstGeom prst="flowChartDecision">
+                <a:avLst/>
               </a:prstGeom>
               <a:noFill/>
-              <a:ln>
+              <a:ln w="38100">
                 <a:solidFill>
-                  <a:schemeClr val="bg1">
-                    <a:lumMod val="75000"/>
-                  </a:schemeClr>
+                  <a:srgbClr val="46DACC"/>
                 </a:solidFill>
-                <a:prstDash val="sysDash"/>
+                <a:prstDash val="sysDot"/>
               </a:ln>
             </p:spPr>
             <p:style>
@@ -33781,292 +35757,128 @@
               </a:fontRef>
             </p:style>
             <p:txBody>
-              <a:bodyPr rtlCol="0" anchor="ctr"/>
+              <a:bodyPr lIns="0" tIns="0" rIns="0" bIns="0" rtlCol="0" anchor="ctr"/>
               <a:lstStyle/>
               <a:p>
                 <a:pPr algn="ctr"/>
-                <a:endParaRPr lang="es-ES"/>
-              </a:p>
-            </p:txBody>
-          </p:sp>
-          <p:sp>
-            <p:nvSpPr>
-              <p:cNvPr id="93" name="CuadroTexto 92"/>
-              <p:cNvSpPr txBox="1"/>
-              <p:nvPr/>
-            </p:nvSpPr>
-            <p:spPr>
-              <a:xfrm>
-                <a:off x="1856288" y="374198"/>
-                <a:ext cx="3039200" cy="338554"/>
-              </a:xfrm>
-              <a:prstGeom prst="rect">
-                <a:avLst/>
-              </a:prstGeom>
-              <a:noFill/>
-            </p:spPr>
-            <p:txBody>
-              <a:bodyPr wrap="square" rtlCol="0">
-                <a:spAutoFit/>
-              </a:bodyPr>
-              <a:lstStyle/>
-              <a:p>
                 <a:r>
-                  <a:rPr lang="es-ES" sz="1600" b="1" dirty="0" smtClean="0">
+                  <a:rPr lang="es-ES" sz="1200" dirty="0" smtClean="0">
                     <a:solidFill>
                       <a:schemeClr val="tx1">
-                        <a:lumMod val="50000"/>
-                        <a:lumOff val="50000"/>
+                        <a:lumMod val="65000"/>
+                        <a:lumOff val="35000"/>
                       </a:schemeClr>
                     </a:solidFill>
                     <a:latin typeface="Arial Rounded MT Bold" panose="020F0704030504030204" pitchFamily="34" charset="0"/>
-                    <a:cs typeface="Aharoni" panose="02010803020104030203" pitchFamily="2" charset="-79"/>
                   </a:rPr>
-                  <a:t>WATSON CONVERSATION</a:t>
+                  <a:t>#BYE</a:t>
                 </a:r>
-                <a:endParaRPr lang="es-ES" sz="1600" b="1" dirty="0">
+                <a:endParaRPr lang="es-ES" sz="1200" dirty="0">
                   <a:solidFill>
                     <a:schemeClr val="tx1">
-                      <a:lumMod val="50000"/>
-                      <a:lumOff val="50000"/>
+                      <a:lumMod val="65000"/>
+                      <a:lumOff val="35000"/>
                     </a:schemeClr>
                   </a:solidFill>
                   <a:latin typeface="Arial Rounded MT Bold" panose="020F0704030504030204" pitchFamily="34" charset="0"/>
-                  <a:cs typeface="Aharoni" panose="02010803020104030203" pitchFamily="2" charset="-79"/>
-                </a:endParaRPr>
-              </a:p>
-            </p:txBody>
-          </p:sp>
-          <p:sp>
-            <p:nvSpPr>
-              <p:cNvPr id="98" name="Rectángulo redondeado 97"/>
-              <p:cNvSpPr/>
-              <p:nvPr/>
-            </p:nvSpPr>
-            <p:spPr>
-              <a:xfrm>
-                <a:off x="1759059" y="330554"/>
-                <a:ext cx="10176267" cy="3342037"/>
-              </a:xfrm>
-              <a:prstGeom prst="roundRect">
-                <a:avLst>
-                  <a:gd name="adj" fmla="val 3452"/>
-                </a:avLst>
-              </a:prstGeom>
-              <a:noFill/>
-              <a:ln>
-                <a:solidFill>
-                  <a:schemeClr val="bg1">
-                    <a:lumMod val="75000"/>
-                  </a:schemeClr>
-                </a:solidFill>
-                <a:prstDash val="sysDash"/>
-              </a:ln>
-            </p:spPr>
-            <p:style>
-              <a:lnRef idx="2">
-                <a:schemeClr val="accent1">
-                  <a:shade val="50000"/>
-                </a:schemeClr>
-              </a:lnRef>
-              <a:fillRef idx="1">
-                <a:schemeClr val="accent1"/>
-              </a:fillRef>
-              <a:effectRef idx="0">
-                <a:schemeClr val="accent1"/>
-              </a:effectRef>
-              <a:fontRef idx="minor">
-                <a:schemeClr val="lt1"/>
-              </a:fontRef>
-            </p:style>
-            <p:txBody>
-              <a:bodyPr rtlCol="0" anchor="ctr"/>
-              <a:lstStyle/>
-              <a:p>
-                <a:pPr algn="ctr"/>
-                <a:endParaRPr lang="es-ES"/>
-              </a:p>
-            </p:txBody>
-          </p:sp>
-          <p:sp>
-            <p:nvSpPr>
-              <p:cNvPr id="99" name="CuadroTexto 98"/>
-              <p:cNvSpPr txBox="1"/>
-              <p:nvPr/>
-            </p:nvSpPr>
-            <p:spPr>
-              <a:xfrm>
-                <a:off x="1912315" y="5337799"/>
-                <a:ext cx="2983174" cy="338554"/>
-              </a:xfrm>
-              <a:prstGeom prst="rect">
-                <a:avLst/>
-              </a:prstGeom>
-              <a:noFill/>
-            </p:spPr>
-            <p:txBody>
-              <a:bodyPr wrap="square" rtlCol="0">
-                <a:spAutoFit/>
-              </a:bodyPr>
-              <a:lstStyle/>
-              <a:p>
-                <a:r>
-                  <a:rPr lang="es-ES" sz="1600" b="1" dirty="0" smtClean="0">
-                    <a:solidFill>
-                      <a:schemeClr val="tx1">
-                        <a:lumMod val="50000"/>
-                        <a:lumOff val="50000"/>
-                      </a:schemeClr>
-                    </a:solidFill>
-                    <a:latin typeface="Arial Rounded MT Bold" panose="020F0704030504030204" pitchFamily="34" charset="0"/>
-                    <a:cs typeface="Aharoni" panose="02010803020104030203" pitchFamily="2" charset="-79"/>
-                  </a:rPr>
-                  <a:t>ORCHESTRATION ENGINE</a:t>
-                </a:r>
-                <a:endParaRPr lang="es-ES" sz="1600" b="1" dirty="0">
-                  <a:solidFill>
-                    <a:schemeClr val="tx1">
-                      <a:lumMod val="50000"/>
-                      <a:lumOff val="50000"/>
-                    </a:schemeClr>
-                  </a:solidFill>
-                  <a:latin typeface="Arial Rounded MT Bold" panose="020F0704030504030204" pitchFamily="34" charset="0"/>
-                  <a:cs typeface="Aharoni" panose="02010803020104030203" pitchFamily="2" charset="-79"/>
                 </a:endParaRPr>
               </a:p>
             </p:txBody>
           </p:sp>
         </p:grpSp>
-        <p:cxnSp>
-          <p:nvCxnSpPr>
-            <p:cNvPr id="34" name="Conector recto de flecha 33"/>
-            <p:cNvCxnSpPr/>
+        <p:sp>
+          <p:nvSpPr>
+            <p:cNvPr id="42" name="CuadroTexto 41"/>
+            <p:cNvSpPr txBox="1"/>
             <p:nvPr/>
-          </p:nvCxnSpPr>
+          </p:nvSpPr>
           <p:spPr>
-            <a:xfrm flipH="1" flipV="1">
-              <a:off x="10331234" y="601677"/>
-              <a:ext cx="2" cy="1156745"/>
+            <a:xfrm>
+              <a:off x="3872458" y="2572565"/>
+              <a:ext cx="1691360" cy="338554"/>
             </a:xfrm>
-            <a:prstGeom prst="straightConnector1">
+            <a:prstGeom prst="rect">
               <a:avLst/>
             </a:prstGeom>
-            <a:ln w="28575">
-              <a:solidFill>
-                <a:srgbClr val="7240F0"/>
-              </a:solidFill>
-              <a:tailEnd type="triangle" w="lg" len="lg"/>
-            </a:ln>
+            <a:noFill/>
           </p:spPr>
-          <p:style>
-            <a:lnRef idx="1">
-              <a:schemeClr val="accent1"/>
-            </a:lnRef>
-            <a:fillRef idx="0">
-              <a:schemeClr val="accent1"/>
-            </a:fillRef>
-            <a:effectRef idx="0">
-              <a:schemeClr val="accent1"/>
-            </a:effectRef>
-            <a:fontRef idx="minor">
-              <a:schemeClr val="tx1"/>
-            </a:fontRef>
-          </p:style>
-        </p:cxnSp>
-        <p:cxnSp>
-          <p:nvCxnSpPr>
-            <p:cNvPr id="40" name="Conector recto de flecha 39"/>
-            <p:cNvCxnSpPr/>
-            <p:nvPr/>
-          </p:nvCxnSpPr>
-          <p:spPr>
-            <a:xfrm flipH="1">
-              <a:off x="6814637" y="641859"/>
-              <a:ext cx="3532643" cy="12187"/>
-            </a:xfrm>
-            <a:prstGeom prst="straightConnector1">
-              <a:avLst/>
-            </a:prstGeom>
-            <a:ln w="28575">
-              <a:solidFill>
-                <a:srgbClr val="7240F0"/>
-              </a:solidFill>
-              <a:tailEnd type="triangle" w="lg" len="lg"/>
-            </a:ln>
-          </p:spPr>
-          <p:style>
-            <a:lnRef idx="1">
-              <a:schemeClr val="accent1"/>
-            </a:lnRef>
-            <a:fillRef idx="0">
-              <a:schemeClr val="accent1"/>
-            </a:fillRef>
-            <a:effectRef idx="0">
-              <a:schemeClr val="accent1"/>
-            </a:effectRef>
-            <a:fontRef idx="minor">
-              <a:schemeClr val="tx1"/>
-            </a:fontRef>
-          </p:style>
-        </p:cxnSp>
-        <p:cxnSp>
-          <p:nvCxnSpPr>
-            <p:cNvPr id="41" name="Conector recto de flecha 40"/>
-            <p:cNvCxnSpPr>
-              <a:endCxn id="24" idx="0"/>
-            </p:cNvCxnSpPr>
-            <p:nvPr/>
-          </p:nvCxnSpPr>
-          <p:spPr>
-            <a:xfrm flipH="1">
-              <a:off x="6823653" y="641858"/>
-              <a:ext cx="7029" cy="1129506"/>
-            </a:xfrm>
-            <a:prstGeom prst="straightConnector1">
-              <a:avLst/>
-            </a:prstGeom>
-            <a:ln w="28575">
-              <a:solidFill>
-                <a:srgbClr val="7240F0"/>
-              </a:solidFill>
-              <a:tailEnd type="triangle" w="lg" len="lg"/>
-            </a:ln>
-          </p:spPr>
-          <p:style>
-            <a:lnRef idx="1">
-              <a:schemeClr val="accent1"/>
-            </a:lnRef>
-            <a:fillRef idx="0">
-              <a:schemeClr val="accent1"/>
-            </a:fillRef>
-            <a:effectRef idx="0">
-              <a:schemeClr val="accent1"/>
-            </a:effectRef>
-            <a:fontRef idx="minor">
-              <a:schemeClr val="tx1"/>
-            </a:fontRef>
-          </p:style>
-        </p:cxnSp>
+          <p:txBody>
+            <a:bodyPr wrap="none" rtlCol="0">
+              <a:spAutoFit/>
+            </a:bodyPr>
+            <a:lstStyle/>
+            <a:p>
+              <a:r>
+                <a:rPr lang="es-ES" sz="1600" dirty="0" smtClean="0">
+                  <a:solidFill>
+                    <a:schemeClr val="tx1">
+                      <a:lumMod val="50000"/>
+                      <a:lumOff val="50000"/>
+                    </a:schemeClr>
+                  </a:solidFill>
+                  <a:latin typeface="+mj-lt"/>
+                  <a:cs typeface="Aharoni" panose="02010803020104030203" pitchFamily="2" charset="-79"/>
+                </a:rPr>
+                <a:t>$</a:t>
+              </a:r>
+              <a:r>
+                <a:rPr lang="es-ES" sz="1600" dirty="0" err="1" smtClean="0">
+                  <a:solidFill>
+                    <a:schemeClr val="tx1">
+                      <a:lumMod val="50000"/>
+                      <a:lumOff val="50000"/>
+                    </a:schemeClr>
+                  </a:solidFill>
+                  <a:latin typeface="+mj-lt"/>
+                  <a:cs typeface="Aharoni" panose="02010803020104030203" pitchFamily="2" charset="-79"/>
+                </a:rPr>
+                <a:t>insult_counter</a:t>
+              </a:r>
+              <a:r>
+                <a:rPr lang="es-ES" sz="1600" dirty="0" smtClean="0">
+                  <a:solidFill>
+                    <a:schemeClr val="tx1">
+                      <a:lumMod val="50000"/>
+                      <a:lumOff val="50000"/>
+                    </a:schemeClr>
+                  </a:solidFill>
+                  <a:latin typeface="+mj-lt"/>
+                  <a:cs typeface="Aharoni" panose="02010803020104030203" pitchFamily="2" charset="-79"/>
+                </a:rPr>
+                <a:t>++</a:t>
+              </a:r>
+              <a:endParaRPr lang="es-ES" sz="1600" dirty="0">
+                <a:solidFill>
+                  <a:schemeClr val="tx1">
+                    <a:lumMod val="50000"/>
+                    <a:lumOff val="50000"/>
+                  </a:schemeClr>
+                </a:solidFill>
+                <a:latin typeface="+mj-lt"/>
+                <a:cs typeface="Aharoni" panose="02010803020104030203" pitchFamily="2" charset="-79"/>
+              </a:endParaRPr>
+            </a:p>
+          </p:txBody>
+        </p:sp>
         <p:sp>
           <p:nvSpPr>
-            <p:cNvPr id="44" name="Decisión 43"/>
+            <p:cNvPr id="43" name="Elipse 42"/>
             <p:cNvSpPr/>
             <p:nvPr/>
           </p:nvSpPr>
           <p:spPr>
             <a:xfrm>
-              <a:off x="9372896" y="1718716"/>
-              <a:ext cx="1896485" cy="1486745"/>
+              <a:off x="5679812" y="1873235"/>
+              <a:ext cx="1260000" cy="1008823"/>
             </a:xfrm>
-            <a:prstGeom prst="flowChartDecision">
+            <a:prstGeom prst="ellipse">
               <a:avLst/>
             </a:prstGeom>
             <a:noFill/>
-            <a:ln w="38100">
+            <a:ln w="76200">
               <a:solidFill>
                 <a:srgbClr val="46DACC"/>
               </a:solidFill>
-              <a:prstDash val="sysDot"/>
             </a:ln>
           </p:spPr>
           <p:style>
@@ -34094,34 +35906,19 @@
                 <a:rPr lang="es-ES" sz="1200" dirty="0" smtClean="0">
                   <a:solidFill>
                     <a:schemeClr val="tx1">
-                      <a:lumMod val="65000"/>
-                      <a:lumOff val="35000"/>
+                      <a:lumMod val="75000"/>
+                      <a:lumOff val="25000"/>
                     </a:schemeClr>
                   </a:solidFill>
                   <a:latin typeface="Arial Rounded MT Bold" panose="020F0704030504030204" pitchFamily="34" charset="0"/>
                 </a:rPr>
-                <a:t>FIRST </a:t>
-              </a:r>
-            </a:p>
-            <a:p>
-              <a:pPr algn="ctr"/>
-              <a:r>
-                <a:rPr lang="es-ES" sz="1200" dirty="0" smtClean="0">
-                  <a:solidFill>
-                    <a:schemeClr val="tx1">
-                      <a:lumMod val="65000"/>
-                      <a:lumOff val="35000"/>
-                    </a:schemeClr>
-                  </a:solidFill>
-                  <a:latin typeface="Arial Rounded MT Bold" panose="020F0704030504030204" pitchFamily="34" charset="0"/>
-                </a:rPr>
-                <a:t>TIME</a:t>
+                <a:t>RESPONSE</a:t>
               </a:r>
               <a:endParaRPr lang="es-ES" sz="1200" dirty="0">
                 <a:solidFill>
                   <a:schemeClr val="tx1">
-                    <a:lumMod val="65000"/>
-                    <a:lumOff val="35000"/>
+                    <a:lumMod val="75000"/>
+                    <a:lumOff val="25000"/>
                   </a:schemeClr>
                 </a:solidFill>
                 <a:latin typeface="Arial Rounded MT Bold" panose="020F0704030504030204" pitchFamily="34" charset="0"/>
@@ -34129,170 +35926,28 @@
             </a:p>
           </p:txBody>
         </p:sp>
-        <p:sp>
-          <p:nvSpPr>
-            <p:cNvPr id="56" name="CuadroTexto 55"/>
-            <p:cNvSpPr txBox="1"/>
-            <p:nvPr/>
-          </p:nvSpPr>
-          <p:spPr>
-            <a:xfrm>
-              <a:off x="6830682" y="1019162"/>
-              <a:ext cx="1524585" cy="369332"/>
-            </a:xfrm>
-            <a:prstGeom prst="rect">
-              <a:avLst/>
-            </a:prstGeom>
-            <a:noFill/>
-          </p:spPr>
-          <p:txBody>
-            <a:bodyPr wrap="none" rtlCol="0">
-              <a:spAutoFit/>
-            </a:bodyPr>
-            <a:lstStyle/>
-            <a:p>
-              <a:r>
-                <a:rPr lang="es-ES" b="1" dirty="0" smtClean="0">
-                  <a:solidFill>
-                    <a:srgbClr val="FF3300"/>
-                  </a:solidFill>
-                  <a:latin typeface="+mj-lt"/>
-                  <a:cs typeface="Aharoni" panose="02010803020104030203" pitchFamily="2" charset="-79"/>
-                </a:rPr>
-                <a:t>No </a:t>
-              </a:r>
-              <a:r>
-                <a:rPr lang="es-ES" b="1" dirty="0" smtClean="0">
-                  <a:solidFill>
-                    <a:srgbClr val="FF3300"/>
-                  </a:solidFill>
-                  <a:latin typeface="+mj-lt"/>
-                  <a:cs typeface="Aharoni" panose="02010803020104030203" pitchFamily="2" charset="-79"/>
-                </a:rPr>
-                <a:t>/ </a:t>
-              </a:r>
-              <a:r>
-                <a:rPr lang="es-ES" b="1" dirty="0" err="1" smtClean="0">
-                  <a:solidFill>
-                    <a:srgbClr val="FF3300"/>
-                  </a:solidFill>
-                  <a:latin typeface="+mj-lt"/>
-                  <a:cs typeface="Aharoni" panose="02010803020104030203" pitchFamily="2" charset="-79"/>
-                </a:rPr>
-                <a:t>Uncertain</a:t>
-              </a:r>
-              <a:endParaRPr lang="es-ES" b="1" dirty="0">
-                <a:solidFill>
-                  <a:srgbClr val="FF3300"/>
-                </a:solidFill>
-                <a:latin typeface="+mj-lt"/>
-                <a:cs typeface="Aharoni" panose="02010803020104030203" pitchFamily="2" charset="-79"/>
-              </a:endParaRPr>
-            </a:p>
-          </p:txBody>
-        </p:sp>
-        <p:sp>
-          <p:nvSpPr>
-            <p:cNvPr id="86" name="CuadroTexto 85"/>
-            <p:cNvSpPr txBox="1"/>
-            <p:nvPr/>
-          </p:nvSpPr>
-          <p:spPr>
-            <a:xfrm>
-              <a:off x="10347279" y="1013465"/>
-              <a:ext cx="475643" cy="369332"/>
-            </a:xfrm>
-            <a:prstGeom prst="rect">
-              <a:avLst/>
-            </a:prstGeom>
-            <a:noFill/>
-          </p:spPr>
-          <p:txBody>
-            <a:bodyPr wrap="none" rtlCol="0">
-              <a:spAutoFit/>
-            </a:bodyPr>
-            <a:lstStyle/>
-            <a:p>
-              <a:r>
-                <a:rPr lang="es-ES" b="1" dirty="0" smtClean="0">
-                  <a:solidFill>
-                    <a:srgbClr val="FF3300"/>
-                  </a:solidFill>
-                  <a:latin typeface="+mj-lt"/>
-                  <a:cs typeface="Aharoni" panose="02010803020104030203" pitchFamily="2" charset="-79"/>
-                </a:rPr>
-                <a:t>Yes</a:t>
-              </a:r>
-              <a:endParaRPr lang="es-ES" b="1" dirty="0">
-                <a:solidFill>
-                  <a:srgbClr val="FF3300"/>
-                </a:solidFill>
-                <a:latin typeface="+mj-lt"/>
-                <a:cs typeface="Aharoni" panose="02010803020104030203" pitchFamily="2" charset="-79"/>
-              </a:endParaRPr>
-            </a:p>
-          </p:txBody>
-        </p:sp>
-        <p:sp>
-          <p:nvSpPr>
-            <p:cNvPr id="87" name="CuadroTexto 86"/>
-            <p:cNvSpPr txBox="1"/>
-            <p:nvPr/>
-          </p:nvSpPr>
-          <p:spPr>
-            <a:xfrm>
-              <a:off x="11252755" y="2117759"/>
-              <a:ext cx="501419" cy="369332"/>
-            </a:xfrm>
-            <a:prstGeom prst="rect">
-              <a:avLst/>
-            </a:prstGeom>
-            <a:noFill/>
-          </p:spPr>
-          <p:txBody>
-            <a:bodyPr wrap="square" rtlCol="0">
-              <a:spAutoFit/>
-            </a:bodyPr>
-            <a:lstStyle/>
-            <a:p>
-              <a:r>
-                <a:rPr lang="es-ES" b="1" dirty="0" smtClean="0">
-                  <a:solidFill>
-                    <a:srgbClr val="FF3300"/>
-                  </a:solidFill>
-                  <a:latin typeface="+mj-lt"/>
-                  <a:cs typeface="Aharoni" panose="02010803020104030203" pitchFamily="2" charset="-79"/>
-                </a:rPr>
-                <a:t>No</a:t>
-              </a:r>
-              <a:endParaRPr lang="es-ES" b="1" dirty="0">
-                <a:solidFill>
-                  <a:srgbClr val="FF3300"/>
-                </a:solidFill>
-                <a:latin typeface="+mj-lt"/>
-                <a:cs typeface="Aharoni" panose="02010803020104030203" pitchFamily="2" charset="-79"/>
-              </a:endParaRPr>
-            </a:p>
-          </p:txBody>
-        </p:sp>
         <p:cxnSp>
           <p:nvCxnSpPr>
-            <p:cNvPr id="91" name="Conector recto de flecha 90"/>
-            <p:cNvCxnSpPr/>
+            <p:cNvPr id="45" name="Conector recto de flecha 44"/>
+            <p:cNvCxnSpPr>
+              <a:stCxn id="43" idx="6"/>
+              <a:endCxn id="24" idx="1"/>
+            </p:cNvCxnSpPr>
             <p:nvPr/>
           </p:nvCxnSpPr>
           <p:spPr>
             <a:xfrm flipV="1">
-              <a:off x="12540488" y="2474522"/>
-              <a:ext cx="0" cy="2372737"/>
+              <a:off x="6939812" y="2358263"/>
+              <a:ext cx="1245224" cy="19384"/>
             </a:xfrm>
             <a:prstGeom prst="straightConnector1">
               <a:avLst/>
             </a:prstGeom>
-            <a:ln w="28575">
+            <a:ln w="28575" cmpd="sng">
               <a:solidFill>
                 <a:srgbClr val="7240F0"/>
               </a:solidFill>
+              <a:prstDash val="solid"/>
               <a:tailEnd type="triangle" w="lg" len="lg"/>
             </a:ln>
           </p:spPr>
@@ -34313,14 +35968,14 @@
         </p:cxnSp>
         <p:sp>
           <p:nvSpPr>
-            <p:cNvPr id="100" name="CuadroTexto 99"/>
+            <p:cNvPr id="70" name="CuadroTexto 69"/>
             <p:cNvSpPr txBox="1"/>
             <p:nvPr/>
           </p:nvSpPr>
           <p:spPr>
             <a:xfrm>
-              <a:off x="10303700" y="1402954"/>
-              <a:ext cx="1137299" cy="338554"/>
+              <a:off x="10407259" y="2470713"/>
+              <a:ext cx="1691938" cy="338554"/>
             </a:xfrm>
             <a:prstGeom prst="rect">
               <a:avLst/>
@@ -34357,7 +36012,7 @@
                   <a:latin typeface="+mj-lt"/>
                   <a:cs typeface="Aharoni" panose="02010803020104030203" pitchFamily="2" charset="-79"/>
                 </a:rPr>
-                <a:t>counter</a:t>
+                <a:t>insult_counter</a:t>
               </a:r>
               <a:r>
                 <a:rPr lang="es-ES" sz="1600" dirty="0" smtClean="0">
@@ -34370,7 +36025,7 @@
                   <a:latin typeface="+mj-lt"/>
                   <a:cs typeface="Aharoni" panose="02010803020104030203" pitchFamily="2" charset="-79"/>
                 </a:rPr>
-                <a:t>=1</a:t>
+                <a:t>=0</a:t>
               </a:r>
               <a:endParaRPr lang="es-ES" sz="1600" dirty="0">
                 <a:solidFill>
@@ -34385,11 +36040,629 @@
             </a:p>
           </p:txBody>
         </p:sp>
+        <p:sp>
+          <p:nvSpPr>
+            <p:cNvPr id="73" name="CuadroTexto 72"/>
+            <p:cNvSpPr txBox="1"/>
+            <p:nvPr/>
+          </p:nvSpPr>
+          <p:spPr>
+            <a:xfrm>
+              <a:off x="10380874" y="1938931"/>
+              <a:ext cx="475643" cy="369332"/>
+            </a:xfrm>
+            <a:prstGeom prst="rect">
+              <a:avLst/>
+            </a:prstGeom>
+            <a:noFill/>
+          </p:spPr>
+          <p:txBody>
+            <a:bodyPr wrap="none" rtlCol="0">
+              <a:spAutoFit/>
+            </a:bodyPr>
+            <a:lstStyle/>
+            <a:p>
+              <a:r>
+                <a:rPr lang="es-ES" b="1" dirty="0" smtClean="0">
+                  <a:solidFill>
+                    <a:srgbClr val="FF3300"/>
+                  </a:solidFill>
+                  <a:latin typeface="+mj-lt"/>
+                  <a:cs typeface="Aharoni" panose="02010803020104030203" pitchFamily="2" charset="-79"/>
+                </a:rPr>
+                <a:t>Yes</a:t>
+              </a:r>
+              <a:endParaRPr lang="es-ES" b="1" dirty="0">
+                <a:solidFill>
+                  <a:srgbClr val="FF3300"/>
+                </a:solidFill>
+                <a:latin typeface="+mj-lt"/>
+                <a:cs typeface="Aharoni" panose="02010803020104030203" pitchFamily="2" charset="-79"/>
+              </a:endParaRPr>
+            </a:p>
+          </p:txBody>
+        </p:sp>
       </p:grpSp>
     </p:spTree>
     <p:extLst>
       <p:ext uri="{BB962C8B-B14F-4D97-AF65-F5344CB8AC3E}">
-        <p14:creationId xmlns:p14="http://schemas.microsoft.com/office/powerpoint/2010/main" val="1409027070"/>
+        <p14:creationId xmlns:p14="http://schemas.microsoft.com/office/powerpoint/2010/main" val="2630367450"/>
+      </p:ext>
+    </p:extLst>
+  </p:cSld>
+  <p:clrMapOvr>
+    <a:masterClrMapping/>
+  </p:clrMapOvr>
+</p:sld>
+</file>
+
+<file path=ppt/slides/slide29.xml><?xml version="1.0" encoding="utf-8"?>
+<p:sld xmlns:a="http://schemas.openxmlformats.org/drawingml/2006/main" xmlns:r="http://schemas.openxmlformats.org/officeDocument/2006/relationships" xmlns:p="http://schemas.openxmlformats.org/presentationml/2006/main">
+  <p:cSld>
+    <p:spTree>
+      <p:nvGrpSpPr>
+        <p:cNvPr id="1" name=""/>
+        <p:cNvGrpSpPr/>
+        <p:nvPr/>
+      </p:nvGrpSpPr>
+      <p:grpSpPr>
+        <a:xfrm>
+          <a:off x="0" y="0"/>
+          <a:ext cx="0" cy="0"/>
+          <a:chOff x="0" y="0"/>
+          <a:chExt cx="0" cy="0"/>
+        </a:xfrm>
+      </p:grpSpPr>
+      <p:grpSp>
+        <p:nvGrpSpPr>
+          <p:cNvPr id="45" name="Grupo 44"/>
+          <p:cNvGrpSpPr/>
+          <p:nvPr/>
+        </p:nvGrpSpPr>
+        <p:grpSpPr>
+          <a:xfrm>
+            <a:off x="297563" y="546615"/>
+            <a:ext cx="11785605" cy="5641834"/>
+            <a:chOff x="297563" y="546615"/>
+            <a:chExt cx="11785605" cy="5641834"/>
+          </a:xfrm>
+        </p:grpSpPr>
+        <p:grpSp>
+          <p:nvGrpSpPr>
+            <p:cNvPr id="31" name="Grupo 30"/>
+            <p:cNvGrpSpPr/>
+            <p:nvPr/>
+          </p:nvGrpSpPr>
+          <p:grpSpPr>
+            <a:xfrm>
+              <a:off x="357789" y="563171"/>
+              <a:ext cx="11665152" cy="5608722"/>
+              <a:chOff x="554493" y="613610"/>
+              <a:chExt cx="11665152" cy="5608722"/>
+            </a:xfrm>
+          </p:grpSpPr>
+          <p:grpSp>
+            <p:nvGrpSpPr>
+              <p:cNvPr id="9" name="Grupo 8"/>
+              <p:cNvGrpSpPr/>
+              <p:nvPr/>
+            </p:nvGrpSpPr>
+            <p:grpSpPr>
+              <a:xfrm>
+                <a:off x="554493" y="725957"/>
+                <a:ext cx="11665152" cy="5494371"/>
+                <a:chOff x="554493" y="725957"/>
+                <a:chExt cx="11665152" cy="5494371"/>
+              </a:xfrm>
+            </p:grpSpPr>
+            <p:pic>
+              <p:nvPicPr>
+                <p:cNvPr id="3" name="Imagen 2"/>
+                <p:cNvPicPr>
+                  <a:picLocks noChangeAspect="1"/>
+                </p:cNvPicPr>
+                <p:nvPr/>
+              </p:nvPicPr>
+              <p:blipFill rotWithShape="1">
+                <a:blip r:embed="rId2">
+                  <a:extLst>
+                    <a:ext uri="{28A0092B-C50C-407E-A947-70E740481C1C}">
+                      <a14:useLocalDpi xmlns:a14="http://schemas.microsoft.com/office/drawing/2010/main" val="0"/>
+                    </a:ext>
+                  </a:extLst>
+                </a:blip>
+                <a:srcRect t="11930" b="13684"/>
+                <a:stretch/>
+              </p:blipFill>
+              <p:spPr>
+                <a:xfrm>
+                  <a:off x="554493" y="1104900"/>
+                  <a:ext cx="3855749" cy="5101390"/>
+                </a:xfrm>
+                <a:prstGeom prst="rect">
+                  <a:avLst/>
+                </a:prstGeom>
+              </p:spPr>
+            </p:pic>
+            <p:pic>
+              <p:nvPicPr>
+                <p:cNvPr id="4" name="Imagen 3"/>
+                <p:cNvPicPr>
+                  <a:picLocks noChangeAspect="1"/>
+                </p:cNvPicPr>
+                <p:nvPr/>
+              </p:nvPicPr>
+              <p:blipFill rotWithShape="1">
+                <a:blip r:embed="rId3">
+                  <a:extLst>
+                    <a:ext uri="{28A0092B-C50C-407E-A947-70E740481C1C}">
+                      <a14:useLocalDpi xmlns:a14="http://schemas.microsoft.com/office/drawing/2010/main" val="0"/>
+                    </a:ext>
+                  </a:extLst>
+                </a:blip>
+                <a:srcRect t="11930" b="13684"/>
+                <a:stretch/>
+              </p:blipFill>
+              <p:spPr>
+                <a:xfrm>
+                  <a:off x="8363896" y="1118938"/>
+                  <a:ext cx="3855749" cy="5101390"/>
+                </a:xfrm>
+                <a:prstGeom prst="rect">
+                  <a:avLst/>
+                </a:prstGeom>
+              </p:spPr>
+            </p:pic>
+            <p:pic>
+              <p:nvPicPr>
+                <p:cNvPr id="5" name="Imagen 4"/>
+                <p:cNvPicPr>
+                  <a:picLocks noChangeAspect="1"/>
+                </p:cNvPicPr>
+                <p:nvPr/>
+              </p:nvPicPr>
+              <p:blipFill rotWithShape="1">
+                <a:blip r:embed="rId4">
+                  <a:extLst>
+                    <a:ext uri="{28A0092B-C50C-407E-A947-70E740481C1C}">
+                      <a14:useLocalDpi xmlns:a14="http://schemas.microsoft.com/office/drawing/2010/main" val="0"/>
+                    </a:ext>
+                  </a:extLst>
+                </a:blip>
+                <a:srcRect t="12105" b="13684"/>
+                <a:stretch/>
+              </p:blipFill>
+              <p:spPr>
+                <a:xfrm>
+                  <a:off x="4508147" y="1118938"/>
+                  <a:ext cx="3855749" cy="5089357"/>
+                </a:xfrm>
+                <a:prstGeom prst="rect">
+                  <a:avLst/>
+                </a:prstGeom>
+              </p:spPr>
+            </p:pic>
+            <p:sp>
+              <p:nvSpPr>
+                <p:cNvPr id="6" name="CuadroTexto 5"/>
+                <p:cNvSpPr txBox="1"/>
+                <p:nvPr/>
+              </p:nvSpPr>
+              <p:spPr>
+                <a:xfrm>
+                  <a:off x="1954017" y="752232"/>
+                  <a:ext cx="1056700" cy="369332"/>
+                </a:xfrm>
+                <a:prstGeom prst="rect">
+                  <a:avLst/>
+                </a:prstGeom>
+                <a:noFill/>
+              </p:spPr>
+              <p:txBody>
+                <a:bodyPr wrap="none" rtlCol="0">
+                  <a:spAutoFit/>
+                </a:bodyPr>
+                <a:lstStyle/>
+                <a:p>
+                  <a:r>
+                    <a:rPr lang="es-ES" b="1" dirty="0" smtClean="0">
+                      <a:solidFill>
+                        <a:srgbClr val="FFC000"/>
+                      </a:solidFill>
+                    </a:rPr>
+                    <a:t>POSITIVE</a:t>
+                  </a:r>
+                  <a:endParaRPr lang="es-ES" b="1" dirty="0">
+                    <a:solidFill>
+                      <a:srgbClr val="FFC000"/>
+                    </a:solidFill>
+                  </a:endParaRPr>
+                </a:p>
+              </p:txBody>
+            </p:sp>
+            <p:sp>
+              <p:nvSpPr>
+                <p:cNvPr id="7" name="CuadroTexto 6"/>
+                <p:cNvSpPr txBox="1"/>
+                <p:nvPr/>
+              </p:nvSpPr>
+              <p:spPr>
+                <a:xfrm>
+                  <a:off x="5208057" y="749606"/>
+                  <a:ext cx="2455929" cy="369332"/>
+                </a:xfrm>
+                <a:prstGeom prst="rect">
+                  <a:avLst/>
+                </a:prstGeom>
+                <a:noFill/>
+              </p:spPr>
+              <p:txBody>
+                <a:bodyPr wrap="none" rtlCol="0">
+                  <a:spAutoFit/>
+                </a:bodyPr>
+                <a:lstStyle/>
+                <a:p>
+                  <a:r>
+                    <a:rPr lang="es-ES" b="1" dirty="0" smtClean="0">
+                      <a:solidFill>
+                        <a:srgbClr val="FFC000"/>
+                      </a:solidFill>
+                    </a:rPr>
+                    <a:t>UNKNOWN + NEGATIVE</a:t>
+                  </a:r>
+                  <a:endParaRPr lang="es-ES" b="1" dirty="0">
+                    <a:solidFill>
+                      <a:srgbClr val="FFC000"/>
+                    </a:solidFill>
+                  </a:endParaRPr>
+                </a:p>
+              </p:txBody>
+            </p:sp>
+            <p:sp>
+              <p:nvSpPr>
+                <p:cNvPr id="8" name="CuadroTexto 7"/>
+                <p:cNvSpPr txBox="1"/>
+                <p:nvPr/>
+              </p:nvSpPr>
+              <p:spPr>
+                <a:xfrm>
+                  <a:off x="9642970" y="725957"/>
+                  <a:ext cx="1297599" cy="369332"/>
+                </a:xfrm>
+                <a:prstGeom prst="rect">
+                  <a:avLst/>
+                </a:prstGeom>
+                <a:noFill/>
+              </p:spPr>
+              <p:txBody>
+                <a:bodyPr wrap="none" rtlCol="0">
+                  <a:spAutoFit/>
+                </a:bodyPr>
+                <a:lstStyle/>
+                <a:p>
+                  <a:r>
+                    <a:rPr lang="es-ES" b="1" dirty="0" smtClean="0">
+                      <a:solidFill>
+                        <a:srgbClr val="FFC000"/>
+                      </a:solidFill>
+                    </a:rPr>
+                    <a:t>UNCERTAIN</a:t>
+                  </a:r>
+                  <a:endParaRPr lang="es-ES" b="1" dirty="0">
+                    <a:solidFill>
+                      <a:srgbClr val="FFC000"/>
+                    </a:solidFill>
+                  </a:endParaRPr>
+                </a:p>
+              </p:txBody>
+            </p:sp>
+          </p:grpSp>
+          <p:cxnSp>
+            <p:nvCxnSpPr>
+              <p:cNvPr id="11" name="Conector recto 10"/>
+              <p:cNvCxnSpPr/>
+              <p:nvPr/>
+            </p:nvCxnSpPr>
+            <p:spPr>
+              <a:xfrm flipH="1">
+                <a:off x="4348867" y="627647"/>
+                <a:ext cx="32635" cy="5594685"/>
+              </a:xfrm>
+              <a:prstGeom prst="line">
+                <a:avLst/>
+              </a:prstGeom>
+              <a:ln w="38100">
+                <a:solidFill>
+                  <a:srgbClr val="FFC000"/>
+                </a:solidFill>
+              </a:ln>
+            </p:spPr>
+            <p:style>
+              <a:lnRef idx="1">
+                <a:schemeClr val="accent1"/>
+              </a:lnRef>
+              <a:fillRef idx="0">
+                <a:schemeClr val="accent1"/>
+              </a:fillRef>
+              <a:effectRef idx="0">
+                <a:schemeClr val="accent1"/>
+              </a:effectRef>
+              <a:fontRef idx="minor">
+                <a:schemeClr val="tx1"/>
+              </a:fontRef>
+            </p:style>
+          </p:cxnSp>
+          <p:cxnSp>
+            <p:nvCxnSpPr>
+              <p:cNvPr id="12" name="Conector recto 11"/>
+              <p:cNvCxnSpPr/>
+              <p:nvPr/>
+            </p:nvCxnSpPr>
+            <p:spPr>
+              <a:xfrm flipH="1">
+                <a:off x="8314214" y="613610"/>
+                <a:ext cx="2459" cy="5590675"/>
+              </a:xfrm>
+              <a:prstGeom prst="line">
+                <a:avLst/>
+              </a:prstGeom>
+              <a:ln w="38100">
+                <a:solidFill>
+                  <a:srgbClr val="FFC000"/>
+                </a:solidFill>
+              </a:ln>
+            </p:spPr>
+            <p:style>
+              <a:lnRef idx="1">
+                <a:schemeClr val="accent1"/>
+              </a:lnRef>
+              <a:fillRef idx="0">
+                <a:schemeClr val="accent1"/>
+              </a:fillRef>
+              <a:effectRef idx="0">
+                <a:schemeClr val="accent1"/>
+              </a:effectRef>
+              <a:fontRef idx="minor">
+                <a:schemeClr val="tx1"/>
+              </a:fontRef>
+            </p:style>
+          </p:cxnSp>
+        </p:grpSp>
+        <p:sp>
+          <p:nvSpPr>
+            <p:cNvPr id="40" name="Rectángulo 39"/>
+            <p:cNvSpPr/>
+            <p:nvPr/>
+          </p:nvSpPr>
+          <p:spPr>
+            <a:xfrm>
+              <a:off x="297563" y="546615"/>
+              <a:ext cx="11785605" cy="5641834"/>
+            </a:xfrm>
+            <a:prstGeom prst="rect">
+              <a:avLst/>
+            </a:prstGeom>
+            <a:noFill/>
+            <a:ln w="38100">
+              <a:solidFill>
+                <a:srgbClr val="FFC000"/>
+              </a:solidFill>
+            </a:ln>
+          </p:spPr>
+          <p:style>
+            <a:lnRef idx="2">
+              <a:schemeClr val="accent1">
+                <a:shade val="50000"/>
+              </a:schemeClr>
+            </a:lnRef>
+            <a:fillRef idx="1">
+              <a:schemeClr val="accent1"/>
+            </a:fillRef>
+            <a:effectRef idx="0">
+              <a:schemeClr val="accent1"/>
+            </a:effectRef>
+            <a:fontRef idx="minor">
+              <a:schemeClr val="lt1"/>
+            </a:fontRef>
+          </p:style>
+          <p:txBody>
+            <a:bodyPr rtlCol="0" anchor="ctr"/>
+            <a:lstStyle/>
+            <a:p>
+              <a:pPr algn="ctr"/>
+              <a:endParaRPr lang="es-ES"/>
+            </a:p>
+          </p:txBody>
+        </p:sp>
+        <p:sp>
+          <p:nvSpPr>
+            <p:cNvPr id="41" name="Rectángulo 40"/>
+            <p:cNvSpPr/>
+            <p:nvPr/>
+          </p:nvSpPr>
+          <p:spPr>
+            <a:xfrm>
+              <a:off x="1066520" y="2784143"/>
+              <a:ext cx="2017874" cy="279246"/>
+            </a:xfrm>
+            <a:prstGeom prst="rect">
+              <a:avLst/>
+            </a:prstGeom>
+            <a:noFill/>
+            <a:ln w="19050">
+              <a:solidFill>
+                <a:srgbClr val="FFC000"/>
+              </a:solidFill>
+            </a:ln>
+          </p:spPr>
+          <p:style>
+            <a:lnRef idx="2">
+              <a:schemeClr val="accent1">
+                <a:shade val="50000"/>
+              </a:schemeClr>
+            </a:lnRef>
+            <a:fillRef idx="1">
+              <a:schemeClr val="accent1"/>
+            </a:fillRef>
+            <a:effectRef idx="0">
+              <a:schemeClr val="accent1"/>
+            </a:effectRef>
+            <a:fontRef idx="minor">
+              <a:schemeClr val="lt1"/>
+            </a:fontRef>
+          </p:style>
+          <p:txBody>
+            <a:bodyPr rtlCol="0" anchor="ctr"/>
+            <a:lstStyle/>
+            <a:p>
+              <a:pPr algn="ctr"/>
+              <a:endParaRPr lang="es-ES"/>
+            </a:p>
+          </p:txBody>
+        </p:sp>
+        <p:sp>
+          <p:nvSpPr>
+            <p:cNvPr id="42" name="Rectángulo 41"/>
+            <p:cNvSpPr/>
+            <p:nvPr/>
+          </p:nvSpPr>
+          <p:spPr>
+            <a:xfrm>
+              <a:off x="5026924" y="3714465"/>
+              <a:ext cx="2017874" cy="279246"/>
+            </a:xfrm>
+            <a:prstGeom prst="rect">
+              <a:avLst/>
+            </a:prstGeom>
+            <a:noFill/>
+            <a:ln w="19050">
+              <a:solidFill>
+                <a:srgbClr val="FFC000"/>
+              </a:solidFill>
+            </a:ln>
+          </p:spPr>
+          <p:style>
+            <a:lnRef idx="2">
+              <a:schemeClr val="accent1">
+                <a:shade val="50000"/>
+              </a:schemeClr>
+            </a:lnRef>
+            <a:fillRef idx="1">
+              <a:schemeClr val="accent1"/>
+            </a:fillRef>
+            <a:effectRef idx="0">
+              <a:schemeClr val="accent1"/>
+            </a:effectRef>
+            <a:fontRef idx="minor">
+              <a:schemeClr val="lt1"/>
+            </a:fontRef>
+          </p:style>
+          <p:txBody>
+            <a:bodyPr rtlCol="0" anchor="ctr"/>
+            <a:lstStyle/>
+            <a:p>
+              <a:pPr algn="ctr"/>
+              <a:endParaRPr lang="es-ES"/>
+            </a:p>
+          </p:txBody>
+        </p:sp>
+        <p:sp>
+          <p:nvSpPr>
+            <p:cNvPr id="43" name="Rectángulo 42"/>
+            <p:cNvSpPr/>
+            <p:nvPr/>
+          </p:nvSpPr>
+          <p:spPr>
+            <a:xfrm>
+              <a:off x="5026924" y="5133833"/>
+              <a:ext cx="2017874" cy="279246"/>
+            </a:xfrm>
+            <a:prstGeom prst="rect">
+              <a:avLst/>
+            </a:prstGeom>
+            <a:noFill/>
+            <a:ln w="19050">
+              <a:solidFill>
+                <a:srgbClr val="FFC000"/>
+              </a:solidFill>
+            </a:ln>
+          </p:spPr>
+          <p:style>
+            <a:lnRef idx="2">
+              <a:schemeClr val="accent1">
+                <a:shade val="50000"/>
+              </a:schemeClr>
+            </a:lnRef>
+            <a:fillRef idx="1">
+              <a:schemeClr val="accent1"/>
+            </a:fillRef>
+            <a:effectRef idx="0">
+              <a:schemeClr val="accent1"/>
+            </a:effectRef>
+            <a:fontRef idx="minor">
+              <a:schemeClr val="lt1"/>
+            </a:fontRef>
+          </p:style>
+          <p:txBody>
+            <a:bodyPr rtlCol="0" anchor="ctr"/>
+            <a:lstStyle/>
+            <a:p>
+              <a:pPr algn="ctr"/>
+              <a:endParaRPr lang="es-ES"/>
+            </a:p>
+          </p:txBody>
+        </p:sp>
+        <p:sp>
+          <p:nvSpPr>
+            <p:cNvPr id="44" name="Rectángulo 43"/>
+            <p:cNvSpPr/>
+            <p:nvPr/>
+          </p:nvSpPr>
+          <p:spPr>
+            <a:xfrm>
+              <a:off x="8882673" y="5133833"/>
+              <a:ext cx="2263754" cy="279246"/>
+            </a:xfrm>
+            <a:prstGeom prst="rect">
+              <a:avLst/>
+            </a:prstGeom>
+            <a:noFill/>
+            <a:ln w="19050">
+              <a:solidFill>
+                <a:srgbClr val="FFC000"/>
+              </a:solidFill>
+            </a:ln>
+          </p:spPr>
+          <p:style>
+            <a:lnRef idx="2">
+              <a:schemeClr val="accent1">
+                <a:shade val="50000"/>
+              </a:schemeClr>
+            </a:lnRef>
+            <a:fillRef idx="1">
+              <a:schemeClr val="accent1"/>
+            </a:fillRef>
+            <a:effectRef idx="0">
+              <a:schemeClr val="accent1"/>
+            </a:effectRef>
+            <a:fontRef idx="minor">
+              <a:schemeClr val="lt1"/>
+            </a:fontRef>
+          </p:style>
+          <p:txBody>
+            <a:bodyPr rtlCol="0" anchor="ctr"/>
+            <a:lstStyle/>
+            <a:p>
+              <a:pPr algn="ctr"/>
+              <a:endParaRPr lang="es-ES"/>
+            </a:p>
+          </p:txBody>
+        </p:sp>
+      </p:grpSp>
+    </p:spTree>
+    <p:extLst>
+      <p:ext uri="{BB962C8B-B14F-4D97-AF65-F5344CB8AC3E}">
+        <p14:creationId xmlns:p14="http://schemas.microsoft.com/office/powerpoint/2010/main" val="2689650859"/>
       </p:ext>
     </p:extLst>
   </p:cSld>
